--- a/figures/figures.pptx
+++ b/figures/figures.pptx
@@ -104,6 +104,11 @@
       </a:defRPr>
     </a:lvl9pPr>
   </p:defaultTextStyle>
+  <p:extLst>
+    <p:ext uri="{EFAFB233-063F-42B5-8137-9DF3F51BA10A}">
+      <p15:sldGuideLst xmlns:p15="http://schemas.microsoft.com/office/powerpoint/2012/main"/>
+    </p:ext>
+  </p:extLst>
 </p:presentation>
 </file>
 
@@ -2974,8 +2979,8 @@
         </p:nvSpPr>
         <p:spPr>
           <a:xfrm>
-            <a:off x="134913" y="140746"/>
-            <a:ext cx="5146906" cy="4300689"/>
+            <a:off x="688550" y="691573"/>
+            <a:ext cx="4415233" cy="3119162"/>
           </a:xfrm>
           <a:prstGeom prst="rect">
             <a:avLst/>
@@ -3045,7 +3050,7 @@
         </p:blipFill>
         <p:spPr>
           <a:xfrm>
-            <a:off x="2113768" y="2599602"/>
+            <a:off x="2113768" y="2229944"/>
             <a:ext cx="1054582" cy="824594"/>
           </a:xfrm>
           <a:prstGeom prst="rect">
@@ -3053,67 +3058,6 @@
           </a:prstGeom>
         </p:spPr>
       </p:pic>
-      <p:sp>
-        <p:nvSpPr>
-          <p:cNvPr id="6" name="Rectangle 5"/>
-          <p:cNvSpPr/>
-          <p:nvPr/>
-        </p:nvSpPr>
-        <p:spPr>
-          <a:xfrm>
-            <a:off x="1969770" y="3722022"/>
-            <a:ext cx="1342578" cy="437744"/>
-          </a:xfrm>
-          <a:prstGeom prst="rect">
-            <a:avLst/>
-          </a:prstGeom>
-          <a:solidFill>
-            <a:schemeClr val="tx2">
-              <a:lumMod val="20000"/>
-              <a:lumOff val="80000"/>
-            </a:schemeClr>
-          </a:solidFill>
-          <a:ln w="19050">
-            <a:solidFill>
-              <a:schemeClr val="tx1">
-                <a:lumMod val="75000"/>
-                <a:lumOff val="25000"/>
-              </a:schemeClr>
-            </a:solidFill>
-          </a:ln>
-        </p:spPr>
-        <p:style>
-          <a:lnRef idx="2">
-            <a:schemeClr val="accent1">
-              <a:shade val="50000"/>
-            </a:schemeClr>
-          </a:lnRef>
-          <a:fillRef idx="1">
-            <a:schemeClr val="accent1"/>
-          </a:fillRef>
-          <a:effectRef idx="0">
-            <a:schemeClr val="accent1"/>
-          </a:effectRef>
-          <a:fontRef idx="minor">
-            <a:schemeClr val="lt1"/>
-          </a:fontRef>
-        </p:style>
-        <p:txBody>
-          <a:bodyPr rtlCol="0" anchor="ctr"/>
-          <a:lstStyle/>
-          <a:p>
-            <a:pPr algn="ctr"/>
-            <a:r>
-              <a:rPr lang="en-US" dirty="0">
-                <a:solidFill>
-                  <a:sysClr val="windowText" lastClr="000000"/>
-                </a:solidFill>
-              </a:rPr>
-              <a:t>NIC</a:t>
-            </a:r>
-          </a:p>
-        </p:txBody>
-      </p:sp>
       <p:cxnSp>
         <p:nvCxnSpPr>
           <p:cNvPr id="18" name="Straight Connector 17"/>
@@ -3125,7 +3069,7 @@
         <p:spPr>
           <a:xfrm>
             <a:off x="1483309" y="1920110"/>
-            <a:ext cx="845871" cy="773415"/>
+            <a:ext cx="860218" cy="414528"/>
           </a:xfrm>
           <a:prstGeom prst="line">
             <a:avLst/>
@@ -3329,8 +3273,8 @@
         </p:nvCxnSpPr>
         <p:spPr>
           <a:xfrm flipH="1">
-            <a:off x="2959639" y="1916868"/>
-            <a:ext cx="738339" cy="776657"/>
+            <a:off x="2908570" y="1916868"/>
+            <a:ext cx="789408" cy="417770"/>
           </a:xfrm>
           <a:prstGeom prst="line">
             <a:avLst/>
@@ -3532,7 +3476,7 @@
         </p:nvCxnSpPr>
         <p:spPr>
           <a:xfrm>
-            <a:off x="2641059" y="3392160"/>
+            <a:off x="2641059" y="3012785"/>
             <a:ext cx="0" cy="327609"/>
           </a:xfrm>
           <a:prstGeom prst="line">
@@ -3570,8 +3514,8 @@
         </p:nvCxnSpPr>
         <p:spPr>
           <a:xfrm rot="16200000" flipH="1">
-            <a:off x="2450985" y="4349839"/>
-            <a:ext cx="1007262" cy="627115"/>
+            <a:off x="2502475" y="3831423"/>
+            <a:ext cx="641333" cy="364164"/>
           </a:xfrm>
           <a:prstGeom prst="bentConnector2">
             <a:avLst/>
@@ -3605,7 +3549,7 @@
         </p:nvSpPr>
         <p:spPr>
           <a:xfrm>
-            <a:off x="3107399" y="2884608"/>
+            <a:off x="3107399" y="2514950"/>
             <a:ext cx="1636096" cy="646331"/>
           </a:xfrm>
           <a:prstGeom prst="rect">
@@ -3634,7 +3578,7 @@
         </p:nvSpPr>
         <p:spPr>
           <a:xfrm>
-            <a:off x="366164" y="129171"/>
+            <a:off x="735812" y="216723"/>
             <a:ext cx="1352145" cy="461665"/>
           </a:xfrm>
           <a:prstGeom prst="rect">
@@ -3667,8 +3611,8 @@
         </p:nvSpPr>
         <p:spPr>
           <a:xfrm>
-            <a:off x="5634716" y="142674"/>
-            <a:ext cx="2857339" cy="4300689"/>
+            <a:off x="5279886" y="688116"/>
+            <a:ext cx="2146761" cy="3124284"/>
           </a:xfrm>
           <a:prstGeom prst="rect">
             <a:avLst/>
@@ -3738,7 +3682,7 @@
         </p:blipFill>
         <p:spPr>
           <a:xfrm>
-            <a:off x="6502504" y="2651760"/>
+            <a:off x="5539178" y="2283241"/>
             <a:ext cx="1054582" cy="774364"/>
           </a:xfrm>
           <a:prstGeom prst="rect">
@@ -3746,67 +3690,6 @@
           </a:prstGeom>
         </p:spPr>
       </p:pic>
-      <p:sp>
-        <p:nvSpPr>
-          <p:cNvPr id="59" name="Rectangle 58"/>
-          <p:cNvSpPr/>
-          <p:nvPr/>
-        </p:nvSpPr>
-        <p:spPr>
-          <a:xfrm>
-            <a:off x="6358506" y="3723950"/>
-            <a:ext cx="1342578" cy="437744"/>
-          </a:xfrm>
-          <a:prstGeom prst="rect">
-            <a:avLst/>
-          </a:prstGeom>
-          <a:solidFill>
-            <a:schemeClr val="tx2">
-              <a:lumMod val="20000"/>
-              <a:lumOff val="80000"/>
-            </a:schemeClr>
-          </a:solidFill>
-          <a:ln w="19050">
-            <a:solidFill>
-              <a:schemeClr val="tx1">
-                <a:lumMod val="75000"/>
-                <a:lumOff val="25000"/>
-              </a:schemeClr>
-            </a:solidFill>
-          </a:ln>
-        </p:spPr>
-        <p:style>
-          <a:lnRef idx="2">
-            <a:schemeClr val="accent1">
-              <a:shade val="50000"/>
-            </a:schemeClr>
-          </a:lnRef>
-          <a:fillRef idx="1">
-            <a:schemeClr val="accent1"/>
-          </a:fillRef>
-          <a:effectRef idx="0">
-            <a:schemeClr val="accent1"/>
-          </a:effectRef>
-          <a:fontRef idx="minor">
-            <a:schemeClr val="lt1"/>
-          </a:fontRef>
-        </p:style>
-        <p:txBody>
-          <a:bodyPr rtlCol="0" anchor="ctr"/>
-          <a:lstStyle/>
-          <a:p>
-            <a:pPr algn="ctr"/>
-            <a:r>
-              <a:rPr lang="en-US" dirty="0">
-                <a:solidFill>
-                  <a:sysClr val="windowText" lastClr="000000"/>
-                </a:solidFill>
-              </a:rPr>
-              <a:t>NIC</a:t>
-            </a:r>
-          </a:p>
-        </p:txBody>
-      </p:sp>
       <p:cxnSp>
         <p:nvCxnSpPr>
           <p:cNvPr id="60" name="Straight Connector 59"/>
@@ -3817,9 +3700,9 @@
           <p:nvPr/>
         </p:nvCxnSpPr>
         <p:spPr>
-          <a:xfrm>
-            <a:off x="7029515" y="1922038"/>
-            <a:ext cx="280" cy="729722"/>
+          <a:xfrm flipH="1">
+            <a:off x="6066469" y="1922038"/>
+            <a:ext cx="1" cy="361203"/>
           </a:xfrm>
           <a:prstGeom prst="line">
             <a:avLst/>
@@ -3853,7 +3736,7 @@
         </p:nvGrpSpPr>
         <p:grpSpPr>
           <a:xfrm>
-            <a:off x="6358226" y="828421"/>
+            <a:off x="5395181" y="828421"/>
             <a:ext cx="2096550" cy="1221218"/>
             <a:chOff x="598008" y="826493"/>
             <a:chExt cx="2096550" cy="1221218"/>
@@ -4021,7 +3904,7 @@
         </p:nvCxnSpPr>
         <p:spPr>
           <a:xfrm>
-            <a:off x="7029795" y="3394088"/>
+            <a:off x="6066750" y="3014713"/>
             <a:ext cx="0" cy="327609"/>
           </a:xfrm>
           <a:prstGeom prst="line">
@@ -4056,7 +3939,7 @@
         </p:nvSpPr>
         <p:spPr>
           <a:xfrm>
-            <a:off x="5842920" y="131099"/>
+            <a:off x="5307893" y="238107"/>
             <a:ext cx="1352145" cy="461665"/>
           </a:xfrm>
           <a:prstGeom prst="rect">
@@ -4089,7 +3972,7 @@
         </p:nvCxnSpPr>
         <p:spPr>
           <a:xfrm rot="5400000">
-            <a:off x="6215265" y="4349839"/>
+            <a:off x="5261952" y="3571616"/>
             <a:ext cx="1007262" cy="627115"/>
           </a:xfrm>
           <a:prstGeom prst="bentConnector2">
@@ -4124,8 +4007,8 @@
         </p:nvGrpSpPr>
         <p:grpSpPr>
           <a:xfrm>
-            <a:off x="3254447" y="4669757"/>
-            <a:ext cx="3386995" cy="1202692"/>
+            <a:off x="2993878" y="3891534"/>
+            <a:ext cx="2799169" cy="1057302"/>
             <a:chOff x="3284927" y="4669757"/>
             <a:chExt cx="3386995" cy="1202692"/>
           </a:xfrm>
@@ -4768,6 +4651,128 @@
           </p:txBody>
         </p:sp>
       </p:grpSp>
+      <p:sp>
+        <p:nvSpPr>
+          <p:cNvPr id="59" name="Rectangle 58"/>
+          <p:cNvSpPr/>
+          <p:nvPr/>
+        </p:nvSpPr>
+        <p:spPr>
+          <a:xfrm>
+            <a:off x="5395461" y="3257023"/>
+            <a:ext cx="1342578" cy="437744"/>
+          </a:xfrm>
+          <a:prstGeom prst="rect">
+            <a:avLst/>
+          </a:prstGeom>
+          <a:solidFill>
+            <a:schemeClr val="tx2">
+              <a:lumMod val="20000"/>
+              <a:lumOff val="80000"/>
+            </a:schemeClr>
+          </a:solidFill>
+          <a:ln w="19050">
+            <a:solidFill>
+              <a:schemeClr val="tx1">
+                <a:lumMod val="75000"/>
+                <a:lumOff val="25000"/>
+              </a:schemeClr>
+            </a:solidFill>
+          </a:ln>
+        </p:spPr>
+        <p:style>
+          <a:lnRef idx="2">
+            <a:schemeClr val="accent1">
+              <a:shade val="50000"/>
+            </a:schemeClr>
+          </a:lnRef>
+          <a:fillRef idx="1">
+            <a:schemeClr val="accent1"/>
+          </a:fillRef>
+          <a:effectRef idx="0">
+            <a:schemeClr val="accent1"/>
+          </a:effectRef>
+          <a:fontRef idx="minor">
+            <a:schemeClr val="lt1"/>
+          </a:fontRef>
+        </p:style>
+        <p:txBody>
+          <a:bodyPr rtlCol="0" anchor="ctr"/>
+          <a:lstStyle/>
+          <a:p>
+            <a:pPr algn="ctr"/>
+            <a:r>
+              <a:rPr lang="en-US" dirty="0">
+                <a:solidFill>
+                  <a:sysClr val="windowText" lastClr="000000"/>
+                </a:solidFill>
+              </a:rPr>
+              <a:t>NIC</a:t>
+            </a:r>
+          </a:p>
+        </p:txBody>
+      </p:sp>
+      <p:sp>
+        <p:nvSpPr>
+          <p:cNvPr id="6" name="Rectangle 5"/>
+          <p:cNvSpPr/>
+          <p:nvPr/>
+        </p:nvSpPr>
+        <p:spPr>
+          <a:xfrm>
+            <a:off x="1969770" y="3255095"/>
+            <a:ext cx="1342578" cy="437744"/>
+          </a:xfrm>
+          <a:prstGeom prst="rect">
+            <a:avLst/>
+          </a:prstGeom>
+          <a:solidFill>
+            <a:schemeClr val="tx2">
+              <a:lumMod val="20000"/>
+              <a:lumOff val="80000"/>
+            </a:schemeClr>
+          </a:solidFill>
+          <a:ln w="19050">
+            <a:solidFill>
+              <a:schemeClr val="tx1">
+                <a:lumMod val="75000"/>
+                <a:lumOff val="25000"/>
+              </a:schemeClr>
+            </a:solidFill>
+          </a:ln>
+        </p:spPr>
+        <p:style>
+          <a:lnRef idx="2">
+            <a:schemeClr val="accent1">
+              <a:shade val="50000"/>
+            </a:schemeClr>
+          </a:lnRef>
+          <a:fillRef idx="1">
+            <a:schemeClr val="accent1"/>
+          </a:fillRef>
+          <a:effectRef idx="0">
+            <a:schemeClr val="accent1"/>
+          </a:effectRef>
+          <a:fontRef idx="minor">
+            <a:schemeClr val="lt1"/>
+          </a:fontRef>
+        </p:style>
+        <p:txBody>
+          <a:bodyPr rtlCol="0" anchor="ctr"/>
+          <a:lstStyle/>
+          <a:p>
+            <a:pPr algn="ctr"/>
+            <a:r>
+              <a:rPr lang="en-US" dirty="0">
+                <a:solidFill>
+                  <a:sysClr val="windowText" lastClr="000000"/>
+                </a:solidFill>
+              </a:rPr>
+              <a:t>NIC</a:t>
+            </a:r>
+          </a:p>
+        </p:txBody>
+      </p:sp>
     </p:spTree>
     <p:extLst>
       <p:ext uri="{BB962C8B-B14F-4D97-AF65-F5344CB8AC3E}">

--- a/figures/figures.pptx
+++ b/figures/figures.pptx
@@ -6,6 +6,7 @@
   </p:sldMasterIdLst>
   <p:sldIdLst>
     <p:sldId id="256" r:id="rId2"/>
+    <p:sldId id="257" r:id="rId3"/>
   </p:sldIdLst>
   <p:sldSz cx="9144000" cy="6858000" type="screen4x3"/>
   <p:notesSz cx="6858000" cy="9144000"/>
@@ -106,7 +107,7 @@
   </p:defaultTextStyle>
   <p:extLst>
     <p:ext uri="{EFAFB233-063F-42B5-8137-9DF3F51BA10A}">
-      <p15:sldGuideLst xmlns:p15="http://schemas.microsoft.com/office/powerpoint/2012/main"/>
+      <p15:sldGuideLst xmlns="" xmlns:p15="http://schemas.microsoft.com/office/powerpoint/2012/main"/>
     </p:ext>
   </p:extLst>
 </p:presentation>
@@ -243,7 +244,7 @@
           <a:p>
             <a:fld id="{621EDD06-D935-4757-8E3B-CF3AF6A4D88B}" type="datetimeFigureOut">
               <a:rPr lang="en-US" smtClean="0"/>
-              <a:t>7/12/2016</a:t>
+              <a:t>7/13/16</a:t>
             </a:fld>
             <a:endParaRPr lang="en-US"/>
           </a:p>
@@ -413,7 +414,7 @@
           <a:p>
             <a:fld id="{621EDD06-D935-4757-8E3B-CF3AF6A4D88B}" type="datetimeFigureOut">
               <a:rPr lang="en-US" smtClean="0"/>
-              <a:t>7/12/2016</a:t>
+              <a:t>7/13/16</a:t>
             </a:fld>
             <a:endParaRPr lang="en-US"/>
           </a:p>
@@ -593,7 +594,7 @@
           <a:p>
             <a:fld id="{621EDD06-D935-4757-8E3B-CF3AF6A4D88B}" type="datetimeFigureOut">
               <a:rPr lang="en-US" smtClean="0"/>
-              <a:t>7/12/2016</a:t>
+              <a:t>7/13/16</a:t>
             </a:fld>
             <a:endParaRPr lang="en-US"/>
           </a:p>
@@ -763,7 +764,7 @@
           <a:p>
             <a:fld id="{621EDD06-D935-4757-8E3B-CF3AF6A4D88B}" type="datetimeFigureOut">
               <a:rPr lang="en-US" smtClean="0"/>
-              <a:t>7/12/2016</a:t>
+              <a:t>7/13/16</a:t>
             </a:fld>
             <a:endParaRPr lang="en-US"/>
           </a:p>
@@ -1007,7 +1008,7 @@
           <a:p>
             <a:fld id="{621EDD06-D935-4757-8E3B-CF3AF6A4D88B}" type="datetimeFigureOut">
               <a:rPr lang="en-US" smtClean="0"/>
-              <a:t>7/12/2016</a:t>
+              <a:t>7/13/16</a:t>
             </a:fld>
             <a:endParaRPr lang="en-US"/>
           </a:p>
@@ -1239,7 +1240,7 @@
           <a:p>
             <a:fld id="{621EDD06-D935-4757-8E3B-CF3AF6A4D88B}" type="datetimeFigureOut">
               <a:rPr lang="en-US" smtClean="0"/>
-              <a:t>7/12/2016</a:t>
+              <a:t>7/13/16</a:t>
             </a:fld>
             <a:endParaRPr lang="en-US"/>
           </a:p>
@@ -1606,7 +1607,7 @@
           <a:p>
             <a:fld id="{621EDD06-D935-4757-8E3B-CF3AF6A4D88B}" type="datetimeFigureOut">
               <a:rPr lang="en-US" smtClean="0"/>
-              <a:t>7/12/2016</a:t>
+              <a:t>7/13/16</a:t>
             </a:fld>
             <a:endParaRPr lang="en-US"/>
           </a:p>
@@ -1724,7 +1725,7 @@
           <a:p>
             <a:fld id="{621EDD06-D935-4757-8E3B-CF3AF6A4D88B}" type="datetimeFigureOut">
               <a:rPr lang="en-US" smtClean="0"/>
-              <a:t>7/12/2016</a:t>
+              <a:t>7/13/16</a:t>
             </a:fld>
             <a:endParaRPr lang="en-US"/>
           </a:p>
@@ -1819,7 +1820,7 @@
           <a:p>
             <a:fld id="{621EDD06-D935-4757-8E3B-CF3AF6A4D88B}" type="datetimeFigureOut">
               <a:rPr lang="en-US" smtClean="0"/>
-              <a:t>7/12/2016</a:t>
+              <a:t>7/13/16</a:t>
             </a:fld>
             <a:endParaRPr lang="en-US"/>
           </a:p>
@@ -2096,7 +2097,7 @@
           <a:p>
             <a:fld id="{621EDD06-D935-4757-8E3B-CF3AF6A4D88B}" type="datetimeFigureOut">
               <a:rPr lang="en-US" smtClean="0"/>
-              <a:t>7/12/2016</a:t>
+              <a:t>7/13/16</a:t>
             </a:fld>
             <a:endParaRPr lang="en-US"/>
           </a:p>
@@ -2353,7 +2354,7 @@
           <a:p>
             <a:fld id="{621EDD06-D935-4757-8E3B-CF3AF6A4D88B}" type="datetimeFigureOut">
               <a:rPr lang="en-US" smtClean="0"/>
-              <a:t>7/12/2016</a:t>
+              <a:t>7/13/16</a:t>
             </a:fld>
             <a:endParaRPr lang="en-US"/>
           </a:p>
@@ -2566,7 +2567,7 @@
           <a:p>
             <a:fld id="{621EDD06-D935-4757-8E3B-CF3AF6A4D88B}" type="datetimeFigureOut">
               <a:rPr lang="en-US" smtClean="0"/>
-              <a:t>7/12/2016</a:t>
+              <a:t>7/13/16</a:t>
             </a:fld>
             <a:endParaRPr lang="en-US"/>
           </a:p>
@@ -4786,6 +4787,1660 @@
 </p:sld>
 </file>
 
+<file path=ppt/slides/slide2.xml><?xml version="1.0" encoding="utf-8"?>
+<p:sld xmlns:a="http://schemas.openxmlformats.org/drawingml/2006/main" xmlns:r="http://schemas.openxmlformats.org/officeDocument/2006/relationships" xmlns:p="http://schemas.openxmlformats.org/presentationml/2006/main">
+  <p:cSld>
+    <p:spTree>
+      <p:nvGrpSpPr>
+        <p:cNvPr id="1" name=""/>
+        <p:cNvGrpSpPr/>
+        <p:nvPr/>
+      </p:nvGrpSpPr>
+      <p:grpSpPr>
+        <a:xfrm>
+          <a:off x="0" y="0"/>
+          <a:ext cx="0" cy="0"/>
+          <a:chOff x="0" y="0"/>
+          <a:chExt cx="0" cy="0"/>
+        </a:xfrm>
+      </p:grpSpPr>
+      <p:sp>
+        <p:nvSpPr>
+          <p:cNvPr id="9" name="Rectangle 8"/>
+          <p:cNvSpPr/>
+          <p:nvPr/>
+        </p:nvSpPr>
+        <p:spPr>
+          <a:xfrm>
+            <a:off x="610109" y="1232885"/>
+            <a:ext cx="1342578" cy="640080"/>
+          </a:xfrm>
+          <a:prstGeom prst="rect">
+            <a:avLst/>
+          </a:prstGeom>
+          <a:noFill/>
+          <a:ln w="19050">
+            <a:solidFill>
+              <a:schemeClr val="tx1">
+                <a:lumMod val="75000"/>
+                <a:lumOff val="25000"/>
+              </a:schemeClr>
+            </a:solidFill>
+          </a:ln>
+        </p:spPr>
+        <p:style>
+          <a:lnRef idx="2">
+            <a:schemeClr val="accent1">
+              <a:shade val="50000"/>
+            </a:schemeClr>
+          </a:lnRef>
+          <a:fillRef idx="1">
+            <a:schemeClr val="accent1"/>
+          </a:fillRef>
+          <a:effectRef idx="0">
+            <a:schemeClr val="accent1"/>
+          </a:effectRef>
+          <a:fontRef idx="minor">
+            <a:schemeClr val="lt1"/>
+          </a:fontRef>
+        </p:style>
+        <p:txBody>
+          <a:bodyPr rtlCol="0" anchor="ctr"/>
+          <a:lstStyle/>
+          <a:p>
+            <a:pPr algn="ctr"/>
+            <a:r>
+              <a:rPr lang="en-US" dirty="0" smtClean="0">
+                <a:solidFill>
+                  <a:schemeClr val="tx1"/>
+                </a:solidFill>
+              </a:rPr>
+              <a:t>TCP/IP Apps</a:t>
+            </a:r>
+          </a:p>
+          <a:p>
+            <a:pPr algn="ctr"/>
+            <a:r>
+              <a:rPr lang="en-US" dirty="0" smtClean="0">
+                <a:solidFill>
+                  <a:schemeClr val="tx1"/>
+                </a:solidFill>
+              </a:rPr>
+              <a:t>Container </a:t>
+            </a:r>
+            <a:r>
+              <a:rPr lang="en-US" i="1" dirty="0">
+                <a:solidFill>
+                  <a:schemeClr val="tx1"/>
+                </a:solidFill>
+              </a:rPr>
+              <a:t>1</a:t>
+            </a:r>
+          </a:p>
+        </p:txBody>
+      </p:sp>
+      <p:sp>
+        <p:nvSpPr>
+          <p:cNvPr id="14" name="Rectangle 13"/>
+          <p:cNvSpPr/>
+          <p:nvPr/>
+        </p:nvSpPr>
+        <p:spPr>
+          <a:xfrm>
+            <a:off x="2108414" y="1241585"/>
+            <a:ext cx="1342578" cy="640080"/>
+          </a:xfrm>
+          <a:prstGeom prst="rect">
+            <a:avLst/>
+          </a:prstGeom>
+          <a:noFill/>
+          <a:ln w="19050">
+            <a:solidFill>
+              <a:schemeClr val="tx1">
+                <a:lumMod val="75000"/>
+                <a:lumOff val="25000"/>
+              </a:schemeClr>
+            </a:solidFill>
+          </a:ln>
+        </p:spPr>
+        <p:style>
+          <a:lnRef idx="2">
+            <a:schemeClr val="accent1">
+              <a:shade val="50000"/>
+            </a:schemeClr>
+          </a:lnRef>
+          <a:fillRef idx="1">
+            <a:schemeClr val="accent1"/>
+          </a:fillRef>
+          <a:effectRef idx="0">
+            <a:schemeClr val="accent1"/>
+          </a:effectRef>
+          <a:fontRef idx="minor">
+            <a:schemeClr val="lt1"/>
+          </a:fontRef>
+        </p:style>
+        <p:txBody>
+          <a:bodyPr rtlCol="0" anchor="ctr"/>
+          <a:lstStyle/>
+          <a:p>
+            <a:pPr algn="ctr"/>
+            <a:r>
+              <a:rPr lang="en-US" dirty="0" smtClean="0">
+                <a:solidFill>
+                  <a:schemeClr val="tx1"/>
+                </a:solidFill>
+              </a:rPr>
+              <a:t>RDMA Apps</a:t>
+            </a:r>
+          </a:p>
+          <a:p>
+            <a:pPr algn="ctr"/>
+            <a:r>
+              <a:rPr lang="en-US" dirty="0" smtClean="0">
+                <a:solidFill>
+                  <a:schemeClr val="tx1"/>
+                </a:solidFill>
+              </a:rPr>
+              <a:t>Container </a:t>
+            </a:r>
+            <a:r>
+              <a:rPr lang="en-US" i="1" dirty="0">
+                <a:solidFill>
+                  <a:schemeClr val="tx1"/>
+                </a:solidFill>
+              </a:rPr>
+              <a:t>2</a:t>
+            </a:r>
+          </a:p>
+        </p:txBody>
+      </p:sp>
+      <p:sp>
+        <p:nvSpPr>
+          <p:cNvPr id="55" name="TextBox 54"/>
+          <p:cNvSpPr txBox="1"/>
+          <p:nvPr/>
+        </p:nvSpPr>
+        <p:spPr>
+          <a:xfrm>
+            <a:off x="3589869" y="2248634"/>
+            <a:ext cx="999068" cy="646331"/>
+          </a:xfrm>
+          <a:prstGeom prst="rect">
+            <a:avLst/>
+          </a:prstGeom>
+          <a:noFill/>
+        </p:spPr>
+        <p:txBody>
+          <a:bodyPr wrap="square" rtlCol="0">
+            <a:spAutoFit/>
+          </a:bodyPr>
+          <a:lstStyle/>
+          <a:p>
+            <a:pPr algn="ctr"/>
+            <a:r>
+              <a:rPr lang="en-US" dirty="0" smtClean="0"/>
+              <a:t>Location Queries</a:t>
+            </a:r>
+            <a:endParaRPr lang="en-US" dirty="0"/>
+          </a:p>
+        </p:txBody>
+      </p:sp>
+      <p:sp>
+        <p:nvSpPr>
+          <p:cNvPr id="62" name="Rectangle 61"/>
+          <p:cNvSpPr/>
+          <p:nvPr/>
+        </p:nvSpPr>
+        <p:spPr>
+          <a:xfrm>
+            <a:off x="5892799" y="1234813"/>
+            <a:ext cx="2099733" cy="640080"/>
+          </a:xfrm>
+          <a:prstGeom prst="rect">
+            <a:avLst/>
+          </a:prstGeom>
+          <a:noFill/>
+          <a:ln w="19050">
+            <a:solidFill>
+              <a:schemeClr val="tx1">
+                <a:lumMod val="75000"/>
+                <a:lumOff val="25000"/>
+              </a:schemeClr>
+            </a:solidFill>
+          </a:ln>
+        </p:spPr>
+        <p:style>
+          <a:lnRef idx="2">
+            <a:schemeClr val="accent1">
+              <a:shade val="50000"/>
+            </a:schemeClr>
+          </a:lnRef>
+          <a:fillRef idx="1">
+            <a:schemeClr val="accent1"/>
+          </a:fillRef>
+          <a:effectRef idx="0">
+            <a:schemeClr val="accent1"/>
+          </a:effectRef>
+          <a:fontRef idx="minor">
+            <a:schemeClr val="lt1"/>
+          </a:fontRef>
+        </p:style>
+        <p:txBody>
+          <a:bodyPr rtlCol="0" anchor="ctr"/>
+          <a:lstStyle/>
+          <a:p>
+            <a:pPr algn="ctr"/>
+            <a:r>
+              <a:rPr lang="en-US" dirty="0">
+                <a:solidFill>
+                  <a:schemeClr val="tx1"/>
+                </a:solidFill>
+              </a:rPr>
+              <a:t>Container </a:t>
+            </a:r>
+            <a:r>
+              <a:rPr lang="en-US" i="1" dirty="0">
+                <a:solidFill>
+                  <a:schemeClr val="tx1"/>
+                </a:solidFill>
+              </a:rPr>
+              <a:t>3</a:t>
+            </a:r>
+          </a:p>
+        </p:txBody>
+      </p:sp>
+      <p:sp>
+        <p:nvSpPr>
+          <p:cNvPr id="53" name="Rectangle 5"/>
+          <p:cNvSpPr/>
+          <p:nvPr/>
+        </p:nvSpPr>
+        <p:spPr>
+          <a:xfrm>
+            <a:off x="617761" y="2576597"/>
+            <a:ext cx="2859916" cy="437744"/>
+          </a:xfrm>
+          <a:prstGeom prst="rect">
+            <a:avLst/>
+          </a:prstGeom>
+          <a:solidFill>
+            <a:schemeClr val="tx2">
+              <a:lumMod val="20000"/>
+              <a:lumOff val="80000"/>
+            </a:schemeClr>
+          </a:solidFill>
+          <a:ln w="19050">
+            <a:solidFill>
+              <a:schemeClr val="tx1">
+                <a:lumMod val="75000"/>
+                <a:lumOff val="25000"/>
+              </a:schemeClr>
+            </a:solidFill>
+          </a:ln>
+        </p:spPr>
+        <p:style>
+          <a:lnRef idx="2">
+            <a:schemeClr val="accent1">
+              <a:shade val="50000"/>
+            </a:schemeClr>
+          </a:lnRef>
+          <a:fillRef idx="1">
+            <a:schemeClr val="accent1"/>
+          </a:fillRef>
+          <a:effectRef idx="0">
+            <a:schemeClr val="accent1"/>
+          </a:effectRef>
+          <a:fontRef idx="minor">
+            <a:schemeClr val="lt1"/>
+          </a:fontRef>
+        </p:style>
+        <p:txBody>
+          <a:bodyPr rtlCol="0" anchor="ctr"/>
+          <a:lstStyle/>
+          <a:p>
+            <a:pPr algn="ctr"/>
+            <a:r>
+              <a:rPr lang="en-US" dirty="0" smtClean="0">
+                <a:solidFill>
+                  <a:sysClr val="windowText" lastClr="000000"/>
+                </a:solidFill>
+              </a:rPr>
+              <a:t>Verbs API</a:t>
+            </a:r>
+            <a:endParaRPr lang="en-US" dirty="0">
+              <a:solidFill>
+                <a:sysClr val="windowText" lastClr="000000"/>
+              </a:solidFill>
+            </a:endParaRPr>
+          </a:p>
+        </p:txBody>
+      </p:sp>
+      <p:sp>
+        <p:nvSpPr>
+          <p:cNvPr id="66" name="Rectangle 5"/>
+          <p:cNvSpPr/>
+          <p:nvPr/>
+        </p:nvSpPr>
+        <p:spPr>
+          <a:xfrm>
+            <a:off x="607347" y="2007238"/>
+            <a:ext cx="1342578" cy="437744"/>
+          </a:xfrm>
+          <a:prstGeom prst="rect">
+            <a:avLst/>
+          </a:prstGeom>
+          <a:solidFill>
+            <a:schemeClr val="tx2">
+              <a:lumMod val="20000"/>
+              <a:lumOff val="80000"/>
+            </a:schemeClr>
+          </a:solidFill>
+          <a:ln w="19050">
+            <a:solidFill>
+              <a:schemeClr val="tx1">
+                <a:lumMod val="75000"/>
+                <a:lumOff val="25000"/>
+              </a:schemeClr>
+            </a:solidFill>
+          </a:ln>
+        </p:spPr>
+        <p:style>
+          <a:lnRef idx="2">
+            <a:schemeClr val="accent1">
+              <a:shade val="50000"/>
+            </a:schemeClr>
+          </a:lnRef>
+          <a:fillRef idx="1">
+            <a:schemeClr val="accent1"/>
+          </a:fillRef>
+          <a:effectRef idx="0">
+            <a:schemeClr val="accent1"/>
+          </a:effectRef>
+          <a:fontRef idx="minor">
+            <a:schemeClr val="lt1"/>
+          </a:fontRef>
+        </p:style>
+        <p:txBody>
+          <a:bodyPr rtlCol="0" anchor="ctr"/>
+          <a:lstStyle/>
+          <a:p>
+            <a:pPr algn="ctr"/>
+            <a:r>
+              <a:rPr lang="en-US" dirty="0" smtClean="0">
+                <a:solidFill>
+                  <a:sysClr val="windowText" lastClr="000000"/>
+                </a:solidFill>
+              </a:rPr>
+              <a:t>IP to Verbs </a:t>
+            </a:r>
+            <a:endParaRPr lang="en-US" dirty="0">
+              <a:solidFill>
+                <a:sysClr val="windowText" lastClr="000000"/>
+              </a:solidFill>
+            </a:endParaRPr>
+          </a:p>
+        </p:txBody>
+      </p:sp>
+      <p:cxnSp>
+        <p:nvCxnSpPr>
+          <p:cNvPr id="67" name="Straight Connector 26"/>
+          <p:cNvCxnSpPr/>
+          <p:nvPr/>
+        </p:nvCxnSpPr>
+        <p:spPr>
+          <a:xfrm>
+            <a:off x="1289046" y="1878454"/>
+            <a:ext cx="0" cy="137160"/>
+          </a:xfrm>
+          <a:prstGeom prst="line">
+            <a:avLst/>
+          </a:prstGeom>
+          <a:ln w="19050">
+            <a:solidFill>
+              <a:schemeClr val="tx1"/>
+            </a:solidFill>
+            <a:headEnd type="none"/>
+            <a:tailEnd type="arrow"/>
+          </a:ln>
+        </p:spPr>
+        <p:style>
+          <a:lnRef idx="1">
+            <a:schemeClr val="accent1"/>
+          </a:lnRef>
+          <a:fillRef idx="0">
+            <a:schemeClr val="accent1"/>
+          </a:fillRef>
+          <a:effectRef idx="0">
+            <a:schemeClr val="accent1"/>
+          </a:effectRef>
+          <a:fontRef idx="minor">
+            <a:schemeClr val="tx1"/>
+          </a:fontRef>
+        </p:style>
+      </p:cxnSp>
+      <p:cxnSp>
+        <p:nvCxnSpPr>
+          <p:cNvPr id="68" name="Straight Connector 26"/>
+          <p:cNvCxnSpPr/>
+          <p:nvPr/>
+        </p:nvCxnSpPr>
+        <p:spPr>
+          <a:xfrm>
+            <a:off x="2765325" y="1869218"/>
+            <a:ext cx="0" cy="685800"/>
+          </a:xfrm>
+          <a:prstGeom prst="line">
+            <a:avLst/>
+          </a:prstGeom>
+          <a:ln w="19050">
+            <a:solidFill>
+              <a:schemeClr val="tx1"/>
+            </a:solidFill>
+            <a:headEnd type="none"/>
+            <a:tailEnd type="arrow"/>
+          </a:ln>
+        </p:spPr>
+        <p:style>
+          <a:lnRef idx="1">
+            <a:schemeClr val="accent1"/>
+          </a:lnRef>
+          <a:fillRef idx="0">
+            <a:schemeClr val="accent1"/>
+          </a:fillRef>
+          <a:effectRef idx="0">
+            <a:schemeClr val="accent1"/>
+          </a:effectRef>
+          <a:fontRef idx="minor">
+            <a:schemeClr val="tx1"/>
+          </a:fontRef>
+        </p:style>
+      </p:cxnSp>
+      <p:sp>
+        <p:nvSpPr>
+          <p:cNvPr id="69" name="Rectangle 5"/>
+          <p:cNvSpPr/>
+          <p:nvPr/>
+        </p:nvSpPr>
+        <p:spPr>
+          <a:xfrm>
+            <a:off x="623918" y="3442677"/>
+            <a:ext cx="2859916" cy="437744"/>
+          </a:xfrm>
+          <a:prstGeom prst="rect">
+            <a:avLst/>
+          </a:prstGeom>
+          <a:solidFill>
+            <a:schemeClr val="tx2">
+              <a:lumMod val="20000"/>
+              <a:lumOff val="80000"/>
+            </a:schemeClr>
+          </a:solidFill>
+          <a:ln w="19050">
+            <a:solidFill>
+              <a:schemeClr val="tx1">
+                <a:lumMod val="75000"/>
+                <a:lumOff val="25000"/>
+              </a:schemeClr>
+            </a:solidFill>
+          </a:ln>
+        </p:spPr>
+        <p:style>
+          <a:lnRef idx="2">
+            <a:schemeClr val="accent1">
+              <a:shade val="50000"/>
+            </a:schemeClr>
+          </a:lnRef>
+          <a:fillRef idx="1">
+            <a:schemeClr val="accent1"/>
+          </a:fillRef>
+          <a:effectRef idx="0">
+            <a:schemeClr val="accent1"/>
+          </a:effectRef>
+          <a:fontRef idx="minor">
+            <a:schemeClr val="lt1"/>
+          </a:fontRef>
+        </p:style>
+        <p:txBody>
+          <a:bodyPr rtlCol="0" anchor="ctr"/>
+          <a:lstStyle/>
+          <a:p>
+            <a:pPr algn="ctr"/>
+            <a:r>
+              <a:rPr lang="en-US" dirty="0" smtClean="0">
+                <a:solidFill>
+                  <a:sysClr val="windowText" lastClr="000000"/>
+                </a:solidFill>
+              </a:rPr>
+              <a:t>Container Locator</a:t>
+            </a:r>
+            <a:endParaRPr lang="en-US" dirty="0">
+              <a:solidFill>
+                <a:sysClr val="windowText" lastClr="000000"/>
+              </a:solidFill>
+            </a:endParaRPr>
+          </a:p>
+        </p:txBody>
+      </p:sp>
+      <p:cxnSp>
+        <p:nvCxnSpPr>
+          <p:cNvPr id="71" name="Straight Connector 26"/>
+          <p:cNvCxnSpPr/>
+          <p:nvPr/>
+        </p:nvCxnSpPr>
+        <p:spPr>
+          <a:xfrm>
+            <a:off x="2078755" y="3045571"/>
+            <a:ext cx="0" cy="365760"/>
+          </a:xfrm>
+          <a:prstGeom prst="line">
+            <a:avLst/>
+          </a:prstGeom>
+          <a:ln w="19050">
+            <a:solidFill>
+              <a:schemeClr val="tx1"/>
+            </a:solidFill>
+            <a:headEnd type="none"/>
+            <a:tailEnd type="arrow"/>
+          </a:ln>
+        </p:spPr>
+        <p:style>
+          <a:lnRef idx="1">
+            <a:schemeClr val="accent1"/>
+          </a:lnRef>
+          <a:fillRef idx="0">
+            <a:schemeClr val="accent1"/>
+          </a:fillRef>
+          <a:effectRef idx="0">
+            <a:schemeClr val="accent1"/>
+          </a:effectRef>
+          <a:fontRef idx="minor">
+            <a:schemeClr val="tx1"/>
+          </a:fontRef>
+        </p:style>
+      </p:cxnSp>
+      <p:cxnSp>
+        <p:nvCxnSpPr>
+          <p:cNvPr id="73" name="Straight Connector 26"/>
+          <p:cNvCxnSpPr/>
+          <p:nvPr/>
+        </p:nvCxnSpPr>
+        <p:spPr>
+          <a:xfrm>
+            <a:off x="1286225" y="2440073"/>
+            <a:ext cx="0" cy="137160"/>
+          </a:xfrm>
+          <a:prstGeom prst="line">
+            <a:avLst/>
+          </a:prstGeom>
+          <a:ln w="19050">
+            <a:solidFill>
+              <a:schemeClr val="tx1"/>
+            </a:solidFill>
+            <a:headEnd type="none"/>
+            <a:tailEnd type="arrow"/>
+          </a:ln>
+        </p:spPr>
+        <p:style>
+          <a:lnRef idx="1">
+            <a:schemeClr val="accent1"/>
+          </a:lnRef>
+          <a:fillRef idx="0">
+            <a:schemeClr val="accent1"/>
+          </a:fillRef>
+          <a:effectRef idx="0">
+            <a:schemeClr val="accent1"/>
+          </a:effectRef>
+          <a:fontRef idx="minor">
+            <a:schemeClr val="tx1"/>
+          </a:fontRef>
+        </p:style>
+      </p:cxnSp>
+      <p:sp>
+        <p:nvSpPr>
+          <p:cNvPr id="74" name="Rectangle 5"/>
+          <p:cNvSpPr/>
+          <p:nvPr/>
+        </p:nvSpPr>
+        <p:spPr>
+          <a:xfrm>
+            <a:off x="621096" y="4308757"/>
+            <a:ext cx="2859916" cy="437744"/>
+          </a:xfrm>
+          <a:prstGeom prst="rect">
+            <a:avLst/>
+          </a:prstGeom>
+          <a:solidFill>
+            <a:schemeClr val="tx2">
+              <a:lumMod val="20000"/>
+              <a:lumOff val="80000"/>
+            </a:schemeClr>
+          </a:solidFill>
+          <a:ln w="19050">
+            <a:solidFill>
+              <a:schemeClr val="tx1">
+                <a:lumMod val="75000"/>
+                <a:lumOff val="25000"/>
+              </a:schemeClr>
+            </a:solidFill>
+          </a:ln>
+        </p:spPr>
+        <p:style>
+          <a:lnRef idx="2">
+            <a:schemeClr val="accent1">
+              <a:shade val="50000"/>
+            </a:schemeClr>
+          </a:lnRef>
+          <a:fillRef idx="1">
+            <a:schemeClr val="accent1"/>
+          </a:fillRef>
+          <a:effectRef idx="0">
+            <a:schemeClr val="accent1"/>
+          </a:effectRef>
+          <a:fontRef idx="minor">
+            <a:schemeClr val="lt1"/>
+          </a:fontRef>
+        </p:style>
+        <p:txBody>
+          <a:bodyPr rtlCol="0" anchor="ctr"/>
+          <a:lstStyle/>
+          <a:p>
+            <a:pPr algn="ctr"/>
+            <a:r>
+              <a:rPr lang="en-US" dirty="0" smtClean="0">
+                <a:solidFill>
+                  <a:sysClr val="windowText" lastClr="000000"/>
+                </a:solidFill>
+              </a:rPr>
+              <a:t>Virtualized NIC</a:t>
+            </a:r>
+            <a:endParaRPr lang="en-US" dirty="0">
+              <a:solidFill>
+                <a:sysClr val="windowText" lastClr="000000"/>
+              </a:solidFill>
+            </a:endParaRPr>
+          </a:p>
+        </p:txBody>
+      </p:sp>
+      <p:sp>
+        <p:nvSpPr>
+          <p:cNvPr id="76" name="Rectangle 5"/>
+          <p:cNvSpPr/>
+          <p:nvPr/>
+        </p:nvSpPr>
+        <p:spPr>
+          <a:xfrm>
+            <a:off x="4032828" y="2891011"/>
+            <a:ext cx="1342578" cy="457200"/>
+          </a:xfrm>
+          <a:prstGeom prst="rect">
+            <a:avLst/>
+          </a:prstGeom>
+          <a:solidFill>
+            <a:srgbClr val="FFFFFF"/>
+          </a:solidFill>
+          <a:ln w="19050">
+            <a:solidFill>
+              <a:schemeClr val="tx1">
+                <a:lumMod val="75000"/>
+                <a:lumOff val="25000"/>
+              </a:schemeClr>
+            </a:solidFill>
+          </a:ln>
+        </p:spPr>
+        <p:style>
+          <a:lnRef idx="2">
+            <a:schemeClr val="accent1">
+              <a:shade val="50000"/>
+            </a:schemeClr>
+          </a:lnRef>
+          <a:fillRef idx="1">
+            <a:schemeClr val="accent1"/>
+          </a:fillRef>
+          <a:effectRef idx="0">
+            <a:schemeClr val="accent1"/>
+          </a:effectRef>
+          <a:fontRef idx="minor">
+            <a:schemeClr val="lt1"/>
+          </a:fontRef>
+        </p:style>
+        <p:txBody>
+          <a:bodyPr rtlCol="0" anchor="ctr"/>
+          <a:lstStyle/>
+          <a:p>
+            <a:pPr algn="ctr"/>
+            <a:r>
+              <a:rPr lang="en-US" dirty="0" err="1" smtClean="0">
+                <a:solidFill>
+                  <a:sysClr val="windowText" lastClr="000000"/>
+                </a:solidFill>
+              </a:rPr>
+              <a:t>Mesos</a:t>
+            </a:r>
+            <a:endParaRPr lang="en-US" dirty="0">
+              <a:solidFill>
+                <a:sysClr val="windowText" lastClr="000000"/>
+              </a:solidFill>
+            </a:endParaRPr>
+          </a:p>
+        </p:txBody>
+      </p:sp>
+      <p:sp>
+        <p:nvSpPr>
+          <p:cNvPr id="77" name="Rectangle 5"/>
+          <p:cNvSpPr/>
+          <p:nvPr/>
+        </p:nvSpPr>
+        <p:spPr>
+          <a:xfrm>
+            <a:off x="4044117" y="3430056"/>
+            <a:ext cx="1342578" cy="457200"/>
+          </a:xfrm>
+          <a:prstGeom prst="rect">
+            <a:avLst/>
+          </a:prstGeom>
+          <a:solidFill>
+            <a:srgbClr val="FFFFFF"/>
+          </a:solidFill>
+          <a:ln w="19050">
+            <a:solidFill>
+              <a:schemeClr val="tx1">
+                <a:lumMod val="75000"/>
+                <a:lumOff val="25000"/>
+              </a:schemeClr>
+            </a:solidFill>
+          </a:ln>
+        </p:spPr>
+        <p:style>
+          <a:lnRef idx="2">
+            <a:schemeClr val="accent1">
+              <a:shade val="50000"/>
+            </a:schemeClr>
+          </a:lnRef>
+          <a:fillRef idx="1">
+            <a:schemeClr val="accent1"/>
+          </a:fillRef>
+          <a:effectRef idx="0">
+            <a:schemeClr val="accent1"/>
+          </a:effectRef>
+          <a:fontRef idx="minor">
+            <a:schemeClr val="lt1"/>
+          </a:fontRef>
+        </p:style>
+        <p:txBody>
+          <a:bodyPr rtlCol="0" anchor="ctr"/>
+          <a:lstStyle/>
+          <a:p>
+            <a:pPr algn="ctr">
+              <a:lnSpc>
+                <a:spcPct val="80000"/>
+              </a:lnSpc>
+            </a:pPr>
+            <a:r>
+              <a:rPr lang="en-US" dirty="0" smtClean="0">
+                <a:solidFill>
+                  <a:sysClr val="windowText" lastClr="000000"/>
+                </a:solidFill>
+              </a:rPr>
+              <a:t>Fabric Controller</a:t>
+            </a:r>
+            <a:endParaRPr lang="en-US" dirty="0">
+              <a:solidFill>
+                <a:sysClr val="windowText" lastClr="000000"/>
+              </a:solidFill>
+            </a:endParaRPr>
+          </a:p>
+        </p:txBody>
+      </p:sp>
+      <p:sp>
+        <p:nvSpPr>
+          <p:cNvPr id="80" name="Rectangle 5"/>
+          <p:cNvSpPr/>
+          <p:nvPr/>
+        </p:nvSpPr>
+        <p:spPr>
+          <a:xfrm>
+            <a:off x="618274" y="5174838"/>
+            <a:ext cx="2859916" cy="437744"/>
+          </a:xfrm>
+          <a:prstGeom prst="rect">
+            <a:avLst/>
+          </a:prstGeom>
+          <a:solidFill>
+            <a:schemeClr val="tx2">
+              <a:lumMod val="20000"/>
+              <a:lumOff val="80000"/>
+            </a:schemeClr>
+          </a:solidFill>
+          <a:ln w="19050">
+            <a:solidFill>
+              <a:schemeClr val="tx1">
+                <a:lumMod val="75000"/>
+                <a:lumOff val="25000"/>
+              </a:schemeClr>
+            </a:solidFill>
+          </a:ln>
+        </p:spPr>
+        <p:style>
+          <a:lnRef idx="2">
+            <a:schemeClr val="accent1">
+              <a:shade val="50000"/>
+            </a:schemeClr>
+          </a:lnRef>
+          <a:fillRef idx="1">
+            <a:schemeClr val="accent1"/>
+          </a:fillRef>
+          <a:effectRef idx="0">
+            <a:schemeClr val="accent1"/>
+          </a:effectRef>
+          <a:fontRef idx="minor">
+            <a:schemeClr val="lt1"/>
+          </a:fontRef>
+        </p:style>
+        <p:txBody>
+          <a:bodyPr rtlCol="0" anchor="ctr"/>
+          <a:lstStyle/>
+          <a:p>
+            <a:pPr algn="ctr"/>
+            <a:r>
+              <a:rPr lang="en-US" dirty="0" smtClean="0">
+                <a:solidFill>
+                  <a:sysClr val="windowText" lastClr="000000"/>
+                </a:solidFill>
+              </a:rPr>
+              <a:t>NIC</a:t>
+            </a:r>
+            <a:endParaRPr lang="en-US" dirty="0">
+              <a:solidFill>
+                <a:sysClr val="windowText" lastClr="000000"/>
+              </a:solidFill>
+            </a:endParaRPr>
+          </a:p>
+        </p:txBody>
+      </p:sp>
+      <p:sp>
+        <p:nvSpPr>
+          <p:cNvPr id="82" name="Rectangle 5"/>
+          <p:cNvSpPr/>
+          <p:nvPr/>
+        </p:nvSpPr>
+        <p:spPr>
+          <a:xfrm>
+            <a:off x="5900961" y="2576598"/>
+            <a:ext cx="2103120" cy="437744"/>
+          </a:xfrm>
+          <a:prstGeom prst="rect">
+            <a:avLst/>
+          </a:prstGeom>
+          <a:solidFill>
+            <a:schemeClr val="tx2">
+              <a:lumMod val="20000"/>
+              <a:lumOff val="80000"/>
+            </a:schemeClr>
+          </a:solidFill>
+          <a:ln w="19050">
+            <a:solidFill>
+              <a:schemeClr val="tx1">
+                <a:lumMod val="75000"/>
+                <a:lumOff val="25000"/>
+              </a:schemeClr>
+            </a:solidFill>
+          </a:ln>
+        </p:spPr>
+        <p:style>
+          <a:lnRef idx="2">
+            <a:schemeClr val="accent1">
+              <a:shade val="50000"/>
+            </a:schemeClr>
+          </a:lnRef>
+          <a:fillRef idx="1">
+            <a:schemeClr val="accent1"/>
+          </a:fillRef>
+          <a:effectRef idx="0">
+            <a:schemeClr val="accent1"/>
+          </a:effectRef>
+          <a:fontRef idx="minor">
+            <a:schemeClr val="lt1"/>
+          </a:fontRef>
+        </p:style>
+        <p:txBody>
+          <a:bodyPr rtlCol="0" anchor="ctr"/>
+          <a:lstStyle/>
+          <a:p>
+            <a:pPr algn="ctr"/>
+            <a:r>
+              <a:rPr lang="en-US" dirty="0" smtClean="0">
+                <a:solidFill>
+                  <a:sysClr val="windowText" lastClr="000000"/>
+                </a:solidFill>
+              </a:rPr>
+              <a:t>Verbs API</a:t>
+            </a:r>
+            <a:endParaRPr lang="en-US" dirty="0">
+              <a:solidFill>
+                <a:sysClr val="windowText" lastClr="000000"/>
+              </a:solidFill>
+            </a:endParaRPr>
+          </a:p>
+        </p:txBody>
+      </p:sp>
+      <p:sp>
+        <p:nvSpPr>
+          <p:cNvPr id="83" name="Rectangle 5"/>
+          <p:cNvSpPr/>
+          <p:nvPr/>
+        </p:nvSpPr>
+        <p:spPr>
+          <a:xfrm>
+            <a:off x="5907118" y="3442678"/>
+            <a:ext cx="2103120" cy="437744"/>
+          </a:xfrm>
+          <a:prstGeom prst="rect">
+            <a:avLst/>
+          </a:prstGeom>
+          <a:solidFill>
+            <a:schemeClr val="tx2">
+              <a:lumMod val="20000"/>
+              <a:lumOff val="80000"/>
+            </a:schemeClr>
+          </a:solidFill>
+          <a:ln w="19050">
+            <a:solidFill>
+              <a:schemeClr val="tx1">
+                <a:lumMod val="75000"/>
+                <a:lumOff val="25000"/>
+              </a:schemeClr>
+            </a:solidFill>
+          </a:ln>
+        </p:spPr>
+        <p:style>
+          <a:lnRef idx="2">
+            <a:schemeClr val="accent1">
+              <a:shade val="50000"/>
+            </a:schemeClr>
+          </a:lnRef>
+          <a:fillRef idx="1">
+            <a:schemeClr val="accent1"/>
+          </a:fillRef>
+          <a:effectRef idx="0">
+            <a:schemeClr val="accent1"/>
+          </a:effectRef>
+          <a:fontRef idx="minor">
+            <a:schemeClr val="lt1"/>
+          </a:fontRef>
+        </p:style>
+        <p:txBody>
+          <a:bodyPr rtlCol="0" anchor="ctr"/>
+          <a:lstStyle/>
+          <a:p>
+            <a:pPr algn="ctr"/>
+            <a:r>
+              <a:rPr lang="en-US" dirty="0" smtClean="0">
+                <a:solidFill>
+                  <a:sysClr val="windowText" lastClr="000000"/>
+                </a:solidFill>
+              </a:rPr>
+              <a:t>Container Locator</a:t>
+            </a:r>
+            <a:endParaRPr lang="en-US" dirty="0">
+              <a:solidFill>
+                <a:sysClr val="windowText" lastClr="000000"/>
+              </a:solidFill>
+            </a:endParaRPr>
+          </a:p>
+        </p:txBody>
+      </p:sp>
+      <p:sp>
+        <p:nvSpPr>
+          <p:cNvPr id="85" name="Rectangle 5"/>
+          <p:cNvSpPr/>
+          <p:nvPr/>
+        </p:nvSpPr>
+        <p:spPr>
+          <a:xfrm>
+            <a:off x="5904296" y="4308758"/>
+            <a:ext cx="2103120" cy="437744"/>
+          </a:xfrm>
+          <a:prstGeom prst="rect">
+            <a:avLst/>
+          </a:prstGeom>
+          <a:solidFill>
+            <a:schemeClr val="tx2">
+              <a:lumMod val="20000"/>
+              <a:lumOff val="80000"/>
+            </a:schemeClr>
+          </a:solidFill>
+          <a:ln w="19050">
+            <a:solidFill>
+              <a:schemeClr val="tx1">
+                <a:lumMod val="75000"/>
+                <a:lumOff val="25000"/>
+              </a:schemeClr>
+            </a:solidFill>
+          </a:ln>
+        </p:spPr>
+        <p:style>
+          <a:lnRef idx="2">
+            <a:schemeClr val="accent1">
+              <a:shade val="50000"/>
+            </a:schemeClr>
+          </a:lnRef>
+          <a:fillRef idx="1">
+            <a:schemeClr val="accent1"/>
+          </a:fillRef>
+          <a:effectRef idx="0">
+            <a:schemeClr val="accent1"/>
+          </a:effectRef>
+          <a:fontRef idx="minor">
+            <a:schemeClr val="lt1"/>
+          </a:fontRef>
+        </p:style>
+        <p:txBody>
+          <a:bodyPr rtlCol="0" anchor="ctr"/>
+          <a:lstStyle/>
+          <a:p>
+            <a:pPr algn="ctr"/>
+            <a:r>
+              <a:rPr lang="en-US" dirty="0" smtClean="0">
+                <a:solidFill>
+                  <a:sysClr val="windowText" lastClr="000000"/>
+                </a:solidFill>
+              </a:rPr>
+              <a:t>Virtualized NIC</a:t>
+            </a:r>
+            <a:endParaRPr lang="en-US" dirty="0">
+              <a:solidFill>
+                <a:sysClr val="windowText" lastClr="000000"/>
+              </a:solidFill>
+            </a:endParaRPr>
+          </a:p>
+        </p:txBody>
+      </p:sp>
+      <p:sp>
+        <p:nvSpPr>
+          <p:cNvPr id="86" name="Rectangle 5"/>
+          <p:cNvSpPr/>
+          <p:nvPr/>
+        </p:nvSpPr>
+        <p:spPr>
+          <a:xfrm>
+            <a:off x="5901474" y="5174839"/>
+            <a:ext cx="2103120" cy="437744"/>
+          </a:xfrm>
+          <a:prstGeom prst="rect">
+            <a:avLst/>
+          </a:prstGeom>
+          <a:solidFill>
+            <a:schemeClr val="tx2">
+              <a:lumMod val="20000"/>
+              <a:lumOff val="80000"/>
+            </a:schemeClr>
+          </a:solidFill>
+          <a:ln w="19050">
+            <a:solidFill>
+              <a:schemeClr val="tx1">
+                <a:lumMod val="75000"/>
+                <a:lumOff val="25000"/>
+              </a:schemeClr>
+            </a:solidFill>
+          </a:ln>
+        </p:spPr>
+        <p:style>
+          <a:lnRef idx="2">
+            <a:schemeClr val="accent1">
+              <a:shade val="50000"/>
+            </a:schemeClr>
+          </a:lnRef>
+          <a:fillRef idx="1">
+            <a:schemeClr val="accent1"/>
+          </a:fillRef>
+          <a:effectRef idx="0">
+            <a:schemeClr val="accent1"/>
+          </a:effectRef>
+          <a:fontRef idx="minor">
+            <a:schemeClr val="lt1"/>
+          </a:fontRef>
+        </p:style>
+        <p:txBody>
+          <a:bodyPr rtlCol="0" anchor="ctr"/>
+          <a:lstStyle/>
+          <a:p>
+            <a:pPr algn="ctr"/>
+            <a:r>
+              <a:rPr lang="en-US" dirty="0" smtClean="0">
+                <a:solidFill>
+                  <a:sysClr val="windowText" lastClr="000000"/>
+                </a:solidFill>
+              </a:rPr>
+              <a:t>NIC</a:t>
+            </a:r>
+            <a:endParaRPr lang="en-US" dirty="0">
+              <a:solidFill>
+                <a:sysClr val="windowText" lastClr="000000"/>
+              </a:solidFill>
+            </a:endParaRPr>
+          </a:p>
+        </p:txBody>
+      </p:sp>
+      <p:sp>
+        <p:nvSpPr>
+          <p:cNvPr id="87" name="TextBox 54"/>
+          <p:cNvSpPr txBox="1"/>
+          <p:nvPr/>
+        </p:nvSpPr>
+        <p:spPr>
+          <a:xfrm>
+            <a:off x="3843864" y="4111301"/>
+            <a:ext cx="2262629" cy="369332"/>
+          </a:xfrm>
+          <a:prstGeom prst="rect">
+            <a:avLst/>
+          </a:prstGeom>
+          <a:noFill/>
+        </p:spPr>
+        <p:txBody>
+          <a:bodyPr wrap="square" rtlCol="0">
+            <a:spAutoFit/>
+          </a:bodyPr>
+          <a:lstStyle/>
+          <a:p>
+            <a:r>
+              <a:rPr lang="en-US" dirty="0" smtClean="0"/>
+              <a:t>Shared Memory</a:t>
+            </a:r>
+            <a:endParaRPr lang="en-US" dirty="0"/>
+          </a:p>
+        </p:txBody>
+      </p:sp>
+      <p:cxnSp>
+        <p:nvCxnSpPr>
+          <p:cNvPr id="89" name="Straight Connector 26"/>
+          <p:cNvCxnSpPr>
+            <a:stCxn id="69" idx="3"/>
+            <a:endCxn id="77" idx="1"/>
+          </p:cNvCxnSpPr>
+          <p:nvPr/>
+        </p:nvCxnSpPr>
+        <p:spPr>
+          <a:xfrm flipV="1">
+            <a:off x="3483834" y="3658656"/>
+            <a:ext cx="560283" cy="2893"/>
+          </a:xfrm>
+          <a:prstGeom prst="line">
+            <a:avLst/>
+          </a:prstGeom>
+          <a:ln w="28575" cmpd="sng">
+            <a:solidFill>
+              <a:schemeClr val="tx1"/>
+            </a:solidFill>
+            <a:prstDash val="dash"/>
+            <a:headEnd type="none"/>
+            <a:tailEnd type="arrow"/>
+          </a:ln>
+        </p:spPr>
+        <p:style>
+          <a:lnRef idx="1">
+            <a:schemeClr val="accent1"/>
+          </a:lnRef>
+          <a:fillRef idx="0">
+            <a:schemeClr val="accent1"/>
+          </a:fillRef>
+          <a:effectRef idx="0">
+            <a:schemeClr val="accent1"/>
+          </a:effectRef>
+          <a:fontRef idx="minor">
+            <a:schemeClr val="tx1"/>
+          </a:fontRef>
+        </p:style>
+      </p:cxnSp>
+      <p:cxnSp>
+        <p:nvCxnSpPr>
+          <p:cNvPr id="90" name="Straight Connector 26"/>
+          <p:cNvCxnSpPr/>
+          <p:nvPr/>
+        </p:nvCxnSpPr>
+        <p:spPr>
+          <a:xfrm>
+            <a:off x="3501155" y="4518771"/>
+            <a:ext cx="2403141" cy="8859"/>
+          </a:xfrm>
+          <a:prstGeom prst="line">
+            <a:avLst/>
+          </a:prstGeom>
+          <a:ln w="19050">
+            <a:solidFill>
+              <a:schemeClr val="tx1"/>
+            </a:solidFill>
+            <a:headEnd type="none"/>
+            <a:tailEnd type="arrow"/>
+          </a:ln>
+        </p:spPr>
+        <p:style>
+          <a:lnRef idx="1">
+            <a:schemeClr val="accent1"/>
+          </a:lnRef>
+          <a:fillRef idx="0">
+            <a:schemeClr val="accent1"/>
+          </a:fillRef>
+          <a:effectRef idx="0">
+            <a:schemeClr val="accent1"/>
+          </a:effectRef>
+          <a:fontRef idx="minor">
+            <a:schemeClr val="tx1"/>
+          </a:fontRef>
+        </p:style>
+      </p:cxnSp>
+      <p:cxnSp>
+        <p:nvCxnSpPr>
+          <p:cNvPr id="91" name="Straight Connector 26"/>
+          <p:cNvCxnSpPr/>
+          <p:nvPr/>
+        </p:nvCxnSpPr>
+        <p:spPr>
+          <a:xfrm>
+            <a:off x="2061821" y="3892237"/>
+            <a:ext cx="0" cy="365760"/>
+          </a:xfrm>
+          <a:prstGeom prst="line">
+            <a:avLst/>
+          </a:prstGeom>
+          <a:ln w="19050">
+            <a:solidFill>
+              <a:schemeClr val="tx1"/>
+            </a:solidFill>
+            <a:headEnd type="none"/>
+            <a:tailEnd type="arrow"/>
+          </a:ln>
+        </p:spPr>
+        <p:style>
+          <a:lnRef idx="1">
+            <a:schemeClr val="accent1"/>
+          </a:lnRef>
+          <a:fillRef idx="0">
+            <a:schemeClr val="accent1"/>
+          </a:fillRef>
+          <a:effectRef idx="0">
+            <a:schemeClr val="accent1"/>
+          </a:effectRef>
+          <a:fontRef idx="minor">
+            <a:schemeClr val="tx1"/>
+          </a:fontRef>
+        </p:style>
+      </p:cxnSp>
+      <p:cxnSp>
+        <p:nvCxnSpPr>
+          <p:cNvPr id="92" name="Straight Connector 26"/>
+          <p:cNvCxnSpPr/>
+          <p:nvPr/>
+        </p:nvCxnSpPr>
+        <p:spPr>
+          <a:xfrm>
+            <a:off x="2061822" y="4772771"/>
+            <a:ext cx="0" cy="365760"/>
+          </a:xfrm>
+          <a:prstGeom prst="line">
+            <a:avLst/>
+          </a:prstGeom>
+          <a:ln w="19050">
+            <a:solidFill>
+              <a:schemeClr val="tx1"/>
+            </a:solidFill>
+            <a:headEnd type="none"/>
+            <a:tailEnd type="arrow"/>
+          </a:ln>
+        </p:spPr>
+        <p:style>
+          <a:lnRef idx="1">
+            <a:schemeClr val="accent1"/>
+          </a:lnRef>
+          <a:fillRef idx="0">
+            <a:schemeClr val="accent1"/>
+          </a:fillRef>
+          <a:effectRef idx="0">
+            <a:schemeClr val="accent1"/>
+          </a:effectRef>
+          <a:fontRef idx="minor">
+            <a:schemeClr val="tx1"/>
+          </a:fontRef>
+        </p:style>
+      </p:cxnSp>
+      <p:cxnSp>
+        <p:nvCxnSpPr>
+          <p:cNvPr id="93" name="Straight Connector 26"/>
+          <p:cNvCxnSpPr/>
+          <p:nvPr/>
+        </p:nvCxnSpPr>
+        <p:spPr>
+          <a:xfrm>
+            <a:off x="6938622" y="3062504"/>
+            <a:ext cx="0" cy="365760"/>
+          </a:xfrm>
+          <a:prstGeom prst="line">
+            <a:avLst/>
+          </a:prstGeom>
+          <a:ln w="19050">
+            <a:solidFill>
+              <a:schemeClr val="tx1"/>
+            </a:solidFill>
+            <a:headEnd type="arrow"/>
+            <a:tailEnd type="none"/>
+          </a:ln>
+        </p:spPr>
+        <p:style>
+          <a:lnRef idx="1">
+            <a:schemeClr val="accent1"/>
+          </a:lnRef>
+          <a:fillRef idx="0">
+            <a:schemeClr val="accent1"/>
+          </a:fillRef>
+          <a:effectRef idx="0">
+            <a:schemeClr val="accent1"/>
+          </a:effectRef>
+          <a:fontRef idx="minor">
+            <a:schemeClr val="tx1"/>
+          </a:fontRef>
+        </p:style>
+      </p:cxnSp>
+      <p:cxnSp>
+        <p:nvCxnSpPr>
+          <p:cNvPr id="94" name="Straight Connector 26"/>
+          <p:cNvCxnSpPr/>
+          <p:nvPr/>
+        </p:nvCxnSpPr>
+        <p:spPr>
+          <a:xfrm>
+            <a:off x="6921688" y="3909170"/>
+            <a:ext cx="0" cy="365760"/>
+          </a:xfrm>
+          <a:prstGeom prst="line">
+            <a:avLst/>
+          </a:prstGeom>
+          <a:ln w="19050">
+            <a:solidFill>
+              <a:schemeClr val="tx1"/>
+            </a:solidFill>
+            <a:headEnd type="arrow"/>
+            <a:tailEnd type="none"/>
+          </a:ln>
+        </p:spPr>
+        <p:style>
+          <a:lnRef idx="1">
+            <a:schemeClr val="accent1"/>
+          </a:lnRef>
+          <a:fillRef idx="0">
+            <a:schemeClr val="accent1"/>
+          </a:fillRef>
+          <a:effectRef idx="0">
+            <a:schemeClr val="accent1"/>
+          </a:effectRef>
+          <a:fontRef idx="minor">
+            <a:schemeClr val="tx1"/>
+          </a:fontRef>
+        </p:style>
+      </p:cxnSp>
+      <p:cxnSp>
+        <p:nvCxnSpPr>
+          <p:cNvPr id="95" name="Straight Connector 26"/>
+          <p:cNvCxnSpPr/>
+          <p:nvPr/>
+        </p:nvCxnSpPr>
+        <p:spPr>
+          <a:xfrm>
+            <a:off x="6921689" y="4789704"/>
+            <a:ext cx="0" cy="365760"/>
+          </a:xfrm>
+          <a:prstGeom prst="line">
+            <a:avLst/>
+          </a:prstGeom>
+          <a:ln w="19050">
+            <a:solidFill>
+              <a:schemeClr val="tx1"/>
+            </a:solidFill>
+            <a:headEnd type="arrow"/>
+            <a:tailEnd type="none"/>
+          </a:ln>
+        </p:spPr>
+        <p:style>
+          <a:lnRef idx="1">
+            <a:schemeClr val="accent1"/>
+          </a:lnRef>
+          <a:fillRef idx="0">
+            <a:schemeClr val="accent1"/>
+          </a:fillRef>
+          <a:effectRef idx="0">
+            <a:schemeClr val="accent1"/>
+          </a:effectRef>
+          <a:fontRef idx="minor">
+            <a:schemeClr val="tx1"/>
+          </a:fontRef>
+        </p:style>
+      </p:cxnSp>
+      <p:cxnSp>
+        <p:nvCxnSpPr>
+          <p:cNvPr id="96" name="Straight Connector 26"/>
+          <p:cNvCxnSpPr/>
+          <p:nvPr/>
+        </p:nvCxnSpPr>
+        <p:spPr>
+          <a:xfrm>
+            <a:off x="3484222" y="5348505"/>
+            <a:ext cx="2403141" cy="8859"/>
+          </a:xfrm>
+          <a:prstGeom prst="line">
+            <a:avLst/>
+          </a:prstGeom>
+          <a:ln w="19050">
+            <a:solidFill>
+              <a:schemeClr val="tx1"/>
+            </a:solidFill>
+            <a:headEnd type="none"/>
+            <a:tailEnd type="arrow"/>
+          </a:ln>
+        </p:spPr>
+        <p:style>
+          <a:lnRef idx="1">
+            <a:schemeClr val="accent1"/>
+          </a:lnRef>
+          <a:fillRef idx="0">
+            <a:schemeClr val="accent1"/>
+          </a:fillRef>
+          <a:effectRef idx="0">
+            <a:schemeClr val="accent1"/>
+          </a:effectRef>
+          <a:fontRef idx="minor">
+            <a:schemeClr val="tx1"/>
+          </a:fontRef>
+        </p:style>
+      </p:cxnSp>
+      <p:cxnSp>
+        <p:nvCxnSpPr>
+          <p:cNvPr id="97" name="Straight Connector 26"/>
+          <p:cNvCxnSpPr/>
+          <p:nvPr/>
+        </p:nvCxnSpPr>
+        <p:spPr>
+          <a:xfrm>
+            <a:off x="6947858" y="1886151"/>
+            <a:ext cx="0" cy="685800"/>
+          </a:xfrm>
+          <a:prstGeom prst="line">
+            <a:avLst/>
+          </a:prstGeom>
+          <a:ln w="19050">
+            <a:solidFill>
+              <a:schemeClr val="tx1"/>
+            </a:solidFill>
+            <a:headEnd type="arrow"/>
+            <a:tailEnd type="none"/>
+          </a:ln>
+        </p:spPr>
+        <p:style>
+          <a:lnRef idx="1">
+            <a:schemeClr val="accent1"/>
+          </a:lnRef>
+          <a:fillRef idx="0">
+            <a:schemeClr val="accent1"/>
+          </a:fillRef>
+          <a:effectRef idx="0">
+            <a:schemeClr val="accent1"/>
+          </a:effectRef>
+          <a:fontRef idx="minor">
+            <a:schemeClr val="tx1"/>
+          </a:fontRef>
+        </p:style>
+      </p:cxnSp>
+      <p:cxnSp>
+        <p:nvCxnSpPr>
+          <p:cNvPr id="98" name="Straight Connector 26"/>
+          <p:cNvCxnSpPr>
+            <a:stCxn id="69" idx="3"/>
+            <a:endCxn id="76" idx="1"/>
+          </p:cNvCxnSpPr>
+          <p:nvPr/>
+        </p:nvCxnSpPr>
+        <p:spPr>
+          <a:xfrm flipV="1">
+            <a:off x="3483834" y="3119611"/>
+            <a:ext cx="548994" cy="541938"/>
+          </a:xfrm>
+          <a:prstGeom prst="bentConnector3">
+            <a:avLst>
+              <a:gd name="adj1" fmla="val 50000"/>
+            </a:avLst>
+          </a:prstGeom>
+          <a:ln w="28575" cmpd="sng">
+            <a:solidFill>
+              <a:schemeClr val="tx1"/>
+            </a:solidFill>
+            <a:prstDash val="dash"/>
+            <a:headEnd type="none"/>
+            <a:tailEnd type="arrow"/>
+          </a:ln>
+        </p:spPr>
+        <p:style>
+          <a:lnRef idx="1">
+            <a:schemeClr val="accent1"/>
+          </a:lnRef>
+          <a:fillRef idx="0">
+            <a:schemeClr val="accent1"/>
+          </a:fillRef>
+          <a:effectRef idx="0">
+            <a:schemeClr val="accent1"/>
+          </a:effectRef>
+          <a:fontRef idx="minor">
+            <a:schemeClr val="tx1"/>
+          </a:fontRef>
+        </p:style>
+      </p:cxnSp>
+      <p:cxnSp>
+        <p:nvCxnSpPr>
+          <p:cNvPr id="32" name="Straight Connector 26"/>
+          <p:cNvCxnSpPr/>
+          <p:nvPr/>
+        </p:nvCxnSpPr>
+        <p:spPr>
+          <a:xfrm>
+            <a:off x="3484225" y="5483972"/>
+            <a:ext cx="2403141" cy="8859"/>
+          </a:xfrm>
+          <a:prstGeom prst="line">
+            <a:avLst/>
+          </a:prstGeom>
+          <a:ln w="19050">
+            <a:solidFill>
+              <a:schemeClr val="tx1"/>
+            </a:solidFill>
+            <a:headEnd type="none"/>
+            <a:tailEnd type="arrow"/>
+          </a:ln>
+        </p:spPr>
+        <p:style>
+          <a:lnRef idx="1">
+            <a:schemeClr val="accent1"/>
+          </a:lnRef>
+          <a:fillRef idx="0">
+            <a:schemeClr val="accent1"/>
+          </a:fillRef>
+          <a:effectRef idx="0">
+            <a:schemeClr val="accent1"/>
+          </a:effectRef>
+          <a:fontRef idx="minor">
+            <a:schemeClr val="tx1"/>
+          </a:fontRef>
+        </p:style>
+      </p:cxnSp>
+      <p:sp>
+        <p:nvSpPr>
+          <p:cNvPr id="33" name="TextBox 54"/>
+          <p:cNvSpPr txBox="1"/>
+          <p:nvPr/>
+        </p:nvSpPr>
+        <p:spPr>
+          <a:xfrm>
+            <a:off x="4267192" y="4890234"/>
+            <a:ext cx="897467" cy="369332"/>
+          </a:xfrm>
+          <a:prstGeom prst="rect">
+            <a:avLst/>
+          </a:prstGeom>
+          <a:noFill/>
+        </p:spPr>
+        <p:txBody>
+          <a:bodyPr wrap="square" rtlCol="0">
+            <a:spAutoFit/>
+          </a:bodyPr>
+          <a:lstStyle/>
+          <a:p>
+            <a:r>
+              <a:rPr lang="en-US" dirty="0" smtClean="0"/>
+              <a:t>DPDK</a:t>
+            </a:r>
+            <a:endParaRPr lang="en-US" dirty="0"/>
+          </a:p>
+        </p:txBody>
+      </p:sp>
+      <p:sp>
+        <p:nvSpPr>
+          <p:cNvPr id="34" name="TextBox 54"/>
+          <p:cNvSpPr txBox="1"/>
+          <p:nvPr/>
+        </p:nvSpPr>
+        <p:spPr>
+          <a:xfrm>
+            <a:off x="4216393" y="5550634"/>
+            <a:ext cx="897467" cy="369332"/>
+          </a:xfrm>
+          <a:prstGeom prst="rect">
+            <a:avLst/>
+          </a:prstGeom>
+          <a:noFill/>
+        </p:spPr>
+        <p:txBody>
+          <a:bodyPr wrap="square" rtlCol="0">
+            <a:spAutoFit/>
+          </a:bodyPr>
+          <a:lstStyle/>
+          <a:p>
+            <a:r>
+              <a:rPr lang="en-US" dirty="0" smtClean="0"/>
+              <a:t>RDMA</a:t>
+            </a:r>
+            <a:endParaRPr lang="en-US" dirty="0"/>
+          </a:p>
+        </p:txBody>
+      </p:sp>
+    </p:spTree>
+    <p:extLst>
+      <p:ext uri="{BB962C8B-B14F-4D97-AF65-F5344CB8AC3E}">
+        <p14:creationId xmlns:p14="http://schemas.microsoft.com/office/powerpoint/2010/main" val="1164031415"/>
+      </p:ext>
+    </p:extLst>
+  </p:cSld>
+  <p:clrMapOvr>
+    <a:masterClrMapping/>
+  </p:clrMapOvr>
+</p:sld>
+</file>
+
 <file path=ppt/theme/theme1.xml><?xml version="1.0" encoding="utf-8"?>
 <a:theme xmlns:a="http://schemas.openxmlformats.org/drawingml/2006/main" name="Office Theme">
   <a:themeElements>
@@ -4829,7 +6484,7 @@
     </a:clrScheme>
     <a:fontScheme name="Office Theme">
       <a:majorFont>
-        <a:latin typeface="Calibri Light" panose="020F0302020204030204"/>
+        <a:latin typeface="Calibri Light"/>
         <a:ea typeface=""/>
         <a:cs typeface=""/>
         <a:font script="Jpan" typeface="游ゴシック Light"/>
@@ -4864,7 +6519,7 @@
         <a:font script="Geor" typeface="Sylfaen"/>
       </a:majorFont>
       <a:minorFont>
-        <a:latin typeface="Calibri" panose="020F0502020204030204"/>
+        <a:latin typeface="Calibri"/>
         <a:ea typeface=""/>
         <a:cs typeface=""/>
         <a:font script="Jpan" typeface="游ゴシック"/>
@@ -5041,7 +6696,7 @@
   <a:extraClrSchemeLst/>
   <a:extLst>
     <a:ext uri="{05A4C25C-085E-4340-85A3-A5531E510DB2}">
-      <thm15:themeFamily xmlns:thm15="http://schemas.microsoft.com/office/thememl/2012/main" name="Office Theme" id="{62F939B6-93AF-4DB8-9C6B-D6C7DFDC589F}" vid="{4A3C46E8-61CC-4603-A589-7422A47A8E4A}"/>
+      <thm15:themeFamily xmlns="" xmlns:thm15="http://schemas.microsoft.com/office/thememl/2012/main" name="Office Theme" id="{62F939B6-93AF-4DB8-9C6B-D6C7DFDC589F}" vid="{4A3C46E8-61CC-4603-A589-7422A47A8E4A}"/>
     </a:ext>
   </a:extLst>
 </a:theme>

--- a/figures/figures.pptx
+++ b/figures/figures.pptx
@@ -7,6 +7,7 @@
   <p:sldIdLst>
     <p:sldId id="256" r:id="rId2"/>
     <p:sldId id="257" r:id="rId3"/>
+    <p:sldId id="258" r:id="rId4"/>
   </p:sldIdLst>
   <p:sldSz cx="9144000" cy="6858000" type="screen4x3"/>
   <p:notesSz cx="6858000" cy="9144000"/>
@@ -6441,6 +6442,589 @@
 </p:sld>
 </file>
 
+<file path=ppt/slides/slide3.xml><?xml version="1.0" encoding="utf-8"?>
+<p:sld xmlns:a="http://schemas.openxmlformats.org/drawingml/2006/main" xmlns:r="http://schemas.openxmlformats.org/officeDocument/2006/relationships" xmlns:p="http://schemas.openxmlformats.org/presentationml/2006/main">
+  <p:cSld>
+    <p:spTree>
+      <p:nvGrpSpPr>
+        <p:cNvPr id="1" name=""/>
+        <p:cNvGrpSpPr/>
+        <p:nvPr/>
+      </p:nvGrpSpPr>
+      <p:grpSpPr>
+        <a:xfrm>
+          <a:off x="0" y="0"/>
+          <a:ext cx="0" cy="0"/>
+          <a:chOff x="0" y="0"/>
+          <a:chExt cx="0" cy="0"/>
+        </a:xfrm>
+      </p:grpSpPr>
+      <p:sp>
+        <p:nvSpPr>
+          <p:cNvPr id="55" name="TextBox 54"/>
+          <p:cNvSpPr txBox="1"/>
+          <p:nvPr/>
+        </p:nvSpPr>
+        <p:spPr>
+          <a:xfrm>
+            <a:off x="1947340" y="3061433"/>
+            <a:ext cx="2319864" cy="400110"/>
+          </a:xfrm>
+          <a:prstGeom prst="rect">
+            <a:avLst/>
+          </a:prstGeom>
+          <a:noFill/>
+        </p:spPr>
+        <p:txBody>
+          <a:bodyPr wrap="square" rtlCol="0">
+            <a:spAutoFit/>
+          </a:bodyPr>
+          <a:lstStyle/>
+          <a:p>
+            <a:pPr algn="ctr"/>
+            <a:r>
+              <a:rPr lang="en-US" sz="2000" dirty="0" smtClean="0"/>
+              <a:t>Intra</a:t>
+            </a:r>
+            <a:r>
+              <a:rPr lang="en-US" sz="2000" dirty="0"/>
+              <a:t>-</a:t>
+            </a:r>
+            <a:r>
+              <a:rPr lang="en-US" sz="2000" dirty="0" smtClean="0"/>
+              <a:t>VM</a:t>
+            </a:r>
+            <a:endParaRPr lang="en-US" sz="2000" dirty="0"/>
+          </a:p>
+        </p:txBody>
+      </p:sp>
+      <p:sp>
+        <p:nvSpPr>
+          <p:cNvPr id="76" name="Rectangle 5"/>
+          <p:cNvSpPr/>
+          <p:nvPr/>
+        </p:nvSpPr>
+        <p:spPr>
+          <a:xfrm>
+            <a:off x="1069495" y="3348211"/>
+            <a:ext cx="1342578" cy="457200"/>
+          </a:xfrm>
+          <a:prstGeom prst="rect">
+            <a:avLst/>
+          </a:prstGeom>
+          <a:solidFill>
+            <a:srgbClr val="FFFFFF"/>
+          </a:solidFill>
+          <a:ln w="19050">
+            <a:solidFill>
+              <a:schemeClr val="tx1">
+                <a:lumMod val="75000"/>
+                <a:lumOff val="25000"/>
+              </a:schemeClr>
+            </a:solidFill>
+          </a:ln>
+        </p:spPr>
+        <p:style>
+          <a:lnRef idx="2">
+            <a:schemeClr val="accent1">
+              <a:shade val="50000"/>
+            </a:schemeClr>
+          </a:lnRef>
+          <a:fillRef idx="1">
+            <a:schemeClr val="accent1"/>
+          </a:fillRef>
+          <a:effectRef idx="0">
+            <a:schemeClr val="accent1"/>
+          </a:effectRef>
+          <a:fontRef idx="minor">
+            <a:schemeClr val="lt1"/>
+          </a:fontRef>
+        </p:style>
+        <p:txBody>
+          <a:bodyPr rtlCol="0" anchor="ctr"/>
+          <a:lstStyle/>
+          <a:p>
+            <a:pPr algn="ctr"/>
+            <a:r>
+              <a:rPr lang="en-US" dirty="0" err="1" smtClean="0">
+                <a:solidFill>
+                  <a:sysClr val="windowText" lastClr="000000"/>
+                </a:solidFill>
+              </a:rPr>
+              <a:t>Mesos</a:t>
+            </a:r>
+            <a:endParaRPr lang="en-US" dirty="0">
+              <a:solidFill>
+                <a:sysClr val="windowText" lastClr="000000"/>
+              </a:solidFill>
+            </a:endParaRPr>
+          </a:p>
+        </p:txBody>
+      </p:sp>
+      <p:sp>
+        <p:nvSpPr>
+          <p:cNvPr id="77" name="Rectangle 5"/>
+          <p:cNvSpPr/>
+          <p:nvPr/>
+        </p:nvSpPr>
+        <p:spPr>
+          <a:xfrm>
+            <a:off x="3589866" y="4056591"/>
+            <a:ext cx="1342578" cy="457200"/>
+          </a:xfrm>
+          <a:prstGeom prst="rect">
+            <a:avLst/>
+          </a:prstGeom>
+          <a:solidFill>
+            <a:srgbClr val="FFFFFF"/>
+          </a:solidFill>
+          <a:ln w="19050">
+            <a:solidFill>
+              <a:schemeClr val="tx1">
+                <a:lumMod val="75000"/>
+                <a:lumOff val="25000"/>
+              </a:schemeClr>
+            </a:solidFill>
+          </a:ln>
+        </p:spPr>
+        <p:style>
+          <a:lnRef idx="2">
+            <a:schemeClr val="accent1">
+              <a:shade val="50000"/>
+            </a:schemeClr>
+          </a:lnRef>
+          <a:fillRef idx="1">
+            <a:schemeClr val="accent1"/>
+          </a:fillRef>
+          <a:effectRef idx="0">
+            <a:schemeClr val="accent1"/>
+          </a:effectRef>
+          <a:fontRef idx="minor">
+            <a:schemeClr val="lt1"/>
+          </a:fontRef>
+        </p:style>
+        <p:txBody>
+          <a:bodyPr rtlCol="0" anchor="ctr"/>
+          <a:lstStyle/>
+          <a:p>
+            <a:pPr algn="ctr">
+              <a:lnSpc>
+                <a:spcPct val="80000"/>
+              </a:lnSpc>
+            </a:pPr>
+            <a:r>
+              <a:rPr lang="en-US" dirty="0" smtClean="0">
+                <a:solidFill>
+                  <a:sysClr val="windowText" lastClr="000000"/>
+                </a:solidFill>
+              </a:rPr>
+              <a:t>Fabric Controller</a:t>
+            </a:r>
+            <a:endParaRPr lang="en-US" dirty="0">
+              <a:solidFill>
+                <a:sysClr val="windowText" lastClr="000000"/>
+              </a:solidFill>
+            </a:endParaRPr>
+          </a:p>
+        </p:txBody>
+      </p:sp>
+      <p:sp>
+        <p:nvSpPr>
+          <p:cNvPr id="87" name="TextBox 54"/>
+          <p:cNvSpPr txBox="1"/>
+          <p:nvPr/>
+        </p:nvSpPr>
+        <p:spPr>
+          <a:xfrm>
+            <a:off x="6197602" y="3146105"/>
+            <a:ext cx="1286931" cy="707886"/>
+          </a:xfrm>
+          <a:prstGeom prst="rect">
+            <a:avLst/>
+          </a:prstGeom>
+          <a:noFill/>
+        </p:spPr>
+        <p:txBody>
+          <a:bodyPr wrap="square" rtlCol="0">
+            <a:spAutoFit/>
+          </a:bodyPr>
+          <a:lstStyle/>
+          <a:p>
+            <a:r>
+              <a:rPr lang="en-US" sz="2000" dirty="0" smtClean="0"/>
+              <a:t>Shared Memory</a:t>
+            </a:r>
+            <a:endParaRPr lang="en-US" sz="2000" dirty="0"/>
+          </a:p>
+        </p:txBody>
+      </p:sp>
+      <p:cxnSp>
+        <p:nvCxnSpPr>
+          <p:cNvPr id="89" name="Straight Connector 26"/>
+          <p:cNvCxnSpPr/>
+          <p:nvPr/>
+        </p:nvCxnSpPr>
+        <p:spPr>
+          <a:xfrm flipV="1">
+            <a:off x="893055" y="3590927"/>
+            <a:ext cx="182880" cy="2893"/>
+          </a:xfrm>
+          <a:prstGeom prst="line">
+            <a:avLst/>
+          </a:prstGeom>
+          <a:ln w="28575" cmpd="sng">
+            <a:solidFill>
+              <a:schemeClr val="tx1"/>
+            </a:solidFill>
+            <a:prstDash val="dash"/>
+            <a:headEnd type="none"/>
+            <a:tailEnd type="arrow"/>
+          </a:ln>
+        </p:spPr>
+        <p:style>
+          <a:lnRef idx="1">
+            <a:schemeClr val="accent1"/>
+          </a:lnRef>
+          <a:fillRef idx="0">
+            <a:schemeClr val="accent1"/>
+          </a:fillRef>
+          <a:effectRef idx="0">
+            <a:schemeClr val="accent1"/>
+          </a:effectRef>
+          <a:fontRef idx="minor">
+            <a:schemeClr val="tx1"/>
+          </a:fontRef>
+        </p:style>
+      </p:cxnSp>
+      <p:cxnSp>
+        <p:nvCxnSpPr>
+          <p:cNvPr id="98" name="Straight Connector 26"/>
+          <p:cNvCxnSpPr>
+            <a:stCxn id="76" idx="3"/>
+            <a:endCxn id="77" idx="1"/>
+          </p:cNvCxnSpPr>
+          <p:nvPr/>
+        </p:nvCxnSpPr>
+        <p:spPr>
+          <a:xfrm>
+            <a:off x="2412073" y="3576811"/>
+            <a:ext cx="1177793" cy="708380"/>
+          </a:xfrm>
+          <a:prstGeom prst="bentConnector3">
+            <a:avLst>
+              <a:gd name="adj1" fmla="val 50000"/>
+            </a:avLst>
+          </a:prstGeom>
+          <a:ln w="28575" cmpd="sng">
+            <a:solidFill>
+              <a:schemeClr val="tx1"/>
+            </a:solidFill>
+            <a:prstDash val="dash"/>
+            <a:headEnd type="none"/>
+            <a:tailEnd type="arrow"/>
+          </a:ln>
+        </p:spPr>
+        <p:style>
+          <a:lnRef idx="1">
+            <a:schemeClr val="accent1"/>
+          </a:lnRef>
+          <a:fillRef idx="0">
+            <a:schemeClr val="accent1"/>
+          </a:fillRef>
+          <a:effectRef idx="0">
+            <a:schemeClr val="accent1"/>
+          </a:effectRef>
+          <a:fontRef idx="minor">
+            <a:schemeClr val="tx1"/>
+          </a:fontRef>
+        </p:style>
+      </p:cxnSp>
+      <p:sp>
+        <p:nvSpPr>
+          <p:cNvPr id="33" name="TextBox 54"/>
+          <p:cNvSpPr txBox="1"/>
+          <p:nvPr/>
+        </p:nvSpPr>
+        <p:spPr>
+          <a:xfrm>
+            <a:off x="6197593" y="3925038"/>
+            <a:ext cx="1659474" cy="707886"/>
+          </a:xfrm>
+          <a:prstGeom prst="rect">
+            <a:avLst/>
+          </a:prstGeom>
+          <a:noFill/>
+        </p:spPr>
+        <p:txBody>
+          <a:bodyPr wrap="square" rtlCol="0">
+            <a:spAutoFit/>
+          </a:bodyPr>
+          <a:lstStyle/>
+          <a:p>
+            <a:r>
+              <a:rPr lang="en-US" sz="2000" dirty="0" smtClean="0"/>
+              <a:t>DPDK/</a:t>
+            </a:r>
+            <a:r>
+              <a:rPr lang="en-US" sz="2000" dirty="0" err="1" smtClean="0"/>
+              <a:t>Netmap</a:t>
+            </a:r>
+            <a:endParaRPr lang="en-US" sz="2000" dirty="0"/>
+          </a:p>
+        </p:txBody>
+      </p:sp>
+      <p:sp>
+        <p:nvSpPr>
+          <p:cNvPr id="34" name="TextBox 54"/>
+          <p:cNvSpPr txBox="1"/>
+          <p:nvPr/>
+        </p:nvSpPr>
+        <p:spPr>
+          <a:xfrm>
+            <a:off x="6214527" y="4805568"/>
+            <a:ext cx="897467" cy="400110"/>
+          </a:xfrm>
+          <a:prstGeom prst="rect">
+            <a:avLst/>
+          </a:prstGeom>
+          <a:noFill/>
+        </p:spPr>
+        <p:txBody>
+          <a:bodyPr wrap="square" rtlCol="0">
+            <a:spAutoFit/>
+          </a:bodyPr>
+          <a:lstStyle/>
+          <a:p>
+            <a:r>
+              <a:rPr lang="en-US" sz="2000" dirty="0" smtClean="0"/>
+              <a:t>RDMA</a:t>
+            </a:r>
+            <a:endParaRPr lang="en-US" sz="2000" dirty="0"/>
+          </a:p>
+        </p:txBody>
+      </p:sp>
+      <p:cxnSp>
+        <p:nvCxnSpPr>
+          <p:cNvPr id="40" name="Straight Connector 26"/>
+          <p:cNvCxnSpPr/>
+          <p:nvPr/>
+        </p:nvCxnSpPr>
+        <p:spPr>
+          <a:xfrm>
+            <a:off x="4935140" y="4304944"/>
+            <a:ext cx="1177793" cy="708380"/>
+          </a:xfrm>
+          <a:prstGeom prst="bentConnector3">
+            <a:avLst>
+              <a:gd name="adj1" fmla="val 50000"/>
+            </a:avLst>
+          </a:prstGeom>
+          <a:ln w="28575" cmpd="sng">
+            <a:solidFill>
+              <a:schemeClr val="tx1"/>
+            </a:solidFill>
+            <a:prstDash val="dash"/>
+            <a:headEnd type="none"/>
+            <a:tailEnd type="arrow"/>
+          </a:ln>
+        </p:spPr>
+        <p:style>
+          <a:lnRef idx="1">
+            <a:schemeClr val="accent1"/>
+          </a:lnRef>
+          <a:fillRef idx="0">
+            <a:schemeClr val="accent1"/>
+          </a:fillRef>
+          <a:effectRef idx="0">
+            <a:schemeClr val="accent1"/>
+          </a:effectRef>
+          <a:fontRef idx="minor">
+            <a:schemeClr val="tx1"/>
+          </a:fontRef>
+        </p:style>
+      </p:cxnSp>
+      <p:sp>
+        <p:nvSpPr>
+          <p:cNvPr id="41" name="TextBox 54"/>
+          <p:cNvSpPr txBox="1"/>
+          <p:nvPr/>
+        </p:nvSpPr>
+        <p:spPr>
+          <a:xfrm>
+            <a:off x="1896543" y="4365299"/>
+            <a:ext cx="2319864" cy="400110"/>
+          </a:xfrm>
+          <a:prstGeom prst="rect">
+            <a:avLst/>
+          </a:prstGeom>
+          <a:noFill/>
+        </p:spPr>
+        <p:txBody>
+          <a:bodyPr wrap="square" rtlCol="0">
+            <a:spAutoFit/>
+          </a:bodyPr>
+          <a:lstStyle/>
+          <a:p>
+            <a:pPr algn="ctr"/>
+            <a:r>
+              <a:rPr lang="en-US" sz="2000" dirty="0" smtClean="0"/>
+              <a:t>Inter-VM</a:t>
+            </a:r>
+            <a:endParaRPr lang="en-US" sz="2000" dirty="0"/>
+          </a:p>
+        </p:txBody>
+      </p:sp>
+      <p:cxnSp>
+        <p:nvCxnSpPr>
+          <p:cNvPr id="43" name="Straight Connector 26"/>
+          <p:cNvCxnSpPr/>
+          <p:nvPr/>
+        </p:nvCxnSpPr>
+        <p:spPr>
+          <a:xfrm>
+            <a:off x="2417034" y="3576884"/>
+            <a:ext cx="3678966" cy="0"/>
+          </a:xfrm>
+          <a:prstGeom prst="line">
+            <a:avLst/>
+          </a:prstGeom>
+          <a:ln w="28575" cmpd="sng">
+            <a:solidFill>
+              <a:schemeClr val="tx1"/>
+            </a:solidFill>
+            <a:prstDash val="dash"/>
+            <a:headEnd type="none"/>
+            <a:tailEnd type="arrow"/>
+          </a:ln>
+        </p:spPr>
+        <p:style>
+          <a:lnRef idx="1">
+            <a:schemeClr val="accent1"/>
+          </a:lnRef>
+          <a:fillRef idx="0">
+            <a:schemeClr val="accent1"/>
+          </a:fillRef>
+          <a:effectRef idx="0">
+            <a:schemeClr val="accent1"/>
+          </a:effectRef>
+          <a:fontRef idx="minor">
+            <a:schemeClr val="tx1"/>
+          </a:fontRef>
+        </p:style>
+      </p:cxnSp>
+      <p:sp>
+        <p:nvSpPr>
+          <p:cNvPr id="45" name="TextBox 54"/>
+          <p:cNvSpPr txBox="1"/>
+          <p:nvPr/>
+        </p:nvSpPr>
+        <p:spPr>
+          <a:xfrm>
+            <a:off x="4385745" y="3738769"/>
+            <a:ext cx="2319864" cy="400110"/>
+          </a:xfrm>
+          <a:prstGeom prst="rect">
+            <a:avLst/>
+          </a:prstGeom>
+          <a:noFill/>
+        </p:spPr>
+        <p:txBody>
+          <a:bodyPr wrap="square" rtlCol="0">
+            <a:spAutoFit/>
+          </a:bodyPr>
+          <a:lstStyle/>
+          <a:p>
+            <a:pPr algn="ctr"/>
+            <a:r>
+              <a:rPr lang="en-US" sz="2000" dirty="0" smtClean="0"/>
+              <a:t>Intra-host</a:t>
+            </a:r>
+            <a:endParaRPr lang="en-US" sz="2000" dirty="0"/>
+          </a:p>
+        </p:txBody>
+      </p:sp>
+      <p:cxnSp>
+        <p:nvCxnSpPr>
+          <p:cNvPr id="46" name="Straight Connector 26"/>
+          <p:cNvCxnSpPr/>
+          <p:nvPr/>
+        </p:nvCxnSpPr>
+        <p:spPr>
+          <a:xfrm flipV="1">
+            <a:off x="4940115" y="4301067"/>
+            <a:ext cx="1206700" cy="3951"/>
+          </a:xfrm>
+          <a:prstGeom prst="line">
+            <a:avLst/>
+          </a:prstGeom>
+          <a:ln w="28575" cmpd="sng">
+            <a:solidFill>
+              <a:schemeClr val="tx1"/>
+            </a:solidFill>
+            <a:prstDash val="dash"/>
+            <a:headEnd type="none"/>
+            <a:tailEnd type="arrow"/>
+          </a:ln>
+        </p:spPr>
+        <p:style>
+          <a:lnRef idx="1">
+            <a:schemeClr val="accent1"/>
+          </a:lnRef>
+          <a:fillRef idx="0">
+            <a:schemeClr val="accent1"/>
+          </a:fillRef>
+          <a:effectRef idx="0">
+            <a:schemeClr val="accent1"/>
+          </a:effectRef>
+          <a:fontRef idx="minor">
+            <a:schemeClr val="tx1"/>
+          </a:fontRef>
+        </p:style>
+      </p:cxnSp>
+      <p:sp>
+        <p:nvSpPr>
+          <p:cNvPr id="48" name="TextBox 54"/>
+          <p:cNvSpPr txBox="1"/>
+          <p:nvPr/>
+        </p:nvSpPr>
+        <p:spPr>
+          <a:xfrm>
+            <a:off x="4402685" y="5076500"/>
+            <a:ext cx="2319864" cy="400110"/>
+          </a:xfrm>
+          <a:prstGeom prst="rect">
+            <a:avLst/>
+          </a:prstGeom>
+          <a:noFill/>
+        </p:spPr>
+        <p:txBody>
+          <a:bodyPr wrap="square" rtlCol="0">
+            <a:spAutoFit/>
+          </a:bodyPr>
+          <a:lstStyle/>
+          <a:p>
+            <a:pPr algn="ctr"/>
+            <a:r>
+              <a:rPr lang="en-US" sz="2000" dirty="0" smtClean="0"/>
+              <a:t>Inter-host</a:t>
+            </a:r>
+            <a:endParaRPr lang="en-US" sz="2000" dirty="0"/>
+          </a:p>
+        </p:txBody>
+      </p:sp>
+    </p:spTree>
+    <p:extLst>
+      <p:ext uri="{BB962C8B-B14F-4D97-AF65-F5344CB8AC3E}">
+        <p14:creationId xmlns:p14="http://schemas.microsoft.com/office/powerpoint/2010/main" val="3120842089"/>
+      </p:ext>
+    </p:extLst>
+  </p:cSld>
+  <p:clrMapOvr>
+    <a:masterClrMapping/>
+  </p:clrMapOvr>
+</p:sld>
+</file>
+
 <file path=ppt/theme/theme1.xml><?xml version="1.0" encoding="utf-8"?>
 <a:theme xmlns:a="http://schemas.openxmlformats.org/drawingml/2006/main" name="Office Theme">
   <a:themeElements>

--- a/figures/figures.pptx
+++ b/figures/figures.pptx
@@ -6,8 +6,11 @@
   </p:sldMasterIdLst>
   <p:sldIdLst>
     <p:sldId id="256" r:id="rId2"/>
-    <p:sldId id="257" r:id="rId3"/>
-    <p:sldId id="258" r:id="rId4"/>
+    <p:sldId id="259" r:id="rId3"/>
+    <p:sldId id="261" r:id="rId4"/>
+    <p:sldId id="260" r:id="rId5"/>
+    <p:sldId id="257" r:id="rId6"/>
+    <p:sldId id="258" r:id="rId7"/>
   </p:sldIdLst>
   <p:sldSz cx="9144000" cy="6858000" type="screen4x3"/>
   <p:notesSz cx="6858000" cy="9144000"/>
@@ -108,7 +111,18 @@
   </p:defaultTextStyle>
   <p:extLst>
     <p:ext uri="{EFAFB233-063F-42B5-8137-9DF3F51BA10A}">
-      <p15:sldGuideLst xmlns="" xmlns:p15="http://schemas.microsoft.com/office/powerpoint/2012/main"/>
+      <p15:sldGuideLst xmlns:p15="http://schemas.microsoft.com/office/powerpoint/2012/main">
+        <p15:guide id="1" orient="horz" pos="2160">
+          <p15:clr>
+            <a:srgbClr val="A4A3A4"/>
+          </p15:clr>
+        </p15:guide>
+        <p15:guide id="2" pos="2880">
+          <p15:clr>
+            <a:srgbClr val="A4A3A4"/>
+          </p15:clr>
+        </p15:guide>
+      </p15:sldGuideLst>
     </p:ext>
   </p:extLst>
 </p:presentation>
@@ -245,7 +259,7 @@
           <a:p>
             <a:fld id="{621EDD06-D935-4757-8E3B-CF3AF6A4D88B}" type="datetimeFigureOut">
               <a:rPr lang="en-US" smtClean="0"/>
-              <a:t>7/13/16</a:t>
+              <a:t>7/13/2016</a:t>
             </a:fld>
             <a:endParaRPr lang="en-US"/>
           </a:p>
@@ -415,7 +429,7 @@
           <a:p>
             <a:fld id="{621EDD06-D935-4757-8E3B-CF3AF6A4D88B}" type="datetimeFigureOut">
               <a:rPr lang="en-US" smtClean="0"/>
-              <a:t>7/13/16</a:t>
+              <a:t>7/13/2016</a:t>
             </a:fld>
             <a:endParaRPr lang="en-US"/>
           </a:p>
@@ -595,7 +609,7 @@
           <a:p>
             <a:fld id="{621EDD06-D935-4757-8E3B-CF3AF6A4D88B}" type="datetimeFigureOut">
               <a:rPr lang="en-US" smtClean="0"/>
-              <a:t>7/13/16</a:t>
+              <a:t>7/13/2016</a:t>
             </a:fld>
             <a:endParaRPr lang="en-US"/>
           </a:p>
@@ -765,7 +779,7 @@
           <a:p>
             <a:fld id="{621EDD06-D935-4757-8E3B-CF3AF6A4D88B}" type="datetimeFigureOut">
               <a:rPr lang="en-US" smtClean="0"/>
-              <a:t>7/13/16</a:t>
+              <a:t>7/13/2016</a:t>
             </a:fld>
             <a:endParaRPr lang="en-US"/>
           </a:p>
@@ -1009,7 +1023,7 @@
           <a:p>
             <a:fld id="{621EDD06-D935-4757-8E3B-CF3AF6A4D88B}" type="datetimeFigureOut">
               <a:rPr lang="en-US" smtClean="0"/>
-              <a:t>7/13/16</a:t>
+              <a:t>7/13/2016</a:t>
             </a:fld>
             <a:endParaRPr lang="en-US"/>
           </a:p>
@@ -1241,7 +1255,7 @@
           <a:p>
             <a:fld id="{621EDD06-D935-4757-8E3B-CF3AF6A4D88B}" type="datetimeFigureOut">
               <a:rPr lang="en-US" smtClean="0"/>
-              <a:t>7/13/16</a:t>
+              <a:t>7/13/2016</a:t>
             </a:fld>
             <a:endParaRPr lang="en-US"/>
           </a:p>
@@ -1608,7 +1622,7 @@
           <a:p>
             <a:fld id="{621EDD06-D935-4757-8E3B-CF3AF6A4D88B}" type="datetimeFigureOut">
               <a:rPr lang="en-US" smtClean="0"/>
-              <a:t>7/13/16</a:t>
+              <a:t>7/13/2016</a:t>
             </a:fld>
             <a:endParaRPr lang="en-US"/>
           </a:p>
@@ -1726,7 +1740,7 @@
           <a:p>
             <a:fld id="{621EDD06-D935-4757-8E3B-CF3AF6A4D88B}" type="datetimeFigureOut">
               <a:rPr lang="en-US" smtClean="0"/>
-              <a:t>7/13/16</a:t>
+              <a:t>7/13/2016</a:t>
             </a:fld>
             <a:endParaRPr lang="en-US"/>
           </a:p>
@@ -1821,7 +1835,7 @@
           <a:p>
             <a:fld id="{621EDD06-D935-4757-8E3B-CF3AF6A4D88B}" type="datetimeFigureOut">
               <a:rPr lang="en-US" smtClean="0"/>
-              <a:t>7/13/16</a:t>
+              <a:t>7/13/2016</a:t>
             </a:fld>
             <a:endParaRPr lang="en-US"/>
           </a:p>
@@ -2098,7 +2112,7 @@
           <a:p>
             <a:fld id="{621EDD06-D935-4757-8E3B-CF3AF6A4D88B}" type="datetimeFigureOut">
               <a:rPr lang="en-US" smtClean="0"/>
-              <a:t>7/13/16</a:t>
+              <a:t>7/13/2016</a:t>
             </a:fld>
             <a:endParaRPr lang="en-US"/>
           </a:p>
@@ -2355,7 +2369,7 @@
           <a:p>
             <a:fld id="{621EDD06-D935-4757-8E3B-CF3AF6A4D88B}" type="datetimeFigureOut">
               <a:rPr lang="en-US" smtClean="0"/>
-              <a:t>7/13/16</a:t>
+              <a:t>7/13/2016</a:t>
             </a:fld>
             <a:endParaRPr lang="en-US"/>
           </a:p>
@@ -2568,7 +2582,7 @@
           <a:p>
             <a:fld id="{621EDD06-D935-4757-8E3B-CF3AF6A4D88B}" type="datetimeFigureOut">
               <a:rPr lang="en-US" smtClean="0"/>
-              <a:t>7/13/16</a:t>
+              <a:t>7/13/2016</a:t>
             </a:fld>
             <a:endParaRPr lang="en-US"/>
           </a:p>
@@ -4807,26 +4821,26 @@
       </p:grpSpPr>
       <p:sp>
         <p:nvSpPr>
-          <p:cNvPr id="9" name="Rectangle 8"/>
+          <p:cNvPr id="4" name="Rectangle 3"/>
           <p:cNvSpPr/>
           <p:nvPr/>
         </p:nvSpPr>
         <p:spPr>
           <a:xfrm>
-            <a:off x="610109" y="1232885"/>
-            <a:ext cx="1342578" cy="640080"/>
+            <a:off x="889242" y="914210"/>
+            <a:ext cx="4013848" cy="2711454"/>
           </a:xfrm>
           <a:prstGeom prst="rect">
             <a:avLst/>
           </a:prstGeom>
           <a:noFill/>
-          <a:ln w="19050">
+          <a:ln w="28575">
             <a:solidFill>
-              <a:schemeClr val="tx1">
-                <a:lumMod val="75000"/>
-                <a:lumOff val="25000"/>
+              <a:schemeClr val="bg1">
+                <a:lumMod val="50000"/>
               </a:schemeClr>
             </a:solidFill>
+            <a:prstDash val="dash"/>
           </a:ln>
         </p:spPr>
         <p:style>
@@ -4850,58 +4864,448 @@
           <a:lstStyle/>
           <a:p>
             <a:pPr algn="ctr"/>
-            <a:r>
-              <a:rPr lang="en-US" dirty="0" smtClean="0">
+            <a:endParaRPr lang="en-US"/>
+          </a:p>
+        </p:txBody>
+      </p:sp>
+      <p:pic>
+        <p:nvPicPr>
+          <p:cNvPr id="5" name="Picture 4"/>
+          <p:cNvPicPr>
+            <a:picLocks noChangeAspect="1"/>
+          </p:cNvPicPr>
+          <p:nvPr/>
+        </p:nvPicPr>
+        <p:blipFill rotWithShape="1">
+          <a:blip r:embed="rId2">
+            <a:extLst>
+              <a:ext uri="{BEBA8EAE-BF5A-486C-A8C5-ECC9F3942E4B}">
+                <a14:imgProps xmlns:a14="http://schemas.microsoft.com/office/drawing/2010/main">
+                  <a14:imgLayer r:embed="rId3">
+                    <a14:imgEffect>
+                      <a14:saturation sat="33000"/>
+                    </a14:imgEffect>
+                  </a14:imgLayer>
+                </a14:imgProps>
+              </a:ext>
+              <a:ext uri="{28A0092B-C50C-407E-A947-70E740481C1C}">
+                <a14:useLocalDpi xmlns:a14="http://schemas.microsoft.com/office/drawing/2010/main" val="0"/>
+              </a:ext>
+            </a:extLst>
+          </a:blip>
+          <a:srcRect l="5811" t="8849" r="8982" b="11296"/>
+          <a:stretch/>
+        </p:blipFill>
+        <p:spPr>
+          <a:xfrm>
+            <a:off x="2161704" y="2160728"/>
+            <a:ext cx="958711" cy="749631"/>
+          </a:xfrm>
+          <a:prstGeom prst="rect">
+            <a:avLst/>
+          </a:prstGeom>
+        </p:spPr>
+      </p:pic>
+      <p:cxnSp>
+        <p:nvCxnSpPr>
+          <p:cNvPr id="6" name="Straight Connector 5"/>
+          <p:cNvCxnSpPr>
+            <a:stCxn id="9" idx="2"/>
+          </p:cNvCxnSpPr>
+          <p:nvPr/>
+        </p:nvCxnSpPr>
+        <p:spPr>
+          <a:xfrm>
+            <a:off x="1699619" y="1920110"/>
+            <a:ext cx="624481" cy="362080"/>
+          </a:xfrm>
+          <a:prstGeom prst="line">
+            <a:avLst/>
+          </a:prstGeom>
+          <a:ln w="28575">
+            <a:solidFill>
+              <a:schemeClr val="tx1"/>
+            </a:solidFill>
+          </a:ln>
+        </p:spPr>
+        <p:style>
+          <a:lnRef idx="1">
+            <a:schemeClr val="accent1"/>
+          </a:lnRef>
+          <a:fillRef idx="0">
+            <a:schemeClr val="accent1"/>
+          </a:fillRef>
+          <a:effectRef idx="0">
+            <a:schemeClr val="accent1"/>
+          </a:effectRef>
+          <a:fontRef idx="minor">
+            <a:schemeClr val="tx1"/>
+          </a:fontRef>
+        </p:style>
+      </p:cxnSp>
+      <p:grpSp>
+        <p:nvGrpSpPr>
+          <p:cNvPr id="7" name="Group 6"/>
+          <p:cNvGrpSpPr/>
+          <p:nvPr/>
+        </p:nvGrpSpPr>
+        <p:grpSpPr>
+          <a:xfrm>
+            <a:off x="1028330" y="1046092"/>
+            <a:ext cx="2096550" cy="1017008"/>
+            <a:chOff x="598008" y="1046092"/>
+            <a:chExt cx="2096550" cy="1017008"/>
+          </a:xfrm>
+        </p:grpSpPr>
+        <p:sp>
+          <p:nvSpPr>
+            <p:cNvPr id="8" name="Rectangle 7"/>
+            <p:cNvSpPr/>
+            <p:nvPr/>
+          </p:nvSpPr>
+          <p:spPr>
+            <a:xfrm>
+              <a:off x="598008" y="1046092"/>
+              <a:ext cx="1342578" cy="673371"/>
+            </a:xfrm>
+            <a:prstGeom prst="rect">
+              <a:avLst/>
+            </a:prstGeom>
+            <a:solidFill>
+              <a:schemeClr val="tx1">
+                <a:lumMod val="65000"/>
+                <a:lumOff val="35000"/>
+              </a:schemeClr>
+            </a:solidFill>
+            <a:ln w="28575">
+              <a:solidFill>
+                <a:schemeClr val="tx1">
+                  <a:lumMod val="75000"/>
+                  <a:lumOff val="25000"/>
+                </a:schemeClr>
+              </a:solidFill>
+            </a:ln>
+          </p:spPr>
+          <p:style>
+            <a:lnRef idx="2">
+              <a:schemeClr val="accent1">
+                <a:shade val="50000"/>
+              </a:schemeClr>
+            </a:lnRef>
+            <a:fillRef idx="1">
+              <a:schemeClr val="accent1"/>
+            </a:fillRef>
+            <a:effectRef idx="0">
+              <a:schemeClr val="accent1"/>
+            </a:effectRef>
+            <a:fontRef idx="minor">
+              <a:schemeClr val="lt1"/>
+            </a:fontRef>
+          </p:style>
+          <p:txBody>
+            <a:bodyPr rtlCol="0" anchor="ctr"/>
+            <a:lstStyle/>
+            <a:p>
+              <a:pPr algn="ctr"/>
+              <a:r>
+                <a:rPr lang="en-US" dirty="0">
+                  <a:solidFill>
+                    <a:schemeClr val="bg1"/>
+                  </a:solidFill>
+                </a:rPr>
+                <a:t>Container </a:t>
+              </a:r>
+              <a:r>
+                <a:rPr lang="en-US" i="1" dirty="0">
+                  <a:solidFill>
+                    <a:schemeClr val="bg1"/>
+                  </a:solidFill>
+                </a:rPr>
+                <a:t>1</a:t>
+              </a:r>
+            </a:p>
+          </p:txBody>
+        </p:sp>
+        <p:sp>
+          <p:nvSpPr>
+            <p:cNvPr id="9" name="Rectangle 8"/>
+            <p:cNvSpPr/>
+            <p:nvPr/>
+          </p:nvSpPr>
+          <p:spPr>
+            <a:xfrm>
+              <a:off x="1163050" y="1723542"/>
+              <a:ext cx="212493" cy="196568"/>
+            </a:xfrm>
+            <a:prstGeom prst="rect">
+              <a:avLst/>
+            </a:prstGeom>
+            <a:solidFill>
+              <a:srgbClr val="DDDDDD"/>
+            </a:solidFill>
+            <a:ln w="22225">
+              <a:solidFill>
+                <a:schemeClr val="tx1">
+                  <a:lumMod val="75000"/>
+                  <a:lumOff val="25000"/>
+                </a:schemeClr>
+              </a:solidFill>
+            </a:ln>
+          </p:spPr>
+          <p:style>
+            <a:lnRef idx="2">
+              <a:schemeClr val="accent1">
+                <a:shade val="50000"/>
+              </a:schemeClr>
+            </a:lnRef>
+            <a:fillRef idx="1">
+              <a:schemeClr val="accent1"/>
+            </a:fillRef>
+            <a:effectRef idx="0">
+              <a:schemeClr val="accent1"/>
+            </a:effectRef>
+            <a:fontRef idx="minor">
+              <a:schemeClr val="lt1"/>
+            </a:fontRef>
+          </p:style>
+          <p:txBody>
+            <a:bodyPr rtlCol="0" anchor="ctr"/>
+            <a:lstStyle/>
+            <a:p>
+              <a:pPr algn="ctr"/>
+              <a:endParaRPr lang="en-US" i="1" dirty="0">
                 <a:solidFill>
-                  <a:schemeClr val="tx1"/>
+                  <a:schemeClr val="bg1"/>
                 </a:solidFill>
-              </a:rPr>
-              <a:t>TCP/IP Apps</a:t>
-            </a:r>
-          </a:p>
-          <a:p>
-            <a:pPr algn="ctr"/>
-            <a:r>
-              <a:rPr lang="en-US" dirty="0" smtClean="0">
-                <a:solidFill>
-                  <a:schemeClr val="tx1"/>
-                </a:solidFill>
-              </a:rPr>
-              <a:t>Container </a:t>
-            </a:r>
-            <a:r>
-              <a:rPr lang="en-US" i="1" dirty="0">
-                <a:solidFill>
-                  <a:schemeClr val="tx1"/>
-                </a:solidFill>
-              </a:rPr>
-              <a:t>1</a:t>
-            </a:r>
-          </a:p>
-        </p:txBody>
-      </p:sp>
-      <p:sp>
-        <p:nvSpPr>
-          <p:cNvPr id="14" name="Rectangle 13"/>
-          <p:cNvSpPr/>
-          <p:nvPr/>
-        </p:nvSpPr>
-        <p:spPr>
-          <a:xfrm>
-            <a:off x="2108414" y="1241585"/>
-            <a:ext cx="1342578" cy="640080"/>
+              </a:endParaRPr>
+            </a:p>
+          </p:txBody>
+        </p:sp>
+        <p:sp>
+          <p:nvSpPr>
+            <p:cNvPr id="10" name="TextBox 9"/>
+            <p:cNvSpPr txBox="1"/>
+            <p:nvPr/>
+          </p:nvSpPr>
+          <p:spPr>
+            <a:xfrm>
+              <a:off x="1342413" y="1724546"/>
+              <a:ext cx="1352145" cy="338554"/>
+            </a:xfrm>
+            <a:prstGeom prst="rect">
+              <a:avLst/>
+            </a:prstGeom>
+            <a:noFill/>
+            <a:ln w="28575">
+              <a:noFill/>
+            </a:ln>
+          </p:spPr>
+          <p:txBody>
+            <a:bodyPr wrap="square" rtlCol="0">
+              <a:spAutoFit/>
+            </a:bodyPr>
+            <a:lstStyle/>
+            <a:p>
+              <a:r>
+                <a:rPr lang="en-US" sz="1600" dirty="0"/>
+                <a:t>veth0: 1.1.1.1</a:t>
+              </a:r>
+            </a:p>
+          </p:txBody>
+        </p:sp>
+      </p:grpSp>
+      <p:cxnSp>
+        <p:nvCxnSpPr>
+          <p:cNvPr id="11" name="Straight Connector 10"/>
+          <p:cNvCxnSpPr/>
+          <p:nvPr/>
+        </p:nvCxnSpPr>
+        <p:spPr>
+          <a:xfrm flipH="1">
+            <a:off x="2963865" y="1916868"/>
+            <a:ext cx="537472" cy="365322"/>
+          </a:xfrm>
+          <a:prstGeom prst="line">
+            <a:avLst/>
+          </a:prstGeom>
+          <a:ln w="28575">
+            <a:solidFill>
+              <a:schemeClr val="tx1"/>
+            </a:solidFill>
+          </a:ln>
+        </p:spPr>
+        <p:style>
+          <a:lnRef idx="1">
+            <a:schemeClr val="accent1"/>
+          </a:lnRef>
+          <a:fillRef idx="0">
+            <a:schemeClr val="accent1"/>
+          </a:fillRef>
+          <a:effectRef idx="0">
+            <a:schemeClr val="accent1"/>
+          </a:effectRef>
+          <a:fontRef idx="minor">
+            <a:schemeClr val="tx1"/>
+          </a:fontRef>
+        </p:style>
+      </p:cxnSp>
+      <p:cxnSp>
+        <p:nvCxnSpPr>
+          <p:cNvPr id="12" name="Straight Connector 11"/>
+          <p:cNvCxnSpPr/>
+          <p:nvPr/>
+        </p:nvCxnSpPr>
+        <p:spPr>
+          <a:xfrm>
+            <a:off x="2641059" y="2884115"/>
+            <a:ext cx="0" cy="327609"/>
+          </a:xfrm>
+          <a:prstGeom prst="line">
+            <a:avLst/>
+          </a:prstGeom>
+          <a:ln w="28575">
+            <a:solidFill>
+              <a:schemeClr val="tx1"/>
+            </a:solidFill>
+          </a:ln>
+        </p:spPr>
+        <p:style>
+          <a:lnRef idx="1">
+            <a:schemeClr val="accent1"/>
+          </a:lnRef>
+          <a:fillRef idx="0">
+            <a:schemeClr val="accent1"/>
+          </a:fillRef>
+          <a:effectRef idx="0">
+            <a:schemeClr val="accent1"/>
+          </a:effectRef>
+          <a:fontRef idx="minor">
+            <a:schemeClr val="tx1"/>
+          </a:fontRef>
+        </p:style>
+      </p:cxnSp>
+      <p:cxnSp>
+        <p:nvCxnSpPr>
+          <p:cNvPr id="13" name="Elbow Connector 12"/>
+          <p:cNvCxnSpPr>
+            <a:stCxn id="42" idx="2"/>
+            <a:endCxn id="29" idx="2"/>
+          </p:cNvCxnSpPr>
+          <p:nvPr/>
+        </p:nvCxnSpPr>
+        <p:spPr>
+          <a:xfrm rot="16200000" flipH="1">
+            <a:off x="2535421" y="3610815"/>
+            <a:ext cx="582379" cy="371102"/>
+          </a:xfrm>
+          <a:prstGeom prst="bentConnector2">
+            <a:avLst/>
+          </a:prstGeom>
+          <a:ln w="28575">
+            <a:solidFill>
+              <a:schemeClr val="tx1"/>
+            </a:solidFill>
+          </a:ln>
+        </p:spPr>
+        <p:style>
+          <a:lnRef idx="1">
+            <a:schemeClr val="accent1"/>
+          </a:lnRef>
+          <a:fillRef idx="0">
+            <a:schemeClr val="accent1"/>
+          </a:fillRef>
+          <a:effectRef idx="0">
+            <a:schemeClr val="accent1"/>
+          </a:effectRef>
+          <a:fontRef idx="minor">
+            <a:schemeClr val="tx1"/>
+          </a:fontRef>
+        </p:style>
+      </p:cxnSp>
+      <p:sp>
+        <p:nvSpPr>
+          <p:cNvPr id="14" name="TextBox 13"/>
+          <p:cNvSpPr txBox="1"/>
+          <p:nvPr/>
+        </p:nvSpPr>
+        <p:spPr>
+          <a:xfrm>
+            <a:off x="3089202" y="2315575"/>
+            <a:ext cx="1799706" cy="707886"/>
           </a:xfrm>
           <a:prstGeom prst="rect">
             <a:avLst/>
           </a:prstGeom>
           <a:noFill/>
-          <a:ln w="19050">
+        </p:spPr>
+        <p:txBody>
+          <a:bodyPr wrap="square" rtlCol="0">
+            <a:spAutoFit/>
+          </a:bodyPr>
+          <a:lstStyle/>
+          <a:p>
+            <a:r>
+              <a:rPr lang="en-US" sz="2000" dirty="0"/>
+              <a:t>Overlay Router</a:t>
+            </a:r>
+          </a:p>
+        </p:txBody>
+      </p:sp>
+      <p:sp>
+        <p:nvSpPr>
+          <p:cNvPr id="15" name="TextBox 14"/>
+          <p:cNvSpPr txBox="1"/>
+          <p:nvPr/>
+        </p:nvSpPr>
+        <p:spPr>
+          <a:xfrm>
+            <a:off x="886886" y="447306"/>
+            <a:ext cx="1352145" cy="461665"/>
+          </a:xfrm>
+          <a:prstGeom prst="rect">
+            <a:avLst/>
+          </a:prstGeom>
+          <a:noFill/>
+        </p:spPr>
+        <p:txBody>
+          <a:bodyPr wrap="square" rtlCol="0">
+            <a:spAutoFit/>
+          </a:bodyPr>
+          <a:lstStyle/>
+          <a:p>
+            <a:r>
+              <a:rPr lang="en-US" sz="2400" dirty="0"/>
+              <a:t>Host </a:t>
+            </a:r>
+            <a:r>
+              <a:rPr lang="en-US" sz="2400" i="1" dirty="0"/>
+              <a:t>1</a:t>
+            </a:r>
+          </a:p>
+        </p:txBody>
+      </p:sp>
+      <p:sp>
+        <p:nvSpPr>
+          <p:cNvPr id="16" name="Rectangle 15"/>
+          <p:cNvSpPr/>
+          <p:nvPr/>
+        </p:nvSpPr>
+        <p:spPr>
+          <a:xfrm>
+            <a:off x="5046419" y="910753"/>
+            <a:ext cx="2229008" cy="2715907"/>
+          </a:xfrm>
+          <a:prstGeom prst="rect">
+            <a:avLst/>
+          </a:prstGeom>
+          <a:noFill/>
+          <a:ln w="28575">
             <a:solidFill>
-              <a:schemeClr val="tx1">
-                <a:lumMod val="75000"/>
-                <a:lumOff val="25000"/>
+              <a:schemeClr val="bg1">
+                <a:lumMod val="50000"/>
               </a:schemeClr>
             </a:solidFill>
+            <a:prstDash val="dash"/>
           </a:ln>
         </p:spPr>
         <p:style>
@@ -4925,46 +5329,302 @@
           <a:lstStyle/>
           <a:p>
             <a:pPr algn="ctr"/>
-            <a:r>
-              <a:rPr lang="en-US" dirty="0" smtClean="0">
+            <a:endParaRPr lang="en-US"/>
+          </a:p>
+        </p:txBody>
+      </p:sp>
+      <p:pic>
+        <p:nvPicPr>
+          <p:cNvPr id="17" name="Picture 16"/>
+          <p:cNvPicPr>
+            <a:picLocks noChangeAspect="1"/>
+          </p:cNvPicPr>
+          <p:nvPr/>
+        </p:nvPicPr>
+        <p:blipFill rotWithShape="1">
+          <a:blip r:embed="rId2">
+            <a:extLst>
+              <a:ext uri="{BEBA8EAE-BF5A-486C-A8C5-ECC9F3942E4B}">
+                <a14:imgProps xmlns:a14="http://schemas.microsoft.com/office/drawing/2010/main">
+                  <a14:imgLayer r:embed="rId3">
+                    <a14:imgEffect>
+                      <a14:saturation sat="33000"/>
+                    </a14:imgEffect>
+                  </a14:imgLayer>
+                </a14:imgProps>
+              </a:ext>
+              <a:ext uri="{28A0092B-C50C-407E-A947-70E740481C1C}">
+                <a14:useLocalDpi xmlns:a14="http://schemas.microsoft.com/office/drawing/2010/main" val="0"/>
+              </a:ext>
+            </a:extLst>
+          </a:blip>
+          <a:srcRect l="5811" t="13714" r="8982" b="11296"/>
+          <a:stretch/>
+        </p:blipFill>
+        <p:spPr>
+          <a:xfrm>
+            <a:off x="5370810" y="2221574"/>
+            <a:ext cx="958711" cy="703967"/>
+          </a:xfrm>
+          <a:prstGeom prst="rect">
+            <a:avLst/>
+          </a:prstGeom>
+        </p:spPr>
+      </p:pic>
+      <p:cxnSp>
+        <p:nvCxnSpPr>
+          <p:cNvPr id="18" name="Straight Connector 17"/>
+          <p:cNvCxnSpPr>
+            <a:stCxn id="21" idx="2"/>
+            <a:endCxn id="17" idx="0"/>
+          </p:cNvCxnSpPr>
+          <p:nvPr/>
+        </p:nvCxnSpPr>
+        <p:spPr>
+          <a:xfrm>
+            <a:off x="5850166" y="1922038"/>
+            <a:ext cx="0" cy="299536"/>
+          </a:xfrm>
+          <a:prstGeom prst="line">
+            <a:avLst/>
+          </a:prstGeom>
+          <a:ln w="28575">
+            <a:solidFill>
+              <a:schemeClr val="tx1"/>
+            </a:solidFill>
+          </a:ln>
+        </p:spPr>
+        <p:style>
+          <a:lnRef idx="1">
+            <a:schemeClr val="accent1"/>
+          </a:lnRef>
+          <a:fillRef idx="0">
+            <a:schemeClr val="accent1"/>
+          </a:fillRef>
+          <a:effectRef idx="0">
+            <a:schemeClr val="accent1"/>
+          </a:effectRef>
+          <a:fontRef idx="minor">
+            <a:schemeClr val="tx1"/>
+          </a:fontRef>
+        </p:style>
+      </p:cxnSp>
+      <p:grpSp>
+        <p:nvGrpSpPr>
+          <p:cNvPr id="19" name="Group 18"/>
+          <p:cNvGrpSpPr/>
+          <p:nvPr/>
+        </p:nvGrpSpPr>
+        <p:grpSpPr>
+          <a:xfrm>
+            <a:off x="5178877" y="1051178"/>
+            <a:ext cx="2096550" cy="1013850"/>
+            <a:chOff x="598008" y="1049250"/>
+            <a:chExt cx="2096550" cy="1013850"/>
+          </a:xfrm>
+        </p:grpSpPr>
+        <p:sp>
+          <p:nvSpPr>
+            <p:cNvPr id="20" name="Rectangle 19"/>
+            <p:cNvSpPr/>
+            <p:nvPr/>
+          </p:nvSpPr>
+          <p:spPr>
+            <a:xfrm>
+              <a:off x="598008" y="1049250"/>
+              <a:ext cx="1342578" cy="673370"/>
+            </a:xfrm>
+            <a:prstGeom prst="rect">
+              <a:avLst/>
+            </a:prstGeom>
+            <a:solidFill>
+              <a:schemeClr val="tx1">
+                <a:lumMod val="65000"/>
+                <a:lumOff val="35000"/>
+              </a:schemeClr>
+            </a:solidFill>
+            <a:ln w="28575">
+              <a:solidFill>
+                <a:schemeClr val="tx1">
+                  <a:lumMod val="75000"/>
+                  <a:lumOff val="25000"/>
+                </a:schemeClr>
+              </a:solidFill>
+            </a:ln>
+          </p:spPr>
+          <p:style>
+            <a:lnRef idx="2">
+              <a:schemeClr val="accent1">
+                <a:shade val="50000"/>
+              </a:schemeClr>
+            </a:lnRef>
+            <a:fillRef idx="1">
+              <a:schemeClr val="accent1"/>
+            </a:fillRef>
+            <a:effectRef idx="0">
+              <a:schemeClr val="accent1"/>
+            </a:effectRef>
+            <a:fontRef idx="minor">
+              <a:schemeClr val="lt1"/>
+            </a:fontRef>
+          </p:style>
+          <p:txBody>
+            <a:bodyPr rtlCol="0" anchor="ctr"/>
+            <a:lstStyle/>
+            <a:p>
+              <a:pPr algn="ctr"/>
+              <a:r>
+                <a:rPr lang="en-US" dirty="0">
+                  <a:solidFill>
+                    <a:schemeClr val="bg1"/>
+                  </a:solidFill>
+                </a:rPr>
+                <a:t>Container </a:t>
+              </a:r>
+              <a:r>
+                <a:rPr lang="en-US" i="1" dirty="0">
+                  <a:solidFill>
+                    <a:schemeClr val="bg1"/>
+                  </a:solidFill>
+                </a:rPr>
+                <a:t>3</a:t>
+              </a:r>
+            </a:p>
+          </p:txBody>
+        </p:sp>
+        <p:sp>
+          <p:nvSpPr>
+            <p:cNvPr id="21" name="Rectangle 20"/>
+            <p:cNvSpPr/>
+            <p:nvPr/>
+          </p:nvSpPr>
+          <p:spPr>
+            <a:xfrm>
+              <a:off x="1163050" y="1723542"/>
+              <a:ext cx="212493" cy="196568"/>
+            </a:xfrm>
+            <a:prstGeom prst="rect">
+              <a:avLst/>
+            </a:prstGeom>
+            <a:solidFill>
+              <a:srgbClr val="DDDDDD"/>
+            </a:solidFill>
+            <a:ln w="22225">
+              <a:solidFill>
+                <a:schemeClr val="tx1">
+                  <a:lumMod val="75000"/>
+                  <a:lumOff val="25000"/>
+                </a:schemeClr>
+              </a:solidFill>
+            </a:ln>
+          </p:spPr>
+          <p:style>
+            <a:lnRef idx="2">
+              <a:schemeClr val="accent1">
+                <a:shade val="50000"/>
+              </a:schemeClr>
+            </a:lnRef>
+            <a:fillRef idx="1">
+              <a:schemeClr val="accent1"/>
+            </a:fillRef>
+            <a:effectRef idx="0">
+              <a:schemeClr val="accent1"/>
+            </a:effectRef>
+            <a:fontRef idx="minor">
+              <a:schemeClr val="lt1"/>
+            </a:fontRef>
+          </p:style>
+          <p:txBody>
+            <a:bodyPr rtlCol="0" anchor="ctr"/>
+            <a:lstStyle/>
+            <a:p>
+              <a:pPr algn="ctr"/>
+              <a:endParaRPr lang="en-US" i="1" dirty="0">
                 <a:solidFill>
-                  <a:schemeClr val="tx1"/>
+                  <a:schemeClr val="bg1"/>
                 </a:solidFill>
-              </a:rPr>
-              <a:t>RDMA Apps</a:t>
-            </a:r>
-          </a:p>
-          <a:p>
-            <a:pPr algn="ctr"/>
-            <a:r>
-              <a:rPr lang="en-US" dirty="0" smtClean="0">
-                <a:solidFill>
-                  <a:schemeClr val="tx1"/>
-                </a:solidFill>
-              </a:rPr>
-              <a:t>Container </a:t>
-            </a:r>
-            <a:r>
-              <a:rPr lang="en-US" i="1" dirty="0">
-                <a:solidFill>
-                  <a:schemeClr val="tx1"/>
-                </a:solidFill>
-              </a:rPr>
-              <a:t>2</a:t>
-            </a:r>
-          </a:p>
-        </p:txBody>
-      </p:sp>
-      <p:sp>
-        <p:nvSpPr>
-          <p:cNvPr id="55" name="TextBox 54"/>
+              </a:endParaRPr>
+            </a:p>
+          </p:txBody>
+        </p:sp>
+        <p:sp>
+          <p:nvSpPr>
+            <p:cNvPr id="22" name="TextBox 21"/>
+            <p:cNvSpPr txBox="1"/>
+            <p:nvPr/>
+          </p:nvSpPr>
+          <p:spPr>
+            <a:xfrm>
+              <a:off x="1342413" y="1724546"/>
+              <a:ext cx="1352145" cy="338554"/>
+            </a:xfrm>
+            <a:prstGeom prst="rect">
+              <a:avLst/>
+            </a:prstGeom>
+            <a:noFill/>
+            <a:ln w="28575">
+              <a:noFill/>
+            </a:ln>
+          </p:spPr>
+          <p:txBody>
+            <a:bodyPr wrap="square" rtlCol="0">
+              <a:spAutoFit/>
+            </a:bodyPr>
+            <a:lstStyle/>
+            <a:p>
+              <a:r>
+                <a:rPr lang="en-US" sz="1600" dirty="0"/>
+                <a:t>veth0: 3.3.3.3</a:t>
+              </a:r>
+            </a:p>
+          </p:txBody>
+        </p:sp>
+      </p:grpSp>
+      <p:cxnSp>
+        <p:nvCxnSpPr>
+          <p:cNvPr id="23" name="Straight Connector 22"/>
+          <p:cNvCxnSpPr/>
+          <p:nvPr/>
+        </p:nvCxnSpPr>
+        <p:spPr>
+          <a:xfrm>
+            <a:off x="5850446" y="2886043"/>
+            <a:ext cx="0" cy="327609"/>
+          </a:xfrm>
+          <a:prstGeom prst="line">
+            <a:avLst/>
+          </a:prstGeom>
+          <a:ln w="28575">
+            <a:solidFill>
+              <a:schemeClr val="tx1"/>
+            </a:solidFill>
+          </a:ln>
+        </p:spPr>
+        <p:style>
+          <a:lnRef idx="1">
+            <a:schemeClr val="accent1"/>
+          </a:lnRef>
+          <a:fillRef idx="0">
+            <a:schemeClr val="accent1"/>
+          </a:fillRef>
+          <a:effectRef idx="0">
+            <a:schemeClr val="accent1"/>
+          </a:effectRef>
+          <a:fontRef idx="minor">
+            <a:schemeClr val="tx1"/>
+          </a:fontRef>
+        </p:style>
+      </p:cxnSp>
+      <p:sp>
+        <p:nvSpPr>
+          <p:cNvPr id="24" name="TextBox 23"/>
           <p:cNvSpPr txBox="1"/>
           <p:nvPr/>
         </p:nvSpPr>
         <p:spPr>
           <a:xfrm>
-            <a:off x="3589869" y="2248634"/>
-            <a:ext cx="999068" cy="646331"/>
+            <a:off x="5083638" y="444837"/>
+            <a:ext cx="1352145" cy="461665"/>
           </a:xfrm>
           <a:prstGeom prst="rect">
             <a:avLst/>
@@ -4977,89 +5637,714 @@
           </a:bodyPr>
           <a:lstStyle/>
           <a:p>
-            <a:pPr algn="ctr"/>
-            <a:r>
-              <a:rPr lang="en-US" dirty="0" smtClean="0"/>
-              <a:t>Location Queries</a:t>
-            </a:r>
-            <a:endParaRPr lang="en-US" dirty="0"/>
-          </a:p>
-        </p:txBody>
-      </p:sp>
-      <p:sp>
-        <p:nvSpPr>
-          <p:cNvPr id="62" name="Rectangle 61"/>
-          <p:cNvSpPr/>
-          <p:nvPr/>
-        </p:nvSpPr>
-        <p:spPr>
-          <a:xfrm>
-            <a:off x="5892799" y="1234813"/>
-            <a:ext cx="2099733" cy="640080"/>
-          </a:xfrm>
-          <a:prstGeom prst="rect">
+            <a:r>
+              <a:rPr lang="en-US" sz="2400" dirty="0"/>
+              <a:t>Host </a:t>
+            </a:r>
+            <a:r>
+              <a:rPr lang="en-US" sz="2400" i="1" dirty="0"/>
+              <a:t>2</a:t>
+            </a:r>
+          </a:p>
+        </p:txBody>
+      </p:sp>
+      <p:cxnSp>
+        <p:nvCxnSpPr>
+          <p:cNvPr id="25" name="Elbow Connector 24"/>
+          <p:cNvCxnSpPr/>
+          <p:nvPr/>
+        </p:nvCxnSpPr>
+        <p:spPr>
+          <a:xfrm rot="5400000">
+            <a:off x="5045648" y="3317180"/>
+            <a:ext cx="1007262" cy="627115"/>
+          </a:xfrm>
+          <a:prstGeom prst="bentConnector2">
             <a:avLst/>
           </a:prstGeom>
-          <a:noFill/>
-          <a:ln w="19050">
+          <a:ln w="28575">
             <a:solidFill>
-              <a:schemeClr val="tx1">
-                <a:lumMod val="75000"/>
-                <a:lumOff val="25000"/>
-              </a:schemeClr>
+              <a:schemeClr val="tx1"/>
             </a:solidFill>
           </a:ln>
         </p:spPr>
         <p:style>
-          <a:lnRef idx="2">
-            <a:schemeClr val="accent1">
-              <a:shade val="50000"/>
-            </a:schemeClr>
+          <a:lnRef idx="1">
+            <a:schemeClr val="accent1"/>
           </a:lnRef>
-          <a:fillRef idx="1">
+          <a:fillRef idx="0">
             <a:schemeClr val="accent1"/>
           </a:fillRef>
           <a:effectRef idx="0">
             <a:schemeClr val="accent1"/>
           </a:effectRef>
           <a:fontRef idx="minor">
-            <a:schemeClr val="lt1"/>
+            <a:schemeClr val="tx1"/>
           </a:fontRef>
         </p:style>
-        <p:txBody>
-          <a:bodyPr rtlCol="0" anchor="ctr"/>
-          <a:lstStyle/>
-          <a:p>
-            <a:pPr algn="ctr"/>
-            <a:r>
-              <a:rPr lang="en-US" dirty="0">
+      </p:cxnSp>
+      <p:grpSp>
+        <p:nvGrpSpPr>
+          <p:cNvPr id="26" name="Group 25"/>
+          <p:cNvGrpSpPr/>
+          <p:nvPr/>
+        </p:nvGrpSpPr>
+        <p:grpSpPr>
+          <a:xfrm>
+            <a:off x="3001848" y="3728847"/>
+            <a:ext cx="2544699" cy="873804"/>
+            <a:chOff x="3284927" y="4669757"/>
+            <a:chExt cx="3386995" cy="1202692"/>
+          </a:xfrm>
+        </p:grpSpPr>
+        <p:grpSp>
+          <p:nvGrpSpPr>
+            <p:cNvPr id="27" name="Group 26"/>
+            <p:cNvGrpSpPr/>
+            <p:nvPr/>
+          </p:nvGrpSpPr>
+          <p:grpSpPr>
+            <a:xfrm>
+              <a:off x="3284927" y="4669757"/>
+              <a:ext cx="3386995" cy="1202692"/>
+              <a:chOff x="3312348" y="4621194"/>
+              <a:chExt cx="3725694" cy="1322961"/>
+            </a:xfrm>
+          </p:grpSpPr>
+          <p:sp>
+            <p:nvSpPr>
+              <p:cNvPr id="29" name="Cloud 28"/>
+              <p:cNvSpPr/>
+              <p:nvPr/>
+            </p:nvSpPr>
+            <p:spPr>
+              <a:xfrm rot="212724">
+                <a:off x="3312348" y="4621194"/>
+                <a:ext cx="3725694" cy="1322961"/>
+              </a:xfrm>
+              <a:prstGeom prst="cloud">
+                <a:avLst/>
+              </a:prstGeom>
+              <a:solidFill>
+                <a:schemeClr val="accent3">
+                  <a:lumMod val="20000"/>
+                  <a:lumOff val="80000"/>
+                </a:schemeClr>
+              </a:solidFill>
+              <a:ln w="28575">
                 <a:solidFill>
-                  <a:schemeClr val="tx1"/>
+                  <a:schemeClr val="accent3">
+                    <a:lumMod val="75000"/>
+                  </a:schemeClr>
                 </a:solidFill>
-              </a:rPr>
-              <a:t>Container </a:t>
-            </a:r>
-            <a:r>
-              <a:rPr lang="en-US" i="1" dirty="0">
-                <a:solidFill>
-                  <a:schemeClr val="tx1"/>
-                </a:solidFill>
-              </a:rPr>
-              <a:t>3</a:t>
-            </a:r>
-          </a:p>
-        </p:txBody>
-      </p:sp>
-      <p:sp>
-        <p:nvSpPr>
-          <p:cNvPr id="53" name="Rectangle 5"/>
+              </a:ln>
+            </p:spPr>
+            <p:style>
+              <a:lnRef idx="2">
+                <a:schemeClr val="accent1">
+                  <a:shade val="50000"/>
+                </a:schemeClr>
+              </a:lnRef>
+              <a:fillRef idx="1">
+                <a:schemeClr val="accent1"/>
+              </a:fillRef>
+              <a:effectRef idx="0">
+                <a:schemeClr val="accent1"/>
+              </a:effectRef>
+              <a:fontRef idx="minor">
+                <a:schemeClr val="lt1"/>
+              </a:fontRef>
+            </p:style>
+            <p:txBody>
+              <a:bodyPr rtlCol="0" anchor="ctr"/>
+              <a:lstStyle/>
+              <a:p>
+                <a:pPr algn="ctr"/>
+                <a:endParaRPr lang="en-US" dirty="0"/>
+              </a:p>
+            </p:txBody>
+          </p:sp>
+          <p:sp>
+            <p:nvSpPr>
+              <p:cNvPr id="30" name="Oval 29"/>
+              <p:cNvSpPr/>
+              <p:nvPr/>
+            </p:nvSpPr>
+            <p:spPr>
+              <a:xfrm>
+                <a:off x="3497580" y="5188263"/>
+                <a:ext cx="365760" cy="216857"/>
+              </a:xfrm>
+              <a:prstGeom prst="ellipse">
+                <a:avLst/>
+              </a:prstGeom>
+              <a:solidFill>
+                <a:schemeClr val="accent3">
+                  <a:lumMod val="20000"/>
+                  <a:lumOff val="80000"/>
+                </a:schemeClr>
+              </a:solidFill>
+              <a:ln>
+                <a:noFill/>
+              </a:ln>
+            </p:spPr>
+            <p:style>
+              <a:lnRef idx="2">
+                <a:schemeClr val="accent1">
+                  <a:shade val="50000"/>
+                </a:schemeClr>
+              </a:lnRef>
+              <a:fillRef idx="1">
+                <a:schemeClr val="accent1"/>
+              </a:fillRef>
+              <a:effectRef idx="0">
+                <a:schemeClr val="accent1"/>
+              </a:effectRef>
+              <a:fontRef idx="minor">
+                <a:schemeClr val="lt1"/>
+              </a:fontRef>
+            </p:style>
+            <p:txBody>
+              <a:bodyPr rtlCol="0" anchor="ctr"/>
+              <a:lstStyle/>
+              <a:p>
+                <a:pPr algn="ctr"/>
+                <a:endParaRPr lang="en-US"/>
+              </a:p>
+            </p:txBody>
+          </p:sp>
+          <p:sp>
+            <p:nvSpPr>
+              <p:cNvPr id="31" name="Oval 30"/>
+              <p:cNvSpPr/>
+              <p:nvPr/>
+            </p:nvSpPr>
+            <p:spPr>
+              <a:xfrm>
+                <a:off x="6558280" y="5123445"/>
+                <a:ext cx="365760" cy="216857"/>
+              </a:xfrm>
+              <a:prstGeom prst="ellipse">
+                <a:avLst/>
+              </a:prstGeom>
+              <a:solidFill>
+                <a:schemeClr val="accent3">
+                  <a:lumMod val="20000"/>
+                  <a:lumOff val="80000"/>
+                </a:schemeClr>
+              </a:solidFill>
+              <a:ln>
+                <a:noFill/>
+              </a:ln>
+            </p:spPr>
+            <p:style>
+              <a:lnRef idx="2">
+                <a:schemeClr val="accent1">
+                  <a:shade val="50000"/>
+                </a:schemeClr>
+              </a:lnRef>
+              <a:fillRef idx="1">
+                <a:schemeClr val="accent1"/>
+              </a:fillRef>
+              <a:effectRef idx="0">
+                <a:schemeClr val="accent1"/>
+              </a:effectRef>
+              <a:fontRef idx="minor">
+                <a:schemeClr val="lt1"/>
+              </a:fontRef>
+            </p:style>
+            <p:txBody>
+              <a:bodyPr rtlCol="0" anchor="ctr"/>
+              <a:lstStyle/>
+              <a:p>
+                <a:pPr algn="ctr"/>
+                <a:endParaRPr lang="en-US"/>
+              </a:p>
+            </p:txBody>
+          </p:sp>
+          <p:sp>
+            <p:nvSpPr>
+              <p:cNvPr id="32" name="Oval 31"/>
+              <p:cNvSpPr/>
+              <p:nvPr/>
+            </p:nvSpPr>
+            <p:spPr>
+              <a:xfrm>
+                <a:off x="6197600" y="5283200"/>
+                <a:ext cx="425237" cy="361073"/>
+              </a:xfrm>
+              <a:prstGeom prst="ellipse">
+                <a:avLst/>
+              </a:prstGeom>
+              <a:solidFill>
+                <a:schemeClr val="accent3">
+                  <a:lumMod val="20000"/>
+                  <a:lumOff val="80000"/>
+                </a:schemeClr>
+              </a:solidFill>
+              <a:ln>
+                <a:noFill/>
+              </a:ln>
+            </p:spPr>
+            <p:style>
+              <a:lnRef idx="2">
+                <a:schemeClr val="accent1">
+                  <a:shade val="50000"/>
+                </a:schemeClr>
+              </a:lnRef>
+              <a:fillRef idx="1">
+                <a:schemeClr val="accent1"/>
+              </a:fillRef>
+              <a:effectRef idx="0">
+                <a:schemeClr val="accent1"/>
+              </a:effectRef>
+              <a:fontRef idx="minor">
+                <a:schemeClr val="lt1"/>
+              </a:fontRef>
+            </p:style>
+            <p:txBody>
+              <a:bodyPr rtlCol="0" anchor="ctr"/>
+              <a:lstStyle/>
+              <a:p>
+                <a:pPr algn="ctr"/>
+                <a:endParaRPr lang="en-US"/>
+              </a:p>
+            </p:txBody>
+          </p:sp>
+          <p:sp>
+            <p:nvSpPr>
+              <p:cNvPr id="33" name="Oval 32"/>
+              <p:cNvSpPr/>
+              <p:nvPr/>
+            </p:nvSpPr>
+            <p:spPr>
+              <a:xfrm>
+                <a:off x="5532435" y="5415280"/>
+                <a:ext cx="425237" cy="361073"/>
+              </a:xfrm>
+              <a:prstGeom prst="ellipse">
+                <a:avLst/>
+              </a:prstGeom>
+              <a:solidFill>
+                <a:schemeClr val="accent3">
+                  <a:lumMod val="20000"/>
+                  <a:lumOff val="80000"/>
+                </a:schemeClr>
+              </a:solidFill>
+              <a:ln>
+                <a:noFill/>
+              </a:ln>
+            </p:spPr>
+            <p:style>
+              <a:lnRef idx="2">
+                <a:schemeClr val="accent1">
+                  <a:shade val="50000"/>
+                </a:schemeClr>
+              </a:lnRef>
+              <a:fillRef idx="1">
+                <a:schemeClr val="accent1"/>
+              </a:fillRef>
+              <a:effectRef idx="0">
+                <a:schemeClr val="accent1"/>
+              </a:effectRef>
+              <a:fontRef idx="minor">
+                <a:schemeClr val="lt1"/>
+              </a:fontRef>
+            </p:style>
+            <p:txBody>
+              <a:bodyPr rtlCol="0" anchor="ctr"/>
+              <a:lstStyle/>
+              <a:p>
+                <a:pPr algn="ctr"/>
+                <a:endParaRPr lang="en-US"/>
+              </a:p>
+            </p:txBody>
+          </p:sp>
+          <p:sp>
+            <p:nvSpPr>
+              <p:cNvPr id="34" name="Oval 33"/>
+              <p:cNvSpPr/>
+              <p:nvPr/>
+            </p:nvSpPr>
+            <p:spPr>
+              <a:xfrm>
+                <a:off x="4523685" y="5431824"/>
+                <a:ext cx="425237" cy="361073"/>
+              </a:xfrm>
+              <a:prstGeom prst="ellipse">
+                <a:avLst/>
+              </a:prstGeom>
+              <a:solidFill>
+                <a:schemeClr val="accent3">
+                  <a:lumMod val="20000"/>
+                  <a:lumOff val="80000"/>
+                </a:schemeClr>
+              </a:solidFill>
+              <a:ln>
+                <a:noFill/>
+              </a:ln>
+            </p:spPr>
+            <p:style>
+              <a:lnRef idx="2">
+                <a:schemeClr val="accent1">
+                  <a:shade val="50000"/>
+                </a:schemeClr>
+              </a:lnRef>
+              <a:fillRef idx="1">
+                <a:schemeClr val="accent1"/>
+              </a:fillRef>
+              <a:effectRef idx="0">
+                <a:schemeClr val="accent1"/>
+              </a:effectRef>
+              <a:fontRef idx="minor">
+                <a:schemeClr val="lt1"/>
+              </a:fontRef>
+            </p:style>
+            <p:txBody>
+              <a:bodyPr rtlCol="0" anchor="ctr"/>
+              <a:lstStyle/>
+              <a:p>
+                <a:pPr algn="ctr"/>
+                <a:endParaRPr lang="en-US"/>
+              </a:p>
+            </p:txBody>
+          </p:sp>
+          <p:sp>
+            <p:nvSpPr>
+              <p:cNvPr id="35" name="Oval 34"/>
+              <p:cNvSpPr/>
+              <p:nvPr/>
+            </p:nvSpPr>
+            <p:spPr>
+              <a:xfrm>
+                <a:off x="3725596" y="5302139"/>
+                <a:ext cx="425237" cy="361073"/>
+              </a:xfrm>
+              <a:prstGeom prst="ellipse">
+                <a:avLst/>
+              </a:prstGeom>
+              <a:solidFill>
+                <a:schemeClr val="accent3">
+                  <a:lumMod val="20000"/>
+                  <a:lumOff val="80000"/>
+                </a:schemeClr>
+              </a:solidFill>
+              <a:ln>
+                <a:noFill/>
+              </a:ln>
+            </p:spPr>
+            <p:style>
+              <a:lnRef idx="2">
+                <a:schemeClr val="accent1">
+                  <a:shade val="50000"/>
+                </a:schemeClr>
+              </a:lnRef>
+              <a:fillRef idx="1">
+                <a:schemeClr val="accent1"/>
+              </a:fillRef>
+              <a:effectRef idx="0">
+                <a:schemeClr val="accent1"/>
+              </a:effectRef>
+              <a:fontRef idx="minor">
+                <a:schemeClr val="lt1"/>
+              </a:fontRef>
+            </p:style>
+            <p:txBody>
+              <a:bodyPr rtlCol="0" anchor="ctr"/>
+              <a:lstStyle/>
+              <a:p>
+                <a:pPr algn="ctr"/>
+                <a:endParaRPr lang="en-US"/>
+              </a:p>
+            </p:txBody>
+          </p:sp>
+          <p:sp>
+            <p:nvSpPr>
+              <p:cNvPr id="36" name="Oval 35"/>
+              <p:cNvSpPr/>
+              <p:nvPr/>
+            </p:nvSpPr>
+            <p:spPr>
+              <a:xfrm>
+                <a:off x="3580514" y="4943169"/>
+                <a:ext cx="425237" cy="361073"/>
+              </a:xfrm>
+              <a:prstGeom prst="ellipse">
+                <a:avLst/>
+              </a:prstGeom>
+              <a:solidFill>
+                <a:schemeClr val="accent3">
+                  <a:lumMod val="20000"/>
+                  <a:lumOff val="80000"/>
+                </a:schemeClr>
+              </a:solidFill>
+              <a:ln>
+                <a:noFill/>
+              </a:ln>
+            </p:spPr>
+            <p:style>
+              <a:lnRef idx="2">
+                <a:schemeClr val="accent1">
+                  <a:shade val="50000"/>
+                </a:schemeClr>
+              </a:lnRef>
+              <a:fillRef idx="1">
+                <a:schemeClr val="accent1"/>
+              </a:fillRef>
+              <a:effectRef idx="0">
+                <a:schemeClr val="accent1"/>
+              </a:effectRef>
+              <a:fontRef idx="minor">
+                <a:schemeClr val="lt1"/>
+              </a:fontRef>
+            </p:style>
+            <p:txBody>
+              <a:bodyPr rtlCol="0" anchor="ctr"/>
+              <a:lstStyle/>
+              <a:p>
+                <a:pPr algn="ctr"/>
+                <a:endParaRPr lang="en-US"/>
+              </a:p>
+            </p:txBody>
+          </p:sp>
+          <p:sp>
+            <p:nvSpPr>
+              <p:cNvPr id="37" name="Oval 36"/>
+              <p:cNvSpPr/>
+              <p:nvPr/>
+            </p:nvSpPr>
+            <p:spPr>
+              <a:xfrm>
+                <a:off x="4469071" y="4714569"/>
+                <a:ext cx="425237" cy="361073"/>
+              </a:xfrm>
+              <a:prstGeom prst="ellipse">
+                <a:avLst/>
+              </a:prstGeom>
+              <a:solidFill>
+                <a:schemeClr val="accent3">
+                  <a:lumMod val="20000"/>
+                  <a:lumOff val="80000"/>
+                </a:schemeClr>
+              </a:solidFill>
+              <a:ln>
+                <a:noFill/>
+              </a:ln>
+            </p:spPr>
+            <p:style>
+              <a:lnRef idx="2">
+                <a:schemeClr val="accent1">
+                  <a:shade val="50000"/>
+                </a:schemeClr>
+              </a:lnRef>
+              <a:fillRef idx="1">
+                <a:schemeClr val="accent1"/>
+              </a:fillRef>
+              <a:effectRef idx="0">
+                <a:schemeClr val="accent1"/>
+              </a:effectRef>
+              <a:fontRef idx="minor">
+                <a:schemeClr val="lt1"/>
+              </a:fontRef>
+            </p:style>
+            <p:txBody>
+              <a:bodyPr rtlCol="0" anchor="ctr"/>
+              <a:lstStyle/>
+              <a:p>
+                <a:pPr algn="ctr"/>
+                <a:endParaRPr lang="en-US"/>
+              </a:p>
+            </p:txBody>
+          </p:sp>
+          <p:sp>
+            <p:nvSpPr>
+              <p:cNvPr id="38" name="Oval 37"/>
+              <p:cNvSpPr/>
+              <p:nvPr/>
+            </p:nvSpPr>
+            <p:spPr>
+              <a:xfrm>
+                <a:off x="4962576" y="4717917"/>
+                <a:ext cx="425237" cy="361073"/>
+              </a:xfrm>
+              <a:prstGeom prst="ellipse">
+                <a:avLst/>
+              </a:prstGeom>
+              <a:solidFill>
+                <a:schemeClr val="accent3">
+                  <a:lumMod val="20000"/>
+                  <a:lumOff val="80000"/>
+                </a:schemeClr>
+              </a:solidFill>
+              <a:ln>
+                <a:noFill/>
+              </a:ln>
+            </p:spPr>
+            <p:style>
+              <a:lnRef idx="2">
+                <a:schemeClr val="accent1">
+                  <a:shade val="50000"/>
+                </a:schemeClr>
+              </a:lnRef>
+              <a:fillRef idx="1">
+                <a:schemeClr val="accent1"/>
+              </a:fillRef>
+              <a:effectRef idx="0">
+                <a:schemeClr val="accent1"/>
+              </a:effectRef>
+              <a:fontRef idx="minor">
+                <a:schemeClr val="lt1"/>
+              </a:fontRef>
+            </p:style>
+            <p:txBody>
+              <a:bodyPr rtlCol="0" anchor="ctr"/>
+              <a:lstStyle/>
+              <a:p>
+                <a:pPr algn="ctr"/>
+                <a:endParaRPr lang="en-US"/>
+              </a:p>
+            </p:txBody>
+          </p:sp>
+          <p:sp>
+            <p:nvSpPr>
+              <p:cNvPr id="39" name="Oval 38"/>
+              <p:cNvSpPr/>
+              <p:nvPr/>
+            </p:nvSpPr>
+            <p:spPr>
+              <a:xfrm>
+                <a:off x="5578658" y="4714569"/>
+                <a:ext cx="425237" cy="361073"/>
+              </a:xfrm>
+              <a:prstGeom prst="ellipse">
+                <a:avLst/>
+              </a:prstGeom>
+              <a:solidFill>
+                <a:schemeClr val="accent3">
+                  <a:lumMod val="20000"/>
+                  <a:lumOff val="80000"/>
+                </a:schemeClr>
+              </a:solidFill>
+              <a:ln>
+                <a:noFill/>
+              </a:ln>
+            </p:spPr>
+            <p:style>
+              <a:lnRef idx="2">
+                <a:schemeClr val="accent1">
+                  <a:shade val="50000"/>
+                </a:schemeClr>
+              </a:lnRef>
+              <a:fillRef idx="1">
+                <a:schemeClr val="accent1"/>
+              </a:fillRef>
+              <a:effectRef idx="0">
+                <a:schemeClr val="accent1"/>
+              </a:effectRef>
+              <a:fontRef idx="minor">
+                <a:schemeClr val="lt1"/>
+              </a:fontRef>
+            </p:style>
+            <p:txBody>
+              <a:bodyPr rtlCol="0" anchor="ctr"/>
+              <a:lstStyle/>
+              <a:p>
+                <a:pPr algn="ctr"/>
+                <a:endParaRPr lang="en-US"/>
+              </a:p>
+            </p:txBody>
+          </p:sp>
+          <p:sp>
+            <p:nvSpPr>
+              <p:cNvPr id="40" name="Oval 39"/>
+              <p:cNvSpPr/>
+              <p:nvPr/>
+            </p:nvSpPr>
+            <p:spPr>
+              <a:xfrm>
+                <a:off x="6381426" y="4885274"/>
+                <a:ext cx="425237" cy="361073"/>
+              </a:xfrm>
+              <a:prstGeom prst="ellipse">
+                <a:avLst/>
+              </a:prstGeom>
+              <a:solidFill>
+                <a:schemeClr val="accent3">
+                  <a:lumMod val="20000"/>
+                  <a:lumOff val="80000"/>
+                </a:schemeClr>
+              </a:solidFill>
+              <a:ln>
+                <a:noFill/>
+              </a:ln>
+            </p:spPr>
+            <p:style>
+              <a:lnRef idx="2">
+                <a:schemeClr val="accent1">
+                  <a:shade val="50000"/>
+                </a:schemeClr>
+              </a:lnRef>
+              <a:fillRef idx="1">
+                <a:schemeClr val="accent1"/>
+              </a:fillRef>
+              <a:effectRef idx="0">
+                <a:schemeClr val="accent1"/>
+              </a:effectRef>
+              <a:fontRef idx="minor">
+                <a:schemeClr val="lt1"/>
+              </a:fontRef>
+            </p:style>
+            <p:txBody>
+              <a:bodyPr rtlCol="0" anchor="ctr"/>
+              <a:lstStyle/>
+              <a:p>
+                <a:pPr algn="ctr"/>
+                <a:endParaRPr lang="en-US"/>
+              </a:p>
+            </p:txBody>
+          </p:sp>
+        </p:grpSp>
+        <p:sp>
+          <p:nvSpPr>
+            <p:cNvPr id="28" name="TextBox 27"/>
+            <p:cNvSpPr txBox="1"/>
+            <p:nvPr/>
+          </p:nvSpPr>
+          <p:spPr>
+            <a:xfrm>
+              <a:off x="3998283" y="4992913"/>
+              <a:ext cx="1979677" cy="461665"/>
+            </a:xfrm>
+            <a:prstGeom prst="rect">
+              <a:avLst/>
+            </a:prstGeom>
+            <a:noFill/>
+          </p:spPr>
+          <p:txBody>
+            <a:bodyPr wrap="square" rtlCol="0">
+              <a:spAutoFit/>
+            </a:bodyPr>
+            <a:lstStyle/>
+            <a:p>
+              <a:pPr algn="ctr"/>
+              <a:r>
+                <a:rPr lang="en-US" sz="2400" dirty="0"/>
+                <a:t>Network</a:t>
+              </a:r>
+            </a:p>
+          </p:txBody>
+        </p:sp>
+      </p:grpSp>
+      <p:sp>
+        <p:nvSpPr>
+          <p:cNvPr id="41" name="Rectangle 40"/>
           <p:cNvSpPr/>
           <p:nvPr/>
         </p:nvSpPr>
         <p:spPr>
           <a:xfrm>
-            <a:off x="617761" y="2576597"/>
-            <a:ext cx="2859916" cy="437744"/>
+            <a:off x="5187108" y="3069361"/>
+            <a:ext cx="1342578" cy="437744"/>
           </a:xfrm>
           <a:prstGeom prst="rect">
             <a:avLst/>
@@ -5070,11 +6355,11 @@
               <a:lumOff val="80000"/>
             </a:schemeClr>
           </a:solidFill>
-          <a:ln w="19050">
+          <a:ln w="25400">
             <a:solidFill>
               <a:schemeClr val="tx1">
-                <a:lumMod val="75000"/>
-                <a:lumOff val="25000"/>
+                <a:lumMod val="50000"/>
+                <a:lumOff val="50000"/>
               </a:schemeClr>
             </a:solidFill>
           </a:ln>
@@ -5101,30 +6386,25 @@
           <a:p>
             <a:pPr algn="ctr"/>
             <a:r>
-              <a:rPr lang="en-US" dirty="0" smtClean="0">
+              <a:rPr lang="en-US" sz="2000" dirty="0">
                 <a:solidFill>
                   <a:sysClr val="windowText" lastClr="000000"/>
                 </a:solidFill>
               </a:rPr>
-              <a:t>Verbs API</a:t>
-            </a:r>
-            <a:endParaRPr lang="en-US" dirty="0">
-              <a:solidFill>
-                <a:sysClr val="windowText" lastClr="000000"/>
-              </a:solidFill>
-            </a:endParaRPr>
-          </a:p>
-        </p:txBody>
-      </p:sp>
-      <p:sp>
-        <p:nvSpPr>
-          <p:cNvPr id="66" name="Rectangle 5"/>
+              <a:t>NIC</a:t>
+            </a:r>
+          </a:p>
+        </p:txBody>
+      </p:sp>
+      <p:sp>
+        <p:nvSpPr>
+          <p:cNvPr id="42" name="Rectangle 41"/>
           <p:cNvSpPr/>
           <p:nvPr/>
         </p:nvSpPr>
         <p:spPr>
           <a:xfrm>
-            <a:off x="607347" y="2007238"/>
+            <a:off x="1969770" y="3067433"/>
             <a:ext cx="1342578" cy="437744"/>
           </a:xfrm>
           <a:prstGeom prst="rect">
@@ -5136,11 +6416,11 @@
               <a:lumOff val="80000"/>
             </a:schemeClr>
           </a:solidFill>
-          <a:ln w="19050">
+          <a:ln w="25400">
             <a:solidFill>
               <a:schemeClr val="tx1">
-                <a:lumMod val="75000"/>
-                <a:lumOff val="25000"/>
+                <a:lumMod val="50000"/>
+                <a:lumOff val="50000"/>
               </a:schemeClr>
             </a:solidFill>
           </a:ln>
@@ -5167,1272 +6447,191 @@
           <a:p>
             <a:pPr algn="ctr"/>
             <a:r>
-              <a:rPr lang="en-US" dirty="0" smtClean="0">
-                <a:solidFill>
-                  <a:sysClr val="windowText" lastClr="000000"/>
-                </a:solidFill>
-              </a:rPr>
-              <a:t>IP to Verbs </a:t>
-            </a:r>
-            <a:endParaRPr lang="en-US" dirty="0">
-              <a:solidFill>
-                <a:sysClr val="windowText" lastClr="000000"/>
-              </a:solidFill>
-            </a:endParaRPr>
-          </a:p>
-        </p:txBody>
-      </p:sp>
-      <p:cxnSp>
-        <p:nvCxnSpPr>
-          <p:cNvPr id="67" name="Straight Connector 26"/>
-          <p:cNvCxnSpPr/>
-          <p:nvPr/>
-        </p:nvCxnSpPr>
-        <p:spPr>
-          <a:xfrm>
-            <a:off x="1289046" y="1878454"/>
-            <a:ext cx="0" cy="137160"/>
-          </a:xfrm>
-          <a:prstGeom prst="line">
-            <a:avLst/>
-          </a:prstGeom>
-          <a:ln w="19050">
-            <a:solidFill>
-              <a:schemeClr val="tx1"/>
-            </a:solidFill>
-            <a:headEnd type="none"/>
-            <a:tailEnd type="arrow"/>
-          </a:ln>
-        </p:spPr>
-        <p:style>
-          <a:lnRef idx="1">
-            <a:schemeClr val="accent1"/>
-          </a:lnRef>
-          <a:fillRef idx="0">
-            <a:schemeClr val="accent1"/>
-          </a:fillRef>
-          <a:effectRef idx="0">
-            <a:schemeClr val="accent1"/>
-          </a:effectRef>
-          <a:fontRef idx="minor">
-            <a:schemeClr val="tx1"/>
-          </a:fontRef>
-        </p:style>
-      </p:cxnSp>
-      <p:cxnSp>
-        <p:nvCxnSpPr>
-          <p:cNvPr id="68" name="Straight Connector 26"/>
-          <p:cNvCxnSpPr/>
-          <p:nvPr/>
-        </p:nvCxnSpPr>
-        <p:spPr>
-          <a:xfrm>
-            <a:off x="2765325" y="1869218"/>
-            <a:ext cx="0" cy="685800"/>
-          </a:xfrm>
-          <a:prstGeom prst="line">
-            <a:avLst/>
-          </a:prstGeom>
-          <a:ln w="19050">
-            <a:solidFill>
-              <a:schemeClr val="tx1"/>
-            </a:solidFill>
-            <a:headEnd type="none"/>
-            <a:tailEnd type="arrow"/>
-          </a:ln>
-        </p:spPr>
-        <p:style>
-          <a:lnRef idx="1">
-            <a:schemeClr val="accent1"/>
-          </a:lnRef>
-          <a:fillRef idx="0">
-            <a:schemeClr val="accent1"/>
-          </a:fillRef>
-          <a:effectRef idx="0">
-            <a:schemeClr val="accent1"/>
-          </a:effectRef>
-          <a:fontRef idx="minor">
-            <a:schemeClr val="tx1"/>
-          </a:fontRef>
-        </p:style>
-      </p:cxnSp>
-      <p:sp>
-        <p:nvSpPr>
-          <p:cNvPr id="69" name="Rectangle 5"/>
-          <p:cNvSpPr/>
-          <p:nvPr/>
-        </p:nvSpPr>
-        <p:spPr>
-          <a:xfrm>
-            <a:off x="623918" y="3442677"/>
-            <a:ext cx="2859916" cy="437744"/>
-          </a:xfrm>
-          <a:prstGeom prst="rect">
-            <a:avLst/>
-          </a:prstGeom>
-          <a:solidFill>
-            <a:schemeClr val="tx2">
-              <a:lumMod val="20000"/>
-              <a:lumOff val="80000"/>
-            </a:schemeClr>
-          </a:solidFill>
-          <a:ln w="19050">
-            <a:solidFill>
-              <a:schemeClr val="tx1">
-                <a:lumMod val="75000"/>
-                <a:lumOff val="25000"/>
-              </a:schemeClr>
-            </a:solidFill>
-          </a:ln>
-        </p:spPr>
-        <p:style>
-          <a:lnRef idx="2">
-            <a:schemeClr val="accent1">
-              <a:shade val="50000"/>
-            </a:schemeClr>
-          </a:lnRef>
-          <a:fillRef idx="1">
-            <a:schemeClr val="accent1"/>
-          </a:fillRef>
-          <a:effectRef idx="0">
-            <a:schemeClr val="accent1"/>
-          </a:effectRef>
-          <a:fontRef idx="minor">
-            <a:schemeClr val="lt1"/>
-          </a:fontRef>
-        </p:style>
-        <p:txBody>
-          <a:bodyPr rtlCol="0" anchor="ctr"/>
-          <a:lstStyle/>
-          <a:p>
-            <a:pPr algn="ctr"/>
-            <a:r>
-              <a:rPr lang="en-US" dirty="0" smtClean="0">
-                <a:solidFill>
-                  <a:sysClr val="windowText" lastClr="000000"/>
-                </a:solidFill>
-              </a:rPr>
-              <a:t>Container Locator</a:t>
-            </a:r>
-            <a:endParaRPr lang="en-US" dirty="0">
-              <a:solidFill>
-                <a:sysClr val="windowText" lastClr="000000"/>
-              </a:solidFill>
-            </a:endParaRPr>
-          </a:p>
-        </p:txBody>
-      </p:sp>
-      <p:cxnSp>
-        <p:nvCxnSpPr>
-          <p:cNvPr id="71" name="Straight Connector 26"/>
-          <p:cNvCxnSpPr/>
-          <p:nvPr/>
-        </p:nvCxnSpPr>
-        <p:spPr>
-          <a:xfrm>
-            <a:off x="2078755" y="3045571"/>
-            <a:ext cx="0" cy="365760"/>
-          </a:xfrm>
-          <a:prstGeom prst="line">
-            <a:avLst/>
-          </a:prstGeom>
-          <a:ln w="19050">
-            <a:solidFill>
-              <a:schemeClr val="tx1"/>
-            </a:solidFill>
-            <a:headEnd type="none"/>
-            <a:tailEnd type="arrow"/>
-          </a:ln>
-        </p:spPr>
-        <p:style>
-          <a:lnRef idx="1">
-            <a:schemeClr val="accent1"/>
-          </a:lnRef>
-          <a:fillRef idx="0">
-            <a:schemeClr val="accent1"/>
-          </a:fillRef>
-          <a:effectRef idx="0">
-            <a:schemeClr val="accent1"/>
-          </a:effectRef>
-          <a:fontRef idx="minor">
-            <a:schemeClr val="tx1"/>
-          </a:fontRef>
-        </p:style>
-      </p:cxnSp>
-      <p:cxnSp>
-        <p:nvCxnSpPr>
-          <p:cNvPr id="73" name="Straight Connector 26"/>
-          <p:cNvCxnSpPr/>
-          <p:nvPr/>
-        </p:nvCxnSpPr>
-        <p:spPr>
-          <a:xfrm>
-            <a:off x="1286225" y="2440073"/>
-            <a:ext cx="0" cy="137160"/>
-          </a:xfrm>
-          <a:prstGeom prst="line">
-            <a:avLst/>
-          </a:prstGeom>
-          <a:ln w="19050">
-            <a:solidFill>
-              <a:schemeClr val="tx1"/>
-            </a:solidFill>
-            <a:headEnd type="none"/>
-            <a:tailEnd type="arrow"/>
-          </a:ln>
-        </p:spPr>
-        <p:style>
-          <a:lnRef idx="1">
-            <a:schemeClr val="accent1"/>
-          </a:lnRef>
-          <a:fillRef idx="0">
-            <a:schemeClr val="accent1"/>
-          </a:fillRef>
-          <a:effectRef idx="0">
-            <a:schemeClr val="accent1"/>
-          </a:effectRef>
-          <a:fontRef idx="minor">
-            <a:schemeClr val="tx1"/>
-          </a:fontRef>
-        </p:style>
-      </p:cxnSp>
-      <p:sp>
-        <p:nvSpPr>
-          <p:cNvPr id="74" name="Rectangle 5"/>
-          <p:cNvSpPr/>
-          <p:nvPr/>
-        </p:nvSpPr>
-        <p:spPr>
-          <a:xfrm>
-            <a:off x="621096" y="4308757"/>
-            <a:ext cx="2859916" cy="437744"/>
-          </a:xfrm>
-          <a:prstGeom prst="rect">
-            <a:avLst/>
-          </a:prstGeom>
-          <a:solidFill>
-            <a:schemeClr val="tx2">
-              <a:lumMod val="20000"/>
-              <a:lumOff val="80000"/>
-            </a:schemeClr>
-          </a:solidFill>
-          <a:ln w="19050">
-            <a:solidFill>
-              <a:schemeClr val="tx1">
-                <a:lumMod val="75000"/>
-                <a:lumOff val="25000"/>
-              </a:schemeClr>
-            </a:solidFill>
-          </a:ln>
-        </p:spPr>
-        <p:style>
-          <a:lnRef idx="2">
-            <a:schemeClr val="accent1">
-              <a:shade val="50000"/>
-            </a:schemeClr>
-          </a:lnRef>
-          <a:fillRef idx="1">
-            <a:schemeClr val="accent1"/>
-          </a:fillRef>
-          <a:effectRef idx="0">
-            <a:schemeClr val="accent1"/>
-          </a:effectRef>
-          <a:fontRef idx="minor">
-            <a:schemeClr val="lt1"/>
-          </a:fontRef>
-        </p:style>
-        <p:txBody>
-          <a:bodyPr rtlCol="0" anchor="ctr"/>
-          <a:lstStyle/>
-          <a:p>
-            <a:pPr algn="ctr"/>
-            <a:r>
-              <a:rPr lang="en-US" dirty="0" smtClean="0">
-                <a:solidFill>
-                  <a:sysClr val="windowText" lastClr="000000"/>
-                </a:solidFill>
-              </a:rPr>
-              <a:t>Virtualized NIC</a:t>
-            </a:r>
-            <a:endParaRPr lang="en-US" dirty="0">
-              <a:solidFill>
-                <a:sysClr val="windowText" lastClr="000000"/>
-              </a:solidFill>
-            </a:endParaRPr>
-          </a:p>
-        </p:txBody>
-      </p:sp>
-      <p:sp>
-        <p:nvSpPr>
-          <p:cNvPr id="76" name="Rectangle 5"/>
-          <p:cNvSpPr/>
-          <p:nvPr/>
-        </p:nvSpPr>
-        <p:spPr>
-          <a:xfrm>
-            <a:off x="4032828" y="2891011"/>
-            <a:ext cx="1342578" cy="457200"/>
-          </a:xfrm>
-          <a:prstGeom prst="rect">
-            <a:avLst/>
-          </a:prstGeom>
-          <a:solidFill>
-            <a:srgbClr val="FFFFFF"/>
-          </a:solidFill>
-          <a:ln w="19050">
-            <a:solidFill>
-              <a:schemeClr val="tx1">
-                <a:lumMod val="75000"/>
-                <a:lumOff val="25000"/>
-              </a:schemeClr>
-            </a:solidFill>
-          </a:ln>
-        </p:spPr>
-        <p:style>
-          <a:lnRef idx="2">
-            <a:schemeClr val="accent1">
-              <a:shade val="50000"/>
-            </a:schemeClr>
-          </a:lnRef>
-          <a:fillRef idx="1">
-            <a:schemeClr val="accent1"/>
-          </a:fillRef>
-          <a:effectRef idx="0">
-            <a:schemeClr val="accent1"/>
-          </a:effectRef>
-          <a:fontRef idx="minor">
-            <a:schemeClr val="lt1"/>
-          </a:fontRef>
-        </p:style>
-        <p:txBody>
-          <a:bodyPr rtlCol="0" anchor="ctr"/>
-          <a:lstStyle/>
-          <a:p>
-            <a:pPr algn="ctr"/>
-            <a:r>
-              <a:rPr lang="en-US" dirty="0" err="1" smtClean="0">
-                <a:solidFill>
-                  <a:sysClr val="windowText" lastClr="000000"/>
-                </a:solidFill>
-              </a:rPr>
-              <a:t>Mesos</a:t>
-            </a:r>
-            <a:endParaRPr lang="en-US" dirty="0">
-              <a:solidFill>
-                <a:sysClr val="windowText" lastClr="000000"/>
-              </a:solidFill>
-            </a:endParaRPr>
-          </a:p>
-        </p:txBody>
-      </p:sp>
-      <p:sp>
-        <p:nvSpPr>
-          <p:cNvPr id="77" name="Rectangle 5"/>
-          <p:cNvSpPr/>
-          <p:nvPr/>
-        </p:nvSpPr>
-        <p:spPr>
-          <a:xfrm>
-            <a:off x="4044117" y="3430056"/>
-            <a:ext cx="1342578" cy="457200"/>
-          </a:xfrm>
-          <a:prstGeom prst="rect">
-            <a:avLst/>
-          </a:prstGeom>
-          <a:solidFill>
-            <a:srgbClr val="FFFFFF"/>
-          </a:solidFill>
-          <a:ln w="19050">
-            <a:solidFill>
-              <a:schemeClr val="tx1">
-                <a:lumMod val="75000"/>
-                <a:lumOff val="25000"/>
-              </a:schemeClr>
-            </a:solidFill>
-          </a:ln>
-        </p:spPr>
-        <p:style>
-          <a:lnRef idx="2">
-            <a:schemeClr val="accent1">
-              <a:shade val="50000"/>
-            </a:schemeClr>
-          </a:lnRef>
-          <a:fillRef idx="1">
-            <a:schemeClr val="accent1"/>
-          </a:fillRef>
-          <a:effectRef idx="0">
-            <a:schemeClr val="accent1"/>
-          </a:effectRef>
-          <a:fontRef idx="minor">
-            <a:schemeClr val="lt1"/>
-          </a:fontRef>
-        </p:style>
-        <p:txBody>
-          <a:bodyPr rtlCol="0" anchor="ctr"/>
-          <a:lstStyle/>
-          <a:p>
-            <a:pPr algn="ctr">
-              <a:lnSpc>
-                <a:spcPct val="80000"/>
-              </a:lnSpc>
-            </a:pPr>
-            <a:r>
-              <a:rPr lang="en-US" dirty="0" smtClean="0">
-                <a:solidFill>
-                  <a:sysClr val="windowText" lastClr="000000"/>
-                </a:solidFill>
-              </a:rPr>
-              <a:t>Fabric Controller</a:t>
-            </a:r>
-            <a:endParaRPr lang="en-US" dirty="0">
-              <a:solidFill>
-                <a:sysClr val="windowText" lastClr="000000"/>
-              </a:solidFill>
-            </a:endParaRPr>
-          </a:p>
-        </p:txBody>
-      </p:sp>
-      <p:sp>
-        <p:nvSpPr>
-          <p:cNvPr id="80" name="Rectangle 5"/>
-          <p:cNvSpPr/>
-          <p:nvPr/>
-        </p:nvSpPr>
-        <p:spPr>
-          <a:xfrm>
-            <a:off x="618274" y="5174838"/>
-            <a:ext cx="2859916" cy="437744"/>
-          </a:xfrm>
-          <a:prstGeom prst="rect">
-            <a:avLst/>
-          </a:prstGeom>
-          <a:solidFill>
-            <a:schemeClr val="tx2">
-              <a:lumMod val="20000"/>
-              <a:lumOff val="80000"/>
-            </a:schemeClr>
-          </a:solidFill>
-          <a:ln w="19050">
-            <a:solidFill>
-              <a:schemeClr val="tx1">
-                <a:lumMod val="75000"/>
-                <a:lumOff val="25000"/>
-              </a:schemeClr>
-            </a:solidFill>
-          </a:ln>
-        </p:spPr>
-        <p:style>
-          <a:lnRef idx="2">
-            <a:schemeClr val="accent1">
-              <a:shade val="50000"/>
-            </a:schemeClr>
-          </a:lnRef>
-          <a:fillRef idx="1">
-            <a:schemeClr val="accent1"/>
-          </a:fillRef>
-          <a:effectRef idx="0">
-            <a:schemeClr val="accent1"/>
-          </a:effectRef>
-          <a:fontRef idx="minor">
-            <a:schemeClr val="lt1"/>
-          </a:fontRef>
-        </p:style>
-        <p:txBody>
-          <a:bodyPr rtlCol="0" anchor="ctr"/>
-          <a:lstStyle/>
-          <a:p>
-            <a:pPr algn="ctr"/>
-            <a:r>
-              <a:rPr lang="en-US" dirty="0" smtClean="0">
+              <a:rPr lang="en-US" sz="2000" dirty="0">
                 <a:solidFill>
                   <a:sysClr val="windowText" lastClr="000000"/>
                 </a:solidFill>
               </a:rPr>
               <a:t>NIC</a:t>
             </a:r>
-            <a:endParaRPr lang="en-US" dirty="0">
-              <a:solidFill>
-                <a:sysClr val="windowText" lastClr="000000"/>
-              </a:solidFill>
-            </a:endParaRPr>
-          </a:p>
-        </p:txBody>
-      </p:sp>
-      <p:sp>
-        <p:nvSpPr>
-          <p:cNvPr id="82" name="Rectangle 5"/>
-          <p:cNvSpPr/>
-          <p:nvPr/>
-        </p:nvSpPr>
-        <p:spPr>
-          <a:xfrm>
-            <a:off x="5900961" y="2576598"/>
-            <a:ext cx="2103120" cy="437744"/>
-          </a:xfrm>
-          <a:prstGeom prst="rect">
-            <a:avLst/>
-          </a:prstGeom>
-          <a:solidFill>
-            <a:schemeClr val="tx2">
-              <a:lumMod val="20000"/>
-              <a:lumOff val="80000"/>
-            </a:schemeClr>
-          </a:solidFill>
-          <a:ln w="19050">
+          </a:p>
+        </p:txBody>
+      </p:sp>
+      <p:grpSp>
+        <p:nvGrpSpPr>
+          <p:cNvPr id="43" name="Group 42"/>
+          <p:cNvGrpSpPr/>
+          <p:nvPr/>
+        </p:nvGrpSpPr>
+        <p:grpSpPr>
+          <a:xfrm>
+            <a:off x="2822716" y="1041177"/>
+            <a:ext cx="2096550" cy="1017008"/>
+            <a:chOff x="598008" y="1046092"/>
+            <a:chExt cx="2096550" cy="1017008"/>
+          </a:xfrm>
+        </p:grpSpPr>
+        <p:sp>
+          <p:nvSpPr>
+            <p:cNvPr id="44" name="Rectangle 43"/>
+            <p:cNvSpPr/>
+            <p:nvPr/>
+          </p:nvSpPr>
+          <p:spPr>
+            <a:xfrm>
+              <a:off x="598008" y="1046092"/>
+              <a:ext cx="1342578" cy="673371"/>
+            </a:xfrm>
+            <a:prstGeom prst="rect">
+              <a:avLst/>
+            </a:prstGeom>
             <a:solidFill>
               <a:schemeClr val="tx1">
-                <a:lumMod val="75000"/>
-                <a:lumOff val="25000"/>
+                <a:lumMod val="65000"/>
+                <a:lumOff val="35000"/>
               </a:schemeClr>
             </a:solidFill>
-          </a:ln>
-        </p:spPr>
-        <p:style>
-          <a:lnRef idx="2">
-            <a:schemeClr val="accent1">
-              <a:shade val="50000"/>
-            </a:schemeClr>
-          </a:lnRef>
-          <a:fillRef idx="1">
-            <a:schemeClr val="accent1"/>
-          </a:fillRef>
-          <a:effectRef idx="0">
-            <a:schemeClr val="accent1"/>
-          </a:effectRef>
-          <a:fontRef idx="minor">
-            <a:schemeClr val="lt1"/>
-          </a:fontRef>
-        </p:style>
-        <p:txBody>
-          <a:bodyPr rtlCol="0" anchor="ctr"/>
-          <a:lstStyle/>
-          <a:p>
-            <a:pPr algn="ctr"/>
-            <a:r>
-              <a:rPr lang="en-US" dirty="0" smtClean="0">
+            <a:ln w="28575">
+              <a:solidFill>
+                <a:schemeClr val="tx1">
+                  <a:lumMod val="75000"/>
+                  <a:lumOff val="25000"/>
+                </a:schemeClr>
+              </a:solidFill>
+            </a:ln>
+          </p:spPr>
+          <p:style>
+            <a:lnRef idx="2">
+              <a:schemeClr val="accent1">
+                <a:shade val="50000"/>
+              </a:schemeClr>
+            </a:lnRef>
+            <a:fillRef idx="1">
+              <a:schemeClr val="accent1"/>
+            </a:fillRef>
+            <a:effectRef idx="0">
+              <a:schemeClr val="accent1"/>
+            </a:effectRef>
+            <a:fontRef idx="minor">
+              <a:schemeClr val="lt1"/>
+            </a:fontRef>
+          </p:style>
+          <p:txBody>
+            <a:bodyPr rtlCol="0" anchor="ctr"/>
+            <a:lstStyle/>
+            <a:p>
+              <a:pPr algn="ctr"/>
+              <a:r>
+                <a:rPr lang="en-US" dirty="0">
+                  <a:solidFill>
+                    <a:schemeClr val="bg1"/>
+                  </a:solidFill>
+                </a:rPr>
+                <a:t>Container </a:t>
+              </a:r>
+              <a:r>
+                <a:rPr lang="en-US" i="1" dirty="0">
+                  <a:solidFill>
+                    <a:schemeClr val="bg1"/>
+                  </a:solidFill>
+                </a:rPr>
+                <a:t>2</a:t>
+              </a:r>
+            </a:p>
+          </p:txBody>
+        </p:sp>
+        <p:sp>
+          <p:nvSpPr>
+            <p:cNvPr id="45" name="Rectangle 44"/>
+            <p:cNvSpPr/>
+            <p:nvPr/>
+          </p:nvSpPr>
+          <p:spPr>
+            <a:xfrm>
+              <a:off x="1163050" y="1723542"/>
+              <a:ext cx="212493" cy="196568"/>
+            </a:xfrm>
+            <a:prstGeom prst="rect">
+              <a:avLst/>
+            </a:prstGeom>
+            <a:solidFill>
+              <a:srgbClr val="DDDDDD"/>
+            </a:solidFill>
+            <a:ln w="22225">
+              <a:solidFill>
+                <a:schemeClr val="tx1">
+                  <a:lumMod val="75000"/>
+                  <a:lumOff val="25000"/>
+                </a:schemeClr>
+              </a:solidFill>
+            </a:ln>
+          </p:spPr>
+          <p:style>
+            <a:lnRef idx="2">
+              <a:schemeClr val="accent1">
+                <a:shade val="50000"/>
+              </a:schemeClr>
+            </a:lnRef>
+            <a:fillRef idx="1">
+              <a:schemeClr val="accent1"/>
+            </a:fillRef>
+            <a:effectRef idx="0">
+              <a:schemeClr val="accent1"/>
+            </a:effectRef>
+            <a:fontRef idx="minor">
+              <a:schemeClr val="lt1"/>
+            </a:fontRef>
+          </p:style>
+          <p:txBody>
+            <a:bodyPr rtlCol="0" anchor="ctr"/>
+            <a:lstStyle/>
+            <a:p>
+              <a:pPr algn="ctr"/>
+              <a:endParaRPr lang="en-US" i="1" dirty="0">
                 <a:solidFill>
-                  <a:sysClr val="windowText" lastClr="000000"/>
+                  <a:schemeClr val="bg1"/>
                 </a:solidFill>
-              </a:rPr>
-              <a:t>Verbs API</a:t>
-            </a:r>
-            <a:endParaRPr lang="en-US" dirty="0">
-              <a:solidFill>
-                <a:sysClr val="windowText" lastClr="000000"/>
-              </a:solidFill>
-            </a:endParaRPr>
-          </a:p>
-        </p:txBody>
-      </p:sp>
-      <p:sp>
-        <p:nvSpPr>
-          <p:cNvPr id="83" name="Rectangle 5"/>
-          <p:cNvSpPr/>
-          <p:nvPr/>
-        </p:nvSpPr>
-        <p:spPr>
-          <a:xfrm>
-            <a:off x="5907118" y="3442678"/>
-            <a:ext cx="2103120" cy="437744"/>
-          </a:xfrm>
-          <a:prstGeom prst="rect">
-            <a:avLst/>
-          </a:prstGeom>
-          <a:solidFill>
-            <a:schemeClr val="tx2">
-              <a:lumMod val="20000"/>
-              <a:lumOff val="80000"/>
-            </a:schemeClr>
-          </a:solidFill>
-          <a:ln w="19050">
-            <a:solidFill>
-              <a:schemeClr val="tx1">
-                <a:lumMod val="75000"/>
-                <a:lumOff val="25000"/>
-              </a:schemeClr>
-            </a:solidFill>
-          </a:ln>
-        </p:spPr>
-        <p:style>
-          <a:lnRef idx="2">
-            <a:schemeClr val="accent1">
-              <a:shade val="50000"/>
-            </a:schemeClr>
-          </a:lnRef>
-          <a:fillRef idx="1">
-            <a:schemeClr val="accent1"/>
-          </a:fillRef>
-          <a:effectRef idx="0">
-            <a:schemeClr val="accent1"/>
-          </a:effectRef>
-          <a:fontRef idx="minor">
-            <a:schemeClr val="lt1"/>
-          </a:fontRef>
-        </p:style>
-        <p:txBody>
-          <a:bodyPr rtlCol="0" anchor="ctr"/>
-          <a:lstStyle/>
-          <a:p>
-            <a:pPr algn="ctr"/>
-            <a:r>
-              <a:rPr lang="en-US" dirty="0" smtClean="0">
-                <a:solidFill>
-                  <a:sysClr val="windowText" lastClr="000000"/>
-                </a:solidFill>
-              </a:rPr>
-              <a:t>Container Locator</a:t>
-            </a:r>
-            <a:endParaRPr lang="en-US" dirty="0">
-              <a:solidFill>
-                <a:sysClr val="windowText" lastClr="000000"/>
-              </a:solidFill>
-            </a:endParaRPr>
-          </a:p>
-        </p:txBody>
-      </p:sp>
-      <p:sp>
-        <p:nvSpPr>
-          <p:cNvPr id="85" name="Rectangle 5"/>
-          <p:cNvSpPr/>
-          <p:nvPr/>
-        </p:nvSpPr>
-        <p:spPr>
-          <a:xfrm>
-            <a:off x="5904296" y="4308758"/>
-            <a:ext cx="2103120" cy="437744"/>
-          </a:xfrm>
-          <a:prstGeom prst="rect">
-            <a:avLst/>
-          </a:prstGeom>
-          <a:solidFill>
-            <a:schemeClr val="tx2">
-              <a:lumMod val="20000"/>
-              <a:lumOff val="80000"/>
-            </a:schemeClr>
-          </a:solidFill>
-          <a:ln w="19050">
-            <a:solidFill>
-              <a:schemeClr val="tx1">
-                <a:lumMod val="75000"/>
-                <a:lumOff val="25000"/>
-              </a:schemeClr>
-            </a:solidFill>
-          </a:ln>
-        </p:spPr>
-        <p:style>
-          <a:lnRef idx="2">
-            <a:schemeClr val="accent1">
-              <a:shade val="50000"/>
-            </a:schemeClr>
-          </a:lnRef>
-          <a:fillRef idx="1">
-            <a:schemeClr val="accent1"/>
-          </a:fillRef>
-          <a:effectRef idx="0">
-            <a:schemeClr val="accent1"/>
-          </a:effectRef>
-          <a:fontRef idx="minor">
-            <a:schemeClr val="lt1"/>
-          </a:fontRef>
-        </p:style>
-        <p:txBody>
-          <a:bodyPr rtlCol="0" anchor="ctr"/>
-          <a:lstStyle/>
-          <a:p>
-            <a:pPr algn="ctr"/>
-            <a:r>
-              <a:rPr lang="en-US" dirty="0" smtClean="0">
-                <a:solidFill>
-                  <a:sysClr val="windowText" lastClr="000000"/>
-                </a:solidFill>
-              </a:rPr>
-              <a:t>Virtualized NIC</a:t>
-            </a:r>
-            <a:endParaRPr lang="en-US" dirty="0">
-              <a:solidFill>
-                <a:sysClr val="windowText" lastClr="000000"/>
-              </a:solidFill>
-            </a:endParaRPr>
-          </a:p>
-        </p:txBody>
-      </p:sp>
-      <p:sp>
-        <p:nvSpPr>
-          <p:cNvPr id="86" name="Rectangle 5"/>
-          <p:cNvSpPr/>
-          <p:nvPr/>
-        </p:nvSpPr>
-        <p:spPr>
-          <a:xfrm>
-            <a:off x="5901474" y="5174839"/>
-            <a:ext cx="2103120" cy="437744"/>
-          </a:xfrm>
-          <a:prstGeom prst="rect">
-            <a:avLst/>
-          </a:prstGeom>
-          <a:solidFill>
-            <a:schemeClr val="tx2">
-              <a:lumMod val="20000"/>
-              <a:lumOff val="80000"/>
-            </a:schemeClr>
-          </a:solidFill>
-          <a:ln w="19050">
-            <a:solidFill>
-              <a:schemeClr val="tx1">
-                <a:lumMod val="75000"/>
-                <a:lumOff val="25000"/>
-              </a:schemeClr>
-            </a:solidFill>
-          </a:ln>
-        </p:spPr>
-        <p:style>
-          <a:lnRef idx="2">
-            <a:schemeClr val="accent1">
-              <a:shade val="50000"/>
-            </a:schemeClr>
-          </a:lnRef>
-          <a:fillRef idx="1">
-            <a:schemeClr val="accent1"/>
-          </a:fillRef>
-          <a:effectRef idx="0">
-            <a:schemeClr val="accent1"/>
-          </a:effectRef>
-          <a:fontRef idx="minor">
-            <a:schemeClr val="lt1"/>
-          </a:fontRef>
-        </p:style>
-        <p:txBody>
-          <a:bodyPr rtlCol="0" anchor="ctr"/>
-          <a:lstStyle/>
-          <a:p>
-            <a:pPr algn="ctr"/>
-            <a:r>
-              <a:rPr lang="en-US" dirty="0" smtClean="0">
-                <a:solidFill>
-                  <a:sysClr val="windowText" lastClr="000000"/>
-                </a:solidFill>
-              </a:rPr>
-              <a:t>NIC</a:t>
-            </a:r>
-            <a:endParaRPr lang="en-US" dirty="0">
-              <a:solidFill>
-                <a:sysClr val="windowText" lastClr="000000"/>
-              </a:solidFill>
-            </a:endParaRPr>
-          </a:p>
-        </p:txBody>
-      </p:sp>
-      <p:sp>
-        <p:nvSpPr>
-          <p:cNvPr id="87" name="TextBox 54"/>
-          <p:cNvSpPr txBox="1"/>
-          <p:nvPr/>
-        </p:nvSpPr>
-        <p:spPr>
-          <a:xfrm>
-            <a:off x="3843864" y="4111301"/>
-            <a:ext cx="2262629" cy="369332"/>
-          </a:xfrm>
-          <a:prstGeom prst="rect">
-            <a:avLst/>
-          </a:prstGeom>
-          <a:noFill/>
-        </p:spPr>
-        <p:txBody>
-          <a:bodyPr wrap="square" rtlCol="0">
-            <a:spAutoFit/>
-          </a:bodyPr>
-          <a:lstStyle/>
-          <a:p>
-            <a:r>
-              <a:rPr lang="en-US" dirty="0" smtClean="0"/>
-              <a:t>Shared Memory</a:t>
-            </a:r>
-            <a:endParaRPr lang="en-US" dirty="0"/>
-          </a:p>
-        </p:txBody>
-      </p:sp>
-      <p:cxnSp>
-        <p:nvCxnSpPr>
-          <p:cNvPr id="89" name="Straight Connector 26"/>
-          <p:cNvCxnSpPr>
-            <a:stCxn id="69" idx="3"/>
-            <a:endCxn id="77" idx="1"/>
-          </p:cNvCxnSpPr>
-          <p:nvPr/>
-        </p:nvCxnSpPr>
-        <p:spPr>
-          <a:xfrm flipV="1">
-            <a:off x="3483834" y="3658656"/>
-            <a:ext cx="560283" cy="2893"/>
-          </a:xfrm>
-          <a:prstGeom prst="line">
-            <a:avLst/>
-          </a:prstGeom>
-          <a:ln w="28575" cmpd="sng">
-            <a:solidFill>
-              <a:schemeClr val="tx1"/>
-            </a:solidFill>
-            <a:prstDash val="dash"/>
-            <a:headEnd type="none"/>
-            <a:tailEnd type="arrow"/>
-          </a:ln>
-        </p:spPr>
-        <p:style>
-          <a:lnRef idx="1">
-            <a:schemeClr val="accent1"/>
-          </a:lnRef>
-          <a:fillRef idx="0">
-            <a:schemeClr val="accent1"/>
-          </a:fillRef>
-          <a:effectRef idx="0">
-            <a:schemeClr val="accent1"/>
-          </a:effectRef>
-          <a:fontRef idx="minor">
-            <a:schemeClr val="tx1"/>
-          </a:fontRef>
-        </p:style>
-      </p:cxnSp>
-      <p:cxnSp>
-        <p:nvCxnSpPr>
-          <p:cNvPr id="90" name="Straight Connector 26"/>
-          <p:cNvCxnSpPr/>
-          <p:nvPr/>
-        </p:nvCxnSpPr>
-        <p:spPr>
-          <a:xfrm>
-            <a:off x="3501155" y="4518771"/>
-            <a:ext cx="2403141" cy="8859"/>
-          </a:xfrm>
-          <a:prstGeom prst="line">
-            <a:avLst/>
-          </a:prstGeom>
-          <a:ln w="19050">
-            <a:solidFill>
-              <a:schemeClr val="tx1"/>
-            </a:solidFill>
-            <a:headEnd type="none"/>
-            <a:tailEnd type="arrow"/>
-          </a:ln>
-        </p:spPr>
-        <p:style>
-          <a:lnRef idx="1">
-            <a:schemeClr val="accent1"/>
-          </a:lnRef>
-          <a:fillRef idx="0">
-            <a:schemeClr val="accent1"/>
-          </a:fillRef>
-          <a:effectRef idx="0">
-            <a:schemeClr val="accent1"/>
-          </a:effectRef>
-          <a:fontRef idx="minor">
-            <a:schemeClr val="tx1"/>
-          </a:fontRef>
-        </p:style>
-      </p:cxnSp>
-      <p:cxnSp>
-        <p:nvCxnSpPr>
-          <p:cNvPr id="91" name="Straight Connector 26"/>
-          <p:cNvCxnSpPr/>
-          <p:nvPr/>
-        </p:nvCxnSpPr>
-        <p:spPr>
-          <a:xfrm>
-            <a:off x="2061821" y="3892237"/>
-            <a:ext cx="0" cy="365760"/>
-          </a:xfrm>
-          <a:prstGeom prst="line">
-            <a:avLst/>
-          </a:prstGeom>
-          <a:ln w="19050">
-            <a:solidFill>
-              <a:schemeClr val="tx1"/>
-            </a:solidFill>
-            <a:headEnd type="none"/>
-            <a:tailEnd type="arrow"/>
-          </a:ln>
-        </p:spPr>
-        <p:style>
-          <a:lnRef idx="1">
-            <a:schemeClr val="accent1"/>
-          </a:lnRef>
-          <a:fillRef idx="0">
-            <a:schemeClr val="accent1"/>
-          </a:fillRef>
-          <a:effectRef idx="0">
-            <a:schemeClr val="accent1"/>
-          </a:effectRef>
-          <a:fontRef idx="minor">
-            <a:schemeClr val="tx1"/>
-          </a:fontRef>
-        </p:style>
-      </p:cxnSp>
-      <p:cxnSp>
-        <p:nvCxnSpPr>
-          <p:cNvPr id="92" name="Straight Connector 26"/>
-          <p:cNvCxnSpPr/>
-          <p:nvPr/>
-        </p:nvCxnSpPr>
-        <p:spPr>
-          <a:xfrm>
-            <a:off x="2061822" y="4772771"/>
-            <a:ext cx="0" cy="365760"/>
-          </a:xfrm>
-          <a:prstGeom prst="line">
-            <a:avLst/>
-          </a:prstGeom>
-          <a:ln w="19050">
-            <a:solidFill>
-              <a:schemeClr val="tx1"/>
-            </a:solidFill>
-            <a:headEnd type="none"/>
-            <a:tailEnd type="arrow"/>
-          </a:ln>
-        </p:spPr>
-        <p:style>
-          <a:lnRef idx="1">
-            <a:schemeClr val="accent1"/>
-          </a:lnRef>
-          <a:fillRef idx="0">
-            <a:schemeClr val="accent1"/>
-          </a:fillRef>
-          <a:effectRef idx="0">
-            <a:schemeClr val="accent1"/>
-          </a:effectRef>
-          <a:fontRef idx="minor">
-            <a:schemeClr val="tx1"/>
-          </a:fontRef>
-        </p:style>
-      </p:cxnSp>
-      <p:cxnSp>
-        <p:nvCxnSpPr>
-          <p:cNvPr id="93" name="Straight Connector 26"/>
-          <p:cNvCxnSpPr/>
-          <p:nvPr/>
-        </p:nvCxnSpPr>
-        <p:spPr>
-          <a:xfrm>
-            <a:off x="6938622" y="3062504"/>
-            <a:ext cx="0" cy="365760"/>
-          </a:xfrm>
-          <a:prstGeom prst="line">
-            <a:avLst/>
-          </a:prstGeom>
-          <a:ln w="19050">
-            <a:solidFill>
-              <a:schemeClr val="tx1"/>
-            </a:solidFill>
-            <a:headEnd type="arrow"/>
-            <a:tailEnd type="none"/>
-          </a:ln>
-        </p:spPr>
-        <p:style>
-          <a:lnRef idx="1">
-            <a:schemeClr val="accent1"/>
-          </a:lnRef>
-          <a:fillRef idx="0">
-            <a:schemeClr val="accent1"/>
-          </a:fillRef>
-          <a:effectRef idx="0">
-            <a:schemeClr val="accent1"/>
-          </a:effectRef>
-          <a:fontRef idx="minor">
-            <a:schemeClr val="tx1"/>
-          </a:fontRef>
-        </p:style>
-      </p:cxnSp>
-      <p:cxnSp>
-        <p:nvCxnSpPr>
-          <p:cNvPr id="94" name="Straight Connector 26"/>
-          <p:cNvCxnSpPr/>
-          <p:nvPr/>
-        </p:nvCxnSpPr>
-        <p:spPr>
-          <a:xfrm>
-            <a:off x="6921688" y="3909170"/>
-            <a:ext cx="0" cy="365760"/>
-          </a:xfrm>
-          <a:prstGeom prst="line">
-            <a:avLst/>
-          </a:prstGeom>
-          <a:ln w="19050">
-            <a:solidFill>
-              <a:schemeClr val="tx1"/>
-            </a:solidFill>
-            <a:headEnd type="arrow"/>
-            <a:tailEnd type="none"/>
-          </a:ln>
-        </p:spPr>
-        <p:style>
-          <a:lnRef idx="1">
-            <a:schemeClr val="accent1"/>
-          </a:lnRef>
-          <a:fillRef idx="0">
-            <a:schemeClr val="accent1"/>
-          </a:fillRef>
-          <a:effectRef idx="0">
-            <a:schemeClr val="accent1"/>
-          </a:effectRef>
-          <a:fontRef idx="minor">
-            <a:schemeClr val="tx1"/>
-          </a:fontRef>
-        </p:style>
-      </p:cxnSp>
-      <p:cxnSp>
-        <p:nvCxnSpPr>
-          <p:cNvPr id="95" name="Straight Connector 26"/>
-          <p:cNvCxnSpPr/>
-          <p:nvPr/>
-        </p:nvCxnSpPr>
-        <p:spPr>
-          <a:xfrm>
-            <a:off x="6921689" y="4789704"/>
-            <a:ext cx="0" cy="365760"/>
-          </a:xfrm>
-          <a:prstGeom prst="line">
-            <a:avLst/>
-          </a:prstGeom>
-          <a:ln w="19050">
-            <a:solidFill>
-              <a:schemeClr val="tx1"/>
-            </a:solidFill>
-            <a:headEnd type="arrow"/>
-            <a:tailEnd type="none"/>
-          </a:ln>
-        </p:spPr>
-        <p:style>
-          <a:lnRef idx="1">
-            <a:schemeClr val="accent1"/>
-          </a:lnRef>
-          <a:fillRef idx="0">
-            <a:schemeClr val="accent1"/>
-          </a:fillRef>
-          <a:effectRef idx="0">
-            <a:schemeClr val="accent1"/>
-          </a:effectRef>
-          <a:fontRef idx="minor">
-            <a:schemeClr val="tx1"/>
-          </a:fontRef>
-        </p:style>
-      </p:cxnSp>
-      <p:cxnSp>
-        <p:nvCxnSpPr>
-          <p:cNvPr id="96" name="Straight Connector 26"/>
-          <p:cNvCxnSpPr/>
-          <p:nvPr/>
-        </p:nvCxnSpPr>
-        <p:spPr>
-          <a:xfrm>
-            <a:off x="3484222" y="5348505"/>
-            <a:ext cx="2403141" cy="8859"/>
-          </a:xfrm>
-          <a:prstGeom prst="line">
-            <a:avLst/>
-          </a:prstGeom>
-          <a:ln w="19050">
-            <a:solidFill>
-              <a:schemeClr val="tx1"/>
-            </a:solidFill>
-            <a:headEnd type="none"/>
-            <a:tailEnd type="arrow"/>
-          </a:ln>
-        </p:spPr>
-        <p:style>
-          <a:lnRef idx="1">
-            <a:schemeClr val="accent1"/>
-          </a:lnRef>
-          <a:fillRef idx="0">
-            <a:schemeClr val="accent1"/>
-          </a:fillRef>
-          <a:effectRef idx="0">
-            <a:schemeClr val="accent1"/>
-          </a:effectRef>
-          <a:fontRef idx="minor">
-            <a:schemeClr val="tx1"/>
-          </a:fontRef>
-        </p:style>
-      </p:cxnSp>
-      <p:cxnSp>
-        <p:nvCxnSpPr>
-          <p:cNvPr id="97" name="Straight Connector 26"/>
-          <p:cNvCxnSpPr/>
-          <p:nvPr/>
-        </p:nvCxnSpPr>
-        <p:spPr>
-          <a:xfrm>
-            <a:off x="6947858" y="1886151"/>
-            <a:ext cx="0" cy="685800"/>
-          </a:xfrm>
-          <a:prstGeom prst="line">
-            <a:avLst/>
-          </a:prstGeom>
-          <a:ln w="19050">
-            <a:solidFill>
-              <a:schemeClr val="tx1"/>
-            </a:solidFill>
-            <a:headEnd type="arrow"/>
-            <a:tailEnd type="none"/>
-          </a:ln>
-        </p:spPr>
-        <p:style>
-          <a:lnRef idx="1">
-            <a:schemeClr val="accent1"/>
-          </a:lnRef>
-          <a:fillRef idx="0">
-            <a:schemeClr val="accent1"/>
-          </a:fillRef>
-          <a:effectRef idx="0">
-            <a:schemeClr val="accent1"/>
-          </a:effectRef>
-          <a:fontRef idx="minor">
-            <a:schemeClr val="tx1"/>
-          </a:fontRef>
-        </p:style>
-      </p:cxnSp>
-      <p:cxnSp>
-        <p:nvCxnSpPr>
-          <p:cNvPr id="98" name="Straight Connector 26"/>
-          <p:cNvCxnSpPr>
-            <a:stCxn id="69" idx="3"/>
-            <a:endCxn id="76" idx="1"/>
-          </p:cNvCxnSpPr>
-          <p:nvPr/>
-        </p:nvCxnSpPr>
-        <p:spPr>
-          <a:xfrm flipV="1">
-            <a:off x="3483834" y="3119611"/>
-            <a:ext cx="548994" cy="541938"/>
-          </a:xfrm>
-          <a:prstGeom prst="bentConnector3">
-            <a:avLst>
-              <a:gd name="adj1" fmla="val 50000"/>
-            </a:avLst>
-          </a:prstGeom>
-          <a:ln w="28575" cmpd="sng">
-            <a:solidFill>
-              <a:schemeClr val="tx1"/>
-            </a:solidFill>
-            <a:prstDash val="dash"/>
-            <a:headEnd type="none"/>
-            <a:tailEnd type="arrow"/>
-          </a:ln>
-        </p:spPr>
-        <p:style>
-          <a:lnRef idx="1">
-            <a:schemeClr val="accent1"/>
-          </a:lnRef>
-          <a:fillRef idx="0">
-            <a:schemeClr val="accent1"/>
-          </a:fillRef>
-          <a:effectRef idx="0">
-            <a:schemeClr val="accent1"/>
-          </a:effectRef>
-          <a:fontRef idx="minor">
-            <a:schemeClr val="tx1"/>
-          </a:fontRef>
-        </p:style>
-      </p:cxnSp>
-      <p:cxnSp>
-        <p:nvCxnSpPr>
-          <p:cNvPr id="32" name="Straight Connector 26"/>
-          <p:cNvCxnSpPr/>
-          <p:nvPr/>
-        </p:nvCxnSpPr>
-        <p:spPr>
-          <a:xfrm>
-            <a:off x="3484225" y="5483972"/>
-            <a:ext cx="2403141" cy="8859"/>
-          </a:xfrm>
-          <a:prstGeom prst="line">
-            <a:avLst/>
-          </a:prstGeom>
-          <a:ln w="19050">
-            <a:solidFill>
-              <a:schemeClr val="tx1"/>
-            </a:solidFill>
-            <a:headEnd type="none"/>
-            <a:tailEnd type="arrow"/>
-          </a:ln>
-        </p:spPr>
-        <p:style>
-          <a:lnRef idx="1">
-            <a:schemeClr val="accent1"/>
-          </a:lnRef>
-          <a:fillRef idx="0">
-            <a:schemeClr val="accent1"/>
-          </a:fillRef>
-          <a:effectRef idx="0">
-            <a:schemeClr val="accent1"/>
-          </a:effectRef>
-          <a:fontRef idx="minor">
-            <a:schemeClr val="tx1"/>
-          </a:fontRef>
-        </p:style>
-      </p:cxnSp>
-      <p:sp>
-        <p:nvSpPr>
-          <p:cNvPr id="33" name="TextBox 54"/>
-          <p:cNvSpPr txBox="1"/>
-          <p:nvPr/>
-        </p:nvSpPr>
-        <p:spPr>
-          <a:xfrm>
-            <a:off x="4267192" y="4890234"/>
-            <a:ext cx="897467" cy="369332"/>
-          </a:xfrm>
-          <a:prstGeom prst="rect">
-            <a:avLst/>
-          </a:prstGeom>
-          <a:noFill/>
-        </p:spPr>
-        <p:txBody>
-          <a:bodyPr wrap="square" rtlCol="0">
-            <a:spAutoFit/>
-          </a:bodyPr>
-          <a:lstStyle/>
-          <a:p>
-            <a:r>
-              <a:rPr lang="en-US" dirty="0" smtClean="0"/>
-              <a:t>DPDK</a:t>
-            </a:r>
-            <a:endParaRPr lang="en-US" dirty="0"/>
-          </a:p>
-        </p:txBody>
-      </p:sp>
-      <p:sp>
-        <p:nvSpPr>
-          <p:cNvPr id="34" name="TextBox 54"/>
-          <p:cNvSpPr txBox="1"/>
-          <p:nvPr/>
-        </p:nvSpPr>
-        <p:spPr>
-          <a:xfrm>
-            <a:off x="4216393" y="5550634"/>
-            <a:ext cx="897467" cy="369332"/>
-          </a:xfrm>
-          <a:prstGeom prst="rect">
-            <a:avLst/>
-          </a:prstGeom>
-          <a:noFill/>
-        </p:spPr>
-        <p:txBody>
-          <a:bodyPr wrap="square" rtlCol="0">
-            <a:spAutoFit/>
-          </a:bodyPr>
-          <a:lstStyle/>
-          <a:p>
-            <a:r>
-              <a:rPr lang="en-US" dirty="0" smtClean="0"/>
-              <a:t>RDMA</a:t>
-            </a:r>
-            <a:endParaRPr lang="en-US" dirty="0"/>
-          </a:p>
-        </p:txBody>
-      </p:sp>
+              </a:endParaRPr>
+            </a:p>
+          </p:txBody>
+        </p:sp>
+        <p:sp>
+          <p:nvSpPr>
+            <p:cNvPr id="46" name="TextBox 45"/>
+            <p:cNvSpPr txBox="1"/>
+            <p:nvPr/>
+          </p:nvSpPr>
+          <p:spPr>
+            <a:xfrm>
+              <a:off x="1342413" y="1724546"/>
+              <a:ext cx="1352145" cy="338554"/>
+            </a:xfrm>
+            <a:prstGeom prst="rect">
+              <a:avLst/>
+            </a:prstGeom>
+            <a:noFill/>
+            <a:ln w="28575">
+              <a:noFill/>
+            </a:ln>
+          </p:spPr>
+          <p:txBody>
+            <a:bodyPr wrap="square" rtlCol="0">
+              <a:spAutoFit/>
+            </a:bodyPr>
+            <a:lstStyle/>
+            <a:p>
+              <a:r>
+                <a:rPr lang="en-US" sz="1600" dirty="0"/>
+                <a:t>veth0: 2.2.2.2</a:t>
+              </a:r>
+            </a:p>
+          </p:txBody>
+        </p:sp>
+      </p:grpSp>
     </p:spTree>
     <p:extLst>
       <p:ext uri="{BB962C8B-B14F-4D97-AF65-F5344CB8AC3E}">
-        <p14:creationId xmlns:p14="http://schemas.microsoft.com/office/powerpoint/2010/main" val="1164031415"/>
+        <p14:creationId xmlns:p14="http://schemas.microsoft.com/office/powerpoint/2010/main" val="2495499074"/>
       </p:ext>
     </p:extLst>
   </p:cSld>
@@ -6459,21 +6658,246 @@
           <a:chExt cx="0" cy="0"/>
         </a:xfrm>
       </p:grpSpPr>
-      <p:sp>
-        <p:nvSpPr>
-          <p:cNvPr id="55" name="TextBox 54"/>
-          <p:cNvSpPr txBox="1"/>
-          <p:nvPr/>
-        </p:nvSpPr>
-        <p:spPr>
-          <a:xfrm>
-            <a:off x="1947340" y="3061433"/>
-            <a:ext cx="2319864" cy="400110"/>
+      <p:cxnSp>
+        <p:nvCxnSpPr>
+          <p:cNvPr id="13" name="Elbow Connector 12"/>
+          <p:cNvCxnSpPr/>
+          <p:nvPr/>
+        </p:nvCxnSpPr>
+        <p:spPr>
+          <a:xfrm rot="16200000" flipH="1">
+            <a:off x="2633741" y="3610815"/>
+            <a:ext cx="582379" cy="371102"/>
+          </a:xfrm>
+          <a:prstGeom prst="bentConnector2">
+            <a:avLst/>
+          </a:prstGeom>
+          <a:ln w="28575">
+            <a:solidFill>
+              <a:schemeClr val="tx1"/>
+            </a:solidFill>
+          </a:ln>
+        </p:spPr>
+        <p:style>
+          <a:lnRef idx="1">
+            <a:schemeClr val="accent1"/>
+          </a:lnRef>
+          <a:fillRef idx="0">
+            <a:schemeClr val="accent1"/>
+          </a:fillRef>
+          <a:effectRef idx="0">
+            <a:schemeClr val="accent1"/>
+          </a:effectRef>
+          <a:fontRef idx="minor">
+            <a:schemeClr val="tx1"/>
+          </a:fontRef>
+        </p:style>
+      </p:cxnSp>
+      <p:sp>
+        <p:nvSpPr>
+          <p:cNvPr id="16" name="Rectangle 15"/>
+          <p:cNvSpPr/>
+          <p:nvPr/>
+        </p:nvSpPr>
+        <p:spPr>
+          <a:xfrm>
+            <a:off x="4458410" y="910753"/>
+            <a:ext cx="2697100" cy="2715907"/>
           </a:xfrm>
           <a:prstGeom prst="rect">
             <a:avLst/>
           </a:prstGeom>
           <a:noFill/>
+          <a:ln w="28575">
+            <a:solidFill>
+              <a:schemeClr val="bg1">
+                <a:lumMod val="50000"/>
+              </a:schemeClr>
+            </a:solidFill>
+            <a:prstDash val="dash"/>
+          </a:ln>
+        </p:spPr>
+        <p:style>
+          <a:lnRef idx="2">
+            <a:schemeClr val="accent1">
+              <a:shade val="50000"/>
+            </a:schemeClr>
+          </a:lnRef>
+          <a:fillRef idx="1">
+            <a:schemeClr val="accent1"/>
+          </a:fillRef>
+          <a:effectRef idx="0">
+            <a:schemeClr val="accent1"/>
+          </a:effectRef>
+          <a:fontRef idx="minor">
+            <a:schemeClr val="lt1"/>
+          </a:fontRef>
+        </p:style>
+        <p:txBody>
+          <a:bodyPr rtlCol="0" anchor="ctr"/>
+          <a:lstStyle/>
+          <a:p>
+            <a:pPr algn="ctr"/>
+            <a:endParaRPr lang="en-US"/>
+          </a:p>
+        </p:txBody>
+      </p:sp>
+      <p:sp>
+        <p:nvSpPr>
+          <p:cNvPr id="20" name="Rectangle 19"/>
+          <p:cNvSpPr/>
+          <p:nvPr/>
+        </p:nvSpPr>
+        <p:spPr>
+          <a:xfrm>
+            <a:off x="4641272" y="1069268"/>
+            <a:ext cx="2378460" cy="1443432"/>
+          </a:xfrm>
+          <a:prstGeom prst="rect">
+            <a:avLst/>
+          </a:prstGeom>
+          <a:solidFill>
+            <a:schemeClr val="tx1">
+              <a:lumMod val="65000"/>
+              <a:lumOff val="35000"/>
+            </a:schemeClr>
+          </a:solidFill>
+          <a:ln w="28575">
+            <a:solidFill>
+              <a:schemeClr val="tx1">
+                <a:lumMod val="75000"/>
+                <a:lumOff val="25000"/>
+              </a:schemeClr>
+            </a:solidFill>
+          </a:ln>
+        </p:spPr>
+        <p:style>
+          <a:lnRef idx="2">
+            <a:schemeClr val="accent1">
+              <a:shade val="50000"/>
+            </a:schemeClr>
+          </a:lnRef>
+          <a:fillRef idx="1">
+            <a:schemeClr val="accent1"/>
+          </a:fillRef>
+          <a:effectRef idx="0">
+            <a:schemeClr val="accent1"/>
+          </a:effectRef>
+          <a:fontRef idx="minor">
+            <a:schemeClr val="lt1"/>
+          </a:fontRef>
+        </p:style>
+        <p:txBody>
+          <a:bodyPr rtlCol="0" anchor="ctr"/>
+          <a:lstStyle/>
+          <a:p>
+            <a:pPr algn="ctr"/>
+            <a:r>
+              <a:rPr lang="en-US" sz="2400" dirty="0">
+                <a:solidFill>
+                  <a:schemeClr val="bg1"/>
+                </a:solidFill>
+              </a:rPr>
+              <a:t>Container </a:t>
+            </a:r>
+            <a:r>
+              <a:rPr lang="en-US" sz="2400" i="1" dirty="0">
+                <a:solidFill>
+                  <a:schemeClr val="bg1"/>
+                </a:solidFill>
+              </a:rPr>
+              <a:t>3</a:t>
+            </a:r>
+          </a:p>
+          <a:p>
+            <a:pPr algn="ctr"/>
+            <a:endParaRPr lang="en-US" sz="1000" i="1" dirty="0">
+              <a:solidFill>
+                <a:schemeClr val="bg1"/>
+              </a:solidFill>
+            </a:endParaRPr>
+          </a:p>
+          <a:p>
+            <a:pPr algn="ctr"/>
+            <a:endParaRPr lang="en-US" i="1" dirty="0">
+              <a:solidFill>
+                <a:schemeClr val="bg1"/>
+              </a:solidFill>
+            </a:endParaRPr>
+          </a:p>
+          <a:p>
+            <a:pPr algn="ctr"/>
+            <a:endParaRPr lang="en-US" i="1" dirty="0">
+              <a:solidFill>
+                <a:schemeClr val="bg1"/>
+              </a:solidFill>
+            </a:endParaRPr>
+          </a:p>
+          <a:p>
+            <a:pPr algn="ctr"/>
+            <a:endParaRPr lang="en-US" i="1" dirty="0">
+              <a:solidFill>
+                <a:schemeClr val="bg1"/>
+              </a:solidFill>
+            </a:endParaRPr>
+          </a:p>
+        </p:txBody>
+      </p:sp>
+      <p:cxnSp>
+        <p:nvCxnSpPr>
+          <p:cNvPr id="23" name="Straight Connector 22"/>
+          <p:cNvCxnSpPr>
+            <a:stCxn id="20" idx="2"/>
+            <a:endCxn id="41" idx="0"/>
+          </p:cNvCxnSpPr>
+          <p:nvPr/>
+        </p:nvCxnSpPr>
+        <p:spPr>
+          <a:xfrm flipH="1">
+            <a:off x="5828901" y="2512700"/>
+            <a:ext cx="1601" cy="556661"/>
+          </a:xfrm>
+          <a:prstGeom prst="line">
+            <a:avLst/>
+          </a:prstGeom>
+          <a:ln w="28575">
+            <a:solidFill>
+              <a:schemeClr val="tx1"/>
+            </a:solidFill>
+            <a:headEnd type="arrow" w="med" len="med"/>
+            <a:tailEnd type="none" w="med" len="med"/>
+          </a:ln>
+        </p:spPr>
+        <p:style>
+          <a:lnRef idx="1">
+            <a:schemeClr val="accent1"/>
+          </a:lnRef>
+          <a:fillRef idx="0">
+            <a:schemeClr val="accent1"/>
+          </a:fillRef>
+          <a:effectRef idx="0">
+            <a:schemeClr val="accent1"/>
+          </a:effectRef>
+          <a:fontRef idx="minor">
+            <a:schemeClr val="tx1"/>
+          </a:fontRef>
+        </p:style>
+      </p:cxnSp>
+      <p:sp>
+        <p:nvSpPr>
+          <p:cNvPr id="24" name="TextBox 23"/>
+          <p:cNvSpPr txBox="1"/>
+          <p:nvPr/>
+        </p:nvSpPr>
+        <p:spPr>
+          <a:xfrm>
+            <a:off x="4464210" y="444837"/>
+            <a:ext cx="1352145" cy="461665"/>
+          </a:xfrm>
+          <a:prstGeom prst="rect">
+            <a:avLst/>
+          </a:prstGeom>
+          <a:noFill/>
         </p:spPr>
         <p:txBody>
           <a:bodyPr wrap="square" rtlCol="0">
@@ -6481,20 +6905,2723 @@
           </a:bodyPr>
           <a:lstStyle/>
           <a:p>
+            <a:r>
+              <a:rPr lang="en-US" sz="2400" dirty="0"/>
+              <a:t>Host </a:t>
+            </a:r>
+            <a:r>
+              <a:rPr lang="en-US" sz="2400" i="1" dirty="0"/>
+              <a:t>2</a:t>
+            </a:r>
+          </a:p>
+        </p:txBody>
+      </p:sp>
+      <p:cxnSp>
+        <p:nvCxnSpPr>
+          <p:cNvPr id="25" name="Elbow Connector 24"/>
+          <p:cNvCxnSpPr/>
+          <p:nvPr/>
+        </p:nvCxnSpPr>
+        <p:spPr>
+          <a:xfrm rot="5400000">
+            <a:off x="5045648" y="3317180"/>
+            <a:ext cx="1007262" cy="627115"/>
+          </a:xfrm>
+          <a:prstGeom prst="bentConnector2">
+            <a:avLst/>
+          </a:prstGeom>
+          <a:ln w="28575">
+            <a:solidFill>
+              <a:schemeClr val="tx1"/>
+            </a:solidFill>
+          </a:ln>
+        </p:spPr>
+        <p:style>
+          <a:lnRef idx="1">
+            <a:schemeClr val="accent1"/>
+          </a:lnRef>
+          <a:fillRef idx="0">
+            <a:schemeClr val="accent1"/>
+          </a:fillRef>
+          <a:effectRef idx="0">
+            <a:schemeClr val="accent1"/>
+          </a:effectRef>
+          <a:fontRef idx="minor">
+            <a:schemeClr val="tx1"/>
+          </a:fontRef>
+        </p:style>
+      </p:cxnSp>
+      <p:grpSp>
+        <p:nvGrpSpPr>
+          <p:cNvPr id="26" name="Group 25"/>
+          <p:cNvGrpSpPr/>
+          <p:nvPr/>
+        </p:nvGrpSpPr>
+        <p:grpSpPr>
+          <a:xfrm>
+            <a:off x="3011680" y="3728847"/>
+            <a:ext cx="2544699" cy="873804"/>
+            <a:chOff x="3284927" y="4669757"/>
+            <a:chExt cx="3386995" cy="1202692"/>
+          </a:xfrm>
+        </p:grpSpPr>
+        <p:grpSp>
+          <p:nvGrpSpPr>
+            <p:cNvPr id="27" name="Group 26"/>
+            <p:cNvGrpSpPr/>
+            <p:nvPr/>
+          </p:nvGrpSpPr>
+          <p:grpSpPr>
+            <a:xfrm>
+              <a:off x="3284927" y="4669757"/>
+              <a:ext cx="3386995" cy="1202692"/>
+              <a:chOff x="3312348" y="4621194"/>
+              <a:chExt cx="3725694" cy="1322961"/>
+            </a:xfrm>
+          </p:grpSpPr>
+          <p:sp>
+            <p:nvSpPr>
+              <p:cNvPr id="29" name="Cloud 28"/>
+              <p:cNvSpPr/>
+              <p:nvPr/>
+            </p:nvSpPr>
+            <p:spPr>
+              <a:xfrm rot="212724">
+                <a:off x="3312348" y="4621194"/>
+                <a:ext cx="3725694" cy="1322961"/>
+              </a:xfrm>
+              <a:prstGeom prst="cloud">
+                <a:avLst/>
+              </a:prstGeom>
+              <a:solidFill>
+                <a:schemeClr val="accent3">
+                  <a:lumMod val="20000"/>
+                  <a:lumOff val="80000"/>
+                </a:schemeClr>
+              </a:solidFill>
+              <a:ln w="28575">
+                <a:solidFill>
+                  <a:schemeClr val="accent3">
+                    <a:lumMod val="75000"/>
+                  </a:schemeClr>
+                </a:solidFill>
+              </a:ln>
+            </p:spPr>
+            <p:style>
+              <a:lnRef idx="2">
+                <a:schemeClr val="accent1">
+                  <a:shade val="50000"/>
+                </a:schemeClr>
+              </a:lnRef>
+              <a:fillRef idx="1">
+                <a:schemeClr val="accent1"/>
+              </a:fillRef>
+              <a:effectRef idx="0">
+                <a:schemeClr val="accent1"/>
+              </a:effectRef>
+              <a:fontRef idx="minor">
+                <a:schemeClr val="lt1"/>
+              </a:fontRef>
+            </p:style>
+            <p:txBody>
+              <a:bodyPr rtlCol="0" anchor="ctr"/>
+              <a:lstStyle/>
+              <a:p>
+                <a:pPr algn="ctr"/>
+                <a:endParaRPr lang="en-US" dirty="0"/>
+              </a:p>
+            </p:txBody>
+          </p:sp>
+          <p:sp>
+            <p:nvSpPr>
+              <p:cNvPr id="30" name="Oval 29"/>
+              <p:cNvSpPr/>
+              <p:nvPr/>
+            </p:nvSpPr>
+            <p:spPr>
+              <a:xfrm>
+                <a:off x="3497580" y="5188263"/>
+                <a:ext cx="365760" cy="216857"/>
+              </a:xfrm>
+              <a:prstGeom prst="ellipse">
+                <a:avLst/>
+              </a:prstGeom>
+              <a:solidFill>
+                <a:schemeClr val="accent3">
+                  <a:lumMod val="20000"/>
+                  <a:lumOff val="80000"/>
+                </a:schemeClr>
+              </a:solidFill>
+              <a:ln>
+                <a:noFill/>
+              </a:ln>
+            </p:spPr>
+            <p:style>
+              <a:lnRef idx="2">
+                <a:schemeClr val="accent1">
+                  <a:shade val="50000"/>
+                </a:schemeClr>
+              </a:lnRef>
+              <a:fillRef idx="1">
+                <a:schemeClr val="accent1"/>
+              </a:fillRef>
+              <a:effectRef idx="0">
+                <a:schemeClr val="accent1"/>
+              </a:effectRef>
+              <a:fontRef idx="minor">
+                <a:schemeClr val="lt1"/>
+              </a:fontRef>
+            </p:style>
+            <p:txBody>
+              <a:bodyPr rtlCol="0" anchor="ctr"/>
+              <a:lstStyle/>
+              <a:p>
+                <a:pPr algn="ctr"/>
+                <a:endParaRPr lang="en-US"/>
+              </a:p>
+            </p:txBody>
+          </p:sp>
+          <p:sp>
+            <p:nvSpPr>
+              <p:cNvPr id="31" name="Oval 30"/>
+              <p:cNvSpPr/>
+              <p:nvPr/>
+            </p:nvSpPr>
+            <p:spPr>
+              <a:xfrm>
+                <a:off x="6558280" y="5123445"/>
+                <a:ext cx="365760" cy="216857"/>
+              </a:xfrm>
+              <a:prstGeom prst="ellipse">
+                <a:avLst/>
+              </a:prstGeom>
+              <a:solidFill>
+                <a:schemeClr val="accent3">
+                  <a:lumMod val="20000"/>
+                  <a:lumOff val="80000"/>
+                </a:schemeClr>
+              </a:solidFill>
+              <a:ln>
+                <a:noFill/>
+              </a:ln>
+            </p:spPr>
+            <p:style>
+              <a:lnRef idx="2">
+                <a:schemeClr val="accent1">
+                  <a:shade val="50000"/>
+                </a:schemeClr>
+              </a:lnRef>
+              <a:fillRef idx="1">
+                <a:schemeClr val="accent1"/>
+              </a:fillRef>
+              <a:effectRef idx="0">
+                <a:schemeClr val="accent1"/>
+              </a:effectRef>
+              <a:fontRef idx="minor">
+                <a:schemeClr val="lt1"/>
+              </a:fontRef>
+            </p:style>
+            <p:txBody>
+              <a:bodyPr rtlCol="0" anchor="ctr"/>
+              <a:lstStyle/>
+              <a:p>
+                <a:pPr algn="ctr"/>
+                <a:endParaRPr lang="en-US"/>
+              </a:p>
+            </p:txBody>
+          </p:sp>
+          <p:sp>
+            <p:nvSpPr>
+              <p:cNvPr id="32" name="Oval 31"/>
+              <p:cNvSpPr/>
+              <p:nvPr/>
+            </p:nvSpPr>
+            <p:spPr>
+              <a:xfrm>
+                <a:off x="6197600" y="5283200"/>
+                <a:ext cx="425237" cy="361073"/>
+              </a:xfrm>
+              <a:prstGeom prst="ellipse">
+                <a:avLst/>
+              </a:prstGeom>
+              <a:solidFill>
+                <a:schemeClr val="accent3">
+                  <a:lumMod val="20000"/>
+                  <a:lumOff val="80000"/>
+                </a:schemeClr>
+              </a:solidFill>
+              <a:ln>
+                <a:noFill/>
+              </a:ln>
+            </p:spPr>
+            <p:style>
+              <a:lnRef idx="2">
+                <a:schemeClr val="accent1">
+                  <a:shade val="50000"/>
+                </a:schemeClr>
+              </a:lnRef>
+              <a:fillRef idx="1">
+                <a:schemeClr val="accent1"/>
+              </a:fillRef>
+              <a:effectRef idx="0">
+                <a:schemeClr val="accent1"/>
+              </a:effectRef>
+              <a:fontRef idx="minor">
+                <a:schemeClr val="lt1"/>
+              </a:fontRef>
+            </p:style>
+            <p:txBody>
+              <a:bodyPr rtlCol="0" anchor="ctr"/>
+              <a:lstStyle/>
+              <a:p>
+                <a:pPr algn="ctr"/>
+                <a:endParaRPr lang="en-US"/>
+              </a:p>
+            </p:txBody>
+          </p:sp>
+          <p:sp>
+            <p:nvSpPr>
+              <p:cNvPr id="33" name="Oval 32"/>
+              <p:cNvSpPr/>
+              <p:nvPr/>
+            </p:nvSpPr>
+            <p:spPr>
+              <a:xfrm>
+                <a:off x="5532435" y="5415280"/>
+                <a:ext cx="425237" cy="361073"/>
+              </a:xfrm>
+              <a:prstGeom prst="ellipse">
+                <a:avLst/>
+              </a:prstGeom>
+              <a:solidFill>
+                <a:schemeClr val="accent3">
+                  <a:lumMod val="20000"/>
+                  <a:lumOff val="80000"/>
+                </a:schemeClr>
+              </a:solidFill>
+              <a:ln>
+                <a:noFill/>
+              </a:ln>
+            </p:spPr>
+            <p:style>
+              <a:lnRef idx="2">
+                <a:schemeClr val="accent1">
+                  <a:shade val="50000"/>
+                </a:schemeClr>
+              </a:lnRef>
+              <a:fillRef idx="1">
+                <a:schemeClr val="accent1"/>
+              </a:fillRef>
+              <a:effectRef idx="0">
+                <a:schemeClr val="accent1"/>
+              </a:effectRef>
+              <a:fontRef idx="minor">
+                <a:schemeClr val="lt1"/>
+              </a:fontRef>
+            </p:style>
+            <p:txBody>
+              <a:bodyPr rtlCol="0" anchor="ctr"/>
+              <a:lstStyle/>
+              <a:p>
+                <a:pPr algn="ctr"/>
+                <a:endParaRPr lang="en-US"/>
+              </a:p>
+            </p:txBody>
+          </p:sp>
+          <p:sp>
+            <p:nvSpPr>
+              <p:cNvPr id="34" name="Oval 33"/>
+              <p:cNvSpPr/>
+              <p:nvPr/>
+            </p:nvSpPr>
+            <p:spPr>
+              <a:xfrm>
+                <a:off x="4523685" y="5431824"/>
+                <a:ext cx="425237" cy="361073"/>
+              </a:xfrm>
+              <a:prstGeom prst="ellipse">
+                <a:avLst/>
+              </a:prstGeom>
+              <a:solidFill>
+                <a:schemeClr val="accent3">
+                  <a:lumMod val="20000"/>
+                  <a:lumOff val="80000"/>
+                </a:schemeClr>
+              </a:solidFill>
+              <a:ln>
+                <a:noFill/>
+              </a:ln>
+            </p:spPr>
+            <p:style>
+              <a:lnRef idx="2">
+                <a:schemeClr val="accent1">
+                  <a:shade val="50000"/>
+                </a:schemeClr>
+              </a:lnRef>
+              <a:fillRef idx="1">
+                <a:schemeClr val="accent1"/>
+              </a:fillRef>
+              <a:effectRef idx="0">
+                <a:schemeClr val="accent1"/>
+              </a:effectRef>
+              <a:fontRef idx="minor">
+                <a:schemeClr val="lt1"/>
+              </a:fontRef>
+            </p:style>
+            <p:txBody>
+              <a:bodyPr rtlCol="0" anchor="ctr"/>
+              <a:lstStyle/>
+              <a:p>
+                <a:pPr algn="ctr"/>
+                <a:endParaRPr lang="en-US"/>
+              </a:p>
+            </p:txBody>
+          </p:sp>
+          <p:sp>
+            <p:nvSpPr>
+              <p:cNvPr id="35" name="Oval 34"/>
+              <p:cNvSpPr/>
+              <p:nvPr/>
+            </p:nvSpPr>
+            <p:spPr>
+              <a:xfrm>
+                <a:off x="3725596" y="5302139"/>
+                <a:ext cx="425237" cy="361073"/>
+              </a:xfrm>
+              <a:prstGeom prst="ellipse">
+                <a:avLst/>
+              </a:prstGeom>
+              <a:solidFill>
+                <a:schemeClr val="accent3">
+                  <a:lumMod val="20000"/>
+                  <a:lumOff val="80000"/>
+                </a:schemeClr>
+              </a:solidFill>
+              <a:ln>
+                <a:noFill/>
+              </a:ln>
+            </p:spPr>
+            <p:style>
+              <a:lnRef idx="2">
+                <a:schemeClr val="accent1">
+                  <a:shade val="50000"/>
+                </a:schemeClr>
+              </a:lnRef>
+              <a:fillRef idx="1">
+                <a:schemeClr val="accent1"/>
+              </a:fillRef>
+              <a:effectRef idx="0">
+                <a:schemeClr val="accent1"/>
+              </a:effectRef>
+              <a:fontRef idx="minor">
+                <a:schemeClr val="lt1"/>
+              </a:fontRef>
+            </p:style>
+            <p:txBody>
+              <a:bodyPr rtlCol="0" anchor="ctr"/>
+              <a:lstStyle/>
+              <a:p>
+                <a:pPr algn="ctr"/>
+                <a:endParaRPr lang="en-US"/>
+              </a:p>
+            </p:txBody>
+          </p:sp>
+          <p:sp>
+            <p:nvSpPr>
+              <p:cNvPr id="36" name="Oval 35"/>
+              <p:cNvSpPr/>
+              <p:nvPr/>
+            </p:nvSpPr>
+            <p:spPr>
+              <a:xfrm>
+                <a:off x="3580514" y="4943169"/>
+                <a:ext cx="425237" cy="361073"/>
+              </a:xfrm>
+              <a:prstGeom prst="ellipse">
+                <a:avLst/>
+              </a:prstGeom>
+              <a:solidFill>
+                <a:schemeClr val="accent3">
+                  <a:lumMod val="20000"/>
+                  <a:lumOff val="80000"/>
+                </a:schemeClr>
+              </a:solidFill>
+              <a:ln>
+                <a:noFill/>
+              </a:ln>
+            </p:spPr>
+            <p:style>
+              <a:lnRef idx="2">
+                <a:schemeClr val="accent1">
+                  <a:shade val="50000"/>
+                </a:schemeClr>
+              </a:lnRef>
+              <a:fillRef idx="1">
+                <a:schemeClr val="accent1"/>
+              </a:fillRef>
+              <a:effectRef idx="0">
+                <a:schemeClr val="accent1"/>
+              </a:effectRef>
+              <a:fontRef idx="minor">
+                <a:schemeClr val="lt1"/>
+              </a:fontRef>
+            </p:style>
+            <p:txBody>
+              <a:bodyPr rtlCol="0" anchor="ctr"/>
+              <a:lstStyle/>
+              <a:p>
+                <a:pPr algn="ctr"/>
+                <a:endParaRPr lang="en-US"/>
+              </a:p>
+            </p:txBody>
+          </p:sp>
+          <p:sp>
+            <p:nvSpPr>
+              <p:cNvPr id="37" name="Oval 36"/>
+              <p:cNvSpPr/>
+              <p:nvPr/>
+            </p:nvSpPr>
+            <p:spPr>
+              <a:xfrm>
+                <a:off x="4469071" y="4714569"/>
+                <a:ext cx="425237" cy="361073"/>
+              </a:xfrm>
+              <a:prstGeom prst="ellipse">
+                <a:avLst/>
+              </a:prstGeom>
+              <a:solidFill>
+                <a:schemeClr val="accent3">
+                  <a:lumMod val="20000"/>
+                  <a:lumOff val="80000"/>
+                </a:schemeClr>
+              </a:solidFill>
+              <a:ln>
+                <a:noFill/>
+              </a:ln>
+            </p:spPr>
+            <p:style>
+              <a:lnRef idx="2">
+                <a:schemeClr val="accent1">
+                  <a:shade val="50000"/>
+                </a:schemeClr>
+              </a:lnRef>
+              <a:fillRef idx="1">
+                <a:schemeClr val="accent1"/>
+              </a:fillRef>
+              <a:effectRef idx="0">
+                <a:schemeClr val="accent1"/>
+              </a:effectRef>
+              <a:fontRef idx="minor">
+                <a:schemeClr val="lt1"/>
+              </a:fontRef>
+            </p:style>
+            <p:txBody>
+              <a:bodyPr rtlCol="0" anchor="ctr"/>
+              <a:lstStyle/>
+              <a:p>
+                <a:pPr algn="ctr"/>
+                <a:endParaRPr lang="en-US"/>
+              </a:p>
+            </p:txBody>
+          </p:sp>
+          <p:sp>
+            <p:nvSpPr>
+              <p:cNvPr id="38" name="Oval 37"/>
+              <p:cNvSpPr/>
+              <p:nvPr/>
+            </p:nvSpPr>
+            <p:spPr>
+              <a:xfrm>
+                <a:off x="4962576" y="4717917"/>
+                <a:ext cx="425237" cy="361073"/>
+              </a:xfrm>
+              <a:prstGeom prst="ellipse">
+                <a:avLst/>
+              </a:prstGeom>
+              <a:solidFill>
+                <a:schemeClr val="accent3">
+                  <a:lumMod val="20000"/>
+                  <a:lumOff val="80000"/>
+                </a:schemeClr>
+              </a:solidFill>
+              <a:ln>
+                <a:noFill/>
+              </a:ln>
+            </p:spPr>
+            <p:style>
+              <a:lnRef idx="2">
+                <a:schemeClr val="accent1">
+                  <a:shade val="50000"/>
+                </a:schemeClr>
+              </a:lnRef>
+              <a:fillRef idx="1">
+                <a:schemeClr val="accent1"/>
+              </a:fillRef>
+              <a:effectRef idx="0">
+                <a:schemeClr val="accent1"/>
+              </a:effectRef>
+              <a:fontRef idx="minor">
+                <a:schemeClr val="lt1"/>
+              </a:fontRef>
+            </p:style>
+            <p:txBody>
+              <a:bodyPr rtlCol="0" anchor="ctr"/>
+              <a:lstStyle/>
+              <a:p>
+                <a:pPr algn="ctr"/>
+                <a:endParaRPr lang="en-US"/>
+              </a:p>
+            </p:txBody>
+          </p:sp>
+          <p:sp>
+            <p:nvSpPr>
+              <p:cNvPr id="39" name="Oval 38"/>
+              <p:cNvSpPr/>
+              <p:nvPr/>
+            </p:nvSpPr>
+            <p:spPr>
+              <a:xfrm>
+                <a:off x="5578658" y="4714569"/>
+                <a:ext cx="425237" cy="361073"/>
+              </a:xfrm>
+              <a:prstGeom prst="ellipse">
+                <a:avLst/>
+              </a:prstGeom>
+              <a:solidFill>
+                <a:schemeClr val="accent3">
+                  <a:lumMod val="20000"/>
+                  <a:lumOff val="80000"/>
+                </a:schemeClr>
+              </a:solidFill>
+              <a:ln>
+                <a:noFill/>
+              </a:ln>
+            </p:spPr>
+            <p:style>
+              <a:lnRef idx="2">
+                <a:schemeClr val="accent1">
+                  <a:shade val="50000"/>
+                </a:schemeClr>
+              </a:lnRef>
+              <a:fillRef idx="1">
+                <a:schemeClr val="accent1"/>
+              </a:fillRef>
+              <a:effectRef idx="0">
+                <a:schemeClr val="accent1"/>
+              </a:effectRef>
+              <a:fontRef idx="minor">
+                <a:schemeClr val="lt1"/>
+              </a:fontRef>
+            </p:style>
+            <p:txBody>
+              <a:bodyPr rtlCol="0" anchor="ctr"/>
+              <a:lstStyle/>
+              <a:p>
+                <a:pPr algn="ctr"/>
+                <a:endParaRPr lang="en-US"/>
+              </a:p>
+            </p:txBody>
+          </p:sp>
+          <p:sp>
+            <p:nvSpPr>
+              <p:cNvPr id="40" name="Oval 39"/>
+              <p:cNvSpPr/>
+              <p:nvPr/>
+            </p:nvSpPr>
+            <p:spPr>
+              <a:xfrm>
+                <a:off x="6381426" y="4885274"/>
+                <a:ext cx="425237" cy="361073"/>
+              </a:xfrm>
+              <a:prstGeom prst="ellipse">
+                <a:avLst/>
+              </a:prstGeom>
+              <a:solidFill>
+                <a:schemeClr val="accent3">
+                  <a:lumMod val="20000"/>
+                  <a:lumOff val="80000"/>
+                </a:schemeClr>
+              </a:solidFill>
+              <a:ln>
+                <a:noFill/>
+              </a:ln>
+            </p:spPr>
+            <p:style>
+              <a:lnRef idx="2">
+                <a:schemeClr val="accent1">
+                  <a:shade val="50000"/>
+                </a:schemeClr>
+              </a:lnRef>
+              <a:fillRef idx="1">
+                <a:schemeClr val="accent1"/>
+              </a:fillRef>
+              <a:effectRef idx="0">
+                <a:schemeClr val="accent1"/>
+              </a:effectRef>
+              <a:fontRef idx="minor">
+                <a:schemeClr val="lt1"/>
+              </a:fontRef>
+            </p:style>
+            <p:txBody>
+              <a:bodyPr rtlCol="0" anchor="ctr"/>
+              <a:lstStyle/>
+              <a:p>
+                <a:pPr algn="ctr"/>
+                <a:endParaRPr lang="en-US"/>
+              </a:p>
+            </p:txBody>
+          </p:sp>
+        </p:grpSp>
+        <p:sp>
+          <p:nvSpPr>
+            <p:cNvPr id="28" name="TextBox 27"/>
+            <p:cNvSpPr txBox="1"/>
+            <p:nvPr/>
+          </p:nvSpPr>
+          <p:spPr>
+            <a:xfrm>
+              <a:off x="3998283" y="4992913"/>
+              <a:ext cx="1979677" cy="461665"/>
+            </a:xfrm>
+            <a:prstGeom prst="rect">
+              <a:avLst/>
+            </a:prstGeom>
+            <a:noFill/>
+          </p:spPr>
+          <p:txBody>
+            <a:bodyPr wrap="square" rtlCol="0">
+              <a:spAutoFit/>
+            </a:bodyPr>
+            <a:lstStyle/>
+            <a:p>
+              <a:pPr algn="ctr"/>
+              <a:r>
+                <a:rPr lang="en-US" sz="2400" dirty="0"/>
+                <a:t>Network</a:t>
+              </a:r>
+            </a:p>
+          </p:txBody>
+        </p:sp>
+      </p:grpSp>
+      <p:sp>
+        <p:nvSpPr>
+          <p:cNvPr id="41" name="Rectangle 40"/>
+          <p:cNvSpPr/>
+          <p:nvPr/>
+        </p:nvSpPr>
+        <p:spPr>
+          <a:xfrm>
+            <a:off x="5157612" y="3069361"/>
+            <a:ext cx="1342578" cy="437744"/>
+          </a:xfrm>
+          <a:prstGeom prst="rect">
+            <a:avLst/>
+          </a:prstGeom>
+          <a:solidFill>
+            <a:schemeClr val="tx2">
+              <a:lumMod val="20000"/>
+              <a:lumOff val="80000"/>
+            </a:schemeClr>
+          </a:solidFill>
+          <a:ln w="25400">
+            <a:solidFill>
+              <a:schemeClr val="tx1">
+                <a:lumMod val="50000"/>
+                <a:lumOff val="50000"/>
+              </a:schemeClr>
+            </a:solidFill>
+          </a:ln>
+        </p:spPr>
+        <p:style>
+          <a:lnRef idx="2">
+            <a:schemeClr val="accent1">
+              <a:shade val="50000"/>
+            </a:schemeClr>
+          </a:lnRef>
+          <a:fillRef idx="1">
+            <a:schemeClr val="accent1"/>
+          </a:fillRef>
+          <a:effectRef idx="0">
+            <a:schemeClr val="accent1"/>
+          </a:effectRef>
+          <a:fontRef idx="minor">
+            <a:schemeClr val="lt1"/>
+          </a:fontRef>
+        </p:style>
+        <p:txBody>
+          <a:bodyPr rtlCol="0" anchor="ctr"/>
+          <a:lstStyle/>
+          <a:p>
             <a:pPr algn="ctr"/>
             <a:r>
-              <a:rPr lang="en-US" sz="2000" dirty="0" smtClean="0"/>
-              <a:t>Intra</a:t>
-            </a:r>
+              <a:rPr lang="en-US" sz="2000" dirty="0">
+                <a:solidFill>
+                  <a:sysClr val="windowText" lastClr="000000"/>
+                </a:solidFill>
+              </a:rPr>
+              <a:t>RDMA</a:t>
+            </a:r>
+          </a:p>
+        </p:txBody>
+      </p:sp>
+      <p:grpSp>
+        <p:nvGrpSpPr>
+          <p:cNvPr id="2" name="Group 1"/>
+          <p:cNvGrpSpPr/>
+          <p:nvPr/>
+        </p:nvGrpSpPr>
+        <p:grpSpPr>
+          <a:xfrm>
+            <a:off x="4911925" y="1534276"/>
+            <a:ext cx="2060723" cy="888635"/>
+            <a:chOff x="1668058" y="2322742"/>
+            <a:chExt cx="2060723" cy="888635"/>
+          </a:xfrm>
+        </p:grpSpPr>
+        <p:sp>
+          <p:nvSpPr>
+            <p:cNvPr id="47" name="Rectangle 46"/>
+            <p:cNvSpPr/>
+            <p:nvPr/>
+          </p:nvSpPr>
+          <p:spPr>
+            <a:xfrm>
+              <a:off x="1668058" y="2358338"/>
+              <a:ext cx="1965669" cy="853039"/>
+            </a:xfrm>
+            <a:prstGeom prst="rect">
+              <a:avLst/>
+            </a:prstGeom>
+            <a:solidFill>
+              <a:schemeClr val="bg1"/>
+            </a:solidFill>
+            <a:ln w="28575">
+              <a:solidFill>
+                <a:schemeClr val="tx1"/>
+              </a:solidFill>
+            </a:ln>
+          </p:spPr>
+          <p:style>
+            <a:lnRef idx="2">
+              <a:schemeClr val="accent1">
+                <a:shade val="50000"/>
+              </a:schemeClr>
+            </a:lnRef>
+            <a:fillRef idx="1">
+              <a:schemeClr val="accent1"/>
+            </a:fillRef>
+            <a:effectRef idx="0">
+              <a:schemeClr val="accent1"/>
+            </a:effectRef>
+            <a:fontRef idx="minor">
+              <a:schemeClr val="lt1"/>
+            </a:fontRef>
+          </p:style>
+          <p:txBody>
+            <a:bodyPr rtlCol="0" anchor="ctr"/>
+            <a:lstStyle/>
+            <a:p>
+              <a:pPr algn="ctr"/>
+              <a:endParaRPr lang="en-US" sz="2000" dirty="0">
+                <a:solidFill>
+                  <a:sysClr val="windowText" lastClr="000000"/>
+                </a:solidFill>
+              </a:endParaRPr>
+            </a:p>
+          </p:txBody>
+        </p:sp>
+        <p:sp>
+          <p:nvSpPr>
+            <p:cNvPr id="48" name="TextBox 47"/>
+            <p:cNvSpPr txBox="1"/>
+            <p:nvPr/>
+          </p:nvSpPr>
+          <p:spPr>
+            <a:xfrm>
+              <a:off x="1749104" y="2322742"/>
+              <a:ext cx="1979677" cy="400110"/>
+            </a:xfrm>
+            <a:prstGeom prst="rect">
+              <a:avLst/>
+            </a:prstGeom>
+            <a:noFill/>
+          </p:spPr>
+          <p:txBody>
+            <a:bodyPr wrap="square" rtlCol="0">
+              <a:spAutoFit/>
+            </a:bodyPr>
+            <a:lstStyle/>
+            <a:p>
+              <a:r>
+                <a:rPr lang="en-US" sz="2000" dirty="0"/>
+                <a:t>Pinned memory</a:t>
+              </a:r>
+            </a:p>
+          </p:txBody>
+        </p:sp>
+      </p:grpSp>
+      <p:sp>
+        <p:nvSpPr>
+          <p:cNvPr id="53" name="TextBox 52"/>
+          <p:cNvSpPr txBox="1"/>
+          <p:nvPr/>
+        </p:nvSpPr>
+        <p:spPr>
+          <a:xfrm>
+            <a:off x="5875095" y="2550393"/>
+            <a:ext cx="1229223" cy="400110"/>
+          </a:xfrm>
+          <a:prstGeom prst="rect">
+            <a:avLst/>
+          </a:prstGeom>
+          <a:noFill/>
+          <a:ln w="28575">
+            <a:noFill/>
+          </a:ln>
+        </p:spPr>
+        <p:txBody>
+          <a:bodyPr wrap="square" rtlCol="0">
+            <a:spAutoFit/>
+          </a:bodyPr>
+          <a:lstStyle/>
+          <a:p>
             <a:r>
               <a:rPr lang="en-US" sz="2000" dirty="0"/>
-              <a:t>-</a:t>
-            </a:r>
-            <a:r>
-              <a:rPr lang="en-US" sz="2000" dirty="0" smtClean="0"/>
-              <a:t>VM</a:t>
-            </a:r>
-            <a:endParaRPr lang="en-US" sz="2000" dirty="0"/>
+              <a:t>read</a:t>
+            </a:r>
+            <a:endParaRPr lang="en-US" dirty="0"/>
+          </a:p>
+        </p:txBody>
+      </p:sp>
+      <p:sp>
+        <p:nvSpPr>
+          <p:cNvPr id="54" name="Rectangle 53"/>
+          <p:cNvSpPr/>
+          <p:nvPr/>
+        </p:nvSpPr>
+        <p:spPr>
+          <a:xfrm>
+            <a:off x="1395653" y="925501"/>
+            <a:ext cx="2697100" cy="2715907"/>
+          </a:xfrm>
+          <a:prstGeom prst="rect">
+            <a:avLst/>
+          </a:prstGeom>
+          <a:noFill/>
+          <a:ln w="28575">
+            <a:solidFill>
+              <a:schemeClr val="bg1">
+                <a:lumMod val="50000"/>
+              </a:schemeClr>
+            </a:solidFill>
+            <a:prstDash val="dash"/>
+          </a:ln>
+        </p:spPr>
+        <p:style>
+          <a:lnRef idx="2">
+            <a:schemeClr val="accent1">
+              <a:shade val="50000"/>
+            </a:schemeClr>
+          </a:lnRef>
+          <a:fillRef idx="1">
+            <a:schemeClr val="accent1"/>
+          </a:fillRef>
+          <a:effectRef idx="0">
+            <a:schemeClr val="accent1"/>
+          </a:effectRef>
+          <a:fontRef idx="minor">
+            <a:schemeClr val="lt1"/>
+          </a:fontRef>
+        </p:style>
+        <p:txBody>
+          <a:bodyPr rtlCol="0" anchor="ctr"/>
+          <a:lstStyle/>
+          <a:p>
+            <a:pPr algn="ctr"/>
+            <a:endParaRPr lang="en-US"/>
+          </a:p>
+        </p:txBody>
+      </p:sp>
+      <p:sp>
+        <p:nvSpPr>
+          <p:cNvPr id="55" name="Rectangle 54"/>
+          <p:cNvSpPr/>
+          <p:nvPr/>
+        </p:nvSpPr>
+        <p:spPr>
+          <a:xfrm>
+            <a:off x="1578515" y="1084016"/>
+            <a:ext cx="2378460" cy="1443432"/>
+          </a:xfrm>
+          <a:prstGeom prst="rect">
+            <a:avLst/>
+          </a:prstGeom>
+          <a:solidFill>
+            <a:schemeClr val="tx1">
+              <a:lumMod val="65000"/>
+              <a:lumOff val="35000"/>
+            </a:schemeClr>
+          </a:solidFill>
+          <a:ln w="28575">
+            <a:solidFill>
+              <a:schemeClr val="tx1">
+                <a:lumMod val="75000"/>
+                <a:lumOff val="25000"/>
+              </a:schemeClr>
+            </a:solidFill>
+          </a:ln>
+        </p:spPr>
+        <p:style>
+          <a:lnRef idx="2">
+            <a:schemeClr val="accent1">
+              <a:shade val="50000"/>
+            </a:schemeClr>
+          </a:lnRef>
+          <a:fillRef idx="1">
+            <a:schemeClr val="accent1"/>
+          </a:fillRef>
+          <a:effectRef idx="0">
+            <a:schemeClr val="accent1"/>
+          </a:effectRef>
+          <a:fontRef idx="minor">
+            <a:schemeClr val="lt1"/>
+          </a:fontRef>
+        </p:style>
+        <p:txBody>
+          <a:bodyPr rtlCol="0" anchor="ctr"/>
+          <a:lstStyle/>
+          <a:p>
+            <a:pPr algn="ctr"/>
+            <a:r>
+              <a:rPr lang="en-US" sz="2400" dirty="0">
+                <a:solidFill>
+                  <a:schemeClr val="bg1"/>
+                </a:solidFill>
+              </a:rPr>
+              <a:t>Container </a:t>
+            </a:r>
+            <a:r>
+              <a:rPr lang="en-US" sz="2400" i="1" dirty="0">
+                <a:solidFill>
+                  <a:schemeClr val="bg1"/>
+                </a:solidFill>
+              </a:rPr>
+              <a:t>3</a:t>
+            </a:r>
+          </a:p>
+          <a:p>
+            <a:pPr algn="ctr"/>
+            <a:endParaRPr lang="en-US" sz="1000" i="1" dirty="0">
+              <a:solidFill>
+                <a:schemeClr val="bg1"/>
+              </a:solidFill>
+            </a:endParaRPr>
+          </a:p>
+          <a:p>
+            <a:pPr algn="ctr"/>
+            <a:endParaRPr lang="en-US" i="1" dirty="0">
+              <a:solidFill>
+                <a:schemeClr val="bg1"/>
+              </a:solidFill>
+            </a:endParaRPr>
+          </a:p>
+          <a:p>
+            <a:pPr algn="ctr"/>
+            <a:endParaRPr lang="en-US" i="1" dirty="0">
+              <a:solidFill>
+                <a:schemeClr val="bg1"/>
+              </a:solidFill>
+            </a:endParaRPr>
+          </a:p>
+          <a:p>
+            <a:pPr algn="ctr"/>
+            <a:endParaRPr lang="en-US" i="1" dirty="0">
+              <a:solidFill>
+                <a:schemeClr val="bg1"/>
+              </a:solidFill>
+            </a:endParaRPr>
+          </a:p>
+        </p:txBody>
+      </p:sp>
+      <p:cxnSp>
+        <p:nvCxnSpPr>
+          <p:cNvPr id="56" name="Straight Connector 55"/>
+          <p:cNvCxnSpPr>
+            <a:stCxn id="55" idx="2"/>
+            <a:endCxn id="58" idx="0"/>
+          </p:cNvCxnSpPr>
+          <p:nvPr/>
+        </p:nvCxnSpPr>
+        <p:spPr>
+          <a:xfrm flipH="1">
+            <a:off x="2766144" y="2527448"/>
+            <a:ext cx="1601" cy="556661"/>
+          </a:xfrm>
+          <a:prstGeom prst="line">
+            <a:avLst/>
+          </a:prstGeom>
+          <a:ln w="28575">
+            <a:solidFill>
+              <a:schemeClr val="tx1"/>
+            </a:solidFill>
+            <a:headEnd type="none" w="med" len="med"/>
+            <a:tailEnd type="arrow" w="med" len="med"/>
+          </a:ln>
+        </p:spPr>
+        <p:style>
+          <a:lnRef idx="1">
+            <a:schemeClr val="accent1"/>
+          </a:lnRef>
+          <a:fillRef idx="0">
+            <a:schemeClr val="accent1"/>
+          </a:fillRef>
+          <a:effectRef idx="0">
+            <a:schemeClr val="accent1"/>
+          </a:effectRef>
+          <a:fontRef idx="minor">
+            <a:schemeClr val="tx1"/>
+          </a:fontRef>
+        </p:style>
+      </p:cxnSp>
+      <p:sp>
+        <p:nvSpPr>
+          <p:cNvPr id="57" name="TextBox 56"/>
+          <p:cNvSpPr txBox="1"/>
+          <p:nvPr/>
+        </p:nvSpPr>
+        <p:spPr>
+          <a:xfrm>
+            <a:off x="1401453" y="459585"/>
+            <a:ext cx="1352145" cy="461665"/>
+          </a:xfrm>
+          <a:prstGeom prst="rect">
+            <a:avLst/>
+          </a:prstGeom>
+          <a:noFill/>
+        </p:spPr>
+        <p:txBody>
+          <a:bodyPr wrap="square" rtlCol="0">
+            <a:spAutoFit/>
+          </a:bodyPr>
+          <a:lstStyle/>
+          <a:p>
+            <a:r>
+              <a:rPr lang="en-US" sz="2400" dirty="0"/>
+              <a:t>Host </a:t>
+            </a:r>
+            <a:r>
+              <a:rPr lang="en-US" sz="2400" i="1" dirty="0"/>
+              <a:t>1</a:t>
+            </a:r>
+          </a:p>
+        </p:txBody>
+      </p:sp>
+      <p:sp>
+        <p:nvSpPr>
+          <p:cNvPr id="58" name="Rectangle 57"/>
+          <p:cNvSpPr/>
+          <p:nvPr/>
+        </p:nvSpPr>
+        <p:spPr>
+          <a:xfrm>
+            <a:off x="2094855" y="3084109"/>
+            <a:ext cx="1342578" cy="437744"/>
+          </a:xfrm>
+          <a:prstGeom prst="rect">
+            <a:avLst/>
+          </a:prstGeom>
+          <a:solidFill>
+            <a:schemeClr val="tx2">
+              <a:lumMod val="20000"/>
+              <a:lumOff val="80000"/>
+            </a:schemeClr>
+          </a:solidFill>
+          <a:ln w="25400">
+            <a:solidFill>
+              <a:schemeClr val="tx1">
+                <a:lumMod val="50000"/>
+                <a:lumOff val="50000"/>
+              </a:schemeClr>
+            </a:solidFill>
+          </a:ln>
+        </p:spPr>
+        <p:style>
+          <a:lnRef idx="2">
+            <a:schemeClr val="accent1">
+              <a:shade val="50000"/>
+            </a:schemeClr>
+          </a:lnRef>
+          <a:fillRef idx="1">
+            <a:schemeClr val="accent1"/>
+          </a:fillRef>
+          <a:effectRef idx="0">
+            <a:schemeClr val="accent1"/>
+          </a:effectRef>
+          <a:fontRef idx="minor">
+            <a:schemeClr val="lt1"/>
+          </a:fontRef>
+        </p:style>
+        <p:txBody>
+          <a:bodyPr rtlCol="0" anchor="ctr"/>
+          <a:lstStyle/>
+          <a:p>
+            <a:pPr algn="ctr"/>
+            <a:r>
+              <a:rPr lang="en-US" sz="2000" dirty="0">
+                <a:solidFill>
+                  <a:sysClr val="windowText" lastClr="000000"/>
+                </a:solidFill>
+              </a:rPr>
+              <a:t>RDMA</a:t>
+            </a:r>
+          </a:p>
+        </p:txBody>
+      </p:sp>
+      <p:grpSp>
+        <p:nvGrpSpPr>
+          <p:cNvPr id="59" name="Group 58"/>
+          <p:cNvGrpSpPr/>
+          <p:nvPr/>
+        </p:nvGrpSpPr>
+        <p:grpSpPr>
+          <a:xfrm>
+            <a:off x="1849168" y="1549024"/>
+            <a:ext cx="2060723" cy="888635"/>
+            <a:chOff x="1668058" y="2322742"/>
+            <a:chExt cx="2060723" cy="888635"/>
+          </a:xfrm>
+        </p:grpSpPr>
+        <p:sp>
+          <p:nvSpPr>
+            <p:cNvPr id="60" name="Rectangle 59"/>
+            <p:cNvSpPr/>
+            <p:nvPr/>
+          </p:nvSpPr>
+          <p:spPr>
+            <a:xfrm>
+              <a:off x="1668058" y="2358338"/>
+              <a:ext cx="1965669" cy="853039"/>
+            </a:xfrm>
+            <a:prstGeom prst="rect">
+              <a:avLst/>
+            </a:prstGeom>
+            <a:solidFill>
+              <a:schemeClr val="bg1"/>
+            </a:solidFill>
+            <a:ln w="28575">
+              <a:solidFill>
+                <a:schemeClr val="tx1"/>
+              </a:solidFill>
+            </a:ln>
+          </p:spPr>
+          <p:style>
+            <a:lnRef idx="2">
+              <a:schemeClr val="accent1">
+                <a:shade val="50000"/>
+              </a:schemeClr>
+            </a:lnRef>
+            <a:fillRef idx="1">
+              <a:schemeClr val="accent1"/>
+            </a:fillRef>
+            <a:effectRef idx="0">
+              <a:schemeClr val="accent1"/>
+            </a:effectRef>
+            <a:fontRef idx="minor">
+              <a:schemeClr val="lt1"/>
+            </a:fontRef>
+          </p:style>
+          <p:txBody>
+            <a:bodyPr rtlCol="0" anchor="ctr"/>
+            <a:lstStyle/>
+            <a:p>
+              <a:pPr algn="ctr"/>
+              <a:endParaRPr lang="en-US" sz="2000" dirty="0">
+                <a:solidFill>
+                  <a:sysClr val="windowText" lastClr="000000"/>
+                </a:solidFill>
+              </a:endParaRPr>
+            </a:p>
+          </p:txBody>
+        </p:sp>
+        <p:sp>
+          <p:nvSpPr>
+            <p:cNvPr id="61" name="TextBox 60"/>
+            <p:cNvSpPr txBox="1"/>
+            <p:nvPr/>
+          </p:nvSpPr>
+          <p:spPr>
+            <a:xfrm>
+              <a:off x="1749104" y="2322742"/>
+              <a:ext cx="1979677" cy="400110"/>
+            </a:xfrm>
+            <a:prstGeom prst="rect">
+              <a:avLst/>
+            </a:prstGeom>
+            <a:noFill/>
+          </p:spPr>
+          <p:txBody>
+            <a:bodyPr wrap="square" rtlCol="0">
+              <a:spAutoFit/>
+            </a:bodyPr>
+            <a:lstStyle/>
+            <a:p>
+              <a:r>
+                <a:rPr lang="en-US" sz="2000" dirty="0"/>
+                <a:t>Pinned memory</a:t>
+              </a:r>
+            </a:p>
+          </p:txBody>
+        </p:sp>
+        <p:sp>
+          <p:nvSpPr>
+            <p:cNvPr id="62" name="Rectangle 61"/>
+            <p:cNvSpPr/>
+            <p:nvPr/>
+          </p:nvSpPr>
+          <p:spPr>
+            <a:xfrm>
+              <a:off x="1780354" y="2683972"/>
+              <a:ext cx="757851" cy="437744"/>
+            </a:xfrm>
+            <a:prstGeom prst="rect">
+              <a:avLst/>
+            </a:prstGeom>
+            <a:pattFill prst="wdDnDiag">
+              <a:fgClr>
+                <a:schemeClr val="accent1">
+                  <a:lumMod val="40000"/>
+                  <a:lumOff val="60000"/>
+                </a:schemeClr>
+              </a:fgClr>
+              <a:bgClr>
+                <a:schemeClr val="bg1"/>
+              </a:bgClr>
+            </a:pattFill>
+            <a:ln w="25400">
+              <a:solidFill>
+                <a:schemeClr val="tx1">
+                  <a:lumMod val="50000"/>
+                  <a:lumOff val="50000"/>
+                </a:schemeClr>
+              </a:solidFill>
+            </a:ln>
+          </p:spPr>
+          <p:style>
+            <a:lnRef idx="2">
+              <a:schemeClr val="accent1">
+                <a:shade val="50000"/>
+              </a:schemeClr>
+            </a:lnRef>
+            <a:fillRef idx="1">
+              <a:schemeClr val="accent1"/>
+            </a:fillRef>
+            <a:effectRef idx="0">
+              <a:schemeClr val="accent1"/>
+            </a:effectRef>
+            <a:fontRef idx="minor">
+              <a:schemeClr val="lt1"/>
+            </a:fontRef>
+          </p:style>
+          <p:txBody>
+            <a:bodyPr rtlCol="0" anchor="ctr"/>
+            <a:lstStyle/>
+            <a:p>
+              <a:pPr algn="ctr"/>
+              <a:r>
+                <a:rPr lang="en-US" sz="2000" dirty="0" err="1">
+                  <a:solidFill>
+                    <a:sysClr val="windowText" lastClr="000000"/>
+                  </a:solidFill>
+                </a:rPr>
+                <a:t>obj</a:t>
+              </a:r>
+              <a:r>
+                <a:rPr lang="en-US" sz="2000" dirty="0">
+                  <a:solidFill>
+                    <a:sysClr val="windowText" lastClr="000000"/>
+                  </a:solidFill>
+                </a:rPr>
+                <a:t> </a:t>
+              </a:r>
+              <a:r>
+                <a:rPr lang="en-US" sz="2000" i="1" dirty="0">
+                  <a:solidFill>
+                    <a:sysClr val="windowText" lastClr="000000"/>
+                  </a:solidFill>
+                </a:rPr>
+                <a:t>i</a:t>
+              </a:r>
+            </a:p>
+          </p:txBody>
+        </p:sp>
+      </p:grpSp>
+      <p:sp>
+        <p:nvSpPr>
+          <p:cNvPr id="63" name="TextBox 62"/>
+          <p:cNvSpPr txBox="1"/>
+          <p:nvPr/>
+        </p:nvSpPr>
+        <p:spPr>
+          <a:xfrm>
+            <a:off x="2812338" y="2565141"/>
+            <a:ext cx="1229223" cy="400110"/>
+          </a:xfrm>
+          <a:prstGeom prst="rect">
+            <a:avLst/>
+          </a:prstGeom>
+          <a:noFill/>
+          <a:ln w="28575">
+            <a:noFill/>
+          </a:ln>
+        </p:spPr>
+        <p:txBody>
+          <a:bodyPr wrap="square" rtlCol="0">
+            <a:spAutoFit/>
+          </a:bodyPr>
+          <a:lstStyle/>
+          <a:p>
+            <a:r>
+              <a:rPr lang="en-US" sz="2000" dirty="0"/>
+              <a:t>write</a:t>
+            </a:r>
+            <a:endParaRPr lang="en-US" dirty="0"/>
+          </a:p>
+        </p:txBody>
+      </p:sp>
+    </p:spTree>
+    <p:extLst>
+      <p:ext uri="{BB962C8B-B14F-4D97-AF65-F5344CB8AC3E}">
+        <p14:creationId xmlns:p14="http://schemas.microsoft.com/office/powerpoint/2010/main" val="3986957747"/>
+      </p:ext>
+    </p:extLst>
+  </p:cSld>
+  <p:clrMapOvr>
+    <a:masterClrMapping/>
+  </p:clrMapOvr>
+</p:sld>
+</file>
+
+<file path=ppt/slides/slide4.xml><?xml version="1.0" encoding="utf-8"?>
+<p:sld xmlns:a="http://schemas.openxmlformats.org/drawingml/2006/main" xmlns:r="http://schemas.openxmlformats.org/officeDocument/2006/relationships" xmlns:p="http://schemas.openxmlformats.org/presentationml/2006/main">
+  <p:cSld>
+    <p:spTree>
+      <p:nvGrpSpPr>
+        <p:cNvPr id="1" name=""/>
+        <p:cNvGrpSpPr/>
+        <p:nvPr/>
+      </p:nvGrpSpPr>
+      <p:grpSpPr>
+        <a:xfrm>
+          <a:off x="0" y="0"/>
+          <a:ext cx="0" cy="0"/>
+          <a:chOff x="0" y="0"/>
+          <a:chExt cx="0" cy="0"/>
+        </a:xfrm>
+      </p:grpSpPr>
+      <p:sp>
+        <p:nvSpPr>
+          <p:cNvPr id="4" name="Rectangle 3"/>
+          <p:cNvSpPr/>
+          <p:nvPr/>
+        </p:nvSpPr>
+        <p:spPr>
+          <a:xfrm>
+            <a:off x="467788" y="914209"/>
+            <a:ext cx="4856756" cy="2841713"/>
+          </a:xfrm>
+          <a:prstGeom prst="rect">
+            <a:avLst/>
+          </a:prstGeom>
+          <a:noFill/>
+          <a:ln w="28575">
+            <a:solidFill>
+              <a:schemeClr val="bg1">
+                <a:lumMod val="50000"/>
+              </a:schemeClr>
+            </a:solidFill>
+            <a:prstDash val="dash"/>
+          </a:ln>
+        </p:spPr>
+        <p:style>
+          <a:lnRef idx="2">
+            <a:schemeClr val="accent1">
+              <a:shade val="50000"/>
+            </a:schemeClr>
+          </a:lnRef>
+          <a:fillRef idx="1">
+            <a:schemeClr val="accent1"/>
+          </a:fillRef>
+          <a:effectRef idx="0">
+            <a:schemeClr val="accent1"/>
+          </a:effectRef>
+          <a:fontRef idx="minor">
+            <a:schemeClr val="lt1"/>
+          </a:fontRef>
+        </p:style>
+        <p:txBody>
+          <a:bodyPr rtlCol="0" anchor="ctr"/>
+          <a:lstStyle/>
+          <a:p>
+            <a:pPr algn="ctr"/>
+            <a:endParaRPr lang="en-US"/>
+          </a:p>
+        </p:txBody>
+      </p:sp>
+      <p:sp>
+        <p:nvSpPr>
+          <p:cNvPr id="44" name="Rectangle 43"/>
+          <p:cNvSpPr/>
+          <p:nvPr/>
+        </p:nvSpPr>
+        <p:spPr>
+          <a:xfrm>
+            <a:off x="3530636" y="1051009"/>
+            <a:ext cx="1342578" cy="673371"/>
+          </a:xfrm>
+          <a:prstGeom prst="rect">
+            <a:avLst/>
+          </a:prstGeom>
+          <a:solidFill>
+            <a:schemeClr val="tx1">
+              <a:lumMod val="65000"/>
+              <a:lumOff val="35000"/>
+            </a:schemeClr>
+          </a:solidFill>
+          <a:ln w="28575">
+            <a:solidFill>
+              <a:schemeClr val="tx1">
+                <a:lumMod val="75000"/>
+                <a:lumOff val="25000"/>
+              </a:schemeClr>
+            </a:solidFill>
+          </a:ln>
+        </p:spPr>
+        <p:style>
+          <a:lnRef idx="2">
+            <a:schemeClr val="accent1">
+              <a:shade val="50000"/>
+            </a:schemeClr>
+          </a:lnRef>
+          <a:fillRef idx="1">
+            <a:schemeClr val="accent1"/>
+          </a:fillRef>
+          <a:effectRef idx="0">
+            <a:schemeClr val="accent1"/>
+          </a:effectRef>
+          <a:fontRef idx="minor">
+            <a:schemeClr val="lt1"/>
+          </a:fontRef>
+        </p:style>
+        <p:txBody>
+          <a:bodyPr rtlCol="0" anchor="ctr"/>
+          <a:lstStyle/>
+          <a:p>
+            <a:pPr algn="ctr"/>
+            <a:r>
+              <a:rPr lang="en-US" dirty="0">
+                <a:solidFill>
+                  <a:schemeClr val="bg1"/>
+                </a:solidFill>
+              </a:rPr>
+              <a:t>Container </a:t>
+            </a:r>
+            <a:r>
+              <a:rPr lang="en-US" i="1" dirty="0">
+                <a:solidFill>
+                  <a:schemeClr val="bg1"/>
+                </a:solidFill>
+              </a:rPr>
+              <a:t>2</a:t>
+            </a:r>
+          </a:p>
+        </p:txBody>
+      </p:sp>
+      <p:sp>
+        <p:nvSpPr>
+          <p:cNvPr id="47" name="Rectangle 46"/>
+          <p:cNvSpPr/>
+          <p:nvPr/>
+        </p:nvSpPr>
+        <p:spPr>
+          <a:xfrm>
+            <a:off x="1477394" y="2256694"/>
+            <a:ext cx="2877937" cy="938343"/>
+          </a:xfrm>
+          <a:prstGeom prst="rect">
+            <a:avLst/>
+          </a:prstGeom>
+          <a:noFill/>
+          <a:ln w="28575">
+            <a:solidFill>
+              <a:schemeClr val="tx1"/>
+            </a:solidFill>
+          </a:ln>
+        </p:spPr>
+        <p:style>
+          <a:lnRef idx="2">
+            <a:schemeClr val="accent1">
+              <a:shade val="50000"/>
+            </a:schemeClr>
+          </a:lnRef>
+          <a:fillRef idx="1">
+            <a:schemeClr val="accent1"/>
+          </a:fillRef>
+          <a:effectRef idx="0">
+            <a:schemeClr val="accent1"/>
+          </a:effectRef>
+          <a:fontRef idx="minor">
+            <a:schemeClr val="lt1"/>
+          </a:fontRef>
+        </p:style>
+        <p:txBody>
+          <a:bodyPr rtlCol="0" anchor="ctr"/>
+          <a:lstStyle/>
+          <a:p>
+            <a:pPr algn="ctr"/>
+            <a:endParaRPr lang="en-US" sz="2000" dirty="0">
+              <a:solidFill>
+                <a:sysClr val="windowText" lastClr="000000"/>
+              </a:solidFill>
+            </a:endParaRPr>
+          </a:p>
+        </p:txBody>
+      </p:sp>
+      <p:sp>
+        <p:nvSpPr>
+          <p:cNvPr id="48" name="TextBox 47"/>
+          <p:cNvSpPr txBox="1"/>
+          <p:nvPr/>
+        </p:nvSpPr>
+        <p:spPr>
+          <a:xfrm>
+            <a:off x="1618112" y="2273582"/>
+            <a:ext cx="2634951" cy="707886"/>
+          </a:xfrm>
+          <a:prstGeom prst="rect">
+            <a:avLst/>
+          </a:prstGeom>
+          <a:noFill/>
+        </p:spPr>
+        <p:txBody>
+          <a:bodyPr wrap="square" rtlCol="0">
+            <a:spAutoFit/>
+          </a:bodyPr>
+          <a:lstStyle/>
+          <a:p>
+            <a:r>
+              <a:rPr lang="en-US" sz="2000" dirty="0"/>
+              <a:t>Shared IPC Namespace</a:t>
+            </a:r>
+          </a:p>
+        </p:txBody>
+      </p:sp>
+      <p:sp>
+        <p:nvSpPr>
+          <p:cNvPr id="49" name="Rectangle 48"/>
+          <p:cNvSpPr/>
+          <p:nvPr/>
+        </p:nvSpPr>
+        <p:spPr>
+          <a:xfrm>
+            <a:off x="1780354" y="2683972"/>
+            <a:ext cx="757851" cy="437744"/>
+          </a:xfrm>
+          <a:prstGeom prst="rect">
+            <a:avLst/>
+          </a:prstGeom>
+          <a:pattFill prst="wdDnDiag">
+            <a:fgClr>
+              <a:schemeClr val="accent1">
+                <a:lumMod val="40000"/>
+                <a:lumOff val="60000"/>
+              </a:schemeClr>
+            </a:fgClr>
+            <a:bgClr>
+              <a:schemeClr val="bg1"/>
+            </a:bgClr>
+          </a:pattFill>
+          <a:ln w="25400">
+            <a:solidFill>
+              <a:schemeClr val="tx1">
+                <a:lumMod val="50000"/>
+                <a:lumOff val="50000"/>
+              </a:schemeClr>
+            </a:solidFill>
+          </a:ln>
+        </p:spPr>
+        <p:style>
+          <a:lnRef idx="2">
+            <a:schemeClr val="accent1">
+              <a:shade val="50000"/>
+            </a:schemeClr>
+          </a:lnRef>
+          <a:fillRef idx="1">
+            <a:schemeClr val="accent1"/>
+          </a:fillRef>
+          <a:effectRef idx="0">
+            <a:schemeClr val="accent1"/>
+          </a:effectRef>
+          <a:fontRef idx="minor">
+            <a:schemeClr val="lt1"/>
+          </a:fontRef>
+        </p:style>
+        <p:txBody>
+          <a:bodyPr rtlCol="0" anchor="ctr"/>
+          <a:lstStyle/>
+          <a:p>
+            <a:pPr algn="ctr"/>
+            <a:r>
+              <a:rPr lang="en-US" sz="2000" dirty="0" err="1">
+                <a:solidFill>
+                  <a:sysClr val="windowText" lastClr="000000"/>
+                </a:solidFill>
+              </a:rPr>
+              <a:t>obj</a:t>
+            </a:r>
+            <a:r>
+              <a:rPr lang="en-US" sz="2000" dirty="0">
+                <a:solidFill>
+                  <a:sysClr val="windowText" lastClr="000000"/>
+                </a:solidFill>
+              </a:rPr>
+              <a:t> </a:t>
+            </a:r>
+            <a:r>
+              <a:rPr lang="en-US" sz="2000" i="1" dirty="0">
+                <a:solidFill>
+                  <a:sysClr val="windowText" lastClr="000000"/>
+                </a:solidFill>
+              </a:rPr>
+              <a:t>i</a:t>
+            </a:r>
+          </a:p>
+        </p:txBody>
+      </p:sp>
+      <p:cxnSp>
+        <p:nvCxnSpPr>
+          <p:cNvPr id="3" name="Straight Arrow Connector 2"/>
+          <p:cNvCxnSpPr/>
+          <p:nvPr/>
+        </p:nvCxnSpPr>
+        <p:spPr>
+          <a:xfrm flipV="1">
+            <a:off x="1780354" y="3101235"/>
+            <a:ext cx="0" cy="485801"/>
+          </a:xfrm>
+          <a:prstGeom prst="straightConnector1">
+            <a:avLst/>
+          </a:prstGeom>
+          <a:ln w="41275">
+            <a:solidFill>
+              <a:srgbClr val="C00000"/>
+            </a:solidFill>
+            <a:headEnd type="none" w="med" len="med"/>
+            <a:tailEnd type="arrow" w="med" len="med"/>
+          </a:ln>
+        </p:spPr>
+        <p:style>
+          <a:lnRef idx="1">
+            <a:schemeClr val="accent1"/>
+          </a:lnRef>
+          <a:fillRef idx="0">
+            <a:schemeClr val="accent1"/>
+          </a:fillRef>
+          <a:effectRef idx="0">
+            <a:schemeClr val="accent1"/>
+          </a:effectRef>
+          <a:fontRef idx="minor">
+            <a:schemeClr val="tx1"/>
+          </a:fontRef>
+        </p:style>
+      </p:cxnSp>
+      <p:sp>
+        <p:nvSpPr>
+          <p:cNvPr id="50" name="TextBox 49"/>
+          <p:cNvSpPr txBox="1"/>
+          <p:nvPr/>
+        </p:nvSpPr>
+        <p:spPr>
+          <a:xfrm>
+            <a:off x="1768881" y="3202732"/>
+            <a:ext cx="573441" cy="461665"/>
+          </a:xfrm>
+          <a:prstGeom prst="rect">
+            <a:avLst/>
+          </a:prstGeom>
+          <a:noFill/>
+        </p:spPr>
+        <p:txBody>
+          <a:bodyPr wrap="square" rtlCol="0">
+            <a:spAutoFit/>
+          </a:bodyPr>
+          <a:lstStyle/>
+          <a:p>
+            <a:r>
+              <a:rPr lang="en-US" sz="2400" b="1" dirty="0">
+                <a:solidFill>
+                  <a:srgbClr val="C00000"/>
+                </a:solidFill>
+              </a:rPr>
+              <a:t>p</a:t>
+            </a:r>
+          </a:p>
+        </p:txBody>
+      </p:sp>
+      <p:cxnSp>
+        <p:nvCxnSpPr>
+          <p:cNvPr id="51" name="Straight Connector 50"/>
+          <p:cNvCxnSpPr/>
+          <p:nvPr/>
+        </p:nvCxnSpPr>
+        <p:spPr>
+          <a:xfrm>
+            <a:off x="2153848" y="1382777"/>
+            <a:ext cx="1370248" cy="4918"/>
+          </a:xfrm>
+          <a:prstGeom prst="line">
+            <a:avLst/>
+          </a:prstGeom>
+          <a:ln w="28575">
+            <a:solidFill>
+              <a:schemeClr val="tx1"/>
+            </a:solidFill>
+            <a:headEnd type="none" w="med" len="med"/>
+            <a:tailEnd type="arrow" w="med" len="med"/>
+          </a:ln>
+        </p:spPr>
+        <p:style>
+          <a:lnRef idx="1">
+            <a:schemeClr val="accent1"/>
+          </a:lnRef>
+          <a:fillRef idx="0">
+            <a:schemeClr val="accent1"/>
+          </a:fillRef>
+          <a:effectRef idx="0">
+            <a:schemeClr val="accent1"/>
+          </a:effectRef>
+          <a:fontRef idx="minor">
+            <a:schemeClr val="tx1"/>
+          </a:fontRef>
+        </p:style>
+      </p:cxnSp>
+      <p:cxnSp>
+        <p:nvCxnSpPr>
+          <p:cNvPr id="54" name="Straight Connector 53"/>
+          <p:cNvCxnSpPr/>
+          <p:nvPr/>
+        </p:nvCxnSpPr>
+        <p:spPr>
+          <a:xfrm>
+            <a:off x="1432761" y="1731433"/>
+            <a:ext cx="622840" cy="535843"/>
+          </a:xfrm>
+          <a:prstGeom prst="line">
+            <a:avLst/>
+          </a:prstGeom>
+          <a:ln w="28575">
+            <a:solidFill>
+              <a:schemeClr val="tx1"/>
+            </a:solidFill>
+            <a:headEnd type="none" w="med" len="med"/>
+            <a:tailEnd type="arrow" w="med" len="med"/>
+          </a:ln>
+        </p:spPr>
+        <p:style>
+          <a:lnRef idx="1">
+            <a:schemeClr val="accent1"/>
+          </a:lnRef>
+          <a:fillRef idx="0">
+            <a:schemeClr val="accent1"/>
+          </a:fillRef>
+          <a:effectRef idx="0">
+            <a:schemeClr val="accent1"/>
+          </a:effectRef>
+          <a:fontRef idx="minor">
+            <a:schemeClr val="tx1"/>
+          </a:fontRef>
+        </p:style>
+      </p:cxnSp>
+      <p:sp>
+        <p:nvSpPr>
+          <p:cNvPr id="8" name="Rectangle 7"/>
+          <p:cNvSpPr/>
+          <p:nvPr/>
+        </p:nvSpPr>
+        <p:spPr>
+          <a:xfrm>
+            <a:off x="851350" y="1046092"/>
+            <a:ext cx="1342578" cy="673371"/>
+          </a:xfrm>
+          <a:prstGeom prst="rect">
+            <a:avLst/>
+          </a:prstGeom>
+          <a:solidFill>
+            <a:schemeClr val="tx1">
+              <a:lumMod val="65000"/>
+              <a:lumOff val="35000"/>
+            </a:schemeClr>
+          </a:solidFill>
+          <a:ln w="28575">
+            <a:solidFill>
+              <a:schemeClr val="tx1">
+                <a:lumMod val="75000"/>
+                <a:lumOff val="25000"/>
+              </a:schemeClr>
+            </a:solidFill>
+          </a:ln>
+        </p:spPr>
+        <p:style>
+          <a:lnRef idx="2">
+            <a:schemeClr val="accent1">
+              <a:shade val="50000"/>
+            </a:schemeClr>
+          </a:lnRef>
+          <a:fillRef idx="1">
+            <a:schemeClr val="accent1"/>
+          </a:fillRef>
+          <a:effectRef idx="0">
+            <a:schemeClr val="accent1"/>
+          </a:effectRef>
+          <a:fontRef idx="minor">
+            <a:schemeClr val="lt1"/>
+          </a:fontRef>
+        </p:style>
+        <p:txBody>
+          <a:bodyPr rtlCol="0" anchor="ctr"/>
+          <a:lstStyle/>
+          <a:p>
+            <a:pPr algn="ctr"/>
+            <a:r>
+              <a:rPr lang="en-US" dirty="0">
+                <a:solidFill>
+                  <a:schemeClr val="bg1"/>
+                </a:solidFill>
+              </a:rPr>
+              <a:t>Container </a:t>
+            </a:r>
+            <a:r>
+              <a:rPr lang="en-US" i="1" dirty="0">
+                <a:solidFill>
+                  <a:schemeClr val="bg1"/>
+                </a:solidFill>
+              </a:rPr>
+              <a:t>1</a:t>
+            </a:r>
+          </a:p>
+        </p:txBody>
+      </p:sp>
+      <p:cxnSp>
+        <p:nvCxnSpPr>
+          <p:cNvPr id="56" name="Straight Connector 55"/>
+          <p:cNvCxnSpPr/>
+          <p:nvPr/>
+        </p:nvCxnSpPr>
+        <p:spPr>
+          <a:xfrm flipV="1">
+            <a:off x="3738429" y="1726516"/>
+            <a:ext cx="622840" cy="535843"/>
+          </a:xfrm>
+          <a:prstGeom prst="line">
+            <a:avLst/>
+          </a:prstGeom>
+          <a:ln w="28575">
+            <a:solidFill>
+              <a:schemeClr val="tx1"/>
+            </a:solidFill>
+            <a:headEnd type="none" w="med" len="med"/>
+            <a:tailEnd type="arrow" w="med" len="med"/>
+          </a:ln>
+        </p:spPr>
+        <p:style>
+          <a:lnRef idx="1">
+            <a:schemeClr val="accent1"/>
+          </a:lnRef>
+          <a:fillRef idx="0">
+            <a:schemeClr val="accent1"/>
+          </a:fillRef>
+          <a:effectRef idx="0">
+            <a:schemeClr val="accent1"/>
+          </a:effectRef>
+          <a:fontRef idx="minor">
+            <a:schemeClr val="tx1"/>
+          </a:fontRef>
+        </p:style>
+      </p:cxnSp>
+      <p:sp>
+        <p:nvSpPr>
+          <p:cNvPr id="57" name="TextBox 56"/>
+          <p:cNvSpPr txBox="1"/>
+          <p:nvPr/>
+        </p:nvSpPr>
+        <p:spPr>
+          <a:xfrm>
+            <a:off x="973869" y="1798287"/>
+            <a:ext cx="1229223" cy="369332"/>
+          </a:xfrm>
+          <a:prstGeom prst="rect">
+            <a:avLst/>
+          </a:prstGeom>
+          <a:noFill/>
+          <a:ln w="28575">
+            <a:noFill/>
+          </a:ln>
+        </p:spPr>
+        <p:txBody>
+          <a:bodyPr wrap="square" rtlCol="0">
+            <a:spAutoFit/>
+          </a:bodyPr>
+          <a:lstStyle/>
+          <a:p>
+            <a:r>
+              <a:rPr lang="en-US" dirty="0"/>
+              <a:t>write</a:t>
+            </a:r>
+            <a:endParaRPr lang="en-US" sz="1600" dirty="0"/>
+          </a:p>
+        </p:txBody>
+      </p:sp>
+      <p:sp>
+        <p:nvSpPr>
+          <p:cNvPr id="58" name="TextBox 57"/>
+          <p:cNvSpPr txBox="1"/>
+          <p:nvPr/>
+        </p:nvSpPr>
+        <p:spPr>
+          <a:xfrm>
+            <a:off x="2237318" y="1036287"/>
+            <a:ext cx="1229223" cy="369332"/>
+          </a:xfrm>
+          <a:prstGeom prst="rect">
+            <a:avLst/>
+          </a:prstGeom>
+          <a:noFill/>
+          <a:ln w="28575">
+            <a:noFill/>
+          </a:ln>
+        </p:spPr>
+        <p:txBody>
+          <a:bodyPr wrap="square" rtlCol="0">
+            <a:spAutoFit/>
+          </a:bodyPr>
+          <a:lstStyle/>
+          <a:p>
+            <a:pPr algn="ctr"/>
+            <a:r>
+              <a:rPr lang="en-US" dirty="0"/>
+              <a:t>Pointer </a:t>
+            </a:r>
+            <a:r>
+              <a:rPr lang="en-US" b="1" i="1" dirty="0">
+                <a:solidFill>
+                  <a:srgbClr val="C00000"/>
+                </a:solidFill>
+              </a:rPr>
+              <a:t>p</a:t>
+            </a:r>
+            <a:endParaRPr lang="en-US" sz="1600" b="1" i="1" dirty="0">
+              <a:solidFill>
+                <a:srgbClr val="C00000"/>
+              </a:solidFill>
+            </a:endParaRPr>
+          </a:p>
+        </p:txBody>
+      </p:sp>
+      <p:sp>
+        <p:nvSpPr>
+          <p:cNvPr id="59" name="TextBox 58"/>
+          <p:cNvSpPr txBox="1"/>
+          <p:nvPr/>
+        </p:nvSpPr>
+        <p:spPr>
+          <a:xfrm>
+            <a:off x="4164447" y="1803204"/>
+            <a:ext cx="1229223" cy="369332"/>
+          </a:xfrm>
+          <a:prstGeom prst="rect">
+            <a:avLst/>
+          </a:prstGeom>
+          <a:noFill/>
+          <a:ln w="28575">
+            <a:noFill/>
+          </a:ln>
+        </p:spPr>
+        <p:txBody>
+          <a:bodyPr wrap="square" rtlCol="0">
+            <a:spAutoFit/>
+          </a:bodyPr>
+          <a:lstStyle/>
+          <a:p>
+            <a:r>
+              <a:rPr lang="en-US" dirty="0"/>
+              <a:t>read</a:t>
+            </a:r>
+            <a:endParaRPr lang="en-US" sz="1600" dirty="0"/>
+          </a:p>
+        </p:txBody>
+      </p:sp>
+    </p:spTree>
+    <p:extLst>
+      <p:ext uri="{BB962C8B-B14F-4D97-AF65-F5344CB8AC3E}">
+        <p14:creationId xmlns:p14="http://schemas.microsoft.com/office/powerpoint/2010/main" val="543181556"/>
+      </p:ext>
+    </p:extLst>
+  </p:cSld>
+  <p:clrMapOvr>
+    <a:masterClrMapping/>
+  </p:clrMapOvr>
+</p:sld>
+</file>
+
+<file path=ppt/slides/slide5.xml><?xml version="1.0" encoding="utf-8"?>
+<p:sld xmlns:a="http://schemas.openxmlformats.org/drawingml/2006/main" xmlns:r="http://schemas.openxmlformats.org/officeDocument/2006/relationships" xmlns:p="http://schemas.openxmlformats.org/presentationml/2006/main">
+  <p:cSld>
+    <p:spTree>
+      <p:nvGrpSpPr>
+        <p:cNvPr id="1" name=""/>
+        <p:cNvGrpSpPr/>
+        <p:nvPr/>
+      </p:nvGrpSpPr>
+      <p:grpSpPr>
+        <a:xfrm>
+          <a:off x="0" y="0"/>
+          <a:ext cx="0" cy="0"/>
+          <a:chOff x="0" y="0"/>
+          <a:chExt cx="0" cy="0"/>
+        </a:xfrm>
+      </p:grpSpPr>
+      <p:sp>
+        <p:nvSpPr>
+          <p:cNvPr id="9" name="Rectangle 8"/>
+          <p:cNvSpPr/>
+          <p:nvPr/>
+        </p:nvSpPr>
+        <p:spPr>
+          <a:xfrm>
+            <a:off x="610109" y="1232885"/>
+            <a:ext cx="1342578" cy="640080"/>
+          </a:xfrm>
+          <a:prstGeom prst="rect">
+            <a:avLst/>
+          </a:prstGeom>
+          <a:noFill/>
+          <a:ln w="19050">
+            <a:solidFill>
+              <a:schemeClr val="tx1">
+                <a:lumMod val="75000"/>
+                <a:lumOff val="25000"/>
+              </a:schemeClr>
+            </a:solidFill>
+          </a:ln>
+        </p:spPr>
+        <p:style>
+          <a:lnRef idx="2">
+            <a:schemeClr val="accent1">
+              <a:shade val="50000"/>
+            </a:schemeClr>
+          </a:lnRef>
+          <a:fillRef idx="1">
+            <a:schemeClr val="accent1"/>
+          </a:fillRef>
+          <a:effectRef idx="0">
+            <a:schemeClr val="accent1"/>
+          </a:effectRef>
+          <a:fontRef idx="minor">
+            <a:schemeClr val="lt1"/>
+          </a:fontRef>
+        </p:style>
+        <p:txBody>
+          <a:bodyPr rtlCol="0" anchor="ctr"/>
+          <a:lstStyle/>
+          <a:p>
+            <a:pPr algn="ctr"/>
+            <a:r>
+              <a:rPr lang="en-US" dirty="0">
+                <a:solidFill>
+                  <a:schemeClr val="tx1"/>
+                </a:solidFill>
+              </a:rPr>
+              <a:t>TCP/IP Apps</a:t>
+            </a:r>
+          </a:p>
+          <a:p>
+            <a:pPr algn="ctr"/>
+            <a:r>
+              <a:rPr lang="en-US" dirty="0">
+                <a:solidFill>
+                  <a:schemeClr val="tx1"/>
+                </a:solidFill>
+              </a:rPr>
+              <a:t>Container </a:t>
+            </a:r>
+            <a:r>
+              <a:rPr lang="en-US" i="1" dirty="0">
+                <a:solidFill>
+                  <a:schemeClr val="tx1"/>
+                </a:solidFill>
+              </a:rPr>
+              <a:t>1</a:t>
+            </a:r>
+          </a:p>
+        </p:txBody>
+      </p:sp>
+      <p:sp>
+        <p:nvSpPr>
+          <p:cNvPr id="14" name="Rectangle 13"/>
+          <p:cNvSpPr/>
+          <p:nvPr/>
+        </p:nvSpPr>
+        <p:spPr>
+          <a:xfrm>
+            <a:off x="2108414" y="1241585"/>
+            <a:ext cx="1342578" cy="640080"/>
+          </a:xfrm>
+          <a:prstGeom prst="rect">
+            <a:avLst/>
+          </a:prstGeom>
+          <a:noFill/>
+          <a:ln w="19050">
+            <a:solidFill>
+              <a:schemeClr val="tx1">
+                <a:lumMod val="75000"/>
+                <a:lumOff val="25000"/>
+              </a:schemeClr>
+            </a:solidFill>
+          </a:ln>
+        </p:spPr>
+        <p:style>
+          <a:lnRef idx="2">
+            <a:schemeClr val="accent1">
+              <a:shade val="50000"/>
+            </a:schemeClr>
+          </a:lnRef>
+          <a:fillRef idx="1">
+            <a:schemeClr val="accent1"/>
+          </a:fillRef>
+          <a:effectRef idx="0">
+            <a:schemeClr val="accent1"/>
+          </a:effectRef>
+          <a:fontRef idx="minor">
+            <a:schemeClr val="lt1"/>
+          </a:fontRef>
+        </p:style>
+        <p:txBody>
+          <a:bodyPr rtlCol="0" anchor="ctr"/>
+          <a:lstStyle/>
+          <a:p>
+            <a:pPr algn="ctr"/>
+            <a:r>
+              <a:rPr lang="en-US" dirty="0">
+                <a:solidFill>
+                  <a:schemeClr val="tx1"/>
+                </a:solidFill>
+              </a:rPr>
+              <a:t>RDMA Apps</a:t>
+            </a:r>
+          </a:p>
+          <a:p>
+            <a:pPr algn="ctr"/>
+            <a:r>
+              <a:rPr lang="en-US" dirty="0">
+                <a:solidFill>
+                  <a:schemeClr val="tx1"/>
+                </a:solidFill>
+              </a:rPr>
+              <a:t>Container </a:t>
+            </a:r>
+            <a:r>
+              <a:rPr lang="en-US" i="1" dirty="0">
+                <a:solidFill>
+                  <a:schemeClr val="tx1"/>
+                </a:solidFill>
+              </a:rPr>
+              <a:t>2</a:t>
+            </a:r>
+          </a:p>
+        </p:txBody>
+      </p:sp>
+      <p:sp>
+        <p:nvSpPr>
+          <p:cNvPr id="55" name="TextBox 54"/>
+          <p:cNvSpPr txBox="1"/>
+          <p:nvPr/>
+        </p:nvSpPr>
+        <p:spPr>
+          <a:xfrm>
+            <a:off x="3589869" y="2248634"/>
+            <a:ext cx="999068" cy="646331"/>
+          </a:xfrm>
+          <a:prstGeom prst="rect">
+            <a:avLst/>
+          </a:prstGeom>
+          <a:noFill/>
+        </p:spPr>
+        <p:txBody>
+          <a:bodyPr wrap="square" rtlCol="0">
+            <a:spAutoFit/>
+          </a:bodyPr>
+          <a:lstStyle/>
+          <a:p>
+            <a:pPr algn="ctr"/>
+            <a:r>
+              <a:rPr lang="en-US" dirty="0"/>
+              <a:t>Location Queries</a:t>
+            </a:r>
+          </a:p>
+        </p:txBody>
+      </p:sp>
+      <p:sp>
+        <p:nvSpPr>
+          <p:cNvPr id="62" name="Rectangle 61"/>
+          <p:cNvSpPr/>
+          <p:nvPr/>
+        </p:nvSpPr>
+        <p:spPr>
+          <a:xfrm>
+            <a:off x="5892799" y="1234813"/>
+            <a:ext cx="2099733" cy="640080"/>
+          </a:xfrm>
+          <a:prstGeom prst="rect">
+            <a:avLst/>
+          </a:prstGeom>
+          <a:noFill/>
+          <a:ln w="19050">
+            <a:solidFill>
+              <a:schemeClr val="tx1">
+                <a:lumMod val="75000"/>
+                <a:lumOff val="25000"/>
+              </a:schemeClr>
+            </a:solidFill>
+          </a:ln>
+        </p:spPr>
+        <p:style>
+          <a:lnRef idx="2">
+            <a:schemeClr val="accent1">
+              <a:shade val="50000"/>
+            </a:schemeClr>
+          </a:lnRef>
+          <a:fillRef idx="1">
+            <a:schemeClr val="accent1"/>
+          </a:fillRef>
+          <a:effectRef idx="0">
+            <a:schemeClr val="accent1"/>
+          </a:effectRef>
+          <a:fontRef idx="minor">
+            <a:schemeClr val="lt1"/>
+          </a:fontRef>
+        </p:style>
+        <p:txBody>
+          <a:bodyPr rtlCol="0" anchor="ctr"/>
+          <a:lstStyle/>
+          <a:p>
+            <a:pPr algn="ctr"/>
+            <a:r>
+              <a:rPr lang="en-US" dirty="0">
+                <a:solidFill>
+                  <a:schemeClr val="tx1"/>
+                </a:solidFill>
+              </a:rPr>
+              <a:t>Container </a:t>
+            </a:r>
+            <a:r>
+              <a:rPr lang="en-US" i="1" dirty="0">
+                <a:solidFill>
+                  <a:schemeClr val="tx1"/>
+                </a:solidFill>
+              </a:rPr>
+              <a:t>3</a:t>
+            </a:r>
+          </a:p>
+        </p:txBody>
+      </p:sp>
+      <p:sp>
+        <p:nvSpPr>
+          <p:cNvPr id="53" name="Rectangle 5"/>
+          <p:cNvSpPr/>
+          <p:nvPr/>
+        </p:nvSpPr>
+        <p:spPr>
+          <a:xfrm>
+            <a:off x="617761" y="2576597"/>
+            <a:ext cx="2859916" cy="437744"/>
+          </a:xfrm>
+          <a:prstGeom prst="rect">
+            <a:avLst/>
+          </a:prstGeom>
+          <a:solidFill>
+            <a:schemeClr val="tx2">
+              <a:lumMod val="20000"/>
+              <a:lumOff val="80000"/>
+            </a:schemeClr>
+          </a:solidFill>
+          <a:ln w="19050">
+            <a:solidFill>
+              <a:schemeClr val="tx1">
+                <a:lumMod val="75000"/>
+                <a:lumOff val="25000"/>
+              </a:schemeClr>
+            </a:solidFill>
+          </a:ln>
+        </p:spPr>
+        <p:style>
+          <a:lnRef idx="2">
+            <a:schemeClr val="accent1">
+              <a:shade val="50000"/>
+            </a:schemeClr>
+          </a:lnRef>
+          <a:fillRef idx="1">
+            <a:schemeClr val="accent1"/>
+          </a:fillRef>
+          <a:effectRef idx="0">
+            <a:schemeClr val="accent1"/>
+          </a:effectRef>
+          <a:fontRef idx="minor">
+            <a:schemeClr val="lt1"/>
+          </a:fontRef>
+        </p:style>
+        <p:txBody>
+          <a:bodyPr rtlCol="0" anchor="ctr"/>
+          <a:lstStyle/>
+          <a:p>
+            <a:pPr algn="ctr"/>
+            <a:r>
+              <a:rPr lang="en-US" dirty="0">
+                <a:solidFill>
+                  <a:sysClr val="windowText" lastClr="000000"/>
+                </a:solidFill>
+              </a:rPr>
+              <a:t>Verbs API</a:t>
+            </a:r>
+          </a:p>
+        </p:txBody>
+      </p:sp>
+      <p:sp>
+        <p:nvSpPr>
+          <p:cNvPr id="66" name="Rectangle 5"/>
+          <p:cNvSpPr/>
+          <p:nvPr/>
+        </p:nvSpPr>
+        <p:spPr>
+          <a:xfrm>
+            <a:off x="607347" y="2007238"/>
+            <a:ext cx="1342578" cy="437744"/>
+          </a:xfrm>
+          <a:prstGeom prst="rect">
+            <a:avLst/>
+          </a:prstGeom>
+          <a:solidFill>
+            <a:schemeClr val="tx2">
+              <a:lumMod val="20000"/>
+              <a:lumOff val="80000"/>
+            </a:schemeClr>
+          </a:solidFill>
+          <a:ln w="19050">
+            <a:solidFill>
+              <a:schemeClr val="tx1">
+                <a:lumMod val="75000"/>
+                <a:lumOff val="25000"/>
+              </a:schemeClr>
+            </a:solidFill>
+          </a:ln>
+        </p:spPr>
+        <p:style>
+          <a:lnRef idx="2">
+            <a:schemeClr val="accent1">
+              <a:shade val="50000"/>
+            </a:schemeClr>
+          </a:lnRef>
+          <a:fillRef idx="1">
+            <a:schemeClr val="accent1"/>
+          </a:fillRef>
+          <a:effectRef idx="0">
+            <a:schemeClr val="accent1"/>
+          </a:effectRef>
+          <a:fontRef idx="minor">
+            <a:schemeClr val="lt1"/>
+          </a:fontRef>
+        </p:style>
+        <p:txBody>
+          <a:bodyPr rtlCol="0" anchor="ctr"/>
+          <a:lstStyle/>
+          <a:p>
+            <a:pPr algn="ctr"/>
+            <a:r>
+              <a:rPr lang="en-US" dirty="0">
+                <a:solidFill>
+                  <a:sysClr val="windowText" lastClr="000000"/>
+                </a:solidFill>
+              </a:rPr>
+              <a:t>IP to Verbs </a:t>
+            </a:r>
+          </a:p>
+        </p:txBody>
+      </p:sp>
+      <p:cxnSp>
+        <p:nvCxnSpPr>
+          <p:cNvPr id="67" name="Straight Connector 26"/>
+          <p:cNvCxnSpPr/>
+          <p:nvPr/>
+        </p:nvCxnSpPr>
+        <p:spPr>
+          <a:xfrm>
+            <a:off x="1289046" y="1878454"/>
+            <a:ext cx="0" cy="137160"/>
+          </a:xfrm>
+          <a:prstGeom prst="line">
+            <a:avLst/>
+          </a:prstGeom>
+          <a:ln w="19050">
+            <a:solidFill>
+              <a:schemeClr val="tx1"/>
+            </a:solidFill>
+            <a:headEnd type="none"/>
+            <a:tailEnd type="arrow"/>
+          </a:ln>
+        </p:spPr>
+        <p:style>
+          <a:lnRef idx="1">
+            <a:schemeClr val="accent1"/>
+          </a:lnRef>
+          <a:fillRef idx="0">
+            <a:schemeClr val="accent1"/>
+          </a:fillRef>
+          <a:effectRef idx="0">
+            <a:schemeClr val="accent1"/>
+          </a:effectRef>
+          <a:fontRef idx="minor">
+            <a:schemeClr val="tx1"/>
+          </a:fontRef>
+        </p:style>
+      </p:cxnSp>
+      <p:cxnSp>
+        <p:nvCxnSpPr>
+          <p:cNvPr id="68" name="Straight Connector 26"/>
+          <p:cNvCxnSpPr/>
+          <p:nvPr/>
+        </p:nvCxnSpPr>
+        <p:spPr>
+          <a:xfrm>
+            <a:off x="2765325" y="1869218"/>
+            <a:ext cx="0" cy="685800"/>
+          </a:xfrm>
+          <a:prstGeom prst="line">
+            <a:avLst/>
+          </a:prstGeom>
+          <a:ln w="19050">
+            <a:solidFill>
+              <a:schemeClr val="tx1"/>
+            </a:solidFill>
+            <a:headEnd type="none"/>
+            <a:tailEnd type="arrow"/>
+          </a:ln>
+        </p:spPr>
+        <p:style>
+          <a:lnRef idx="1">
+            <a:schemeClr val="accent1"/>
+          </a:lnRef>
+          <a:fillRef idx="0">
+            <a:schemeClr val="accent1"/>
+          </a:fillRef>
+          <a:effectRef idx="0">
+            <a:schemeClr val="accent1"/>
+          </a:effectRef>
+          <a:fontRef idx="minor">
+            <a:schemeClr val="tx1"/>
+          </a:fontRef>
+        </p:style>
+      </p:cxnSp>
+      <p:sp>
+        <p:nvSpPr>
+          <p:cNvPr id="69" name="Rectangle 5"/>
+          <p:cNvSpPr/>
+          <p:nvPr/>
+        </p:nvSpPr>
+        <p:spPr>
+          <a:xfrm>
+            <a:off x="623918" y="3442677"/>
+            <a:ext cx="2859916" cy="437744"/>
+          </a:xfrm>
+          <a:prstGeom prst="rect">
+            <a:avLst/>
+          </a:prstGeom>
+          <a:solidFill>
+            <a:schemeClr val="tx2">
+              <a:lumMod val="20000"/>
+              <a:lumOff val="80000"/>
+            </a:schemeClr>
+          </a:solidFill>
+          <a:ln w="19050">
+            <a:solidFill>
+              <a:schemeClr val="tx1">
+                <a:lumMod val="75000"/>
+                <a:lumOff val="25000"/>
+              </a:schemeClr>
+            </a:solidFill>
+          </a:ln>
+        </p:spPr>
+        <p:style>
+          <a:lnRef idx="2">
+            <a:schemeClr val="accent1">
+              <a:shade val="50000"/>
+            </a:schemeClr>
+          </a:lnRef>
+          <a:fillRef idx="1">
+            <a:schemeClr val="accent1"/>
+          </a:fillRef>
+          <a:effectRef idx="0">
+            <a:schemeClr val="accent1"/>
+          </a:effectRef>
+          <a:fontRef idx="minor">
+            <a:schemeClr val="lt1"/>
+          </a:fontRef>
+        </p:style>
+        <p:txBody>
+          <a:bodyPr rtlCol="0" anchor="ctr"/>
+          <a:lstStyle/>
+          <a:p>
+            <a:pPr algn="ctr"/>
+            <a:r>
+              <a:rPr lang="en-US" dirty="0">
+                <a:solidFill>
+                  <a:sysClr val="windowText" lastClr="000000"/>
+                </a:solidFill>
+              </a:rPr>
+              <a:t>Container Locator</a:t>
+            </a:r>
+          </a:p>
+        </p:txBody>
+      </p:sp>
+      <p:cxnSp>
+        <p:nvCxnSpPr>
+          <p:cNvPr id="71" name="Straight Connector 26"/>
+          <p:cNvCxnSpPr/>
+          <p:nvPr/>
+        </p:nvCxnSpPr>
+        <p:spPr>
+          <a:xfrm>
+            <a:off x="2078755" y="3045571"/>
+            <a:ext cx="0" cy="365760"/>
+          </a:xfrm>
+          <a:prstGeom prst="line">
+            <a:avLst/>
+          </a:prstGeom>
+          <a:ln w="19050">
+            <a:solidFill>
+              <a:schemeClr val="tx1"/>
+            </a:solidFill>
+            <a:headEnd type="none"/>
+            <a:tailEnd type="arrow"/>
+          </a:ln>
+        </p:spPr>
+        <p:style>
+          <a:lnRef idx="1">
+            <a:schemeClr val="accent1"/>
+          </a:lnRef>
+          <a:fillRef idx="0">
+            <a:schemeClr val="accent1"/>
+          </a:fillRef>
+          <a:effectRef idx="0">
+            <a:schemeClr val="accent1"/>
+          </a:effectRef>
+          <a:fontRef idx="minor">
+            <a:schemeClr val="tx1"/>
+          </a:fontRef>
+        </p:style>
+      </p:cxnSp>
+      <p:cxnSp>
+        <p:nvCxnSpPr>
+          <p:cNvPr id="73" name="Straight Connector 26"/>
+          <p:cNvCxnSpPr/>
+          <p:nvPr/>
+        </p:nvCxnSpPr>
+        <p:spPr>
+          <a:xfrm>
+            <a:off x="1286225" y="2440073"/>
+            <a:ext cx="0" cy="137160"/>
+          </a:xfrm>
+          <a:prstGeom prst="line">
+            <a:avLst/>
+          </a:prstGeom>
+          <a:ln w="19050">
+            <a:solidFill>
+              <a:schemeClr val="tx1"/>
+            </a:solidFill>
+            <a:headEnd type="none"/>
+            <a:tailEnd type="arrow"/>
+          </a:ln>
+        </p:spPr>
+        <p:style>
+          <a:lnRef idx="1">
+            <a:schemeClr val="accent1"/>
+          </a:lnRef>
+          <a:fillRef idx="0">
+            <a:schemeClr val="accent1"/>
+          </a:fillRef>
+          <a:effectRef idx="0">
+            <a:schemeClr val="accent1"/>
+          </a:effectRef>
+          <a:fontRef idx="minor">
+            <a:schemeClr val="tx1"/>
+          </a:fontRef>
+        </p:style>
+      </p:cxnSp>
+      <p:sp>
+        <p:nvSpPr>
+          <p:cNvPr id="74" name="Rectangle 5"/>
+          <p:cNvSpPr/>
+          <p:nvPr/>
+        </p:nvSpPr>
+        <p:spPr>
+          <a:xfrm>
+            <a:off x="621096" y="4308757"/>
+            <a:ext cx="2859916" cy="437744"/>
+          </a:xfrm>
+          <a:prstGeom prst="rect">
+            <a:avLst/>
+          </a:prstGeom>
+          <a:solidFill>
+            <a:schemeClr val="tx2">
+              <a:lumMod val="20000"/>
+              <a:lumOff val="80000"/>
+            </a:schemeClr>
+          </a:solidFill>
+          <a:ln w="19050">
+            <a:solidFill>
+              <a:schemeClr val="tx1">
+                <a:lumMod val="75000"/>
+                <a:lumOff val="25000"/>
+              </a:schemeClr>
+            </a:solidFill>
+          </a:ln>
+        </p:spPr>
+        <p:style>
+          <a:lnRef idx="2">
+            <a:schemeClr val="accent1">
+              <a:shade val="50000"/>
+            </a:schemeClr>
+          </a:lnRef>
+          <a:fillRef idx="1">
+            <a:schemeClr val="accent1"/>
+          </a:fillRef>
+          <a:effectRef idx="0">
+            <a:schemeClr val="accent1"/>
+          </a:effectRef>
+          <a:fontRef idx="minor">
+            <a:schemeClr val="lt1"/>
+          </a:fontRef>
+        </p:style>
+        <p:txBody>
+          <a:bodyPr rtlCol="0" anchor="ctr"/>
+          <a:lstStyle/>
+          <a:p>
+            <a:pPr algn="ctr"/>
+            <a:r>
+              <a:rPr lang="en-US" dirty="0">
+                <a:solidFill>
+                  <a:sysClr val="windowText" lastClr="000000"/>
+                </a:solidFill>
+              </a:rPr>
+              <a:t>Virtualized NIC</a:t>
+            </a:r>
           </a:p>
         </p:txBody>
       </p:sp>
@@ -6506,7 +9633,7 @@
         </p:nvSpPr>
         <p:spPr>
           <a:xfrm>
-            <a:off x="1069495" y="3348211"/>
+            <a:off x="4032828" y="2891011"/>
             <a:ext cx="1342578" cy="457200"/>
           </a:xfrm>
           <a:prstGeom prst="rect">
@@ -6546,7 +9673,7 @@
           <a:p>
             <a:pPr algn="ctr"/>
             <a:r>
-              <a:rPr lang="en-US" dirty="0" err="1" smtClean="0">
+              <a:rPr lang="en-US" dirty="0" err="1">
                 <a:solidFill>
                   <a:sysClr val="windowText" lastClr="000000"/>
                 </a:solidFill>
@@ -6569,7 +9696,7 @@
         </p:nvSpPr>
         <p:spPr>
           <a:xfrm>
-            <a:off x="3589866" y="4056591"/>
+            <a:off x="4044117" y="3430056"/>
             <a:ext cx="1342578" cy="457200"/>
           </a:xfrm>
           <a:prstGeom prst="rect">
@@ -6613,13 +9740,940 @@
               </a:lnSpc>
             </a:pPr>
             <a:r>
-              <a:rPr lang="en-US" dirty="0" smtClean="0">
+              <a:rPr lang="en-US" dirty="0">
                 <a:solidFill>
                   <a:sysClr val="windowText" lastClr="000000"/>
                 </a:solidFill>
               </a:rPr>
               <a:t>Fabric Controller</a:t>
             </a:r>
+          </a:p>
+        </p:txBody>
+      </p:sp>
+      <p:sp>
+        <p:nvSpPr>
+          <p:cNvPr id="80" name="Rectangle 5"/>
+          <p:cNvSpPr/>
+          <p:nvPr/>
+        </p:nvSpPr>
+        <p:spPr>
+          <a:xfrm>
+            <a:off x="618274" y="5174838"/>
+            <a:ext cx="2859916" cy="437744"/>
+          </a:xfrm>
+          <a:prstGeom prst="rect">
+            <a:avLst/>
+          </a:prstGeom>
+          <a:solidFill>
+            <a:schemeClr val="tx2">
+              <a:lumMod val="20000"/>
+              <a:lumOff val="80000"/>
+            </a:schemeClr>
+          </a:solidFill>
+          <a:ln w="19050">
+            <a:solidFill>
+              <a:schemeClr val="tx1">
+                <a:lumMod val="75000"/>
+                <a:lumOff val="25000"/>
+              </a:schemeClr>
+            </a:solidFill>
+          </a:ln>
+        </p:spPr>
+        <p:style>
+          <a:lnRef idx="2">
+            <a:schemeClr val="accent1">
+              <a:shade val="50000"/>
+            </a:schemeClr>
+          </a:lnRef>
+          <a:fillRef idx="1">
+            <a:schemeClr val="accent1"/>
+          </a:fillRef>
+          <a:effectRef idx="0">
+            <a:schemeClr val="accent1"/>
+          </a:effectRef>
+          <a:fontRef idx="minor">
+            <a:schemeClr val="lt1"/>
+          </a:fontRef>
+        </p:style>
+        <p:txBody>
+          <a:bodyPr rtlCol="0" anchor="ctr"/>
+          <a:lstStyle/>
+          <a:p>
+            <a:pPr algn="ctr"/>
+            <a:r>
+              <a:rPr lang="en-US" dirty="0">
+                <a:solidFill>
+                  <a:sysClr val="windowText" lastClr="000000"/>
+                </a:solidFill>
+              </a:rPr>
+              <a:t>NIC</a:t>
+            </a:r>
+          </a:p>
+        </p:txBody>
+      </p:sp>
+      <p:sp>
+        <p:nvSpPr>
+          <p:cNvPr id="82" name="Rectangle 5"/>
+          <p:cNvSpPr/>
+          <p:nvPr/>
+        </p:nvSpPr>
+        <p:spPr>
+          <a:xfrm>
+            <a:off x="5900961" y="2576598"/>
+            <a:ext cx="2103120" cy="437744"/>
+          </a:xfrm>
+          <a:prstGeom prst="rect">
+            <a:avLst/>
+          </a:prstGeom>
+          <a:solidFill>
+            <a:schemeClr val="tx2">
+              <a:lumMod val="20000"/>
+              <a:lumOff val="80000"/>
+            </a:schemeClr>
+          </a:solidFill>
+          <a:ln w="19050">
+            <a:solidFill>
+              <a:schemeClr val="tx1">
+                <a:lumMod val="75000"/>
+                <a:lumOff val="25000"/>
+              </a:schemeClr>
+            </a:solidFill>
+          </a:ln>
+        </p:spPr>
+        <p:style>
+          <a:lnRef idx="2">
+            <a:schemeClr val="accent1">
+              <a:shade val="50000"/>
+            </a:schemeClr>
+          </a:lnRef>
+          <a:fillRef idx="1">
+            <a:schemeClr val="accent1"/>
+          </a:fillRef>
+          <a:effectRef idx="0">
+            <a:schemeClr val="accent1"/>
+          </a:effectRef>
+          <a:fontRef idx="minor">
+            <a:schemeClr val="lt1"/>
+          </a:fontRef>
+        </p:style>
+        <p:txBody>
+          <a:bodyPr rtlCol="0" anchor="ctr"/>
+          <a:lstStyle/>
+          <a:p>
+            <a:pPr algn="ctr"/>
+            <a:r>
+              <a:rPr lang="en-US" dirty="0">
+                <a:solidFill>
+                  <a:sysClr val="windowText" lastClr="000000"/>
+                </a:solidFill>
+              </a:rPr>
+              <a:t>Verbs API</a:t>
+            </a:r>
+          </a:p>
+        </p:txBody>
+      </p:sp>
+      <p:sp>
+        <p:nvSpPr>
+          <p:cNvPr id="83" name="Rectangle 5"/>
+          <p:cNvSpPr/>
+          <p:nvPr/>
+        </p:nvSpPr>
+        <p:spPr>
+          <a:xfrm>
+            <a:off x="5907118" y="3442678"/>
+            <a:ext cx="2103120" cy="437744"/>
+          </a:xfrm>
+          <a:prstGeom prst="rect">
+            <a:avLst/>
+          </a:prstGeom>
+          <a:solidFill>
+            <a:schemeClr val="tx2">
+              <a:lumMod val="20000"/>
+              <a:lumOff val="80000"/>
+            </a:schemeClr>
+          </a:solidFill>
+          <a:ln w="19050">
+            <a:solidFill>
+              <a:schemeClr val="tx1">
+                <a:lumMod val="75000"/>
+                <a:lumOff val="25000"/>
+              </a:schemeClr>
+            </a:solidFill>
+          </a:ln>
+        </p:spPr>
+        <p:style>
+          <a:lnRef idx="2">
+            <a:schemeClr val="accent1">
+              <a:shade val="50000"/>
+            </a:schemeClr>
+          </a:lnRef>
+          <a:fillRef idx="1">
+            <a:schemeClr val="accent1"/>
+          </a:fillRef>
+          <a:effectRef idx="0">
+            <a:schemeClr val="accent1"/>
+          </a:effectRef>
+          <a:fontRef idx="minor">
+            <a:schemeClr val="lt1"/>
+          </a:fontRef>
+        </p:style>
+        <p:txBody>
+          <a:bodyPr rtlCol="0" anchor="ctr"/>
+          <a:lstStyle/>
+          <a:p>
+            <a:pPr algn="ctr"/>
+            <a:r>
+              <a:rPr lang="en-US" dirty="0">
+                <a:solidFill>
+                  <a:sysClr val="windowText" lastClr="000000"/>
+                </a:solidFill>
+              </a:rPr>
+              <a:t>Container Locator</a:t>
+            </a:r>
+          </a:p>
+        </p:txBody>
+      </p:sp>
+      <p:sp>
+        <p:nvSpPr>
+          <p:cNvPr id="85" name="Rectangle 5"/>
+          <p:cNvSpPr/>
+          <p:nvPr/>
+        </p:nvSpPr>
+        <p:spPr>
+          <a:xfrm>
+            <a:off x="5904296" y="4308758"/>
+            <a:ext cx="2103120" cy="437744"/>
+          </a:xfrm>
+          <a:prstGeom prst="rect">
+            <a:avLst/>
+          </a:prstGeom>
+          <a:solidFill>
+            <a:schemeClr val="tx2">
+              <a:lumMod val="20000"/>
+              <a:lumOff val="80000"/>
+            </a:schemeClr>
+          </a:solidFill>
+          <a:ln w="19050">
+            <a:solidFill>
+              <a:schemeClr val="tx1">
+                <a:lumMod val="75000"/>
+                <a:lumOff val="25000"/>
+              </a:schemeClr>
+            </a:solidFill>
+          </a:ln>
+        </p:spPr>
+        <p:style>
+          <a:lnRef idx="2">
+            <a:schemeClr val="accent1">
+              <a:shade val="50000"/>
+            </a:schemeClr>
+          </a:lnRef>
+          <a:fillRef idx="1">
+            <a:schemeClr val="accent1"/>
+          </a:fillRef>
+          <a:effectRef idx="0">
+            <a:schemeClr val="accent1"/>
+          </a:effectRef>
+          <a:fontRef idx="minor">
+            <a:schemeClr val="lt1"/>
+          </a:fontRef>
+        </p:style>
+        <p:txBody>
+          <a:bodyPr rtlCol="0" anchor="ctr"/>
+          <a:lstStyle/>
+          <a:p>
+            <a:pPr algn="ctr"/>
+            <a:r>
+              <a:rPr lang="en-US" dirty="0">
+                <a:solidFill>
+                  <a:sysClr val="windowText" lastClr="000000"/>
+                </a:solidFill>
+              </a:rPr>
+              <a:t>Virtualized NIC</a:t>
+            </a:r>
+          </a:p>
+        </p:txBody>
+      </p:sp>
+      <p:sp>
+        <p:nvSpPr>
+          <p:cNvPr id="86" name="Rectangle 5"/>
+          <p:cNvSpPr/>
+          <p:nvPr/>
+        </p:nvSpPr>
+        <p:spPr>
+          <a:xfrm>
+            <a:off x="5901474" y="5174839"/>
+            <a:ext cx="2103120" cy="437744"/>
+          </a:xfrm>
+          <a:prstGeom prst="rect">
+            <a:avLst/>
+          </a:prstGeom>
+          <a:solidFill>
+            <a:schemeClr val="tx2">
+              <a:lumMod val="20000"/>
+              <a:lumOff val="80000"/>
+            </a:schemeClr>
+          </a:solidFill>
+          <a:ln w="19050">
+            <a:solidFill>
+              <a:schemeClr val="tx1">
+                <a:lumMod val="75000"/>
+                <a:lumOff val="25000"/>
+              </a:schemeClr>
+            </a:solidFill>
+          </a:ln>
+        </p:spPr>
+        <p:style>
+          <a:lnRef idx="2">
+            <a:schemeClr val="accent1">
+              <a:shade val="50000"/>
+            </a:schemeClr>
+          </a:lnRef>
+          <a:fillRef idx="1">
+            <a:schemeClr val="accent1"/>
+          </a:fillRef>
+          <a:effectRef idx="0">
+            <a:schemeClr val="accent1"/>
+          </a:effectRef>
+          <a:fontRef idx="minor">
+            <a:schemeClr val="lt1"/>
+          </a:fontRef>
+        </p:style>
+        <p:txBody>
+          <a:bodyPr rtlCol="0" anchor="ctr"/>
+          <a:lstStyle/>
+          <a:p>
+            <a:pPr algn="ctr"/>
+            <a:r>
+              <a:rPr lang="en-US" dirty="0">
+                <a:solidFill>
+                  <a:sysClr val="windowText" lastClr="000000"/>
+                </a:solidFill>
+              </a:rPr>
+              <a:t>NIC</a:t>
+            </a:r>
+          </a:p>
+        </p:txBody>
+      </p:sp>
+      <p:sp>
+        <p:nvSpPr>
+          <p:cNvPr id="87" name="TextBox 54"/>
+          <p:cNvSpPr txBox="1"/>
+          <p:nvPr/>
+        </p:nvSpPr>
+        <p:spPr>
+          <a:xfrm>
+            <a:off x="3843864" y="4111301"/>
+            <a:ext cx="2262629" cy="369332"/>
+          </a:xfrm>
+          <a:prstGeom prst="rect">
+            <a:avLst/>
+          </a:prstGeom>
+          <a:noFill/>
+        </p:spPr>
+        <p:txBody>
+          <a:bodyPr wrap="square" rtlCol="0">
+            <a:spAutoFit/>
+          </a:bodyPr>
+          <a:lstStyle/>
+          <a:p>
+            <a:r>
+              <a:rPr lang="en-US" dirty="0"/>
+              <a:t>Shared Memory</a:t>
+            </a:r>
+          </a:p>
+        </p:txBody>
+      </p:sp>
+      <p:cxnSp>
+        <p:nvCxnSpPr>
+          <p:cNvPr id="89" name="Straight Connector 26"/>
+          <p:cNvCxnSpPr>
+            <a:stCxn id="69" idx="3"/>
+            <a:endCxn id="77" idx="1"/>
+          </p:cNvCxnSpPr>
+          <p:nvPr/>
+        </p:nvCxnSpPr>
+        <p:spPr>
+          <a:xfrm flipV="1">
+            <a:off x="3483834" y="3658656"/>
+            <a:ext cx="560283" cy="2893"/>
+          </a:xfrm>
+          <a:prstGeom prst="line">
+            <a:avLst/>
+          </a:prstGeom>
+          <a:ln w="28575" cmpd="sng">
+            <a:solidFill>
+              <a:schemeClr val="tx1"/>
+            </a:solidFill>
+            <a:prstDash val="dash"/>
+            <a:headEnd type="none"/>
+            <a:tailEnd type="arrow"/>
+          </a:ln>
+        </p:spPr>
+        <p:style>
+          <a:lnRef idx="1">
+            <a:schemeClr val="accent1"/>
+          </a:lnRef>
+          <a:fillRef idx="0">
+            <a:schemeClr val="accent1"/>
+          </a:fillRef>
+          <a:effectRef idx="0">
+            <a:schemeClr val="accent1"/>
+          </a:effectRef>
+          <a:fontRef idx="minor">
+            <a:schemeClr val="tx1"/>
+          </a:fontRef>
+        </p:style>
+      </p:cxnSp>
+      <p:cxnSp>
+        <p:nvCxnSpPr>
+          <p:cNvPr id="90" name="Straight Connector 26"/>
+          <p:cNvCxnSpPr/>
+          <p:nvPr/>
+        </p:nvCxnSpPr>
+        <p:spPr>
+          <a:xfrm>
+            <a:off x="3501155" y="4518771"/>
+            <a:ext cx="2403141" cy="8859"/>
+          </a:xfrm>
+          <a:prstGeom prst="line">
+            <a:avLst/>
+          </a:prstGeom>
+          <a:ln w="19050">
+            <a:solidFill>
+              <a:schemeClr val="tx1"/>
+            </a:solidFill>
+            <a:headEnd type="none"/>
+            <a:tailEnd type="arrow"/>
+          </a:ln>
+        </p:spPr>
+        <p:style>
+          <a:lnRef idx="1">
+            <a:schemeClr val="accent1"/>
+          </a:lnRef>
+          <a:fillRef idx="0">
+            <a:schemeClr val="accent1"/>
+          </a:fillRef>
+          <a:effectRef idx="0">
+            <a:schemeClr val="accent1"/>
+          </a:effectRef>
+          <a:fontRef idx="minor">
+            <a:schemeClr val="tx1"/>
+          </a:fontRef>
+        </p:style>
+      </p:cxnSp>
+      <p:cxnSp>
+        <p:nvCxnSpPr>
+          <p:cNvPr id="91" name="Straight Connector 26"/>
+          <p:cNvCxnSpPr/>
+          <p:nvPr/>
+        </p:nvCxnSpPr>
+        <p:spPr>
+          <a:xfrm>
+            <a:off x="2061821" y="3892237"/>
+            <a:ext cx="0" cy="365760"/>
+          </a:xfrm>
+          <a:prstGeom prst="line">
+            <a:avLst/>
+          </a:prstGeom>
+          <a:ln w="19050">
+            <a:solidFill>
+              <a:schemeClr val="tx1"/>
+            </a:solidFill>
+            <a:headEnd type="none"/>
+            <a:tailEnd type="arrow"/>
+          </a:ln>
+        </p:spPr>
+        <p:style>
+          <a:lnRef idx="1">
+            <a:schemeClr val="accent1"/>
+          </a:lnRef>
+          <a:fillRef idx="0">
+            <a:schemeClr val="accent1"/>
+          </a:fillRef>
+          <a:effectRef idx="0">
+            <a:schemeClr val="accent1"/>
+          </a:effectRef>
+          <a:fontRef idx="minor">
+            <a:schemeClr val="tx1"/>
+          </a:fontRef>
+        </p:style>
+      </p:cxnSp>
+      <p:cxnSp>
+        <p:nvCxnSpPr>
+          <p:cNvPr id="92" name="Straight Connector 26"/>
+          <p:cNvCxnSpPr/>
+          <p:nvPr/>
+        </p:nvCxnSpPr>
+        <p:spPr>
+          <a:xfrm>
+            <a:off x="2061822" y="4772771"/>
+            <a:ext cx="0" cy="365760"/>
+          </a:xfrm>
+          <a:prstGeom prst="line">
+            <a:avLst/>
+          </a:prstGeom>
+          <a:ln w="19050">
+            <a:solidFill>
+              <a:schemeClr val="tx1"/>
+            </a:solidFill>
+            <a:headEnd type="none"/>
+            <a:tailEnd type="arrow"/>
+          </a:ln>
+        </p:spPr>
+        <p:style>
+          <a:lnRef idx="1">
+            <a:schemeClr val="accent1"/>
+          </a:lnRef>
+          <a:fillRef idx="0">
+            <a:schemeClr val="accent1"/>
+          </a:fillRef>
+          <a:effectRef idx="0">
+            <a:schemeClr val="accent1"/>
+          </a:effectRef>
+          <a:fontRef idx="minor">
+            <a:schemeClr val="tx1"/>
+          </a:fontRef>
+        </p:style>
+      </p:cxnSp>
+      <p:cxnSp>
+        <p:nvCxnSpPr>
+          <p:cNvPr id="93" name="Straight Connector 26"/>
+          <p:cNvCxnSpPr/>
+          <p:nvPr/>
+        </p:nvCxnSpPr>
+        <p:spPr>
+          <a:xfrm>
+            <a:off x="6938622" y="3062504"/>
+            <a:ext cx="0" cy="365760"/>
+          </a:xfrm>
+          <a:prstGeom prst="line">
+            <a:avLst/>
+          </a:prstGeom>
+          <a:ln w="19050">
+            <a:solidFill>
+              <a:schemeClr val="tx1"/>
+            </a:solidFill>
+            <a:headEnd type="arrow"/>
+            <a:tailEnd type="none"/>
+          </a:ln>
+        </p:spPr>
+        <p:style>
+          <a:lnRef idx="1">
+            <a:schemeClr val="accent1"/>
+          </a:lnRef>
+          <a:fillRef idx="0">
+            <a:schemeClr val="accent1"/>
+          </a:fillRef>
+          <a:effectRef idx="0">
+            <a:schemeClr val="accent1"/>
+          </a:effectRef>
+          <a:fontRef idx="minor">
+            <a:schemeClr val="tx1"/>
+          </a:fontRef>
+        </p:style>
+      </p:cxnSp>
+      <p:cxnSp>
+        <p:nvCxnSpPr>
+          <p:cNvPr id="94" name="Straight Connector 26"/>
+          <p:cNvCxnSpPr/>
+          <p:nvPr/>
+        </p:nvCxnSpPr>
+        <p:spPr>
+          <a:xfrm>
+            <a:off x="6921688" y="3909170"/>
+            <a:ext cx="0" cy="365760"/>
+          </a:xfrm>
+          <a:prstGeom prst="line">
+            <a:avLst/>
+          </a:prstGeom>
+          <a:ln w="19050">
+            <a:solidFill>
+              <a:schemeClr val="tx1"/>
+            </a:solidFill>
+            <a:headEnd type="arrow"/>
+            <a:tailEnd type="none"/>
+          </a:ln>
+        </p:spPr>
+        <p:style>
+          <a:lnRef idx="1">
+            <a:schemeClr val="accent1"/>
+          </a:lnRef>
+          <a:fillRef idx="0">
+            <a:schemeClr val="accent1"/>
+          </a:fillRef>
+          <a:effectRef idx="0">
+            <a:schemeClr val="accent1"/>
+          </a:effectRef>
+          <a:fontRef idx="minor">
+            <a:schemeClr val="tx1"/>
+          </a:fontRef>
+        </p:style>
+      </p:cxnSp>
+      <p:cxnSp>
+        <p:nvCxnSpPr>
+          <p:cNvPr id="95" name="Straight Connector 26"/>
+          <p:cNvCxnSpPr/>
+          <p:nvPr/>
+        </p:nvCxnSpPr>
+        <p:spPr>
+          <a:xfrm>
+            <a:off x="6921689" y="4789704"/>
+            <a:ext cx="0" cy="365760"/>
+          </a:xfrm>
+          <a:prstGeom prst="line">
+            <a:avLst/>
+          </a:prstGeom>
+          <a:ln w="19050">
+            <a:solidFill>
+              <a:schemeClr val="tx1"/>
+            </a:solidFill>
+            <a:headEnd type="arrow"/>
+            <a:tailEnd type="none"/>
+          </a:ln>
+        </p:spPr>
+        <p:style>
+          <a:lnRef idx="1">
+            <a:schemeClr val="accent1"/>
+          </a:lnRef>
+          <a:fillRef idx="0">
+            <a:schemeClr val="accent1"/>
+          </a:fillRef>
+          <a:effectRef idx="0">
+            <a:schemeClr val="accent1"/>
+          </a:effectRef>
+          <a:fontRef idx="minor">
+            <a:schemeClr val="tx1"/>
+          </a:fontRef>
+        </p:style>
+      </p:cxnSp>
+      <p:cxnSp>
+        <p:nvCxnSpPr>
+          <p:cNvPr id="96" name="Straight Connector 26"/>
+          <p:cNvCxnSpPr/>
+          <p:nvPr/>
+        </p:nvCxnSpPr>
+        <p:spPr>
+          <a:xfrm>
+            <a:off x="3484222" y="5348505"/>
+            <a:ext cx="2403141" cy="8859"/>
+          </a:xfrm>
+          <a:prstGeom prst="line">
+            <a:avLst/>
+          </a:prstGeom>
+          <a:ln w="19050">
+            <a:solidFill>
+              <a:schemeClr val="tx1"/>
+            </a:solidFill>
+            <a:headEnd type="none"/>
+            <a:tailEnd type="arrow"/>
+          </a:ln>
+        </p:spPr>
+        <p:style>
+          <a:lnRef idx="1">
+            <a:schemeClr val="accent1"/>
+          </a:lnRef>
+          <a:fillRef idx="0">
+            <a:schemeClr val="accent1"/>
+          </a:fillRef>
+          <a:effectRef idx="0">
+            <a:schemeClr val="accent1"/>
+          </a:effectRef>
+          <a:fontRef idx="minor">
+            <a:schemeClr val="tx1"/>
+          </a:fontRef>
+        </p:style>
+      </p:cxnSp>
+      <p:cxnSp>
+        <p:nvCxnSpPr>
+          <p:cNvPr id="97" name="Straight Connector 26"/>
+          <p:cNvCxnSpPr/>
+          <p:nvPr/>
+        </p:nvCxnSpPr>
+        <p:spPr>
+          <a:xfrm>
+            <a:off x="6947858" y="1886151"/>
+            <a:ext cx="0" cy="685800"/>
+          </a:xfrm>
+          <a:prstGeom prst="line">
+            <a:avLst/>
+          </a:prstGeom>
+          <a:ln w="19050">
+            <a:solidFill>
+              <a:schemeClr val="tx1"/>
+            </a:solidFill>
+            <a:headEnd type="arrow"/>
+            <a:tailEnd type="none"/>
+          </a:ln>
+        </p:spPr>
+        <p:style>
+          <a:lnRef idx="1">
+            <a:schemeClr val="accent1"/>
+          </a:lnRef>
+          <a:fillRef idx="0">
+            <a:schemeClr val="accent1"/>
+          </a:fillRef>
+          <a:effectRef idx="0">
+            <a:schemeClr val="accent1"/>
+          </a:effectRef>
+          <a:fontRef idx="minor">
+            <a:schemeClr val="tx1"/>
+          </a:fontRef>
+        </p:style>
+      </p:cxnSp>
+      <p:cxnSp>
+        <p:nvCxnSpPr>
+          <p:cNvPr id="98" name="Straight Connector 26"/>
+          <p:cNvCxnSpPr>
+            <a:stCxn id="69" idx="3"/>
+            <a:endCxn id="76" idx="1"/>
+          </p:cNvCxnSpPr>
+          <p:nvPr/>
+        </p:nvCxnSpPr>
+        <p:spPr>
+          <a:xfrm flipV="1">
+            <a:off x="3483834" y="3119611"/>
+            <a:ext cx="548994" cy="541938"/>
+          </a:xfrm>
+          <a:prstGeom prst="bentConnector3">
+            <a:avLst>
+              <a:gd name="adj1" fmla="val 50000"/>
+            </a:avLst>
+          </a:prstGeom>
+          <a:ln w="28575" cmpd="sng">
+            <a:solidFill>
+              <a:schemeClr val="tx1"/>
+            </a:solidFill>
+            <a:prstDash val="dash"/>
+            <a:headEnd type="none"/>
+            <a:tailEnd type="arrow"/>
+          </a:ln>
+        </p:spPr>
+        <p:style>
+          <a:lnRef idx="1">
+            <a:schemeClr val="accent1"/>
+          </a:lnRef>
+          <a:fillRef idx="0">
+            <a:schemeClr val="accent1"/>
+          </a:fillRef>
+          <a:effectRef idx="0">
+            <a:schemeClr val="accent1"/>
+          </a:effectRef>
+          <a:fontRef idx="minor">
+            <a:schemeClr val="tx1"/>
+          </a:fontRef>
+        </p:style>
+      </p:cxnSp>
+      <p:cxnSp>
+        <p:nvCxnSpPr>
+          <p:cNvPr id="32" name="Straight Connector 26"/>
+          <p:cNvCxnSpPr/>
+          <p:nvPr/>
+        </p:nvCxnSpPr>
+        <p:spPr>
+          <a:xfrm>
+            <a:off x="3484225" y="5483972"/>
+            <a:ext cx="2403141" cy="8859"/>
+          </a:xfrm>
+          <a:prstGeom prst="line">
+            <a:avLst/>
+          </a:prstGeom>
+          <a:ln w="19050">
+            <a:solidFill>
+              <a:schemeClr val="tx1"/>
+            </a:solidFill>
+            <a:headEnd type="none"/>
+            <a:tailEnd type="arrow"/>
+          </a:ln>
+        </p:spPr>
+        <p:style>
+          <a:lnRef idx="1">
+            <a:schemeClr val="accent1"/>
+          </a:lnRef>
+          <a:fillRef idx="0">
+            <a:schemeClr val="accent1"/>
+          </a:fillRef>
+          <a:effectRef idx="0">
+            <a:schemeClr val="accent1"/>
+          </a:effectRef>
+          <a:fontRef idx="minor">
+            <a:schemeClr val="tx1"/>
+          </a:fontRef>
+        </p:style>
+      </p:cxnSp>
+      <p:sp>
+        <p:nvSpPr>
+          <p:cNvPr id="33" name="TextBox 54"/>
+          <p:cNvSpPr txBox="1"/>
+          <p:nvPr/>
+        </p:nvSpPr>
+        <p:spPr>
+          <a:xfrm>
+            <a:off x="4267192" y="4890234"/>
+            <a:ext cx="897467" cy="369332"/>
+          </a:xfrm>
+          <a:prstGeom prst="rect">
+            <a:avLst/>
+          </a:prstGeom>
+          <a:noFill/>
+        </p:spPr>
+        <p:txBody>
+          <a:bodyPr wrap="square" rtlCol="0">
+            <a:spAutoFit/>
+          </a:bodyPr>
+          <a:lstStyle/>
+          <a:p>
+            <a:r>
+              <a:rPr lang="en-US" dirty="0"/>
+              <a:t>DPDK</a:t>
+            </a:r>
+          </a:p>
+        </p:txBody>
+      </p:sp>
+      <p:sp>
+        <p:nvSpPr>
+          <p:cNvPr id="34" name="TextBox 54"/>
+          <p:cNvSpPr txBox="1"/>
+          <p:nvPr/>
+        </p:nvSpPr>
+        <p:spPr>
+          <a:xfrm>
+            <a:off x="4216393" y="5550634"/>
+            <a:ext cx="897467" cy="369332"/>
+          </a:xfrm>
+          <a:prstGeom prst="rect">
+            <a:avLst/>
+          </a:prstGeom>
+          <a:noFill/>
+        </p:spPr>
+        <p:txBody>
+          <a:bodyPr wrap="square" rtlCol="0">
+            <a:spAutoFit/>
+          </a:bodyPr>
+          <a:lstStyle/>
+          <a:p>
+            <a:r>
+              <a:rPr lang="en-US" dirty="0"/>
+              <a:t>RDMA</a:t>
+            </a:r>
+          </a:p>
+        </p:txBody>
+      </p:sp>
+    </p:spTree>
+    <p:extLst>
+      <p:ext uri="{BB962C8B-B14F-4D97-AF65-F5344CB8AC3E}">
+        <p14:creationId xmlns:p14="http://schemas.microsoft.com/office/powerpoint/2010/main" val="1164031415"/>
+      </p:ext>
+    </p:extLst>
+  </p:cSld>
+  <p:clrMapOvr>
+    <a:masterClrMapping/>
+  </p:clrMapOvr>
+</p:sld>
+</file>
+
+<file path=ppt/slides/slide6.xml><?xml version="1.0" encoding="utf-8"?>
+<p:sld xmlns:a="http://schemas.openxmlformats.org/drawingml/2006/main" xmlns:r="http://schemas.openxmlformats.org/officeDocument/2006/relationships" xmlns:p="http://schemas.openxmlformats.org/presentationml/2006/main">
+  <p:cSld>
+    <p:spTree>
+      <p:nvGrpSpPr>
+        <p:cNvPr id="1" name=""/>
+        <p:cNvGrpSpPr/>
+        <p:nvPr/>
+      </p:nvGrpSpPr>
+      <p:grpSpPr>
+        <a:xfrm>
+          <a:off x="0" y="0"/>
+          <a:ext cx="0" cy="0"/>
+          <a:chOff x="0" y="0"/>
+          <a:chExt cx="0" cy="0"/>
+        </a:xfrm>
+      </p:grpSpPr>
+      <p:sp>
+        <p:nvSpPr>
+          <p:cNvPr id="55" name="TextBox 54"/>
+          <p:cNvSpPr txBox="1"/>
+          <p:nvPr/>
+        </p:nvSpPr>
+        <p:spPr>
+          <a:xfrm>
+            <a:off x="1947340" y="3061433"/>
+            <a:ext cx="2319864" cy="400110"/>
+          </a:xfrm>
+          <a:prstGeom prst="rect">
+            <a:avLst/>
+          </a:prstGeom>
+          <a:noFill/>
+        </p:spPr>
+        <p:txBody>
+          <a:bodyPr wrap="square" rtlCol="0">
+            <a:spAutoFit/>
+          </a:bodyPr>
+          <a:lstStyle/>
+          <a:p>
+            <a:pPr algn="ctr"/>
+            <a:r>
+              <a:rPr lang="en-US" sz="2000" dirty="0"/>
+              <a:t>Intra-VM</a:t>
+            </a:r>
+          </a:p>
+        </p:txBody>
+      </p:sp>
+      <p:sp>
+        <p:nvSpPr>
+          <p:cNvPr id="76" name="Rectangle 5"/>
+          <p:cNvSpPr/>
+          <p:nvPr/>
+        </p:nvSpPr>
+        <p:spPr>
+          <a:xfrm>
+            <a:off x="1069495" y="3348211"/>
+            <a:ext cx="1342578" cy="457200"/>
+          </a:xfrm>
+          <a:prstGeom prst="rect">
+            <a:avLst/>
+          </a:prstGeom>
+          <a:solidFill>
+            <a:srgbClr val="FFFFFF"/>
+          </a:solidFill>
+          <a:ln w="19050">
+            <a:solidFill>
+              <a:schemeClr val="tx1">
+                <a:lumMod val="75000"/>
+                <a:lumOff val="25000"/>
+              </a:schemeClr>
+            </a:solidFill>
+          </a:ln>
+        </p:spPr>
+        <p:style>
+          <a:lnRef idx="2">
+            <a:schemeClr val="accent1">
+              <a:shade val="50000"/>
+            </a:schemeClr>
+          </a:lnRef>
+          <a:fillRef idx="1">
+            <a:schemeClr val="accent1"/>
+          </a:fillRef>
+          <a:effectRef idx="0">
+            <a:schemeClr val="accent1"/>
+          </a:effectRef>
+          <a:fontRef idx="minor">
+            <a:schemeClr val="lt1"/>
+          </a:fontRef>
+        </p:style>
+        <p:txBody>
+          <a:bodyPr rtlCol="0" anchor="ctr"/>
+          <a:lstStyle/>
+          <a:p>
+            <a:pPr algn="ctr"/>
+            <a:r>
+              <a:rPr lang="en-US" dirty="0" err="1">
+                <a:solidFill>
+                  <a:sysClr val="windowText" lastClr="000000"/>
+                </a:solidFill>
+              </a:rPr>
+              <a:t>Mesos</a:t>
+            </a:r>
             <a:endParaRPr lang="en-US" dirty="0">
               <a:solidFill>
                 <a:sysClr val="windowText" lastClr="000000"/>
@@ -6630,6 +10684,68 @@
       </p:sp>
       <p:sp>
         <p:nvSpPr>
+          <p:cNvPr id="77" name="Rectangle 5"/>
+          <p:cNvSpPr/>
+          <p:nvPr/>
+        </p:nvSpPr>
+        <p:spPr>
+          <a:xfrm>
+            <a:off x="3589866" y="4056591"/>
+            <a:ext cx="1342578" cy="457200"/>
+          </a:xfrm>
+          <a:prstGeom prst="rect">
+            <a:avLst/>
+          </a:prstGeom>
+          <a:solidFill>
+            <a:srgbClr val="FFFFFF"/>
+          </a:solidFill>
+          <a:ln w="19050">
+            <a:solidFill>
+              <a:schemeClr val="tx1">
+                <a:lumMod val="75000"/>
+                <a:lumOff val="25000"/>
+              </a:schemeClr>
+            </a:solidFill>
+          </a:ln>
+        </p:spPr>
+        <p:style>
+          <a:lnRef idx="2">
+            <a:schemeClr val="accent1">
+              <a:shade val="50000"/>
+            </a:schemeClr>
+          </a:lnRef>
+          <a:fillRef idx="1">
+            <a:schemeClr val="accent1"/>
+          </a:fillRef>
+          <a:effectRef idx="0">
+            <a:schemeClr val="accent1"/>
+          </a:effectRef>
+          <a:fontRef idx="minor">
+            <a:schemeClr val="lt1"/>
+          </a:fontRef>
+        </p:style>
+        <p:txBody>
+          <a:bodyPr rtlCol="0" anchor="ctr"/>
+          <a:lstStyle/>
+          <a:p>
+            <a:pPr algn="ctr">
+              <a:lnSpc>
+                <a:spcPct val="80000"/>
+              </a:lnSpc>
+            </a:pPr>
+            <a:r>
+              <a:rPr lang="en-US" dirty="0">
+                <a:solidFill>
+                  <a:sysClr val="windowText" lastClr="000000"/>
+                </a:solidFill>
+              </a:rPr>
+              <a:t>Fabric Controller</a:t>
+            </a:r>
+          </a:p>
+        </p:txBody>
+      </p:sp>
+      <p:sp>
+        <p:nvSpPr>
           <p:cNvPr id="87" name="TextBox 54"/>
           <p:cNvSpPr txBox="1"/>
           <p:nvPr/>
@@ -6651,10 +10767,9 @@
           <a:lstStyle/>
           <a:p>
             <a:r>
-              <a:rPr lang="en-US" sz="2000" dirty="0" smtClean="0"/>
+              <a:rPr lang="en-US" sz="2000" dirty="0"/>
               <a:t>Shared Memory</a:t>
             </a:r>
-            <a:endParaRPr lang="en-US" sz="2000" dirty="0"/>
           </a:p>
         </p:txBody>
       </p:sp>
@@ -6762,11 +10877,11 @@
           <a:lstStyle/>
           <a:p>
             <a:r>
-              <a:rPr lang="en-US" sz="2000" dirty="0" smtClean="0"/>
+              <a:rPr lang="en-US" sz="2000" dirty="0"/>
               <a:t>DPDK/</a:t>
             </a:r>
             <a:r>
-              <a:rPr lang="en-US" sz="2000" dirty="0" err="1" smtClean="0"/>
+              <a:rPr lang="en-US" sz="2000" dirty="0" err="1"/>
               <a:t>Netmap</a:t>
             </a:r>
             <a:endParaRPr lang="en-US" sz="2000" dirty="0"/>
@@ -6796,10 +10911,9 @@
           <a:lstStyle/>
           <a:p>
             <a:r>
-              <a:rPr lang="en-US" sz="2000" dirty="0" smtClean="0"/>
+              <a:rPr lang="en-US" sz="2000" dirty="0"/>
               <a:t>RDMA</a:t>
             </a:r>
-            <a:endParaRPr lang="en-US" sz="2000" dirty="0"/>
           </a:p>
         </p:txBody>
       </p:sp>
@@ -6867,10 +10981,9 @@
           <a:p>
             <a:pPr algn="ctr"/>
             <a:r>
-              <a:rPr lang="en-US" sz="2000" dirty="0" smtClean="0"/>
+              <a:rPr lang="en-US" sz="2000" dirty="0"/>
               <a:t>Inter-VM</a:t>
             </a:r>
-            <a:endParaRPr lang="en-US" sz="2000" dirty="0"/>
           </a:p>
         </p:txBody>
       </p:sp>
@@ -6936,10 +11049,9 @@
           <a:p>
             <a:pPr algn="ctr"/>
             <a:r>
-              <a:rPr lang="en-US" sz="2000" dirty="0" smtClean="0"/>
+              <a:rPr lang="en-US" sz="2000" dirty="0"/>
               <a:t>Intra-host</a:t>
             </a:r>
-            <a:endParaRPr lang="en-US" sz="2000" dirty="0"/>
           </a:p>
         </p:txBody>
       </p:sp>
@@ -7005,10 +11117,9 @@
           <a:p>
             <a:pPr algn="ctr"/>
             <a:r>
-              <a:rPr lang="en-US" sz="2000" dirty="0" smtClean="0"/>
+              <a:rPr lang="en-US" sz="2000" dirty="0"/>
               <a:t>Inter-host</a:t>
             </a:r>
-            <a:endParaRPr lang="en-US" sz="2000" dirty="0"/>
           </a:p>
         </p:txBody>
       </p:sp>
@@ -7280,7 +11391,7 @@
   <a:extraClrSchemeLst/>
   <a:extLst>
     <a:ext uri="{05A4C25C-085E-4340-85A3-A5531E510DB2}">
-      <thm15:themeFamily xmlns="" xmlns:thm15="http://schemas.microsoft.com/office/thememl/2012/main" name="Office Theme" id="{62F939B6-93AF-4DB8-9C6B-D6C7DFDC589F}" vid="{4A3C46E8-61CC-4603-A589-7422A47A8E4A}"/>
+      <thm15:themeFamily xmlns:thm15="http://schemas.microsoft.com/office/thememl/2012/main" name="Office Theme" id="{62F939B6-93AF-4DB8-9C6B-D6C7DFDC589F}" vid="{4A3C46E8-61CC-4603-A589-7422A47A8E4A}"/>
     </a:ext>
   </a:extLst>
 </a:theme>

--- a/figures/figures.pptx
+++ b/figures/figures.pptx
@@ -259,7 +259,7 @@
           <a:p>
             <a:fld id="{621EDD06-D935-4757-8E3B-CF3AF6A4D88B}" type="datetimeFigureOut">
               <a:rPr lang="en-US" smtClean="0"/>
-              <a:t>7/13/2016</a:t>
+              <a:t>7/14/2016</a:t>
             </a:fld>
             <a:endParaRPr lang="en-US"/>
           </a:p>
@@ -429,7 +429,7 @@
           <a:p>
             <a:fld id="{621EDD06-D935-4757-8E3B-CF3AF6A4D88B}" type="datetimeFigureOut">
               <a:rPr lang="en-US" smtClean="0"/>
-              <a:t>7/13/2016</a:t>
+              <a:t>7/14/2016</a:t>
             </a:fld>
             <a:endParaRPr lang="en-US"/>
           </a:p>
@@ -609,7 +609,7 @@
           <a:p>
             <a:fld id="{621EDD06-D935-4757-8E3B-CF3AF6A4D88B}" type="datetimeFigureOut">
               <a:rPr lang="en-US" smtClean="0"/>
-              <a:t>7/13/2016</a:t>
+              <a:t>7/14/2016</a:t>
             </a:fld>
             <a:endParaRPr lang="en-US"/>
           </a:p>
@@ -779,7 +779,7 @@
           <a:p>
             <a:fld id="{621EDD06-D935-4757-8E3B-CF3AF6A4D88B}" type="datetimeFigureOut">
               <a:rPr lang="en-US" smtClean="0"/>
-              <a:t>7/13/2016</a:t>
+              <a:t>7/14/2016</a:t>
             </a:fld>
             <a:endParaRPr lang="en-US"/>
           </a:p>
@@ -1023,7 +1023,7 @@
           <a:p>
             <a:fld id="{621EDD06-D935-4757-8E3B-CF3AF6A4D88B}" type="datetimeFigureOut">
               <a:rPr lang="en-US" smtClean="0"/>
-              <a:t>7/13/2016</a:t>
+              <a:t>7/14/2016</a:t>
             </a:fld>
             <a:endParaRPr lang="en-US"/>
           </a:p>
@@ -1255,7 +1255,7 @@
           <a:p>
             <a:fld id="{621EDD06-D935-4757-8E3B-CF3AF6A4D88B}" type="datetimeFigureOut">
               <a:rPr lang="en-US" smtClean="0"/>
-              <a:t>7/13/2016</a:t>
+              <a:t>7/14/2016</a:t>
             </a:fld>
             <a:endParaRPr lang="en-US"/>
           </a:p>
@@ -1622,7 +1622,7 @@
           <a:p>
             <a:fld id="{621EDD06-D935-4757-8E3B-CF3AF6A4D88B}" type="datetimeFigureOut">
               <a:rPr lang="en-US" smtClean="0"/>
-              <a:t>7/13/2016</a:t>
+              <a:t>7/14/2016</a:t>
             </a:fld>
             <a:endParaRPr lang="en-US"/>
           </a:p>
@@ -1740,7 +1740,7 @@
           <a:p>
             <a:fld id="{621EDD06-D935-4757-8E3B-CF3AF6A4D88B}" type="datetimeFigureOut">
               <a:rPr lang="en-US" smtClean="0"/>
-              <a:t>7/13/2016</a:t>
+              <a:t>7/14/2016</a:t>
             </a:fld>
             <a:endParaRPr lang="en-US"/>
           </a:p>
@@ -1835,7 +1835,7 @@
           <a:p>
             <a:fld id="{621EDD06-D935-4757-8E3B-CF3AF6A4D88B}" type="datetimeFigureOut">
               <a:rPr lang="en-US" smtClean="0"/>
-              <a:t>7/13/2016</a:t>
+              <a:t>7/14/2016</a:t>
             </a:fld>
             <a:endParaRPr lang="en-US"/>
           </a:p>
@@ -2112,7 +2112,7 @@
           <a:p>
             <a:fld id="{621EDD06-D935-4757-8E3B-CF3AF6A4D88B}" type="datetimeFigureOut">
               <a:rPr lang="en-US" smtClean="0"/>
-              <a:t>7/13/2016</a:t>
+              <a:t>7/14/2016</a:t>
             </a:fld>
             <a:endParaRPr lang="en-US"/>
           </a:p>
@@ -2369,7 +2369,7 @@
           <a:p>
             <a:fld id="{621EDD06-D935-4757-8E3B-CF3AF6A4D88B}" type="datetimeFigureOut">
               <a:rPr lang="en-US" smtClean="0"/>
-              <a:t>7/13/2016</a:t>
+              <a:t>7/14/2016</a:t>
             </a:fld>
             <a:endParaRPr lang="en-US"/>
           </a:p>
@@ -2582,7 +2582,7 @@
           <a:p>
             <a:fld id="{621EDD06-D935-4757-8E3B-CF3AF6A4D88B}" type="datetimeFigureOut">
               <a:rPr lang="en-US" smtClean="0"/>
-              <a:t>7/13/2016</a:t>
+              <a:t>7/14/2016</a:t>
             </a:fld>
             <a:endParaRPr lang="en-US"/>
           </a:p>

--- a/figures/figures.pptx
+++ b/figures/figures.pptx
@@ -11,6 +11,7 @@
     <p:sldId id="260" r:id="rId5"/>
     <p:sldId id="257" r:id="rId6"/>
     <p:sldId id="258" r:id="rId7"/>
+    <p:sldId id="262" r:id="rId8"/>
   </p:sldIdLst>
   <p:sldSz cx="9144000" cy="6858000" type="screen4x3"/>
   <p:notesSz cx="6858000" cy="9144000"/>
@@ -111,7 +112,7 @@
   </p:defaultTextStyle>
   <p:extLst>
     <p:ext uri="{EFAFB233-063F-42B5-8137-9DF3F51BA10A}">
-      <p15:sldGuideLst xmlns:p15="http://schemas.microsoft.com/office/powerpoint/2012/main">
+      <p15:sldGuideLst xmlns:p15="http://schemas.microsoft.com/office/powerpoint/2012/main" xmlns="">
         <p15:guide id="1" orient="horz" pos="2160">
           <p15:clr>
             <a:srgbClr val="A4A3A4"/>
@@ -259,7 +260,7 @@
           <a:p>
             <a:fld id="{621EDD06-D935-4757-8E3B-CF3AF6A4D88B}" type="datetimeFigureOut">
               <a:rPr lang="en-US" smtClean="0"/>
-              <a:t>7/14/2016</a:t>
+              <a:t>7/14/16</a:t>
             </a:fld>
             <a:endParaRPr lang="en-US"/>
           </a:p>
@@ -429,7 +430,7 @@
           <a:p>
             <a:fld id="{621EDD06-D935-4757-8E3B-CF3AF6A4D88B}" type="datetimeFigureOut">
               <a:rPr lang="en-US" smtClean="0"/>
-              <a:t>7/14/2016</a:t>
+              <a:t>7/14/16</a:t>
             </a:fld>
             <a:endParaRPr lang="en-US"/>
           </a:p>
@@ -609,7 +610,7 @@
           <a:p>
             <a:fld id="{621EDD06-D935-4757-8E3B-CF3AF6A4D88B}" type="datetimeFigureOut">
               <a:rPr lang="en-US" smtClean="0"/>
-              <a:t>7/14/2016</a:t>
+              <a:t>7/14/16</a:t>
             </a:fld>
             <a:endParaRPr lang="en-US"/>
           </a:p>
@@ -779,7 +780,7 @@
           <a:p>
             <a:fld id="{621EDD06-D935-4757-8E3B-CF3AF6A4D88B}" type="datetimeFigureOut">
               <a:rPr lang="en-US" smtClean="0"/>
-              <a:t>7/14/2016</a:t>
+              <a:t>7/14/16</a:t>
             </a:fld>
             <a:endParaRPr lang="en-US"/>
           </a:p>
@@ -1023,7 +1024,7 @@
           <a:p>
             <a:fld id="{621EDD06-D935-4757-8E3B-CF3AF6A4D88B}" type="datetimeFigureOut">
               <a:rPr lang="en-US" smtClean="0"/>
-              <a:t>7/14/2016</a:t>
+              <a:t>7/14/16</a:t>
             </a:fld>
             <a:endParaRPr lang="en-US"/>
           </a:p>
@@ -1255,7 +1256,7 @@
           <a:p>
             <a:fld id="{621EDD06-D935-4757-8E3B-CF3AF6A4D88B}" type="datetimeFigureOut">
               <a:rPr lang="en-US" smtClean="0"/>
-              <a:t>7/14/2016</a:t>
+              <a:t>7/14/16</a:t>
             </a:fld>
             <a:endParaRPr lang="en-US"/>
           </a:p>
@@ -1622,7 +1623,7 @@
           <a:p>
             <a:fld id="{621EDD06-D935-4757-8E3B-CF3AF6A4D88B}" type="datetimeFigureOut">
               <a:rPr lang="en-US" smtClean="0"/>
-              <a:t>7/14/2016</a:t>
+              <a:t>7/14/16</a:t>
             </a:fld>
             <a:endParaRPr lang="en-US"/>
           </a:p>
@@ -1740,7 +1741,7 @@
           <a:p>
             <a:fld id="{621EDD06-D935-4757-8E3B-CF3AF6A4D88B}" type="datetimeFigureOut">
               <a:rPr lang="en-US" smtClean="0"/>
-              <a:t>7/14/2016</a:t>
+              <a:t>7/14/16</a:t>
             </a:fld>
             <a:endParaRPr lang="en-US"/>
           </a:p>
@@ -1835,7 +1836,7 @@
           <a:p>
             <a:fld id="{621EDD06-D935-4757-8E3B-CF3AF6A4D88B}" type="datetimeFigureOut">
               <a:rPr lang="en-US" smtClean="0"/>
-              <a:t>7/14/2016</a:t>
+              <a:t>7/14/16</a:t>
             </a:fld>
             <a:endParaRPr lang="en-US"/>
           </a:p>
@@ -2112,7 +2113,7 @@
           <a:p>
             <a:fld id="{621EDD06-D935-4757-8E3B-CF3AF6A4D88B}" type="datetimeFigureOut">
               <a:rPr lang="en-US" smtClean="0"/>
-              <a:t>7/14/2016</a:t>
+              <a:t>7/14/16</a:t>
             </a:fld>
             <a:endParaRPr lang="en-US"/>
           </a:p>
@@ -2369,7 +2370,7 @@
           <a:p>
             <a:fld id="{621EDD06-D935-4757-8E3B-CF3AF6A4D88B}" type="datetimeFigureOut">
               <a:rPr lang="en-US" smtClean="0"/>
-              <a:t>7/14/2016</a:t>
+              <a:t>7/14/16</a:t>
             </a:fld>
             <a:endParaRPr lang="en-US"/>
           </a:p>
@@ -2582,7 +2583,7 @@
           <a:p>
             <a:fld id="{621EDD06-D935-4757-8E3B-CF3AF6A4D88B}" type="datetimeFigureOut">
               <a:rPr lang="en-US" smtClean="0"/>
-              <a:t>7/14/2016</a:t>
+              <a:t>7/14/16</a:t>
             </a:fld>
             <a:endParaRPr lang="en-US"/>
           </a:p>
@@ -11136,6 +11137,1487 @@
 </p:sld>
 </file>
 
+<file path=ppt/slides/slide7.xml><?xml version="1.0" encoding="utf-8"?>
+<p:sld xmlns:a="http://schemas.openxmlformats.org/drawingml/2006/main" xmlns:r="http://schemas.openxmlformats.org/officeDocument/2006/relationships" xmlns:p="http://schemas.openxmlformats.org/presentationml/2006/main">
+  <p:cSld>
+    <p:spTree>
+      <p:nvGrpSpPr>
+        <p:cNvPr id="1" name=""/>
+        <p:cNvGrpSpPr/>
+        <p:nvPr/>
+      </p:nvGrpSpPr>
+      <p:grpSpPr>
+        <a:xfrm>
+          <a:off x="0" y="0"/>
+          <a:ext cx="0" cy="0"/>
+          <a:chOff x="0" y="0"/>
+          <a:chExt cx="0" cy="0"/>
+        </a:xfrm>
+      </p:grpSpPr>
+      <p:sp>
+        <p:nvSpPr>
+          <p:cNvPr id="9" name="Rectangle 8"/>
+          <p:cNvSpPr/>
+          <p:nvPr/>
+        </p:nvSpPr>
+        <p:spPr>
+          <a:xfrm>
+            <a:off x="398429" y="1232885"/>
+            <a:ext cx="1342578" cy="640080"/>
+          </a:xfrm>
+          <a:prstGeom prst="rect">
+            <a:avLst/>
+          </a:prstGeom>
+          <a:noFill/>
+          <a:ln w="19050">
+            <a:solidFill>
+              <a:schemeClr val="tx1">
+                <a:lumMod val="75000"/>
+                <a:lumOff val="25000"/>
+              </a:schemeClr>
+            </a:solidFill>
+          </a:ln>
+        </p:spPr>
+        <p:style>
+          <a:lnRef idx="2">
+            <a:schemeClr val="accent1">
+              <a:shade val="50000"/>
+            </a:schemeClr>
+          </a:lnRef>
+          <a:fillRef idx="1">
+            <a:schemeClr val="accent1"/>
+          </a:fillRef>
+          <a:effectRef idx="0">
+            <a:schemeClr val="accent1"/>
+          </a:effectRef>
+          <a:fontRef idx="minor">
+            <a:schemeClr val="lt1"/>
+          </a:fontRef>
+        </p:style>
+        <p:txBody>
+          <a:bodyPr rtlCol="0" anchor="ctr"/>
+          <a:lstStyle/>
+          <a:p>
+            <a:pPr algn="ctr"/>
+            <a:r>
+              <a:rPr lang="en-US" dirty="0">
+                <a:solidFill>
+                  <a:schemeClr val="tx1"/>
+                </a:solidFill>
+              </a:rPr>
+              <a:t>TCP/IP Apps</a:t>
+            </a:r>
+          </a:p>
+          <a:p>
+            <a:pPr algn="ctr"/>
+            <a:r>
+              <a:rPr lang="en-US" dirty="0">
+                <a:solidFill>
+                  <a:schemeClr val="tx1"/>
+                </a:solidFill>
+              </a:rPr>
+              <a:t>Container </a:t>
+            </a:r>
+            <a:r>
+              <a:rPr lang="en-US" i="1" dirty="0">
+                <a:solidFill>
+                  <a:schemeClr val="tx1"/>
+                </a:solidFill>
+              </a:rPr>
+              <a:t>1</a:t>
+            </a:r>
+          </a:p>
+        </p:txBody>
+      </p:sp>
+      <p:sp>
+        <p:nvSpPr>
+          <p:cNvPr id="14" name="Rectangle 13"/>
+          <p:cNvSpPr/>
+          <p:nvPr/>
+        </p:nvSpPr>
+        <p:spPr>
+          <a:xfrm>
+            <a:off x="1896734" y="1241585"/>
+            <a:ext cx="1342578" cy="640080"/>
+          </a:xfrm>
+          <a:prstGeom prst="rect">
+            <a:avLst/>
+          </a:prstGeom>
+          <a:noFill/>
+          <a:ln w="19050">
+            <a:solidFill>
+              <a:schemeClr val="tx1">
+                <a:lumMod val="75000"/>
+                <a:lumOff val="25000"/>
+              </a:schemeClr>
+            </a:solidFill>
+          </a:ln>
+        </p:spPr>
+        <p:style>
+          <a:lnRef idx="2">
+            <a:schemeClr val="accent1">
+              <a:shade val="50000"/>
+            </a:schemeClr>
+          </a:lnRef>
+          <a:fillRef idx="1">
+            <a:schemeClr val="accent1"/>
+          </a:fillRef>
+          <a:effectRef idx="0">
+            <a:schemeClr val="accent1"/>
+          </a:effectRef>
+          <a:fontRef idx="minor">
+            <a:schemeClr val="lt1"/>
+          </a:fontRef>
+        </p:style>
+        <p:txBody>
+          <a:bodyPr rtlCol="0" anchor="ctr"/>
+          <a:lstStyle/>
+          <a:p>
+            <a:pPr algn="ctr"/>
+            <a:r>
+              <a:rPr lang="en-US" dirty="0">
+                <a:solidFill>
+                  <a:schemeClr val="tx1"/>
+                </a:solidFill>
+              </a:rPr>
+              <a:t>RDMA Apps</a:t>
+            </a:r>
+          </a:p>
+          <a:p>
+            <a:pPr algn="ctr"/>
+            <a:r>
+              <a:rPr lang="en-US" dirty="0">
+                <a:solidFill>
+                  <a:schemeClr val="tx1"/>
+                </a:solidFill>
+              </a:rPr>
+              <a:t>Container </a:t>
+            </a:r>
+            <a:r>
+              <a:rPr lang="en-US" i="1" dirty="0">
+                <a:solidFill>
+                  <a:schemeClr val="tx1"/>
+                </a:solidFill>
+              </a:rPr>
+              <a:t>2</a:t>
+            </a:r>
+          </a:p>
+        </p:txBody>
+      </p:sp>
+      <p:sp>
+        <p:nvSpPr>
+          <p:cNvPr id="55" name="TextBox 54"/>
+          <p:cNvSpPr txBox="1"/>
+          <p:nvPr/>
+        </p:nvSpPr>
+        <p:spPr>
+          <a:xfrm>
+            <a:off x="3488258" y="1646395"/>
+            <a:ext cx="2931724" cy="369332"/>
+          </a:xfrm>
+          <a:prstGeom prst="rect">
+            <a:avLst/>
+          </a:prstGeom>
+          <a:noFill/>
+        </p:spPr>
+        <p:txBody>
+          <a:bodyPr wrap="square" rtlCol="0">
+            <a:spAutoFit/>
+          </a:bodyPr>
+          <a:lstStyle/>
+          <a:p>
+            <a:pPr algn="ctr"/>
+            <a:r>
+              <a:rPr lang="en-US" dirty="0" smtClean="0"/>
+              <a:t>Location/Resource Utilization</a:t>
+            </a:r>
+            <a:endParaRPr lang="en-US" dirty="0"/>
+          </a:p>
+        </p:txBody>
+      </p:sp>
+      <p:sp>
+        <p:nvSpPr>
+          <p:cNvPr id="62" name="Rectangle 61"/>
+          <p:cNvSpPr/>
+          <p:nvPr/>
+        </p:nvSpPr>
+        <p:spPr>
+          <a:xfrm>
+            <a:off x="6648799" y="1234813"/>
+            <a:ext cx="2099733" cy="640080"/>
+          </a:xfrm>
+          <a:prstGeom prst="rect">
+            <a:avLst/>
+          </a:prstGeom>
+          <a:noFill/>
+          <a:ln w="19050">
+            <a:solidFill>
+              <a:schemeClr val="tx1">
+                <a:lumMod val="75000"/>
+                <a:lumOff val="25000"/>
+              </a:schemeClr>
+            </a:solidFill>
+          </a:ln>
+        </p:spPr>
+        <p:style>
+          <a:lnRef idx="2">
+            <a:schemeClr val="accent1">
+              <a:shade val="50000"/>
+            </a:schemeClr>
+          </a:lnRef>
+          <a:fillRef idx="1">
+            <a:schemeClr val="accent1"/>
+          </a:fillRef>
+          <a:effectRef idx="0">
+            <a:schemeClr val="accent1"/>
+          </a:effectRef>
+          <a:fontRef idx="minor">
+            <a:schemeClr val="lt1"/>
+          </a:fontRef>
+        </p:style>
+        <p:txBody>
+          <a:bodyPr rtlCol="0" anchor="ctr"/>
+          <a:lstStyle/>
+          <a:p>
+            <a:pPr algn="ctr"/>
+            <a:r>
+              <a:rPr lang="en-US" dirty="0" smtClean="0">
+                <a:solidFill>
+                  <a:schemeClr val="tx1"/>
+                </a:solidFill>
+              </a:rPr>
+              <a:t>RDMA Apps</a:t>
+            </a:r>
+          </a:p>
+          <a:p>
+            <a:pPr algn="ctr"/>
+            <a:r>
+              <a:rPr lang="en-US" dirty="0" smtClean="0">
+                <a:solidFill>
+                  <a:schemeClr val="tx1"/>
+                </a:solidFill>
+              </a:rPr>
+              <a:t>Container </a:t>
+            </a:r>
+            <a:r>
+              <a:rPr lang="en-US" i="1" dirty="0">
+                <a:solidFill>
+                  <a:schemeClr val="tx1"/>
+                </a:solidFill>
+              </a:rPr>
+              <a:t>3</a:t>
+            </a:r>
+          </a:p>
+        </p:txBody>
+      </p:sp>
+      <p:sp>
+        <p:nvSpPr>
+          <p:cNvPr id="53" name="Rectangle 5"/>
+          <p:cNvSpPr/>
+          <p:nvPr/>
+        </p:nvSpPr>
+        <p:spPr>
+          <a:xfrm>
+            <a:off x="406081" y="2576597"/>
+            <a:ext cx="2859916" cy="437744"/>
+          </a:xfrm>
+          <a:prstGeom prst="rect">
+            <a:avLst/>
+          </a:prstGeom>
+          <a:solidFill>
+            <a:schemeClr val="tx2">
+              <a:lumMod val="20000"/>
+              <a:lumOff val="80000"/>
+            </a:schemeClr>
+          </a:solidFill>
+          <a:ln w="19050">
+            <a:solidFill>
+              <a:schemeClr val="tx1">
+                <a:lumMod val="75000"/>
+                <a:lumOff val="25000"/>
+              </a:schemeClr>
+            </a:solidFill>
+          </a:ln>
+        </p:spPr>
+        <p:style>
+          <a:lnRef idx="2">
+            <a:schemeClr val="accent1">
+              <a:shade val="50000"/>
+            </a:schemeClr>
+          </a:lnRef>
+          <a:fillRef idx="1">
+            <a:schemeClr val="accent1"/>
+          </a:fillRef>
+          <a:effectRef idx="0">
+            <a:schemeClr val="accent1"/>
+          </a:effectRef>
+          <a:fontRef idx="minor">
+            <a:schemeClr val="lt1"/>
+          </a:fontRef>
+        </p:style>
+        <p:txBody>
+          <a:bodyPr rtlCol="0" anchor="ctr"/>
+          <a:lstStyle/>
+          <a:p>
+            <a:pPr algn="ctr"/>
+            <a:r>
+              <a:rPr lang="en-US" dirty="0">
+                <a:solidFill>
+                  <a:sysClr val="windowText" lastClr="000000"/>
+                </a:solidFill>
+              </a:rPr>
+              <a:t>Verbs API</a:t>
+            </a:r>
+          </a:p>
+        </p:txBody>
+      </p:sp>
+      <p:sp>
+        <p:nvSpPr>
+          <p:cNvPr id="66" name="Rectangle 5"/>
+          <p:cNvSpPr/>
+          <p:nvPr/>
+        </p:nvSpPr>
+        <p:spPr>
+          <a:xfrm>
+            <a:off x="395667" y="2007238"/>
+            <a:ext cx="1342578" cy="437744"/>
+          </a:xfrm>
+          <a:prstGeom prst="rect">
+            <a:avLst/>
+          </a:prstGeom>
+          <a:noFill/>
+          <a:ln w="19050">
+            <a:solidFill>
+              <a:schemeClr val="tx1">
+                <a:lumMod val="75000"/>
+                <a:lumOff val="25000"/>
+              </a:schemeClr>
+            </a:solidFill>
+          </a:ln>
+        </p:spPr>
+        <p:style>
+          <a:lnRef idx="2">
+            <a:schemeClr val="accent1">
+              <a:shade val="50000"/>
+            </a:schemeClr>
+          </a:lnRef>
+          <a:fillRef idx="1">
+            <a:schemeClr val="accent1"/>
+          </a:fillRef>
+          <a:effectRef idx="0">
+            <a:schemeClr val="accent1"/>
+          </a:effectRef>
+          <a:fontRef idx="minor">
+            <a:schemeClr val="lt1"/>
+          </a:fontRef>
+        </p:style>
+        <p:txBody>
+          <a:bodyPr rtlCol="0" anchor="ctr"/>
+          <a:lstStyle/>
+          <a:p>
+            <a:pPr algn="ctr"/>
+            <a:r>
+              <a:rPr lang="en-US" dirty="0">
+                <a:solidFill>
+                  <a:sysClr val="windowText" lastClr="000000"/>
+                </a:solidFill>
+              </a:rPr>
+              <a:t>IP to Verbs </a:t>
+            </a:r>
+          </a:p>
+        </p:txBody>
+      </p:sp>
+      <p:cxnSp>
+        <p:nvCxnSpPr>
+          <p:cNvPr id="67" name="Straight Connector 26"/>
+          <p:cNvCxnSpPr/>
+          <p:nvPr/>
+        </p:nvCxnSpPr>
+        <p:spPr>
+          <a:xfrm>
+            <a:off x="1077366" y="1878454"/>
+            <a:ext cx="0" cy="137160"/>
+          </a:xfrm>
+          <a:prstGeom prst="line">
+            <a:avLst/>
+          </a:prstGeom>
+          <a:ln w="19050">
+            <a:solidFill>
+              <a:schemeClr val="tx1"/>
+            </a:solidFill>
+            <a:headEnd type="none"/>
+            <a:tailEnd type="arrow"/>
+          </a:ln>
+        </p:spPr>
+        <p:style>
+          <a:lnRef idx="1">
+            <a:schemeClr val="accent1"/>
+          </a:lnRef>
+          <a:fillRef idx="0">
+            <a:schemeClr val="accent1"/>
+          </a:fillRef>
+          <a:effectRef idx="0">
+            <a:schemeClr val="accent1"/>
+          </a:effectRef>
+          <a:fontRef idx="minor">
+            <a:schemeClr val="tx1"/>
+          </a:fontRef>
+        </p:style>
+      </p:cxnSp>
+      <p:cxnSp>
+        <p:nvCxnSpPr>
+          <p:cNvPr id="68" name="Straight Connector 26"/>
+          <p:cNvCxnSpPr/>
+          <p:nvPr/>
+        </p:nvCxnSpPr>
+        <p:spPr>
+          <a:xfrm>
+            <a:off x="2553645" y="1869218"/>
+            <a:ext cx="0" cy="685800"/>
+          </a:xfrm>
+          <a:prstGeom prst="line">
+            <a:avLst/>
+          </a:prstGeom>
+          <a:ln w="19050">
+            <a:solidFill>
+              <a:schemeClr val="tx1"/>
+            </a:solidFill>
+            <a:headEnd type="none"/>
+            <a:tailEnd type="arrow"/>
+          </a:ln>
+        </p:spPr>
+        <p:style>
+          <a:lnRef idx="1">
+            <a:schemeClr val="accent1"/>
+          </a:lnRef>
+          <a:fillRef idx="0">
+            <a:schemeClr val="accent1"/>
+          </a:fillRef>
+          <a:effectRef idx="0">
+            <a:schemeClr val="accent1"/>
+          </a:effectRef>
+          <a:fontRef idx="minor">
+            <a:schemeClr val="tx1"/>
+          </a:fontRef>
+        </p:style>
+      </p:cxnSp>
+      <p:sp>
+        <p:nvSpPr>
+          <p:cNvPr id="69" name="Rectangle 5"/>
+          <p:cNvSpPr/>
+          <p:nvPr/>
+        </p:nvSpPr>
+        <p:spPr>
+          <a:xfrm>
+            <a:off x="3723518" y="3396873"/>
+            <a:ext cx="2468880" cy="437744"/>
+          </a:xfrm>
+          <a:prstGeom prst="rect">
+            <a:avLst/>
+          </a:prstGeom>
+          <a:solidFill>
+            <a:schemeClr val="tx2">
+              <a:lumMod val="20000"/>
+              <a:lumOff val="80000"/>
+            </a:schemeClr>
+          </a:solidFill>
+          <a:ln w="19050">
+            <a:solidFill>
+              <a:schemeClr val="tx1">
+                <a:lumMod val="75000"/>
+                <a:lumOff val="25000"/>
+              </a:schemeClr>
+            </a:solidFill>
+          </a:ln>
+        </p:spPr>
+        <p:style>
+          <a:lnRef idx="2">
+            <a:schemeClr val="accent1">
+              <a:shade val="50000"/>
+            </a:schemeClr>
+          </a:lnRef>
+          <a:fillRef idx="1">
+            <a:schemeClr val="accent1"/>
+          </a:fillRef>
+          <a:effectRef idx="0">
+            <a:schemeClr val="accent1"/>
+          </a:effectRef>
+          <a:fontRef idx="minor">
+            <a:schemeClr val="lt1"/>
+          </a:fontRef>
+        </p:style>
+        <p:txBody>
+          <a:bodyPr rtlCol="0" anchor="ctr"/>
+          <a:lstStyle/>
+          <a:p>
+            <a:pPr algn="ctr"/>
+            <a:r>
+              <a:rPr lang="en-US" dirty="0" smtClean="0">
+                <a:solidFill>
+                  <a:sysClr val="windowText" lastClr="000000"/>
+                </a:solidFill>
+              </a:rPr>
+              <a:t>Network Orchestrator</a:t>
+            </a:r>
+            <a:endParaRPr lang="en-US" dirty="0">
+              <a:solidFill>
+                <a:sysClr val="windowText" lastClr="000000"/>
+              </a:solidFill>
+            </a:endParaRPr>
+          </a:p>
+        </p:txBody>
+      </p:sp>
+      <p:cxnSp>
+        <p:nvCxnSpPr>
+          <p:cNvPr id="71" name="Straight Connector 26"/>
+          <p:cNvCxnSpPr/>
+          <p:nvPr/>
+        </p:nvCxnSpPr>
+        <p:spPr>
+          <a:xfrm>
+            <a:off x="1867075" y="3045571"/>
+            <a:ext cx="0" cy="365760"/>
+          </a:xfrm>
+          <a:prstGeom prst="line">
+            <a:avLst/>
+          </a:prstGeom>
+          <a:ln w="19050">
+            <a:solidFill>
+              <a:schemeClr val="tx1"/>
+            </a:solidFill>
+            <a:headEnd type="none"/>
+            <a:tailEnd type="arrow"/>
+          </a:ln>
+        </p:spPr>
+        <p:style>
+          <a:lnRef idx="1">
+            <a:schemeClr val="accent1"/>
+          </a:lnRef>
+          <a:fillRef idx="0">
+            <a:schemeClr val="accent1"/>
+          </a:fillRef>
+          <a:effectRef idx="0">
+            <a:schemeClr val="accent1"/>
+          </a:effectRef>
+          <a:fontRef idx="minor">
+            <a:schemeClr val="tx1"/>
+          </a:fontRef>
+        </p:style>
+      </p:cxnSp>
+      <p:cxnSp>
+        <p:nvCxnSpPr>
+          <p:cNvPr id="73" name="Straight Connector 26"/>
+          <p:cNvCxnSpPr/>
+          <p:nvPr/>
+        </p:nvCxnSpPr>
+        <p:spPr>
+          <a:xfrm>
+            <a:off x="1074545" y="2440073"/>
+            <a:ext cx="0" cy="137160"/>
+          </a:xfrm>
+          <a:prstGeom prst="line">
+            <a:avLst/>
+          </a:prstGeom>
+          <a:ln w="19050">
+            <a:solidFill>
+              <a:schemeClr val="tx1"/>
+            </a:solidFill>
+            <a:headEnd type="none"/>
+            <a:tailEnd type="arrow"/>
+          </a:ln>
+        </p:spPr>
+        <p:style>
+          <a:lnRef idx="1">
+            <a:schemeClr val="accent1"/>
+          </a:lnRef>
+          <a:fillRef idx="0">
+            <a:schemeClr val="accent1"/>
+          </a:fillRef>
+          <a:effectRef idx="0">
+            <a:schemeClr val="accent1"/>
+          </a:effectRef>
+          <a:fontRef idx="minor">
+            <a:schemeClr val="tx1"/>
+          </a:fontRef>
+        </p:style>
+      </p:cxnSp>
+      <p:sp>
+        <p:nvSpPr>
+          <p:cNvPr id="74" name="Rectangle 5"/>
+          <p:cNvSpPr/>
+          <p:nvPr/>
+        </p:nvSpPr>
+        <p:spPr>
+          <a:xfrm>
+            <a:off x="409416" y="3401677"/>
+            <a:ext cx="2859916" cy="437744"/>
+          </a:xfrm>
+          <a:prstGeom prst="rect">
+            <a:avLst/>
+          </a:prstGeom>
+          <a:solidFill>
+            <a:schemeClr val="tx2">
+              <a:lumMod val="20000"/>
+              <a:lumOff val="80000"/>
+            </a:schemeClr>
+          </a:solidFill>
+          <a:ln w="19050">
+            <a:solidFill>
+              <a:schemeClr val="tx1">
+                <a:lumMod val="75000"/>
+                <a:lumOff val="25000"/>
+              </a:schemeClr>
+            </a:solidFill>
+          </a:ln>
+        </p:spPr>
+        <p:style>
+          <a:lnRef idx="2">
+            <a:schemeClr val="accent1">
+              <a:shade val="50000"/>
+            </a:schemeClr>
+          </a:lnRef>
+          <a:fillRef idx="1">
+            <a:schemeClr val="accent1"/>
+          </a:fillRef>
+          <a:effectRef idx="0">
+            <a:schemeClr val="accent1"/>
+          </a:effectRef>
+          <a:fontRef idx="minor">
+            <a:schemeClr val="lt1"/>
+          </a:fontRef>
+        </p:style>
+        <p:txBody>
+          <a:bodyPr rtlCol="0" anchor="ctr"/>
+          <a:lstStyle/>
+          <a:p>
+            <a:pPr algn="ctr"/>
+            <a:r>
+              <a:rPr lang="en-US" dirty="0">
+                <a:solidFill>
+                  <a:sysClr val="windowText" lastClr="000000"/>
+                </a:solidFill>
+              </a:rPr>
+              <a:t>Virtualized NIC</a:t>
+            </a:r>
+          </a:p>
+        </p:txBody>
+      </p:sp>
+      <p:sp>
+        <p:nvSpPr>
+          <p:cNvPr id="76" name="Rectangle 5"/>
+          <p:cNvSpPr/>
+          <p:nvPr/>
+        </p:nvSpPr>
+        <p:spPr>
+          <a:xfrm>
+            <a:off x="3700185" y="2074178"/>
+            <a:ext cx="1188720" cy="640080"/>
+          </a:xfrm>
+          <a:prstGeom prst="rect">
+            <a:avLst/>
+          </a:prstGeom>
+          <a:solidFill>
+            <a:srgbClr val="FFFFFF"/>
+          </a:solidFill>
+          <a:ln w="19050">
+            <a:solidFill>
+              <a:schemeClr val="tx1">
+                <a:lumMod val="75000"/>
+                <a:lumOff val="25000"/>
+              </a:schemeClr>
+            </a:solidFill>
+          </a:ln>
+        </p:spPr>
+        <p:style>
+          <a:lnRef idx="2">
+            <a:schemeClr val="accent1">
+              <a:shade val="50000"/>
+            </a:schemeClr>
+          </a:lnRef>
+          <a:fillRef idx="1">
+            <a:schemeClr val="accent1"/>
+          </a:fillRef>
+          <a:effectRef idx="0">
+            <a:schemeClr val="accent1"/>
+          </a:effectRef>
+          <a:fontRef idx="minor">
+            <a:schemeClr val="lt1"/>
+          </a:fontRef>
+        </p:style>
+        <p:txBody>
+          <a:bodyPr rtlCol="0" anchor="ctr"/>
+          <a:lstStyle/>
+          <a:p>
+            <a:pPr algn="ctr"/>
+            <a:r>
+              <a:rPr lang="en-US" dirty="0" err="1">
+                <a:solidFill>
+                  <a:sysClr val="windowText" lastClr="000000"/>
+                </a:solidFill>
+              </a:rPr>
+              <a:t>Mesos</a:t>
+            </a:r>
+            <a:endParaRPr lang="en-US" dirty="0">
+              <a:solidFill>
+                <a:sysClr val="windowText" lastClr="000000"/>
+              </a:solidFill>
+            </a:endParaRPr>
+          </a:p>
+        </p:txBody>
+      </p:sp>
+      <p:sp>
+        <p:nvSpPr>
+          <p:cNvPr id="77" name="Rectangle 5"/>
+          <p:cNvSpPr/>
+          <p:nvPr/>
+        </p:nvSpPr>
+        <p:spPr>
+          <a:xfrm>
+            <a:off x="5011819" y="2068967"/>
+            <a:ext cx="1188720" cy="640080"/>
+          </a:xfrm>
+          <a:prstGeom prst="rect">
+            <a:avLst/>
+          </a:prstGeom>
+          <a:solidFill>
+            <a:srgbClr val="FFFFFF"/>
+          </a:solidFill>
+          <a:ln w="19050">
+            <a:solidFill>
+              <a:schemeClr val="tx1">
+                <a:lumMod val="75000"/>
+                <a:lumOff val="25000"/>
+              </a:schemeClr>
+            </a:solidFill>
+          </a:ln>
+        </p:spPr>
+        <p:style>
+          <a:lnRef idx="2">
+            <a:schemeClr val="accent1">
+              <a:shade val="50000"/>
+            </a:schemeClr>
+          </a:lnRef>
+          <a:fillRef idx="1">
+            <a:schemeClr val="accent1"/>
+          </a:fillRef>
+          <a:effectRef idx="0">
+            <a:schemeClr val="accent1"/>
+          </a:effectRef>
+          <a:fontRef idx="minor">
+            <a:schemeClr val="lt1"/>
+          </a:fontRef>
+        </p:style>
+        <p:txBody>
+          <a:bodyPr rtlCol="0" anchor="ctr"/>
+          <a:lstStyle/>
+          <a:p>
+            <a:pPr algn="ctr">
+              <a:lnSpc>
+                <a:spcPct val="80000"/>
+              </a:lnSpc>
+            </a:pPr>
+            <a:r>
+              <a:rPr lang="en-US" dirty="0">
+                <a:solidFill>
+                  <a:sysClr val="windowText" lastClr="000000"/>
+                </a:solidFill>
+              </a:rPr>
+              <a:t>Fabric Controller</a:t>
+            </a:r>
+          </a:p>
+        </p:txBody>
+      </p:sp>
+      <p:sp>
+        <p:nvSpPr>
+          <p:cNvPr id="80" name="Rectangle 5"/>
+          <p:cNvSpPr/>
+          <p:nvPr/>
+        </p:nvSpPr>
+        <p:spPr>
+          <a:xfrm>
+            <a:off x="406594" y="4313112"/>
+            <a:ext cx="2859916" cy="437744"/>
+          </a:xfrm>
+          <a:prstGeom prst="rect">
+            <a:avLst/>
+          </a:prstGeom>
+          <a:noFill/>
+          <a:ln w="19050">
+            <a:solidFill>
+              <a:schemeClr val="tx1">
+                <a:lumMod val="75000"/>
+                <a:lumOff val="25000"/>
+              </a:schemeClr>
+            </a:solidFill>
+          </a:ln>
+        </p:spPr>
+        <p:style>
+          <a:lnRef idx="2">
+            <a:schemeClr val="accent1">
+              <a:shade val="50000"/>
+            </a:schemeClr>
+          </a:lnRef>
+          <a:fillRef idx="1">
+            <a:schemeClr val="accent1"/>
+          </a:fillRef>
+          <a:effectRef idx="0">
+            <a:schemeClr val="accent1"/>
+          </a:effectRef>
+          <a:fontRef idx="minor">
+            <a:schemeClr val="lt1"/>
+          </a:fontRef>
+        </p:style>
+        <p:txBody>
+          <a:bodyPr rtlCol="0" anchor="ctr"/>
+          <a:lstStyle/>
+          <a:p>
+            <a:pPr algn="ctr"/>
+            <a:r>
+              <a:rPr lang="en-US" dirty="0">
+                <a:solidFill>
+                  <a:sysClr val="windowText" lastClr="000000"/>
+                </a:solidFill>
+              </a:rPr>
+              <a:t>NIC</a:t>
+            </a:r>
+          </a:p>
+        </p:txBody>
+      </p:sp>
+      <p:sp>
+        <p:nvSpPr>
+          <p:cNvPr id="82" name="Rectangle 5"/>
+          <p:cNvSpPr/>
+          <p:nvPr/>
+        </p:nvSpPr>
+        <p:spPr>
+          <a:xfrm>
+            <a:off x="6656961" y="2576598"/>
+            <a:ext cx="2103120" cy="437744"/>
+          </a:xfrm>
+          <a:prstGeom prst="rect">
+            <a:avLst/>
+          </a:prstGeom>
+          <a:solidFill>
+            <a:schemeClr val="tx2">
+              <a:lumMod val="20000"/>
+              <a:lumOff val="80000"/>
+            </a:schemeClr>
+          </a:solidFill>
+          <a:ln w="19050">
+            <a:solidFill>
+              <a:schemeClr val="tx1">
+                <a:lumMod val="75000"/>
+                <a:lumOff val="25000"/>
+              </a:schemeClr>
+            </a:solidFill>
+          </a:ln>
+        </p:spPr>
+        <p:style>
+          <a:lnRef idx="2">
+            <a:schemeClr val="accent1">
+              <a:shade val="50000"/>
+            </a:schemeClr>
+          </a:lnRef>
+          <a:fillRef idx="1">
+            <a:schemeClr val="accent1"/>
+          </a:fillRef>
+          <a:effectRef idx="0">
+            <a:schemeClr val="accent1"/>
+          </a:effectRef>
+          <a:fontRef idx="minor">
+            <a:schemeClr val="lt1"/>
+          </a:fontRef>
+        </p:style>
+        <p:txBody>
+          <a:bodyPr rtlCol="0" anchor="ctr"/>
+          <a:lstStyle/>
+          <a:p>
+            <a:pPr algn="ctr"/>
+            <a:r>
+              <a:rPr lang="en-US" dirty="0">
+                <a:solidFill>
+                  <a:sysClr val="windowText" lastClr="000000"/>
+                </a:solidFill>
+              </a:rPr>
+              <a:t>Verbs API</a:t>
+            </a:r>
+          </a:p>
+        </p:txBody>
+      </p:sp>
+      <p:sp>
+        <p:nvSpPr>
+          <p:cNvPr id="85" name="Rectangle 5"/>
+          <p:cNvSpPr/>
+          <p:nvPr/>
+        </p:nvSpPr>
+        <p:spPr>
+          <a:xfrm>
+            <a:off x="6660296" y="3401678"/>
+            <a:ext cx="2103120" cy="437744"/>
+          </a:xfrm>
+          <a:prstGeom prst="rect">
+            <a:avLst/>
+          </a:prstGeom>
+          <a:solidFill>
+            <a:schemeClr val="tx2">
+              <a:lumMod val="20000"/>
+              <a:lumOff val="80000"/>
+            </a:schemeClr>
+          </a:solidFill>
+          <a:ln w="19050">
+            <a:solidFill>
+              <a:schemeClr val="tx1">
+                <a:lumMod val="75000"/>
+                <a:lumOff val="25000"/>
+              </a:schemeClr>
+            </a:solidFill>
+          </a:ln>
+        </p:spPr>
+        <p:style>
+          <a:lnRef idx="2">
+            <a:schemeClr val="accent1">
+              <a:shade val="50000"/>
+            </a:schemeClr>
+          </a:lnRef>
+          <a:fillRef idx="1">
+            <a:schemeClr val="accent1"/>
+          </a:fillRef>
+          <a:effectRef idx="0">
+            <a:schemeClr val="accent1"/>
+          </a:effectRef>
+          <a:fontRef idx="minor">
+            <a:schemeClr val="lt1"/>
+          </a:fontRef>
+        </p:style>
+        <p:txBody>
+          <a:bodyPr rtlCol="0" anchor="ctr"/>
+          <a:lstStyle/>
+          <a:p>
+            <a:pPr algn="ctr"/>
+            <a:r>
+              <a:rPr lang="en-US" dirty="0">
+                <a:solidFill>
+                  <a:sysClr val="windowText" lastClr="000000"/>
+                </a:solidFill>
+              </a:rPr>
+              <a:t>Virtualized NIC</a:t>
+            </a:r>
+          </a:p>
+        </p:txBody>
+      </p:sp>
+      <p:sp>
+        <p:nvSpPr>
+          <p:cNvPr id="86" name="Rectangle 5"/>
+          <p:cNvSpPr/>
+          <p:nvPr/>
+        </p:nvSpPr>
+        <p:spPr>
+          <a:xfrm>
+            <a:off x="6657474" y="4313113"/>
+            <a:ext cx="2103120" cy="437744"/>
+          </a:xfrm>
+          <a:prstGeom prst="rect">
+            <a:avLst/>
+          </a:prstGeom>
+          <a:noFill/>
+          <a:ln w="19050">
+            <a:solidFill>
+              <a:schemeClr val="tx1">
+                <a:lumMod val="75000"/>
+                <a:lumOff val="25000"/>
+              </a:schemeClr>
+            </a:solidFill>
+          </a:ln>
+        </p:spPr>
+        <p:style>
+          <a:lnRef idx="2">
+            <a:schemeClr val="accent1">
+              <a:shade val="50000"/>
+            </a:schemeClr>
+          </a:lnRef>
+          <a:fillRef idx="1">
+            <a:schemeClr val="accent1"/>
+          </a:fillRef>
+          <a:effectRef idx="0">
+            <a:schemeClr val="accent1"/>
+          </a:effectRef>
+          <a:fontRef idx="minor">
+            <a:schemeClr val="lt1"/>
+          </a:fontRef>
+        </p:style>
+        <p:txBody>
+          <a:bodyPr rtlCol="0" anchor="ctr"/>
+          <a:lstStyle/>
+          <a:p>
+            <a:pPr algn="ctr"/>
+            <a:r>
+              <a:rPr lang="en-US" dirty="0">
+                <a:solidFill>
+                  <a:sysClr val="windowText" lastClr="000000"/>
+                </a:solidFill>
+              </a:rPr>
+              <a:t>NIC</a:t>
+            </a:r>
+          </a:p>
+        </p:txBody>
+      </p:sp>
+      <p:cxnSp>
+        <p:nvCxnSpPr>
+          <p:cNvPr id="90" name="Straight Connector 26"/>
+          <p:cNvCxnSpPr/>
+          <p:nvPr/>
+        </p:nvCxnSpPr>
+        <p:spPr>
+          <a:xfrm rot="16200000" flipH="1">
+            <a:off x="4926734" y="1553421"/>
+            <a:ext cx="1" cy="4572000"/>
+          </a:xfrm>
+          <a:prstGeom prst="bentConnector3">
+            <a:avLst>
+              <a:gd name="adj1" fmla="val 22860100000"/>
+            </a:avLst>
+          </a:prstGeom>
+          <a:ln w="19050">
+            <a:solidFill>
+              <a:schemeClr val="tx1"/>
+            </a:solidFill>
+            <a:headEnd type="none"/>
+            <a:tailEnd type="arrow"/>
+          </a:ln>
+        </p:spPr>
+        <p:style>
+          <a:lnRef idx="1">
+            <a:schemeClr val="accent1"/>
+          </a:lnRef>
+          <a:fillRef idx="0">
+            <a:schemeClr val="accent1"/>
+          </a:fillRef>
+          <a:effectRef idx="0">
+            <a:schemeClr val="accent1"/>
+          </a:effectRef>
+          <a:fontRef idx="minor">
+            <a:schemeClr val="tx1"/>
+          </a:fontRef>
+        </p:style>
+      </p:cxnSp>
+      <p:cxnSp>
+        <p:nvCxnSpPr>
+          <p:cNvPr id="92" name="Straight Connector 26"/>
+          <p:cNvCxnSpPr/>
+          <p:nvPr/>
+        </p:nvCxnSpPr>
+        <p:spPr>
+          <a:xfrm>
+            <a:off x="1850142" y="3865691"/>
+            <a:ext cx="0" cy="457200"/>
+          </a:xfrm>
+          <a:prstGeom prst="line">
+            <a:avLst/>
+          </a:prstGeom>
+          <a:ln w="19050">
+            <a:solidFill>
+              <a:schemeClr val="tx1"/>
+            </a:solidFill>
+            <a:headEnd type="none"/>
+            <a:tailEnd type="arrow"/>
+          </a:ln>
+        </p:spPr>
+        <p:style>
+          <a:lnRef idx="1">
+            <a:schemeClr val="accent1"/>
+          </a:lnRef>
+          <a:fillRef idx="0">
+            <a:schemeClr val="accent1"/>
+          </a:fillRef>
+          <a:effectRef idx="0">
+            <a:schemeClr val="accent1"/>
+          </a:effectRef>
+          <a:fontRef idx="minor">
+            <a:schemeClr val="tx1"/>
+          </a:fontRef>
+        </p:style>
+      </p:cxnSp>
+      <p:cxnSp>
+        <p:nvCxnSpPr>
+          <p:cNvPr id="93" name="Straight Connector 26"/>
+          <p:cNvCxnSpPr/>
+          <p:nvPr/>
+        </p:nvCxnSpPr>
+        <p:spPr>
+          <a:xfrm>
+            <a:off x="7694622" y="3062504"/>
+            <a:ext cx="0" cy="365760"/>
+          </a:xfrm>
+          <a:prstGeom prst="line">
+            <a:avLst/>
+          </a:prstGeom>
+          <a:ln w="19050">
+            <a:solidFill>
+              <a:schemeClr val="tx1"/>
+            </a:solidFill>
+            <a:headEnd type="arrow"/>
+            <a:tailEnd type="none"/>
+          </a:ln>
+        </p:spPr>
+        <p:style>
+          <a:lnRef idx="1">
+            <a:schemeClr val="accent1"/>
+          </a:lnRef>
+          <a:fillRef idx="0">
+            <a:schemeClr val="accent1"/>
+          </a:fillRef>
+          <a:effectRef idx="0">
+            <a:schemeClr val="accent1"/>
+          </a:effectRef>
+          <a:fontRef idx="minor">
+            <a:schemeClr val="tx1"/>
+          </a:fontRef>
+        </p:style>
+      </p:cxnSp>
+      <p:cxnSp>
+        <p:nvCxnSpPr>
+          <p:cNvPr id="95" name="Straight Connector 26"/>
+          <p:cNvCxnSpPr/>
+          <p:nvPr/>
+        </p:nvCxnSpPr>
+        <p:spPr>
+          <a:xfrm>
+            <a:off x="7677689" y="3867506"/>
+            <a:ext cx="0" cy="457200"/>
+          </a:xfrm>
+          <a:prstGeom prst="line">
+            <a:avLst/>
+          </a:prstGeom>
+          <a:ln w="19050">
+            <a:solidFill>
+              <a:schemeClr val="tx1"/>
+            </a:solidFill>
+            <a:headEnd type="arrow"/>
+            <a:tailEnd type="none"/>
+          </a:ln>
+        </p:spPr>
+        <p:style>
+          <a:lnRef idx="1">
+            <a:schemeClr val="accent1"/>
+          </a:lnRef>
+          <a:fillRef idx="0">
+            <a:schemeClr val="accent1"/>
+          </a:fillRef>
+          <a:effectRef idx="0">
+            <a:schemeClr val="accent1"/>
+          </a:effectRef>
+          <a:fontRef idx="minor">
+            <a:schemeClr val="tx1"/>
+          </a:fontRef>
+        </p:style>
+      </p:cxnSp>
+      <p:cxnSp>
+        <p:nvCxnSpPr>
+          <p:cNvPr id="96" name="Straight Connector 26"/>
+          <p:cNvCxnSpPr/>
+          <p:nvPr/>
+        </p:nvCxnSpPr>
+        <p:spPr>
+          <a:xfrm>
+            <a:off x="3272541" y="4547251"/>
+            <a:ext cx="3383280" cy="8859"/>
+          </a:xfrm>
+          <a:prstGeom prst="line">
+            <a:avLst/>
+          </a:prstGeom>
+          <a:ln w="19050">
+            <a:solidFill>
+              <a:schemeClr val="tx1"/>
+            </a:solidFill>
+            <a:headEnd type="none"/>
+            <a:tailEnd type="arrow"/>
+          </a:ln>
+        </p:spPr>
+        <p:style>
+          <a:lnRef idx="1">
+            <a:schemeClr val="accent1"/>
+          </a:lnRef>
+          <a:fillRef idx="0">
+            <a:schemeClr val="accent1"/>
+          </a:fillRef>
+          <a:effectRef idx="0">
+            <a:schemeClr val="accent1"/>
+          </a:effectRef>
+          <a:fontRef idx="minor">
+            <a:schemeClr val="tx1"/>
+          </a:fontRef>
+        </p:style>
+      </p:cxnSp>
+      <p:cxnSp>
+        <p:nvCxnSpPr>
+          <p:cNvPr id="97" name="Straight Connector 26"/>
+          <p:cNvCxnSpPr/>
+          <p:nvPr/>
+        </p:nvCxnSpPr>
+        <p:spPr>
+          <a:xfrm>
+            <a:off x="7703858" y="1886151"/>
+            <a:ext cx="0" cy="685800"/>
+          </a:xfrm>
+          <a:prstGeom prst="line">
+            <a:avLst/>
+          </a:prstGeom>
+          <a:ln w="19050">
+            <a:solidFill>
+              <a:schemeClr val="tx1"/>
+            </a:solidFill>
+            <a:headEnd type="arrow"/>
+            <a:tailEnd type="none"/>
+          </a:ln>
+        </p:spPr>
+        <p:style>
+          <a:lnRef idx="1">
+            <a:schemeClr val="accent1"/>
+          </a:lnRef>
+          <a:fillRef idx="0">
+            <a:schemeClr val="accent1"/>
+          </a:fillRef>
+          <a:effectRef idx="0">
+            <a:schemeClr val="accent1"/>
+          </a:effectRef>
+          <a:fontRef idx="minor">
+            <a:schemeClr val="tx1"/>
+          </a:fontRef>
+        </p:style>
+      </p:cxnSp>
+      <p:cxnSp>
+        <p:nvCxnSpPr>
+          <p:cNvPr id="98" name="Straight Connector 26"/>
+          <p:cNvCxnSpPr>
+            <a:stCxn id="69" idx="0"/>
+            <a:endCxn id="76" idx="2"/>
+          </p:cNvCxnSpPr>
+          <p:nvPr/>
+        </p:nvCxnSpPr>
+        <p:spPr>
+          <a:xfrm rot="16200000" flipV="1">
+            <a:off x="4284945" y="2723859"/>
+            <a:ext cx="682615" cy="663413"/>
+          </a:xfrm>
+          <a:prstGeom prst="bentConnector3">
+            <a:avLst>
+              <a:gd name="adj1" fmla="val 50000"/>
+            </a:avLst>
+          </a:prstGeom>
+          <a:ln w="28575" cmpd="sng">
+            <a:solidFill>
+              <a:schemeClr val="tx1"/>
+            </a:solidFill>
+            <a:prstDash val="dash"/>
+            <a:headEnd type="none"/>
+            <a:tailEnd type="arrow"/>
+          </a:ln>
+        </p:spPr>
+        <p:style>
+          <a:lnRef idx="1">
+            <a:schemeClr val="accent1"/>
+          </a:lnRef>
+          <a:fillRef idx="0">
+            <a:schemeClr val="accent1"/>
+          </a:fillRef>
+          <a:effectRef idx="0">
+            <a:schemeClr val="accent1"/>
+          </a:effectRef>
+          <a:fontRef idx="minor">
+            <a:schemeClr val="tx1"/>
+          </a:fontRef>
+        </p:style>
+      </p:cxnSp>
+      <p:sp>
+        <p:nvSpPr>
+          <p:cNvPr id="34" name="TextBox 54"/>
+          <p:cNvSpPr txBox="1"/>
+          <p:nvPr/>
+        </p:nvSpPr>
+        <p:spPr>
+          <a:xfrm>
+            <a:off x="4609513" y="4552846"/>
+            <a:ext cx="897467" cy="369332"/>
+          </a:xfrm>
+          <a:prstGeom prst="rect">
+            <a:avLst/>
+          </a:prstGeom>
+          <a:noFill/>
+        </p:spPr>
+        <p:txBody>
+          <a:bodyPr wrap="square" rtlCol="0">
+            <a:spAutoFit/>
+          </a:bodyPr>
+          <a:lstStyle/>
+          <a:p>
+            <a:r>
+              <a:rPr lang="en-US" dirty="0"/>
+              <a:t>RDMA</a:t>
+            </a:r>
+          </a:p>
+        </p:txBody>
+      </p:sp>
+      <p:cxnSp>
+        <p:nvCxnSpPr>
+          <p:cNvPr id="39" name="Straight Connector 26"/>
+          <p:cNvCxnSpPr>
+            <a:stCxn id="69" idx="0"/>
+            <a:endCxn id="77" idx="2"/>
+          </p:cNvCxnSpPr>
+          <p:nvPr/>
+        </p:nvCxnSpPr>
+        <p:spPr>
+          <a:xfrm rot="5400000" flipH="1" flipV="1">
+            <a:off x="4938155" y="2728850"/>
+            <a:ext cx="687826" cy="648221"/>
+          </a:xfrm>
+          <a:prstGeom prst="bentConnector3">
+            <a:avLst>
+              <a:gd name="adj1" fmla="val 50000"/>
+            </a:avLst>
+          </a:prstGeom>
+          <a:ln w="28575" cmpd="sng">
+            <a:solidFill>
+              <a:schemeClr val="tx1"/>
+            </a:solidFill>
+            <a:prstDash val="dash"/>
+            <a:headEnd type="none"/>
+            <a:tailEnd type="arrow"/>
+          </a:ln>
+        </p:spPr>
+        <p:style>
+          <a:lnRef idx="1">
+            <a:schemeClr val="accent1"/>
+          </a:lnRef>
+          <a:fillRef idx="0">
+            <a:schemeClr val="accent1"/>
+          </a:fillRef>
+          <a:effectRef idx="0">
+            <a:schemeClr val="accent1"/>
+          </a:effectRef>
+          <a:fontRef idx="minor">
+            <a:schemeClr val="tx1"/>
+          </a:fontRef>
+        </p:style>
+      </p:cxnSp>
+      <p:cxnSp>
+        <p:nvCxnSpPr>
+          <p:cNvPr id="63" name="Straight Connector 26"/>
+          <p:cNvCxnSpPr>
+            <a:stCxn id="74" idx="3"/>
+            <a:endCxn id="69" idx="1"/>
+          </p:cNvCxnSpPr>
+          <p:nvPr/>
+        </p:nvCxnSpPr>
+        <p:spPr>
+          <a:xfrm flipV="1">
+            <a:off x="3269332" y="3615745"/>
+            <a:ext cx="454186" cy="4804"/>
+          </a:xfrm>
+          <a:prstGeom prst="line">
+            <a:avLst/>
+          </a:prstGeom>
+          <a:ln w="28575" cmpd="sng">
+            <a:solidFill>
+              <a:schemeClr val="tx1"/>
+            </a:solidFill>
+            <a:prstDash val="dash"/>
+            <a:headEnd type="none"/>
+            <a:tailEnd type="arrow"/>
+          </a:ln>
+        </p:spPr>
+        <p:style>
+          <a:lnRef idx="1">
+            <a:schemeClr val="accent1"/>
+          </a:lnRef>
+          <a:fillRef idx="0">
+            <a:schemeClr val="accent1"/>
+          </a:fillRef>
+          <a:effectRef idx="0">
+            <a:schemeClr val="accent1"/>
+          </a:effectRef>
+          <a:fontRef idx="minor">
+            <a:schemeClr val="tx1"/>
+          </a:fontRef>
+        </p:style>
+      </p:cxnSp>
+      <p:sp>
+        <p:nvSpPr>
+          <p:cNvPr id="87" name="TextBox 54"/>
+          <p:cNvSpPr txBox="1"/>
+          <p:nvPr/>
+        </p:nvSpPr>
+        <p:spPr>
+          <a:xfrm>
+            <a:off x="4183070" y="4166546"/>
+            <a:ext cx="1698729" cy="253916"/>
+          </a:xfrm>
+          <a:prstGeom prst="rect">
+            <a:avLst/>
+          </a:prstGeom>
+          <a:noFill/>
+        </p:spPr>
+        <p:txBody>
+          <a:bodyPr wrap="square" rtlCol="0">
+            <a:spAutoFit/>
+          </a:bodyPr>
+          <a:lstStyle/>
+          <a:p>
+            <a:pPr>
+              <a:lnSpc>
+                <a:spcPct val="50000"/>
+              </a:lnSpc>
+            </a:pPr>
+            <a:r>
+              <a:rPr lang="en-US" dirty="0"/>
+              <a:t>Shared Memory</a:t>
+            </a:r>
+          </a:p>
+        </p:txBody>
+      </p:sp>
+      <p:sp>
+        <p:nvSpPr>
+          <p:cNvPr id="70" name="TextBox 54"/>
+          <p:cNvSpPr txBox="1"/>
+          <p:nvPr/>
+        </p:nvSpPr>
+        <p:spPr>
+          <a:xfrm>
+            <a:off x="3618215" y="3001685"/>
+            <a:ext cx="897467" cy="369332"/>
+          </a:xfrm>
+          <a:prstGeom prst="rect">
+            <a:avLst/>
+          </a:prstGeom>
+          <a:noFill/>
+        </p:spPr>
+        <p:txBody>
+          <a:bodyPr wrap="square" rtlCol="0">
+            <a:spAutoFit/>
+          </a:bodyPr>
+          <a:lstStyle/>
+          <a:p>
+            <a:r>
+              <a:rPr lang="en-US" dirty="0" smtClean="0"/>
+              <a:t>queries</a:t>
+            </a:r>
+            <a:endParaRPr lang="en-US" dirty="0"/>
+          </a:p>
+        </p:txBody>
+      </p:sp>
+    </p:spTree>
+    <p:extLst>
+      <p:ext uri="{BB962C8B-B14F-4D97-AF65-F5344CB8AC3E}">
+        <p14:creationId xmlns:p14="http://schemas.microsoft.com/office/powerpoint/2010/main" val="4282989522"/>
+      </p:ext>
+    </p:extLst>
+  </p:cSld>
+  <p:clrMapOvr>
+    <a:masterClrMapping/>
+  </p:clrMapOvr>
+</p:sld>
+</file>
+
 <file path=ppt/theme/theme1.xml><?xml version="1.0" encoding="utf-8"?>
 <a:theme xmlns:a="http://schemas.openxmlformats.org/drawingml/2006/main" name="Office Theme">
   <a:themeElements>
@@ -11391,7 +12873,7 @@
   <a:extraClrSchemeLst/>
   <a:extLst>
     <a:ext uri="{05A4C25C-085E-4340-85A3-A5531E510DB2}">
-      <thm15:themeFamily xmlns:thm15="http://schemas.microsoft.com/office/thememl/2012/main" name="Office Theme" id="{62F939B6-93AF-4DB8-9C6B-D6C7DFDC589F}" vid="{4A3C46E8-61CC-4603-A589-7422A47A8E4A}"/>
+      <thm15:themeFamily xmlns:thm15="http://schemas.microsoft.com/office/thememl/2012/main" xmlns="" name="Office Theme" id="{62F939B6-93AF-4DB8-9C6B-D6C7DFDC589F}" vid="{4A3C46E8-61CC-4603-A589-7422A47A8E4A}"/>
     </a:ext>
   </a:extLst>
 </a:theme>

--- a/figures/figures.pptx
+++ b/figures/figures.pptx
@@ -11,6 +11,7 @@
     <p:sldId id="260" r:id="rId5"/>
     <p:sldId id="257" r:id="rId6"/>
     <p:sldId id="258" r:id="rId7"/>
+    <p:sldId id="262" r:id="rId8"/>
   </p:sldIdLst>
   <p:sldSz cx="9144000" cy="6858000" type="screen4x3"/>
   <p:notesSz cx="6858000" cy="9144000"/>
@@ -11136,6 +11137,60 @@
 </p:sld>
 </file>
 
+<file path=ppt/slides/slide7.xml><?xml version="1.0" encoding="utf-8"?>
+<p:sld xmlns:a="http://schemas.openxmlformats.org/drawingml/2006/main" xmlns:r="http://schemas.openxmlformats.org/officeDocument/2006/relationships" xmlns:p="http://schemas.openxmlformats.org/presentationml/2006/main">
+  <p:cSld>
+    <p:spTree>
+      <p:nvGrpSpPr>
+        <p:cNvPr id="1" name=""/>
+        <p:cNvGrpSpPr/>
+        <p:nvPr/>
+      </p:nvGrpSpPr>
+      <p:grpSpPr>
+        <a:xfrm>
+          <a:off x="0" y="0"/>
+          <a:ext cx="0" cy="0"/>
+          <a:chOff x="0" y="0"/>
+          <a:chExt cx="0" cy="0"/>
+        </a:xfrm>
+      </p:grpSpPr>
+      <p:pic>
+        <p:nvPicPr>
+          <p:cNvPr id="4" name="Picture 3"/>
+          <p:cNvPicPr>
+            <a:picLocks noChangeAspect="1"/>
+          </p:cNvPicPr>
+          <p:nvPr/>
+        </p:nvPicPr>
+        <p:blipFill>
+          <a:blip r:embed="rId2"/>
+          <a:stretch>
+            <a:fillRect/>
+          </a:stretch>
+        </p:blipFill>
+        <p:spPr>
+          <a:xfrm>
+            <a:off x="181484" y="1623821"/>
+            <a:ext cx="8801972" cy="3521047"/>
+          </a:xfrm>
+          <a:prstGeom prst="rect">
+            <a:avLst/>
+          </a:prstGeom>
+        </p:spPr>
+      </p:pic>
+    </p:spTree>
+    <p:extLst>
+      <p:ext uri="{BB962C8B-B14F-4D97-AF65-F5344CB8AC3E}">
+        <p14:creationId xmlns:p14="http://schemas.microsoft.com/office/powerpoint/2010/main" val="2842673196"/>
+      </p:ext>
+    </p:extLst>
+  </p:cSld>
+  <p:clrMapOvr>
+    <a:masterClrMapping/>
+  </p:clrMapOvr>
+</p:sld>
+</file>
+
 <file path=ppt/theme/theme1.xml><?xml version="1.0" encoding="utf-8"?>
 <a:theme xmlns:a="http://schemas.openxmlformats.org/drawingml/2006/main" name="Office Theme">
   <a:themeElements>

--- a/figures/figures.pptx
+++ b/figures/figures.pptx
@@ -5,12 +5,16 @@
     <p:sldMasterId id="2147483660" r:id="rId1"/>
   </p:sldMasterIdLst>
   <p:sldIdLst>
-    <p:sldId id="256" r:id="rId2"/>
-    <p:sldId id="259" r:id="rId3"/>
-    <p:sldId id="261" r:id="rId4"/>
-    <p:sldId id="260" r:id="rId5"/>
-    <p:sldId id="257" r:id="rId6"/>
-    <p:sldId id="258" r:id="rId7"/>
+    <p:sldId id="265" r:id="rId2"/>
+    <p:sldId id="262" r:id="rId3"/>
+    <p:sldId id="264" r:id="rId4"/>
+    <p:sldId id="263" r:id="rId5"/>
+    <p:sldId id="256" r:id="rId6"/>
+    <p:sldId id="259" r:id="rId7"/>
+    <p:sldId id="261" r:id="rId8"/>
+    <p:sldId id="260" r:id="rId9"/>
+    <p:sldId id="257" r:id="rId10"/>
+    <p:sldId id="258" r:id="rId11"/>
   </p:sldIdLst>
   <p:sldSz cx="9144000" cy="6858000" type="screen4x3"/>
   <p:notesSz cx="6858000" cy="9144000"/>
@@ -111,7 +115,7 @@
   </p:defaultTextStyle>
   <p:extLst>
     <p:ext uri="{EFAFB233-063F-42B5-8137-9DF3F51BA10A}">
-      <p15:sldGuideLst xmlns:p15="http://schemas.microsoft.com/office/powerpoint/2012/main">
+      <p15:sldGuideLst xmlns:p15="http://schemas.microsoft.com/office/powerpoint/2012/main" xmlns="">
         <p15:guide id="1" orient="horz" pos="2160">
           <p15:clr>
             <a:srgbClr val="A4A3A4"/>
@@ -259,7 +263,7 @@
           <a:p>
             <a:fld id="{621EDD06-D935-4757-8E3B-CF3AF6A4D88B}" type="datetimeFigureOut">
               <a:rPr lang="en-US" smtClean="0"/>
-              <a:t>7/14/2016</a:t>
+              <a:t>7/15/16</a:t>
             </a:fld>
             <a:endParaRPr lang="en-US"/>
           </a:p>
@@ -429,7 +433,7 @@
           <a:p>
             <a:fld id="{621EDD06-D935-4757-8E3B-CF3AF6A4D88B}" type="datetimeFigureOut">
               <a:rPr lang="en-US" smtClean="0"/>
-              <a:t>7/14/2016</a:t>
+              <a:t>7/15/16</a:t>
             </a:fld>
             <a:endParaRPr lang="en-US"/>
           </a:p>
@@ -609,7 +613,7 @@
           <a:p>
             <a:fld id="{621EDD06-D935-4757-8E3B-CF3AF6A4D88B}" type="datetimeFigureOut">
               <a:rPr lang="en-US" smtClean="0"/>
-              <a:t>7/14/2016</a:t>
+              <a:t>7/15/16</a:t>
             </a:fld>
             <a:endParaRPr lang="en-US"/>
           </a:p>
@@ -779,7 +783,7 @@
           <a:p>
             <a:fld id="{621EDD06-D935-4757-8E3B-CF3AF6A4D88B}" type="datetimeFigureOut">
               <a:rPr lang="en-US" smtClean="0"/>
-              <a:t>7/14/2016</a:t>
+              <a:t>7/15/16</a:t>
             </a:fld>
             <a:endParaRPr lang="en-US"/>
           </a:p>
@@ -1023,7 +1027,7 @@
           <a:p>
             <a:fld id="{621EDD06-D935-4757-8E3B-CF3AF6A4D88B}" type="datetimeFigureOut">
               <a:rPr lang="en-US" smtClean="0"/>
-              <a:t>7/14/2016</a:t>
+              <a:t>7/15/16</a:t>
             </a:fld>
             <a:endParaRPr lang="en-US"/>
           </a:p>
@@ -1255,7 +1259,7 @@
           <a:p>
             <a:fld id="{621EDD06-D935-4757-8E3B-CF3AF6A4D88B}" type="datetimeFigureOut">
               <a:rPr lang="en-US" smtClean="0"/>
-              <a:t>7/14/2016</a:t>
+              <a:t>7/15/16</a:t>
             </a:fld>
             <a:endParaRPr lang="en-US"/>
           </a:p>
@@ -1622,7 +1626,7 @@
           <a:p>
             <a:fld id="{621EDD06-D935-4757-8E3B-CF3AF6A4D88B}" type="datetimeFigureOut">
               <a:rPr lang="en-US" smtClean="0"/>
-              <a:t>7/14/2016</a:t>
+              <a:t>7/15/16</a:t>
             </a:fld>
             <a:endParaRPr lang="en-US"/>
           </a:p>
@@ -1740,7 +1744,7 @@
           <a:p>
             <a:fld id="{621EDD06-D935-4757-8E3B-CF3AF6A4D88B}" type="datetimeFigureOut">
               <a:rPr lang="en-US" smtClean="0"/>
-              <a:t>7/14/2016</a:t>
+              <a:t>7/15/16</a:t>
             </a:fld>
             <a:endParaRPr lang="en-US"/>
           </a:p>
@@ -1835,7 +1839,7 @@
           <a:p>
             <a:fld id="{621EDD06-D935-4757-8E3B-CF3AF6A4D88B}" type="datetimeFigureOut">
               <a:rPr lang="en-US" smtClean="0"/>
-              <a:t>7/14/2016</a:t>
+              <a:t>7/15/16</a:t>
             </a:fld>
             <a:endParaRPr lang="en-US"/>
           </a:p>
@@ -2112,7 +2116,7 @@
           <a:p>
             <a:fld id="{621EDD06-D935-4757-8E3B-CF3AF6A4D88B}" type="datetimeFigureOut">
               <a:rPr lang="en-US" smtClean="0"/>
-              <a:t>7/14/2016</a:t>
+              <a:t>7/15/16</a:t>
             </a:fld>
             <a:endParaRPr lang="en-US"/>
           </a:p>
@@ -2369,7 +2373,7 @@
           <a:p>
             <a:fld id="{621EDD06-D935-4757-8E3B-CF3AF6A4D88B}" type="datetimeFigureOut">
               <a:rPr lang="en-US" smtClean="0"/>
-              <a:t>7/14/2016</a:t>
+              <a:t>7/15/16</a:t>
             </a:fld>
             <a:endParaRPr lang="en-US"/>
           </a:p>
@@ -2582,7 +2586,7 @@
           <a:p>
             <a:fld id="{621EDD06-D935-4757-8E3B-CF3AF6A4D88B}" type="datetimeFigureOut">
               <a:rPr lang="en-US" smtClean="0"/>
-              <a:t>7/14/2016</a:t>
+              <a:t>7/15/16</a:t>
             </a:fld>
             <a:endParaRPr lang="en-US"/>
           </a:p>
@@ -2971,6 +2975,5436 @@
 </file>
 
 <file path=ppt/slides/slide1.xml><?xml version="1.0" encoding="utf-8"?>
+<p:sld xmlns:a="http://schemas.openxmlformats.org/drawingml/2006/main" xmlns:r="http://schemas.openxmlformats.org/officeDocument/2006/relationships" xmlns:p="http://schemas.openxmlformats.org/presentationml/2006/main">
+  <p:cSld>
+    <p:spTree>
+      <p:nvGrpSpPr>
+        <p:cNvPr id="1" name=""/>
+        <p:cNvGrpSpPr/>
+        <p:nvPr/>
+      </p:nvGrpSpPr>
+      <p:grpSpPr>
+        <a:xfrm>
+          <a:off x="0" y="0"/>
+          <a:ext cx="0" cy="0"/>
+          <a:chOff x="0" y="0"/>
+          <a:chExt cx="0" cy="0"/>
+        </a:xfrm>
+      </p:grpSpPr>
+      <p:sp>
+        <p:nvSpPr>
+          <p:cNvPr id="7" name="TextBox 54"/>
+          <p:cNvSpPr txBox="1"/>
+          <p:nvPr/>
+        </p:nvSpPr>
+        <p:spPr>
+          <a:xfrm>
+            <a:off x="1681240" y="1517420"/>
+            <a:ext cx="2056190" cy="323165"/>
+          </a:xfrm>
+          <a:prstGeom prst="rect">
+            <a:avLst/>
+          </a:prstGeom>
+          <a:noFill/>
+        </p:spPr>
+        <p:txBody>
+          <a:bodyPr wrap="square" rtlCol="0">
+            <a:spAutoFit/>
+          </a:bodyPr>
+          <a:lstStyle/>
+          <a:p>
+            <a:pPr algn="ctr">
+              <a:lnSpc>
+                <a:spcPct val="80000"/>
+              </a:lnSpc>
+            </a:pPr>
+            <a:r>
+              <a:rPr lang="en-US" dirty="0" smtClean="0"/>
+              <a:t>Container: Sender</a:t>
+            </a:r>
+            <a:endParaRPr lang="en-US" dirty="0" smtClean="0"/>
+          </a:p>
+        </p:txBody>
+      </p:sp>
+      <p:sp>
+        <p:nvSpPr>
+          <p:cNvPr id="8" name="TextBox 54"/>
+          <p:cNvSpPr txBox="1"/>
+          <p:nvPr/>
+        </p:nvSpPr>
+        <p:spPr>
+          <a:xfrm>
+            <a:off x="5304973" y="1524678"/>
+            <a:ext cx="2056190" cy="323165"/>
+          </a:xfrm>
+          <a:prstGeom prst="rect">
+            <a:avLst/>
+          </a:prstGeom>
+          <a:noFill/>
+        </p:spPr>
+        <p:txBody>
+          <a:bodyPr wrap="square" rtlCol="0">
+            <a:spAutoFit/>
+          </a:bodyPr>
+          <a:lstStyle/>
+          <a:p>
+            <a:pPr algn="ctr">
+              <a:lnSpc>
+                <a:spcPct val="80000"/>
+              </a:lnSpc>
+            </a:pPr>
+            <a:r>
+              <a:rPr lang="en-US" dirty="0" smtClean="0"/>
+              <a:t>Container: Receiver</a:t>
+            </a:r>
+            <a:endParaRPr lang="en-US" dirty="0" smtClean="0"/>
+          </a:p>
+        </p:txBody>
+      </p:sp>
+      <p:pic>
+        <p:nvPicPr>
+          <p:cNvPr id="10" name="图片 9" descr="111.pdf"/>
+          <p:cNvPicPr>
+            <a:picLocks noChangeAspect="1"/>
+          </p:cNvPicPr>
+          <p:nvPr/>
+        </p:nvPicPr>
+        <p:blipFill>
+          <a:blip r:embed="rId2">
+            <a:extLst>
+              <a:ext uri="{28A0092B-C50C-407E-A947-70E740481C1C}">
+                <a14:useLocalDpi xmlns:a14="http://schemas.microsoft.com/office/drawing/2010/main" val="0"/>
+              </a:ext>
+            </a:extLst>
+          </a:blip>
+          <a:stretch>
+            <a:fillRect/>
+          </a:stretch>
+        </p:blipFill>
+        <p:spPr>
+          <a:xfrm>
+            <a:off x="1064393" y="1960637"/>
+            <a:ext cx="3200400" cy="4335427"/>
+          </a:xfrm>
+          <a:prstGeom prst="rect">
+            <a:avLst/>
+          </a:prstGeom>
+        </p:spPr>
+      </p:pic>
+      <p:pic>
+        <p:nvPicPr>
+          <p:cNvPr id="11" name="图片 10" descr="112.pdf"/>
+          <p:cNvPicPr>
+            <a:picLocks noChangeAspect="1"/>
+          </p:cNvPicPr>
+          <p:nvPr/>
+        </p:nvPicPr>
+        <p:blipFill>
+          <a:blip r:embed="rId3">
+            <a:extLst>
+              <a:ext uri="{28A0092B-C50C-407E-A947-70E740481C1C}">
+                <a14:useLocalDpi xmlns:a14="http://schemas.microsoft.com/office/drawing/2010/main" val="0"/>
+              </a:ext>
+            </a:extLst>
+          </a:blip>
+          <a:stretch>
+            <a:fillRect/>
+          </a:stretch>
+        </p:blipFill>
+        <p:spPr>
+          <a:xfrm>
+            <a:off x="4813914" y="1960638"/>
+            <a:ext cx="3200400" cy="2158409"/>
+          </a:xfrm>
+          <a:prstGeom prst="rect">
+            <a:avLst/>
+          </a:prstGeom>
+        </p:spPr>
+      </p:pic>
+    </p:spTree>
+    <p:extLst>
+      <p:ext uri="{BB962C8B-B14F-4D97-AF65-F5344CB8AC3E}">
+        <p14:creationId xmlns:p14="http://schemas.microsoft.com/office/powerpoint/2010/main" val="3079064084"/>
+      </p:ext>
+    </p:extLst>
+  </p:cSld>
+  <p:clrMapOvr>
+    <a:masterClrMapping/>
+  </p:clrMapOvr>
+</p:sld>
+</file>
+
+<file path=ppt/slides/slide10.xml><?xml version="1.0" encoding="utf-8"?>
+<p:sld xmlns:a="http://schemas.openxmlformats.org/drawingml/2006/main" xmlns:r="http://schemas.openxmlformats.org/officeDocument/2006/relationships" xmlns:p="http://schemas.openxmlformats.org/presentationml/2006/main">
+  <p:cSld>
+    <p:spTree>
+      <p:nvGrpSpPr>
+        <p:cNvPr id="1" name=""/>
+        <p:cNvGrpSpPr/>
+        <p:nvPr/>
+      </p:nvGrpSpPr>
+      <p:grpSpPr>
+        <a:xfrm>
+          <a:off x="0" y="0"/>
+          <a:ext cx="0" cy="0"/>
+          <a:chOff x="0" y="0"/>
+          <a:chExt cx="0" cy="0"/>
+        </a:xfrm>
+      </p:grpSpPr>
+      <p:sp>
+        <p:nvSpPr>
+          <p:cNvPr id="55" name="TextBox 54"/>
+          <p:cNvSpPr txBox="1"/>
+          <p:nvPr/>
+        </p:nvSpPr>
+        <p:spPr>
+          <a:xfrm>
+            <a:off x="1947340" y="3061433"/>
+            <a:ext cx="2319864" cy="400110"/>
+          </a:xfrm>
+          <a:prstGeom prst="rect">
+            <a:avLst/>
+          </a:prstGeom>
+          <a:noFill/>
+        </p:spPr>
+        <p:txBody>
+          <a:bodyPr wrap="square" rtlCol="0">
+            <a:spAutoFit/>
+          </a:bodyPr>
+          <a:lstStyle/>
+          <a:p>
+            <a:pPr algn="ctr"/>
+            <a:r>
+              <a:rPr lang="en-US" sz="2000" dirty="0"/>
+              <a:t>Intra-VM</a:t>
+            </a:r>
+          </a:p>
+        </p:txBody>
+      </p:sp>
+      <p:sp>
+        <p:nvSpPr>
+          <p:cNvPr id="76" name="Rectangle 5"/>
+          <p:cNvSpPr/>
+          <p:nvPr/>
+        </p:nvSpPr>
+        <p:spPr>
+          <a:xfrm>
+            <a:off x="1069495" y="3348211"/>
+            <a:ext cx="1342578" cy="457200"/>
+          </a:xfrm>
+          <a:prstGeom prst="rect">
+            <a:avLst/>
+          </a:prstGeom>
+          <a:solidFill>
+            <a:srgbClr val="FFFFFF"/>
+          </a:solidFill>
+          <a:ln w="19050">
+            <a:solidFill>
+              <a:schemeClr val="tx1">
+                <a:lumMod val="75000"/>
+                <a:lumOff val="25000"/>
+              </a:schemeClr>
+            </a:solidFill>
+          </a:ln>
+        </p:spPr>
+        <p:style>
+          <a:lnRef idx="2">
+            <a:schemeClr val="accent1">
+              <a:shade val="50000"/>
+            </a:schemeClr>
+          </a:lnRef>
+          <a:fillRef idx="1">
+            <a:schemeClr val="accent1"/>
+          </a:fillRef>
+          <a:effectRef idx="0">
+            <a:schemeClr val="accent1"/>
+          </a:effectRef>
+          <a:fontRef idx="minor">
+            <a:schemeClr val="lt1"/>
+          </a:fontRef>
+        </p:style>
+        <p:txBody>
+          <a:bodyPr rtlCol="0" anchor="ctr"/>
+          <a:lstStyle/>
+          <a:p>
+            <a:pPr algn="ctr"/>
+            <a:r>
+              <a:rPr lang="en-US" dirty="0" err="1">
+                <a:solidFill>
+                  <a:sysClr val="windowText" lastClr="000000"/>
+                </a:solidFill>
+              </a:rPr>
+              <a:t>Mesos</a:t>
+            </a:r>
+            <a:endParaRPr lang="en-US" dirty="0">
+              <a:solidFill>
+                <a:sysClr val="windowText" lastClr="000000"/>
+              </a:solidFill>
+            </a:endParaRPr>
+          </a:p>
+        </p:txBody>
+      </p:sp>
+      <p:sp>
+        <p:nvSpPr>
+          <p:cNvPr id="77" name="Rectangle 5"/>
+          <p:cNvSpPr/>
+          <p:nvPr/>
+        </p:nvSpPr>
+        <p:spPr>
+          <a:xfrm>
+            <a:off x="3589866" y="4056591"/>
+            <a:ext cx="1342578" cy="457200"/>
+          </a:xfrm>
+          <a:prstGeom prst="rect">
+            <a:avLst/>
+          </a:prstGeom>
+          <a:solidFill>
+            <a:srgbClr val="FFFFFF"/>
+          </a:solidFill>
+          <a:ln w="19050">
+            <a:solidFill>
+              <a:schemeClr val="tx1">
+                <a:lumMod val="75000"/>
+                <a:lumOff val="25000"/>
+              </a:schemeClr>
+            </a:solidFill>
+          </a:ln>
+        </p:spPr>
+        <p:style>
+          <a:lnRef idx="2">
+            <a:schemeClr val="accent1">
+              <a:shade val="50000"/>
+            </a:schemeClr>
+          </a:lnRef>
+          <a:fillRef idx="1">
+            <a:schemeClr val="accent1"/>
+          </a:fillRef>
+          <a:effectRef idx="0">
+            <a:schemeClr val="accent1"/>
+          </a:effectRef>
+          <a:fontRef idx="minor">
+            <a:schemeClr val="lt1"/>
+          </a:fontRef>
+        </p:style>
+        <p:txBody>
+          <a:bodyPr rtlCol="0" anchor="ctr"/>
+          <a:lstStyle/>
+          <a:p>
+            <a:pPr algn="ctr">
+              <a:lnSpc>
+                <a:spcPct val="80000"/>
+              </a:lnSpc>
+            </a:pPr>
+            <a:r>
+              <a:rPr lang="en-US" dirty="0">
+                <a:solidFill>
+                  <a:sysClr val="windowText" lastClr="000000"/>
+                </a:solidFill>
+              </a:rPr>
+              <a:t>Fabric Controller</a:t>
+            </a:r>
+          </a:p>
+        </p:txBody>
+      </p:sp>
+      <p:sp>
+        <p:nvSpPr>
+          <p:cNvPr id="87" name="TextBox 54"/>
+          <p:cNvSpPr txBox="1"/>
+          <p:nvPr/>
+        </p:nvSpPr>
+        <p:spPr>
+          <a:xfrm>
+            <a:off x="6197602" y="3146105"/>
+            <a:ext cx="1286931" cy="707886"/>
+          </a:xfrm>
+          <a:prstGeom prst="rect">
+            <a:avLst/>
+          </a:prstGeom>
+          <a:noFill/>
+        </p:spPr>
+        <p:txBody>
+          <a:bodyPr wrap="square" rtlCol="0">
+            <a:spAutoFit/>
+          </a:bodyPr>
+          <a:lstStyle/>
+          <a:p>
+            <a:r>
+              <a:rPr lang="en-US" sz="2000" dirty="0"/>
+              <a:t>Shared Memory</a:t>
+            </a:r>
+          </a:p>
+        </p:txBody>
+      </p:sp>
+      <p:cxnSp>
+        <p:nvCxnSpPr>
+          <p:cNvPr id="89" name="Straight Connector 26"/>
+          <p:cNvCxnSpPr/>
+          <p:nvPr/>
+        </p:nvCxnSpPr>
+        <p:spPr>
+          <a:xfrm flipV="1">
+            <a:off x="893055" y="3590927"/>
+            <a:ext cx="182880" cy="2893"/>
+          </a:xfrm>
+          <a:prstGeom prst="line">
+            <a:avLst/>
+          </a:prstGeom>
+          <a:ln w="28575" cmpd="sng">
+            <a:solidFill>
+              <a:schemeClr val="tx1"/>
+            </a:solidFill>
+            <a:prstDash val="dash"/>
+            <a:headEnd type="none"/>
+            <a:tailEnd type="arrow"/>
+          </a:ln>
+        </p:spPr>
+        <p:style>
+          <a:lnRef idx="1">
+            <a:schemeClr val="accent1"/>
+          </a:lnRef>
+          <a:fillRef idx="0">
+            <a:schemeClr val="accent1"/>
+          </a:fillRef>
+          <a:effectRef idx="0">
+            <a:schemeClr val="accent1"/>
+          </a:effectRef>
+          <a:fontRef idx="minor">
+            <a:schemeClr val="tx1"/>
+          </a:fontRef>
+        </p:style>
+      </p:cxnSp>
+      <p:cxnSp>
+        <p:nvCxnSpPr>
+          <p:cNvPr id="98" name="Straight Connector 26"/>
+          <p:cNvCxnSpPr>
+            <a:stCxn id="76" idx="3"/>
+            <a:endCxn id="77" idx="1"/>
+          </p:cNvCxnSpPr>
+          <p:nvPr/>
+        </p:nvCxnSpPr>
+        <p:spPr>
+          <a:xfrm>
+            <a:off x="2412073" y="3576811"/>
+            <a:ext cx="1177793" cy="708380"/>
+          </a:xfrm>
+          <a:prstGeom prst="bentConnector3">
+            <a:avLst>
+              <a:gd name="adj1" fmla="val 50000"/>
+            </a:avLst>
+          </a:prstGeom>
+          <a:ln w="28575" cmpd="sng">
+            <a:solidFill>
+              <a:schemeClr val="tx1"/>
+            </a:solidFill>
+            <a:prstDash val="dash"/>
+            <a:headEnd type="none"/>
+            <a:tailEnd type="arrow"/>
+          </a:ln>
+        </p:spPr>
+        <p:style>
+          <a:lnRef idx="1">
+            <a:schemeClr val="accent1"/>
+          </a:lnRef>
+          <a:fillRef idx="0">
+            <a:schemeClr val="accent1"/>
+          </a:fillRef>
+          <a:effectRef idx="0">
+            <a:schemeClr val="accent1"/>
+          </a:effectRef>
+          <a:fontRef idx="minor">
+            <a:schemeClr val="tx1"/>
+          </a:fontRef>
+        </p:style>
+      </p:cxnSp>
+      <p:sp>
+        <p:nvSpPr>
+          <p:cNvPr id="33" name="TextBox 54"/>
+          <p:cNvSpPr txBox="1"/>
+          <p:nvPr/>
+        </p:nvSpPr>
+        <p:spPr>
+          <a:xfrm>
+            <a:off x="6197593" y="3925038"/>
+            <a:ext cx="1659474" cy="707886"/>
+          </a:xfrm>
+          <a:prstGeom prst="rect">
+            <a:avLst/>
+          </a:prstGeom>
+          <a:noFill/>
+        </p:spPr>
+        <p:txBody>
+          <a:bodyPr wrap="square" rtlCol="0">
+            <a:spAutoFit/>
+          </a:bodyPr>
+          <a:lstStyle/>
+          <a:p>
+            <a:r>
+              <a:rPr lang="en-US" sz="2000" dirty="0"/>
+              <a:t>DPDK/</a:t>
+            </a:r>
+            <a:r>
+              <a:rPr lang="en-US" sz="2000" dirty="0" err="1"/>
+              <a:t>Netmap</a:t>
+            </a:r>
+            <a:endParaRPr lang="en-US" sz="2000" dirty="0"/>
+          </a:p>
+        </p:txBody>
+      </p:sp>
+      <p:sp>
+        <p:nvSpPr>
+          <p:cNvPr id="34" name="TextBox 54"/>
+          <p:cNvSpPr txBox="1"/>
+          <p:nvPr/>
+        </p:nvSpPr>
+        <p:spPr>
+          <a:xfrm>
+            <a:off x="6214527" y="4805568"/>
+            <a:ext cx="897467" cy="400110"/>
+          </a:xfrm>
+          <a:prstGeom prst="rect">
+            <a:avLst/>
+          </a:prstGeom>
+          <a:noFill/>
+        </p:spPr>
+        <p:txBody>
+          <a:bodyPr wrap="square" rtlCol="0">
+            <a:spAutoFit/>
+          </a:bodyPr>
+          <a:lstStyle/>
+          <a:p>
+            <a:r>
+              <a:rPr lang="en-US" sz="2000" dirty="0"/>
+              <a:t>RDMA</a:t>
+            </a:r>
+          </a:p>
+        </p:txBody>
+      </p:sp>
+      <p:cxnSp>
+        <p:nvCxnSpPr>
+          <p:cNvPr id="40" name="Straight Connector 26"/>
+          <p:cNvCxnSpPr/>
+          <p:nvPr/>
+        </p:nvCxnSpPr>
+        <p:spPr>
+          <a:xfrm>
+            <a:off x="4935140" y="4304944"/>
+            <a:ext cx="1177793" cy="708380"/>
+          </a:xfrm>
+          <a:prstGeom prst="bentConnector3">
+            <a:avLst>
+              <a:gd name="adj1" fmla="val 50000"/>
+            </a:avLst>
+          </a:prstGeom>
+          <a:ln w="28575" cmpd="sng">
+            <a:solidFill>
+              <a:schemeClr val="tx1"/>
+            </a:solidFill>
+            <a:prstDash val="dash"/>
+            <a:headEnd type="none"/>
+            <a:tailEnd type="arrow"/>
+          </a:ln>
+        </p:spPr>
+        <p:style>
+          <a:lnRef idx="1">
+            <a:schemeClr val="accent1"/>
+          </a:lnRef>
+          <a:fillRef idx="0">
+            <a:schemeClr val="accent1"/>
+          </a:fillRef>
+          <a:effectRef idx="0">
+            <a:schemeClr val="accent1"/>
+          </a:effectRef>
+          <a:fontRef idx="minor">
+            <a:schemeClr val="tx1"/>
+          </a:fontRef>
+        </p:style>
+      </p:cxnSp>
+      <p:sp>
+        <p:nvSpPr>
+          <p:cNvPr id="41" name="TextBox 54"/>
+          <p:cNvSpPr txBox="1"/>
+          <p:nvPr/>
+        </p:nvSpPr>
+        <p:spPr>
+          <a:xfrm>
+            <a:off x="1896543" y="4365299"/>
+            <a:ext cx="2319864" cy="400110"/>
+          </a:xfrm>
+          <a:prstGeom prst="rect">
+            <a:avLst/>
+          </a:prstGeom>
+          <a:noFill/>
+        </p:spPr>
+        <p:txBody>
+          <a:bodyPr wrap="square" rtlCol="0">
+            <a:spAutoFit/>
+          </a:bodyPr>
+          <a:lstStyle/>
+          <a:p>
+            <a:pPr algn="ctr"/>
+            <a:r>
+              <a:rPr lang="en-US" sz="2000" dirty="0"/>
+              <a:t>Inter-VM</a:t>
+            </a:r>
+          </a:p>
+        </p:txBody>
+      </p:sp>
+      <p:cxnSp>
+        <p:nvCxnSpPr>
+          <p:cNvPr id="43" name="Straight Connector 26"/>
+          <p:cNvCxnSpPr/>
+          <p:nvPr/>
+        </p:nvCxnSpPr>
+        <p:spPr>
+          <a:xfrm>
+            <a:off x="2417034" y="3576884"/>
+            <a:ext cx="3678966" cy="0"/>
+          </a:xfrm>
+          <a:prstGeom prst="line">
+            <a:avLst/>
+          </a:prstGeom>
+          <a:ln w="28575" cmpd="sng">
+            <a:solidFill>
+              <a:schemeClr val="tx1"/>
+            </a:solidFill>
+            <a:prstDash val="dash"/>
+            <a:headEnd type="none"/>
+            <a:tailEnd type="arrow"/>
+          </a:ln>
+        </p:spPr>
+        <p:style>
+          <a:lnRef idx="1">
+            <a:schemeClr val="accent1"/>
+          </a:lnRef>
+          <a:fillRef idx="0">
+            <a:schemeClr val="accent1"/>
+          </a:fillRef>
+          <a:effectRef idx="0">
+            <a:schemeClr val="accent1"/>
+          </a:effectRef>
+          <a:fontRef idx="minor">
+            <a:schemeClr val="tx1"/>
+          </a:fontRef>
+        </p:style>
+      </p:cxnSp>
+      <p:sp>
+        <p:nvSpPr>
+          <p:cNvPr id="45" name="TextBox 54"/>
+          <p:cNvSpPr txBox="1"/>
+          <p:nvPr/>
+        </p:nvSpPr>
+        <p:spPr>
+          <a:xfrm>
+            <a:off x="4385745" y="3738769"/>
+            <a:ext cx="2319864" cy="400110"/>
+          </a:xfrm>
+          <a:prstGeom prst="rect">
+            <a:avLst/>
+          </a:prstGeom>
+          <a:noFill/>
+        </p:spPr>
+        <p:txBody>
+          <a:bodyPr wrap="square" rtlCol="0">
+            <a:spAutoFit/>
+          </a:bodyPr>
+          <a:lstStyle/>
+          <a:p>
+            <a:pPr algn="ctr"/>
+            <a:r>
+              <a:rPr lang="en-US" sz="2000" dirty="0"/>
+              <a:t>Intra-host</a:t>
+            </a:r>
+          </a:p>
+        </p:txBody>
+      </p:sp>
+      <p:cxnSp>
+        <p:nvCxnSpPr>
+          <p:cNvPr id="46" name="Straight Connector 26"/>
+          <p:cNvCxnSpPr/>
+          <p:nvPr/>
+        </p:nvCxnSpPr>
+        <p:spPr>
+          <a:xfrm flipV="1">
+            <a:off x="4940115" y="4301067"/>
+            <a:ext cx="1206700" cy="3951"/>
+          </a:xfrm>
+          <a:prstGeom prst="line">
+            <a:avLst/>
+          </a:prstGeom>
+          <a:ln w="28575" cmpd="sng">
+            <a:solidFill>
+              <a:schemeClr val="tx1"/>
+            </a:solidFill>
+            <a:prstDash val="dash"/>
+            <a:headEnd type="none"/>
+            <a:tailEnd type="arrow"/>
+          </a:ln>
+        </p:spPr>
+        <p:style>
+          <a:lnRef idx="1">
+            <a:schemeClr val="accent1"/>
+          </a:lnRef>
+          <a:fillRef idx="0">
+            <a:schemeClr val="accent1"/>
+          </a:fillRef>
+          <a:effectRef idx="0">
+            <a:schemeClr val="accent1"/>
+          </a:effectRef>
+          <a:fontRef idx="minor">
+            <a:schemeClr val="tx1"/>
+          </a:fontRef>
+        </p:style>
+      </p:cxnSp>
+      <p:sp>
+        <p:nvSpPr>
+          <p:cNvPr id="48" name="TextBox 54"/>
+          <p:cNvSpPr txBox="1"/>
+          <p:nvPr/>
+        </p:nvSpPr>
+        <p:spPr>
+          <a:xfrm>
+            <a:off x="4402685" y="5076500"/>
+            <a:ext cx="2319864" cy="400110"/>
+          </a:xfrm>
+          <a:prstGeom prst="rect">
+            <a:avLst/>
+          </a:prstGeom>
+          <a:noFill/>
+        </p:spPr>
+        <p:txBody>
+          <a:bodyPr wrap="square" rtlCol="0">
+            <a:spAutoFit/>
+          </a:bodyPr>
+          <a:lstStyle/>
+          <a:p>
+            <a:pPr algn="ctr"/>
+            <a:r>
+              <a:rPr lang="en-US" sz="2000" dirty="0"/>
+              <a:t>Inter-host</a:t>
+            </a:r>
+          </a:p>
+        </p:txBody>
+      </p:sp>
+    </p:spTree>
+    <p:extLst>
+      <p:ext uri="{BB962C8B-B14F-4D97-AF65-F5344CB8AC3E}">
+        <p14:creationId xmlns:p14="http://schemas.microsoft.com/office/powerpoint/2010/main" val="3120842089"/>
+      </p:ext>
+    </p:extLst>
+  </p:cSld>
+  <p:clrMapOvr>
+    <a:masterClrMapping/>
+  </p:clrMapOvr>
+</p:sld>
+</file>
+
+<file path=ppt/slides/slide2.xml><?xml version="1.0" encoding="utf-8"?>
+<p:sld xmlns:a="http://schemas.openxmlformats.org/drawingml/2006/main" xmlns:r="http://schemas.openxmlformats.org/officeDocument/2006/relationships" xmlns:p="http://schemas.openxmlformats.org/presentationml/2006/main">
+  <p:cSld>
+    <p:spTree>
+      <p:nvGrpSpPr>
+        <p:cNvPr id="1" name=""/>
+        <p:cNvGrpSpPr/>
+        <p:nvPr/>
+      </p:nvGrpSpPr>
+      <p:grpSpPr>
+        <a:xfrm>
+          <a:off x="0" y="0"/>
+          <a:ext cx="0" cy="0"/>
+          <a:chOff x="0" y="0"/>
+          <a:chExt cx="0" cy="0"/>
+        </a:xfrm>
+      </p:grpSpPr>
+      <p:cxnSp>
+        <p:nvCxnSpPr>
+          <p:cNvPr id="89" name="Straight Connector 26"/>
+          <p:cNvCxnSpPr/>
+          <p:nvPr/>
+        </p:nvCxnSpPr>
+        <p:spPr>
+          <a:xfrm flipH="1" flipV="1">
+            <a:off x="3837854" y="2719707"/>
+            <a:ext cx="1445874" cy="0"/>
+          </a:xfrm>
+          <a:prstGeom prst="line">
+            <a:avLst/>
+          </a:prstGeom>
+          <a:ln w="28575" cmpd="sng">
+            <a:solidFill>
+              <a:srgbClr val="FF0000"/>
+            </a:solidFill>
+            <a:prstDash val="dash"/>
+            <a:headEnd type="none"/>
+            <a:tailEnd type="arrow"/>
+          </a:ln>
+        </p:spPr>
+        <p:style>
+          <a:lnRef idx="1">
+            <a:schemeClr val="accent1"/>
+          </a:lnRef>
+          <a:fillRef idx="0">
+            <a:schemeClr val="accent1"/>
+          </a:fillRef>
+          <a:effectRef idx="0">
+            <a:schemeClr val="accent1"/>
+          </a:effectRef>
+          <a:fontRef idx="minor">
+            <a:schemeClr val="tx1"/>
+          </a:fontRef>
+        </p:style>
+      </p:cxnSp>
+      <p:grpSp>
+        <p:nvGrpSpPr>
+          <p:cNvPr id="6" name="组 5"/>
+          <p:cNvGrpSpPr/>
+          <p:nvPr/>
+        </p:nvGrpSpPr>
+        <p:grpSpPr>
+          <a:xfrm>
+            <a:off x="1653659" y="2002200"/>
+            <a:ext cx="2206614" cy="2853601"/>
+            <a:chOff x="960827" y="907092"/>
+            <a:chExt cx="2206614" cy="2853601"/>
+          </a:xfrm>
+        </p:grpSpPr>
+        <p:sp>
+          <p:nvSpPr>
+            <p:cNvPr id="14" name="Rectangle 13"/>
+            <p:cNvSpPr/>
+            <p:nvPr/>
+          </p:nvSpPr>
+          <p:spPr>
+            <a:xfrm>
+              <a:off x="960827" y="907092"/>
+              <a:ext cx="2194560" cy="1097280"/>
+            </a:xfrm>
+            <a:prstGeom prst="rect">
+              <a:avLst/>
+            </a:prstGeom>
+            <a:noFill/>
+            <a:ln w="19050">
+              <a:solidFill>
+                <a:schemeClr val="tx1">
+                  <a:lumMod val="75000"/>
+                  <a:lumOff val="25000"/>
+                </a:schemeClr>
+              </a:solidFill>
+            </a:ln>
+          </p:spPr>
+          <p:style>
+            <a:lnRef idx="2">
+              <a:schemeClr val="accent1">
+                <a:shade val="50000"/>
+              </a:schemeClr>
+            </a:lnRef>
+            <a:fillRef idx="1">
+              <a:schemeClr val="accent1"/>
+            </a:fillRef>
+            <a:effectRef idx="0">
+              <a:schemeClr val="accent1"/>
+            </a:effectRef>
+            <a:fontRef idx="minor">
+              <a:schemeClr val="lt1"/>
+            </a:fontRef>
+          </p:style>
+          <p:txBody>
+            <a:bodyPr rtlCol="0" anchor="ctr"/>
+            <a:lstStyle/>
+            <a:p>
+              <a:pPr algn="ctr"/>
+              <a:endParaRPr lang="en-US" i="1" dirty="0">
+                <a:solidFill>
+                  <a:schemeClr val="tx1"/>
+                </a:solidFill>
+              </a:endParaRPr>
+            </a:p>
+          </p:txBody>
+        </p:sp>
+        <p:sp>
+          <p:nvSpPr>
+            <p:cNvPr id="53" name="Rectangle 5"/>
+            <p:cNvSpPr/>
+            <p:nvPr/>
+          </p:nvSpPr>
+          <p:spPr>
+            <a:xfrm>
+              <a:off x="1585460" y="1881159"/>
+              <a:ext cx="914400" cy="274320"/>
+            </a:xfrm>
+            <a:prstGeom prst="rect">
+              <a:avLst/>
+            </a:prstGeom>
+            <a:solidFill>
+              <a:schemeClr val="tx2">
+                <a:lumMod val="20000"/>
+                <a:lumOff val="80000"/>
+              </a:schemeClr>
+            </a:solidFill>
+            <a:ln w="19050">
+              <a:solidFill>
+                <a:schemeClr val="tx1">
+                  <a:lumMod val="75000"/>
+                  <a:lumOff val="25000"/>
+                </a:schemeClr>
+              </a:solidFill>
+            </a:ln>
+          </p:spPr>
+          <p:style>
+            <a:lnRef idx="2">
+              <a:schemeClr val="accent1">
+                <a:shade val="50000"/>
+              </a:schemeClr>
+            </a:lnRef>
+            <a:fillRef idx="1">
+              <a:schemeClr val="accent1"/>
+            </a:fillRef>
+            <a:effectRef idx="0">
+              <a:schemeClr val="accent1"/>
+            </a:effectRef>
+            <a:fontRef idx="minor">
+              <a:schemeClr val="lt1"/>
+            </a:fontRef>
+          </p:style>
+          <p:txBody>
+            <a:bodyPr rtlCol="0" anchor="ctr"/>
+            <a:lstStyle/>
+            <a:p>
+              <a:pPr algn="ctr"/>
+              <a:r>
+                <a:rPr lang="en-US" dirty="0" err="1" smtClean="0">
+                  <a:solidFill>
+                    <a:sysClr val="windowText" lastClr="000000"/>
+                  </a:solidFill>
+                </a:rPr>
+                <a:t>vNIC</a:t>
+              </a:r>
+              <a:endParaRPr lang="en-US" dirty="0">
+                <a:solidFill>
+                  <a:sysClr val="windowText" lastClr="000000"/>
+                </a:solidFill>
+              </a:endParaRPr>
+            </a:p>
+          </p:txBody>
+        </p:sp>
+        <p:sp>
+          <p:nvSpPr>
+            <p:cNvPr id="69" name="Rectangle 5"/>
+            <p:cNvSpPr/>
+            <p:nvPr/>
+          </p:nvSpPr>
+          <p:spPr>
+            <a:xfrm>
+              <a:off x="971685" y="2505347"/>
+              <a:ext cx="2194560" cy="437744"/>
+            </a:xfrm>
+            <a:prstGeom prst="rect">
+              <a:avLst/>
+            </a:prstGeom>
+            <a:solidFill>
+              <a:schemeClr val="tx2">
+                <a:lumMod val="20000"/>
+                <a:lumOff val="80000"/>
+              </a:schemeClr>
+            </a:solidFill>
+            <a:ln w="19050">
+              <a:solidFill>
+                <a:schemeClr val="tx1">
+                  <a:lumMod val="75000"/>
+                  <a:lumOff val="25000"/>
+                </a:schemeClr>
+              </a:solidFill>
+            </a:ln>
+          </p:spPr>
+          <p:style>
+            <a:lnRef idx="2">
+              <a:schemeClr val="accent1">
+                <a:shade val="50000"/>
+              </a:schemeClr>
+            </a:lnRef>
+            <a:fillRef idx="1">
+              <a:schemeClr val="accent1"/>
+            </a:fillRef>
+            <a:effectRef idx="0">
+              <a:schemeClr val="accent1"/>
+            </a:effectRef>
+            <a:fontRef idx="minor">
+              <a:schemeClr val="lt1"/>
+            </a:fontRef>
+          </p:style>
+          <p:txBody>
+            <a:bodyPr rtlCol="0" anchor="ctr"/>
+            <a:lstStyle/>
+            <a:p>
+              <a:pPr algn="ctr"/>
+              <a:r>
+                <a:rPr lang="en-US" dirty="0" smtClean="0">
+                  <a:solidFill>
+                    <a:sysClr val="windowText" lastClr="000000"/>
+                  </a:solidFill>
+                </a:rPr>
+                <a:t>Host Agent</a:t>
+              </a:r>
+              <a:endParaRPr lang="en-US" dirty="0">
+                <a:solidFill>
+                  <a:sysClr val="windowText" lastClr="000000"/>
+                </a:solidFill>
+              </a:endParaRPr>
+            </a:p>
+          </p:txBody>
+        </p:sp>
+        <p:cxnSp>
+          <p:nvCxnSpPr>
+            <p:cNvPr id="71" name="Straight Connector 26"/>
+            <p:cNvCxnSpPr/>
+            <p:nvPr/>
+          </p:nvCxnSpPr>
+          <p:spPr>
+            <a:xfrm>
+              <a:off x="2033393" y="2138478"/>
+              <a:ext cx="0" cy="365760"/>
+            </a:xfrm>
+            <a:prstGeom prst="line">
+              <a:avLst/>
+            </a:prstGeom>
+            <a:ln w="19050">
+              <a:solidFill>
+                <a:schemeClr val="tx1"/>
+              </a:solidFill>
+              <a:headEnd type="none"/>
+              <a:tailEnd type="none"/>
+            </a:ln>
+          </p:spPr>
+          <p:style>
+            <a:lnRef idx="1">
+              <a:schemeClr val="accent1"/>
+            </a:lnRef>
+            <a:fillRef idx="0">
+              <a:schemeClr val="accent1"/>
+            </a:fillRef>
+            <a:effectRef idx="0">
+              <a:schemeClr val="accent1"/>
+            </a:effectRef>
+            <a:fontRef idx="minor">
+              <a:schemeClr val="tx1"/>
+            </a:fontRef>
+          </p:style>
+        </p:cxnSp>
+        <p:sp>
+          <p:nvSpPr>
+            <p:cNvPr id="2" name="椭圆 1"/>
+            <p:cNvSpPr/>
+            <p:nvPr/>
+          </p:nvSpPr>
+          <p:spPr>
+            <a:xfrm>
+              <a:off x="1481790" y="982680"/>
+              <a:ext cx="1097280" cy="365760"/>
+            </a:xfrm>
+            <a:prstGeom prst="ellipse">
+              <a:avLst/>
+            </a:prstGeom>
+            <a:solidFill>
+              <a:schemeClr val="bg1">
+                <a:lumMod val="75000"/>
+              </a:schemeClr>
+            </a:solidFill>
+            <a:ln>
+              <a:solidFill>
+                <a:schemeClr val="tx1"/>
+              </a:solidFill>
+            </a:ln>
+          </p:spPr>
+          <p:style>
+            <a:lnRef idx="1">
+              <a:schemeClr val="accent1"/>
+            </a:lnRef>
+            <a:fillRef idx="3">
+              <a:schemeClr val="accent1"/>
+            </a:fillRef>
+            <a:effectRef idx="2">
+              <a:schemeClr val="accent1"/>
+            </a:effectRef>
+            <a:fontRef idx="minor">
+              <a:schemeClr val="lt1"/>
+            </a:fontRef>
+          </p:style>
+          <p:txBody>
+            <a:bodyPr rtlCol="0" anchor="ctr"/>
+            <a:lstStyle/>
+            <a:p>
+              <a:pPr algn="ctr"/>
+              <a:r>
+                <a:rPr kumimoji="1" lang="en-US" altLang="zh-CN" dirty="0" smtClean="0">
+                  <a:solidFill>
+                    <a:schemeClr val="tx1"/>
+                  </a:solidFill>
+                </a:rPr>
+                <a:t>App1</a:t>
+              </a:r>
+              <a:endParaRPr kumimoji="1" lang="zh-CN" altLang="en-US" dirty="0">
+                <a:solidFill>
+                  <a:schemeClr val="tx1"/>
+                </a:solidFill>
+              </a:endParaRPr>
+            </a:p>
+          </p:txBody>
+        </p:sp>
+        <p:sp>
+          <p:nvSpPr>
+            <p:cNvPr id="36" name="Rectangle 61"/>
+            <p:cNvSpPr/>
+            <p:nvPr/>
+          </p:nvSpPr>
+          <p:spPr>
+            <a:xfrm>
+              <a:off x="2023199" y="1462805"/>
+              <a:ext cx="914400" cy="274320"/>
+            </a:xfrm>
+            <a:prstGeom prst="rect">
+              <a:avLst/>
+            </a:prstGeom>
+            <a:noFill/>
+            <a:ln w="19050">
+              <a:solidFill>
+                <a:schemeClr val="tx1">
+                  <a:lumMod val="75000"/>
+                  <a:lumOff val="25000"/>
+                </a:schemeClr>
+              </a:solidFill>
+            </a:ln>
+          </p:spPr>
+          <p:style>
+            <a:lnRef idx="2">
+              <a:schemeClr val="accent1">
+                <a:shade val="50000"/>
+              </a:schemeClr>
+            </a:lnRef>
+            <a:fillRef idx="1">
+              <a:schemeClr val="accent1"/>
+            </a:fillRef>
+            <a:effectRef idx="0">
+              <a:schemeClr val="accent1"/>
+            </a:effectRef>
+            <a:fontRef idx="minor">
+              <a:schemeClr val="lt1"/>
+            </a:fontRef>
+          </p:style>
+          <p:txBody>
+            <a:bodyPr rtlCol="0" anchor="ctr"/>
+            <a:lstStyle/>
+            <a:p>
+              <a:pPr algn="ctr"/>
+              <a:r>
+                <a:rPr lang="en-US" i="1" dirty="0" smtClean="0">
+                  <a:solidFill>
+                    <a:schemeClr val="tx1"/>
+                  </a:solidFill>
+                </a:rPr>
+                <a:t>buffer1</a:t>
+              </a:r>
+              <a:endParaRPr lang="en-US" i="1" dirty="0">
+                <a:solidFill>
+                  <a:schemeClr val="tx1"/>
+                </a:solidFill>
+              </a:endParaRPr>
+            </a:p>
+          </p:txBody>
+        </p:sp>
+        <p:sp>
+          <p:nvSpPr>
+            <p:cNvPr id="38" name="TextBox 54"/>
+            <p:cNvSpPr txBox="1"/>
+            <p:nvPr/>
+          </p:nvSpPr>
+          <p:spPr>
+            <a:xfrm>
+              <a:off x="1202056" y="1403233"/>
+              <a:ext cx="824061" cy="369332"/>
+            </a:xfrm>
+            <a:prstGeom prst="rect">
+              <a:avLst/>
+            </a:prstGeom>
+            <a:noFill/>
+          </p:spPr>
+          <p:txBody>
+            <a:bodyPr wrap="square" rtlCol="0">
+              <a:spAutoFit/>
+            </a:bodyPr>
+            <a:lstStyle/>
+            <a:p>
+              <a:pPr algn="ctr"/>
+              <a:r>
+                <a:rPr lang="en-US" dirty="0" smtClean="0"/>
+                <a:t>L-</a:t>
+              </a:r>
+              <a:r>
+                <a:rPr lang="en-US" dirty="0" err="1" smtClean="0"/>
+                <a:t>addr</a:t>
+              </a:r>
+              <a:endParaRPr lang="en-US" dirty="0"/>
+            </a:p>
+          </p:txBody>
+        </p:sp>
+        <p:sp>
+          <p:nvSpPr>
+            <p:cNvPr id="40" name="Rectangle 5"/>
+            <p:cNvSpPr/>
+            <p:nvPr/>
+          </p:nvSpPr>
+          <p:spPr>
+            <a:xfrm>
+              <a:off x="972881" y="3322949"/>
+              <a:ext cx="2194560" cy="437744"/>
+            </a:xfrm>
+            <a:prstGeom prst="rect">
+              <a:avLst/>
+            </a:prstGeom>
+            <a:solidFill>
+              <a:schemeClr val="tx2">
+                <a:lumMod val="20000"/>
+                <a:lumOff val="80000"/>
+              </a:schemeClr>
+            </a:solidFill>
+            <a:ln w="19050">
+              <a:solidFill>
+                <a:schemeClr val="tx1">
+                  <a:lumMod val="75000"/>
+                  <a:lumOff val="25000"/>
+                </a:schemeClr>
+              </a:solidFill>
+            </a:ln>
+          </p:spPr>
+          <p:style>
+            <a:lnRef idx="2">
+              <a:schemeClr val="accent1">
+                <a:shade val="50000"/>
+              </a:schemeClr>
+            </a:lnRef>
+            <a:fillRef idx="1">
+              <a:schemeClr val="accent1"/>
+            </a:fillRef>
+            <a:effectRef idx="0">
+              <a:schemeClr val="accent1"/>
+            </a:effectRef>
+            <a:fontRef idx="minor">
+              <a:schemeClr val="lt1"/>
+            </a:fontRef>
+          </p:style>
+          <p:txBody>
+            <a:bodyPr rtlCol="0" anchor="ctr"/>
+            <a:lstStyle/>
+            <a:p>
+              <a:pPr algn="ctr"/>
+              <a:r>
+                <a:rPr lang="en-US" dirty="0" smtClean="0">
+                  <a:solidFill>
+                    <a:sysClr val="windowText" lastClr="000000"/>
+                  </a:solidFill>
+                </a:rPr>
+                <a:t>NIC</a:t>
+              </a:r>
+              <a:endParaRPr lang="en-US" dirty="0">
+                <a:solidFill>
+                  <a:sysClr val="windowText" lastClr="000000"/>
+                </a:solidFill>
+              </a:endParaRPr>
+            </a:p>
+          </p:txBody>
+        </p:sp>
+        <p:cxnSp>
+          <p:nvCxnSpPr>
+            <p:cNvPr id="41" name="Straight Connector 26"/>
+            <p:cNvCxnSpPr/>
+            <p:nvPr/>
+          </p:nvCxnSpPr>
+          <p:spPr>
+            <a:xfrm>
+              <a:off x="2049709" y="2956080"/>
+              <a:ext cx="0" cy="365760"/>
+            </a:xfrm>
+            <a:prstGeom prst="line">
+              <a:avLst/>
+            </a:prstGeom>
+            <a:ln w="19050">
+              <a:solidFill>
+                <a:schemeClr val="tx1"/>
+              </a:solidFill>
+              <a:headEnd type="none"/>
+              <a:tailEnd type="none"/>
+            </a:ln>
+          </p:spPr>
+          <p:style>
+            <a:lnRef idx="1">
+              <a:schemeClr val="accent1"/>
+            </a:lnRef>
+            <a:fillRef idx="0">
+              <a:schemeClr val="accent1"/>
+            </a:fillRef>
+            <a:effectRef idx="0">
+              <a:schemeClr val="accent1"/>
+            </a:effectRef>
+            <a:fontRef idx="minor">
+              <a:schemeClr val="tx1"/>
+            </a:fontRef>
+          </p:style>
+        </p:cxnSp>
+      </p:grpSp>
+      <p:grpSp>
+        <p:nvGrpSpPr>
+          <p:cNvPr id="5" name="组 4"/>
+          <p:cNvGrpSpPr/>
+          <p:nvPr/>
+        </p:nvGrpSpPr>
+        <p:grpSpPr>
+          <a:xfrm>
+            <a:off x="5283728" y="2002200"/>
+            <a:ext cx="2206614" cy="2853601"/>
+            <a:chOff x="1113227" y="1059492"/>
+            <a:chExt cx="2206614" cy="2853601"/>
+          </a:xfrm>
+        </p:grpSpPr>
+        <p:sp>
+          <p:nvSpPr>
+            <p:cNvPr id="42" name="Rectangle 13"/>
+            <p:cNvSpPr/>
+            <p:nvPr/>
+          </p:nvSpPr>
+          <p:spPr>
+            <a:xfrm>
+              <a:off x="1113227" y="1059492"/>
+              <a:ext cx="2194560" cy="1097280"/>
+            </a:xfrm>
+            <a:prstGeom prst="rect">
+              <a:avLst/>
+            </a:prstGeom>
+            <a:noFill/>
+            <a:ln w="19050">
+              <a:solidFill>
+                <a:schemeClr val="tx1">
+                  <a:lumMod val="75000"/>
+                  <a:lumOff val="25000"/>
+                </a:schemeClr>
+              </a:solidFill>
+            </a:ln>
+          </p:spPr>
+          <p:style>
+            <a:lnRef idx="2">
+              <a:schemeClr val="accent1">
+                <a:shade val="50000"/>
+              </a:schemeClr>
+            </a:lnRef>
+            <a:fillRef idx="1">
+              <a:schemeClr val="accent1"/>
+            </a:fillRef>
+            <a:effectRef idx="0">
+              <a:schemeClr val="accent1"/>
+            </a:effectRef>
+            <a:fontRef idx="minor">
+              <a:schemeClr val="lt1"/>
+            </a:fontRef>
+          </p:style>
+          <p:txBody>
+            <a:bodyPr rtlCol="0" anchor="ctr"/>
+            <a:lstStyle/>
+            <a:p>
+              <a:pPr algn="ctr"/>
+              <a:endParaRPr lang="en-US" i="1" dirty="0">
+                <a:solidFill>
+                  <a:schemeClr val="tx1"/>
+                </a:solidFill>
+              </a:endParaRPr>
+            </a:p>
+          </p:txBody>
+        </p:sp>
+        <p:sp>
+          <p:nvSpPr>
+            <p:cNvPr id="43" name="Rectangle 5"/>
+            <p:cNvSpPr/>
+            <p:nvPr/>
+          </p:nvSpPr>
+          <p:spPr>
+            <a:xfrm>
+              <a:off x="1737860" y="2033559"/>
+              <a:ext cx="914400" cy="274320"/>
+            </a:xfrm>
+            <a:prstGeom prst="rect">
+              <a:avLst/>
+            </a:prstGeom>
+            <a:solidFill>
+              <a:schemeClr val="tx2">
+                <a:lumMod val="20000"/>
+                <a:lumOff val="80000"/>
+              </a:schemeClr>
+            </a:solidFill>
+            <a:ln w="19050">
+              <a:solidFill>
+                <a:schemeClr val="tx1">
+                  <a:lumMod val="75000"/>
+                  <a:lumOff val="25000"/>
+                </a:schemeClr>
+              </a:solidFill>
+            </a:ln>
+          </p:spPr>
+          <p:style>
+            <a:lnRef idx="2">
+              <a:schemeClr val="accent1">
+                <a:shade val="50000"/>
+              </a:schemeClr>
+            </a:lnRef>
+            <a:fillRef idx="1">
+              <a:schemeClr val="accent1"/>
+            </a:fillRef>
+            <a:effectRef idx="0">
+              <a:schemeClr val="accent1"/>
+            </a:effectRef>
+            <a:fontRef idx="minor">
+              <a:schemeClr val="lt1"/>
+            </a:fontRef>
+          </p:style>
+          <p:txBody>
+            <a:bodyPr rtlCol="0" anchor="ctr"/>
+            <a:lstStyle/>
+            <a:p>
+              <a:pPr algn="ctr"/>
+              <a:r>
+                <a:rPr lang="en-US" dirty="0" err="1" smtClean="0">
+                  <a:solidFill>
+                    <a:sysClr val="windowText" lastClr="000000"/>
+                  </a:solidFill>
+                </a:rPr>
+                <a:t>vNIC</a:t>
+              </a:r>
+              <a:endParaRPr lang="en-US" dirty="0">
+                <a:solidFill>
+                  <a:sysClr val="windowText" lastClr="000000"/>
+                </a:solidFill>
+              </a:endParaRPr>
+            </a:p>
+          </p:txBody>
+        </p:sp>
+        <p:sp>
+          <p:nvSpPr>
+            <p:cNvPr id="44" name="Rectangle 5"/>
+            <p:cNvSpPr/>
+            <p:nvPr/>
+          </p:nvSpPr>
+          <p:spPr>
+            <a:xfrm>
+              <a:off x="1124085" y="2657747"/>
+              <a:ext cx="2194560" cy="437744"/>
+            </a:xfrm>
+            <a:prstGeom prst="rect">
+              <a:avLst/>
+            </a:prstGeom>
+            <a:solidFill>
+              <a:schemeClr val="tx2">
+                <a:lumMod val="20000"/>
+                <a:lumOff val="80000"/>
+              </a:schemeClr>
+            </a:solidFill>
+            <a:ln w="19050">
+              <a:solidFill>
+                <a:schemeClr val="tx1">
+                  <a:lumMod val="75000"/>
+                  <a:lumOff val="25000"/>
+                </a:schemeClr>
+              </a:solidFill>
+            </a:ln>
+          </p:spPr>
+          <p:style>
+            <a:lnRef idx="2">
+              <a:schemeClr val="accent1">
+                <a:shade val="50000"/>
+              </a:schemeClr>
+            </a:lnRef>
+            <a:fillRef idx="1">
+              <a:schemeClr val="accent1"/>
+            </a:fillRef>
+            <a:effectRef idx="0">
+              <a:schemeClr val="accent1"/>
+            </a:effectRef>
+            <a:fontRef idx="minor">
+              <a:schemeClr val="lt1"/>
+            </a:fontRef>
+          </p:style>
+          <p:txBody>
+            <a:bodyPr rtlCol="0" anchor="ctr"/>
+            <a:lstStyle/>
+            <a:p>
+              <a:pPr algn="ctr"/>
+              <a:r>
+                <a:rPr lang="en-US" dirty="0" smtClean="0">
+                  <a:solidFill>
+                    <a:sysClr val="windowText" lastClr="000000"/>
+                  </a:solidFill>
+                </a:rPr>
+                <a:t>Host Agent</a:t>
+              </a:r>
+              <a:endParaRPr lang="en-US" dirty="0">
+                <a:solidFill>
+                  <a:sysClr val="windowText" lastClr="000000"/>
+                </a:solidFill>
+              </a:endParaRPr>
+            </a:p>
+          </p:txBody>
+        </p:sp>
+        <p:cxnSp>
+          <p:nvCxnSpPr>
+            <p:cNvPr id="45" name="Straight Connector 26"/>
+            <p:cNvCxnSpPr/>
+            <p:nvPr/>
+          </p:nvCxnSpPr>
+          <p:spPr>
+            <a:xfrm>
+              <a:off x="2185793" y="2290878"/>
+              <a:ext cx="0" cy="365760"/>
+            </a:xfrm>
+            <a:prstGeom prst="line">
+              <a:avLst/>
+            </a:prstGeom>
+            <a:ln w="19050">
+              <a:solidFill>
+                <a:schemeClr val="tx1"/>
+              </a:solidFill>
+              <a:headEnd type="none"/>
+              <a:tailEnd type="none"/>
+            </a:ln>
+          </p:spPr>
+          <p:style>
+            <a:lnRef idx="1">
+              <a:schemeClr val="accent1"/>
+            </a:lnRef>
+            <a:fillRef idx="0">
+              <a:schemeClr val="accent1"/>
+            </a:fillRef>
+            <a:effectRef idx="0">
+              <a:schemeClr val="accent1"/>
+            </a:effectRef>
+            <a:fontRef idx="minor">
+              <a:schemeClr val="tx1"/>
+            </a:fontRef>
+          </p:style>
+        </p:cxnSp>
+        <p:sp>
+          <p:nvSpPr>
+            <p:cNvPr id="46" name="椭圆 45"/>
+            <p:cNvSpPr/>
+            <p:nvPr/>
+          </p:nvSpPr>
+          <p:spPr>
+            <a:xfrm>
+              <a:off x="1634190" y="1135080"/>
+              <a:ext cx="1097280" cy="365760"/>
+            </a:xfrm>
+            <a:prstGeom prst="ellipse">
+              <a:avLst/>
+            </a:prstGeom>
+            <a:solidFill>
+              <a:schemeClr val="bg1">
+                <a:lumMod val="75000"/>
+              </a:schemeClr>
+            </a:solidFill>
+            <a:ln>
+              <a:solidFill>
+                <a:schemeClr val="tx1"/>
+              </a:solidFill>
+            </a:ln>
+          </p:spPr>
+          <p:style>
+            <a:lnRef idx="1">
+              <a:schemeClr val="accent1"/>
+            </a:lnRef>
+            <a:fillRef idx="3">
+              <a:schemeClr val="accent1"/>
+            </a:fillRef>
+            <a:effectRef idx="2">
+              <a:schemeClr val="accent1"/>
+            </a:effectRef>
+            <a:fontRef idx="minor">
+              <a:schemeClr val="lt1"/>
+            </a:fontRef>
+          </p:style>
+          <p:txBody>
+            <a:bodyPr rtlCol="0" anchor="ctr"/>
+            <a:lstStyle/>
+            <a:p>
+              <a:pPr algn="ctr"/>
+              <a:r>
+                <a:rPr kumimoji="1" lang="en-US" altLang="zh-CN" dirty="0" smtClean="0">
+                  <a:solidFill>
+                    <a:schemeClr val="tx1"/>
+                  </a:solidFill>
+                </a:rPr>
+                <a:t>App1</a:t>
+              </a:r>
+              <a:endParaRPr kumimoji="1" lang="zh-CN" altLang="en-US" dirty="0">
+                <a:solidFill>
+                  <a:schemeClr val="tx1"/>
+                </a:solidFill>
+              </a:endParaRPr>
+            </a:p>
+          </p:txBody>
+        </p:sp>
+        <p:sp>
+          <p:nvSpPr>
+            <p:cNvPr id="47" name="Rectangle 61"/>
+            <p:cNvSpPr/>
+            <p:nvPr/>
+          </p:nvSpPr>
+          <p:spPr>
+            <a:xfrm>
+              <a:off x="2175599" y="1615205"/>
+              <a:ext cx="914400" cy="274320"/>
+            </a:xfrm>
+            <a:prstGeom prst="rect">
+              <a:avLst/>
+            </a:prstGeom>
+            <a:noFill/>
+            <a:ln w="19050">
+              <a:solidFill>
+                <a:schemeClr val="tx1">
+                  <a:lumMod val="75000"/>
+                  <a:lumOff val="25000"/>
+                </a:schemeClr>
+              </a:solidFill>
+            </a:ln>
+          </p:spPr>
+          <p:style>
+            <a:lnRef idx="2">
+              <a:schemeClr val="accent1">
+                <a:shade val="50000"/>
+              </a:schemeClr>
+            </a:lnRef>
+            <a:fillRef idx="1">
+              <a:schemeClr val="accent1"/>
+            </a:fillRef>
+            <a:effectRef idx="0">
+              <a:schemeClr val="accent1"/>
+            </a:effectRef>
+            <a:fontRef idx="minor">
+              <a:schemeClr val="lt1"/>
+            </a:fontRef>
+          </p:style>
+          <p:txBody>
+            <a:bodyPr rtlCol="0" anchor="ctr"/>
+            <a:lstStyle/>
+            <a:p>
+              <a:pPr algn="ctr"/>
+              <a:r>
+                <a:rPr lang="en-US" i="1" dirty="0" smtClean="0">
+                  <a:solidFill>
+                    <a:schemeClr val="tx1"/>
+                  </a:solidFill>
+                </a:rPr>
+                <a:t>buffer2</a:t>
+              </a:r>
+              <a:endParaRPr lang="en-US" i="1" dirty="0">
+                <a:solidFill>
+                  <a:schemeClr val="tx1"/>
+                </a:solidFill>
+              </a:endParaRPr>
+            </a:p>
+          </p:txBody>
+        </p:sp>
+        <p:sp>
+          <p:nvSpPr>
+            <p:cNvPr id="48" name="TextBox 54"/>
+            <p:cNvSpPr txBox="1"/>
+            <p:nvPr/>
+          </p:nvSpPr>
+          <p:spPr>
+            <a:xfrm>
+              <a:off x="1354456" y="1555633"/>
+              <a:ext cx="824061" cy="369332"/>
+            </a:xfrm>
+            <a:prstGeom prst="rect">
+              <a:avLst/>
+            </a:prstGeom>
+            <a:noFill/>
+          </p:spPr>
+          <p:txBody>
+            <a:bodyPr wrap="square" rtlCol="0">
+              <a:spAutoFit/>
+            </a:bodyPr>
+            <a:lstStyle/>
+            <a:p>
+              <a:pPr algn="ctr"/>
+              <a:r>
+                <a:rPr lang="en-US" dirty="0"/>
+                <a:t>R</a:t>
+              </a:r>
+              <a:r>
+                <a:rPr lang="en-US" dirty="0" smtClean="0"/>
+                <a:t>-</a:t>
+              </a:r>
+              <a:r>
+                <a:rPr lang="en-US" dirty="0" err="1" smtClean="0"/>
+                <a:t>addr</a:t>
+              </a:r>
+              <a:endParaRPr lang="en-US" dirty="0"/>
+            </a:p>
+          </p:txBody>
+        </p:sp>
+        <p:sp>
+          <p:nvSpPr>
+            <p:cNvPr id="49" name="Rectangle 5"/>
+            <p:cNvSpPr/>
+            <p:nvPr/>
+          </p:nvSpPr>
+          <p:spPr>
+            <a:xfrm>
+              <a:off x="1125281" y="3475349"/>
+              <a:ext cx="2194560" cy="437744"/>
+            </a:xfrm>
+            <a:prstGeom prst="rect">
+              <a:avLst/>
+            </a:prstGeom>
+            <a:solidFill>
+              <a:schemeClr val="tx2">
+                <a:lumMod val="20000"/>
+                <a:lumOff val="80000"/>
+              </a:schemeClr>
+            </a:solidFill>
+            <a:ln w="19050">
+              <a:solidFill>
+                <a:schemeClr val="tx1">
+                  <a:lumMod val="75000"/>
+                  <a:lumOff val="25000"/>
+                </a:schemeClr>
+              </a:solidFill>
+            </a:ln>
+          </p:spPr>
+          <p:style>
+            <a:lnRef idx="2">
+              <a:schemeClr val="accent1">
+                <a:shade val="50000"/>
+              </a:schemeClr>
+            </a:lnRef>
+            <a:fillRef idx="1">
+              <a:schemeClr val="accent1"/>
+            </a:fillRef>
+            <a:effectRef idx="0">
+              <a:schemeClr val="accent1"/>
+            </a:effectRef>
+            <a:fontRef idx="minor">
+              <a:schemeClr val="lt1"/>
+            </a:fontRef>
+          </p:style>
+          <p:txBody>
+            <a:bodyPr rtlCol="0" anchor="ctr"/>
+            <a:lstStyle/>
+            <a:p>
+              <a:pPr algn="ctr"/>
+              <a:r>
+                <a:rPr lang="en-US" dirty="0" smtClean="0">
+                  <a:solidFill>
+                    <a:sysClr val="windowText" lastClr="000000"/>
+                  </a:solidFill>
+                </a:rPr>
+                <a:t>                        NIC</a:t>
+              </a:r>
+              <a:endParaRPr lang="en-US" dirty="0">
+                <a:solidFill>
+                  <a:sysClr val="windowText" lastClr="000000"/>
+                </a:solidFill>
+              </a:endParaRPr>
+            </a:p>
+          </p:txBody>
+        </p:sp>
+        <p:cxnSp>
+          <p:nvCxnSpPr>
+            <p:cNvPr id="50" name="Straight Connector 26"/>
+            <p:cNvCxnSpPr/>
+            <p:nvPr/>
+          </p:nvCxnSpPr>
+          <p:spPr>
+            <a:xfrm>
+              <a:off x="2202109" y="3108480"/>
+              <a:ext cx="0" cy="365760"/>
+            </a:xfrm>
+            <a:prstGeom prst="line">
+              <a:avLst/>
+            </a:prstGeom>
+            <a:ln w="19050">
+              <a:solidFill>
+                <a:schemeClr val="tx1"/>
+              </a:solidFill>
+              <a:headEnd type="none"/>
+              <a:tailEnd type="none"/>
+            </a:ln>
+          </p:spPr>
+          <p:style>
+            <a:lnRef idx="1">
+              <a:schemeClr val="accent1"/>
+            </a:lnRef>
+            <a:fillRef idx="0">
+              <a:schemeClr val="accent1"/>
+            </a:fillRef>
+            <a:effectRef idx="0">
+              <a:schemeClr val="accent1"/>
+            </a:effectRef>
+            <a:fontRef idx="minor">
+              <a:schemeClr val="tx1"/>
+            </a:fontRef>
+          </p:style>
+        </p:cxnSp>
+      </p:grpSp>
+      <p:cxnSp>
+        <p:nvCxnSpPr>
+          <p:cNvPr id="56" name="Straight Connector 26"/>
+          <p:cNvCxnSpPr/>
+          <p:nvPr/>
+        </p:nvCxnSpPr>
+        <p:spPr>
+          <a:xfrm flipH="1">
+            <a:off x="2114140" y="2840652"/>
+            <a:ext cx="0" cy="1617649"/>
+          </a:xfrm>
+          <a:prstGeom prst="line">
+            <a:avLst/>
+          </a:prstGeom>
+          <a:ln w="28575" cmpd="sng">
+            <a:solidFill>
+              <a:srgbClr val="FF0000"/>
+            </a:solidFill>
+            <a:prstDash val="dash"/>
+            <a:headEnd type="arrow"/>
+            <a:tailEnd type="arrow"/>
+          </a:ln>
+        </p:spPr>
+        <p:style>
+          <a:lnRef idx="1">
+            <a:schemeClr val="accent1"/>
+          </a:lnRef>
+          <a:fillRef idx="0">
+            <a:schemeClr val="accent1"/>
+          </a:fillRef>
+          <a:effectRef idx="0">
+            <a:schemeClr val="accent1"/>
+          </a:effectRef>
+          <a:fontRef idx="minor">
+            <a:schemeClr val="tx1"/>
+          </a:fontRef>
+        </p:style>
+      </p:cxnSp>
+      <p:cxnSp>
+        <p:nvCxnSpPr>
+          <p:cNvPr id="59" name="Straight Connector 26"/>
+          <p:cNvCxnSpPr/>
+          <p:nvPr/>
+        </p:nvCxnSpPr>
+        <p:spPr>
+          <a:xfrm flipH="1">
+            <a:off x="5744208" y="2826751"/>
+            <a:ext cx="0" cy="1617649"/>
+          </a:xfrm>
+          <a:prstGeom prst="line">
+            <a:avLst/>
+          </a:prstGeom>
+          <a:ln w="28575" cmpd="sng">
+            <a:solidFill>
+              <a:srgbClr val="FF0000"/>
+            </a:solidFill>
+            <a:prstDash val="dash"/>
+            <a:headEnd type="arrow"/>
+            <a:tailEnd type="arrow"/>
+          </a:ln>
+        </p:spPr>
+        <p:style>
+          <a:lnRef idx="1">
+            <a:schemeClr val="accent1"/>
+          </a:lnRef>
+          <a:fillRef idx="0">
+            <a:schemeClr val="accent1"/>
+          </a:fillRef>
+          <a:effectRef idx="0">
+            <a:schemeClr val="accent1"/>
+          </a:effectRef>
+          <a:fontRef idx="minor">
+            <a:schemeClr val="tx1"/>
+          </a:fontRef>
+        </p:style>
+      </p:cxnSp>
+      <p:cxnSp>
+        <p:nvCxnSpPr>
+          <p:cNvPr id="18" name="肘形连接符 17"/>
+          <p:cNvCxnSpPr/>
+          <p:nvPr/>
+        </p:nvCxnSpPr>
+        <p:spPr>
+          <a:xfrm rot="16200000" flipH="1">
+            <a:off x="4837065" y="1017198"/>
+            <a:ext cx="12700" cy="3630069"/>
+          </a:xfrm>
+          <a:prstGeom prst="bentConnector3">
+            <a:avLst>
+              <a:gd name="adj1" fmla="val 14418354"/>
+            </a:avLst>
+          </a:prstGeom>
+          <a:ln w="19050" cmpd="sng">
+            <a:solidFill>
+              <a:srgbClr val="FF0000"/>
+            </a:solidFill>
+            <a:tailEnd type="arrow"/>
+          </a:ln>
+        </p:spPr>
+        <p:style>
+          <a:lnRef idx="2">
+            <a:schemeClr val="accent1"/>
+          </a:lnRef>
+          <a:fillRef idx="0">
+            <a:schemeClr val="accent1"/>
+          </a:fillRef>
+          <a:effectRef idx="1">
+            <a:schemeClr val="accent1"/>
+          </a:effectRef>
+          <a:fontRef idx="minor">
+            <a:schemeClr val="tx1"/>
+          </a:fontRef>
+        </p:style>
+      </p:cxnSp>
+      <p:sp>
+        <p:nvSpPr>
+          <p:cNvPr id="70" name="TextBox 54"/>
+          <p:cNvSpPr txBox="1"/>
+          <p:nvPr/>
+        </p:nvSpPr>
+        <p:spPr>
+          <a:xfrm>
+            <a:off x="423330" y="3046260"/>
+            <a:ext cx="1826375" cy="595548"/>
+          </a:xfrm>
+          <a:prstGeom prst="rect">
+            <a:avLst/>
+          </a:prstGeom>
+          <a:noFill/>
+        </p:spPr>
+        <p:txBody>
+          <a:bodyPr wrap="square" rtlCol="0">
+            <a:spAutoFit/>
+          </a:bodyPr>
+          <a:lstStyle/>
+          <a:p>
+            <a:pPr algn="ctr">
+              <a:lnSpc>
+                <a:spcPct val="90000"/>
+              </a:lnSpc>
+            </a:pPr>
+            <a:r>
+              <a:rPr lang="en-US" dirty="0" smtClean="0">
+                <a:solidFill>
+                  <a:srgbClr val="FF0000"/>
+                </a:solidFill>
+              </a:rPr>
+              <a:t>S</a:t>
+            </a:r>
+            <a:r>
+              <a:rPr lang="en-US" dirty="0" smtClean="0">
+                <a:solidFill>
+                  <a:srgbClr val="FF0000"/>
+                </a:solidFill>
+              </a:rPr>
+              <a:t>tep1: register </a:t>
+            </a:r>
+          </a:p>
+          <a:p>
+            <a:pPr algn="ctr">
+              <a:lnSpc>
+                <a:spcPct val="90000"/>
+              </a:lnSpc>
+            </a:pPr>
+            <a:r>
+              <a:rPr lang="en-US" dirty="0" err="1" smtClean="0">
+                <a:solidFill>
+                  <a:srgbClr val="FF0000"/>
+                </a:solidFill>
+              </a:rPr>
+              <a:t>addr</a:t>
+            </a:r>
+            <a:r>
+              <a:rPr lang="en-US" dirty="0" smtClean="0">
+                <a:solidFill>
+                  <a:srgbClr val="FF0000"/>
+                </a:solidFill>
+              </a:rPr>
+              <a:t> to NIC</a:t>
+            </a:r>
+          </a:p>
+        </p:txBody>
+      </p:sp>
+      <p:sp>
+        <p:nvSpPr>
+          <p:cNvPr id="72" name="TextBox 54"/>
+          <p:cNvSpPr txBox="1"/>
+          <p:nvPr/>
+        </p:nvSpPr>
+        <p:spPr>
+          <a:xfrm>
+            <a:off x="3801527" y="2024208"/>
+            <a:ext cx="1498599" cy="646331"/>
+          </a:xfrm>
+          <a:prstGeom prst="rect">
+            <a:avLst/>
+          </a:prstGeom>
+          <a:noFill/>
+        </p:spPr>
+        <p:txBody>
+          <a:bodyPr wrap="square" rtlCol="0">
+            <a:spAutoFit/>
+          </a:bodyPr>
+          <a:lstStyle/>
+          <a:p>
+            <a:pPr algn="ctr"/>
+            <a:r>
+              <a:rPr lang="en-US" dirty="0" smtClean="0">
+                <a:solidFill>
+                  <a:srgbClr val="FF0000"/>
+                </a:solidFill>
+              </a:rPr>
+              <a:t>S</a:t>
+            </a:r>
+            <a:r>
+              <a:rPr lang="en-US" dirty="0" smtClean="0">
+                <a:solidFill>
+                  <a:srgbClr val="FF0000"/>
+                </a:solidFill>
+              </a:rPr>
+              <a:t>tep2:</a:t>
+            </a:r>
+          </a:p>
+          <a:p>
+            <a:pPr algn="ctr"/>
+            <a:r>
+              <a:rPr lang="en-US" dirty="0" smtClean="0">
+                <a:solidFill>
+                  <a:srgbClr val="FF0000"/>
+                </a:solidFill>
+              </a:rPr>
+              <a:t>R-</a:t>
+            </a:r>
+            <a:r>
+              <a:rPr lang="en-US" dirty="0" err="1" smtClean="0">
+                <a:solidFill>
+                  <a:srgbClr val="FF0000"/>
+                </a:solidFill>
+              </a:rPr>
+              <a:t>addr</a:t>
+            </a:r>
+            <a:endParaRPr lang="en-US" dirty="0">
+              <a:solidFill>
+                <a:srgbClr val="FF0000"/>
+              </a:solidFill>
+            </a:endParaRPr>
+          </a:p>
+        </p:txBody>
+      </p:sp>
+      <p:sp>
+        <p:nvSpPr>
+          <p:cNvPr id="75" name="TextBox 54"/>
+          <p:cNvSpPr txBox="1"/>
+          <p:nvPr/>
+        </p:nvSpPr>
+        <p:spPr>
+          <a:xfrm>
+            <a:off x="2650071" y="4843607"/>
+            <a:ext cx="4301066" cy="369332"/>
+          </a:xfrm>
+          <a:prstGeom prst="rect">
+            <a:avLst/>
+          </a:prstGeom>
+          <a:noFill/>
+        </p:spPr>
+        <p:txBody>
+          <a:bodyPr wrap="square" rtlCol="0">
+            <a:spAutoFit/>
+          </a:bodyPr>
+          <a:lstStyle/>
+          <a:p>
+            <a:pPr algn="ctr"/>
+            <a:r>
+              <a:rPr lang="en-US" dirty="0" smtClean="0">
+                <a:solidFill>
+                  <a:srgbClr val="FF0000"/>
+                </a:solidFill>
+              </a:rPr>
+              <a:t>S</a:t>
+            </a:r>
+            <a:r>
+              <a:rPr lang="en-US" dirty="0" smtClean="0">
+                <a:solidFill>
+                  <a:srgbClr val="FF0000"/>
+                </a:solidFill>
+              </a:rPr>
+              <a:t>tep3: Direct copy buffer1 to buffer2</a:t>
+            </a:r>
+            <a:endParaRPr lang="en-US" dirty="0">
+              <a:solidFill>
+                <a:srgbClr val="FF0000"/>
+              </a:solidFill>
+            </a:endParaRPr>
+          </a:p>
+        </p:txBody>
+      </p:sp>
+      <p:sp>
+        <p:nvSpPr>
+          <p:cNvPr id="79" name="TextBox 54"/>
+          <p:cNvSpPr txBox="1"/>
+          <p:nvPr/>
+        </p:nvSpPr>
+        <p:spPr>
+          <a:xfrm>
+            <a:off x="1681240" y="1517420"/>
+            <a:ext cx="2056190" cy="323165"/>
+          </a:xfrm>
+          <a:prstGeom prst="rect">
+            <a:avLst/>
+          </a:prstGeom>
+          <a:noFill/>
+        </p:spPr>
+        <p:txBody>
+          <a:bodyPr wrap="square" rtlCol="0">
+            <a:spAutoFit/>
+          </a:bodyPr>
+          <a:lstStyle/>
+          <a:p>
+            <a:pPr algn="ctr">
+              <a:lnSpc>
+                <a:spcPct val="80000"/>
+              </a:lnSpc>
+            </a:pPr>
+            <a:r>
+              <a:rPr lang="en-US" dirty="0" smtClean="0"/>
+              <a:t>Container: Sender</a:t>
+            </a:r>
+            <a:endParaRPr lang="en-US" dirty="0" smtClean="0"/>
+          </a:p>
+        </p:txBody>
+      </p:sp>
+      <p:sp>
+        <p:nvSpPr>
+          <p:cNvPr id="81" name="TextBox 54"/>
+          <p:cNvSpPr txBox="1"/>
+          <p:nvPr/>
+        </p:nvSpPr>
+        <p:spPr>
+          <a:xfrm>
+            <a:off x="5304973" y="1524678"/>
+            <a:ext cx="2056190" cy="323165"/>
+          </a:xfrm>
+          <a:prstGeom prst="rect">
+            <a:avLst/>
+          </a:prstGeom>
+          <a:noFill/>
+        </p:spPr>
+        <p:txBody>
+          <a:bodyPr wrap="square" rtlCol="0">
+            <a:spAutoFit/>
+          </a:bodyPr>
+          <a:lstStyle/>
+          <a:p>
+            <a:pPr algn="ctr">
+              <a:lnSpc>
+                <a:spcPct val="80000"/>
+              </a:lnSpc>
+            </a:pPr>
+            <a:r>
+              <a:rPr lang="en-US" dirty="0" smtClean="0"/>
+              <a:t>Container: Receiver</a:t>
+            </a:r>
+            <a:endParaRPr lang="en-US" dirty="0" smtClean="0"/>
+          </a:p>
+        </p:txBody>
+      </p:sp>
+    </p:spTree>
+    <p:extLst>
+      <p:ext uri="{BB962C8B-B14F-4D97-AF65-F5344CB8AC3E}">
+        <p14:creationId xmlns:p14="http://schemas.microsoft.com/office/powerpoint/2010/main" val="2686831707"/>
+      </p:ext>
+    </p:extLst>
+  </p:cSld>
+  <p:clrMapOvr>
+    <a:masterClrMapping/>
+  </p:clrMapOvr>
+</p:sld>
+</file>
+
+<file path=ppt/slides/slide3.xml><?xml version="1.0" encoding="utf-8"?>
+<p:sld xmlns:a="http://schemas.openxmlformats.org/drawingml/2006/main" xmlns:r="http://schemas.openxmlformats.org/officeDocument/2006/relationships" xmlns:p="http://schemas.openxmlformats.org/presentationml/2006/main">
+  <p:cSld>
+    <p:spTree>
+      <p:nvGrpSpPr>
+        <p:cNvPr id="1" name=""/>
+        <p:cNvGrpSpPr/>
+        <p:nvPr/>
+      </p:nvGrpSpPr>
+      <p:grpSpPr>
+        <a:xfrm>
+          <a:off x="0" y="0"/>
+          <a:ext cx="0" cy="0"/>
+          <a:chOff x="0" y="0"/>
+          <a:chExt cx="0" cy="0"/>
+        </a:xfrm>
+      </p:grpSpPr>
+      <p:sp>
+        <p:nvSpPr>
+          <p:cNvPr id="14" name="Rectangle 13"/>
+          <p:cNvSpPr/>
+          <p:nvPr/>
+        </p:nvSpPr>
+        <p:spPr>
+          <a:xfrm>
+            <a:off x="1653659" y="2002200"/>
+            <a:ext cx="2194560" cy="610371"/>
+          </a:xfrm>
+          <a:prstGeom prst="rect">
+            <a:avLst/>
+          </a:prstGeom>
+          <a:noFill/>
+          <a:ln w="19050">
+            <a:solidFill>
+              <a:schemeClr val="tx1">
+                <a:lumMod val="75000"/>
+                <a:lumOff val="25000"/>
+              </a:schemeClr>
+            </a:solidFill>
+          </a:ln>
+        </p:spPr>
+        <p:style>
+          <a:lnRef idx="2">
+            <a:schemeClr val="accent1">
+              <a:shade val="50000"/>
+            </a:schemeClr>
+          </a:lnRef>
+          <a:fillRef idx="1">
+            <a:schemeClr val="accent1"/>
+          </a:fillRef>
+          <a:effectRef idx="0">
+            <a:schemeClr val="accent1"/>
+          </a:effectRef>
+          <a:fontRef idx="minor">
+            <a:schemeClr val="lt1"/>
+          </a:fontRef>
+        </p:style>
+        <p:txBody>
+          <a:bodyPr rtlCol="0" anchor="ctr"/>
+          <a:lstStyle/>
+          <a:p>
+            <a:pPr algn="ctr"/>
+            <a:endParaRPr lang="en-US" i="1" dirty="0">
+              <a:solidFill>
+                <a:schemeClr val="tx1"/>
+              </a:solidFill>
+            </a:endParaRPr>
+          </a:p>
+        </p:txBody>
+      </p:sp>
+      <p:sp>
+        <p:nvSpPr>
+          <p:cNvPr id="53" name="Rectangle 5"/>
+          <p:cNvSpPr/>
+          <p:nvPr/>
+        </p:nvSpPr>
+        <p:spPr>
+          <a:xfrm>
+            <a:off x="2278292" y="2504562"/>
+            <a:ext cx="914400" cy="274320"/>
+          </a:xfrm>
+          <a:prstGeom prst="rect">
+            <a:avLst/>
+          </a:prstGeom>
+          <a:solidFill>
+            <a:schemeClr val="tx2">
+              <a:lumMod val="20000"/>
+              <a:lumOff val="80000"/>
+            </a:schemeClr>
+          </a:solidFill>
+          <a:ln w="19050">
+            <a:solidFill>
+              <a:schemeClr val="tx1">
+                <a:lumMod val="75000"/>
+                <a:lumOff val="25000"/>
+              </a:schemeClr>
+            </a:solidFill>
+          </a:ln>
+        </p:spPr>
+        <p:style>
+          <a:lnRef idx="2">
+            <a:schemeClr val="accent1">
+              <a:shade val="50000"/>
+            </a:schemeClr>
+          </a:lnRef>
+          <a:fillRef idx="1">
+            <a:schemeClr val="accent1"/>
+          </a:fillRef>
+          <a:effectRef idx="0">
+            <a:schemeClr val="accent1"/>
+          </a:effectRef>
+          <a:fontRef idx="minor">
+            <a:schemeClr val="lt1"/>
+          </a:fontRef>
+        </p:style>
+        <p:txBody>
+          <a:bodyPr rtlCol="0" anchor="ctr"/>
+          <a:lstStyle/>
+          <a:p>
+            <a:pPr algn="ctr"/>
+            <a:r>
+              <a:rPr lang="en-US" dirty="0" err="1" smtClean="0">
+                <a:solidFill>
+                  <a:sysClr val="windowText" lastClr="000000"/>
+                </a:solidFill>
+              </a:rPr>
+              <a:t>vNIC</a:t>
+            </a:r>
+            <a:endParaRPr lang="en-US" dirty="0">
+              <a:solidFill>
+                <a:sysClr val="windowText" lastClr="000000"/>
+              </a:solidFill>
+            </a:endParaRPr>
+          </a:p>
+        </p:txBody>
+      </p:sp>
+      <p:sp>
+        <p:nvSpPr>
+          <p:cNvPr id="69" name="Rectangle 5"/>
+          <p:cNvSpPr/>
+          <p:nvPr/>
+        </p:nvSpPr>
+        <p:spPr>
+          <a:xfrm>
+            <a:off x="1664517" y="3156857"/>
+            <a:ext cx="5810340" cy="881342"/>
+          </a:xfrm>
+          <a:prstGeom prst="rect">
+            <a:avLst/>
+          </a:prstGeom>
+          <a:solidFill>
+            <a:schemeClr val="tx2">
+              <a:lumMod val="20000"/>
+              <a:lumOff val="80000"/>
+            </a:schemeClr>
+          </a:solidFill>
+          <a:ln w="19050">
+            <a:solidFill>
+              <a:schemeClr val="tx1">
+                <a:lumMod val="75000"/>
+                <a:lumOff val="25000"/>
+              </a:schemeClr>
+            </a:solidFill>
+          </a:ln>
+        </p:spPr>
+        <p:style>
+          <a:lnRef idx="2">
+            <a:schemeClr val="accent1">
+              <a:shade val="50000"/>
+            </a:schemeClr>
+          </a:lnRef>
+          <a:fillRef idx="1">
+            <a:schemeClr val="accent1"/>
+          </a:fillRef>
+          <a:effectRef idx="0">
+            <a:schemeClr val="accent1"/>
+          </a:effectRef>
+          <a:fontRef idx="minor">
+            <a:schemeClr val="lt1"/>
+          </a:fontRef>
+        </p:style>
+        <p:txBody>
+          <a:bodyPr rtlCol="0" anchor="ctr"/>
+          <a:lstStyle/>
+          <a:p>
+            <a:pPr algn="ctr"/>
+            <a:endParaRPr lang="en-US" dirty="0" smtClean="0">
+              <a:solidFill>
+                <a:sysClr val="windowText" lastClr="000000"/>
+              </a:solidFill>
+            </a:endParaRPr>
+          </a:p>
+          <a:p>
+            <a:pPr algn="ctr"/>
+            <a:r>
+              <a:rPr lang="en-US" dirty="0" smtClean="0">
+                <a:solidFill>
+                  <a:sysClr val="windowText" lastClr="000000"/>
+                </a:solidFill>
+              </a:rPr>
+              <a:t>                                                                                        Host Agent</a:t>
+            </a:r>
+            <a:endParaRPr lang="en-US" dirty="0">
+              <a:solidFill>
+                <a:sysClr val="windowText" lastClr="000000"/>
+              </a:solidFill>
+            </a:endParaRPr>
+          </a:p>
+        </p:txBody>
+      </p:sp>
+      <p:cxnSp>
+        <p:nvCxnSpPr>
+          <p:cNvPr id="71" name="Straight Connector 26"/>
+          <p:cNvCxnSpPr/>
+          <p:nvPr/>
+        </p:nvCxnSpPr>
+        <p:spPr>
+          <a:xfrm>
+            <a:off x="2726225" y="2786071"/>
+            <a:ext cx="0" cy="365760"/>
+          </a:xfrm>
+          <a:prstGeom prst="line">
+            <a:avLst/>
+          </a:prstGeom>
+          <a:ln w="19050">
+            <a:solidFill>
+              <a:schemeClr val="tx1"/>
+            </a:solidFill>
+            <a:headEnd type="none"/>
+            <a:tailEnd type="none"/>
+          </a:ln>
+        </p:spPr>
+        <p:style>
+          <a:lnRef idx="1">
+            <a:schemeClr val="accent1"/>
+          </a:lnRef>
+          <a:fillRef idx="0">
+            <a:schemeClr val="accent1"/>
+          </a:fillRef>
+          <a:effectRef idx="0">
+            <a:schemeClr val="accent1"/>
+          </a:effectRef>
+          <a:fontRef idx="minor">
+            <a:schemeClr val="tx1"/>
+          </a:fontRef>
+        </p:style>
+      </p:cxnSp>
+      <p:sp>
+        <p:nvSpPr>
+          <p:cNvPr id="2" name="椭圆 1"/>
+          <p:cNvSpPr/>
+          <p:nvPr/>
+        </p:nvSpPr>
+        <p:spPr>
+          <a:xfrm>
+            <a:off x="2174622" y="2077788"/>
+            <a:ext cx="1097280" cy="365760"/>
+          </a:xfrm>
+          <a:prstGeom prst="ellipse">
+            <a:avLst/>
+          </a:prstGeom>
+          <a:solidFill>
+            <a:schemeClr val="bg1">
+              <a:lumMod val="75000"/>
+            </a:schemeClr>
+          </a:solidFill>
+          <a:ln>
+            <a:solidFill>
+              <a:schemeClr val="tx1"/>
+            </a:solidFill>
+          </a:ln>
+        </p:spPr>
+        <p:style>
+          <a:lnRef idx="1">
+            <a:schemeClr val="accent1"/>
+          </a:lnRef>
+          <a:fillRef idx="3">
+            <a:schemeClr val="accent1"/>
+          </a:fillRef>
+          <a:effectRef idx="2">
+            <a:schemeClr val="accent1"/>
+          </a:effectRef>
+          <a:fontRef idx="minor">
+            <a:schemeClr val="lt1"/>
+          </a:fontRef>
+        </p:style>
+        <p:txBody>
+          <a:bodyPr rtlCol="0" anchor="ctr"/>
+          <a:lstStyle/>
+          <a:p>
+            <a:pPr algn="ctr"/>
+            <a:r>
+              <a:rPr kumimoji="1" lang="en-US" altLang="zh-CN" dirty="0" smtClean="0">
+                <a:solidFill>
+                  <a:schemeClr val="tx1"/>
+                </a:solidFill>
+              </a:rPr>
+              <a:t>App1</a:t>
+            </a:r>
+            <a:endParaRPr kumimoji="1" lang="zh-CN" altLang="en-US" dirty="0">
+              <a:solidFill>
+                <a:schemeClr val="tx1"/>
+              </a:solidFill>
+            </a:endParaRPr>
+          </a:p>
+        </p:txBody>
+      </p:sp>
+      <p:sp>
+        <p:nvSpPr>
+          <p:cNvPr id="36" name="Rectangle 61"/>
+          <p:cNvSpPr/>
+          <p:nvPr/>
+        </p:nvSpPr>
+        <p:spPr>
+          <a:xfrm>
+            <a:off x="3236138" y="3344102"/>
+            <a:ext cx="2560320" cy="260278"/>
+          </a:xfrm>
+          <a:prstGeom prst="rect">
+            <a:avLst/>
+          </a:prstGeom>
+          <a:solidFill>
+            <a:schemeClr val="bg1"/>
+          </a:solidFill>
+          <a:ln w="19050">
+            <a:solidFill>
+              <a:schemeClr val="tx1">
+                <a:lumMod val="75000"/>
+                <a:lumOff val="25000"/>
+              </a:schemeClr>
+            </a:solidFill>
+          </a:ln>
+        </p:spPr>
+        <p:style>
+          <a:lnRef idx="2">
+            <a:schemeClr val="accent1">
+              <a:shade val="50000"/>
+            </a:schemeClr>
+          </a:lnRef>
+          <a:fillRef idx="1">
+            <a:schemeClr val="accent1"/>
+          </a:fillRef>
+          <a:effectRef idx="0">
+            <a:schemeClr val="accent1"/>
+          </a:effectRef>
+          <a:fontRef idx="minor">
+            <a:schemeClr val="lt1"/>
+          </a:fontRef>
+        </p:style>
+        <p:txBody>
+          <a:bodyPr rtlCol="0" anchor="ctr"/>
+          <a:lstStyle/>
+          <a:p>
+            <a:pPr algn="ctr"/>
+            <a:r>
+              <a:rPr lang="en-US" i="1" dirty="0" smtClean="0">
+                <a:solidFill>
+                  <a:schemeClr val="tx1"/>
+                </a:solidFill>
+              </a:rPr>
+              <a:t>s</a:t>
+            </a:r>
+            <a:r>
+              <a:rPr lang="en-US" i="1" dirty="0" smtClean="0">
+                <a:solidFill>
+                  <a:schemeClr val="tx1"/>
+                </a:solidFill>
+              </a:rPr>
+              <a:t>hared memory object</a:t>
+            </a:r>
+            <a:endParaRPr lang="en-US" i="1" dirty="0">
+              <a:solidFill>
+                <a:schemeClr val="tx1"/>
+              </a:solidFill>
+            </a:endParaRPr>
+          </a:p>
+        </p:txBody>
+      </p:sp>
+      <p:sp>
+        <p:nvSpPr>
+          <p:cNvPr id="40" name="Rectangle 5"/>
+          <p:cNvSpPr/>
+          <p:nvPr/>
+        </p:nvSpPr>
+        <p:spPr>
+          <a:xfrm>
+            <a:off x="1665713" y="4418057"/>
+            <a:ext cx="2194560" cy="437744"/>
+          </a:xfrm>
+          <a:prstGeom prst="rect">
+            <a:avLst/>
+          </a:prstGeom>
+          <a:solidFill>
+            <a:schemeClr val="tx2">
+              <a:lumMod val="20000"/>
+              <a:lumOff val="80000"/>
+            </a:schemeClr>
+          </a:solidFill>
+          <a:ln w="19050">
+            <a:solidFill>
+              <a:schemeClr val="tx1">
+                <a:lumMod val="75000"/>
+                <a:lumOff val="25000"/>
+              </a:schemeClr>
+            </a:solidFill>
+          </a:ln>
+        </p:spPr>
+        <p:style>
+          <a:lnRef idx="2">
+            <a:schemeClr val="accent1">
+              <a:shade val="50000"/>
+            </a:schemeClr>
+          </a:lnRef>
+          <a:fillRef idx="1">
+            <a:schemeClr val="accent1"/>
+          </a:fillRef>
+          <a:effectRef idx="0">
+            <a:schemeClr val="accent1"/>
+          </a:effectRef>
+          <a:fontRef idx="minor">
+            <a:schemeClr val="lt1"/>
+          </a:fontRef>
+        </p:style>
+        <p:txBody>
+          <a:bodyPr rtlCol="0" anchor="ctr"/>
+          <a:lstStyle/>
+          <a:p>
+            <a:pPr algn="ctr"/>
+            <a:r>
+              <a:rPr lang="en-US" dirty="0" smtClean="0">
+                <a:solidFill>
+                  <a:sysClr val="windowText" lastClr="000000"/>
+                </a:solidFill>
+              </a:rPr>
+              <a:t>NIC</a:t>
+            </a:r>
+            <a:endParaRPr lang="en-US" dirty="0">
+              <a:solidFill>
+                <a:sysClr val="windowText" lastClr="000000"/>
+              </a:solidFill>
+            </a:endParaRPr>
+          </a:p>
+        </p:txBody>
+      </p:sp>
+      <p:cxnSp>
+        <p:nvCxnSpPr>
+          <p:cNvPr id="41" name="Straight Connector 26"/>
+          <p:cNvCxnSpPr/>
+          <p:nvPr/>
+        </p:nvCxnSpPr>
+        <p:spPr>
+          <a:xfrm>
+            <a:off x="2742541" y="4051188"/>
+            <a:ext cx="0" cy="365760"/>
+          </a:xfrm>
+          <a:prstGeom prst="line">
+            <a:avLst/>
+          </a:prstGeom>
+          <a:ln w="19050">
+            <a:solidFill>
+              <a:schemeClr val="tx1"/>
+            </a:solidFill>
+            <a:headEnd type="none"/>
+            <a:tailEnd type="none"/>
+          </a:ln>
+        </p:spPr>
+        <p:style>
+          <a:lnRef idx="1">
+            <a:schemeClr val="accent1"/>
+          </a:lnRef>
+          <a:fillRef idx="0">
+            <a:schemeClr val="accent1"/>
+          </a:fillRef>
+          <a:effectRef idx="0">
+            <a:schemeClr val="accent1"/>
+          </a:effectRef>
+          <a:fontRef idx="minor">
+            <a:schemeClr val="tx1"/>
+          </a:fontRef>
+        </p:style>
+      </p:cxnSp>
+      <p:sp>
+        <p:nvSpPr>
+          <p:cNvPr id="42" name="Rectangle 13"/>
+          <p:cNvSpPr/>
+          <p:nvPr/>
+        </p:nvSpPr>
+        <p:spPr>
+          <a:xfrm>
+            <a:off x="5283728" y="2002200"/>
+            <a:ext cx="2194560" cy="610371"/>
+          </a:xfrm>
+          <a:prstGeom prst="rect">
+            <a:avLst/>
+          </a:prstGeom>
+          <a:noFill/>
+          <a:ln w="19050">
+            <a:solidFill>
+              <a:schemeClr val="tx1">
+                <a:lumMod val="75000"/>
+                <a:lumOff val="25000"/>
+              </a:schemeClr>
+            </a:solidFill>
+          </a:ln>
+        </p:spPr>
+        <p:style>
+          <a:lnRef idx="2">
+            <a:schemeClr val="accent1">
+              <a:shade val="50000"/>
+            </a:schemeClr>
+          </a:lnRef>
+          <a:fillRef idx="1">
+            <a:schemeClr val="accent1"/>
+          </a:fillRef>
+          <a:effectRef idx="0">
+            <a:schemeClr val="accent1"/>
+          </a:effectRef>
+          <a:fontRef idx="minor">
+            <a:schemeClr val="lt1"/>
+          </a:fontRef>
+        </p:style>
+        <p:txBody>
+          <a:bodyPr rtlCol="0" anchor="ctr"/>
+          <a:lstStyle/>
+          <a:p>
+            <a:pPr algn="ctr"/>
+            <a:endParaRPr lang="en-US" i="1" dirty="0">
+              <a:solidFill>
+                <a:schemeClr val="tx1"/>
+              </a:solidFill>
+            </a:endParaRPr>
+          </a:p>
+        </p:txBody>
+      </p:sp>
+      <p:sp>
+        <p:nvSpPr>
+          <p:cNvPr id="43" name="Rectangle 5"/>
+          <p:cNvSpPr/>
+          <p:nvPr/>
+        </p:nvSpPr>
+        <p:spPr>
+          <a:xfrm>
+            <a:off x="5908361" y="2504562"/>
+            <a:ext cx="914400" cy="274320"/>
+          </a:xfrm>
+          <a:prstGeom prst="rect">
+            <a:avLst/>
+          </a:prstGeom>
+          <a:solidFill>
+            <a:schemeClr val="tx2">
+              <a:lumMod val="20000"/>
+              <a:lumOff val="80000"/>
+            </a:schemeClr>
+          </a:solidFill>
+          <a:ln w="19050">
+            <a:solidFill>
+              <a:schemeClr val="tx1">
+                <a:lumMod val="75000"/>
+                <a:lumOff val="25000"/>
+              </a:schemeClr>
+            </a:solidFill>
+          </a:ln>
+        </p:spPr>
+        <p:style>
+          <a:lnRef idx="2">
+            <a:schemeClr val="accent1">
+              <a:shade val="50000"/>
+            </a:schemeClr>
+          </a:lnRef>
+          <a:fillRef idx="1">
+            <a:schemeClr val="accent1"/>
+          </a:fillRef>
+          <a:effectRef idx="0">
+            <a:schemeClr val="accent1"/>
+          </a:effectRef>
+          <a:fontRef idx="minor">
+            <a:schemeClr val="lt1"/>
+          </a:fontRef>
+        </p:style>
+        <p:txBody>
+          <a:bodyPr rtlCol="0" anchor="ctr"/>
+          <a:lstStyle/>
+          <a:p>
+            <a:pPr algn="ctr"/>
+            <a:r>
+              <a:rPr lang="en-US" dirty="0" err="1" smtClean="0">
+                <a:solidFill>
+                  <a:sysClr val="windowText" lastClr="000000"/>
+                </a:solidFill>
+              </a:rPr>
+              <a:t>vNIC</a:t>
+            </a:r>
+            <a:endParaRPr lang="en-US" dirty="0">
+              <a:solidFill>
+                <a:sysClr val="windowText" lastClr="000000"/>
+              </a:solidFill>
+            </a:endParaRPr>
+          </a:p>
+        </p:txBody>
+      </p:sp>
+      <p:cxnSp>
+        <p:nvCxnSpPr>
+          <p:cNvPr id="45" name="Straight Connector 26"/>
+          <p:cNvCxnSpPr/>
+          <p:nvPr/>
+        </p:nvCxnSpPr>
+        <p:spPr>
+          <a:xfrm>
+            <a:off x="6356294" y="2786071"/>
+            <a:ext cx="0" cy="365760"/>
+          </a:xfrm>
+          <a:prstGeom prst="line">
+            <a:avLst/>
+          </a:prstGeom>
+          <a:ln w="19050">
+            <a:solidFill>
+              <a:schemeClr val="tx1"/>
+            </a:solidFill>
+            <a:headEnd type="none"/>
+            <a:tailEnd type="none"/>
+          </a:ln>
+        </p:spPr>
+        <p:style>
+          <a:lnRef idx="1">
+            <a:schemeClr val="accent1"/>
+          </a:lnRef>
+          <a:fillRef idx="0">
+            <a:schemeClr val="accent1"/>
+          </a:fillRef>
+          <a:effectRef idx="0">
+            <a:schemeClr val="accent1"/>
+          </a:effectRef>
+          <a:fontRef idx="minor">
+            <a:schemeClr val="tx1"/>
+          </a:fontRef>
+        </p:style>
+      </p:cxnSp>
+      <p:sp>
+        <p:nvSpPr>
+          <p:cNvPr id="46" name="椭圆 45"/>
+          <p:cNvSpPr/>
+          <p:nvPr/>
+        </p:nvSpPr>
+        <p:spPr>
+          <a:xfrm>
+            <a:off x="5804691" y="2077788"/>
+            <a:ext cx="1097280" cy="365760"/>
+          </a:xfrm>
+          <a:prstGeom prst="ellipse">
+            <a:avLst/>
+          </a:prstGeom>
+          <a:solidFill>
+            <a:schemeClr val="bg1">
+              <a:lumMod val="75000"/>
+            </a:schemeClr>
+          </a:solidFill>
+          <a:ln>
+            <a:solidFill>
+              <a:schemeClr val="tx1"/>
+            </a:solidFill>
+          </a:ln>
+        </p:spPr>
+        <p:style>
+          <a:lnRef idx="1">
+            <a:schemeClr val="accent1"/>
+          </a:lnRef>
+          <a:fillRef idx="3">
+            <a:schemeClr val="accent1"/>
+          </a:fillRef>
+          <a:effectRef idx="2">
+            <a:schemeClr val="accent1"/>
+          </a:effectRef>
+          <a:fontRef idx="minor">
+            <a:schemeClr val="lt1"/>
+          </a:fontRef>
+        </p:style>
+        <p:txBody>
+          <a:bodyPr rtlCol="0" anchor="ctr"/>
+          <a:lstStyle/>
+          <a:p>
+            <a:pPr algn="ctr"/>
+            <a:r>
+              <a:rPr kumimoji="1" lang="en-US" altLang="zh-CN" dirty="0" smtClean="0">
+                <a:solidFill>
+                  <a:schemeClr val="tx1"/>
+                </a:solidFill>
+              </a:rPr>
+              <a:t>App1</a:t>
+            </a:r>
+            <a:endParaRPr kumimoji="1" lang="zh-CN" altLang="en-US" dirty="0">
+              <a:solidFill>
+                <a:schemeClr val="tx1"/>
+              </a:solidFill>
+            </a:endParaRPr>
+          </a:p>
+        </p:txBody>
+      </p:sp>
+      <p:sp>
+        <p:nvSpPr>
+          <p:cNvPr id="49" name="Rectangle 5"/>
+          <p:cNvSpPr/>
+          <p:nvPr/>
+        </p:nvSpPr>
+        <p:spPr>
+          <a:xfrm>
+            <a:off x="5295782" y="4418057"/>
+            <a:ext cx="2194560" cy="437744"/>
+          </a:xfrm>
+          <a:prstGeom prst="rect">
+            <a:avLst/>
+          </a:prstGeom>
+          <a:solidFill>
+            <a:schemeClr val="tx2">
+              <a:lumMod val="20000"/>
+              <a:lumOff val="80000"/>
+            </a:schemeClr>
+          </a:solidFill>
+          <a:ln w="19050">
+            <a:solidFill>
+              <a:schemeClr val="tx1">
+                <a:lumMod val="75000"/>
+                <a:lumOff val="25000"/>
+              </a:schemeClr>
+            </a:solidFill>
+          </a:ln>
+        </p:spPr>
+        <p:style>
+          <a:lnRef idx="2">
+            <a:schemeClr val="accent1">
+              <a:shade val="50000"/>
+            </a:schemeClr>
+          </a:lnRef>
+          <a:fillRef idx="1">
+            <a:schemeClr val="accent1"/>
+          </a:fillRef>
+          <a:effectRef idx="0">
+            <a:schemeClr val="accent1"/>
+          </a:effectRef>
+          <a:fontRef idx="minor">
+            <a:schemeClr val="lt1"/>
+          </a:fontRef>
+        </p:style>
+        <p:txBody>
+          <a:bodyPr rtlCol="0" anchor="ctr"/>
+          <a:lstStyle/>
+          <a:p>
+            <a:pPr algn="ctr"/>
+            <a:r>
+              <a:rPr lang="en-US" dirty="0" smtClean="0">
+                <a:solidFill>
+                  <a:sysClr val="windowText" lastClr="000000"/>
+                </a:solidFill>
+              </a:rPr>
+              <a:t>NIC</a:t>
+            </a:r>
+            <a:endParaRPr lang="en-US" dirty="0">
+              <a:solidFill>
+                <a:sysClr val="windowText" lastClr="000000"/>
+              </a:solidFill>
+            </a:endParaRPr>
+          </a:p>
+        </p:txBody>
+      </p:sp>
+      <p:cxnSp>
+        <p:nvCxnSpPr>
+          <p:cNvPr id="50" name="Straight Connector 26"/>
+          <p:cNvCxnSpPr/>
+          <p:nvPr/>
+        </p:nvCxnSpPr>
+        <p:spPr>
+          <a:xfrm>
+            <a:off x="6372610" y="4051188"/>
+            <a:ext cx="0" cy="365760"/>
+          </a:xfrm>
+          <a:prstGeom prst="line">
+            <a:avLst/>
+          </a:prstGeom>
+          <a:ln w="19050">
+            <a:solidFill>
+              <a:schemeClr val="tx1"/>
+            </a:solidFill>
+            <a:headEnd type="none"/>
+            <a:tailEnd type="none"/>
+          </a:ln>
+        </p:spPr>
+        <p:style>
+          <a:lnRef idx="1">
+            <a:schemeClr val="accent1"/>
+          </a:lnRef>
+          <a:fillRef idx="0">
+            <a:schemeClr val="accent1"/>
+          </a:fillRef>
+          <a:effectRef idx="0">
+            <a:schemeClr val="accent1"/>
+          </a:effectRef>
+          <a:fontRef idx="minor">
+            <a:schemeClr val="tx1"/>
+          </a:fontRef>
+        </p:style>
+      </p:cxnSp>
+      <p:sp>
+        <p:nvSpPr>
+          <p:cNvPr id="75" name="TextBox 54"/>
+          <p:cNvSpPr txBox="1"/>
+          <p:nvPr/>
+        </p:nvSpPr>
+        <p:spPr>
+          <a:xfrm>
+            <a:off x="2650071" y="4843607"/>
+            <a:ext cx="4301066" cy="369332"/>
+          </a:xfrm>
+          <a:prstGeom prst="rect">
+            <a:avLst/>
+          </a:prstGeom>
+          <a:noFill/>
+        </p:spPr>
+        <p:txBody>
+          <a:bodyPr wrap="square" rtlCol="0">
+            <a:spAutoFit/>
+          </a:bodyPr>
+          <a:lstStyle/>
+          <a:p>
+            <a:pPr algn="ctr"/>
+            <a:r>
+              <a:rPr lang="en-US" dirty="0" smtClean="0"/>
+              <a:t>S</a:t>
+            </a:r>
+            <a:r>
+              <a:rPr lang="en-US" dirty="0" smtClean="0"/>
+              <a:t>tep3: Direct copy buffer1 to buffer2</a:t>
+            </a:r>
+            <a:endParaRPr lang="en-US" dirty="0"/>
+          </a:p>
+        </p:txBody>
+      </p:sp>
+      <p:sp>
+        <p:nvSpPr>
+          <p:cNvPr id="79" name="TextBox 54"/>
+          <p:cNvSpPr txBox="1"/>
+          <p:nvPr/>
+        </p:nvSpPr>
+        <p:spPr>
+          <a:xfrm>
+            <a:off x="1681240" y="1517420"/>
+            <a:ext cx="2056190" cy="323165"/>
+          </a:xfrm>
+          <a:prstGeom prst="rect">
+            <a:avLst/>
+          </a:prstGeom>
+          <a:noFill/>
+        </p:spPr>
+        <p:txBody>
+          <a:bodyPr wrap="square" rtlCol="0">
+            <a:spAutoFit/>
+          </a:bodyPr>
+          <a:lstStyle/>
+          <a:p>
+            <a:pPr algn="ctr">
+              <a:lnSpc>
+                <a:spcPct val="80000"/>
+              </a:lnSpc>
+            </a:pPr>
+            <a:r>
+              <a:rPr lang="en-US" dirty="0" smtClean="0"/>
+              <a:t>Container: Sender</a:t>
+            </a:r>
+            <a:endParaRPr lang="en-US" dirty="0" smtClean="0"/>
+          </a:p>
+        </p:txBody>
+      </p:sp>
+      <p:sp>
+        <p:nvSpPr>
+          <p:cNvPr id="81" name="TextBox 54"/>
+          <p:cNvSpPr txBox="1"/>
+          <p:nvPr/>
+        </p:nvSpPr>
+        <p:spPr>
+          <a:xfrm>
+            <a:off x="5304973" y="1524678"/>
+            <a:ext cx="2056190" cy="323165"/>
+          </a:xfrm>
+          <a:prstGeom prst="rect">
+            <a:avLst/>
+          </a:prstGeom>
+          <a:noFill/>
+        </p:spPr>
+        <p:txBody>
+          <a:bodyPr wrap="square" rtlCol="0">
+            <a:spAutoFit/>
+          </a:bodyPr>
+          <a:lstStyle/>
+          <a:p>
+            <a:pPr algn="ctr">
+              <a:lnSpc>
+                <a:spcPct val="80000"/>
+              </a:lnSpc>
+            </a:pPr>
+            <a:r>
+              <a:rPr lang="en-US" dirty="0" smtClean="0"/>
+              <a:t>Container: Receiver</a:t>
+            </a:r>
+            <a:endParaRPr lang="en-US" dirty="0" smtClean="0"/>
+          </a:p>
+        </p:txBody>
+      </p:sp>
+      <p:cxnSp>
+        <p:nvCxnSpPr>
+          <p:cNvPr id="89" name="Straight Connector 26"/>
+          <p:cNvCxnSpPr/>
+          <p:nvPr/>
+        </p:nvCxnSpPr>
+        <p:spPr>
+          <a:xfrm flipH="1">
+            <a:off x="5430761" y="2406952"/>
+            <a:ext cx="457200" cy="914400"/>
+          </a:xfrm>
+          <a:prstGeom prst="line">
+            <a:avLst/>
+          </a:prstGeom>
+          <a:ln w="28575" cmpd="sng">
+            <a:solidFill>
+              <a:srgbClr val="FF0000"/>
+            </a:solidFill>
+            <a:prstDash val="dash"/>
+            <a:headEnd type="none"/>
+            <a:tailEnd type="arrow"/>
+          </a:ln>
+        </p:spPr>
+        <p:style>
+          <a:lnRef idx="1">
+            <a:schemeClr val="accent1"/>
+          </a:lnRef>
+          <a:fillRef idx="0">
+            <a:schemeClr val="accent1"/>
+          </a:fillRef>
+          <a:effectRef idx="0">
+            <a:schemeClr val="accent1"/>
+          </a:effectRef>
+          <a:fontRef idx="minor">
+            <a:schemeClr val="tx1"/>
+          </a:fontRef>
+        </p:style>
+      </p:cxnSp>
+      <p:cxnSp>
+        <p:nvCxnSpPr>
+          <p:cNvPr id="37" name="Straight Connector 26"/>
+          <p:cNvCxnSpPr/>
+          <p:nvPr/>
+        </p:nvCxnSpPr>
+        <p:spPr>
+          <a:xfrm flipH="1">
+            <a:off x="3848219" y="2317447"/>
+            <a:ext cx="1408373" cy="0"/>
+          </a:xfrm>
+          <a:prstGeom prst="line">
+            <a:avLst/>
+          </a:prstGeom>
+          <a:ln w="28575" cmpd="sng">
+            <a:solidFill>
+              <a:srgbClr val="FF0000"/>
+            </a:solidFill>
+            <a:prstDash val="dash"/>
+            <a:headEnd type="none"/>
+            <a:tailEnd type="arrow"/>
+          </a:ln>
+        </p:spPr>
+        <p:style>
+          <a:lnRef idx="1">
+            <a:schemeClr val="accent1"/>
+          </a:lnRef>
+          <a:fillRef idx="0">
+            <a:schemeClr val="accent1"/>
+          </a:fillRef>
+          <a:effectRef idx="0">
+            <a:schemeClr val="accent1"/>
+          </a:effectRef>
+          <a:fontRef idx="minor">
+            <a:schemeClr val="tx1"/>
+          </a:fontRef>
+        </p:style>
+      </p:cxnSp>
+      <p:sp>
+        <p:nvSpPr>
+          <p:cNvPr id="39" name="TextBox 54"/>
+          <p:cNvSpPr txBox="1"/>
+          <p:nvPr/>
+        </p:nvSpPr>
+        <p:spPr>
+          <a:xfrm>
+            <a:off x="3832972" y="1668604"/>
+            <a:ext cx="1498599" cy="544765"/>
+          </a:xfrm>
+          <a:prstGeom prst="rect">
+            <a:avLst/>
+          </a:prstGeom>
+          <a:noFill/>
+        </p:spPr>
+        <p:txBody>
+          <a:bodyPr wrap="square" rtlCol="0">
+            <a:spAutoFit/>
+          </a:bodyPr>
+          <a:lstStyle/>
+          <a:p>
+            <a:pPr algn="ctr">
+              <a:lnSpc>
+                <a:spcPct val="80000"/>
+              </a:lnSpc>
+            </a:pPr>
+            <a:r>
+              <a:rPr lang="en-US" dirty="0" smtClean="0">
+                <a:solidFill>
+                  <a:srgbClr val="FF0000"/>
+                </a:solidFill>
+              </a:rPr>
+              <a:t>S</a:t>
+            </a:r>
+            <a:r>
+              <a:rPr lang="en-US" dirty="0" smtClean="0">
+                <a:solidFill>
+                  <a:srgbClr val="FF0000"/>
+                </a:solidFill>
+              </a:rPr>
+              <a:t>tep 2: </a:t>
+            </a:r>
+          </a:p>
+          <a:p>
+            <a:pPr algn="ctr">
+              <a:lnSpc>
+                <a:spcPct val="80000"/>
+              </a:lnSpc>
+            </a:pPr>
+            <a:r>
+              <a:rPr lang="en-US" dirty="0" err="1" smtClean="0">
+                <a:solidFill>
+                  <a:srgbClr val="FF0000"/>
+                </a:solidFill>
+              </a:rPr>
+              <a:t>shm</a:t>
+            </a:r>
+            <a:r>
+              <a:rPr lang="en-US" dirty="0" smtClean="0">
+                <a:solidFill>
+                  <a:srgbClr val="FF0000"/>
+                </a:solidFill>
+              </a:rPr>
+              <a:t> </a:t>
+            </a:r>
+            <a:r>
+              <a:rPr lang="en-US" dirty="0" err="1" smtClean="0">
+                <a:solidFill>
+                  <a:srgbClr val="FF0000"/>
+                </a:solidFill>
+              </a:rPr>
+              <a:t>addr</a:t>
+            </a:r>
+            <a:endParaRPr lang="en-US" dirty="0">
+              <a:solidFill>
+                <a:srgbClr val="FF0000"/>
+              </a:solidFill>
+            </a:endParaRPr>
+          </a:p>
+        </p:txBody>
+      </p:sp>
+      <p:cxnSp>
+        <p:nvCxnSpPr>
+          <p:cNvPr id="51" name="Straight Connector 26"/>
+          <p:cNvCxnSpPr/>
+          <p:nvPr/>
+        </p:nvCxnSpPr>
+        <p:spPr>
+          <a:xfrm>
+            <a:off x="3241524" y="2419048"/>
+            <a:ext cx="457200" cy="914400"/>
+          </a:xfrm>
+          <a:prstGeom prst="line">
+            <a:avLst/>
+          </a:prstGeom>
+          <a:ln w="28575" cmpd="sng">
+            <a:solidFill>
+              <a:srgbClr val="FF0000"/>
+            </a:solidFill>
+            <a:prstDash val="dash"/>
+            <a:headEnd type="none"/>
+            <a:tailEnd type="arrow"/>
+          </a:ln>
+        </p:spPr>
+        <p:style>
+          <a:lnRef idx="1">
+            <a:schemeClr val="accent1"/>
+          </a:lnRef>
+          <a:fillRef idx="0">
+            <a:schemeClr val="accent1"/>
+          </a:fillRef>
+          <a:effectRef idx="0">
+            <a:schemeClr val="accent1"/>
+          </a:effectRef>
+          <a:fontRef idx="minor">
+            <a:schemeClr val="tx1"/>
+          </a:fontRef>
+        </p:style>
+      </p:cxnSp>
+      <p:sp>
+        <p:nvSpPr>
+          <p:cNvPr id="52" name="TextBox 54"/>
+          <p:cNvSpPr txBox="1"/>
+          <p:nvPr/>
+        </p:nvSpPr>
+        <p:spPr>
+          <a:xfrm>
+            <a:off x="1705428" y="3193141"/>
+            <a:ext cx="1790095" cy="461665"/>
+          </a:xfrm>
+          <a:prstGeom prst="rect">
+            <a:avLst/>
+          </a:prstGeom>
+          <a:noFill/>
+        </p:spPr>
+        <p:txBody>
+          <a:bodyPr wrap="square" rtlCol="0">
+            <a:spAutoFit/>
+          </a:bodyPr>
+          <a:lstStyle/>
+          <a:p>
+            <a:pPr algn="ctr">
+              <a:lnSpc>
+                <a:spcPct val="50000"/>
+              </a:lnSpc>
+            </a:pPr>
+            <a:r>
+              <a:rPr lang="en-US" dirty="0" smtClean="0">
+                <a:solidFill>
+                  <a:srgbClr val="FF0000"/>
+                </a:solidFill>
+              </a:rPr>
+              <a:t>S</a:t>
+            </a:r>
+            <a:r>
+              <a:rPr lang="en-US" dirty="0" smtClean="0">
+                <a:solidFill>
+                  <a:srgbClr val="FF0000"/>
+                </a:solidFill>
+              </a:rPr>
+              <a:t>tep3: </a:t>
+            </a:r>
+            <a:r>
+              <a:rPr lang="en-US" dirty="0" smtClean="0">
+                <a:solidFill>
+                  <a:srgbClr val="FF0000"/>
+                </a:solidFill>
+              </a:rPr>
+              <a:t>w</a:t>
+            </a:r>
+            <a:r>
+              <a:rPr lang="en-US" dirty="0" smtClean="0">
+                <a:solidFill>
+                  <a:srgbClr val="FF0000"/>
+                </a:solidFill>
+              </a:rPr>
+              <a:t>rite </a:t>
+            </a:r>
+          </a:p>
+          <a:p>
+            <a:pPr algn="ctr">
+              <a:lnSpc>
+                <a:spcPct val="80000"/>
+              </a:lnSpc>
+            </a:pPr>
+            <a:r>
+              <a:rPr lang="en-US" dirty="0" smtClean="0">
+                <a:solidFill>
+                  <a:srgbClr val="FF0000"/>
+                </a:solidFill>
+              </a:rPr>
+              <a:t>to </a:t>
+            </a:r>
+            <a:r>
+              <a:rPr lang="en-US" dirty="0" err="1" smtClean="0">
+                <a:solidFill>
+                  <a:srgbClr val="FF0000"/>
+                </a:solidFill>
+              </a:rPr>
+              <a:t>shm</a:t>
+            </a:r>
+            <a:r>
+              <a:rPr lang="en-US" dirty="0" smtClean="0">
+                <a:solidFill>
+                  <a:srgbClr val="FF0000"/>
+                </a:solidFill>
+              </a:rPr>
+              <a:t> </a:t>
+            </a:r>
+            <a:r>
+              <a:rPr lang="en-US" dirty="0" err="1" smtClean="0">
+                <a:solidFill>
+                  <a:srgbClr val="FF0000"/>
+                </a:solidFill>
+              </a:rPr>
+              <a:t>obj</a:t>
+            </a:r>
+            <a:r>
+              <a:rPr lang="en-US" dirty="0" smtClean="0">
+                <a:solidFill>
+                  <a:srgbClr val="FF0000"/>
+                </a:solidFill>
+              </a:rPr>
+              <a:t> </a:t>
+            </a:r>
+            <a:endParaRPr lang="en-US" dirty="0">
+              <a:solidFill>
+                <a:srgbClr val="FF0000"/>
+              </a:solidFill>
+            </a:endParaRPr>
+          </a:p>
+        </p:txBody>
+      </p:sp>
+      <p:sp>
+        <p:nvSpPr>
+          <p:cNvPr id="72" name="TextBox 54"/>
+          <p:cNvSpPr txBox="1"/>
+          <p:nvPr/>
+        </p:nvSpPr>
+        <p:spPr>
+          <a:xfrm>
+            <a:off x="4015615" y="2641062"/>
+            <a:ext cx="1911042" cy="493981"/>
+          </a:xfrm>
+          <a:prstGeom prst="rect">
+            <a:avLst/>
+          </a:prstGeom>
+          <a:noFill/>
+        </p:spPr>
+        <p:txBody>
+          <a:bodyPr wrap="square" rtlCol="0">
+            <a:spAutoFit/>
+          </a:bodyPr>
+          <a:lstStyle/>
+          <a:p>
+            <a:pPr algn="ctr">
+              <a:lnSpc>
+                <a:spcPct val="70000"/>
+              </a:lnSpc>
+            </a:pPr>
+            <a:r>
+              <a:rPr lang="en-US" dirty="0" smtClean="0">
+                <a:solidFill>
+                  <a:srgbClr val="FF0000"/>
+                </a:solidFill>
+              </a:rPr>
+              <a:t>S</a:t>
+            </a:r>
+            <a:r>
+              <a:rPr lang="en-US" dirty="0" smtClean="0">
+                <a:solidFill>
+                  <a:srgbClr val="FF0000"/>
+                </a:solidFill>
+              </a:rPr>
+              <a:t>tep1: </a:t>
+            </a:r>
+          </a:p>
+          <a:p>
+            <a:pPr algn="ctr">
+              <a:lnSpc>
+                <a:spcPct val="70000"/>
+              </a:lnSpc>
+            </a:pPr>
+            <a:r>
+              <a:rPr lang="en-US" dirty="0" smtClean="0">
+                <a:solidFill>
+                  <a:srgbClr val="FF0000"/>
+                </a:solidFill>
+              </a:rPr>
+              <a:t>c</a:t>
+            </a:r>
+            <a:r>
+              <a:rPr lang="en-US" dirty="0" smtClean="0">
+                <a:solidFill>
+                  <a:srgbClr val="FF0000"/>
+                </a:solidFill>
+              </a:rPr>
+              <a:t>reate </a:t>
+            </a:r>
+            <a:r>
+              <a:rPr lang="en-US" dirty="0" err="1" smtClean="0">
+                <a:solidFill>
+                  <a:srgbClr val="FF0000"/>
+                </a:solidFill>
+              </a:rPr>
+              <a:t>shm</a:t>
+            </a:r>
+            <a:endParaRPr lang="en-US" dirty="0" smtClean="0">
+              <a:solidFill>
+                <a:srgbClr val="FF0000"/>
+              </a:solidFill>
+            </a:endParaRPr>
+          </a:p>
+        </p:txBody>
+      </p:sp>
+    </p:spTree>
+    <p:extLst>
+      <p:ext uri="{BB962C8B-B14F-4D97-AF65-F5344CB8AC3E}">
+        <p14:creationId xmlns:p14="http://schemas.microsoft.com/office/powerpoint/2010/main" val="658115853"/>
+      </p:ext>
+    </p:extLst>
+  </p:cSld>
+  <p:clrMapOvr>
+    <a:masterClrMapping/>
+  </p:clrMapOvr>
+</p:sld>
+</file>
+
+<file path=ppt/slides/slide4.xml><?xml version="1.0" encoding="utf-8"?>
+<p:sld xmlns:a="http://schemas.openxmlformats.org/drawingml/2006/main" xmlns:r="http://schemas.openxmlformats.org/officeDocument/2006/relationships" xmlns:p="http://schemas.openxmlformats.org/presentationml/2006/main">
+  <p:cSld>
+    <p:spTree>
+      <p:nvGrpSpPr>
+        <p:cNvPr id="1" name=""/>
+        <p:cNvGrpSpPr/>
+        <p:nvPr/>
+      </p:nvGrpSpPr>
+      <p:grpSpPr>
+        <a:xfrm>
+          <a:off x="0" y="0"/>
+          <a:ext cx="0" cy="0"/>
+          <a:chOff x="0" y="0"/>
+          <a:chExt cx="0" cy="0"/>
+        </a:xfrm>
+      </p:grpSpPr>
+      <p:sp>
+        <p:nvSpPr>
+          <p:cNvPr id="55" name="TextBox 54"/>
+          <p:cNvSpPr txBox="1"/>
+          <p:nvPr/>
+        </p:nvSpPr>
+        <p:spPr>
+          <a:xfrm>
+            <a:off x="6084718" y="6088661"/>
+            <a:ext cx="999068" cy="646331"/>
+          </a:xfrm>
+          <a:prstGeom prst="rect">
+            <a:avLst/>
+          </a:prstGeom>
+          <a:noFill/>
+        </p:spPr>
+        <p:txBody>
+          <a:bodyPr wrap="square" rtlCol="0">
+            <a:spAutoFit/>
+          </a:bodyPr>
+          <a:lstStyle/>
+          <a:p>
+            <a:pPr algn="ctr"/>
+            <a:r>
+              <a:rPr lang="en-US" dirty="0"/>
+              <a:t>Location Queries</a:t>
+            </a:r>
+          </a:p>
+        </p:txBody>
+      </p:sp>
+      <p:sp>
+        <p:nvSpPr>
+          <p:cNvPr id="74" name="Rectangle 5"/>
+          <p:cNvSpPr/>
+          <p:nvPr/>
+        </p:nvSpPr>
+        <p:spPr>
+          <a:xfrm>
+            <a:off x="621096" y="4308757"/>
+            <a:ext cx="2859916" cy="437744"/>
+          </a:xfrm>
+          <a:prstGeom prst="rect">
+            <a:avLst/>
+          </a:prstGeom>
+          <a:solidFill>
+            <a:schemeClr val="tx2">
+              <a:lumMod val="20000"/>
+              <a:lumOff val="80000"/>
+            </a:schemeClr>
+          </a:solidFill>
+          <a:ln w="19050">
+            <a:solidFill>
+              <a:schemeClr val="tx1">
+                <a:lumMod val="75000"/>
+                <a:lumOff val="25000"/>
+              </a:schemeClr>
+            </a:solidFill>
+          </a:ln>
+        </p:spPr>
+        <p:style>
+          <a:lnRef idx="2">
+            <a:schemeClr val="accent1">
+              <a:shade val="50000"/>
+            </a:schemeClr>
+          </a:lnRef>
+          <a:fillRef idx="1">
+            <a:schemeClr val="accent1"/>
+          </a:fillRef>
+          <a:effectRef idx="0">
+            <a:schemeClr val="accent1"/>
+          </a:effectRef>
+          <a:fontRef idx="minor">
+            <a:schemeClr val="lt1"/>
+          </a:fontRef>
+        </p:style>
+        <p:txBody>
+          <a:bodyPr rtlCol="0" anchor="ctr"/>
+          <a:lstStyle/>
+          <a:p>
+            <a:pPr algn="ctr"/>
+            <a:r>
+              <a:rPr lang="en-US" dirty="0">
+                <a:solidFill>
+                  <a:sysClr val="windowText" lastClr="000000"/>
+                </a:solidFill>
+              </a:rPr>
+              <a:t>Virtualized NIC</a:t>
+            </a:r>
+          </a:p>
+        </p:txBody>
+      </p:sp>
+      <p:sp>
+        <p:nvSpPr>
+          <p:cNvPr id="76" name="Rectangle 5"/>
+          <p:cNvSpPr/>
+          <p:nvPr/>
+        </p:nvSpPr>
+        <p:spPr>
+          <a:xfrm>
+            <a:off x="8039706" y="4795906"/>
+            <a:ext cx="1342578" cy="457200"/>
+          </a:xfrm>
+          <a:prstGeom prst="rect">
+            <a:avLst/>
+          </a:prstGeom>
+          <a:solidFill>
+            <a:srgbClr val="FFFFFF"/>
+          </a:solidFill>
+          <a:ln w="19050">
+            <a:solidFill>
+              <a:schemeClr val="tx1">
+                <a:lumMod val="75000"/>
+                <a:lumOff val="25000"/>
+              </a:schemeClr>
+            </a:solidFill>
+          </a:ln>
+        </p:spPr>
+        <p:style>
+          <a:lnRef idx="2">
+            <a:schemeClr val="accent1">
+              <a:shade val="50000"/>
+            </a:schemeClr>
+          </a:lnRef>
+          <a:fillRef idx="1">
+            <a:schemeClr val="accent1"/>
+          </a:fillRef>
+          <a:effectRef idx="0">
+            <a:schemeClr val="accent1"/>
+          </a:effectRef>
+          <a:fontRef idx="minor">
+            <a:schemeClr val="lt1"/>
+          </a:fontRef>
+        </p:style>
+        <p:txBody>
+          <a:bodyPr rtlCol="0" anchor="ctr"/>
+          <a:lstStyle/>
+          <a:p>
+            <a:pPr algn="ctr"/>
+            <a:r>
+              <a:rPr lang="en-US" dirty="0" err="1">
+                <a:solidFill>
+                  <a:sysClr val="windowText" lastClr="000000"/>
+                </a:solidFill>
+              </a:rPr>
+              <a:t>Mesos</a:t>
+            </a:r>
+            <a:endParaRPr lang="en-US" dirty="0">
+              <a:solidFill>
+                <a:sysClr val="windowText" lastClr="000000"/>
+              </a:solidFill>
+            </a:endParaRPr>
+          </a:p>
+        </p:txBody>
+      </p:sp>
+      <p:sp>
+        <p:nvSpPr>
+          <p:cNvPr id="77" name="Rectangle 5"/>
+          <p:cNvSpPr/>
+          <p:nvPr/>
+        </p:nvSpPr>
+        <p:spPr>
+          <a:xfrm>
+            <a:off x="8126597" y="5864089"/>
+            <a:ext cx="1342578" cy="457200"/>
+          </a:xfrm>
+          <a:prstGeom prst="rect">
+            <a:avLst/>
+          </a:prstGeom>
+          <a:solidFill>
+            <a:srgbClr val="FFFFFF"/>
+          </a:solidFill>
+          <a:ln w="19050">
+            <a:solidFill>
+              <a:schemeClr val="tx1">
+                <a:lumMod val="75000"/>
+                <a:lumOff val="25000"/>
+              </a:schemeClr>
+            </a:solidFill>
+          </a:ln>
+        </p:spPr>
+        <p:style>
+          <a:lnRef idx="2">
+            <a:schemeClr val="accent1">
+              <a:shade val="50000"/>
+            </a:schemeClr>
+          </a:lnRef>
+          <a:fillRef idx="1">
+            <a:schemeClr val="accent1"/>
+          </a:fillRef>
+          <a:effectRef idx="0">
+            <a:schemeClr val="accent1"/>
+          </a:effectRef>
+          <a:fontRef idx="minor">
+            <a:schemeClr val="lt1"/>
+          </a:fontRef>
+        </p:style>
+        <p:txBody>
+          <a:bodyPr rtlCol="0" anchor="ctr"/>
+          <a:lstStyle/>
+          <a:p>
+            <a:pPr algn="ctr">
+              <a:lnSpc>
+                <a:spcPct val="80000"/>
+              </a:lnSpc>
+            </a:pPr>
+            <a:r>
+              <a:rPr lang="en-US" dirty="0">
+                <a:solidFill>
+                  <a:sysClr val="windowText" lastClr="000000"/>
+                </a:solidFill>
+              </a:rPr>
+              <a:t>Fabric Controller</a:t>
+            </a:r>
+          </a:p>
+        </p:txBody>
+      </p:sp>
+      <p:sp>
+        <p:nvSpPr>
+          <p:cNvPr id="80" name="Rectangle 5"/>
+          <p:cNvSpPr/>
+          <p:nvPr/>
+        </p:nvSpPr>
+        <p:spPr>
+          <a:xfrm>
+            <a:off x="618274" y="5174838"/>
+            <a:ext cx="2859916" cy="437744"/>
+          </a:xfrm>
+          <a:prstGeom prst="rect">
+            <a:avLst/>
+          </a:prstGeom>
+          <a:solidFill>
+            <a:schemeClr val="tx2">
+              <a:lumMod val="20000"/>
+              <a:lumOff val="80000"/>
+            </a:schemeClr>
+          </a:solidFill>
+          <a:ln w="19050">
+            <a:solidFill>
+              <a:schemeClr val="tx1">
+                <a:lumMod val="75000"/>
+                <a:lumOff val="25000"/>
+              </a:schemeClr>
+            </a:solidFill>
+          </a:ln>
+        </p:spPr>
+        <p:style>
+          <a:lnRef idx="2">
+            <a:schemeClr val="accent1">
+              <a:shade val="50000"/>
+            </a:schemeClr>
+          </a:lnRef>
+          <a:fillRef idx="1">
+            <a:schemeClr val="accent1"/>
+          </a:fillRef>
+          <a:effectRef idx="0">
+            <a:schemeClr val="accent1"/>
+          </a:effectRef>
+          <a:fontRef idx="minor">
+            <a:schemeClr val="lt1"/>
+          </a:fontRef>
+        </p:style>
+        <p:txBody>
+          <a:bodyPr rtlCol="0" anchor="ctr"/>
+          <a:lstStyle/>
+          <a:p>
+            <a:pPr algn="ctr"/>
+            <a:r>
+              <a:rPr lang="en-US" dirty="0">
+                <a:solidFill>
+                  <a:sysClr val="windowText" lastClr="000000"/>
+                </a:solidFill>
+              </a:rPr>
+              <a:t>NIC</a:t>
+            </a:r>
+          </a:p>
+        </p:txBody>
+      </p:sp>
+      <p:sp>
+        <p:nvSpPr>
+          <p:cNvPr id="85" name="Rectangle 5"/>
+          <p:cNvSpPr/>
+          <p:nvPr/>
+        </p:nvSpPr>
+        <p:spPr>
+          <a:xfrm>
+            <a:off x="5904296" y="4308758"/>
+            <a:ext cx="2103120" cy="437744"/>
+          </a:xfrm>
+          <a:prstGeom prst="rect">
+            <a:avLst/>
+          </a:prstGeom>
+          <a:solidFill>
+            <a:schemeClr val="tx2">
+              <a:lumMod val="20000"/>
+              <a:lumOff val="80000"/>
+            </a:schemeClr>
+          </a:solidFill>
+          <a:ln w="19050">
+            <a:solidFill>
+              <a:schemeClr val="tx1">
+                <a:lumMod val="75000"/>
+                <a:lumOff val="25000"/>
+              </a:schemeClr>
+            </a:solidFill>
+          </a:ln>
+        </p:spPr>
+        <p:style>
+          <a:lnRef idx="2">
+            <a:schemeClr val="accent1">
+              <a:shade val="50000"/>
+            </a:schemeClr>
+          </a:lnRef>
+          <a:fillRef idx="1">
+            <a:schemeClr val="accent1"/>
+          </a:fillRef>
+          <a:effectRef idx="0">
+            <a:schemeClr val="accent1"/>
+          </a:effectRef>
+          <a:fontRef idx="minor">
+            <a:schemeClr val="lt1"/>
+          </a:fontRef>
+        </p:style>
+        <p:txBody>
+          <a:bodyPr rtlCol="0" anchor="ctr"/>
+          <a:lstStyle/>
+          <a:p>
+            <a:pPr algn="ctr"/>
+            <a:r>
+              <a:rPr lang="en-US" dirty="0">
+                <a:solidFill>
+                  <a:sysClr val="windowText" lastClr="000000"/>
+                </a:solidFill>
+              </a:rPr>
+              <a:t>Virtualized NIC</a:t>
+            </a:r>
+          </a:p>
+        </p:txBody>
+      </p:sp>
+      <p:sp>
+        <p:nvSpPr>
+          <p:cNvPr id="86" name="Rectangle 5"/>
+          <p:cNvSpPr/>
+          <p:nvPr/>
+        </p:nvSpPr>
+        <p:spPr>
+          <a:xfrm>
+            <a:off x="5901474" y="5174839"/>
+            <a:ext cx="2103120" cy="437744"/>
+          </a:xfrm>
+          <a:prstGeom prst="rect">
+            <a:avLst/>
+          </a:prstGeom>
+          <a:solidFill>
+            <a:schemeClr val="tx2">
+              <a:lumMod val="20000"/>
+              <a:lumOff val="80000"/>
+            </a:schemeClr>
+          </a:solidFill>
+          <a:ln w="19050">
+            <a:solidFill>
+              <a:schemeClr val="tx1">
+                <a:lumMod val="75000"/>
+                <a:lumOff val="25000"/>
+              </a:schemeClr>
+            </a:solidFill>
+          </a:ln>
+        </p:spPr>
+        <p:style>
+          <a:lnRef idx="2">
+            <a:schemeClr val="accent1">
+              <a:shade val="50000"/>
+            </a:schemeClr>
+          </a:lnRef>
+          <a:fillRef idx="1">
+            <a:schemeClr val="accent1"/>
+          </a:fillRef>
+          <a:effectRef idx="0">
+            <a:schemeClr val="accent1"/>
+          </a:effectRef>
+          <a:fontRef idx="minor">
+            <a:schemeClr val="lt1"/>
+          </a:fontRef>
+        </p:style>
+        <p:txBody>
+          <a:bodyPr rtlCol="0" anchor="ctr"/>
+          <a:lstStyle/>
+          <a:p>
+            <a:pPr algn="ctr"/>
+            <a:r>
+              <a:rPr lang="en-US" dirty="0">
+                <a:solidFill>
+                  <a:sysClr val="windowText" lastClr="000000"/>
+                </a:solidFill>
+              </a:rPr>
+              <a:t>NIC</a:t>
+            </a:r>
+          </a:p>
+        </p:txBody>
+      </p:sp>
+      <p:sp>
+        <p:nvSpPr>
+          <p:cNvPr id="87" name="TextBox 54"/>
+          <p:cNvSpPr txBox="1"/>
+          <p:nvPr/>
+        </p:nvSpPr>
+        <p:spPr>
+          <a:xfrm>
+            <a:off x="3843864" y="4111301"/>
+            <a:ext cx="2262629" cy="369332"/>
+          </a:xfrm>
+          <a:prstGeom prst="rect">
+            <a:avLst/>
+          </a:prstGeom>
+          <a:noFill/>
+        </p:spPr>
+        <p:txBody>
+          <a:bodyPr wrap="square" rtlCol="0">
+            <a:spAutoFit/>
+          </a:bodyPr>
+          <a:lstStyle/>
+          <a:p>
+            <a:r>
+              <a:rPr lang="en-US" dirty="0"/>
+              <a:t>Shared Memory</a:t>
+            </a:r>
+          </a:p>
+        </p:txBody>
+      </p:sp>
+      <p:cxnSp>
+        <p:nvCxnSpPr>
+          <p:cNvPr id="89" name="Straight Connector 26"/>
+          <p:cNvCxnSpPr/>
+          <p:nvPr/>
+        </p:nvCxnSpPr>
+        <p:spPr>
+          <a:xfrm flipH="1" flipV="1">
+            <a:off x="3145022" y="1602531"/>
+            <a:ext cx="1445874" cy="0"/>
+          </a:xfrm>
+          <a:prstGeom prst="line">
+            <a:avLst/>
+          </a:prstGeom>
+          <a:ln w="28575" cmpd="sng">
+            <a:solidFill>
+              <a:schemeClr val="tx1"/>
+            </a:solidFill>
+            <a:prstDash val="dash"/>
+            <a:headEnd type="none"/>
+            <a:tailEnd type="arrow"/>
+          </a:ln>
+        </p:spPr>
+        <p:style>
+          <a:lnRef idx="1">
+            <a:schemeClr val="accent1"/>
+          </a:lnRef>
+          <a:fillRef idx="0">
+            <a:schemeClr val="accent1"/>
+          </a:fillRef>
+          <a:effectRef idx="0">
+            <a:schemeClr val="accent1"/>
+          </a:effectRef>
+          <a:fontRef idx="minor">
+            <a:schemeClr val="tx1"/>
+          </a:fontRef>
+        </p:style>
+      </p:cxnSp>
+      <p:cxnSp>
+        <p:nvCxnSpPr>
+          <p:cNvPr id="90" name="Straight Connector 26"/>
+          <p:cNvCxnSpPr/>
+          <p:nvPr/>
+        </p:nvCxnSpPr>
+        <p:spPr>
+          <a:xfrm>
+            <a:off x="3501155" y="4518771"/>
+            <a:ext cx="2403141" cy="8859"/>
+          </a:xfrm>
+          <a:prstGeom prst="line">
+            <a:avLst/>
+          </a:prstGeom>
+          <a:ln w="19050">
+            <a:solidFill>
+              <a:schemeClr val="tx1"/>
+            </a:solidFill>
+            <a:headEnd type="none"/>
+            <a:tailEnd type="arrow"/>
+          </a:ln>
+        </p:spPr>
+        <p:style>
+          <a:lnRef idx="1">
+            <a:schemeClr val="accent1"/>
+          </a:lnRef>
+          <a:fillRef idx="0">
+            <a:schemeClr val="accent1"/>
+          </a:fillRef>
+          <a:effectRef idx="0">
+            <a:schemeClr val="accent1"/>
+          </a:effectRef>
+          <a:fontRef idx="minor">
+            <a:schemeClr val="tx1"/>
+          </a:fontRef>
+        </p:style>
+      </p:cxnSp>
+      <p:cxnSp>
+        <p:nvCxnSpPr>
+          <p:cNvPr id="91" name="Straight Connector 26"/>
+          <p:cNvCxnSpPr/>
+          <p:nvPr/>
+        </p:nvCxnSpPr>
+        <p:spPr>
+          <a:xfrm>
+            <a:off x="2061821" y="3892237"/>
+            <a:ext cx="0" cy="365760"/>
+          </a:xfrm>
+          <a:prstGeom prst="line">
+            <a:avLst/>
+          </a:prstGeom>
+          <a:ln w="19050">
+            <a:solidFill>
+              <a:schemeClr val="tx1"/>
+            </a:solidFill>
+            <a:headEnd type="none"/>
+            <a:tailEnd type="arrow"/>
+          </a:ln>
+        </p:spPr>
+        <p:style>
+          <a:lnRef idx="1">
+            <a:schemeClr val="accent1"/>
+          </a:lnRef>
+          <a:fillRef idx="0">
+            <a:schemeClr val="accent1"/>
+          </a:fillRef>
+          <a:effectRef idx="0">
+            <a:schemeClr val="accent1"/>
+          </a:effectRef>
+          <a:fontRef idx="minor">
+            <a:schemeClr val="tx1"/>
+          </a:fontRef>
+        </p:style>
+      </p:cxnSp>
+      <p:cxnSp>
+        <p:nvCxnSpPr>
+          <p:cNvPr id="92" name="Straight Connector 26"/>
+          <p:cNvCxnSpPr/>
+          <p:nvPr/>
+        </p:nvCxnSpPr>
+        <p:spPr>
+          <a:xfrm>
+            <a:off x="2061822" y="4772771"/>
+            <a:ext cx="0" cy="365760"/>
+          </a:xfrm>
+          <a:prstGeom prst="line">
+            <a:avLst/>
+          </a:prstGeom>
+          <a:ln w="19050">
+            <a:solidFill>
+              <a:schemeClr val="tx1"/>
+            </a:solidFill>
+            <a:headEnd type="none"/>
+            <a:tailEnd type="arrow"/>
+          </a:ln>
+        </p:spPr>
+        <p:style>
+          <a:lnRef idx="1">
+            <a:schemeClr val="accent1"/>
+          </a:lnRef>
+          <a:fillRef idx="0">
+            <a:schemeClr val="accent1"/>
+          </a:fillRef>
+          <a:effectRef idx="0">
+            <a:schemeClr val="accent1"/>
+          </a:effectRef>
+          <a:fontRef idx="minor">
+            <a:schemeClr val="tx1"/>
+          </a:fontRef>
+        </p:style>
+      </p:cxnSp>
+      <p:cxnSp>
+        <p:nvCxnSpPr>
+          <p:cNvPr id="94" name="Straight Connector 26"/>
+          <p:cNvCxnSpPr/>
+          <p:nvPr/>
+        </p:nvCxnSpPr>
+        <p:spPr>
+          <a:xfrm>
+            <a:off x="6921688" y="3909170"/>
+            <a:ext cx="0" cy="365760"/>
+          </a:xfrm>
+          <a:prstGeom prst="line">
+            <a:avLst/>
+          </a:prstGeom>
+          <a:ln w="19050">
+            <a:solidFill>
+              <a:schemeClr val="tx1"/>
+            </a:solidFill>
+            <a:headEnd type="arrow"/>
+            <a:tailEnd type="none"/>
+          </a:ln>
+        </p:spPr>
+        <p:style>
+          <a:lnRef idx="1">
+            <a:schemeClr val="accent1"/>
+          </a:lnRef>
+          <a:fillRef idx="0">
+            <a:schemeClr val="accent1"/>
+          </a:fillRef>
+          <a:effectRef idx="0">
+            <a:schemeClr val="accent1"/>
+          </a:effectRef>
+          <a:fontRef idx="minor">
+            <a:schemeClr val="tx1"/>
+          </a:fontRef>
+        </p:style>
+      </p:cxnSp>
+      <p:cxnSp>
+        <p:nvCxnSpPr>
+          <p:cNvPr id="95" name="Straight Connector 26"/>
+          <p:cNvCxnSpPr/>
+          <p:nvPr/>
+        </p:nvCxnSpPr>
+        <p:spPr>
+          <a:xfrm>
+            <a:off x="6921689" y="4789704"/>
+            <a:ext cx="0" cy="365760"/>
+          </a:xfrm>
+          <a:prstGeom prst="line">
+            <a:avLst/>
+          </a:prstGeom>
+          <a:ln w="19050">
+            <a:solidFill>
+              <a:schemeClr val="tx1"/>
+            </a:solidFill>
+            <a:headEnd type="arrow"/>
+            <a:tailEnd type="none"/>
+          </a:ln>
+        </p:spPr>
+        <p:style>
+          <a:lnRef idx="1">
+            <a:schemeClr val="accent1"/>
+          </a:lnRef>
+          <a:fillRef idx="0">
+            <a:schemeClr val="accent1"/>
+          </a:fillRef>
+          <a:effectRef idx="0">
+            <a:schemeClr val="accent1"/>
+          </a:effectRef>
+          <a:fontRef idx="minor">
+            <a:schemeClr val="tx1"/>
+          </a:fontRef>
+        </p:style>
+      </p:cxnSp>
+      <p:cxnSp>
+        <p:nvCxnSpPr>
+          <p:cNvPr id="96" name="Straight Connector 26"/>
+          <p:cNvCxnSpPr/>
+          <p:nvPr/>
+        </p:nvCxnSpPr>
+        <p:spPr>
+          <a:xfrm>
+            <a:off x="3484222" y="5348505"/>
+            <a:ext cx="2403141" cy="8859"/>
+          </a:xfrm>
+          <a:prstGeom prst="line">
+            <a:avLst/>
+          </a:prstGeom>
+          <a:ln w="19050">
+            <a:solidFill>
+              <a:schemeClr val="tx1"/>
+            </a:solidFill>
+            <a:headEnd type="none"/>
+            <a:tailEnd type="arrow"/>
+          </a:ln>
+        </p:spPr>
+        <p:style>
+          <a:lnRef idx="1">
+            <a:schemeClr val="accent1"/>
+          </a:lnRef>
+          <a:fillRef idx="0">
+            <a:schemeClr val="accent1"/>
+          </a:fillRef>
+          <a:effectRef idx="0">
+            <a:schemeClr val="accent1"/>
+          </a:effectRef>
+          <a:fontRef idx="minor">
+            <a:schemeClr val="tx1"/>
+          </a:fontRef>
+        </p:style>
+      </p:cxnSp>
+      <p:cxnSp>
+        <p:nvCxnSpPr>
+          <p:cNvPr id="98" name="Straight Connector 26"/>
+          <p:cNvCxnSpPr/>
+          <p:nvPr/>
+        </p:nvCxnSpPr>
+        <p:spPr>
+          <a:xfrm flipV="1">
+            <a:off x="7702335" y="549515"/>
+            <a:ext cx="1214350" cy="541938"/>
+          </a:xfrm>
+          <a:prstGeom prst="bentConnector3">
+            <a:avLst>
+              <a:gd name="adj1" fmla="val 50000"/>
+            </a:avLst>
+          </a:prstGeom>
+          <a:ln w="28575" cmpd="sng">
+            <a:solidFill>
+              <a:schemeClr val="tx1"/>
+            </a:solidFill>
+            <a:prstDash val="dash"/>
+            <a:headEnd type="none"/>
+            <a:tailEnd type="arrow"/>
+          </a:ln>
+        </p:spPr>
+        <p:style>
+          <a:lnRef idx="1">
+            <a:schemeClr val="accent1"/>
+          </a:lnRef>
+          <a:fillRef idx="0">
+            <a:schemeClr val="accent1"/>
+          </a:fillRef>
+          <a:effectRef idx="0">
+            <a:schemeClr val="accent1"/>
+          </a:effectRef>
+          <a:fontRef idx="minor">
+            <a:schemeClr val="tx1"/>
+          </a:fontRef>
+        </p:style>
+      </p:cxnSp>
+      <p:cxnSp>
+        <p:nvCxnSpPr>
+          <p:cNvPr id="32" name="Straight Connector 26"/>
+          <p:cNvCxnSpPr/>
+          <p:nvPr/>
+        </p:nvCxnSpPr>
+        <p:spPr>
+          <a:xfrm>
+            <a:off x="3484225" y="5483972"/>
+            <a:ext cx="2403141" cy="8859"/>
+          </a:xfrm>
+          <a:prstGeom prst="line">
+            <a:avLst/>
+          </a:prstGeom>
+          <a:ln w="19050">
+            <a:solidFill>
+              <a:schemeClr val="tx1"/>
+            </a:solidFill>
+            <a:headEnd type="none"/>
+            <a:tailEnd type="arrow"/>
+          </a:ln>
+        </p:spPr>
+        <p:style>
+          <a:lnRef idx="1">
+            <a:schemeClr val="accent1"/>
+          </a:lnRef>
+          <a:fillRef idx="0">
+            <a:schemeClr val="accent1"/>
+          </a:fillRef>
+          <a:effectRef idx="0">
+            <a:schemeClr val="accent1"/>
+          </a:effectRef>
+          <a:fontRef idx="minor">
+            <a:schemeClr val="tx1"/>
+          </a:fontRef>
+        </p:style>
+      </p:cxnSp>
+      <p:sp>
+        <p:nvSpPr>
+          <p:cNvPr id="33" name="TextBox 54"/>
+          <p:cNvSpPr txBox="1"/>
+          <p:nvPr/>
+        </p:nvSpPr>
+        <p:spPr>
+          <a:xfrm>
+            <a:off x="4267192" y="4890234"/>
+            <a:ext cx="897467" cy="369332"/>
+          </a:xfrm>
+          <a:prstGeom prst="rect">
+            <a:avLst/>
+          </a:prstGeom>
+          <a:noFill/>
+        </p:spPr>
+        <p:txBody>
+          <a:bodyPr wrap="square" rtlCol="0">
+            <a:spAutoFit/>
+          </a:bodyPr>
+          <a:lstStyle/>
+          <a:p>
+            <a:r>
+              <a:rPr lang="en-US" dirty="0"/>
+              <a:t>DPDK</a:t>
+            </a:r>
+          </a:p>
+        </p:txBody>
+      </p:sp>
+      <p:sp>
+        <p:nvSpPr>
+          <p:cNvPr id="34" name="TextBox 54"/>
+          <p:cNvSpPr txBox="1"/>
+          <p:nvPr/>
+        </p:nvSpPr>
+        <p:spPr>
+          <a:xfrm>
+            <a:off x="4216393" y="5550634"/>
+            <a:ext cx="897467" cy="369332"/>
+          </a:xfrm>
+          <a:prstGeom prst="rect">
+            <a:avLst/>
+          </a:prstGeom>
+          <a:noFill/>
+        </p:spPr>
+        <p:txBody>
+          <a:bodyPr wrap="square" rtlCol="0">
+            <a:spAutoFit/>
+          </a:bodyPr>
+          <a:lstStyle/>
+          <a:p>
+            <a:r>
+              <a:rPr lang="en-US" dirty="0"/>
+              <a:t>RDMA</a:t>
+            </a:r>
+          </a:p>
+        </p:txBody>
+      </p:sp>
+      <p:grpSp>
+        <p:nvGrpSpPr>
+          <p:cNvPr id="6" name="组 5"/>
+          <p:cNvGrpSpPr/>
+          <p:nvPr/>
+        </p:nvGrpSpPr>
+        <p:grpSpPr>
+          <a:xfrm>
+            <a:off x="960827" y="885024"/>
+            <a:ext cx="2206614" cy="2853601"/>
+            <a:chOff x="960827" y="907092"/>
+            <a:chExt cx="2206614" cy="2853601"/>
+          </a:xfrm>
+        </p:grpSpPr>
+        <p:sp>
+          <p:nvSpPr>
+            <p:cNvPr id="14" name="Rectangle 13"/>
+            <p:cNvSpPr/>
+            <p:nvPr/>
+          </p:nvSpPr>
+          <p:spPr>
+            <a:xfrm>
+              <a:off x="960827" y="907092"/>
+              <a:ext cx="2194560" cy="1097280"/>
+            </a:xfrm>
+            <a:prstGeom prst="rect">
+              <a:avLst/>
+            </a:prstGeom>
+            <a:noFill/>
+            <a:ln w="19050">
+              <a:solidFill>
+                <a:schemeClr val="tx1">
+                  <a:lumMod val="75000"/>
+                  <a:lumOff val="25000"/>
+                </a:schemeClr>
+              </a:solidFill>
+            </a:ln>
+          </p:spPr>
+          <p:style>
+            <a:lnRef idx="2">
+              <a:schemeClr val="accent1">
+                <a:shade val="50000"/>
+              </a:schemeClr>
+            </a:lnRef>
+            <a:fillRef idx="1">
+              <a:schemeClr val="accent1"/>
+            </a:fillRef>
+            <a:effectRef idx="0">
+              <a:schemeClr val="accent1"/>
+            </a:effectRef>
+            <a:fontRef idx="minor">
+              <a:schemeClr val="lt1"/>
+            </a:fontRef>
+          </p:style>
+          <p:txBody>
+            <a:bodyPr rtlCol="0" anchor="ctr"/>
+            <a:lstStyle/>
+            <a:p>
+              <a:pPr algn="ctr"/>
+              <a:endParaRPr lang="en-US" i="1" dirty="0">
+                <a:solidFill>
+                  <a:schemeClr val="tx1"/>
+                </a:solidFill>
+              </a:endParaRPr>
+            </a:p>
+          </p:txBody>
+        </p:sp>
+        <p:sp>
+          <p:nvSpPr>
+            <p:cNvPr id="53" name="Rectangle 5"/>
+            <p:cNvSpPr/>
+            <p:nvPr/>
+          </p:nvSpPr>
+          <p:spPr>
+            <a:xfrm>
+              <a:off x="1585460" y="1881159"/>
+              <a:ext cx="914400" cy="274320"/>
+            </a:xfrm>
+            <a:prstGeom prst="rect">
+              <a:avLst/>
+            </a:prstGeom>
+            <a:solidFill>
+              <a:schemeClr val="tx2">
+                <a:lumMod val="20000"/>
+                <a:lumOff val="80000"/>
+              </a:schemeClr>
+            </a:solidFill>
+            <a:ln w="19050">
+              <a:solidFill>
+                <a:schemeClr val="tx1">
+                  <a:lumMod val="75000"/>
+                  <a:lumOff val="25000"/>
+                </a:schemeClr>
+              </a:solidFill>
+            </a:ln>
+          </p:spPr>
+          <p:style>
+            <a:lnRef idx="2">
+              <a:schemeClr val="accent1">
+                <a:shade val="50000"/>
+              </a:schemeClr>
+            </a:lnRef>
+            <a:fillRef idx="1">
+              <a:schemeClr val="accent1"/>
+            </a:fillRef>
+            <a:effectRef idx="0">
+              <a:schemeClr val="accent1"/>
+            </a:effectRef>
+            <a:fontRef idx="minor">
+              <a:schemeClr val="lt1"/>
+            </a:fontRef>
+          </p:style>
+          <p:txBody>
+            <a:bodyPr rtlCol="0" anchor="ctr"/>
+            <a:lstStyle/>
+            <a:p>
+              <a:pPr algn="ctr"/>
+              <a:r>
+                <a:rPr lang="en-US" dirty="0" err="1" smtClean="0">
+                  <a:solidFill>
+                    <a:sysClr val="windowText" lastClr="000000"/>
+                  </a:solidFill>
+                </a:rPr>
+                <a:t>vNIC</a:t>
+              </a:r>
+              <a:endParaRPr lang="en-US" dirty="0">
+                <a:solidFill>
+                  <a:sysClr val="windowText" lastClr="000000"/>
+                </a:solidFill>
+              </a:endParaRPr>
+            </a:p>
+          </p:txBody>
+        </p:sp>
+        <p:sp>
+          <p:nvSpPr>
+            <p:cNvPr id="69" name="Rectangle 5"/>
+            <p:cNvSpPr/>
+            <p:nvPr/>
+          </p:nvSpPr>
+          <p:spPr>
+            <a:xfrm>
+              <a:off x="971685" y="2505347"/>
+              <a:ext cx="2194560" cy="437744"/>
+            </a:xfrm>
+            <a:prstGeom prst="rect">
+              <a:avLst/>
+            </a:prstGeom>
+            <a:solidFill>
+              <a:schemeClr val="tx2">
+                <a:lumMod val="20000"/>
+                <a:lumOff val="80000"/>
+              </a:schemeClr>
+            </a:solidFill>
+            <a:ln w="19050">
+              <a:solidFill>
+                <a:schemeClr val="tx1">
+                  <a:lumMod val="75000"/>
+                  <a:lumOff val="25000"/>
+                </a:schemeClr>
+              </a:solidFill>
+            </a:ln>
+          </p:spPr>
+          <p:style>
+            <a:lnRef idx="2">
+              <a:schemeClr val="accent1">
+                <a:shade val="50000"/>
+              </a:schemeClr>
+            </a:lnRef>
+            <a:fillRef idx="1">
+              <a:schemeClr val="accent1"/>
+            </a:fillRef>
+            <a:effectRef idx="0">
+              <a:schemeClr val="accent1"/>
+            </a:effectRef>
+            <a:fontRef idx="minor">
+              <a:schemeClr val="lt1"/>
+            </a:fontRef>
+          </p:style>
+          <p:txBody>
+            <a:bodyPr rtlCol="0" anchor="ctr"/>
+            <a:lstStyle/>
+            <a:p>
+              <a:pPr algn="ctr"/>
+              <a:r>
+                <a:rPr lang="en-US" dirty="0" smtClean="0">
+                  <a:solidFill>
+                    <a:sysClr val="windowText" lastClr="000000"/>
+                  </a:solidFill>
+                </a:rPr>
+                <a:t>Host Agent</a:t>
+              </a:r>
+              <a:endParaRPr lang="en-US" dirty="0">
+                <a:solidFill>
+                  <a:sysClr val="windowText" lastClr="000000"/>
+                </a:solidFill>
+              </a:endParaRPr>
+            </a:p>
+          </p:txBody>
+        </p:sp>
+        <p:cxnSp>
+          <p:nvCxnSpPr>
+            <p:cNvPr id="71" name="Straight Connector 26"/>
+            <p:cNvCxnSpPr/>
+            <p:nvPr/>
+          </p:nvCxnSpPr>
+          <p:spPr>
+            <a:xfrm>
+              <a:off x="2033393" y="2138478"/>
+              <a:ext cx="0" cy="365760"/>
+            </a:xfrm>
+            <a:prstGeom prst="line">
+              <a:avLst/>
+            </a:prstGeom>
+            <a:ln w="19050">
+              <a:solidFill>
+                <a:schemeClr val="tx1"/>
+              </a:solidFill>
+              <a:headEnd type="none"/>
+              <a:tailEnd type="none"/>
+            </a:ln>
+          </p:spPr>
+          <p:style>
+            <a:lnRef idx="1">
+              <a:schemeClr val="accent1"/>
+            </a:lnRef>
+            <a:fillRef idx="0">
+              <a:schemeClr val="accent1"/>
+            </a:fillRef>
+            <a:effectRef idx="0">
+              <a:schemeClr val="accent1"/>
+            </a:effectRef>
+            <a:fontRef idx="minor">
+              <a:schemeClr val="tx1"/>
+            </a:fontRef>
+          </p:style>
+        </p:cxnSp>
+        <p:sp>
+          <p:nvSpPr>
+            <p:cNvPr id="2" name="椭圆 1"/>
+            <p:cNvSpPr/>
+            <p:nvPr/>
+          </p:nvSpPr>
+          <p:spPr>
+            <a:xfrm>
+              <a:off x="1481790" y="982680"/>
+              <a:ext cx="1097280" cy="365760"/>
+            </a:xfrm>
+            <a:prstGeom prst="ellipse">
+              <a:avLst/>
+            </a:prstGeom>
+            <a:solidFill>
+              <a:schemeClr val="bg1">
+                <a:lumMod val="75000"/>
+              </a:schemeClr>
+            </a:solidFill>
+            <a:ln>
+              <a:solidFill>
+                <a:schemeClr val="tx1"/>
+              </a:solidFill>
+            </a:ln>
+          </p:spPr>
+          <p:style>
+            <a:lnRef idx="1">
+              <a:schemeClr val="accent1"/>
+            </a:lnRef>
+            <a:fillRef idx="3">
+              <a:schemeClr val="accent1"/>
+            </a:fillRef>
+            <a:effectRef idx="2">
+              <a:schemeClr val="accent1"/>
+            </a:effectRef>
+            <a:fontRef idx="minor">
+              <a:schemeClr val="lt1"/>
+            </a:fontRef>
+          </p:style>
+          <p:txBody>
+            <a:bodyPr rtlCol="0" anchor="ctr"/>
+            <a:lstStyle/>
+            <a:p>
+              <a:pPr algn="ctr"/>
+              <a:r>
+                <a:rPr kumimoji="1" lang="en-US" altLang="zh-CN" dirty="0" smtClean="0">
+                  <a:solidFill>
+                    <a:schemeClr val="tx1"/>
+                  </a:solidFill>
+                </a:rPr>
+                <a:t>App1</a:t>
+              </a:r>
+              <a:endParaRPr kumimoji="1" lang="zh-CN" altLang="en-US" dirty="0">
+                <a:solidFill>
+                  <a:schemeClr val="tx1"/>
+                </a:solidFill>
+              </a:endParaRPr>
+            </a:p>
+          </p:txBody>
+        </p:sp>
+        <p:sp>
+          <p:nvSpPr>
+            <p:cNvPr id="36" name="Rectangle 61"/>
+            <p:cNvSpPr/>
+            <p:nvPr/>
+          </p:nvSpPr>
+          <p:spPr>
+            <a:xfrm>
+              <a:off x="2023199" y="1462805"/>
+              <a:ext cx="914400" cy="274320"/>
+            </a:xfrm>
+            <a:prstGeom prst="rect">
+              <a:avLst/>
+            </a:prstGeom>
+            <a:noFill/>
+            <a:ln w="19050">
+              <a:solidFill>
+                <a:schemeClr val="tx1">
+                  <a:lumMod val="75000"/>
+                  <a:lumOff val="25000"/>
+                </a:schemeClr>
+              </a:solidFill>
+            </a:ln>
+          </p:spPr>
+          <p:style>
+            <a:lnRef idx="2">
+              <a:schemeClr val="accent1">
+                <a:shade val="50000"/>
+              </a:schemeClr>
+            </a:lnRef>
+            <a:fillRef idx="1">
+              <a:schemeClr val="accent1"/>
+            </a:fillRef>
+            <a:effectRef idx="0">
+              <a:schemeClr val="accent1"/>
+            </a:effectRef>
+            <a:fontRef idx="minor">
+              <a:schemeClr val="lt1"/>
+            </a:fontRef>
+          </p:style>
+          <p:txBody>
+            <a:bodyPr rtlCol="0" anchor="ctr"/>
+            <a:lstStyle/>
+            <a:p>
+              <a:pPr algn="ctr"/>
+              <a:r>
+                <a:rPr lang="en-US" i="1" dirty="0" smtClean="0">
+                  <a:solidFill>
+                    <a:schemeClr val="tx1"/>
+                  </a:solidFill>
+                </a:rPr>
+                <a:t>buffer</a:t>
+              </a:r>
+              <a:endParaRPr lang="en-US" i="1" dirty="0">
+                <a:solidFill>
+                  <a:schemeClr val="tx1"/>
+                </a:solidFill>
+              </a:endParaRPr>
+            </a:p>
+          </p:txBody>
+        </p:sp>
+        <p:sp>
+          <p:nvSpPr>
+            <p:cNvPr id="38" name="TextBox 54"/>
+            <p:cNvSpPr txBox="1"/>
+            <p:nvPr/>
+          </p:nvSpPr>
+          <p:spPr>
+            <a:xfrm>
+              <a:off x="1202056" y="1403233"/>
+              <a:ext cx="824061" cy="369332"/>
+            </a:xfrm>
+            <a:prstGeom prst="rect">
+              <a:avLst/>
+            </a:prstGeom>
+            <a:noFill/>
+          </p:spPr>
+          <p:txBody>
+            <a:bodyPr wrap="square" rtlCol="0">
+              <a:spAutoFit/>
+            </a:bodyPr>
+            <a:lstStyle/>
+            <a:p>
+              <a:pPr algn="ctr"/>
+              <a:r>
+                <a:rPr lang="en-US" dirty="0" smtClean="0"/>
+                <a:t>L-</a:t>
+              </a:r>
+              <a:r>
+                <a:rPr lang="en-US" dirty="0" err="1" smtClean="0"/>
+                <a:t>addr</a:t>
+              </a:r>
+              <a:endParaRPr lang="en-US" dirty="0"/>
+            </a:p>
+          </p:txBody>
+        </p:sp>
+        <p:sp>
+          <p:nvSpPr>
+            <p:cNvPr id="40" name="Rectangle 5"/>
+            <p:cNvSpPr/>
+            <p:nvPr/>
+          </p:nvSpPr>
+          <p:spPr>
+            <a:xfrm>
+              <a:off x="972881" y="3322949"/>
+              <a:ext cx="2194560" cy="437744"/>
+            </a:xfrm>
+            <a:prstGeom prst="rect">
+              <a:avLst/>
+            </a:prstGeom>
+            <a:solidFill>
+              <a:schemeClr val="tx2">
+                <a:lumMod val="20000"/>
+                <a:lumOff val="80000"/>
+              </a:schemeClr>
+            </a:solidFill>
+            <a:ln w="19050">
+              <a:solidFill>
+                <a:schemeClr val="tx1">
+                  <a:lumMod val="75000"/>
+                  <a:lumOff val="25000"/>
+                </a:schemeClr>
+              </a:solidFill>
+            </a:ln>
+          </p:spPr>
+          <p:style>
+            <a:lnRef idx="2">
+              <a:schemeClr val="accent1">
+                <a:shade val="50000"/>
+              </a:schemeClr>
+            </a:lnRef>
+            <a:fillRef idx="1">
+              <a:schemeClr val="accent1"/>
+            </a:fillRef>
+            <a:effectRef idx="0">
+              <a:schemeClr val="accent1"/>
+            </a:effectRef>
+            <a:fontRef idx="minor">
+              <a:schemeClr val="lt1"/>
+            </a:fontRef>
+          </p:style>
+          <p:txBody>
+            <a:bodyPr rtlCol="0" anchor="ctr"/>
+            <a:lstStyle/>
+            <a:p>
+              <a:pPr algn="ctr"/>
+              <a:r>
+                <a:rPr lang="en-US" dirty="0" smtClean="0">
+                  <a:solidFill>
+                    <a:sysClr val="windowText" lastClr="000000"/>
+                  </a:solidFill>
+                </a:rPr>
+                <a:t>NIC</a:t>
+              </a:r>
+              <a:endParaRPr lang="en-US" dirty="0">
+                <a:solidFill>
+                  <a:sysClr val="windowText" lastClr="000000"/>
+                </a:solidFill>
+              </a:endParaRPr>
+            </a:p>
+          </p:txBody>
+        </p:sp>
+        <p:cxnSp>
+          <p:nvCxnSpPr>
+            <p:cNvPr id="41" name="Straight Connector 26"/>
+            <p:cNvCxnSpPr/>
+            <p:nvPr/>
+          </p:nvCxnSpPr>
+          <p:spPr>
+            <a:xfrm>
+              <a:off x="2049709" y="2956080"/>
+              <a:ext cx="0" cy="365760"/>
+            </a:xfrm>
+            <a:prstGeom prst="line">
+              <a:avLst/>
+            </a:prstGeom>
+            <a:ln w="19050">
+              <a:solidFill>
+                <a:schemeClr val="tx1"/>
+              </a:solidFill>
+              <a:headEnd type="none"/>
+              <a:tailEnd type="none"/>
+            </a:ln>
+          </p:spPr>
+          <p:style>
+            <a:lnRef idx="1">
+              <a:schemeClr val="accent1"/>
+            </a:lnRef>
+            <a:fillRef idx="0">
+              <a:schemeClr val="accent1"/>
+            </a:fillRef>
+            <a:effectRef idx="0">
+              <a:schemeClr val="accent1"/>
+            </a:effectRef>
+            <a:fontRef idx="minor">
+              <a:schemeClr val="tx1"/>
+            </a:fontRef>
+          </p:style>
+        </p:cxnSp>
+      </p:grpSp>
+      <p:grpSp>
+        <p:nvGrpSpPr>
+          <p:cNvPr id="5" name="组 4"/>
+          <p:cNvGrpSpPr/>
+          <p:nvPr/>
+        </p:nvGrpSpPr>
+        <p:grpSpPr>
+          <a:xfrm>
+            <a:off x="4590896" y="885024"/>
+            <a:ext cx="2206614" cy="2853601"/>
+            <a:chOff x="1113227" y="1059492"/>
+            <a:chExt cx="2206614" cy="2853601"/>
+          </a:xfrm>
+        </p:grpSpPr>
+        <p:sp>
+          <p:nvSpPr>
+            <p:cNvPr id="42" name="Rectangle 13"/>
+            <p:cNvSpPr/>
+            <p:nvPr/>
+          </p:nvSpPr>
+          <p:spPr>
+            <a:xfrm>
+              <a:off x="1113227" y="1059492"/>
+              <a:ext cx="2194560" cy="1097280"/>
+            </a:xfrm>
+            <a:prstGeom prst="rect">
+              <a:avLst/>
+            </a:prstGeom>
+            <a:noFill/>
+            <a:ln w="19050">
+              <a:solidFill>
+                <a:schemeClr val="tx1">
+                  <a:lumMod val="75000"/>
+                  <a:lumOff val="25000"/>
+                </a:schemeClr>
+              </a:solidFill>
+            </a:ln>
+          </p:spPr>
+          <p:style>
+            <a:lnRef idx="2">
+              <a:schemeClr val="accent1">
+                <a:shade val="50000"/>
+              </a:schemeClr>
+            </a:lnRef>
+            <a:fillRef idx="1">
+              <a:schemeClr val="accent1"/>
+            </a:fillRef>
+            <a:effectRef idx="0">
+              <a:schemeClr val="accent1"/>
+            </a:effectRef>
+            <a:fontRef idx="minor">
+              <a:schemeClr val="lt1"/>
+            </a:fontRef>
+          </p:style>
+          <p:txBody>
+            <a:bodyPr rtlCol="0" anchor="ctr"/>
+            <a:lstStyle/>
+            <a:p>
+              <a:pPr algn="ctr"/>
+              <a:endParaRPr lang="en-US" i="1" dirty="0">
+                <a:solidFill>
+                  <a:schemeClr val="tx1"/>
+                </a:solidFill>
+              </a:endParaRPr>
+            </a:p>
+          </p:txBody>
+        </p:sp>
+        <p:sp>
+          <p:nvSpPr>
+            <p:cNvPr id="43" name="Rectangle 5"/>
+            <p:cNvSpPr/>
+            <p:nvPr/>
+          </p:nvSpPr>
+          <p:spPr>
+            <a:xfrm>
+              <a:off x="1737860" y="2033559"/>
+              <a:ext cx="914400" cy="274320"/>
+            </a:xfrm>
+            <a:prstGeom prst="rect">
+              <a:avLst/>
+            </a:prstGeom>
+            <a:solidFill>
+              <a:schemeClr val="tx2">
+                <a:lumMod val="20000"/>
+                <a:lumOff val="80000"/>
+              </a:schemeClr>
+            </a:solidFill>
+            <a:ln w="19050">
+              <a:solidFill>
+                <a:schemeClr val="tx1">
+                  <a:lumMod val="75000"/>
+                  <a:lumOff val="25000"/>
+                </a:schemeClr>
+              </a:solidFill>
+            </a:ln>
+          </p:spPr>
+          <p:style>
+            <a:lnRef idx="2">
+              <a:schemeClr val="accent1">
+                <a:shade val="50000"/>
+              </a:schemeClr>
+            </a:lnRef>
+            <a:fillRef idx="1">
+              <a:schemeClr val="accent1"/>
+            </a:fillRef>
+            <a:effectRef idx="0">
+              <a:schemeClr val="accent1"/>
+            </a:effectRef>
+            <a:fontRef idx="minor">
+              <a:schemeClr val="lt1"/>
+            </a:fontRef>
+          </p:style>
+          <p:txBody>
+            <a:bodyPr rtlCol="0" anchor="ctr"/>
+            <a:lstStyle/>
+            <a:p>
+              <a:pPr algn="ctr"/>
+              <a:r>
+                <a:rPr lang="en-US" dirty="0" err="1" smtClean="0">
+                  <a:solidFill>
+                    <a:sysClr val="windowText" lastClr="000000"/>
+                  </a:solidFill>
+                </a:rPr>
+                <a:t>vNIC</a:t>
+              </a:r>
+              <a:endParaRPr lang="en-US" dirty="0">
+                <a:solidFill>
+                  <a:sysClr val="windowText" lastClr="000000"/>
+                </a:solidFill>
+              </a:endParaRPr>
+            </a:p>
+          </p:txBody>
+        </p:sp>
+        <p:sp>
+          <p:nvSpPr>
+            <p:cNvPr id="44" name="Rectangle 5"/>
+            <p:cNvSpPr/>
+            <p:nvPr/>
+          </p:nvSpPr>
+          <p:spPr>
+            <a:xfrm>
+              <a:off x="1124085" y="2657747"/>
+              <a:ext cx="2194560" cy="437744"/>
+            </a:xfrm>
+            <a:prstGeom prst="rect">
+              <a:avLst/>
+            </a:prstGeom>
+            <a:solidFill>
+              <a:schemeClr val="tx2">
+                <a:lumMod val="20000"/>
+                <a:lumOff val="80000"/>
+              </a:schemeClr>
+            </a:solidFill>
+            <a:ln w="19050">
+              <a:solidFill>
+                <a:schemeClr val="tx1">
+                  <a:lumMod val="75000"/>
+                  <a:lumOff val="25000"/>
+                </a:schemeClr>
+              </a:solidFill>
+            </a:ln>
+          </p:spPr>
+          <p:style>
+            <a:lnRef idx="2">
+              <a:schemeClr val="accent1">
+                <a:shade val="50000"/>
+              </a:schemeClr>
+            </a:lnRef>
+            <a:fillRef idx="1">
+              <a:schemeClr val="accent1"/>
+            </a:fillRef>
+            <a:effectRef idx="0">
+              <a:schemeClr val="accent1"/>
+            </a:effectRef>
+            <a:fontRef idx="minor">
+              <a:schemeClr val="lt1"/>
+            </a:fontRef>
+          </p:style>
+          <p:txBody>
+            <a:bodyPr rtlCol="0" anchor="ctr"/>
+            <a:lstStyle/>
+            <a:p>
+              <a:pPr algn="ctr"/>
+              <a:r>
+                <a:rPr lang="en-US" dirty="0" smtClean="0">
+                  <a:solidFill>
+                    <a:sysClr val="windowText" lastClr="000000"/>
+                  </a:solidFill>
+                </a:rPr>
+                <a:t>Host Agent</a:t>
+              </a:r>
+              <a:endParaRPr lang="en-US" dirty="0">
+                <a:solidFill>
+                  <a:sysClr val="windowText" lastClr="000000"/>
+                </a:solidFill>
+              </a:endParaRPr>
+            </a:p>
+          </p:txBody>
+        </p:sp>
+        <p:cxnSp>
+          <p:nvCxnSpPr>
+            <p:cNvPr id="45" name="Straight Connector 26"/>
+            <p:cNvCxnSpPr/>
+            <p:nvPr/>
+          </p:nvCxnSpPr>
+          <p:spPr>
+            <a:xfrm>
+              <a:off x="2185793" y="2290878"/>
+              <a:ext cx="0" cy="365760"/>
+            </a:xfrm>
+            <a:prstGeom prst="line">
+              <a:avLst/>
+            </a:prstGeom>
+            <a:ln w="19050">
+              <a:solidFill>
+                <a:schemeClr val="tx1"/>
+              </a:solidFill>
+              <a:headEnd type="none"/>
+              <a:tailEnd type="none"/>
+            </a:ln>
+          </p:spPr>
+          <p:style>
+            <a:lnRef idx="1">
+              <a:schemeClr val="accent1"/>
+            </a:lnRef>
+            <a:fillRef idx="0">
+              <a:schemeClr val="accent1"/>
+            </a:fillRef>
+            <a:effectRef idx="0">
+              <a:schemeClr val="accent1"/>
+            </a:effectRef>
+            <a:fontRef idx="minor">
+              <a:schemeClr val="tx1"/>
+            </a:fontRef>
+          </p:style>
+        </p:cxnSp>
+        <p:sp>
+          <p:nvSpPr>
+            <p:cNvPr id="46" name="椭圆 45"/>
+            <p:cNvSpPr/>
+            <p:nvPr/>
+          </p:nvSpPr>
+          <p:spPr>
+            <a:xfrm>
+              <a:off x="1634190" y="1135080"/>
+              <a:ext cx="1097280" cy="365760"/>
+            </a:xfrm>
+            <a:prstGeom prst="ellipse">
+              <a:avLst/>
+            </a:prstGeom>
+            <a:solidFill>
+              <a:schemeClr val="bg1">
+                <a:lumMod val="75000"/>
+              </a:schemeClr>
+            </a:solidFill>
+            <a:ln>
+              <a:solidFill>
+                <a:schemeClr val="tx1"/>
+              </a:solidFill>
+            </a:ln>
+          </p:spPr>
+          <p:style>
+            <a:lnRef idx="1">
+              <a:schemeClr val="accent1"/>
+            </a:lnRef>
+            <a:fillRef idx="3">
+              <a:schemeClr val="accent1"/>
+            </a:fillRef>
+            <a:effectRef idx="2">
+              <a:schemeClr val="accent1"/>
+            </a:effectRef>
+            <a:fontRef idx="minor">
+              <a:schemeClr val="lt1"/>
+            </a:fontRef>
+          </p:style>
+          <p:txBody>
+            <a:bodyPr rtlCol="0" anchor="ctr"/>
+            <a:lstStyle/>
+            <a:p>
+              <a:pPr algn="ctr"/>
+              <a:r>
+                <a:rPr kumimoji="1" lang="en-US" altLang="zh-CN" dirty="0" smtClean="0">
+                  <a:solidFill>
+                    <a:schemeClr val="tx1"/>
+                  </a:solidFill>
+                </a:rPr>
+                <a:t>App1</a:t>
+              </a:r>
+              <a:endParaRPr kumimoji="1" lang="zh-CN" altLang="en-US" dirty="0">
+                <a:solidFill>
+                  <a:schemeClr val="tx1"/>
+                </a:solidFill>
+              </a:endParaRPr>
+            </a:p>
+          </p:txBody>
+        </p:sp>
+        <p:sp>
+          <p:nvSpPr>
+            <p:cNvPr id="47" name="Rectangle 61"/>
+            <p:cNvSpPr/>
+            <p:nvPr/>
+          </p:nvSpPr>
+          <p:spPr>
+            <a:xfrm>
+              <a:off x="2175599" y="1615205"/>
+              <a:ext cx="914400" cy="274320"/>
+            </a:xfrm>
+            <a:prstGeom prst="rect">
+              <a:avLst/>
+            </a:prstGeom>
+            <a:noFill/>
+            <a:ln w="19050">
+              <a:solidFill>
+                <a:schemeClr val="tx1">
+                  <a:lumMod val="75000"/>
+                  <a:lumOff val="25000"/>
+                </a:schemeClr>
+              </a:solidFill>
+            </a:ln>
+          </p:spPr>
+          <p:style>
+            <a:lnRef idx="2">
+              <a:schemeClr val="accent1">
+                <a:shade val="50000"/>
+              </a:schemeClr>
+            </a:lnRef>
+            <a:fillRef idx="1">
+              <a:schemeClr val="accent1"/>
+            </a:fillRef>
+            <a:effectRef idx="0">
+              <a:schemeClr val="accent1"/>
+            </a:effectRef>
+            <a:fontRef idx="minor">
+              <a:schemeClr val="lt1"/>
+            </a:fontRef>
+          </p:style>
+          <p:txBody>
+            <a:bodyPr rtlCol="0" anchor="ctr"/>
+            <a:lstStyle/>
+            <a:p>
+              <a:pPr algn="ctr"/>
+              <a:r>
+                <a:rPr lang="en-US" i="1" dirty="0" smtClean="0">
+                  <a:solidFill>
+                    <a:schemeClr val="tx1"/>
+                  </a:solidFill>
+                </a:rPr>
+                <a:t>buffer</a:t>
+              </a:r>
+              <a:endParaRPr lang="en-US" i="1" dirty="0">
+                <a:solidFill>
+                  <a:schemeClr val="tx1"/>
+                </a:solidFill>
+              </a:endParaRPr>
+            </a:p>
+          </p:txBody>
+        </p:sp>
+        <p:sp>
+          <p:nvSpPr>
+            <p:cNvPr id="48" name="TextBox 54"/>
+            <p:cNvSpPr txBox="1"/>
+            <p:nvPr/>
+          </p:nvSpPr>
+          <p:spPr>
+            <a:xfrm>
+              <a:off x="1354456" y="1555633"/>
+              <a:ext cx="824061" cy="369332"/>
+            </a:xfrm>
+            <a:prstGeom prst="rect">
+              <a:avLst/>
+            </a:prstGeom>
+            <a:noFill/>
+          </p:spPr>
+          <p:txBody>
+            <a:bodyPr wrap="square" rtlCol="0">
+              <a:spAutoFit/>
+            </a:bodyPr>
+            <a:lstStyle/>
+            <a:p>
+              <a:pPr algn="ctr"/>
+              <a:r>
+                <a:rPr lang="en-US" dirty="0"/>
+                <a:t>R</a:t>
+              </a:r>
+              <a:r>
+                <a:rPr lang="en-US" dirty="0" smtClean="0"/>
+                <a:t>-</a:t>
+              </a:r>
+              <a:r>
+                <a:rPr lang="en-US" dirty="0" err="1" smtClean="0"/>
+                <a:t>addr</a:t>
+              </a:r>
+              <a:endParaRPr lang="en-US" dirty="0"/>
+            </a:p>
+          </p:txBody>
+        </p:sp>
+        <p:sp>
+          <p:nvSpPr>
+            <p:cNvPr id="49" name="Rectangle 5"/>
+            <p:cNvSpPr/>
+            <p:nvPr/>
+          </p:nvSpPr>
+          <p:spPr>
+            <a:xfrm>
+              <a:off x="1125281" y="3475349"/>
+              <a:ext cx="2194560" cy="437744"/>
+            </a:xfrm>
+            <a:prstGeom prst="rect">
+              <a:avLst/>
+            </a:prstGeom>
+            <a:solidFill>
+              <a:schemeClr val="tx2">
+                <a:lumMod val="20000"/>
+                <a:lumOff val="80000"/>
+              </a:schemeClr>
+            </a:solidFill>
+            <a:ln w="19050">
+              <a:solidFill>
+                <a:schemeClr val="tx1">
+                  <a:lumMod val="75000"/>
+                  <a:lumOff val="25000"/>
+                </a:schemeClr>
+              </a:solidFill>
+            </a:ln>
+          </p:spPr>
+          <p:style>
+            <a:lnRef idx="2">
+              <a:schemeClr val="accent1">
+                <a:shade val="50000"/>
+              </a:schemeClr>
+            </a:lnRef>
+            <a:fillRef idx="1">
+              <a:schemeClr val="accent1"/>
+            </a:fillRef>
+            <a:effectRef idx="0">
+              <a:schemeClr val="accent1"/>
+            </a:effectRef>
+            <a:fontRef idx="minor">
+              <a:schemeClr val="lt1"/>
+            </a:fontRef>
+          </p:style>
+          <p:txBody>
+            <a:bodyPr rtlCol="0" anchor="ctr"/>
+            <a:lstStyle/>
+            <a:p>
+              <a:pPr algn="ctr"/>
+              <a:r>
+                <a:rPr lang="en-US" dirty="0" smtClean="0">
+                  <a:solidFill>
+                    <a:sysClr val="windowText" lastClr="000000"/>
+                  </a:solidFill>
+                </a:rPr>
+                <a:t>NIC</a:t>
+              </a:r>
+              <a:endParaRPr lang="en-US" dirty="0">
+                <a:solidFill>
+                  <a:sysClr val="windowText" lastClr="000000"/>
+                </a:solidFill>
+              </a:endParaRPr>
+            </a:p>
+          </p:txBody>
+        </p:sp>
+        <p:cxnSp>
+          <p:nvCxnSpPr>
+            <p:cNvPr id="50" name="Straight Connector 26"/>
+            <p:cNvCxnSpPr/>
+            <p:nvPr/>
+          </p:nvCxnSpPr>
+          <p:spPr>
+            <a:xfrm>
+              <a:off x="2202109" y="3108480"/>
+              <a:ext cx="0" cy="365760"/>
+            </a:xfrm>
+            <a:prstGeom prst="line">
+              <a:avLst/>
+            </a:prstGeom>
+            <a:ln w="19050">
+              <a:solidFill>
+                <a:schemeClr val="tx1"/>
+              </a:solidFill>
+              <a:headEnd type="none"/>
+              <a:tailEnd type="none"/>
+            </a:ln>
+          </p:spPr>
+          <p:style>
+            <a:lnRef idx="1">
+              <a:schemeClr val="accent1"/>
+            </a:lnRef>
+            <a:fillRef idx="0">
+              <a:schemeClr val="accent1"/>
+            </a:fillRef>
+            <a:effectRef idx="0">
+              <a:schemeClr val="accent1"/>
+            </a:effectRef>
+            <a:fontRef idx="minor">
+              <a:schemeClr val="tx1"/>
+            </a:fontRef>
+          </p:style>
+        </p:cxnSp>
+      </p:grpSp>
+      <p:cxnSp>
+        <p:nvCxnSpPr>
+          <p:cNvPr id="56" name="Straight Connector 26"/>
+          <p:cNvCxnSpPr/>
+          <p:nvPr/>
+        </p:nvCxnSpPr>
+        <p:spPr>
+          <a:xfrm flipH="1">
+            <a:off x="1421308" y="1723476"/>
+            <a:ext cx="0" cy="1617649"/>
+          </a:xfrm>
+          <a:prstGeom prst="line">
+            <a:avLst/>
+          </a:prstGeom>
+          <a:ln w="28575" cmpd="sng">
+            <a:solidFill>
+              <a:schemeClr val="tx1"/>
+            </a:solidFill>
+            <a:prstDash val="dash"/>
+            <a:headEnd type="arrow"/>
+            <a:tailEnd type="arrow"/>
+          </a:ln>
+        </p:spPr>
+        <p:style>
+          <a:lnRef idx="1">
+            <a:schemeClr val="accent1"/>
+          </a:lnRef>
+          <a:fillRef idx="0">
+            <a:schemeClr val="accent1"/>
+          </a:fillRef>
+          <a:effectRef idx="0">
+            <a:schemeClr val="accent1"/>
+          </a:effectRef>
+          <a:fontRef idx="minor">
+            <a:schemeClr val="tx1"/>
+          </a:fontRef>
+        </p:style>
+      </p:cxnSp>
+      <p:cxnSp>
+        <p:nvCxnSpPr>
+          <p:cNvPr id="59" name="Straight Connector 26"/>
+          <p:cNvCxnSpPr/>
+          <p:nvPr/>
+        </p:nvCxnSpPr>
+        <p:spPr>
+          <a:xfrm flipH="1">
+            <a:off x="5051376" y="1709575"/>
+            <a:ext cx="0" cy="1617649"/>
+          </a:xfrm>
+          <a:prstGeom prst="line">
+            <a:avLst/>
+          </a:prstGeom>
+          <a:ln w="28575" cmpd="sng">
+            <a:solidFill>
+              <a:schemeClr val="tx1"/>
+            </a:solidFill>
+            <a:prstDash val="dash"/>
+            <a:headEnd type="arrow"/>
+            <a:tailEnd type="arrow"/>
+          </a:ln>
+        </p:spPr>
+        <p:style>
+          <a:lnRef idx="1">
+            <a:schemeClr val="accent1"/>
+          </a:lnRef>
+          <a:fillRef idx="0">
+            <a:schemeClr val="accent1"/>
+          </a:fillRef>
+          <a:effectRef idx="0">
+            <a:schemeClr val="accent1"/>
+          </a:effectRef>
+          <a:fontRef idx="minor">
+            <a:schemeClr val="tx1"/>
+          </a:fontRef>
+        </p:style>
+      </p:cxnSp>
+      <p:cxnSp>
+        <p:nvCxnSpPr>
+          <p:cNvPr id="60" name="Straight Connector 26"/>
+          <p:cNvCxnSpPr>
+            <a:stCxn id="40" idx="3"/>
+            <a:endCxn id="49" idx="1"/>
+          </p:cNvCxnSpPr>
+          <p:nvPr/>
+        </p:nvCxnSpPr>
+        <p:spPr>
+          <a:xfrm>
+            <a:off x="3167441" y="3519753"/>
+            <a:ext cx="1435509" cy="0"/>
+          </a:xfrm>
+          <a:prstGeom prst="line">
+            <a:avLst/>
+          </a:prstGeom>
+          <a:ln w="28575" cmpd="sng">
+            <a:solidFill>
+              <a:schemeClr val="tx1"/>
+            </a:solidFill>
+            <a:prstDash val="solid"/>
+            <a:headEnd type="none"/>
+            <a:tailEnd type="arrow"/>
+          </a:ln>
+        </p:spPr>
+        <p:style>
+          <a:lnRef idx="1">
+            <a:schemeClr val="accent1"/>
+          </a:lnRef>
+          <a:fillRef idx="0">
+            <a:schemeClr val="accent1"/>
+          </a:fillRef>
+          <a:effectRef idx="0">
+            <a:schemeClr val="accent1"/>
+          </a:effectRef>
+          <a:fontRef idx="minor">
+            <a:schemeClr val="tx1"/>
+          </a:fontRef>
+        </p:style>
+      </p:cxnSp>
+    </p:spTree>
+    <p:extLst>
+      <p:ext uri="{BB962C8B-B14F-4D97-AF65-F5344CB8AC3E}">
+        <p14:creationId xmlns:p14="http://schemas.microsoft.com/office/powerpoint/2010/main" val="3486954467"/>
+      </p:ext>
+    </p:extLst>
+  </p:cSld>
+  <p:clrMapOvr>
+    <a:masterClrMapping/>
+  </p:clrMapOvr>
+</p:sld>
+</file>
+
+<file path=ppt/slides/slide5.xml><?xml version="1.0" encoding="utf-8"?>
 <p:sld xmlns:a="http://schemas.openxmlformats.org/drawingml/2006/main" xmlns:r="http://schemas.openxmlformats.org/officeDocument/2006/relationships" xmlns:p="http://schemas.openxmlformats.org/presentationml/2006/main">
   <p:cSld>
     <p:spTree>
@@ -4802,7 +10236,7 @@
 </p:sld>
 </file>
 
-<file path=ppt/slides/slide2.xml><?xml version="1.0" encoding="utf-8"?>
+<file path=ppt/slides/slide6.xml><?xml version="1.0" encoding="utf-8"?>
 <p:sld xmlns:a="http://schemas.openxmlformats.org/drawingml/2006/main" xmlns:r="http://schemas.openxmlformats.org/officeDocument/2006/relationships" xmlns:p="http://schemas.openxmlformats.org/presentationml/2006/main">
   <p:cSld>
     <p:spTree>
@@ -6641,7 +12075,7 @@
 </p:sld>
 </file>
 
-<file path=ppt/slides/slide3.xml><?xml version="1.0" encoding="utf-8"?>
+<file path=ppt/slides/slide7.xml><?xml version="1.0" encoding="utf-8"?>
 <p:sld xmlns:a="http://schemas.openxmlformats.org/drawingml/2006/main" xmlns:r="http://schemas.openxmlformats.org/officeDocument/2006/relationships" xmlns:p="http://schemas.openxmlformats.org/presentationml/2006/main">
   <p:cSld>
     <p:spTree>
@@ -8301,7 +13735,7 @@
 </p:sld>
 </file>
 
-<file path=ppt/slides/slide4.xml><?xml version="1.0" encoding="utf-8"?>
+<file path=ppt/slides/slide8.xml><?xml version="1.0" encoding="utf-8"?>
 <p:sld xmlns:a="http://schemas.openxmlformats.org/drawingml/2006/main" xmlns:r="http://schemas.openxmlformats.org/officeDocument/2006/relationships" xmlns:p="http://schemas.openxmlformats.org/presentationml/2006/main">
   <p:cSld>
     <p:spTree>
@@ -8972,7 +14406,7 @@
 </p:sld>
 </file>
 
-<file path=ppt/slides/slide5.xml><?xml version="1.0" encoding="utf-8"?>
+<file path=ppt/slides/slide9.xml><?xml version="1.0" encoding="utf-8"?>
 <p:sld xmlns:a="http://schemas.openxmlformats.org/drawingml/2006/main" xmlns:r="http://schemas.openxmlformats.org/officeDocument/2006/relationships" xmlns:p="http://schemas.openxmlformats.org/presentationml/2006/main">
   <p:cSld>
     <p:spTree>
@@ -10563,570 +15997,6 @@
     <p:extLst>
       <p:ext uri="{BB962C8B-B14F-4D97-AF65-F5344CB8AC3E}">
         <p14:creationId xmlns:p14="http://schemas.microsoft.com/office/powerpoint/2010/main" val="1164031415"/>
-      </p:ext>
-    </p:extLst>
-  </p:cSld>
-  <p:clrMapOvr>
-    <a:masterClrMapping/>
-  </p:clrMapOvr>
-</p:sld>
-</file>
-
-<file path=ppt/slides/slide6.xml><?xml version="1.0" encoding="utf-8"?>
-<p:sld xmlns:a="http://schemas.openxmlformats.org/drawingml/2006/main" xmlns:r="http://schemas.openxmlformats.org/officeDocument/2006/relationships" xmlns:p="http://schemas.openxmlformats.org/presentationml/2006/main">
-  <p:cSld>
-    <p:spTree>
-      <p:nvGrpSpPr>
-        <p:cNvPr id="1" name=""/>
-        <p:cNvGrpSpPr/>
-        <p:nvPr/>
-      </p:nvGrpSpPr>
-      <p:grpSpPr>
-        <a:xfrm>
-          <a:off x="0" y="0"/>
-          <a:ext cx="0" cy="0"/>
-          <a:chOff x="0" y="0"/>
-          <a:chExt cx="0" cy="0"/>
-        </a:xfrm>
-      </p:grpSpPr>
-      <p:sp>
-        <p:nvSpPr>
-          <p:cNvPr id="55" name="TextBox 54"/>
-          <p:cNvSpPr txBox="1"/>
-          <p:nvPr/>
-        </p:nvSpPr>
-        <p:spPr>
-          <a:xfrm>
-            <a:off x="1947340" y="3061433"/>
-            <a:ext cx="2319864" cy="400110"/>
-          </a:xfrm>
-          <a:prstGeom prst="rect">
-            <a:avLst/>
-          </a:prstGeom>
-          <a:noFill/>
-        </p:spPr>
-        <p:txBody>
-          <a:bodyPr wrap="square" rtlCol="0">
-            <a:spAutoFit/>
-          </a:bodyPr>
-          <a:lstStyle/>
-          <a:p>
-            <a:pPr algn="ctr"/>
-            <a:r>
-              <a:rPr lang="en-US" sz="2000" dirty="0"/>
-              <a:t>Intra-VM</a:t>
-            </a:r>
-          </a:p>
-        </p:txBody>
-      </p:sp>
-      <p:sp>
-        <p:nvSpPr>
-          <p:cNvPr id="76" name="Rectangle 5"/>
-          <p:cNvSpPr/>
-          <p:nvPr/>
-        </p:nvSpPr>
-        <p:spPr>
-          <a:xfrm>
-            <a:off x="1069495" y="3348211"/>
-            <a:ext cx="1342578" cy="457200"/>
-          </a:xfrm>
-          <a:prstGeom prst="rect">
-            <a:avLst/>
-          </a:prstGeom>
-          <a:solidFill>
-            <a:srgbClr val="FFFFFF"/>
-          </a:solidFill>
-          <a:ln w="19050">
-            <a:solidFill>
-              <a:schemeClr val="tx1">
-                <a:lumMod val="75000"/>
-                <a:lumOff val="25000"/>
-              </a:schemeClr>
-            </a:solidFill>
-          </a:ln>
-        </p:spPr>
-        <p:style>
-          <a:lnRef idx="2">
-            <a:schemeClr val="accent1">
-              <a:shade val="50000"/>
-            </a:schemeClr>
-          </a:lnRef>
-          <a:fillRef idx="1">
-            <a:schemeClr val="accent1"/>
-          </a:fillRef>
-          <a:effectRef idx="0">
-            <a:schemeClr val="accent1"/>
-          </a:effectRef>
-          <a:fontRef idx="minor">
-            <a:schemeClr val="lt1"/>
-          </a:fontRef>
-        </p:style>
-        <p:txBody>
-          <a:bodyPr rtlCol="0" anchor="ctr"/>
-          <a:lstStyle/>
-          <a:p>
-            <a:pPr algn="ctr"/>
-            <a:r>
-              <a:rPr lang="en-US" dirty="0" err="1">
-                <a:solidFill>
-                  <a:sysClr val="windowText" lastClr="000000"/>
-                </a:solidFill>
-              </a:rPr>
-              <a:t>Mesos</a:t>
-            </a:r>
-            <a:endParaRPr lang="en-US" dirty="0">
-              <a:solidFill>
-                <a:sysClr val="windowText" lastClr="000000"/>
-              </a:solidFill>
-            </a:endParaRPr>
-          </a:p>
-        </p:txBody>
-      </p:sp>
-      <p:sp>
-        <p:nvSpPr>
-          <p:cNvPr id="77" name="Rectangle 5"/>
-          <p:cNvSpPr/>
-          <p:nvPr/>
-        </p:nvSpPr>
-        <p:spPr>
-          <a:xfrm>
-            <a:off x="3589866" y="4056591"/>
-            <a:ext cx="1342578" cy="457200"/>
-          </a:xfrm>
-          <a:prstGeom prst="rect">
-            <a:avLst/>
-          </a:prstGeom>
-          <a:solidFill>
-            <a:srgbClr val="FFFFFF"/>
-          </a:solidFill>
-          <a:ln w="19050">
-            <a:solidFill>
-              <a:schemeClr val="tx1">
-                <a:lumMod val="75000"/>
-                <a:lumOff val="25000"/>
-              </a:schemeClr>
-            </a:solidFill>
-          </a:ln>
-        </p:spPr>
-        <p:style>
-          <a:lnRef idx="2">
-            <a:schemeClr val="accent1">
-              <a:shade val="50000"/>
-            </a:schemeClr>
-          </a:lnRef>
-          <a:fillRef idx="1">
-            <a:schemeClr val="accent1"/>
-          </a:fillRef>
-          <a:effectRef idx="0">
-            <a:schemeClr val="accent1"/>
-          </a:effectRef>
-          <a:fontRef idx="minor">
-            <a:schemeClr val="lt1"/>
-          </a:fontRef>
-        </p:style>
-        <p:txBody>
-          <a:bodyPr rtlCol="0" anchor="ctr"/>
-          <a:lstStyle/>
-          <a:p>
-            <a:pPr algn="ctr">
-              <a:lnSpc>
-                <a:spcPct val="80000"/>
-              </a:lnSpc>
-            </a:pPr>
-            <a:r>
-              <a:rPr lang="en-US" dirty="0">
-                <a:solidFill>
-                  <a:sysClr val="windowText" lastClr="000000"/>
-                </a:solidFill>
-              </a:rPr>
-              <a:t>Fabric Controller</a:t>
-            </a:r>
-          </a:p>
-        </p:txBody>
-      </p:sp>
-      <p:sp>
-        <p:nvSpPr>
-          <p:cNvPr id="87" name="TextBox 54"/>
-          <p:cNvSpPr txBox="1"/>
-          <p:nvPr/>
-        </p:nvSpPr>
-        <p:spPr>
-          <a:xfrm>
-            <a:off x="6197602" y="3146105"/>
-            <a:ext cx="1286931" cy="707886"/>
-          </a:xfrm>
-          <a:prstGeom prst="rect">
-            <a:avLst/>
-          </a:prstGeom>
-          <a:noFill/>
-        </p:spPr>
-        <p:txBody>
-          <a:bodyPr wrap="square" rtlCol="0">
-            <a:spAutoFit/>
-          </a:bodyPr>
-          <a:lstStyle/>
-          <a:p>
-            <a:r>
-              <a:rPr lang="en-US" sz="2000" dirty="0"/>
-              <a:t>Shared Memory</a:t>
-            </a:r>
-          </a:p>
-        </p:txBody>
-      </p:sp>
-      <p:cxnSp>
-        <p:nvCxnSpPr>
-          <p:cNvPr id="89" name="Straight Connector 26"/>
-          <p:cNvCxnSpPr/>
-          <p:nvPr/>
-        </p:nvCxnSpPr>
-        <p:spPr>
-          <a:xfrm flipV="1">
-            <a:off x="893055" y="3590927"/>
-            <a:ext cx="182880" cy="2893"/>
-          </a:xfrm>
-          <a:prstGeom prst="line">
-            <a:avLst/>
-          </a:prstGeom>
-          <a:ln w="28575" cmpd="sng">
-            <a:solidFill>
-              <a:schemeClr val="tx1"/>
-            </a:solidFill>
-            <a:prstDash val="dash"/>
-            <a:headEnd type="none"/>
-            <a:tailEnd type="arrow"/>
-          </a:ln>
-        </p:spPr>
-        <p:style>
-          <a:lnRef idx="1">
-            <a:schemeClr val="accent1"/>
-          </a:lnRef>
-          <a:fillRef idx="0">
-            <a:schemeClr val="accent1"/>
-          </a:fillRef>
-          <a:effectRef idx="0">
-            <a:schemeClr val="accent1"/>
-          </a:effectRef>
-          <a:fontRef idx="minor">
-            <a:schemeClr val="tx1"/>
-          </a:fontRef>
-        </p:style>
-      </p:cxnSp>
-      <p:cxnSp>
-        <p:nvCxnSpPr>
-          <p:cNvPr id="98" name="Straight Connector 26"/>
-          <p:cNvCxnSpPr>
-            <a:stCxn id="76" idx="3"/>
-            <a:endCxn id="77" idx="1"/>
-          </p:cNvCxnSpPr>
-          <p:nvPr/>
-        </p:nvCxnSpPr>
-        <p:spPr>
-          <a:xfrm>
-            <a:off x="2412073" y="3576811"/>
-            <a:ext cx="1177793" cy="708380"/>
-          </a:xfrm>
-          <a:prstGeom prst="bentConnector3">
-            <a:avLst>
-              <a:gd name="adj1" fmla="val 50000"/>
-            </a:avLst>
-          </a:prstGeom>
-          <a:ln w="28575" cmpd="sng">
-            <a:solidFill>
-              <a:schemeClr val="tx1"/>
-            </a:solidFill>
-            <a:prstDash val="dash"/>
-            <a:headEnd type="none"/>
-            <a:tailEnd type="arrow"/>
-          </a:ln>
-        </p:spPr>
-        <p:style>
-          <a:lnRef idx="1">
-            <a:schemeClr val="accent1"/>
-          </a:lnRef>
-          <a:fillRef idx="0">
-            <a:schemeClr val="accent1"/>
-          </a:fillRef>
-          <a:effectRef idx="0">
-            <a:schemeClr val="accent1"/>
-          </a:effectRef>
-          <a:fontRef idx="minor">
-            <a:schemeClr val="tx1"/>
-          </a:fontRef>
-        </p:style>
-      </p:cxnSp>
-      <p:sp>
-        <p:nvSpPr>
-          <p:cNvPr id="33" name="TextBox 54"/>
-          <p:cNvSpPr txBox="1"/>
-          <p:nvPr/>
-        </p:nvSpPr>
-        <p:spPr>
-          <a:xfrm>
-            <a:off x="6197593" y="3925038"/>
-            <a:ext cx="1659474" cy="707886"/>
-          </a:xfrm>
-          <a:prstGeom prst="rect">
-            <a:avLst/>
-          </a:prstGeom>
-          <a:noFill/>
-        </p:spPr>
-        <p:txBody>
-          <a:bodyPr wrap="square" rtlCol="0">
-            <a:spAutoFit/>
-          </a:bodyPr>
-          <a:lstStyle/>
-          <a:p>
-            <a:r>
-              <a:rPr lang="en-US" sz="2000" dirty="0"/>
-              <a:t>DPDK/</a:t>
-            </a:r>
-            <a:r>
-              <a:rPr lang="en-US" sz="2000" dirty="0" err="1"/>
-              <a:t>Netmap</a:t>
-            </a:r>
-            <a:endParaRPr lang="en-US" sz="2000" dirty="0"/>
-          </a:p>
-        </p:txBody>
-      </p:sp>
-      <p:sp>
-        <p:nvSpPr>
-          <p:cNvPr id="34" name="TextBox 54"/>
-          <p:cNvSpPr txBox="1"/>
-          <p:nvPr/>
-        </p:nvSpPr>
-        <p:spPr>
-          <a:xfrm>
-            <a:off x="6214527" y="4805568"/>
-            <a:ext cx="897467" cy="400110"/>
-          </a:xfrm>
-          <a:prstGeom prst="rect">
-            <a:avLst/>
-          </a:prstGeom>
-          <a:noFill/>
-        </p:spPr>
-        <p:txBody>
-          <a:bodyPr wrap="square" rtlCol="0">
-            <a:spAutoFit/>
-          </a:bodyPr>
-          <a:lstStyle/>
-          <a:p>
-            <a:r>
-              <a:rPr lang="en-US" sz="2000" dirty="0"/>
-              <a:t>RDMA</a:t>
-            </a:r>
-          </a:p>
-        </p:txBody>
-      </p:sp>
-      <p:cxnSp>
-        <p:nvCxnSpPr>
-          <p:cNvPr id="40" name="Straight Connector 26"/>
-          <p:cNvCxnSpPr/>
-          <p:nvPr/>
-        </p:nvCxnSpPr>
-        <p:spPr>
-          <a:xfrm>
-            <a:off x="4935140" y="4304944"/>
-            <a:ext cx="1177793" cy="708380"/>
-          </a:xfrm>
-          <a:prstGeom prst="bentConnector3">
-            <a:avLst>
-              <a:gd name="adj1" fmla="val 50000"/>
-            </a:avLst>
-          </a:prstGeom>
-          <a:ln w="28575" cmpd="sng">
-            <a:solidFill>
-              <a:schemeClr val="tx1"/>
-            </a:solidFill>
-            <a:prstDash val="dash"/>
-            <a:headEnd type="none"/>
-            <a:tailEnd type="arrow"/>
-          </a:ln>
-        </p:spPr>
-        <p:style>
-          <a:lnRef idx="1">
-            <a:schemeClr val="accent1"/>
-          </a:lnRef>
-          <a:fillRef idx="0">
-            <a:schemeClr val="accent1"/>
-          </a:fillRef>
-          <a:effectRef idx="0">
-            <a:schemeClr val="accent1"/>
-          </a:effectRef>
-          <a:fontRef idx="minor">
-            <a:schemeClr val="tx1"/>
-          </a:fontRef>
-        </p:style>
-      </p:cxnSp>
-      <p:sp>
-        <p:nvSpPr>
-          <p:cNvPr id="41" name="TextBox 54"/>
-          <p:cNvSpPr txBox="1"/>
-          <p:nvPr/>
-        </p:nvSpPr>
-        <p:spPr>
-          <a:xfrm>
-            <a:off x="1896543" y="4365299"/>
-            <a:ext cx="2319864" cy="400110"/>
-          </a:xfrm>
-          <a:prstGeom prst="rect">
-            <a:avLst/>
-          </a:prstGeom>
-          <a:noFill/>
-        </p:spPr>
-        <p:txBody>
-          <a:bodyPr wrap="square" rtlCol="0">
-            <a:spAutoFit/>
-          </a:bodyPr>
-          <a:lstStyle/>
-          <a:p>
-            <a:pPr algn="ctr"/>
-            <a:r>
-              <a:rPr lang="en-US" sz="2000" dirty="0"/>
-              <a:t>Inter-VM</a:t>
-            </a:r>
-          </a:p>
-        </p:txBody>
-      </p:sp>
-      <p:cxnSp>
-        <p:nvCxnSpPr>
-          <p:cNvPr id="43" name="Straight Connector 26"/>
-          <p:cNvCxnSpPr/>
-          <p:nvPr/>
-        </p:nvCxnSpPr>
-        <p:spPr>
-          <a:xfrm>
-            <a:off x="2417034" y="3576884"/>
-            <a:ext cx="3678966" cy="0"/>
-          </a:xfrm>
-          <a:prstGeom prst="line">
-            <a:avLst/>
-          </a:prstGeom>
-          <a:ln w="28575" cmpd="sng">
-            <a:solidFill>
-              <a:schemeClr val="tx1"/>
-            </a:solidFill>
-            <a:prstDash val="dash"/>
-            <a:headEnd type="none"/>
-            <a:tailEnd type="arrow"/>
-          </a:ln>
-        </p:spPr>
-        <p:style>
-          <a:lnRef idx="1">
-            <a:schemeClr val="accent1"/>
-          </a:lnRef>
-          <a:fillRef idx="0">
-            <a:schemeClr val="accent1"/>
-          </a:fillRef>
-          <a:effectRef idx="0">
-            <a:schemeClr val="accent1"/>
-          </a:effectRef>
-          <a:fontRef idx="minor">
-            <a:schemeClr val="tx1"/>
-          </a:fontRef>
-        </p:style>
-      </p:cxnSp>
-      <p:sp>
-        <p:nvSpPr>
-          <p:cNvPr id="45" name="TextBox 54"/>
-          <p:cNvSpPr txBox="1"/>
-          <p:nvPr/>
-        </p:nvSpPr>
-        <p:spPr>
-          <a:xfrm>
-            <a:off x="4385745" y="3738769"/>
-            <a:ext cx="2319864" cy="400110"/>
-          </a:xfrm>
-          <a:prstGeom prst="rect">
-            <a:avLst/>
-          </a:prstGeom>
-          <a:noFill/>
-        </p:spPr>
-        <p:txBody>
-          <a:bodyPr wrap="square" rtlCol="0">
-            <a:spAutoFit/>
-          </a:bodyPr>
-          <a:lstStyle/>
-          <a:p>
-            <a:pPr algn="ctr"/>
-            <a:r>
-              <a:rPr lang="en-US" sz="2000" dirty="0"/>
-              <a:t>Intra-host</a:t>
-            </a:r>
-          </a:p>
-        </p:txBody>
-      </p:sp>
-      <p:cxnSp>
-        <p:nvCxnSpPr>
-          <p:cNvPr id="46" name="Straight Connector 26"/>
-          <p:cNvCxnSpPr/>
-          <p:nvPr/>
-        </p:nvCxnSpPr>
-        <p:spPr>
-          <a:xfrm flipV="1">
-            <a:off x="4940115" y="4301067"/>
-            <a:ext cx="1206700" cy="3951"/>
-          </a:xfrm>
-          <a:prstGeom prst="line">
-            <a:avLst/>
-          </a:prstGeom>
-          <a:ln w="28575" cmpd="sng">
-            <a:solidFill>
-              <a:schemeClr val="tx1"/>
-            </a:solidFill>
-            <a:prstDash val="dash"/>
-            <a:headEnd type="none"/>
-            <a:tailEnd type="arrow"/>
-          </a:ln>
-        </p:spPr>
-        <p:style>
-          <a:lnRef idx="1">
-            <a:schemeClr val="accent1"/>
-          </a:lnRef>
-          <a:fillRef idx="0">
-            <a:schemeClr val="accent1"/>
-          </a:fillRef>
-          <a:effectRef idx="0">
-            <a:schemeClr val="accent1"/>
-          </a:effectRef>
-          <a:fontRef idx="minor">
-            <a:schemeClr val="tx1"/>
-          </a:fontRef>
-        </p:style>
-      </p:cxnSp>
-      <p:sp>
-        <p:nvSpPr>
-          <p:cNvPr id="48" name="TextBox 54"/>
-          <p:cNvSpPr txBox="1"/>
-          <p:nvPr/>
-        </p:nvSpPr>
-        <p:spPr>
-          <a:xfrm>
-            <a:off x="4402685" y="5076500"/>
-            <a:ext cx="2319864" cy="400110"/>
-          </a:xfrm>
-          <a:prstGeom prst="rect">
-            <a:avLst/>
-          </a:prstGeom>
-          <a:noFill/>
-        </p:spPr>
-        <p:txBody>
-          <a:bodyPr wrap="square" rtlCol="0">
-            <a:spAutoFit/>
-          </a:bodyPr>
-          <a:lstStyle/>
-          <a:p>
-            <a:pPr algn="ctr"/>
-            <a:r>
-              <a:rPr lang="en-US" sz="2000" dirty="0"/>
-              <a:t>Inter-host</a:t>
-            </a:r>
-          </a:p>
-        </p:txBody>
-      </p:sp>
-    </p:spTree>
-    <p:extLst>
-      <p:ext uri="{BB962C8B-B14F-4D97-AF65-F5344CB8AC3E}">
-        <p14:creationId xmlns:p14="http://schemas.microsoft.com/office/powerpoint/2010/main" val="3120842089"/>
       </p:ext>
     </p:extLst>
   </p:cSld>
@@ -11391,7 +16261,7 @@
   <a:extraClrSchemeLst/>
   <a:extLst>
     <a:ext uri="{05A4C25C-085E-4340-85A3-A5531E510DB2}">
-      <thm15:themeFamily xmlns:thm15="http://schemas.microsoft.com/office/thememl/2012/main" name="Office Theme" id="{62F939B6-93AF-4DB8-9C6B-D6C7DFDC589F}" vid="{4A3C46E8-61CC-4603-A589-7422A47A8E4A}"/>
+      <thm15:themeFamily xmlns:thm15="http://schemas.microsoft.com/office/thememl/2012/main" xmlns="" name="Office Theme" id="{62F939B6-93AF-4DB8-9C6B-D6C7DFDC589F}" vid="{4A3C46E8-61CC-4603-A589-7422A47A8E4A}"/>
     </a:ext>
   </a:extLst>
 </a:theme>

--- a/figures/figures.pptx
+++ b/figures/figures.pptx
@@ -6,15 +6,16 @@
   </p:sldMasterIdLst>
   <p:sldIdLst>
     <p:sldId id="265" r:id="rId2"/>
-    <p:sldId id="262" r:id="rId3"/>
-    <p:sldId id="264" r:id="rId4"/>
-    <p:sldId id="263" r:id="rId5"/>
-    <p:sldId id="256" r:id="rId6"/>
-    <p:sldId id="259" r:id="rId7"/>
-    <p:sldId id="261" r:id="rId8"/>
-    <p:sldId id="260" r:id="rId9"/>
-    <p:sldId id="257" r:id="rId10"/>
-    <p:sldId id="258" r:id="rId11"/>
+    <p:sldId id="266" r:id="rId3"/>
+    <p:sldId id="262" r:id="rId4"/>
+    <p:sldId id="264" r:id="rId5"/>
+    <p:sldId id="263" r:id="rId6"/>
+    <p:sldId id="256" r:id="rId7"/>
+    <p:sldId id="259" r:id="rId8"/>
+    <p:sldId id="261" r:id="rId9"/>
+    <p:sldId id="260" r:id="rId10"/>
+    <p:sldId id="257" r:id="rId11"/>
+    <p:sldId id="258" r:id="rId12"/>
   </p:sldIdLst>
   <p:sldSz cx="9144000" cy="6858000" type="screen4x3"/>
   <p:notesSz cx="6858000" cy="9144000"/>
@@ -3153,6 +3154,1606 @@
       </p:grpSpPr>
       <p:sp>
         <p:nvSpPr>
+          <p:cNvPr id="9" name="Rectangle 8"/>
+          <p:cNvSpPr/>
+          <p:nvPr/>
+        </p:nvSpPr>
+        <p:spPr>
+          <a:xfrm>
+            <a:off x="610109" y="1232885"/>
+            <a:ext cx="1342578" cy="640080"/>
+          </a:xfrm>
+          <a:prstGeom prst="rect">
+            <a:avLst/>
+          </a:prstGeom>
+          <a:noFill/>
+          <a:ln w="19050">
+            <a:solidFill>
+              <a:schemeClr val="tx1">
+                <a:lumMod val="75000"/>
+                <a:lumOff val="25000"/>
+              </a:schemeClr>
+            </a:solidFill>
+          </a:ln>
+        </p:spPr>
+        <p:style>
+          <a:lnRef idx="2">
+            <a:schemeClr val="accent1">
+              <a:shade val="50000"/>
+            </a:schemeClr>
+          </a:lnRef>
+          <a:fillRef idx="1">
+            <a:schemeClr val="accent1"/>
+          </a:fillRef>
+          <a:effectRef idx="0">
+            <a:schemeClr val="accent1"/>
+          </a:effectRef>
+          <a:fontRef idx="minor">
+            <a:schemeClr val="lt1"/>
+          </a:fontRef>
+        </p:style>
+        <p:txBody>
+          <a:bodyPr rtlCol="0" anchor="ctr"/>
+          <a:lstStyle/>
+          <a:p>
+            <a:pPr algn="ctr"/>
+            <a:r>
+              <a:rPr lang="en-US" dirty="0">
+                <a:solidFill>
+                  <a:schemeClr val="tx1"/>
+                </a:solidFill>
+              </a:rPr>
+              <a:t>TCP/IP Apps</a:t>
+            </a:r>
+          </a:p>
+          <a:p>
+            <a:pPr algn="ctr"/>
+            <a:r>
+              <a:rPr lang="en-US" dirty="0">
+                <a:solidFill>
+                  <a:schemeClr val="tx1"/>
+                </a:solidFill>
+              </a:rPr>
+              <a:t>Container </a:t>
+            </a:r>
+            <a:r>
+              <a:rPr lang="en-US" i="1" dirty="0">
+                <a:solidFill>
+                  <a:schemeClr val="tx1"/>
+                </a:solidFill>
+              </a:rPr>
+              <a:t>1</a:t>
+            </a:r>
+          </a:p>
+        </p:txBody>
+      </p:sp>
+      <p:sp>
+        <p:nvSpPr>
+          <p:cNvPr id="14" name="Rectangle 13"/>
+          <p:cNvSpPr/>
+          <p:nvPr/>
+        </p:nvSpPr>
+        <p:spPr>
+          <a:xfrm>
+            <a:off x="2108414" y="1241585"/>
+            <a:ext cx="1342578" cy="640080"/>
+          </a:xfrm>
+          <a:prstGeom prst="rect">
+            <a:avLst/>
+          </a:prstGeom>
+          <a:noFill/>
+          <a:ln w="19050">
+            <a:solidFill>
+              <a:schemeClr val="tx1">
+                <a:lumMod val="75000"/>
+                <a:lumOff val="25000"/>
+              </a:schemeClr>
+            </a:solidFill>
+          </a:ln>
+        </p:spPr>
+        <p:style>
+          <a:lnRef idx="2">
+            <a:schemeClr val="accent1">
+              <a:shade val="50000"/>
+            </a:schemeClr>
+          </a:lnRef>
+          <a:fillRef idx="1">
+            <a:schemeClr val="accent1"/>
+          </a:fillRef>
+          <a:effectRef idx="0">
+            <a:schemeClr val="accent1"/>
+          </a:effectRef>
+          <a:fontRef idx="minor">
+            <a:schemeClr val="lt1"/>
+          </a:fontRef>
+        </p:style>
+        <p:txBody>
+          <a:bodyPr rtlCol="0" anchor="ctr"/>
+          <a:lstStyle/>
+          <a:p>
+            <a:pPr algn="ctr"/>
+            <a:r>
+              <a:rPr lang="en-US" dirty="0">
+                <a:solidFill>
+                  <a:schemeClr val="tx1"/>
+                </a:solidFill>
+              </a:rPr>
+              <a:t>RDMA Apps</a:t>
+            </a:r>
+          </a:p>
+          <a:p>
+            <a:pPr algn="ctr"/>
+            <a:r>
+              <a:rPr lang="en-US" dirty="0">
+                <a:solidFill>
+                  <a:schemeClr val="tx1"/>
+                </a:solidFill>
+              </a:rPr>
+              <a:t>Container </a:t>
+            </a:r>
+            <a:r>
+              <a:rPr lang="en-US" i="1" dirty="0">
+                <a:solidFill>
+                  <a:schemeClr val="tx1"/>
+                </a:solidFill>
+              </a:rPr>
+              <a:t>2</a:t>
+            </a:r>
+          </a:p>
+        </p:txBody>
+      </p:sp>
+      <p:sp>
+        <p:nvSpPr>
+          <p:cNvPr id="55" name="TextBox 54"/>
+          <p:cNvSpPr txBox="1"/>
+          <p:nvPr/>
+        </p:nvSpPr>
+        <p:spPr>
+          <a:xfrm>
+            <a:off x="3589869" y="2248634"/>
+            <a:ext cx="999068" cy="646331"/>
+          </a:xfrm>
+          <a:prstGeom prst="rect">
+            <a:avLst/>
+          </a:prstGeom>
+          <a:noFill/>
+        </p:spPr>
+        <p:txBody>
+          <a:bodyPr wrap="square" rtlCol="0">
+            <a:spAutoFit/>
+          </a:bodyPr>
+          <a:lstStyle/>
+          <a:p>
+            <a:pPr algn="ctr"/>
+            <a:r>
+              <a:rPr lang="en-US" dirty="0"/>
+              <a:t>Location Queries</a:t>
+            </a:r>
+          </a:p>
+        </p:txBody>
+      </p:sp>
+      <p:sp>
+        <p:nvSpPr>
+          <p:cNvPr id="62" name="Rectangle 61"/>
+          <p:cNvSpPr/>
+          <p:nvPr/>
+        </p:nvSpPr>
+        <p:spPr>
+          <a:xfrm>
+            <a:off x="5892799" y="1234813"/>
+            <a:ext cx="2099733" cy="640080"/>
+          </a:xfrm>
+          <a:prstGeom prst="rect">
+            <a:avLst/>
+          </a:prstGeom>
+          <a:noFill/>
+          <a:ln w="19050">
+            <a:solidFill>
+              <a:schemeClr val="tx1">
+                <a:lumMod val="75000"/>
+                <a:lumOff val="25000"/>
+              </a:schemeClr>
+            </a:solidFill>
+          </a:ln>
+        </p:spPr>
+        <p:style>
+          <a:lnRef idx="2">
+            <a:schemeClr val="accent1">
+              <a:shade val="50000"/>
+            </a:schemeClr>
+          </a:lnRef>
+          <a:fillRef idx="1">
+            <a:schemeClr val="accent1"/>
+          </a:fillRef>
+          <a:effectRef idx="0">
+            <a:schemeClr val="accent1"/>
+          </a:effectRef>
+          <a:fontRef idx="minor">
+            <a:schemeClr val="lt1"/>
+          </a:fontRef>
+        </p:style>
+        <p:txBody>
+          <a:bodyPr rtlCol="0" anchor="ctr"/>
+          <a:lstStyle/>
+          <a:p>
+            <a:pPr algn="ctr"/>
+            <a:r>
+              <a:rPr lang="en-US" dirty="0">
+                <a:solidFill>
+                  <a:schemeClr val="tx1"/>
+                </a:solidFill>
+              </a:rPr>
+              <a:t>Container </a:t>
+            </a:r>
+            <a:r>
+              <a:rPr lang="en-US" i="1" dirty="0">
+                <a:solidFill>
+                  <a:schemeClr val="tx1"/>
+                </a:solidFill>
+              </a:rPr>
+              <a:t>3</a:t>
+            </a:r>
+          </a:p>
+        </p:txBody>
+      </p:sp>
+      <p:sp>
+        <p:nvSpPr>
+          <p:cNvPr id="53" name="Rectangle 5"/>
+          <p:cNvSpPr/>
+          <p:nvPr/>
+        </p:nvSpPr>
+        <p:spPr>
+          <a:xfrm>
+            <a:off x="617761" y="2576597"/>
+            <a:ext cx="2859916" cy="437744"/>
+          </a:xfrm>
+          <a:prstGeom prst="rect">
+            <a:avLst/>
+          </a:prstGeom>
+          <a:solidFill>
+            <a:schemeClr val="tx2">
+              <a:lumMod val="20000"/>
+              <a:lumOff val="80000"/>
+            </a:schemeClr>
+          </a:solidFill>
+          <a:ln w="19050">
+            <a:solidFill>
+              <a:schemeClr val="tx1">
+                <a:lumMod val="75000"/>
+                <a:lumOff val="25000"/>
+              </a:schemeClr>
+            </a:solidFill>
+          </a:ln>
+        </p:spPr>
+        <p:style>
+          <a:lnRef idx="2">
+            <a:schemeClr val="accent1">
+              <a:shade val="50000"/>
+            </a:schemeClr>
+          </a:lnRef>
+          <a:fillRef idx="1">
+            <a:schemeClr val="accent1"/>
+          </a:fillRef>
+          <a:effectRef idx="0">
+            <a:schemeClr val="accent1"/>
+          </a:effectRef>
+          <a:fontRef idx="minor">
+            <a:schemeClr val="lt1"/>
+          </a:fontRef>
+        </p:style>
+        <p:txBody>
+          <a:bodyPr rtlCol="0" anchor="ctr"/>
+          <a:lstStyle/>
+          <a:p>
+            <a:pPr algn="ctr"/>
+            <a:r>
+              <a:rPr lang="en-US" dirty="0">
+                <a:solidFill>
+                  <a:sysClr val="windowText" lastClr="000000"/>
+                </a:solidFill>
+              </a:rPr>
+              <a:t>Verbs API</a:t>
+            </a:r>
+          </a:p>
+        </p:txBody>
+      </p:sp>
+      <p:sp>
+        <p:nvSpPr>
+          <p:cNvPr id="66" name="Rectangle 5"/>
+          <p:cNvSpPr/>
+          <p:nvPr/>
+        </p:nvSpPr>
+        <p:spPr>
+          <a:xfrm>
+            <a:off x="607347" y="2007238"/>
+            <a:ext cx="1342578" cy="437744"/>
+          </a:xfrm>
+          <a:prstGeom prst="rect">
+            <a:avLst/>
+          </a:prstGeom>
+          <a:solidFill>
+            <a:schemeClr val="tx2">
+              <a:lumMod val="20000"/>
+              <a:lumOff val="80000"/>
+            </a:schemeClr>
+          </a:solidFill>
+          <a:ln w="19050">
+            <a:solidFill>
+              <a:schemeClr val="tx1">
+                <a:lumMod val="75000"/>
+                <a:lumOff val="25000"/>
+              </a:schemeClr>
+            </a:solidFill>
+          </a:ln>
+        </p:spPr>
+        <p:style>
+          <a:lnRef idx="2">
+            <a:schemeClr val="accent1">
+              <a:shade val="50000"/>
+            </a:schemeClr>
+          </a:lnRef>
+          <a:fillRef idx="1">
+            <a:schemeClr val="accent1"/>
+          </a:fillRef>
+          <a:effectRef idx="0">
+            <a:schemeClr val="accent1"/>
+          </a:effectRef>
+          <a:fontRef idx="minor">
+            <a:schemeClr val="lt1"/>
+          </a:fontRef>
+        </p:style>
+        <p:txBody>
+          <a:bodyPr rtlCol="0" anchor="ctr"/>
+          <a:lstStyle/>
+          <a:p>
+            <a:pPr algn="ctr"/>
+            <a:r>
+              <a:rPr lang="en-US" dirty="0">
+                <a:solidFill>
+                  <a:sysClr val="windowText" lastClr="000000"/>
+                </a:solidFill>
+              </a:rPr>
+              <a:t>IP to Verbs </a:t>
+            </a:r>
+          </a:p>
+        </p:txBody>
+      </p:sp>
+      <p:cxnSp>
+        <p:nvCxnSpPr>
+          <p:cNvPr id="67" name="Straight Connector 26"/>
+          <p:cNvCxnSpPr/>
+          <p:nvPr/>
+        </p:nvCxnSpPr>
+        <p:spPr>
+          <a:xfrm>
+            <a:off x="1289046" y="1878454"/>
+            <a:ext cx="0" cy="137160"/>
+          </a:xfrm>
+          <a:prstGeom prst="line">
+            <a:avLst/>
+          </a:prstGeom>
+          <a:ln w="19050">
+            <a:solidFill>
+              <a:schemeClr val="tx1"/>
+            </a:solidFill>
+            <a:headEnd type="none"/>
+            <a:tailEnd type="arrow"/>
+          </a:ln>
+        </p:spPr>
+        <p:style>
+          <a:lnRef idx="1">
+            <a:schemeClr val="accent1"/>
+          </a:lnRef>
+          <a:fillRef idx="0">
+            <a:schemeClr val="accent1"/>
+          </a:fillRef>
+          <a:effectRef idx="0">
+            <a:schemeClr val="accent1"/>
+          </a:effectRef>
+          <a:fontRef idx="minor">
+            <a:schemeClr val="tx1"/>
+          </a:fontRef>
+        </p:style>
+      </p:cxnSp>
+      <p:cxnSp>
+        <p:nvCxnSpPr>
+          <p:cNvPr id="68" name="Straight Connector 26"/>
+          <p:cNvCxnSpPr/>
+          <p:nvPr/>
+        </p:nvCxnSpPr>
+        <p:spPr>
+          <a:xfrm>
+            <a:off x="2765325" y="1869218"/>
+            <a:ext cx="0" cy="685800"/>
+          </a:xfrm>
+          <a:prstGeom prst="line">
+            <a:avLst/>
+          </a:prstGeom>
+          <a:ln w="19050">
+            <a:solidFill>
+              <a:schemeClr val="tx1"/>
+            </a:solidFill>
+            <a:headEnd type="none"/>
+            <a:tailEnd type="arrow"/>
+          </a:ln>
+        </p:spPr>
+        <p:style>
+          <a:lnRef idx="1">
+            <a:schemeClr val="accent1"/>
+          </a:lnRef>
+          <a:fillRef idx="0">
+            <a:schemeClr val="accent1"/>
+          </a:fillRef>
+          <a:effectRef idx="0">
+            <a:schemeClr val="accent1"/>
+          </a:effectRef>
+          <a:fontRef idx="minor">
+            <a:schemeClr val="tx1"/>
+          </a:fontRef>
+        </p:style>
+      </p:cxnSp>
+      <p:sp>
+        <p:nvSpPr>
+          <p:cNvPr id="69" name="Rectangle 5"/>
+          <p:cNvSpPr/>
+          <p:nvPr/>
+        </p:nvSpPr>
+        <p:spPr>
+          <a:xfrm>
+            <a:off x="623918" y="3442677"/>
+            <a:ext cx="2859916" cy="437744"/>
+          </a:xfrm>
+          <a:prstGeom prst="rect">
+            <a:avLst/>
+          </a:prstGeom>
+          <a:solidFill>
+            <a:schemeClr val="tx2">
+              <a:lumMod val="20000"/>
+              <a:lumOff val="80000"/>
+            </a:schemeClr>
+          </a:solidFill>
+          <a:ln w="19050">
+            <a:solidFill>
+              <a:schemeClr val="tx1">
+                <a:lumMod val="75000"/>
+                <a:lumOff val="25000"/>
+              </a:schemeClr>
+            </a:solidFill>
+          </a:ln>
+        </p:spPr>
+        <p:style>
+          <a:lnRef idx="2">
+            <a:schemeClr val="accent1">
+              <a:shade val="50000"/>
+            </a:schemeClr>
+          </a:lnRef>
+          <a:fillRef idx="1">
+            <a:schemeClr val="accent1"/>
+          </a:fillRef>
+          <a:effectRef idx="0">
+            <a:schemeClr val="accent1"/>
+          </a:effectRef>
+          <a:fontRef idx="minor">
+            <a:schemeClr val="lt1"/>
+          </a:fontRef>
+        </p:style>
+        <p:txBody>
+          <a:bodyPr rtlCol="0" anchor="ctr"/>
+          <a:lstStyle/>
+          <a:p>
+            <a:pPr algn="ctr"/>
+            <a:r>
+              <a:rPr lang="en-US" dirty="0">
+                <a:solidFill>
+                  <a:sysClr val="windowText" lastClr="000000"/>
+                </a:solidFill>
+              </a:rPr>
+              <a:t>Container Locator</a:t>
+            </a:r>
+          </a:p>
+        </p:txBody>
+      </p:sp>
+      <p:cxnSp>
+        <p:nvCxnSpPr>
+          <p:cNvPr id="71" name="Straight Connector 26"/>
+          <p:cNvCxnSpPr/>
+          <p:nvPr/>
+        </p:nvCxnSpPr>
+        <p:spPr>
+          <a:xfrm>
+            <a:off x="2078755" y="3045571"/>
+            <a:ext cx="0" cy="365760"/>
+          </a:xfrm>
+          <a:prstGeom prst="line">
+            <a:avLst/>
+          </a:prstGeom>
+          <a:ln w="19050">
+            <a:solidFill>
+              <a:schemeClr val="tx1"/>
+            </a:solidFill>
+            <a:headEnd type="none"/>
+            <a:tailEnd type="arrow"/>
+          </a:ln>
+        </p:spPr>
+        <p:style>
+          <a:lnRef idx="1">
+            <a:schemeClr val="accent1"/>
+          </a:lnRef>
+          <a:fillRef idx="0">
+            <a:schemeClr val="accent1"/>
+          </a:fillRef>
+          <a:effectRef idx="0">
+            <a:schemeClr val="accent1"/>
+          </a:effectRef>
+          <a:fontRef idx="minor">
+            <a:schemeClr val="tx1"/>
+          </a:fontRef>
+        </p:style>
+      </p:cxnSp>
+      <p:cxnSp>
+        <p:nvCxnSpPr>
+          <p:cNvPr id="73" name="Straight Connector 26"/>
+          <p:cNvCxnSpPr/>
+          <p:nvPr/>
+        </p:nvCxnSpPr>
+        <p:spPr>
+          <a:xfrm>
+            <a:off x="1286225" y="2440073"/>
+            <a:ext cx="0" cy="137160"/>
+          </a:xfrm>
+          <a:prstGeom prst="line">
+            <a:avLst/>
+          </a:prstGeom>
+          <a:ln w="19050">
+            <a:solidFill>
+              <a:schemeClr val="tx1"/>
+            </a:solidFill>
+            <a:headEnd type="none"/>
+            <a:tailEnd type="arrow"/>
+          </a:ln>
+        </p:spPr>
+        <p:style>
+          <a:lnRef idx="1">
+            <a:schemeClr val="accent1"/>
+          </a:lnRef>
+          <a:fillRef idx="0">
+            <a:schemeClr val="accent1"/>
+          </a:fillRef>
+          <a:effectRef idx="0">
+            <a:schemeClr val="accent1"/>
+          </a:effectRef>
+          <a:fontRef idx="minor">
+            <a:schemeClr val="tx1"/>
+          </a:fontRef>
+        </p:style>
+      </p:cxnSp>
+      <p:sp>
+        <p:nvSpPr>
+          <p:cNvPr id="74" name="Rectangle 5"/>
+          <p:cNvSpPr/>
+          <p:nvPr/>
+        </p:nvSpPr>
+        <p:spPr>
+          <a:xfrm>
+            <a:off x="621096" y="4308757"/>
+            <a:ext cx="2859916" cy="437744"/>
+          </a:xfrm>
+          <a:prstGeom prst="rect">
+            <a:avLst/>
+          </a:prstGeom>
+          <a:solidFill>
+            <a:schemeClr val="tx2">
+              <a:lumMod val="20000"/>
+              <a:lumOff val="80000"/>
+            </a:schemeClr>
+          </a:solidFill>
+          <a:ln w="19050">
+            <a:solidFill>
+              <a:schemeClr val="tx1">
+                <a:lumMod val="75000"/>
+                <a:lumOff val="25000"/>
+              </a:schemeClr>
+            </a:solidFill>
+          </a:ln>
+        </p:spPr>
+        <p:style>
+          <a:lnRef idx="2">
+            <a:schemeClr val="accent1">
+              <a:shade val="50000"/>
+            </a:schemeClr>
+          </a:lnRef>
+          <a:fillRef idx="1">
+            <a:schemeClr val="accent1"/>
+          </a:fillRef>
+          <a:effectRef idx="0">
+            <a:schemeClr val="accent1"/>
+          </a:effectRef>
+          <a:fontRef idx="minor">
+            <a:schemeClr val="lt1"/>
+          </a:fontRef>
+        </p:style>
+        <p:txBody>
+          <a:bodyPr rtlCol="0" anchor="ctr"/>
+          <a:lstStyle/>
+          <a:p>
+            <a:pPr algn="ctr"/>
+            <a:r>
+              <a:rPr lang="en-US" dirty="0">
+                <a:solidFill>
+                  <a:sysClr val="windowText" lastClr="000000"/>
+                </a:solidFill>
+              </a:rPr>
+              <a:t>Virtualized NIC</a:t>
+            </a:r>
+          </a:p>
+        </p:txBody>
+      </p:sp>
+      <p:sp>
+        <p:nvSpPr>
+          <p:cNvPr id="76" name="Rectangle 5"/>
+          <p:cNvSpPr/>
+          <p:nvPr/>
+        </p:nvSpPr>
+        <p:spPr>
+          <a:xfrm>
+            <a:off x="4032828" y="2891011"/>
+            <a:ext cx="1342578" cy="457200"/>
+          </a:xfrm>
+          <a:prstGeom prst="rect">
+            <a:avLst/>
+          </a:prstGeom>
+          <a:solidFill>
+            <a:srgbClr val="FFFFFF"/>
+          </a:solidFill>
+          <a:ln w="19050">
+            <a:solidFill>
+              <a:schemeClr val="tx1">
+                <a:lumMod val="75000"/>
+                <a:lumOff val="25000"/>
+              </a:schemeClr>
+            </a:solidFill>
+          </a:ln>
+        </p:spPr>
+        <p:style>
+          <a:lnRef idx="2">
+            <a:schemeClr val="accent1">
+              <a:shade val="50000"/>
+            </a:schemeClr>
+          </a:lnRef>
+          <a:fillRef idx="1">
+            <a:schemeClr val="accent1"/>
+          </a:fillRef>
+          <a:effectRef idx="0">
+            <a:schemeClr val="accent1"/>
+          </a:effectRef>
+          <a:fontRef idx="minor">
+            <a:schemeClr val="lt1"/>
+          </a:fontRef>
+        </p:style>
+        <p:txBody>
+          <a:bodyPr rtlCol="0" anchor="ctr"/>
+          <a:lstStyle/>
+          <a:p>
+            <a:pPr algn="ctr"/>
+            <a:r>
+              <a:rPr lang="en-US" dirty="0" err="1">
+                <a:solidFill>
+                  <a:sysClr val="windowText" lastClr="000000"/>
+                </a:solidFill>
+              </a:rPr>
+              <a:t>Mesos</a:t>
+            </a:r>
+            <a:endParaRPr lang="en-US" dirty="0">
+              <a:solidFill>
+                <a:sysClr val="windowText" lastClr="000000"/>
+              </a:solidFill>
+            </a:endParaRPr>
+          </a:p>
+        </p:txBody>
+      </p:sp>
+      <p:sp>
+        <p:nvSpPr>
+          <p:cNvPr id="77" name="Rectangle 5"/>
+          <p:cNvSpPr/>
+          <p:nvPr/>
+        </p:nvSpPr>
+        <p:spPr>
+          <a:xfrm>
+            <a:off x="4044117" y="3430056"/>
+            <a:ext cx="1342578" cy="457200"/>
+          </a:xfrm>
+          <a:prstGeom prst="rect">
+            <a:avLst/>
+          </a:prstGeom>
+          <a:solidFill>
+            <a:srgbClr val="FFFFFF"/>
+          </a:solidFill>
+          <a:ln w="19050">
+            <a:solidFill>
+              <a:schemeClr val="tx1">
+                <a:lumMod val="75000"/>
+                <a:lumOff val="25000"/>
+              </a:schemeClr>
+            </a:solidFill>
+          </a:ln>
+        </p:spPr>
+        <p:style>
+          <a:lnRef idx="2">
+            <a:schemeClr val="accent1">
+              <a:shade val="50000"/>
+            </a:schemeClr>
+          </a:lnRef>
+          <a:fillRef idx="1">
+            <a:schemeClr val="accent1"/>
+          </a:fillRef>
+          <a:effectRef idx="0">
+            <a:schemeClr val="accent1"/>
+          </a:effectRef>
+          <a:fontRef idx="minor">
+            <a:schemeClr val="lt1"/>
+          </a:fontRef>
+        </p:style>
+        <p:txBody>
+          <a:bodyPr rtlCol="0" anchor="ctr"/>
+          <a:lstStyle/>
+          <a:p>
+            <a:pPr algn="ctr">
+              <a:lnSpc>
+                <a:spcPct val="80000"/>
+              </a:lnSpc>
+            </a:pPr>
+            <a:r>
+              <a:rPr lang="en-US" dirty="0">
+                <a:solidFill>
+                  <a:sysClr val="windowText" lastClr="000000"/>
+                </a:solidFill>
+              </a:rPr>
+              <a:t>Fabric Controller</a:t>
+            </a:r>
+          </a:p>
+        </p:txBody>
+      </p:sp>
+      <p:sp>
+        <p:nvSpPr>
+          <p:cNvPr id="80" name="Rectangle 5"/>
+          <p:cNvSpPr/>
+          <p:nvPr/>
+        </p:nvSpPr>
+        <p:spPr>
+          <a:xfrm>
+            <a:off x="618274" y="5174838"/>
+            <a:ext cx="2859916" cy="437744"/>
+          </a:xfrm>
+          <a:prstGeom prst="rect">
+            <a:avLst/>
+          </a:prstGeom>
+          <a:solidFill>
+            <a:schemeClr val="tx2">
+              <a:lumMod val="20000"/>
+              <a:lumOff val="80000"/>
+            </a:schemeClr>
+          </a:solidFill>
+          <a:ln w="19050">
+            <a:solidFill>
+              <a:schemeClr val="tx1">
+                <a:lumMod val="75000"/>
+                <a:lumOff val="25000"/>
+              </a:schemeClr>
+            </a:solidFill>
+          </a:ln>
+        </p:spPr>
+        <p:style>
+          <a:lnRef idx="2">
+            <a:schemeClr val="accent1">
+              <a:shade val="50000"/>
+            </a:schemeClr>
+          </a:lnRef>
+          <a:fillRef idx="1">
+            <a:schemeClr val="accent1"/>
+          </a:fillRef>
+          <a:effectRef idx="0">
+            <a:schemeClr val="accent1"/>
+          </a:effectRef>
+          <a:fontRef idx="minor">
+            <a:schemeClr val="lt1"/>
+          </a:fontRef>
+        </p:style>
+        <p:txBody>
+          <a:bodyPr rtlCol="0" anchor="ctr"/>
+          <a:lstStyle/>
+          <a:p>
+            <a:pPr algn="ctr"/>
+            <a:r>
+              <a:rPr lang="en-US" dirty="0">
+                <a:solidFill>
+                  <a:sysClr val="windowText" lastClr="000000"/>
+                </a:solidFill>
+              </a:rPr>
+              <a:t>NIC</a:t>
+            </a:r>
+          </a:p>
+        </p:txBody>
+      </p:sp>
+      <p:sp>
+        <p:nvSpPr>
+          <p:cNvPr id="82" name="Rectangle 5"/>
+          <p:cNvSpPr/>
+          <p:nvPr/>
+        </p:nvSpPr>
+        <p:spPr>
+          <a:xfrm>
+            <a:off x="5900961" y="2576598"/>
+            <a:ext cx="2103120" cy="437744"/>
+          </a:xfrm>
+          <a:prstGeom prst="rect">
+            <a:avLst/>
+          </a:prstGeom>
+          <a:solidFill>
+            <a:schemeClr val="tx2">
+              <a:lumMod val="20000"/>
+              <a:lumOff val="80000"/>
+            </a:schemeClr>
+          </a:solidFill>
+          <a:ln w="19050">
+            <a:solidFill>
+              <a:schemeClr val="tx1">
+                <a:lumMod val="75000"/>
+                <a:lumOff val="25000"/>
+              </a:schemeClr>
+            </a:solidFill>
+          </a:ln>
+        </p:spPr>
+        <p:style>
+          <a:lnRef idx="2">
+            <a:schemeClr val="accent1">
+              <a:shade val="50000"/>
+            </a:schemeClr>
+          </a:lnRef>
+          <a:fillRef idx="1">
+            <a:schemeClr val="accent1"/>
+          </a:fillRef>
+          <a:effectRef idx="0">
+            <a:schemeClr val="accent1"/>
+          </a:effectRef>
+          <a:fontRef idx="minor">
+            <a:schemeClr val="lt1"/>
+          </a:fontRef>
+        </p:style>
+        <p:txBody>
+          <a:bodyPr rtlCol="0" anchor="ctr"/>
+          <a:lstStyle/>
+          <a:p>
+            <a:pPr algn="ctr"/>
+            <a:r>
+              <a:rPr lang="en-US" dirty="0">
+                <a:solidFill>
+                  <a:sysClr val="windowText" lastClr="000000"/>
+                </a:solidFill>
+              </a:rPr>
+              <a:t>Verbs API</a:t>
+            </a:r>
+          </a:p>
+        </p:txBody>
+      </p:sp>
+      <p:sp>
+        <p:nvSpPr>
+          <p:cNvPr id="83" name="Rectangle 5"/>
+          <p:cNvSpPr/>
+          <p:nvPr/>
+        </p:nvSpPr>
+        <p:spPr>
+          <a:xfrm>
+            <a:off x="5907118" y="3442678"/>
+            <a:ext cx="2103120" cy="437744"/>
+          </a:xfrm>
+          <a:prstGeom prst="rect">
+            <a:avLst/>
+          </a:prstGeom>
+          <a:solidFill>
+            <a:schemeClr val="tx2">
+              <a:lumMod val="20000"/>
+              <a:lumOff val="80000"/>
+            </a:schemeClr>
+          </a:solidFill>
+          <a:ln w="19050">
+            <a:solidFill>
+              <a:schemeClr val="tx1">
+                <a:lumMod val="75000"/>
+                <a:lumOff val="25000"/>
+              </a:schemeClr>
+            </a:solidFill>
+          </a:ln>
+        </p:spPr>
+        <p:style>
+          <a:lnRef idx="2">
+            <a:schemeClr val="accent1">
+              <a:shade val="50000"/>
+            </a:schemeClr>
+          </a:lnRef>
+          <a:fillRef idx="1">
+            <a:schemeClr val="accent1"/>
+          </a:fillRef>
+          <a:effectRef idx="0">
+            <a:schemeClr val="accent1"/>
+          </a:effectRef>
+          <a:fontRef idx="minor">
+            <a:schemeClr val="lt1"/>
+          </a:fontRef>
+        </p:style>
+        <p:txBody>
+          <a:bodyPr rtlCol="0" anchor="ctr"/>
+          <a:lstStyle/>
+          <a:p>
+            <a:pPr algn="ctr"/>
+            <a:r>
+              <a:rPr lang="en-US" dirty="0">
+                <a:solidFill>
+                  <a:sysClr val="windowText" lastClr="000000"/>
+                </a:solidFill>
+              </a:rPr>
+              <a:t>Container Locator</a:t>
+            </a:r>
+          </a:p>
+        </p:txBody>
+      </p:sp>
+      <p:sp>
+        <p:nvSpPr>
+          <p:cNvPr id="85" name="Rectangle 5"/>
+          <p:cNvSpPr/>
+          <p:nvPr/>
+        </p:nvSpPr>
+        <p:spPr>
+          <a:xfrm>
+            <a:off x="5904296" y="4308758"/>
+            <a:ext cx="2103120" cy="437744"/>
+          </a:xfrm>
+          <a:prstGeom prst="rect">
+            <a:avLst/>
+          </a:prstGeom>
+          <a:solidFill>
+            <a:schemeClr val="tx2">
+              <a:lumMod val="20000"/>
+              <a:lumOff val="80000"/>
+            </a:schemeClr>
+          </a:solidFill>
+          <a:ln w="19050">
+            <a:solidFill>
+              <a:schemeClr val="tx1">
+                <a:lumMod val="75000"/>
+                <a:lumOff val="25000"/>
+              </a:schemeClr>
+            </a:solidFill>
+          </a:ln>
+        </p:spPr>
+        <p:style>
+          <a:lnRef idx="2">
+            <a:schemeClr val="accent1">
+              <a:shade val="50000"/>
+            </a:schemeClr>
+          </a:lnRef>
+          <a:fillRef idx="1">
+            <a:schemeClr val="accent1"/>
+          </a:fillRef>
+          <a:effectRef idx="0">
+            <a:schemeClr val="accent1"/>
+          </a:effectRef>
+          <a:fontRef idx="minor">
+            <a:schemeClr val="lt1"/>
+          </a:fontRef>
+        </p:style>
+        <p:txBody>
+          <a:bodyPr rtlCol="0" anchor="ctr"/>
+          <a:lstStyle/>
+          <a:p>
+            <a:pPr algn="ctr"/>
+            <a:r>
+              <a:rPr lang="en-US" dirty="0">
+                <a:solidFill>
+                  <a:sysClr val="windowText" lastClr="000000"/>
+                </a:solidFill>
+              </a:rPr>
+              <a:t>Virtualized NIC</a:t>
+            </a:r>
+          </a:p>
+        </p:txBody>
+      </p:sp>
+      <p:sp>
+        <p:nvSpPr>
+          <p:cNvPr id="86" name="Rectangle 5"/>
+          <p:cNvSpPr/>
+          <p:nvPr/>
+        </p:nvSpPr>
+        <p:spPr>
+          <a:xfrm>
+            <a:off x="5901474" y="5174839"/>
+            <a:ext cx="2103120" cy="437744"/>
+          </a:xfrm>
+          <a:prstGeom prst="rect">
+            <a:avLst/>
+          </a:prstGeom>
+          <a:solidFill>
+            <a:schemeClr val="tx2">
+              <a:lumMod val="20000"/>
+              <a:lumOff val="80000"/>
+            </a:schemeClr>
+          </a:solidFill>
+          <a:ln w="19050">
+            <a:solidFill>
+              <a:schemeClr val="tx1">
+                <a:lumMod val="75000"/>
+                <a:lumOff val="25000"/>
+              </a:schemeClr>
+            </a:solidFill>
+          </a:ln>
+        </p:spPr>
+        <p:style>
+          <a:lnRef idx="2">
+            <a:schemeClr val="accent1">
+              <a:shade val="50000"/>
+            </a:schemeClr>
+          </a:lnRef>
+          <a:fillRef idx="1">
+            <a:schemeClr val="accent1"/>
+          </a:fillRef>
+          <a:effectRef idx="0">
+            <a:schemeClr val="accent1"/>
+          </a:effectRef>
+          <a:fontRef idx="minor">
+            <a:schemeClr val="lt1"/>
+          </a:fontRef>
+        </p:style>
+        <p:txBody>
+          <a:bodyPr rtlCol="0" anchor="ctr"/>
+          <a:lstStyle/>
+          <a:p>
+            <a:pPr algn="ctr"/>
+            <a:r>
+              <a:rPr lang="en-US" dirty="0">
+                <a:solidFill>
+                  <a:sysClr val="windowText" lastClr="000000"/>
+                </a:solidFill>
+              </a:rPr>
+              <a:t>NIC</a:t>
+            </a:r>
+          </a:p>
+        </p:txBody>
+      </p:sp>
+      <p:sp>
+        <p:nvSpPr>
+          <p:cNvPr id="87" name="TextBox 54"/>
+          <p:cNvSpPr txBox="1"/>
+          <p:nvPr/>
+        </p:nvSpPr>
+        <p:spPr>
+          <a:xfrm>
+            <a:off x="3843864" y="4111301"/>
+            <a:ext cx="2262629" cy="369332"/>
+          </a:xfrm>
+          <a:prstGeom prst="rect">
+            <a:avLst/>
+          </a:prstGeom>
+          <a:noFill/>
+        </p:spPr>
+        <p:txBody>
+          <a:bodyPr wrap="square" rtlCol="0">
+            <a:spAutoFit/>
+          </a:bodyPr>
+          <a:lstStyle/>
+          <a:p>
+            <a:r>
+              <a:rPr lang="en-US" dirty="0"/>
+              <a:t>Shared Memory</a:t>
+            </a:r>
+          </a:p>
+        </p:txBody>
+      </p:sp>
+      <p:cxnSp>
+        <p:nvCxnSpPr>
+          <p:cNvPr id="89" name="Straight Connector 26"/>
+          <p:cNvCxnSpPr>
+            <a:stCxn id="69" idx="3"/>
+            <a:endCxn id="77" idx="1"/>
+          </p:cNvCxnSpPr>
+          <p:nvPr/>
+        </p:nvCxnSpPr>
+        <p:spPr>
+          <a:xfrm flipV="1">
+            <a:off x="3483834" y="3658656"/>
+            <a:ext cx="560283" cy="2893"/>
+          </a:xfrm>
+          <a:prstGeom prst="line">
+            <a:avLst/>
+          </a:prstGeom>
+          <a:ln w="28575" cmpd="sng">
+            <a:solidFill>
+              <a:schemeClr val="tx1"/>
+            </a:solidFill>
+            <a:prstDash val="dash"/>
+            <a:headEnd type="none"/>
+            <a:tailEnd type="arrow"/>
+          </a:ln>
+        </p:spPr>
+        <p:style>
+          <a:lnRef idx="1">
+            <a:schemeClr val="accent1"/>
+          </a:lnRef>
+          <a:fillRef idx="0">
+            <a:schemeClr val="accent1"/>
+          </a:fillRef>
+          <a:effectRef idx="0">
+            <a:schemeClr val="accent1"/>
+          </a:effectRef>
+          <a:fontRef idx="minor">
+            <a:schemeClr val="tx1"/>
+          </a:fontRef>
+        </p:style>
+      </p:cxnSp>
+      <p:cxnSp>
+        <p:nvCxnSpPr>
+          <p:cNvPr id="90" name="Straight Connector 26"/>
+          <p:cNvCxnSpPr/>
+          <p:nvPr/>
+        </p:nvCxnSpPr>
+        <p:spPr>
+          <a:xfrm>
+            <a:off x="3501155" y="4518771"/>
+            <a:ext cx="2403141" cy="8859"/>
+          </a:xfrm>
+          <a:prstGeom prst="line">
+            <a:avLst/>
+          </a:prstGeom>
+          <a:ln w="19050">
+            <a:solidFill>
+              <a:schemeClr val="tx1"/>
+            </a:solidFill>
+            <a:headEnd type="none"/>
+            <a:tailEnd type="arrow"/>
+          </a:ln>
+        </p:spPr>
+        <p:style>
+          <a:lnRef idx="1">
+            <a:schemeClr val="accent1"/>
+          </a:lnRef>
+          <a:fillRef idx="0">
+            <a:schemeClr val="accent1"/>
+          </a:fillRef>
+          <a:effectRef idx="0">
+            <a:schemeClr val="accent1"/>
+          </a:effectRef>
+          <a:fontRef idx="minor">
+            <a:schemeClr val="tx1"/>
+          </a:fontRef>
+        </p:style>
+      </p:cxnSp>
+      <p:cxnSp>
+        <p:nvCxnSpPr>
+          <p:cNvPr id="91" name="Straight Connector 26"/>
+          <p:cNvCxnSpPr/>
+          <p:nvPr/>
+        </p:nvCxnSpPr>
+        <p:spPr>
+          <a:xfrm>
+            <a:off x="2061821" y="3892237"/>
+            <a:ext cx="0" cy="365760"/>
+          </a:xfrm>
+          <a:prstGeom prst="line">
+            <a:avLst/>
+          </a:prstGeom>
+          <a:ln w="19050">
+            <a:solidFill>
+              <a:schemeClr val="tx1"/>
+            </a:solidFill>
+            <a:headEnd type="none"/>
+            <a:tailEnd type="arrow"/>
+          </a:ln>
+        </p:spPr>
+        <p:style>
+          <a:lnRef idx="1">
+            <a:schemeClr val="accent1"/>
+          </a:lnRef>
+          <a:fillRef idx="0">
+            <a:schemeClr val="accent1"/>
+          </a:fillRef>
+          <a:effectRef idx="0">
+            <a:schemeClr val="accent1"/>
+          </a:effectRef>
+          <a:fontRef idx="minor">
+            <a:schemeClr val="tx1"/>
+          </a:fontRef>
+        </p:style>
+      </p:cxnSp>
+      <p:cxnSp>
+        <p:nvCxnSpPr>
+          <p:cNvPr id="92" name="Straight Connector 26"/>
+          <p:cNvCxnSpPr/>
+          <p:nvPr/>
+        </p:nvCxnSpPr>
+        <p:spPr>
+          <a:xfrm>
+            <a:off x="2061822" y="4772771"/>
+            <a:ext cx="0" cy="365760"/>
+          </a:xfrm>
+          <a:prstGeom prst="line">
+            <a:avLst/>
+          </a:prstGeom>
+          <a:ln w="19050">
+            <a:solidFill>
+              <a:schemeClr val="tx1"/>
+            </a:solidFill>
+            <a:headEnd type="none"/>
+            <a:tailEnd type="arrow"/>
+          </a:ln>
+        </p:spPr>
+        <p:style>
+          <a:lnRef idx="1">
+            <a:schemeClr val="accent1"/>
+          </a:lnRef>
+          <a:fillRef idx="0">
+            <a:schemeClr val="accent1"/>
+          </a:fillRef>
+          <a:effectRef idx="0">
+            <a:schemeClr val="accent1"/>
+          </a:effectRef>
+          <a:fontRef idx="minor">
+            <a:schemeClr val="tx1"/>
+          </a:fontRef>
+        </p:style>
+      </p:cxnSp>
+      <p:cxnSp>
+        <p:nvCxnSpPr>
+          <p:cNvPr id="93" name="Straight Connector 26"/>
+          <p:cNvCxnSpPr/>
+          <p:nvPr/>
+        </p:nvCxnSpPr>
+        <p:spPr>
+          <a:xfrm>
+            <a:off x="6938622" y="3062504"/>
+            <a:ext cx="0" cy="365760"/>
+          </a:xfrm>
+          <a:prstGeom prst="line">
+            <a:avLst/>
+          </a:prstGeom>
+          <a:ln w="19050">
+            <a:solidFill>
+              <a:schemeClr val="tx1"/>
+            </a:solidFill>
+            <a:headEnd type="arrow"/>
+            <a:tailEnd type="none"/>
+          </a:ln>
+        </p:spPr>
+        <p:style>
+          <a:lnRef idx="1">
+            <a:schemeClr val="accent1"/>
+          </a:lnRef>
+          <a:fillRef idx="0">
+            <a:schemeClr val="accent1"/>
+          </a:fillRef>
+          <a:effectRef idx="0">
+            <a:schemeClr val="accent1"/>
+          </a:effectRef>
+          <a:fontRef idx="minor">
+            <a:schemeClr val="tx1"/>
+          </a:fontRef>
+        </p:style>
+      </p:cxnSp>
+      <p:cxnSp>
+        <p:nvCxnSpPr>
+          <p:cNvPr id="94" name="Straight Connector 26"/>
+          <p:cNvCxnSpPr/>
+          <p:nvPr/>
+        </p:nvCxnSpPr>
+        <p:spPr>
+          <a:xfrm>
+            <a:off x="6921688" y="3909170"/>
+            <a:ext cx="0" cy="365760"/>
+          </a:xfrm>
+          <a:prstGeom prst="line">
+            <a:avLst/>
+          </a:prstGeom>
+          <a:ln w="19050">
+            <a:solidFill>
+              <a:schemeClr val="tx1"/>
+            </a:solidFill>
+            <a:headEnd type="arrow"/>
+            <a:tailEnd type="none"/>
+          </a:ln>
+        </p:spPr>
+        <p:style>
+          <a:lnRef idx="1">
+            <a:schemeClr val="accent1"/>
+          </a:lnRef>
+          <a:fillRef idx="0">
+            <a:schemeClr val="accent1"/>
+          </a:fillRef>
+          <a:effectRef idx="0">
+            <a:schemeClr val="accent1"/>
+          </a:effectRef>
+          <a:fontRef idx="minor">
+            <a:schemeClr val="tx1"/>
+          </a:fontRef>
+        </p:style>
+      </p:cxnSp>
+      <p:cxnSp>
+        <p:nvCxnSpPr>
+          <p:cNvPr id="95" name="Straight Connector 26"/>
+          <p:cNvCxnSpPr/>
+          <p:nvPr/>
+        </p:nvCxnSpPr>
+        <p:spPr>
+          <a:xfrm>
+            <a:off x="6921689" y="4789704"/>
+            <a:ext cx="0" cy="365760"/>
+          </a:xfrm>
+          <a:prstGeom prst="line">
+            <a:avLst/>
+          </a:prstGeom>
+          <a:ln w="19050">
+            <a:solidFill>
+              <a:schemeClr val="tx1"/>
+            </a:solidFill>
+            <a:headEnd type="arrow"/>
+            <a:tailEnd type="none"/>
+          </a:ln>
+        </p:spPr>
+        <p:style>
+          <a:lnRef idx="1">
+            <a:schemeClr val="accent1"/>
+          </a:lnRef>
+          <a:fillRef idx="0">
+            <a:schemeClr val="accent1"/>
+          </a:fillRef>
+          <a:effectRef idx="0">
+            <a:schemeClr val="accent1"/>
+          </a:effectRef>
+          <a:fontRef idx="minor">
+            <a:schemeClr val="tx1"/>
+          </a:fontRef>
+        </p:style>
+      </p:cxnSp>
+      <p:cxnSp>
+        <p:nvCxnSpPr>
+          <p:cNvPr id="96" name="Straight Connector 26"/>
+          <p:cNvCxnSpPr/>
+          <p:nvPr/>
+        </p:nvCxnSpPr>
+        <p:spPr>
+          <a:xfrm>
+            <a:off x="3484222" y="5348505"/>
+            <a:ext cx="2403141" cy="8859"/>
+          </a:xfrm>
+          <a:prstGeom prst="line">
+            <a:avLst/>
+          </a:prstGeom>
+          <a:ln w="19050">
+            <a:solidFill>
+              <a:schemeClr val="tx1"/>
+            </a:solidFill>
+            <a:headEnd type="none"/>
+            <a:tailEnd type="arrow"/>
+          </a:ln>
+        </p:spPr>
+        <p:style>
+          <a:lnRef idx="1">
+            <a:schemeClr val="accent1"/>
+          </a:lnRef>
+          <a:fillRef idx="0">
+            <a:schemeClr val="accent1"/>
+          </a:fillRef>
+          <a:effectRef idx="0">
+            <a:schemeClr val="accent1"/>
+          </a:effectRef>
+          <a:fontRef idx="minor">
+            <a:schemeClr val="tx1"/>
+          </a:fontRef>
+        </p:style>
+      </p:cxnSp>
+      <p:cxnSp>
+        <p:nvCxnSpPr>
+          <p:cNvPr id="97" name="Straight Connector 26"/>
+          <p:cNvCxnSpPr/>
+          <p:nvPr/>
+        </p:nvCxnSpPr>
+        <p:spPr>
+          <a:xfrm>
+            <a:off x="6947858" y="1886151"/>
+            <a:ext cx="0" cy="685800"/>
+          </a:xfrm>
+          <a:prstGeom prst="line">
+            <a:avLst/>
+          </a:prstGeom>
+          <a:ln w="19050">
+            <a:solidFill>
+              <a:schemeClr val="tx1"/>
+            </a:solidFill>
+            <a:headEnd type="arrow"/>
+            <a:tailEnd type="none"/>
+          </a:ln>
+        </p:spPr>
+        <p:style>
+          <a:lnRef idx="1">
+            <a:schemeClr val="accent1"/>
+          </a:lnRef>
+          <a:fillRef idx="0">
+            <a:schemeClr val="accent1"/>
+          </a:fillRef>
+          <a:effectRef idx="0">
+            <a:schemeClr val="accent1"/>
+          </a:effectRef>
+          <a:fontRef idx="minor">
+            <a:schemeClr val="tx1"/>
+          </a:fontRef>
+        </p:style>
+      </p:cxnSp>
+      <p:cxnSp>
+        <p:nvCxnSpPr>
+          <p:cNvPr id="98" name="Straight Connector 26"/>
+          <p:cNvCxnSpPr>
+            <a:stCxn id="69" idx="3"/>
+            <a:endCxn id="76" idx="1"/>
+          </p:cNvCxnSpPr>
+          <p:nvPr/>
+        </p:nvCxnSpPr>
+        <p:spPr>
+          <a:xfrm flipV="1">
+            <a:off x="3483834" y="3119611"/>
+            <a:ext cx="548994" cy="541938"/>
+          </a:xfrm>
+          <a:prstGeom prst="bentConnector3">
+            <a:avLst>
+              <a:gd name="adj1" fmla="val 50000"/>
+            </a:avLst>
+          </a:prstGeom>
+          <a:ln w="28575" cmpd="sng">
+            <a:solidFill>
+              <a:schemeClr val="tx1"/>
+            </a:solidFill>
+            <a:prstDash val="dash"/>
+            <a:headEnd type="none"/>
+            <a:tailEnd type="arrow"/>
+          </a:ln>
+        </p:spPr>
+        <p:style>
+          <a:lnRef idx="1">
+            <a:schemeClr val="accent1"/>
+          </a:lnRef>
+          <a:fillRef idx="0">
+            <a:schemeClr val="accent1"/>
+          </a:fillRef>
+          <a:effectRef idx="0">
+            <a:schemeClr val="accent1"/>
+          </a:effectRef>
+          <a:fontRef idx="minor">
+            <a:schemeClr val="tx1"/>
+          </a:fontRef>
+        </p:style>
+      </p:cxnSp>
+      <p:cxnSp>
+        <p:nvCxnSpPr>
+          <p:cNvPr id="32" name="Straight Connector 26"/>
+          <p:cNvCxnSpPr/>
+          <p:nvPr/>
+        </p:nvCxnSpPr>
+        <p:spPr>
+          <a:xfrm>
+            <a:off x="3484225" y="5483972"/>
+            <a:ext cx="2403141" cy="8859"/>
+          </a:xfrm>
+          <a:prstGeom prst="line">
+            <a:avLst/>
+          </a:prstGeom>
+          <a:ln w="19050">
+            <a:solidFill>
+              <a:schemeClr val="tx1"/>
+            </a:solidFill>
+            <a:headEnd type="none"/>
+            <a:tailEnd type="arrow"/>
+          </a:ln>
+        </p:spPr>
+        <p:style>
+          <a:lnRef idx="1">
+            <a:schemeClr val="accent1"/>
+          </a:lnRef>
+          <a:fillRef idx="0">
+            <a:schemeClr val="accent1"/>
+          </a:fillRef>
+          <a:effectRef idx="0">
+            <a:schemeClr val="accent1"/>
+          </a:effectRef>
+          <a:fontRef idx="minor">
+            <a:schemeClr val="tx1"/>
+          </a:fontRef>
+        </p:style>
+      </p:cxnSp>
+      <p:sp>
+        <p:nvSpPr>
+          <p:cNvPr id="33" name="TextBox 54"/>
+          <p:cNvSpPr txBox="1"/>
+          <p:nvPr/>
+        </p:nvSpPr>
+        <p:spPr>
+          <a:xfrm>
+            <a:off x="4267192" y="4890234"/>
+            <a:ext cx="897467" cy="369332"/>
+          </a:xfrm>
+          <a:prstGeom prst="rect">
+            <a:avLst/>
+          </a:prstGeom>
+          <a:noFill/>
+        </p:spPr>
+        <p:txBody>
+          <a:bodyPr wrap="square" rtlCol="0">
+            <a:spAutoFit/>
+          </a:bodyPr>
+          <a:lstStyle/>
+          <a:p>
+            <a:r>
+              <a:rPr lang="en-US" dirty="0"/>
+              <a:t>DPDK</a:t>
+            </a:r>
+          </a:p>
+        </p:txBody>
+      </p:sp>
+      <p:sp>
+        <p:nvSpPr>
+          <p:cNvPr id="34" name="TextBox 54"/>
+          <p:cNvSpPr txBox="1"/>
+          <p:nvPr/>
+        </p:nvSpPr>
+        <p:spPr>
+          <a:xfrm>
+            <a:off x="4216393" y="5550634"/>
+            <a:ext cx="897467" cy="369332"/>
+          </a:xfrm>
+          <a:prstGeom prst="rect">
+            <a:avLst/>
+          </a:prstGeom>
+          <a:noFill/>
+        </p:spPr>
+        <p:txBody>
+          <a:bodyPr wrap="square" rtlCol="0">
+            <a:spAutoFit/>
+          </a:bodyPr>
+          <a:lstStyle/>
+          <a:p>
+            <a:r>
+              <a:rPr lang="en-US" dirty="0"/>
+              <a:t>RDMA</a:t>
+            </a:r>
+          </a:p>
+        </p:txBody>
+      </p:sp>
+    </p:spTree>
+    <p:extLst>
+      <p:ext uri="{BB962C8B-B14F-4D97-AF65-F5344CB8AC3E}">
+        <p14:creationId xmlns:p14="http://schemas.microsoft.com/office/powerpoint/2010/main" val="1164031415"/>
+      </p:ext>
+    </p:extLst>
+  </p:cSld>
+  <p:clrMapOvr>
+    <a:masterClrMapping/>
+  </p:clrMapOvr>
+</p:sld>
+</file>
+
+<file path=ppt/slides/slide11.xml><?xml version="1.0" encoding="utf-8"?>
+<p:sld xmlns:a="http://schemas.openxmlformats.org/drawingml/2006/main" xmlns:r="http://schemas.openxmlformats.org/officeDocument/2006/relationships" xmlns:p="http://schemas.openxmlformats.org/presentationml/2006/main">
+  <p:cSld>
+    <p:spTree>
+      <p:nvGrpSpPr>
+        <p:cNvPr id="1" name=""/>
+        <p:cNvGrpSpPr/>
+        <p:nvPr/>
+      </p:nvGrpSpPr>
+      <p:grpSpPr>
+        <a:xfrm>
+          <a:off x="0" y="0"/>
+          <a:ext cx="0" cy="0"/>
+          <a:chOff x="0" y="0"/>
+          <a:chExt cx="0" cy="0"/>
+        </a:xfrm>
+      </p:grpSpPr>
+      <p:sp>
+        <p:nvSpPr>
           <p:cNvPr id="55" name="TextBox 54"/>
           <p:cNvSpPr txBox="1"/>
           <p:nvPr/>
@@ -3699,6 +5300,794 @@
 </file>
 
 <file path=ppt/slides/slide2.xml><?xml version="1.0" encoding="utf-8"?>
+<p:sld xmlns:a="http://schemas.openxmlformats.org/drawingml/2006/main" xmlns:r="http://schemas.openxmlformats.org/officeDocument/2006/relationships" xmlns:p="http://schemas.openxmlformats.org/presentationml/2006/main">
+  <p:cSld>
+    <p:spTree>
+      <p:nvGrpSpPr>
+        <p:cNvPr id="1" name=""/>
+        <p:cNvGrpSpPr/>
+        <p:nvPr/>
+      </p:nvGrpSpPr>
+      <p:grpSpPr>
+        <a:xfrm>
+          <a:off x="0" y="0"/>
+          <a:ext cx="0" cy="0"/>
+          <a:chOff x="0" y="0"/>
+          <a:chExt cx="0" cy="0"/>
+        </a:xfrm>
+      </p:grpSpPr>
+      <p:cxnSp>
+        <p:nvCxnSpPr>
+          <p:cNvPr id="89" name="Straight Connector 26"/>
+          <p:cNvCxnSpPr/>
+          <p:nvPr/>
+        </p:nvCxnSpPr>
+        <p:spPr>
+          <a:xfrm flipH="1" flipV="1">
+            <a:off x="3837854" y="3433312"/>
+            <a:ext cx="914400" cy="0"/>
+          </a:xfrm>
+          <a:prstGeom prst="line">
+            <a:avLst/>
+          </a:prstGeom>
+          <a:ln w="28575" cmpd="sng">
+            <a:solidFill>
+              <a:srgbClr val="FF0000"/>
+            </a:solidFill>
+            <a:prstDash val="dash"/>
+            <a:headEnd type="none"/>
+            <a:tailEnd type="arrow"/>
+          </a:ln>
+        </p:spPr>
+        <p:style>
+          <a:lnRef idx="1">
+            <a:schemeClr val="accent1"/>
+          </a:lnRef>
+          <a:fillRef idx="0">
+            <a:schemeClr val="accent1"/>
+          </a:fillRef>
+          <a:effectRef idx="0">
+            <a:schemeClr val="accent1"/>
+          </a:effectRef>
+          <a:fontRef idx="minor">
+            <a:schemeClr val="tx1"/>
+          </a:fontRef>
+        </p:style>
+      </p:cxnSp>
+      <p:sp>
+        <p:nvSpPr>
+          <p:cNvPr id="14" name="Rectangle 13"/>
+          <p:cNvSpPr/>
+          <p:nvPr/>
+        </p:nvSpPr>
+        <p:spPr>
+          <a:xfrm>
+            <a:off x="1653659" y="2002200"/>
+            <a:ext cx="2194560" cy="731520"/>
+          </a:xfrm>
+          <a:prstGeom prst="rect">
+            <a:avLst/>
+          </a:prstGeom>
+          <a:noFill/>
+          <a:ln w="19050">
+            <a:solidFill>
+              <a:schemeClr val="tx1">
+                <a:lumMod val="75000"/>
+                <a:lumOff val="25000"/>
+              </a:schemeClr>
+            </a:solidFill>
+          </a:ln>
+        </p:spPr>
+        <p:style>
+          <a:lnRef idx="2">
+            <a:schemeClr val="accent1">
+              <a:shade val="50000"/>
+            </a:schemeClr>
+          </a:lnRef>
+          <a:fillRef idx="1">
+            <a:schemeClr val="accent1"/>
+          </a:fillRef>
+          <a:effectRef idx="0">
+            <a:schemeClr val="accent1"/>
+          </a:effectRef>
+          <a:fontRef idx="minor">
+            <a:schemeClr val="lt1"/>
+          </a:fontRef>
+        </p:style>
+        <p:txBody>
+          <a:bodyPr rtlCol="0" anchor="ctr"/>
+          <a:lstStyle/>
+          <a:p>
+            <a:pPr algn="ctr"/>
+            <a:r>
+              <a:rPr lang="en-US" i="1" dirty="0" smtClean="0">
+                <a:solidFill>
+                  <a:schemeClr val="tx1"/>
+                </a:solidFill>
+              </a:rPr>
+              <a:t>Allocate buffer1;</a:t>
+            </a:r>
+            <a:endParaRPr lang="en-US" i="1" dirty="0">
+              <a:solidFill>
+                <a:schemeClr val="tx1"/>
+              </a:solidFill>
+            </a:endParaRPr>
+          </a:p>
+          <a:p>
+            <a:pPr algn="ctr"/>
+            <a:r>
+              <a:rPr lang="en-US" i="1" dirty="0" smtClean="0">
+                <a:solidFill>
+                  <a:schemeClr val="tx1"/>
+                </a:solidFill>
+              </a:rPr>
+              <a:t>Register to NIC</a:t>
+            </a:r>
+          </a:p>
+        </p:txBody>
+      </p:sp>
+      <p:cxnSp>
+        <p:nvCxnSpPr>
+          <p:cNvPr id="71" name="Straight Connector 26"/>
+          <p:cNvCxnSpPr/>
+          <p:nvPr/>
+        </p:nvCxnSpPr>
+        <p:spPr>
+          <a:xfrm>
+            <a:off x="2726225" y="2725596"/>
+            <a:ext cx="0" cy="301752"/>
+          </a:xfrm>
+          <a:prstGeom prst="line">
+            <a:avLst/>
+          </a:prstGeom>
+          <a:ln w="19050">
+            <a:solidFill>
+              <a:srgbClr val="FF0000"/>
+            </a:solidFill>
+            <a:prstDash val="dash"/>
+            <a:headEnd type="none"/>
+            <a:tailEnd type="arrow"/>
+          </a:ln>
+        </p:spPr>
+        <p:style>
+          <a:lnRef idx="1">
+            <a:schemeClr val="accent1"/>
+          </a:lnRef>
+          <a:fillRef idx="0">
+            <a:schemeClr val="accent1"/>
+          </a:fillRef>
+          <a:effectRef idx="0">
+            <a:schemeClr val="accent1"/>
+          </a:effectRef>
+          <a:fontRef idx="minor">
+            <a:schemeClr val="tx1"/>
+          </a:fontRef>
+        </p:style>
+      </p:cxnSp>
+      <p:sp>
+        <p:nvSpPr>
+          <p:cNvPr id="42" name="Rectangle 13"/>
+          <p:cNvSpPr/>
+          <p:nvPr/>
+        </p:nvSpPr>
+        <p:spPr>
+          <a:xfrm>
+            <a:off x="4775738" y="2002200"/>
+            <a:ext cx="2194560" cy="731520"/>
+          </a:xfrm>
+          <a:prstGeom prst="rect">
+            <a:avLst/>
+          </a:prstGeom>
+          <a:noFill/>
+          <a:ln w="19050">
+            <a:solidFill>
+              <a:schemeClr val="tx1">
+                <a:lumMod val="75000"/>
+                <a:lumOff val="25000"/>
+              </a:schemeClr>
+            </a:solidFill>
+          </a:ln>
+        </p:spPr>
+        <p:style>
+          <a:lnRef idx="2">
+            <a:schemeClr val="accent1">
+              <a:shade val="50000"/>
+            </a:schemeClr>
+          </a:lnRef>
+          <a:fillRef idx="1">
+            <a:schemeClr val="accent1"/>
+          </a:fillRef>
+          <a:effectRef idx="0">
+            <a:schemeClr val="accent1"/>
+          </a:effectRef>
+          <a:fontRef idx="minor">
+            <a:schemeClr val="lt1"/>
+          </a:fontRef>
+        </p:style>
+        <p:txBody>
+          <a:bodyPr rtlCol="0" anchor="ctr"/>
+          <a:lstStyle/>
+          <a:p>
+            <a:pPr algn="ctr"/>
+            <a:r>
+              <a:rPr lang="en-US" altLang="zh-CN" i="1" dirty="0">
+                <a:solidFill>
+                  <a:schemeClr val="tx1"/>
+                </a:solidFill>
+              </a:rPr>
+              <a:t>Allocate </a:t>
+            </a:r>
+            <a:r>
+              <a:rPr lang="en-US" altLang="zh-CN" i="1" dirty="0" smtClean="0">
+                <a:solidFill>
+                  <a:schemeClr val="tx1"/>
+                </a:solidFill>
+              </a:rPr>
+              <a:t>buffer2;</a:t>
+            </a:r>
+            <a:endParaRPr lang="en-US" altLang="zh-CN" i="1" dirty="0">
+              <a:solidFill>
+                <a:schemeClr val="tx1"/>
+              </a:solidFill>
+            </a:endParaRPr>
+          </a:p>
+          <a:p>
+            <a:pPr algn="ctr"/>
+            <a:r>
+              <a:rPr lang="en-US" altLang="zh-CN" i="1" dirty="0">
+                <a:solidFill>
+                  <a:schemeClr val="tx1"/>
+                </a:solidFill>
+              </a:rPr>
+              <a:t>Register to NIC</a:t>
+            </a:r>
+          </a:p>
+        </p:txBody>
+      </p:sp>
+      <p:cxnSp>
+        <p:nvCxnSpPr>
+          <p:cNvPr id="45" name="Straight Connector 26"/>
+          <p:cNvCxnSpPr/>
+          <p:nvPr/>
+        </p:nvCxnSpPr>
+        <p:spPr>
+          <a:xfrm>
+            <a:off x="5848304" y="2725596"/>
+            <a:ext cx="0" cy="301752"/>
+          </a:xfrm>
+          <a:prstGeom prst="line">
+            <a:avLst/>
+          </a:prstGeom>
+          <a:ln w="19050">
+            <a:solidFill>
+              <a:srgbClr val="FF0000"/>
+            </a:solidFill>
+            <a:prstDash val="dash"/>
+            <a:headEnd type="none"/>
+            <a:tailEnd type="arrow"/>
+          </a:ln>
+        </p:spPr>
+        <p:style>
+          <a:lnRef idx="1">
+            <a:schemeClr val="accent1"/>
+          </a:lnRef>
+          <a:fillRef idx="0">
+            <a:schemeClr val="accent1"/>
+          </a:fillRef>
+          <a:effectRef idx="0">
+            <a:schemeClr val="accent1"/>
+          </a:effectRef>
+          <a:fontRef idx="minor">
+            <a:schemeClr val="tx1"/>
+          </a:fontRef>
+        </p:style>
+      </p:cxnSp>
+      <p:sp>
+        <p:nvSpPr>
+          <p:cNvPr id="70" name="TextBox 54"/>
+          <p:cNvSpPr txBox="1"/>
+          <p:nvPr/>
+        </p:nvSpPr>
+        <p:spPr>
+          <a:xfrm>
+            <a:off x="891488" y="2187498"/>
+            <a:ext cx="749908" cy="346249"/>
+          </a:xfrm>
+          <a:prstGeom prst="rect">
+            <a:avLst/>
+          </a:prstGeom>
+          <a:noFill/>
+        </p:spPr>
+        <p:txBody>
+          <a:bodyPr wrap="square" rtlCol="0">
+            <a:spAutoFit/>
+          </a:bodyPr>
+          <a:lstStyle/>
+          <a:p>
+            <a:pPr algn="ctr">
+              <a:lnSpc>
+                <a:spcPct val="90000"/>
+              </a:lnSpc>
+            </a:pPr>
+            <a:r>
+              <a:rPr lang="en-US" dirty="0" smtClean="0">
+                <a:solidFill>
+                  <a:srgbClr val="FF0000"/>
+                </a:solidFill>
+              </a:rPr>
+              <a:t>S</a:t>
+            </a:r>
+            <a:r>
+              <a:rPr lang="en-US" dirty="0" smtClean="0">
+                <a:solidFill>
+                  <a:srgbClr val="FF0000"/>
+                </a:solidFill>
+              </a:rPr>
+              <a:t>tep1</a:t>
+            </a:r>
+          </a:p>
+        </p:txBody>
+      </p:sp>
+      <p:sp>
+        <p:nvSpPr>
+          <p:cNvPr id="72" name="TextBox 54"/>
+          <p:cNvSpPr txBox="1"/>
+          <p:nvPr/>
+        </p:nvSpPr>
+        <p:spPr>
+          <a:xfrm>
+            <a:off x="3547532" y="3015998"/>
+            <a:ext cx="1498599" cy="369332"/>
+          </a:xfrm>
+          <a:prstGeom prst="rect">
+            <a:avLst/>
+          </a:prstGeom>
+          <a:noFill/>
+        </p:spPr>
+        <p:txBody>
+          <a:bodyPr wrap="square" rtlCol="0">
+            <a:spAutoFit/>
+          </a:bodyPr>
+          <a:lstStyle/>
+          <a:p>
+            <a:pPr algn="ctr"/>
+            <a:r>
+              <a:rPr lang="en-US" dirty="0" smtClean="0">
+                <a:solidFill>
+                  <a:srgbClr val="FF0000"/>
+                </a:solidFill>
+              </a:rPr>
+              <a:t>R-</a:t>
+            </a:r>
+            <a:r>
+              <a:rPr lang="en-US" dirty="0" err="1" smtClean="0">
+                <a:solidFill>
+                  <a:srgbClr val="FF0000"/>
+                </a:solidFill>
+              </a:rPr>
+              <a:t>addr</a:t>
+            </a:r>
+            <a:endParaRPr lang="en-US" dirty="0">
+              <a:solidFill>
+                <a:srgbClr val="FF0000"/>
+              </a:solidFill>
+            </a:endParaRPr>
+          </a:p>
+        </p:txBody>
+      </p:sp>
+      <p:sp>
+        <p:nvSpPr>
+          <p:cNvPr id="79" name="TextBox 54"/>
+          <p:cNvSpPr txBox="1"/>
+          <p:nvPr/>
+        </p:nvSpPr>
+        <p:spPr>
+          <a:xfrm>
+            <a:off x="1681240" y="1517420"/>
+            <a:ext cx="2056190" cy="323165"/>
+          </a:xfrm>
+          <a:prstGeom prst="rect">
+            <a:avLst/>
+          </a:prstGeom>
+          <a:noFill/>
+        </p:spPr>
+        <p:txBody>
+          <a:bodyPr wrap="square" rtlCol="0">
+            <a:spAutoFit/>
+          </a:bodyPr>
+          <a:lstStyle/>
+          <a:p>
+            <a:pPr algn="ctr">
+              <a:lnSpc>
+                <a:spcPct val="80000"/>
+              </a:lnSpc>
+            </a:pPr>
+            <a:r>
+              <a:rPr lang="en-US" dirty="0" smtClean="0"/>
+              <a:t>Container: Sender</a:t>
+            </a:r>
+            <a:endParaRPr lang="en-US" dirty="0" smtClean="0"/>
+          </a:p>
+        </p:txBody>
+      </p:sp>
+      <p:sp>
+        <p:nvSpPr>
+          <p:cNvPr id="81" name="TextBox 54"/>
+          <p:cNvSpPr txBox="1"/>
+          <p:nvPr/>
+        </p:nvSpPr>
+        <p:spPr>
+          <a:xfrm>
+            <a:off x="4796983" y="1524678"/>
+            <a:ext cx="2056190" cy="323165"/>
+          </a:xfrm>
+          <a:prstGeom prst="rect">
+            <a:avLst/>
+          </a:prstGeom>
+          <a:noFill/>
+        </p:spPr>
+        <p:txBody>
+          <a:bodyPr wrap="square" rtlCol="0">
+            <a:spAutoFit/>
+          </a:bodyPr>
+          <a:lstStyle/>
+          <a:p>
+            <a:pPr algn="ctr">
+              <a:lnSpc>
+                <a:spcPct val="80000"/>
+              </a:lnSpc>
+            </a:pPr>
+            <a:r>
+              <a:rPr lang="en-US" dirty="0" smtClean="0"/>
+              <a:t>Container: Receiver</a:t>
+            </a:r>
+            <a:endParaRPr lang="en-US" dirty="0" smtClean="0"/>
+          </a:p>
+        </p:txBody>
+      </p:sp>
+      <p:sp>
+        <p:nvSpPr>
+          <p:cNvPr id="4" name="文本框 3"/>
+          <p:cNvSpPr txBox="1"/>
+          <p:nvPr/>
+        </p:nvSpPr>
+        <p:spPr>
+          <a:xfrm>
+            <a:off x="5539629" y="2152952"/>
+            <a:ext cx="184666" cy="369332"/>
+          </a:xfrm>
+          <a:prstGeom prst="rect">
+            <a:avLst/>
+          </a:prstGeom>
+          <a:noFill/>
+        </p:spPr>
+        <p:txBody>
+          <a:bodyPr wrap="none" rtlCol="0">
+            <a:spAutoFit/>
+          </a:bodyPr>
+          <a:lstStyle/>
+          <a:p>
+            <a:endParaRPr kumimoji="1" lang="zh-CN" altLang="en-US" dirty="0"/>
+          </a:p>
+        </p:txBody>
+      </p:sp>
+      <p:sp>
+        <p:nvSpPr>
+          <p:cNvPr id="33" name="Rectangle 13"/>
+          <p:cNvSpPr/>
+          <p:nvPr/>
+        </p:nvSpPr>
+        <p:spPr>
+          <a:xfrm>
+            <a:off x="1660919" y="3061749"/>
+            <a:ext cx="2194560" cy="731520"/>
+          </a:xfrm>
+          <a:prstGeom prst="rect">
+            <a:avLst/>
+          </a:prstGeom>
+          <a:noFill/>
+          <a:ln w="19050">
+            <a:solidFill>
+              <a:schemeClr val="tx1">
+                <a:lumMod val="75000"/>
+                <a:lumOff val="25000"/>
+              </a:schemeClr>
+            </a:solidFill>
+          </a:ln>
+        </p:spPr>
+        <p:style>
+          <a:lnRef idx="2">
+            <a:schemeClr val="accent1">
+              <a:shade val="50000"/>
+            </a:schemeClr>
+          </a:lnRef>
+          <a:fillRef idx="1">
+            <a:schemeClr val="accent1"/>
+          </a:fillRef>
+          <a:effectRef idx="0">
+            <a:schemeClr val="accent1"/>
+          </a:effectRef>
+          <a:fontRef idx="minor">
+            <a:schemeClr val="lt1"/>
+          </a:fontRef>
+        </p:style>
+        <p:txBody>
+          <a:bodyPr rtlCol="0" anchor="ctr"/>
+          <a:lstStyle/>
+          <a:p>
+            <a:pPr algn="ctr"/>
+            <a:r>
+              <a:rPr lang="en-US" i="1" dirty="0" smtClean="0">
+                <a:solidFill>
+                  <a:schemeClr val="tx1"/>
+                </a:solidFill>
+              </a:rPr>
+              <a:t>Receive buffer2’s address (R-</a:t>
+            </a:r>
+            <a:r>
+              <a:rPr lang="en-US" i="1" dirty="0" err="1" smtClean="0">
+                <a:solidFill>
+                  <a:schemeClr val="tx1"/>
+                </a:solidFill>
+              </a:rPr>
+              <a:t>addr</a:t>
+            </a:r>
+            <a:r>
+              <a:rPr lang="en-US" i="1" dirty="0" smtClean="0">
+                <a:solidFill>
+                  <a:schemeClr val="tx1"/>
+                </a:solidFill>
+              </a:rPr>
+              <a:t>)</a:t>
+            </a:r>
+          </a:p>
+        </p:txBody>
+      </p:sp>
+      <p:sp>
+        <p:nvSpPr>
+          <p:cNvPr id="34" name="Rectangle 13"/>
+          <p:cNvSpPr/>
+          <p:nvPr/>
+        </p:nvSpPr>
+        <p:spPr>
+          <a:xfrm>
+            <a:off x="4782998" y="3037559"/>
+            <a:ext cx="2194560" cy="731520"/>
+          </a:xfrm>
+          <a:prstGeom prst="rect">
+            <a:avLst/>
+          </a:prstGeom>
+          <a:noFill/>
+          <a:ln w="19050">
+            <a:solidFill>
+              <a:schemeClr val="tx1">
+                <a:lumMod val="75000"/>
+                <a:lumOff val="25000"/>
+              </a:schemeClr>
+            </a:solidFill>
+          </a:ln>
+        </p:spPr>
+        <p:style>
+          <a:lnRef idx="2">
+            <a:schemeClr val="accent1">
+              <a:shade val="50000"/>
+            </a:schemeClr>
+          </a:lnRef>
+          <a:fillRef idx="1">
+            <a:schemeClr val="accent1"/>
+          </a:fillRef>
+          <a:effectRef idx="0">
+            <a:schemeClr val="accent1"/>
+          </a:effectRef>
+          <a:fontRef idx="minor">
+            <a:schemeClr val="lt1"/>
+          </a:fontRef>
+        </p:style>
+        <p:txBody>
+          <a:bodyPr rtlCol="0" anchor="ctr"/>
+          <a:lstStyle/>
+          <a:p>
+            <a:pPr algn="ctr"/>
+            <a:r>
+              <a:rPr lang="en-US" altLang="zh-CN" i="1" dirty="0" smtClean="0">
+                <a:solidFill>
+                  <a:schemeClr val="tx1"/>
+                </a:solidFill>
+              </a:rPr>
+              <a:t>Pass buffer2’s address to Sender</a:t>
+            </a:r>
+            <a:endParaRPr lang="en-US" altLang="zh-CN" i="1" dirty="0">
+              <a:solidFill>
+                <a:schemeClr val="tx1"/>
+              </a:solidFill>
+            </a:endParaRPr>
+          </a:p>
+        </p:txBody>
+      </p:sp>
+      <p:sp>
+        <p:nvSpPr>
+          <p:cNvPr id="7" name="矩形 6"/>
+          <p:cNvSpPr/>
+          <p:nvPr/>
+        </p:nvSpPr>
+        <p:spPr>
+          <a:xfrm>
+            <a:off x="905857" y="3183857"/>
+            <a:ext cx="721171" cy="369332"/>
+          </a:xfrm>
+          <a:prstGeom prst="rect">
+            <a:avLst/>
+          </a:prstGeom>
+        </p:spPr>
+        <p:txBody>
+          <a:bodyPr wrap="none">
+            <a:spAutoFit/>
+          </a:bodyPr>
+          <a:lstStyle/>
+          <a:p>
+            <a:pPr algn="ctr"/>
+            <a:r>
+              <a:rPr lang="en-US" altLang="zh-CN" dirty="0" smtClean="0">
+                <a:solidFill>
+                  <a:srgbClr val="FF0000"/>
+                </a:solidFill>
+              </a:rPr>
+              <a:t>Step2</a:t>
+            </a:r>
+            <a:endParaRPr lang="en-US" altLang="zh-CN" dirty="0">
+              <a:solidFill>
+                <a:srgbClr val="FF0000"/>
+              </a:solidFill>
+            </a:endParaRPr>
+          </a:p>
+        </p:txBody>
+      </p:sp>
+      <p:cxnSp>
+        <p:nvCxnSpPr>
+          <p:cNvPr id="39" name="Straight Connector 26"/>
+          <p:cNvCxnSpPr/>
+          <p:nvPr/>
+        </p:nvCxnSpPr>
+        <p:spPr>
+          <a:xfrm>
+            <a:off x="2733485" y="3809311"/>
+            <a:ext cx="0" cy="301752"/>
+          </a:xfrm>
+          <a:prstGeom prst="line">
+            <a:avLst/>
+          </a:prstGeom>
+          <a:ln w="19050">
+            <a:solidFill>
+              <a:srgbClr val="FF0000"/>
+            </a:solidFill>
+            <a:prstDash val="dash"/>
+            <a:headEnd type="none"/>
+            <a:tailEnd type="arrow"/>
+          </a:ln>
+        </p:spPr>
+        <p:style>
+          <a:lnRef idx="1">
+            <a:schemeClr val="accent1"/>
+          </a:lnRef>
+          <a:fillRef idx="0">
+            <a:schemeClr val="accent1"/>
+          </a:fillRef>
+          <a:effectRef idx="0">
+            <a:schemeClr val="accent1"/>
+          </a:effectRef>
+          <a:fontRef idx="minor">
+            <a:schemeClr val="tx1"/>
+          </a:fontRef>
+        </p:style>
+      </p:cxnSp>
+      <p:sp>
+        <p:nvSpPr>
+          <p:cNvPr id="51" name="Rectangle 13"/>
+          <p:cNvSpPr/>
+          <p:nvPr/>
+        </p:nvSpPr>
+        <p:spPr>
+          <a:xfrm>
+            <a:off x="1668179" y="4145464"/>
+            <a:ext cx="2194560" cy="731520"/>
+          </a:xfrm>
+          <a:prstGeom prst="rect">
+            <a:avLst/>
+          </a:prstGeom>
+          <a:noFill/>
+          <a:ln w="19050">
+            <a:solidFill>
+              <a:schemeClr val="tx1">
+                <a:lumMod val="75000"/>
+                <a:lumOff val="25000"/>
+              </a:schemeClr>
+            </a:solidFill>
+          </a:ln>
+        </p:spPr>
+        <p:style>
+          <a:lnRef idx="2">
+            <a:schemeClr val="accent1">
+              <a:shade val="50000"/>
+            </a:schemeClr>
+          </a:lnRef>
+          <a:fillRef idx="1">
+            <a:schemeClr val="accent1"/>
+          </a:fillRef>
+          <a:effectRef idx="0">
+            <a:schemeClr val="accent1"/>
+          </a:effectRef>
+          <a:fontRef idx="minor">
+            <a:schemeClr val="lt1"/>
+          </a:fontRef>
+        </p:style>
+        <p:txBody>
+          <a:bodyPr rtlCol="0" anchor="ctr"/>
+          <a:lstStyle/>
+          <a:p>
+            <a:pPr algn="ctr"/>
+            <a:r>
+              <a:rPr lang="en-US" i="1" dirty="0" smtClean="0">
+                <a:solidFill>
+                  <a:schemeClr val="tx1"/>
+                </a:solidFill>
+              </a:rPr>
+              <a:t>NIC directly copy buffer1 to buffer2 </a:t>
+            </a:r>
+          </a:p>
+        </p:txBody>
+      </p:sp>
+      <p:sp>
+        <p:nvSpPr>
+          <p:cNvPr id="52" name="矩形 51"/>
+          <p:cNvSpPr/>
+          <p:nvPr/>
+        </p:nvSpPr>
+        <p:spPr>
+          <a:xfrm>
+            <a:off x="905857" y="4267592"/>
+            <a:ext cx="721171" cy="369332"/>
+          </a:xfrm>
+          <a:prstGeom prst="rect">
+            <a:avLst/>
+          </a:prstGeom>
+        </p:spPr>
+        <p:txBody>
+          <a:bodyPr wrap="none">
+            <a:spAutoFit/>
+          </a:bodyPr>
+          <a:lstStyle/>
+          <a:p>
+            <a:pPr algn="ctr"/>
+            <a:r>
+              <a:rPr lang="en-US" altLang="zh-CN" dirty="0" smtClean="0">
+                <a:solidFill>
+                  <a:srgbClr val="FF0000"/>
+                </a:solidFill>
+              </a:rPr>
+              <a:t>Step3</a:t>
+            </a:r>
+            <a:endParaRPr lang="en-US" altLang="zh-CN" dirty="0">
+              <a:solidFill>
+                <a:srgbClr val="FF0000"/>
+              </a:solidFill>
+            </a:endParaRPr>
+          </a:p>
+        </p:txBody>
+      </p:sp>
+    </p:spTree>
+    <p:extLst>
+      <p:ext uri="{BB962C8B-B14F-4D97-AF65-F5344CB8AC3E}">
+        <p14:creationId xmlns:p14="http://schemas.microsoft.com/office/powerpoint/2010/main" val="3402322246"/>
+      </p:ext>
+    </p:extLst>
+  </p:cSld>
+  <p:clrMapOvr>
+    <a:masterClrMapping/>
+  </p:clrMapOvr>
+</p:sld>
+</file>
+
+<file path=ppt/slides/slide3.xml><?xml version="1.0" encoding="utf-8"?>
 <p:sld xmlns:a="http://schemas.openxmlformats.org/drawingml/2006/main" xmlns:r="http://schemas.openxmlformats.org/officeDocument/2006/relationships" xmlns:p="http://schemas.openxmlformats.org/presentationml/2006/main">
   <p:cSld>
     <p:spTree>
@@ -5128,7 +7517,7 @@
 </p:sld>
 </file>
 
-<file path=ppt/slides/slide3.xml><?xml version="1.0" encoding="utf-8"?>
+<file path=ppt/slides/slide4.xml><?xml version="1.0" encoding="utf-8"?>
 <p:sld xmlns:a="http://schemas.openxmlformats.org/drawingml/2006/main" xmlns:r="http://schemas.openxmlformats.org/officeDocument/2006/relationships" xmlns:p="http://schemas.openxmlformats.org/presentationml/2006/main">
   <p:cSld>
     <p:spTree>
@@ -5930,41 +8319,6 @@
       </p:cxnSp>
       <p:sp>
         <p:nvSpPr>
-          <p:cNvPr id="75" name="TextBox 54"/>
-          <p:cNvSpPr txBox="1"/>
-          <p:nvPr/>
-        </p:nvSpPr>
-        <p:spPr>
-          <a:xfrm>
-            <a:off x="2650071" y="4843607"/>
-            <a:ext cx="4301066" cy="369332"/>
-          </a:xfrm>
-          <a:prstGeom prst="rect">
-            <a:avLst/>
-          </a:prstGeom>
-          <a:noFill/>
-        </p:spPr>
-        <p:txBody>
-          <a:bodyPr wrap="square" rtlCol="0">
-            <a:spAutoFit/>
-          </a:bodyPr>
-          <a:lstStyle/>
-          <a:p>
-            <a:pPr algn="ctr"/>
-            <a:r>
-              <a:rPr lang="en-US" dirty="0" smtClean="0"/>
-              <a:t>S</a:t>
-            </a:r>
-            <a:r>
-              <a:rPr lang="en-US" dirty="0" smtClean="0"/>
-              <a:t>tep3: Direct copy buffer1 to buffer2</a:t>
-            </a:r>
-            <a:endParaRPr lang="en-US" dirty="0"/>
-          </a:p>
-        </p:txBody>
-      </p:sp>
-      <p:sp>
-        <p:nvSpPr>
           <p:cNvPr id="79" name="TextBox 54"/>
           <p:cNvSpPr txBox="1"/>
           <p:nvPr/>
@@ -6438,7 +8792,7 @@
 </p:sld>
 </file>
 
-<file path=ppt/slides/slide4.xml><?xml version="1.0" encoding="utf-8"?>
+<file path=ppt/slides/slide5.xml><?xml version="1.0" encoding="utf-8"?>
 <p:sld xmlns:a="http://schemas.openxmlformats.org/drawingml/2006/main" xmlns:r="http://schemas.openxmlformats.org/officeDocument/2006/relationships" xmlns:p="http://schemas.openxmlformats.org/presentationml/2006/main">
   <p:cSld>
     <p:spTree>
@@ -8404,7 +10758,7 @@
 </p:sld>
 </file>
 
-<file path=ppt/slides/slide5.xml><?xml version="1.0" encoding="utf-8"?>
+<file path=ppt/slides/slide6.xml><?xml version="1.0" encoding="utf-8"?>
 <p:sld xmlns:a="http://schemas.openxmlformats.org/drawingml/2006/main" xmlns:r="http://schemas.openxmlformats.org/officeDocument/2006/relationships" xmlns:p="http://schemas.openxmlformats.org/presentationml/2006/main">
   <p:cSld>
     <p:spTree>
@@ -10236,7 +12590,7 @@
 </p:sld>
 </file>
 
-<file path=ppt/slides/slide6.xml><?xml version="1.0" encoding="utf-8"?>
+<file path=ppt/slides/slide7.xml><?xml version="1.0" encoding="utf-8"?>
 <p:sld xmlns:a="http://schemas.openxmlformats.org/drawingml/2006/main" xmlns:r="http://schemas.openxmlformats.org/officeDocument/2006/relationships" xmlns:p="http://schemas.openxmlformats.org/presentationml/2006/main">
   <p:cSld>
     <p:spTree>
@@ -12075,7 +14429,7 @@
 </p:sld>
 </file>
 
-<file path=ppt/slides/slide7.xml><?xml version="1.0" encoding="utf-8"?>
+<file path=ppt/slides/slide8.xml><?xml version="1.0" encoding="utf-8"?>
 <p:sld xmlns:a="http://schemas.openxmlformats.org/drawingml/2006/main" xmlns:r="http://schemas.openxmlformats.org/officeDocument/2006/relationships" xmlns:p="http://schemas.openxmlformats.org/presentationml/2006/main">
   <p:cSld>
     <p:spTree>
@@ -13735,7 +16089,7 @@
 </p:sld>
 </file>
 
-<file path=ppt/slides/slide8.xml><?xml version="1.0" encoding="utf-8"?>
+<file path=ppt/slides/slide9.xml><?xml version="1.0" encoding="utf-8"?>
 <p:sld xmlns:a="http://schemas.openxmlformats.org/drawingml/2006/main" xmlns:r="http://schemas.openxmlformats.org/officeDocument/2006/relationships" xmlns:p="http://schemas.openxmlformats.org/presentationml/2006/main">
   <p:cSld>
     <p:spTree>
@@ -14397,1606 +16751,6 @@
     <p:extLst>
       <p:ext uri="{BB962C8B-B14F-4D97-AF65-F5344CB8AC3E}">
         <p14:creationId xmlns:p14="http://schemas.microsoft.com/office/powerpoint/2010/main" val="543181556"/>
-      </p:ext>
-    </p:extLst>
-  </p:cSld>
-  <p:clrMapOvr>
-    <a:masterClrMapping/>
-  </p:clrMapOvr>
-</p:sld>
-</file>
-
-<file path=ppt/slides/slide9.xml><?xml version="1.0" encoding="utf-8"?>
-<p:sld xmlns:a="http://schemas.openxmlformats.org/drawingml/2006/main" xmlns:r="http://schemas.openxmlformats.org/officeDocument/2006/relationships" xmlns:p="http://schemas.openxmlformats.org/presentationml/2006/main">
-  <p:cSld>
-    <p:spTree>
-      <p:nvGrpSpPr>
-        <p:cNvPr id="1" name=""/>
-        <p:cNvGrpSpPr/>
-        <p:nvPr/>
-      </p:nvGrpSpPr>
-      <p:grpSpPr>
-        <a:xfrm>
-          <a:off x="0" y="0"/>
-          <a:ext cx="0" cy="0"/>
-          <a:chOff x="0" y="0"/>
-          <a:chExt cx="0" cy="0"/>
-        </a:xfrm>
-      </p:grpSpPr>
-      <p:sp>
-        <p:nvSpPr>
-          <p:cNvPr id="9" name="Rectangle 8"/>
-          <p:cNvSpPr/>
-          <p:nvPr/>
-        </p:nvSpPr>
-        <p:spPr>
-          <a:xfrm>
-            <a:off x="610109" y="1232885"/>
-            <a:ext cx="1342578" cy="640080"/>
-          </a:xfrm>
-          <a:prstGeom prst="rect">
-            <a:avLst/>
-          </a:prstGeom>
-          <a:noFill/>
-          <a:ln w="19050">
-            <a:solidFill>
-              <a:schemeClr val="tx1">
-                <a:lumMod val="75000"/>
-                <a:lumOff val="25000"/>
-              </a:schemeClr>
-            </a:solidFill>
-          </a:ln>
-        </p:spPr>
-        <p:style>
-          <a:lnRef idx="2">
-            <a:schemeClr val="accent1">
-              <a:shade val="50000"/>
-            </a:schemeClr>
-          </a:lnRef>
-          <a:fillRef idx="1">
-            <a:schemeClr val="accent1"/>
-          </a:fillRef>
-          <a:effectRef idx="0">
-            <a:schemeClr val="accent1"/>
-          </a:effectRef>
-          <a:fontRef idx="minor">
-            <a:schemeClr val="lt1"/>
-          </a:fontRef>
-        </p:style>
-        <p:txBody>
-          <a:bodyPr rtlCol="0" anchor="ctr"/>
-          <a:lstStyle/>
-          <a:p>
-            <a:pPr algn="ctr"/>
-            <a:r>
-              <a:rPr lang="en-US" dirty="0">
-                <a:solidFill>
-                  <a:schemeClr val="tx1"/>
-                </a:solidFill>
-              </a:rPr>
-              <a:t>TCP/IP Apps</a:t>
-            </a:r>
-          </a:p>
-          <a:p>
-            <a:pPr algn="ctr"/>
-            <a:r>
-              <a:rPr lang="en-US" dirty="0">
-                <a:solidFill>
-                  <a:schemeClr val="tx1"/>
-                </a:solidFill>
-              </a:rPr>
-              <a:t>Container </a:t>
-            </a:r>
-            <a:r>
-              <a:rPr lang="en-US" i="1" dirty="0">
-                <a:solidFill>
-                  <a:schemeClr val="tx1"/>
-                </a:solidFill>
-              </a:rPr>
-              <a:t>1</a:t>
-            </a:r>
-          </a:p>
-        </p:txBody>
-      </p:sp>
-      <p:sp>
-        <p:nvSpPr>
-          <p:cNvPr id="14" name="Rectangle 13"/>
-          <p:cNvSpPr/>
-          <p:nvPr/>
-        </p:nvSpPr>
-        <p:spPr>
-          <a:xfrm>
-            <a:off x="2108414" y="1241585"/>
-            <a:ext cx="1342578" cy="640080"/>
-          </a:xfrm>
-          <a:prstGeom prst="rect">
-            <a:avLst/>
-          </a:prstGeom>
-          <a:noFill/>
-          <a:ln w="19050">
-            <a:solidFill>
-              <a:schemeClr val="tx1">
-                <a:lumMod val="75000"/>
-                <a:lumOff val="25000"/>
-              </a:schemeClr>
-            </a:solidFill>
-          </a:ln>
-        </p:spPr>
-        <p:style>
-          <a:lnRef idx="2">
-            <a:schemeClr val="accent1">
-              <a:shade val="50000"/>
-            </a:schemeClr>
-          </a:lnRef>
-          <a:fillRef idx="1">
-            <a:schemeClr val="accent1"/>
-          </a:fillRef>
-          <a:effectRef idx="0">
-            <a:schemeClr val="accent1"/>
-          </a:effectRef>
-          <a:fontRef idx="minor">
-            <a:schemeClr val="lt1"/>
-          </a:fontRef>
-        </p:style>
-        <p:txBody>
-          <a:bodyPr rtlCol="0" anchor="ctr"/>
-          <a:lstStyle/>
-          <a:p>
-            <a:pPr algn="ctr"/>
-            <a:r>
-              <a:rPr lang="en-US" dirty="0">
-                <a:solidFill>
-                  <a:schemeClr val="tx1"/>
-                </a:solidFill>
-              </a:rPr>
-              <a:t>RDMA Apps</a:t>
-            </a:r>
-          </a:p>
-          <a:p>
-            <a:pPr algn="ctr"/>
-            <a:r>
-              <a:rPr lang="en-US" dirty="0">
-                <a:solidFill>
-                  <a:schemeClr val="tx1"/>
-                </a:solidFill>
-              </a:rPr>
-              <a:t>Container </a:t>
-            </a:r>
-            <a:r>
-              <a:rPr lang="en-US" i="1" dirty="0">
-                <a:solidFill>
-                  <a:schemeClr val="tx1"/>
-                </a:solidFill>
-              </a:rPr>
-              <a:t>2</a:t>
-            </a:r>
-          </a:p>
-        </p:txBody>
-      </p:sp>
-      <p:sp>
-        <p:nvSpPr>
-          <p:cNvPr id="55" name="TextBox 54"/>
-          <p:cNvSpPr txBox="1"/>
-          <p:nvPr/>
-        </p:nvSpPr>
-        <p:spPr>
-          <a:xfrm>
-            <a:off x="3589869" y="2248634"/>
-            <a:ext cx="999068" cy="646331"/>
-          </a:xfrm>
-          <a:prstGeom prst="rect">
-            <a:avLst/>
-          </a:prstGeom>
-          <a:noFill/>
-        </p:spPr>
-        <p:txBody>
-          <a:bodyPr wrap="square" rtlCol="0">
-            <a:spAutoFit/>
-          </a:bodyPr>
-          <a:lstStyle/>
-          <a:p>
-            <a:pPr algn="ctr"/>
-            <a:r>
-              <a:rPr lang="en-US" dirty="0"/>
-              <a:t>Location Queries</a:t>
-            </a:r>
-          </a:p>
-        </p:txBody>
-      </p:sp>
-      <p:sp>
-        <p:nvSpPr>
-          <p:cNvPr id="62" name="Rectangle 61"/>
-          <p:cNvSpPr/>
-          <p:nvPr/>
-        </p:nvSpPr>
-        <p:spPr>
-          <a:xfrm>
-            <a:off x="5892799" y="1234813"/>
-            <a:ext cx="2099733" cy="640080"/>
-          </a:xfrm>
-          <a:prstGeom prst="rect">
-            <a:avLst/>
-          </a:prstGeom>
-          <a:noFill/>
-          <a:ln w="19050">
-            <a:solidFill>
-              <a:schemeClr val="tx1">
-                <a:lumMod val="75000"/>
-                <a:lumOff val="25000"/>
-              </a:schemeClr>
-            </a:solidFill>
-          </a:ln>
-        </p:spPr>
-        <p:style>
-          <a:lnRef idx="2">
-            <a:schemeClr val="accent1">
-              <a:shade val="50000"/>
-            </a:schemeClr>
-          </a:lnRef>
-          <a:fillRef idx="1">
-            <a:schemeClr val="accent1"/>
-          </a:fillRef>
-          <a:effectRef idx="0">
-            <a:schemeClr val="accent1"/>
-          </a:effectRef>
-          <a:fontRef idx="minor">
-            <a:schemeClr val="lt1"/>
-          </a:fontRef>
-        </p:style>
-        <p:txBody>
-          <a:bodyPr rtlCol="0" anchor="ctr"/>
-          <a:lstStyle/>
-          <a:p>
-            <a:pPr algn="ctr"/>
-            <a:r>
-              <a:rPr lang="en-US" dirty="0">
-                <a:solidFill>
-                  <a:schemeClr val="tx1"/>
-                </a:solidFill>
-              </a:rPr>
-              <a:t>Container </a:t>
-            </a:r>
-            <a:r>
-              <a:rPr lang="en-US" i="1" dirty="0">
-                <a:solidFill>
-                  <a:schemeClr val="tx1"/>
-                </a:solidFill>
-              </a:rPr>
-              <a:t>3</a:t>
-            </a:r>
-          </a:p>
-        </p:txBody>
-      </p:sp>
-      <p:sp>
-        <p:nvSpPr>
-          <p:cNvPr id="53" name="Rectangle 5"/>
-          <p:cNvSpPr/>
-          <p:nvPr/>
-        </p:nvSpPr>
-        <p:spPr>
-          <a:xfrm>
-            <a:off x="617761" y="2576597"/>
-            <a:ext cx="2859916" cy="437744"/>
-          </a:xfrm>
-          <a:prstGeom prst="rect">
-            <a:avLst/>
-          </a:prstGeom>
-          <a:solidFill>
-            <a:schemeClr val="tx2">
-              <a:lumMod val="20000"/>
-              <a:lumOff val="80000"/>
-            </a:schemeClr>
-          </a:solidFill>
-          <a:ln w="19050">
-            <a:solidFill>
-              <a:schemeClr val="tx1">
-                <a:lumMod val="75000"/>
-                <a:lumOff val="25000"/>
-              </a:schemeClr>
-            </a:solidFill>
-          </a:ln>
-        </p:spPr>
-        <p:style>
-          <a:lnRef idx="2">
-            <a:schemeClr val="accent1">
-              <a:shade val="50000"/>
-            </a:schemeClr>
-          </a:lnRef>
-          <a:fillRef idx="1">
-            <a:schemeClr val="accent1"/>
-          </a:fillRef>
-          <a:effectRef idx="0">
-            <a:schemeClr val="accent1"/>
-          </a:effectRef>
-          <a:fontRef idx="minor">
-            <a:schemeClr val="lt1"/>
-          </a:fontRef>
-        </p:style>
-        <p:txBody>
-          <a:bodyPr rtlCol="0" anchor="ctr"/>
-          <a:lstStyle/>
-          <a:p>
-            <a:pPr algn="ctr"/>
-            <a:r>
-              <a:rPr lang="en-US" dirty="0">
-                <a:solidFill>
-                  <a:sysClr val="windowText" lastClr="000000"/>
-                </a:solidFill>
-              </a:rPr>
-              <a:t>Verbs API</a:t>
-            </a:r>
-          </a:p>
-        </p:txBody>
-      </p:sp>
-      <p:sp>
-        <p:nvSpPr>
-          <p:cNvPr id="66" name="Rectangle 5"/>
-          <p:cNvSpPr/>
-          <p:nvPr/>
-        </p:nvSpPr>
-        <p:spPr>
-          <a:xfrm>
-            <a:off x="607347" y="2007238"/>
-            <a:ext cx="1342578" cy="437744"/>
-          </a:xfrm>
-          <a:prstGeom prst="rect">
-            <a:avLst/>
-          </a:prstGeom>
-          <a:solidFill>
-            <a:schemeClr val="tx2">
-              <a:lumMod val="20000"/>
-              <a:lumOff val="80000"/>
-            </a:schemeClr>
-          </a:solidFill>
-          <a:ln w="19050">
-            <a:solidFill>
-              <a:schemeClr val="tx1">
-                <a:lumMod val="75000"/>
-                <a:lumOff val="25000"/>
-              </a:schemeClr>
-            </a:solidFill>
-          </a:ln>
-        </p:spPr>
-        <p:style>
-          <a:lnRef idx="2">
-            <a:schemeClr val="accent1">
-              <a:shade val="50000"/>
-            </a:schemeClr>
-          </a:lnRef>
-          <a:fillRef idx="1">
-            <a:schemeClr val="accent1"/>
-          </a:fillRef>
-          <a:effectRef idx="0">
-            <a:schemeClr val="accent1"/>
-          </a:effectRef>
-          <a:fontRef idx="minor">
-            <a:schemeClr val="lt1"/>
-          </a:fontRef>
-        </p:style>
-        <p:txBody>
-          <a:bodyPr rtlCol="0" anchor="ctr"/>
-          <a:lstStyle/>
-          <a:p>
-            <a:pPr algn="ctr"/>
-            <a:r>
-              <a:rPr lang="en-US" dirty="0">
-                <a:solidFill>
-                  <a:sysClr val="windowText" lastClr="000000"/>
-                </a:solidFill>
-              </a:rPr>
-              <a:t>IP to Verbs </a:t>
-            </a:r>
-          </a:p>
-        </p:txBody>
-      </p:sp>
-      <p:cxnSp>
-        <p:nvCxnSpPr>
-          <p:cNvPr id="67" name="Straight Connector 26"/>
-          <p:cNvCxnSpPr/>
-          <p:nvPr/>
-        </p:nvCxnSpPr>
-        <p:spPr>
-          <a:xfrm>
-            <a:off x="1289046" y="1878454"/>
-            <a:ext cx="0" cy="137160"/>
-          </a:xfrm>
-          <a:prstGeom prst="line">
-            <a:avLst/>
-          </a:prstGeom>
-          <a:ln w="19050">
-            <a:solidFill>
-              <a:schemeClr val="tx1"/>
-            </a:solidFill>
-            <a:headEnd type="none"/>
-            <a:tailEnd type="arrow"/>
-          </a:ln>
-        </p:spPr>
-        <p:style>
-          <a:lnRef idx="1">
-            <a:schemeClr val="accent1"/>
-          </a:lnRef>
-          <a:fillRef idx="0">
-            <a:schemeClr val="accent1"/>
-          </a:fillRef>
-          <a:effectRef idx="0">
-            <a:schemeClr val="accent1"/>
-          </a:effectRef>
-          <a:fontRef idx="minor">
-            <a:schemeClr val="tx1"/>
-          </a:fontRef>
-        </p:style>
-      </p:cxnSp>
-      <p:cxnSp>
-        <p:nvCxnSpPr>
-          <p:cNvPr id="68" name="Straight Connector 26"/>
-          <p:cNvCxnSpPr/>
-          <p:nvPr/>
-        </p:nvCxnSpPr>
-        <p:spPr>
-          <a:xfrm>
-            <a:off x="2765325" y="1869218"/>
-            <a:ext cx="0" cy="685800"/>
-          </a:xfrm>
-          <a:prstGeom prst="line">
-            <a:avLst/>
-          </a:prstGeom>
-          <a:ln w="19050">
-            <a:solidFill>
-              <a:schemeClr val="tx1"/>
-            </a:solidFill>
-            <a:headEnd type="none"/>
-            <a:tailEnd type="arrow"/>
-          </a:ln>
-        </p:spPr>
-        <p:style>
-          <a:lnRef idx="1">
-            <a:schemeClr val="accent1"/>
-          </a:lnRef>
-          <a:fillRef idx="0">
-            <a:schemeClr val="accent1"/>
-          </a:fillRef>
-          <a:effectRef idx="0">
-            <a:schemeClr val="accent1"/>
-          </a:effectRef>
-          <a:fontRef idx="minor">
-            <a:schemeClr val="tx1"/>
-          </a:fontRef>
-        </p:style>
-      </p:cxnSp>
-      <p:sp>
-        <p:nvSpPr>
-          <p:cNvPr id="69" name="Rectangle 5"/>
-          <p:cNvSpPr/>
-          <p:nvPr/>
-        </p:nvSpPr>
-        <p:spPr>
-          <a:xfrm>
-            <a:off x="623918" y="3442677"/>
-            <a:ext cx="2859916" cy="437744"/>
-          </a:xfrm>
-          <a:prstGeom prst="rect">
-            <a:avLst/>
-          </a:prstGeom>
-          <a:solidFill>
-            <a:schemeClr val="tx2">
-              <a:lumMod val="20000"/>
-              <a:lumOff val="80000"/>
-            </a:schemeClr>
-          </a:solidFill>
-          <a:ln w="19050">
-            <a:solidFill>
-              <a:schemeClr val="tx1">
-                <a:lumMod val="75000"/>
-                <a:lumOff val="25000"/>
-              </a:schemeClr>
-            </a:solidFill>
-          </a:ln>
-        </p:spPr>
-        <p:style>
-          <a:lnRef idx="2">
-            <a:schemeClr val="accent1">
-              <a:shade val="50000"/>
-            </a:schemeClr>
-          </a:lnRef>
-          <a:fillRef idx="1">
-            <a:schemeClr val="accent1"/>
-          </a:fillRef>
-          <a:effectRef idx="0">
-            <a:schemeClr val="accent1"/>
-          </a:effectRef>
-          <a:fontRef idx="minor">
-            <a:schemeClr val="lt1"/>
-          </a:fontRef>
-        </p:style>
-        <p:txBody>
-          <a:bodyPr rtlCol="0" anchor="ctr"/>
-          <a:lstStyle/>
-          <a:p>
-            <a:pPr algn="ctr"/>
-            <a:r>
-              <a:rPr lang="en-US" dirty="0">
-                <a:solidFill>
-                  <a:sysClr val="windowText" lastClr="000000"/>
-                </a:solidFill>
-              </a:rPr>
-              <a:t>Container Locator</a:t>
-            </a:r>
-          </a:p>
-        </p:txBody>
-      </p:sp>
-      <p:cxnSp>
-        <p:nvCxnSpPr>
-          <p:cNvPr id="71" name="Straight Connector 26"/>
-          <p:cNvCxnSpPr/>
-          <p:nvPr/>
-        </p:nvCxnSpPr>
-        <p:spPr>
-          <a:xfrm>
-            <a:off x="2078755" y="3045571"/>
-            <a:ext cx="0" cy="365760"/>
-          </a:xfrm>
-          <a:prstGeom prst="line">
-            <a:avLst/>
-          </a:prstGeom>
-          <a:ln w="19050">
-            <a:solidFill>
-              <a:schemeClr val="tx1"/>
-            </a:solidFill>
-            <a:headEnd type="none"/>
-            <a:tailEnd type="arrow"/>
-          </a:ln>
-        </p:spPr>
-        <p:style>
-          <a:lnRef idx="1">
-            <a:schemeClr val="accent1"/>
-          </a:lnRef>
-          <a:fillRef idx="0">
-            <a:schemeClr val="accent1"/>
-          </a:fillRef>
-          <a:effectRef idx="0">
-            <a:schemeClr val="accent1"/>
-          </a:effectRef>
-          <a:fontRef idx="minor">
-            <a:schemeClr val="tx1"/>
-          </a:fontRef>
-        </p:style>
-      </p:cxnSp>
-      <p:cxnSp>
-        <p:nvCxnSpPr>
-          <p:cNvPr id="73" name="Straight Connector 26"/>
-          <p:cNvCxnSpPr/>
-          <p:nvPr/>
-        </p:nvCxnSpPr>
-        <p:spPr>
-          <a:xfrm>
-            <a:off x="1286225" y="2440073"/>
-            <a:ext cx="0" cy="137160"/>
-          </a:xfrm>
-          <a:prstGeom prst="line">
-            <a:avLst/>
-          </a:prstGeom>
-          <a:ln w="19050">
-            <a:solidFill>
-              <a:schemeClr val="tx1"/>
-            </a:solidFill>
-            <a:headEnd type="none"/>
-            <a:tailEnd type="arrow"/>
-          </a:ln>
-        </p:spPr>
-        <p:style>
-          <a:lnRef idx="1">
-            <a:schemeClr val="accent1"/>
-          </a:lnRef>
-          <a:fillRef idx="0">
-            <a:schemeClr val="accent1"/>
-          </a:fillRef>
-          <a:effectRef idx="0">
-            <a:schemeClr val="accent1"/>
-          </a:effectRef>
-          <a:fontRef idx="minor">
-            <a:schemeClr val="tx1"/>
-          </a:fontRef>
-        </p:style>
-      </p:cxnSp>
-      <p:sp>
-        <p:nvSpPr>
-          <p:cNvPr id="74" name="Rectangle 5"/>
-          <p:cNvSpPr/>
-          <p:nvPr/>
-        </p:nvSpPr>
-        <p:spPr>
-          <a:xfrm>
-            <a:off x="621096" y="4308757"/>
-            <a:ext cx="2859916" cy="437744"/>
-          </a:xfrm>
-          <a:prstGeom prst="rect">
-            <a:avLst/>
-          </a:prstGeom>
-          <a:solidFill>
-            <a:schemeClr val="tx2">
-              <a:lumMod val="20000"/>
-              <a:lumOff val="80000"/>
-            </a:schemeClr>
-          </a:solidFill>
-          <a:ln w="19050">
-            <a:solidFill>
-              <a:schemeClr val="tx1">
-                <a:lumMod val="75000"/>
-                <a:lumOff val="25000"/>
-              </a:schemeClr>
-            </a:solidFill>
-          </a:ln>
-        </p:spPr>
-        <p:style>
-          <a:lnRef idx="2">
-            <a:schemeClr val="accent1">
-              <a:shade val="50000"/>
-            </a:schemeClr>
-          </a:lnRef>
-          <a:fillRef idx="1">
-            <a:schemeClr val="accent1"/>
-          </a:fillRef>
-          <a:effectRef idx="0">
-            <a:schemeClr val="accent1"/>
-          </a:effectRef>
-          <a:fontRef idx="minor">
-            <a:schemeClr val="lt1"/>
-          </a:fontRef>
-        </p:style>
-        <p:txBody>
-          <a:bodyPr rtlCol="0" anchor="ctr"/>
-          <a:lstStyle/>
-          <a:p>
-            <a:pPr algn="ctr"/>
-            <a:r>
-              <a:rPr lang="en-US" dirty="0">
-                <a:solidFill>
-                  <a:sysClr val="windowText" lastClr="000000"/>
-                </a:solidFill>
-              </a:rPr>
-              <a:t>Virtualized NIC</a:t>
-            </a:r>
-          </a:p>
-        </p:txBody>
-      </p:sp>
-      <p:sp>
-        <p:nvSpPr>
-          <p:cNvPr id="76" name="Rectangle 5"/>
-          <p:cNvSpPr/>
-          <p:nvPr/>
-        </p:nvSpPr>
-        <p:spPr>
-          <a:xfrm>
-            <a:off x="4032828" y="2891011"/>
-            <a:ext cx="1342578" cy="457200"/>
-          </a:xfrm>
-          <a:prstGeom prst="rect">
-            <a:avLst/>
-          </a:prstGeom>
-          <a:solidFill>
-            <a:srgbClr val="FFFFFF"/>
-          </a:solidFill>
-          <a:ln w="19050">
-            <a:solidFill>
-              <a:schemeClr val="tx1">
-                <a:lumMod val="75000"/>
-                <a:lumOff val="25000"/>
-              </a:schemeClr>
-            </a:solidFill>
-          </a:ln>
-        </p:spPr>
-        <p:style>
-          <a:lnRef idx="2">
-            <a:schemeClr val="accent1">
-              <a:shade val="50000"/>
-            </a:schemeClr>
-          </a:lnRef>
-          <a:fillRef idx="1">
-            <a:schemeClr val="accent1"/>
-          </a:fillRef>
-          <a:effectRef idx="0">
-            <a:schemeClr val="accent1"/>
-          </a:effectRef>
-          <a:fontRef idx="minor">
-            <a:schemeClr val="lt1"/>
-          </a:fontRef>
-        </p:style>
-        <p:txBody>
-          <a:bodyPr rtlCol="0" anchor="ctr"/>
-          <a:lstStyle/>
-          <a:p>
-            <a:pPr algn="ctr"/>
-            <a:r>
-              <a:rPr lang="en-US" dirty="0" err="1">
-                <a:solidFill>
-                  <a:sysClr val="windowText" lastClr="000000"/>
-                </a:solidFill>
-              </a:rPr>
-              <a:t>Mesos</a:t>
-            </a:r>
-            <a:endParaRPr lang="en-US" dirty="0">
-              <a:solidFill>
-                <a:sysClr val="windowText" lastClr="000000"/>
-              </a:solidFill>
-            </a:endParaRPr>
-          </a:p>
-        </p:txBody>
-      </p:sp>
-      <p:sp>
-        <p:nvSpPr>
-          <p:cNvPr id="77" name="Rectangle 5"/>
-          <p:cNvSpPr/>
-          <p:nvPr/>
-        </p:nvSpPr>
-        <p:spPr>
-          <a:xfrm>
-            <a:off x="4044117" y="3430056"/>
-            <a:ext cx="1342578" cy="457200"/>
-          </a:xfrm>
-          <a:prstGeom prst="rect">
-            <a:avLst/>
-          </a:prstGeom>
-          <a:solidFill>
-            <a:srgbClr val="FFFFFF"/>
-          </a:solidFill>
-          <a:ln w="19050">
-            <a:solidFill>
-              <a:schemeClr val="tx1">
-                <a:lumMod val="75000"/>
-                <a:lumOff val="25000"/>
-              </a:schemeClr>
-            </a:solidFill>
-          </a:ln>
-        </p:spPr>
-        <p:style>
-          <a:lnRef idx="2">
-            <a:schemeClr val="accent1">
-              <a:shade val="50000"/>
-            </a:schemeClr>
-          </a:lnRef>
-          <a:fillRef idx="1">
-            <a:schemeClr val="accent1"/>
-          </a:fillRef>
-          <a:effectRef idx="0">
-            <a:schemeClr val="accent1"/>
-          </a:effectRef>
-          <a:fontRef idx="minor">
-            <a:schemeClr val="lt1"/>
-          </a:fontRef>
-        </p:style>
-        <p:txBody>
-          <a:bodyPr rtlCol="0" anchor="ctr"/>
-          <a:lstStyle/>
-          <a:p>
-            <a:pPr algn="ctr">
-              <a:lnSpc>
-                <a:spcPct val="80000"/>
-              </a:lnSpc>
-            </a:pPr>
-            <a:r>
-              <a:rPr lang="en-US" dirty="0">
-                <a:solidFill>
-                  <a:sysClr val="windowText" lastClr="000000"/>
-                </a:solidFill>
-              </a:rPr>
-              <a:t>Fabric Controller</a:t>
-            </a:r>
-          </a:p>
-        </p:txBody>
-      </p:sp>
-      <p:sp>
-        <p:nvSpPr>
-          <p:cNvPr id="80" name="Rectangle 5"/>
-          <p:cNvSpPr/>
-          <p:nvPr/>
-        </p:nvSpPr>
-        <p:spPr>
-          <a:xfrm>
-            <a:off x="618274" y="5174838"/>
-            <a:ext cx="2859916" cy="437744"/>
-          </a:xfrm>
-          <a:prstGeom prst="rect">
-            <a:avLst/>
-          </a:prstGeom>
-          <a:solidFill>
-            <a:schemeClr val="tx2">
-              <a:lumMod val="20000"/>
-              <a:lumOff val="80000"/>
-            </a:schemeClr>
-          </a:solidFill>
-          <a:ln w="19050">
-            <a:solidFill>
-              <a:schemeClr val="tx1">
-                <a:lumMod val="75000"/>
-                <a:lumOff val="25000"/>
-              </a:schemeClr>
-            </a:solidFill>
-          </a:ln>
-        </p:spPr>
-        <p:style>
-          <a:lnRef idx="2">
-            <a:schemeClr val="accent1">
-              <a:shade val="50000"/>
-            </a:schemeClr>
-          </a:lnRef>
-          <a:fillRef idx="1">
-            <a:schemeClr val="accent1"/>
-          </a:fillRef>
-          <a:effectRef idx="0">
-            <a:schemeClr val="accent1"/>
-          </a:effectRef>
-          <a:fontRef idx="minor">
-            <a:schemeClr val="lt1"/>
-          </a:fontRef>
-        </p:style>
-        <p:txBody>
-          <a:bodyPr rtlCol="0" anchor="ctr"/>
-          <a:lstStyle/>
-          <a:p>
-            <a:pPr algn="ctr"/>
-            <a:r>
-              <a:rPr lang="en-US" dirty="0">
-                <a:solidFill>
-                  <a:sysClr val="windowText" lastClr="000000"/>
-                </a:solidFill>
-              </a:rPr>
-              <a:t>NIC</a:t>
-            </a:r>
-          </a:p>
-        </p:txBody>
-      </p:sp>
-      <p:sp>
-        <p:nvSpPr>
-          <p:cNvPr id="82" name="Rectangle 5"/>
-          <p:cNvSpPr/>
-          <p:nvPr/>
-        </p:nvSpPr>
-        <p:spPr>
-          <a:xfrm>
-            <a:off x="5900961" y="2576598"/>
-            <a:ext cx="2103120" cy="437744"/>
-          </a:xfrm>
-          <a:prstGeom prst="rect">
-            <a:avLst/>
-          </a:prstGeom>
-          <a:solidFill>
-            <a:schemeClr val="tx2">
-              <a:lumMod val="20000"/>
-              <a:lumOff val="80000"/>
-            </a:schemeClr>
-          </a:solidFill>
-          <a:ln w="19050">
-            <a:solidFill>
-              <a:schemeClr val="tx1">
-                <a:lumMod val="75000"/>
-                <a:lumOff val="25000"/>
-              </a:schemeClr>
-            </a:solidFill>
-          </a:ln>
-        </p:spPr>
-        <p:style>
-          <a:lnRef idx="2">
-            <a:schemeClr val="accent1">
-              <a:shade val="50000"/>
-            </a:schemeClr>
-          </a:lnRef>
-          <a:fillRef idx="1">
-            <a:schemeClr val="accent1"/>
-          </a:fillRef>
-          <a:effectRef idx="0">
-            <a:schemeClr val="accent1"/>
-          </a:effectRef>
-          <a:fontRef idx="minor">
-            <a:schemeClr val="lt1"/>
-          </a:fontRef>
-        </p:style>
-        <p:txBody>
-          <a:bodyPr rtlCol="0" anchor="ctr"/>
-          <a:lstStyle/>
-          <a:p>
-            <a:pPr algn="ctr"/>
-            <a:r>
-              <a:rPr lang="en-US" dirty="0">
-                <a:solidFill>
-                  <a:sysClr val="windowText" lastClr="000000"/>
-                </a:solidFill>
-              </a:rPr>
-              <a:t>Verbs API</a:t>
-            </a:r>
-          </a:p>
-        </p:txBody>
-      </p:sp>
-      <p:sp>
-        <p:nvSpPr>
-          <p:cNvPr id="83" name="Rectangle 5"/>
-          <p:cNvSpPr/>
-          <p:nvPr/>
-        </p:nvSpPr>
-        <p:spPr>
-          <a:xfrm>
-            <a:off x="5907118" y="3442678"/>
-            <a:ext cx="2103120" cy="437744"/>
-          </a:xfrm>
-          <a:prstGeom prst="rect">
-            <a:avLst/>
-          </a:prstGeom>
-          <a:solidFill>
-            <a:schemeClr val="tx2">
-              <a:lumMod val="20000"/>
-              <a:lumOff val="80000"/>
-            </a:schemeClr>
-          </a:solidFill>
-          <a:ln w="19050">
-            <a:solidFill>
-              <a:schemeClr val="tx1">
-                <a:lumMod val="75000"/>
-                <a:lumOff val="25000"/>
-              </a:schemeClr>
-            </a:solidFill>
-          </a:ln>
-        </p:spPr>
-        <p:style>
-          <a:lnRef idx="2">
-            <a:schemeClr val="accent1">
-              <a:shade val="50000"/>
-            </a:schemeClr>
-          </a:lnRef>
-          <a:fillRef idx="1">
-            <a:schemeClr val="accent1"/>
-          </a:fillRef>
-          <a:effectRef idx="0">
-            <a:schemeClr val="accent1"/>
-          </a:effectRef>
-          <a:fontRef idx="minor">
-            <a:schemeClr val="lt1"/>
-          </a:fontRef>
-        </p:style>
-        <p:txBody>
-          <a:bodyPr rtlCol="0" anchor="ctr"/>
-          <a:lstStyle/>
-          <a:p>
-            <a:pPr algn="ctr"/>
-            <a:r>
-              <a:rPr lang="en-US" dirty="0">
-                <a:solidFill>
-                  <a:sysClr val="windowText" lastClr="000000"/>
-                </a:solidFill>
-              </a:rPr>
-              <a:t>Container Locator</a:t>
-            </a:r>
-          </a:p>
-        </p:txBody>
-      </p:sp>
-      <p:sp>
-        <p:nvSpPr>
-          <p:cNvPr id="85" name="Rectangle 5"/>
-          <p:cNvSpPr/>
-          <p:nvPr/>
-        </p:nvSpPr>
-        <p:spPr>
-          <a:xfrm>
-            <a:off x="5904296" y="4308758"/>
-            <a:ext cx="2103120" cy="437744"/>
-          </a:xfrm>
-          <a:prstGeom prst="rect">
-            <a:avLst/>
-          </a:prstGeom>
-          <a:solidFill>
-            <a:schemeClr val="tx2">
-              <a:lumMod val="20000"/>
-              <a:lumOff val="80000"/>
-            </a:schemeClr>
-          </a:solidFill>
-          <a:ln w="19050">
-            <a:solidFill>
-              <a:schemeClr val="tx1">
-                <a:lumMod val="75000"/>
-                <a:lumOff val="25000"/>
-              </a:schemeClr>
-            </a:solidFill>
-          </a:ln>
-        </p:spPr>
-        <p:style>
-          <a:lnRef idx="2">
-            <a:schemeClr val="accent1">
-              <a:shade val="50000"/>
-            </a:schemeClr>
-          </a:lnRef>
-          <a:fillRef idx="1">
-            <a:schemeClr val="accent1"/>
-          </a:fillRef>
-          <a:effectRef idx="0">
-            <a:schemeClr val="accent1"/>
-          </a:effectRef>
-          <a:fontRef idx="minor">
-            <a:schemeClr val="lt1"/>
-          </a:fontRef>
-        </p:style>
-        <p:txBody>
-          <a:bodyPr rtlCol="0" anchor="ctr"/>
-          <a:lstStyle/>
-          <a:p>
-            <a:pPr algn="ctr"/>
-            <a:r>
-              <a:rPr lang="en-US" dirty="0">
-                <a:solidFill>
-                  <a:sysClr val="windowText" lastClr="000000"/>
-                </a:solidFill>
-              </a:rPr>
-              <a:t>Virtualized NIC</a:t>
-            </a:r>
-          </a:p>
-        </p:txBody>
-      </p:sp>
-      <p:sp>
-        <p:nvSpPr>
-          <p:cNvPr id="86" name="Rectangle 5"/>
-          <p:cNvSpPr/>
-          <p:nvPr/>
-        </p:nvSpPr>
-        <p:spPr>
-          <a:xfrm>
-            <a:off x="5901474" y="5174839"/>
-            <a:ext cx="2103120" cy="437744"/>
-          </a:xfrm>
-          <a:prstGeom prst="rect">
-            <a:avLst/>
-          </a:prstGeom>
-          <a:solidFill>
-            <a:schemeClr val="tx2">
-              <a:lumMod val="20000"/>
-              <a:lumOff val="80000"/>
-            </a:schemeClr>
-          </a:solidFill>
-          <a:ln w="19050">
-            <a:solidFill>
-              <a:schemeClr val="tx1">
-                <a:lumMod val="75000"/>
-                <a:lumOff val="25000"/>
-              </a:schemeClr>
-            </a:solidFill>
-          </a:ln>
-        </p:spPr>
-        <p:style>
-          <a:lnRef idx="2">
-            <a:schemeClr val="accent1">
-              <a:shade val="50000"/>
-            </a:schemeClr>
-          </a:lnRef>
-          <a:fillRef idx="1">
-            <a:schemeClr val="accent1"/>
-          </a:fillRef>
-          <a:effectRef idx="0">
-            <a:schemeClr val="accent1"/>
-          </a:effectRef>
-          <a:fontRef idx="minor">
-            <a:schemeClr val="lt1"/>
-          </a:fontRef>
-        </p:style>
-        <p:txBody>
-          <a:bodyPr rtlCol="0" anchor="ctr"/>
-          <a:lstStyle/>
-          <a:p>
-            <a:pPr algn="ctr"/>
-            <a:r>
-              <a:rPr lang="en-US" dirty="0">
-                <a:solidFill>
-                  <a:sysClr val="windowText" lastClr="000000"/>
-                </a:solidFill>
-              </a:rPr>
-              <a:t>NIC</a:t>
-            </a:r>
-          </a:p>
-        </p:txBody>
-      </p:sp>
-      <p:sp>
-        <p:nvSpPr>
-          <p:cNvPr id="87" name="TextBox 54"/>
-          <p:cNvSpPr txBox="1"/>
-          <p:nvPr/>
-        </p:nvSpPr>
-        <p:spPr>
-          <a:xfrm>
-            <a:off x="3843864" y="4111301"/>
-            <a:ext cx="2262629" cy="369332"/>
-          </a:xfrm>
-          <a:prstGeom prst="rect">
-            <a:avLst/>
-          </a:prstGeom>
-          <a:noFill/>
-        </p:spPr>
-        <p:txBody>
-          <a:bodyPr wrap="square" rtlCol="0">
-            <a:spAutoFit/>
-          </a:bodyPr>
-          <a:lstStyle/>
-          <a:p>
-            <a:r>
-              <a:rPr lang="en-US" dirty="0"/>
-              <a:t>Shared Memory</a:t>
-            </a:r>
-          </a:p>
-        </p:txBody>
-      </p:sp>
-      <p:cxnSp>
-        <p:nvCxnSpPr>
-          <p:cNvPr id="89" name="Straight Connector 26"/>
-          <p:cNvCxnSpPr>
-            <a:stCxn id="69" idx="3"/>
-            <a:endCxn id="77" idx="1"/>
-          </p:cNvCxnSpPr>
-          <p:nvPr/>
-        </p:nvCxnSpPr>
-        <p:spPr>
-          <a:xfrm flipV="1">
-            <a:off x="3483834" y="3658656"/>
-            <a:ext cx="560283" cy="2893"/>
-          </a:xfrm>
-          <a:prstGeom prst="line">
-            <a:avLst/>
-          </a:prstGeom>
-          <a:ln w="28575" cmpd="sng">
-            <a:solidFill>
-              <a:schemeClr val="tx1"/>
-            </a:solidFill>
-            <a:prstDash val="dash"/>
-            <a:headEnd type="none"/>
-            <a:tailEnd type="arrow"/>
-          </a:ln>
-        </p:spPr>
-        <p:style>
-          <a:lnRef idx="1">
-            <a:schemeClr val="accent1"/>
-          </a:lnRef>
-          <a:fillRef idx="0">
-            <a:schemeClr val="accent1"/>
-          </a:fillRef>
-          <a:effectRef idx="0">
-            <a:schemeClr val="accent1"/>
-          </a:effectRef>
-          <a:fontRef idx="minor">
-            <a:schemeClr val="tx1"/>
-          </a:fontRef>
-        </p:style>
-      </p:cxnSp>
-      <p:cxnSp>
-        <p:nvCxnSpPr>
-          <p:cNvPr id="90" name="Straight Connector 26"/>
-          <p:cNvCxnSpPr/>
-          <p:nvPr/>
-        </p:nvCxnSpPr>
-        <p:spPr>
-          <a:xfrm>
-            <a:off x="3501155" y="4518771"/>
-            <a:ext cx="2403141" cy="8859"/>
-          </a:xfrm>
-          <a:prstGeom prst="line">
-            <a:avLst/>
-          </a:prstGeom>
-          <a:ln w="19050">
-            <a:solidFill>
-              <a:schemeClr val="tx1"/>
-            </a:solidFill>
-            <a:headEnd type="none"/>
-            <a:tailEnd type="arrow"/>
-          </a:ln>
-        </p:spPr>
-        <p:style>
-          <a:lnRef idx="1">
-            <a:schemeClr val="accent1"/>
-          </a:lnRef>
-          <a:fillRef idx="0">
-            <a:schemeClr val="accent1"/>
-          </a:fillRef>
-          <a:effectRef idx="0">
-            <a:schemeClr val="accent1"/>
-          </a:effectRef>
-          <a:fontRef idx="minor">
-            <a:schemeClr val="tx1"/>
-          </a:fontRef>
-        </p:style>
-      </p:cxnSp>
-      <p:cxnSp>
-        <p:nvCxnSpPr>
-          <p:cNvPr id="91" name="Straight Connector 26"/>
-          <p:cNvCxnSpPr/>
-          <p:nvPr/>
-        </p:nvCxnSpPr>
-        <p:spPr>
-          <a:xfrm>
-            <a:off x="2061821" y="3892237"/>
-            <a:ext cx="0" cy="365760"/>
-          </a:xfrm>
-          <a:prstGeom prst="line">
-            <a:avLst/>
-          </a:prstGeom>
-          <a:ln w="19050">
-            <a:solidFill>
-              <a:schemeClr val="tx1"/>
-            </a:solidFill>
-            <a:headEnd type="none"/>
-            <a:tailEnd type="arrow"/>
-          </a:ln>
-        </p:spPr>
-        <p:style>
-          <a:lnRef idx="1">
-            <a:schemeClr val="accent1"/>
-          </a:lnRef>
-          <a:fillRef idx="0">
-            <a:schemeClr val="accent1"/>
-          </a:fillRef>
-          <a:effectRef idx="0">
-            <a:schemeClr val="accent1"/>
-          </a:effectRef>
-          <a:fontRef idx="minor">
-            <a:schemeClr val="tx1"/>
-          </a:fontRef>
-        </p:style>
-      </p:cxnSp>
-      <p:cxnSp>
-        <p:nvCxnSpPr>
-          <p:cNvPr id="92" name="Straight Connector 26"/>
-          <p:cNvCxnSpPr/>
-          <p:nvPr/>
-        </p:nvCxnSpPr>
-        <p:spPr>
-          <a:xfrm>
-            <a:off x="2061822" y="4772771"/>
-            <a:ext cx="0" cy="365760"/>
-          </a:xfrm>
-          <a:prstGeom prst="line">
-            <a:avLst/>
-          </a:prstGeom>
-          <a:ln w="19050">
-            <a:solidFill>
-              <a:schemeClr val="tx1"/>
-            </a:solidFill>
-            <a:headEnd type="none"/>
-            <a:tailEnd type="arrow"/>
-          </a:ln>
-        </p:spPr>
-        <p:style>
-          <a:lnRef idx="1">
-            <a:schemeClr val="accent1"/>
-          </a:lnRef>
-          <a:fillRef idx="0">
-            <a:schemeClr val="accent1"/>
-          </a:fillRef>
-          <a:effectRef idx="0">
-            <a:schemeClr val="accent1"/>
-          </a:effectRef>
-          <a:fontRef idx="minor">
-            <a:schemeClr val="tx1"/>
-          </a:fontRef>
-        </p:style>
-      </p:cxnSp>
-      <p:cxnSp>
-        <p:nvCxnSpPr>
-          <p:cNvPr id="93" name="Straight Connector 26"/>
-          <p:cNvCxnSpPr/>
-          <p:nvPr/>
-        </p:nvCxnSpPr>
-        <p:spPr>
-          <a:xfrm>
-            <a:off x="6938622" y="3062504"/>
-            <a:ext cx="0" cy="365760"/>
-          </a:xfrm>
-          <a:prstGeom prst="line">
-            <a:avLst/>
-          </a:prstGeom>
-          <a:ln w="19050">
-            <a:solidFill>
-              <a:schemeClr val="tx1"/>
-            </a:solidFill>
-            <a:headEnd type="arrow"/>
-            <a:tailEnd type="none"/>
-          </a:ln>
-        </p:spPr>
-        <p:style>
-          <a:lnRef idx="1">
-            <a:schemeClr val="accent1"/>
-          </a:lnRef>
-          <a:fillRef idx="0">
-            <a:schemeClr val="accent1"/>
-          </a:fillRef>
-          <a:effectRef idx="0">
-            <a:schemeClr val="accent1"/>
-          </a:effectRef>
-          <a:fontRef idx="minor">
-            <a:schemeClr val="tx1"/>
-          </a:fontRef>
-        </p:style>
-      </p:cxnSp>
-      <p:cxnSp>
-        <p:nvCxnSpPr>
-          <p:cNvPr id="94" name="Straight Connector 26"/>
-          <p:cNvCxnSpPr/>
-          <p:nvPr/>
-        </p:nvCxnSpPr>
-        <p:spPr>
-          <a:xfrm>
-            <a:off x="6921688" y="3909170"/>
-            <a:ext cx="0" cy="365760"/>
-          </a:xfrm>
-          <a:prstGeom prst="line">
-            <a:avLst/>
-          </a:prstGeom>
-          <a:ln w="19050">
-            <a:solidFill>
-              <a:schemeClr val="tx1"/>
-            </a:solidFill>
-            <a:headEnd type="arrow"/>
-            <a:tailEnd type="none"/>
-          </a:ln>
-        </p:spPr>
-        <p:style>
-          <a:lnRef idx="1">
-            <a:schemeClr val="accent1"/>
-          </a:lnRef>
-          <a:fillRef idx="0">
-            <a:schemeClr val="accent1"/>
-          </a:fillRef>
-          <a:effectRef idx="0">
-            <a:schemeClr val="accent1"/>
-          </a:effectRef>
-          <a:fontRef idx="minor">
-            <a:schemeClr val="tx1"/>
-          </a:fontRef>
-        </p:style>
-      </p:cxnSp>
-      <p:cxnSp>
-        <p:nvCxnSpPr>
-          <p:cNvPr id="95" name="Straight Connector 26"/>
-          <p:cNvCxnSpPr/>
-          <p:nvPr/>
-        </p:nvCxnSpPr>
-        <p:spPr>
-          <a:xfrm>
-            <a:off x="6921689" y="4789704"/>
-            <a:ext cx="0" cy="365760"/>
-          </a:xfrm>
-          <a:prstGeom prst="line">
-            <a:avLst/>
-          </a:prstGeom>
-          <a:ln w="19050">
-            <a:solidFill>
-              <a:schemeClr val="tx1"/>
-            </a:solidFill>
-            <a:headEnd type="arrow"/>
-            <a:tailEnd type="none"/>
-          </a:ln>
-        </p:spPr>
-        <p:style>
-          <a:lnRef idx="1">
-            <a:schemeClr val="accent1"/>
-          </a:lnRef>
-          <a:fillRef idx="0">
-            <a:schemeClr val="accent1"/>
-          </a:fillRef>
-          <a:effectRef idx="0">
-            <a:schemeClr val="accent1"/>
-          </a:effectRef>
-          <a:fontRef idx="minor">
-            <a:schemeClr val="tx1"/>
-          </a:fontRef>
-        </p:style>
-      </p:cxnSp>
-      <p:cxnSp>
-        <p:nvCxnSpPr>
-          <p:cNvPr id="96" name="Straight Connector 26"/>
-          <p:cNvCxnSpPr/>
-          <p:nvPr/>
-        </p:nvCxnSpPr>
-        <p:spPr>
-          <a:xfrm>
-            <a:off x="3484222" y="5348505"/>
-            <a:ext cx="2403141" cy="8859"/>
-          </a:xfrm>
-          <a:prstGeom prst="line">
-            <a:avLst/>
-          </a:prstGeom>
-          <a:ln w="19050">
-            <a:solidFill>
-              <a:schemeClr val="tx1"/>
-            </a:solidFill>
-            <a:headEnd type="none"/>
-            <a:tailEnd type="arrow"/>
-          </a:ln>
-        </p:spPr>
-        <p:style>
-          <a:lnRef idx="1">
-            <a:schemeClr val="accent1"/>
-          </a:lnRef>
-          <a:fillRef idx="0">
-            <a:schemeClr val="accent1"/>
-          </a:fillRef>
-          <a:effectRef idx="0">
-            <a:schemeClr val="accent1"/>
-          </a:effectRef>
-          <a:fontRef idx="minor">
-            <a:schemeClr val="tx1"/>
-          </a:fontRef>
-        </p:style>
-      </p:cxnSp>
-      <p:cxnSp>
-        <p:nvCxnSpPr>
-          <p:cNvPr id="97" name="Straight Connector 26"/>
-          <p:cNvCxnSpPr/>
-          <p:nvPr/>
-        </p:nvCxnSpPr>
-        <p:spPr>
-          <a:xfrm>
-            <a:off x="6947858" y="1886151"/>
-            <a:ext cx="0" cy="685800"/>
-          </a:xfrm>
-          <a:prstGeom prst="line">
-            <a:avLst/>
-          </a:prstGeom>
-          <a:ln w="19050">
-            <a:solidFill>
-              <a:schemeClr val="tx1"/>
-            </a:solidFill>
-            <a:headEnd type="arrow"/>
-            <a:tailEnd type="none"/>
-          </a:ln>
-        </p:spPr>
-        <p:style>
-          <a:lnRef idx="1">
-            <a:schemeClr val="accent1"/>
-          </a:lnRef>
-          <a:fillRef idx="0">
-            <a:schemeClr val="accent1"/>
-          </a:fillRef>
-          <a:effectRef idx="0">
-            <a:schemeClr val="accent1"/>
-          </a:effectRef>
-          <a:fontRef idx="minor">
-            <a:schemeClr val="tx1"/>
-          </a:fontRef>
-        </p:style>
-      </p:cxnSp>
-      <p:cxnSp>
-        <p:nvCxnSpPr>
-          <p:cNvPr id="98" name="Straight Connector 26"/>
-          <p:cNvCxnSpPr>
-            <a:stCxn id="69" idx="3"/>
-            <a:endCxn id="76" idx="1"/>
-          </p:cNvCxnSpPr>
-          <p:nvPr/>
-        </p:nvCxnSpPr>
-        <p:spPr>
-          <a:xfrm flipV="1">
-            <a:off x="3483834" y="3119611"/>
-            <a:ext cx="548994" cy="541938"/>
-          </a:xfrm>
-          <a:prstGeom prst="bentConnector3">
-            <a:avLst>
-              <a:gd name="adj1" fmla="val 50000"/>
-            </a:avLst>
-          </a:prstGeom>
-          <a:ln w="28575" cmpd="sng">
-            <a:solidFill>
-              <a:schemeClr val="tx1"/>
-            </a:solidFill>
-            <a:prstDash val="dash"/>
-            <a:headEnd type="none"/>
-            <a:tailEnd type="arrow"/>
-          </a:ln>
-        </p:spPr>
-        <p:style>
-          <a:lnRef idx="1">
-            <a:schemeClr val="accent1"/>
-          </a:lnRef>
-          <a:fillRef idx="0">
-            <a:schemeClr val="accent1"/>
-          </a:fillRef>
-          <a:effectRef idx="0">
-            <a:schemeClr val="accent1"/>
-          </a:effectRef>
-          <a:fontRef idx="minor">
-            <a:schemeClr val="tx1"/>
-          </a:fontRef>
-        </p:style>
-      </p:cxnSp>
-      <p:cxnSp>
-        <p:nvCxnSpPr>
-          <p:cNvPr id="32" name="Straight Connector 26"/>
-          <p:cNvCxnSpPr/>
-          <p:nvPr/>
-        </p:nvCxnSpPr>
-        <p:spPr>
-          <a:xfrm>
-            <a:off x="3484225" y="5483972"/>
-            <a:ext cx="2403141" cy="8859"/>
-          </a:xfrm>
-          <a:prstGeom prst="line">
-            <a:avLst/>
-          </a:prstGeom>
-          <a:ln w="19050">
-            <a:solidFill>
-              <a:schemeClr val="tx1"/>
-            </a:solidFill>
-            <a:headEnd type="none"/>
-            <a:tailEnd type="arrow"/>
-          </a:ln>
-        </p:spPr>
-        <p:style>
-          <a:lnRef idx="1">
-            <a:schemeClr val="accent1"/>
-          </a:lnRef>
-          <a:fillRef idx="0">
-            <a:schemeClr val="accent1"/>
-          </a:fillRef>
-          <a:effectRef idx="0">
-            <a:schemeClr val="accent1"/>
-          </a:effectRef>
-          <a:fontRef idx="minor">
-            <a:schemeClr val="tx1"/>
-          </a:fontRef>
-        </p:style>
-      </p:cxnSp>
-      <p:sp>
-        <p:nvSpPr>
-          <p:cNvPr id="33" name="TextBox 54"/>
-          <p:cNvSpPr txBox="1"/>
-          <p:nvPr/>
-        </p:nvSpPr>
-        <p:spPr>
-          <a:xfrm>
-            <a:off x="4267192" y="4890234"/>
-            <a:ext cx="897467" cy="369332"/>
-          </a:xfrm>
-          <a:prstGeom prst="rect">
-            <a:avLst/>
-          </a:prstGeom>
-          <a:noFill/>
-        </p:spPr>
-        <p:txBody>
-          <a:bodyPr wrap="square" rtlCol="0">
-            <a:spAutoFit/>
-          </a:bodyPr>
-          <a:lstStyle/>
-          <a:p>
-            <a:r>
-              <a:rPr lang="en-US" dirty="0"/>
-              <a:t>DPDK</a:t>
-            </a:r>
-          </a:p>
-        </p:txBody>
-      </p:sp>
-      <p:sp>
-        <p:nvSpPr>
-          <p:cNvPr id="34" name="TextBox 54"/>
-          <p:cNvSpPr txBox="1"/>
-          <p:nvPr/>
-        </p:nvSpPr>
-        <p:spPr>
-          <a:xfrm>
-            <a:off x="4216393" y="5550634"/>
-            <a:ext cx="897467" cy="369332"/>
-          </a:xfrm>
-          <a:prstGeom prst="rect">
-            <a:avLst/>
-          </a:prstGeom>
-          <a:noFill/>
-        </p:spPr>
-        <p:txBody>
-          <a:bodyPr wrap="square" rtlCol="0">
-            <a:spAutoFit/>
-          </a:bodyPr>
-          <a:lstStyle/>
-          <a:p>
-            <a:r>
-              <a:rPr lang="en-US" dirty="0"/>
-              <a:t>RDMA</a:t>
-            </a:r>
-          </a:p>
-        </p:txBody>
-      </p:sp>
-    </p:spTree>
-    <p:extLst>
-      <p:ext uri="{BB962C8B-B14F-4D97-AF65-F5344CB8AC3E}">
-        <p14:creationId xmlns:p14="http://schemas.microsoft.com/office/powerpoint/2010/main" val="1164031415"/>
       </p:ext>
     </p:extLst>
   </p:cSld>

--- a/figures/figures.pptx
+++ b/figures/figures.pptx
@@ -7,17 +7,18 @@
   <p:sldIdLst>
     <p:sldId id="269" r:id="rId2"/>
     <p:sldId id="270" r:id="rId3"/>
-    <p:sldId id="266" r:id="rId4"/>
-    <p:sldId id="267" r:id="rId5"/>
-    <p:sldId id="268" r:id="rId6"/>
-    <p:sldId id="262" r:id="rId7"/>
-    <p:sldId id="264" r:id="rId8"/>
-    <p:sldId id="256" r:id="rId9"/>
-    <p:sldId id="259" r:id="rId10"/>
-    <p:sldId id="261" r:id="rId11"/>
-    <p:sldId id="260" r:id="rId12"/>
-    <p:sldId id="257" r:id="rId13"/>
-    <p:sldId id="258" r:id="rId14"/>
+    <p:sldId id="271" r:id="rId4"/>
+    <p:sldId id="266" r:id="rId5"/>
+    <p:sldId id="267" r:id="rId6"/>
+    <p:sldId id="268" r:id="rId7"/>
+    <p:sldId id="262" r:id="rId8"/>
+    <p:sldId id="264" r:id="rId9"/>
+    <p:sldId id="256" r:id="rId10"/>
+    <p:sldId id="259" r:id="rId11"/>
+    <p:sldId id="261" r:id="rId12"/>
+    <p:sldId id="260" r:id="rId13"/>
+    <p:sldId id="257" r:id="rId14"/>
+    <p:sldId id="258" r:id="rId15"/>
   </p:sldIdLst>
   <p:sldSz cx="9144000" cy="6858000" type="screen4x3"/>
   <p:notesSz cx="6858000" cy="9144000"/>
@@ -3154,51 +3155,16 @@
           <a:chExt cx="0" cy="0"/>
         </a:xfrm>
       </p:grpSpPr>
-      <p:cxnSp>
-        <p:nvCxnSpPr>
-          <p:cNvPr id="13" name="Elbow Connector 12"/>
-          <p:cNvCxnSpPr/>
-          <p:nvPr/>
-        </p:nvCxnSpPr>
-        <p:spPr>
-          <a:xfrm rot="16200000" flipH="1">
-            <a:off x="2633741" y="3610815"/>
-            <a:ext cx="582379" cy="371102"/>
-          </a:xfrm>
-          <a:prstGeom prst="bentConnector2">
-            <a:avLst/>
-          </a:prstGeom>
-          <a:ln w="28575">
-            <a:solidFill>
-              <a:schemeClr val="tx1"/>
-            </a:solidFill>
-          </a:ln>
-        </p:spPr>
-        <p:style>
-          <a:lnRef idx="1">
-            <a:schemeClr val="accent1"/>
-          </a:lnRef>
-          <a:fillRef idx="0">
-            <a:schemeClr val="accent1"/>
-          </a:fillRef>
-          <a:effectRef idx="0">
-            <a:schemeClr val="accent1"/>
-          </a:effectRef>
-          <a:fontRef idx="minor">
-            <a:schemeClr val="tx1"/>
-          </a:fontRef>
-        </p:style>
-      </p:cxnSp>
-      <p:sp>
-        <p:nvSpPr>
-          <p:cNvPr id="16" name="Rectangle 15"/>
+      <p:sp>
+        <p:nvSpPr>
+          <p:cNvPr id="4" name="Rectangle 3"/>
           <p:cNvSpPr/>
           <p:nvPr/>
         </p:nvSpPr>
         <p:spPr>
           <a:xfrm>
-            <a:off x="4458410" y="910753"/>
-            <a:ext cx="2697100" cy="2715907"/>
+            <a:off x="889242" y="914210"/>
+            <a:ext cx="4013848" cy="2711454"/>
           </a:xfrm>
           <a:prstGeom prst="rect">
             <a:avLst/>
@@ -3238,33 +3204,444 @@
           </a:p>
         </p:txBody>
       </p:sp>
-      <p:sp>
-        <p:nvSpPr>
-          <p:cNvPr id="20" name="Rectangle 19"/>
-          <p:cNvSpPr/>
-          <p:nvPr/>
-        </p:nvSpPr>
-        <p:spPr>
-          <a:xfrm>
-            <a:off x="4641272" y="1069268"/>
-            <a:ext cx="2378460" cy="1443432"/>
+      <p:pic>
+        <p:nvPicPr>
+          <p:cNvPr id="5" name="Picture 4"/>
+          <p:cNvPicPr>
+            <a:picLocks noChangeAspect="1"/>
+          </p:cNvPicPr>
+          <p:nvPr/>
+        </p:nvPicPr>
+        <p:blipFill rotWithShape="1">
+          <a:blip r:embed="rId2">
+            <a:extLst>
+              <a:ext uri="{BEBA8EAE-BF5A-486C-A8C5-ECC9F3942E4B}">
+                <a14:imgProps xmlns:a14="http://schemas.microsoft.com/office/drawing/2010/main">
+                  <a14:imgLayer r:embed="rId3">
+                    <a14:imgEffect>
+                      <a14:saturation sat="33000"/>
+                    </a14:imgEffect>
+                  </a14:imgLayer>
+                </a14:imgProps>
+              </a:ext>
+              <a:ext uri="{28A0092B-C50C-407E-A947-70E740481C1C}">
+                <a14:useLocalDpi xmlns:a14="http://schemas.microsoft.com/office/drawing/2010/main" val="0"/>
+              </a:ext>
+            </a:extLst>
+          </a:blip>
+          <a:srcRect l="5811" t="8849" r="8982" b="11296"/>
+          <a:stretch/>
+        </p:blipFill>
+        <p:spPr>
+          <a:xfrm>
+            <a:off x="2161704" y="2160728"/>
+            <a:ext cx="958711" cy="749631"/>
           </a:xfrm>
           <a:prstGeom prst="rect">
             <a:avLst/>
           </a:prstGeom>
-          <a:solidFill>
-            <a:schemeClr val="tx1">
-              <a:lumMod val="65000"/>
-              <a:lumOff val="35000"/>
-            </a:schemeClr>
-          </a:solidFill>
+        </p:spPr>
+      </p:pic>
+      <p:cxnSp>
+        <p:nvCxnSpPr>
+          <p:cNvPr id="6" name="Straight Connector 5"/>
+          <p:cNvCxnSpPr>
+            <a:stCxn id="9" idx="2"/>
+          </p:cNvCxnSpPr>
+          <p:nvPr/>
+        </p:nvCxnSpPr>
+        <p:spPr>
+          <a:xfrm>
+            <a:off x="1699619" y="1920110"/>
+            <a:ext cx="624481" cy="362080"/>
+          </a:xfrm>
+          <a:prstGeom prst="line">
+            <a:avLst/>
+          </a:prstGeom>
           <a:ln w="28575">
             <a:solidFill>
+              <a:schemeClr val="tx1"/>
+            </a:solidFill>
+          </a:ln>
+        </p:spPr>
+        <p:style>
+          <a:lnRef idx="1">
+            <a:schemeClr val="accent1"/>
+          </a:lnRef>
+          <a:fillRef idx="0">
+            <a:schemeClr val="accent1"/>
+          </a:fillRef>
+          <a:effectRef idx="0">
+            <a:schemeClr val="accent1"/>
+          </a:effectRef>
+          <a:fontRef idx="minor">
+            <a:schemeClr val="tx1"/>
+          </a:fontRef>
+        </p:style>
+      </p:cxnSp>
+      <p:grpSp>
+        <p:nvGrpSpPr>
+          <p:cNvPr id="7" name="Group 6"/>
+          <p:cNvGrpSpPr/>
+          <p:nvPr/>
+        </p:nvGrpSpPr>
+        <p:grpSpPr>
+          <a:xfrm>
+            <a:off x="1028330" y="1046092"/>
+            <a:ext cx="2096550" cy="1017008"/>
+            <a:chOff x="598008" y="1046092"/>
+            <a:chExt cx="2096550" cy="1017008"/>
+          </a:xfrm>
+        </p:grpSpPr>
+        <p:sp>
+          <p:nvSpPr>
+            <p:cNvPr id="8" name="Rectangle 7"/>
+            <p:cNvSpPr/>
+            <p:nvPr/>
+          </p:nvSpPr>
+          <p:spPr>
+            <a:xfrm>
+              <a:off x="598008" y="1046092"/>
+              <a:ext cx="1342578" cy="673371"/>
+            </a:xfrm>
+            <a:prstGeom prst="rect">
+              <a:avLst/>
+            </a:prstGeom>
+            <a:solidFill>
               <a:schemeClr val="tx1">
-                <a:lumMod val="75000"/>
-                <a:lumOff val="25000"/>
+                <a:lumMod val="65000"/>
+                <a:lumOff val="35000"/>
               </a:schemeClr>
             </a:solidFill>
+            <a:ln w="28575">
+              <a:solidFill>
+                <a:schemeClr val="tx1">
+                  <a:lumMod val="75000"/>
+                  <a:lumOff val="25000"/>
+                </a:schemeClr>
+              </a:solidFill>
+            </a:ln>
+          </p:spPr>
+          <p:style>
+            <a:lnRef idx="2">
+              <a:schemeClr val="accent1">
+                <a:shade val="50000"/>
+              </a:schemeClr>
+            </a:lnRef>
+            <a:fillRef idx="1">
+              <a:schemeClr val="accent1"/>
+            </a:fillRef>
+            <a:effectRef idx="0">
+              <a:schemeClr val="accent1"/>
+            </a:effectRef>
+            <a:fontRef idx="minor">
+              <a:schemeClr val="lt1"/>
+            </a:fontRef>
+          </p:style>
+          <p:txBody>
+            <a:bodyPr rtlCol="0" anchor="ctr"/>
+            <a:lstStyle/>
+            <a:p>
+              <a:pPr algn="ctr"/>
+              <a:r>
+                <a:rPr lang="en-US" dirty="0">
+                  <a:solidFill>
+                    <a:schemeClr val="bg1"/>
+                  </a:solidFill>
+                </a:rPr>
+                <a:t>Container </a:t>
+              </a:r>
+              <a:r>
+                <a:rPr lang="en-US" i="1" dirty="0">
+                  <a:solidFill>
+                    <a:schemeClr val="bg1"/>
+                  </a:solidFill>
+                </a:rPr>
+                <a:t>1</a:t>
+              </a:r>
+            </a:p>
+          </p:txBody>
+        </p:sp>
+        <p:sp>
+          <p:nvSpPr>
+            <p:cNvPr id="9" name="Rectangle 8"/>
+            <p:cNvSpPr/>
+            <p:nvPr/>
+          </p:nvSpPr>
+          <p:spPr>
+            <a:xfrm>
+              <a:off x="1163050" y="1723542"/>
+              <a:ext cx="212493" cy="196568"/>
+            </a:xfrm>
+            <a:prstGeom prst="rect">
+              <a:avLst/>
+            </a:prstGeom>
+            <a:solidFill>
+              <a:srgbClr val="DDDDDD"/>
+            </a:solidFill>
+            <a:ln w="22225">
+              <a:solidFill>
+                <a:schemeClr val="tx1">
+                  <a:lumMod val="75000"/>
+                  <a:lumOff val="25000"/>
+                </a:schemeClr>
+              </a:solidFill>
+            </a:ln>
+          </p:spPr>
+          <p:style>
+            <a:lnRef idx="2">
+              <a:schemeClr val="accent1">
+                <a:shade val="50000"/>
+              </a:schemeClr>
+            </a:lnRef>
+            <a:fillRef idx="1">
+              <a:schemeClr val="accent1"/>
+            </a:fillRef>
+            <a:effectRef idx="0">
+              <a:schemeClr val="accent1"/>
+            </a:effectRef>
+            <a:fontRef idx="minor">
+              <a:schemeClr val="lt1"/>
+            </a:fontRef>
+          </p:style>
+          <p:txBody>
+            <a:bodyPr rtlCol="0" anchor="ctr"/>
+            <a:lstStyle/>
+            <a:p>
+              <a:pPr algn="ctr"/>
+              <a:endParaRPr lang="en-US" i="1" dirty="0">
+                <a:solidFill>
+                  <a:schemeClr val="bg1"/>
+                </a:solidFill>
+              </a:endParaRPr>
+            </a:p>
+          </p:txBody>
+        </p:sp>
+        <p:sp>
+          <p:nvSpPr>
+            <p:cNvPr id="10" name="TextBox 9"/>
+            <p:cNvSpPr txBox="1"/>
+            <p:nvPr/>
+          </p:nvSpPr>
+          <p:spPr>
+            <a:xfrm>
+              <a:off x="1342413" y="1724546"/>
+              <a:ext cx="1352145" cy="338554"/>
+            </a:xfrm>
+            <a:prstGeom prst="rect">
+              <a:avLst/>
+            </a:prstGeom>
+            <a:noFill/>
+            <a:ln w="28575">
+              <a:noFill/>
+            </a:ln>
+          </p:spPr>
+          <p:txBody>
+            <a:bodyPr wrap="square" rtlCol="0">
+              <a:spAutoFit/>
+            </a:bodyPr>
+            <a:lstStyle/>
+            <a:p>
+              <a:r>
+                <a:rPr lang="en-US" sz="1600" dirty="0"/>
+                <a:t>veth0: 1.1.1.1</a:t>
+              </a:r>
+            </a:p>
+          </p:txBody>
+        </p:sp>
+      </p:grpSp>
+      <p:cxnSp>
+        <p:nvCxnSpPr>
+          <p:cNvPr id="11" name="Straight Connector 10"/>
+          <p:cNvCxnSpPr/>
+          <p:nvPr/>
+        </p:nvCxnSpPr>
+        <p:spPr>
+          <a:xfrm flipH="1">
+            <a:off x="2963865" y="1916868"/>
+            <a:ext cx="537472" cy="365322"/>
+          </a:xfrm>
+          <a:prstGeom prst="line">
+            <a:avLst/>
+          </a:prstGeom>
+          <a:ln w="28575">
+            <a:solidFill>
+              <a:schemeClr val="tx1"/>
+            </a:solidFill>
+          </a:ln>
+        </p:spPr>
+        <p:style>
+          <a:lnRef idx="1">
+            <a:schemeClr val="accent1"/>
+          </a:lnRef>
+          <a:fillRef idx="0">
+            <a:schemeClr val="accent1"/>
+          </a:fillRef>
+          <a:effectRef idx="0">
+            <a:schemeClr val="accent1"/>
+          </a:effectRef>
+          <a:fontRef idx="minor">
+            <a:schemeClr val="tx1"/>
+          </a:fontRef>
+        </p:style>
+      </p:cxnSp>
+      <p:cxnSp>
+        <p:nvCxnSpPr>
+          <p:cNvPr id="12" name="Straight Connector 11"/>
+          <p:cNvCxnSpPr/>
+          <p:nvPr/>
+        </p:nvCxnSpPr>
+        <p:spPr>
+          <a:xfrm>
+            <a:off x="2641059" y="2884115"/>
+            <a:ext cx="0" cy="327609"/>
+          </a:xfrm>
+          <a:prstGeom prst="line">
+            <a:avLst/>
+          </a:prstGeom>
+          <a:ln w="28575">
+            <a:solidFill>
+              <a:schemeClr val="tx1"/>
+            </a:solidFill>
+          </a:ln>
+        </p:spPr>
+        <p:style>
+          <a:lnRef idx="1">
+            <a:schemeClr val="accent1"/>
+          </a:lnRef>
+          <a:fillRef idx="0">
+            <a:schemeClr val="accent1"/>
+          </a:fillRef>
+          <a:effectRef idx="0">
+            <a:schemeClr val="accent1"/>
+          </a:effectRef>
+          <a:fontRef idx="minor">
+            <a:schemeClr val="tx1"/>
+          </a:fontRef>
+        </p:style>
+      </p:cxnSp>
+      <p:cxnSp>
+        <p:nvCxnSpPr>
+          <p:cNvPr id="13" name="Elbow Connector 12"/>
+          <p:cNvCxnSpPr>
+            <a:stCxn id="42" idx="2"/>
+            <a:endCxn id="29" idx="2"/>
+          </p:cNvCxnSpPr>
+          <p:nvPr/>
+        </p:nvCxnSpPr>
+        <p:spPr>
+          <a:xfrm rot="16200000" flipH="1">
+            <a:off x="2535421" y="3610815"/>
+            <a:ext cx="582379" cy="371102"/>
+          </a:xfrm>
+          <a:prstGeom prst="bentConnector2">
+            <a:avLst/>
+          </a:prstGeom>
+          <a:ln w="28575">
+            <a:solidFill>
+              <a:schemeClr val="tx1"/>
+            </a:solidFill>
+          </a:ln>
+        </p:spPr>
+        <p:style>
+          <a:lnRef idx="1">
+            <a:schemeClr val="accent1"/>
+          </a:lnRef>
+          <a:fillRef idx="0">
+            <a:schemeClr val="accent1"/>
+          </a:fillRef>
+          <a:effectRef idx="0">
+            <a:schemeClr val="accent1"/>
+          </a:effectRef>
+          <a:fontRef idx="minor">
+            <a:schemeClr val="tx1"/>
+          </a:fontRef>
+        </p:style>
+      </p:cxnSp>
+      <p:sp>
+        <p:nvSpPr>
+          <p:cNvPr id="14" name="TextBox 13"/>
+          <p:cNvSpPr txBox="1"/>
+          <p:nvPr/>
+        </p:nvSpPr>
+        <p:spPr>
+          <a:xfrm>
+            <a:off x="3089202" y="2315575"/>
+            <a:ext cx="1799706" cy="707886"/>
+          </a:xfrm>
+          <a:prstGeom prst="rect">
+            <a:avLst/>
+          </a:prstGeom>
+          <a:noFill/>
+        </p:spPr>
+        <p:txBody>
+          <a:bodyPr wrap="square" rtlCol="0">
+            <a:spAutoFit/>
+          </a:bodyPr>
+          <a:lstStyle/>
+          <a:p>
+            <a:r>
+              <a:rPr lang="en-US" sz="2000" dirty="0"/>
+              <a:t>Overlay Router</a:t>
+            </a:r>
+          </a:p>
+        </p:txBody>
+      </p:sp>
+      <p:sp>
+        <p:nvSpPr>
+          <p:cNvPr id="15" name="TextBox 14"/>
+          <p:cNvSpPr txBox="1"/>
+          <p:nvPr/>
+        </p:nvSpPr>
+        <p:spPr>
+          <a:xfrm>
+            <a:off x="886886" y="447306"/>
+            <a:ext cx="1352145" cy="461665"/>
+          </a:xfrm>
+          <a:prstGeom prst="rect">
+            <a:avLst/>
+          </a:prstGeom>
+          <a:noFill/>
+        </p:spPr>
+        <p:txBody>
+          <a:bodyPr wrap="square" rtlCol="0">
+            <a:spAutoFit/>
+          </a:bodyPr>
+          <a:lstStyle/>
+          <a:p>
+            <a:r>
+              <a:rPr lang="en-US" sz="2400" dirty="0"/>
+              <a:t>Host </a:t>
+            </a:r>
+            <a:r>
+              <a:rPr lang="en-US" sz="2400" i="1" dirty="0"/>
+              <a:t>1</a:t>
+            </a:r>
+          </a:p>
+        </p:txBody>
+      </p:sp>
+      <p:sp>
+        <p:nvSpPr>
+          <p:cNvPr id="16" name="Rectangle 15"/>
+          <p:cNvSpPr/>
+          <p:nvPr/>
+        </p:nvSpPr>
+        <p:spPr>
+          <a:xfrm>
+            <a:off x="5046419" y="910753"/>
+            <a:ext cx="2229008" cy="2715907"/>
+          </a:xfrm>
+          <a:prstGeom prst="rect">
+            <a:avLst/>
+          </a:prstGeom>
+          <a:noFill/>
+          <a:ln w="28575">
+            <a:solidFill>
+              <a:schemeClr val="bg1">
+                <a:lumMod val="50000"/>
+              </a:schemeClr>
+            </a:solidFill>
+            <a:prstDash val="dash"/>
           </a:ln>
         </p:spPr>
         <p:style>
@@ -3288,70 +3665,61 @@
           <a:lstStyle/>
           <a:p>
             <a:pPr algn="ctr"/>
-            <a:r>
-              <a:rPr lang="en-US" sz="2400" dirty="0">
-                <a:solidFill>
-                  <a:schemeClr val="bg1"/>
-                </a:solidFill>
-              </a:rPr>
-              <a:t>Container </a:t>
-            </a:r>
-            <a:r>
-              <a:rPr lang="en-US" sz="2400" i="1" dirty="0">
-                <a:solidFill>
-                  <a:schemeClr val="bg1"/>
-                </a:solidFill>
-              </a:rPr>
-              <a:t>3</a:t>
-            </a:r>
-          </a:p>
-          <a:p>
-            <a:pPr algn="ctr"/>
-            <a:endParaRPr lang="en-US" sz="1000" i="1" dirty="0">
-              <a:solidFill>
-                <a:schemeClr val="bg1"/>
-              </a:solidFill>
-            </a:endParaRPr>
-          </a:p>
-          <a:p>
-            <a:pPr algn="ctr"/>
-            <a:endParaRPr lang="en-US" i="1" dirty="0">
-              <a:solidFill>
-                <a:schemeClr val="bg1"/>
-              </a:solidFill>
-            </a:endParaRPr>
-          </a:p>
-          <a:p>
-            <a:pPr algn="ctr"/>
-            <a:endParaRPr lang="en-US" i="1" dirty="0">
-              <a:solidFill>
-                <a:schemeClr val="bg1"/>
-              </a:solidFill>
-            </a:endParaRPr>
-          </a:p>
-          <a:p>
-            <a:pPr algn="ctr"/>
-            <a:endParaRPr lang="en-US" i="1" dirty="0">
-              <a:solidFill>
-                <a:schemeClr val="bg1"/>
-              </a:solidFill>
-            </a:endParaRPr>
-          </a:p>
-        </p:txBody>
-      </p:sp>
+            <a:endParaRPr lang="en-US"/>
+          </a:p>
+        </p:txBody>
+      </p:sp>
+      <p:pic>
+        <p:nvPicPr>
+          <p:cNvPr id="17" name="Picture 16"/>
+          <p:cNvPicPr>
+            <a:picLocks noChangeAspect="1"/>
+          </p:cNvPicPr>
+          <p:nvPr/>
+        </p:nvPicPr>
+        <p:blipFill rotWithShape="1">
+          <a:blip r:embed="rId2">
+            <a:extLst>
+              <a:ext uri="{BEBA8EAE-BF5A-486C-A8C5-ECC9F3942E4B}">
+                <a14:imgProps xmlns:a14="http://schemas.microsoft.com/office/drawing/2010/main">
+                  <a14:imgLayer r:embed="rId3">
+                    <a14:imgEffect>
+                      <a14:saturation sat="33000"/>
+                    </a14:imgEffect>
+                  </a14:imgLayer>
+                </a14:imgProps>
+              </a:ext>
+              <a:ext uri="{28A0092B-C50C-407E-A947-70E740481C1C}">
+                <a14:useLocalDpi xmlns:a14="http://schemas.microsoft.com/office/drawing/2010/main" val="0"/>
+              </a:ext>
+            </a:extLst>
+          </a:blip>
+          <a:srcRect l="5811" t="13714" r="8982" b="11296"/>
+          <a:stretch/>
+        </p:blipFill>
+        <p:spPr>
+          <a:xfrm>
+            <a:off x="5370810" y="2221574"/>
+            <a:ext cx="958711" cy="703967"/>
+          </a:xfrm>
+          <a:prstGeom prst="rect">
+            <a:avLst/>
+          </a:prstGeom>
+        </p:spPr>
+      </p:pic>
       <p:cxnSp>
         <p:nvCxnSpPr>
-          <p:cNvPr id="23" name="Straight Connector 22"/>
+          <p:cNvPr id="18" name="Straight Connector 17"/>
           <p:cNvCxnSpPr>
-            <a:stCxn id="20" idx="2"/>
-            <a:endCxn id="41" idx="0"/>
+            <a:stCxn id="21" idx="2"/>
+            <a:endCxn id="17" idx="0"/>
           </p:cNvCxnSpPr>
           <p:nvPr/>
         </p:nvCxnSpPr>
         <p:spPr>
-          <a:xfrm flipH="1">
-            <a:off x="5828901" y="2512700"/>
-            <a:ext cx="1601" cy="556661"/>
+          <a:xfrm>
+            <a:off x="5850166" y="1922038"/>
+            <a:ext cx="0" cy="299536"/>
           </a:xfrm>
           <a:prstGeom prst="line">
             <a:avLst/>
@@ -3360,8 +3728,6 @@
             <a:solidFill>
               <a:schemeClr val="tx1"/>
             </a:solidFill>
-            <a:headEnd type="arrow" w="med" len="med"/>
-            <a:tailEnd type="none" w="med" len="med"/>
           </a:ln>
         </p:spPr>
         <p:style>
@@ -3379,6 +3745,212 @@
           </a:fontRef>
         </p:style>
       </p:cxnSp>
+      <p:grpSp>
+        <p:nvGrpSpPr>
+          <p:cNvPr id="19" name="Group 18"/>
+          <p:cNvGrpSpPr/>
+          <p:nvPr/>
+        </p:nvGrpSpPr>
+        <p:grpSpPr>
+          <a:xfrm>
+            <a:off x="5178877" y="1051178"/>
+            <a:ext cx="2096550" cy="1013850"/>
+            <a:chOff x="598008" y="1049250"/>
+            <a:chExt cx="2096550" cy="1013850"/>
+          </a:xfrm>
+        </p:grpSpPr>
+        <p:sp>
+          <p:nvSpPr>
+            <p:cNvPr id="20" name="Rectangle 19"/>
+            <p:cNvSpPr/>
+            <p:nvPr/>
+          </p:nvSpPr>
+          <p:spPr>
+            <a:xfrm>
+              <a:off x="598008" y="1049250"/>
+              <a:ext cx="1342578" cy="673370"/>
+            </a:xfrm>
+            <a:prstGeom prst="rect">
+              <a:avLst/>
+            </a:prstGeom>
+            <a:solidFill>
+              <a:schemeClr val="tx1">
+                <a:lumMod val="65000"/>
+                <a:lumOff val="35000"/>
+              </a:schemeClr>
+            </a:solidFill>
+            <a:ln w="28575">
+              <a:solidFill>
+                <a:schemeClr val="tx1">
+                  <a:lumMod val="75000"/>
+                  <a:lumOff val="25000"/>
+                </a:schemeClr>
+              </a:solidFill>
+            </a:ln>
+          </p:spPr>
+          <p:style>
+            <a:lnRef idx="2">
+              <a:schemeClr val="accent1">
+                <a:shade val="50000"/>
+              </a:schemeClr>
+            </a:lnRef>
+            <a:fillRef idx="1">
+              <a:schemeClr val="accent1"/>
+            </a:fillRef>
+            <a:effectRef idx="0">
+              <a:schemeClr val="accent1"/>
+            </a:effectRef>
+            <a:fontRef idx="minor">
+              <a:schemeClr val="lt1"/>
+            </a:fontRef>
+          </p:style>
+          <p:txBody>
+            <a:bodyPr rtlCol="0" anchor="ctr"/>
+            <a:lstStyle/>
+            <a:p>
+              <a:pPr algn="ctr"/>
+              <a:r>
+                <a:rPr lang="en-US" dirty="0">
+                  <a:solidFill>
+                    <a:schemeClr val="bg1"/>
+                  </a:solidFill>
+                </a:rPr>
+                <a:t>Container </a:t>
+              </a:r>
+              <a:r>
+                <a:rPr lang="en-US" i="1" dirty="0">
+                  <a:solidFill>
+                    <a:schemeClr val="bg1"/>
+                  </a:solidFill>
+                </a:rPr>
+                <a:t>3</a:t>
+              </a:r>
+            </a:p>
+          </p:txBody>
+        </p:sp>
+        <p:sp>
+          <p:nvSpPr>
+            <p:cNvPr id="21" name="Rectangle 20"/>
+            <p:cNvSpPr/>
+            <p:nvPr/>
+          </p:nvSpPr>
+          <p:spPr>
+            <a:xfrm>
+              <a:off x="1163050" y="1723542"/>
+              <a:ext cx="212493" cy="196568"/>
+            </a:xfrm>
+            <a:prstGeom prst="rect">
+              <a:avLst/>
+            </a:prstGeom>
+            <a:solidFill>
+              <a:srgbClr val="DDDDDD"/>
+            </a:solidFill>
+            <a:ln w="22225">
+              <a:solidFill>
+                <a:schemeClr val="tx1">
+                  <a:lumMod val="75000"/>
+                  <a:lumOff val="25000"/>
+                </a:schemeClr>
+              </a:solidFill>
+            </a:ln>
+          </p:spPr>
+          <p:style>
+            <a:lnRef idx="2">
+              <a:schemeClr val="accent1">
+                <a:shade val="50000"/>
+              </a:schemeClr>
+            </a:lnRef>
+            <a:fillRef idx="1">
+              <a:schemeClr val="accent1"/>
+            </a:fillRef>
+            <a:effectRef idx="0">
+              <a:schemeClr val="accent1"/>
+            </a:effectRef>
+            <a:fontRef idx="minor">
+              <a:schemeClr val="lt1"/>
+            </a:fontRef>
+          </p:style>
+          <p:txBody>
+            <a:bodyPr rtlCol="0" anchor="ctr"/>
+            <a:lstStyle/>
+            <a:p>
+              <a:pPr algn="ctr"/>
+              <a:endParaRPr lang="en-US" i="1" dirty="0">
+                <a:solidFill>
+                  <a:schemeClr val="bg1"/>
+                </a:solidFill>
+              </a:endParaRPr>
+            </a:p>
+          </p:txBody>
+        </p:sp>
+        <p:sp>
+          <p:nvSpPr>
+            <p:cNvPr id="22" name="TextBox 21"/>
+            <p:cNvSpPr txBox="1"/>
+            <p:nvPr/>
+          </p:nvSpPr>
+          <p:spPr>
+            <a:xfrm>
+              <a:off x="1342413" y="1724546"/>
+              <a:ext cx="1352145" cy="338554"/>
+            </a:xfrm>
+            <a:prstGeom prst="rect">
+              <a:avLst/>
+            </a:prstGeom>
+            <a:noFill/>
+            <a:ln w="28575">
+              <a:noFill/>
+            </a:ln>
+          </p:spPr>
+          <p:txBody>
+            <a:bodyPr wrap="square" rtlCol="0">
+              <a:spAutoFit/>
+            </a:bodyPr>
+            <a:lstStyle/>
+            <a:p>
+              <a:r>
+                <a:rPr lang="en-US" sz="1600" dirty="0"/>
+                <a:t>veth0: 3.3.3.3</a:t>
+              </a:r>
+            </a:p>
+          </p:txBody>
+        </p:sp>
+      </p:grpSp>
+      <p:cxnSp>
+        <p:nvCxnSpPr>
+          <p:cNvPr id="23" name="Straight Connector 22"/>
+          <p:cNvCxnSpPr/>
+          <p:nvPr/>
+        </p:nvCxnSpPr>
+        <p:spPr>
+          <a:xfrm>
+            <a:off x="5850446" y="2886043"/>
+            <a:ext cx="0" cy="327609"/>
+          </a:xfrm>
+          <a:prstGeom prst="line">
+            <a:avLst/>
+          </a:prstGeom>
+          <a:ln w="28575">
+            <a:solidFill>
+              <a:schemeClr val="tx1"/>
+            </a:solidFill>
+          </a:ln>
+        </p:spPr>
+        <p:style>
+          <a:lnRef idx="1">
+            <a:schemeClr val="accent1"/>
+          </a:lnRef>
+          <a:fillRef idx="0">
+            <a:schemeClr val="accent1"/>
+          </a:fillRef>
+          <a:effectRef idx="0">
+            <a:schemeClr val="accent1"/>
+          </a:effectRef>
+          <a:fontRef idx="minor">
+            <a:schemeClr val="tx1"/>
+          </a:fontRef>
+        </p:style>
+      </p:cxnSp>
       <p:sp>
         <p:nvSpPr>
           <p:cNvPr id="24" name="TextBox 23"/>
@@ -3387,7 +3959,7 @@
         </p:nvSpPr>
         <p:spPr>
           <a:xfrm>
-            <a:off x="4464210" y="444837"/>
+            <a:off x="5083638" y="444837"/>
             <a:ext cx="1352145" cy="461665"/>
           </a:xfrm>
           <a:prstGeom prst="rect">
@@ -3455,7 +4027,7 @@
         </p:nvGrpSpPr>
         <p:grpSpPr>
           <a:xfrm>
-            <a:off x="3011680" y="3728847"/>
+            <a:off x="3001848" y="3728847"/>
             <a:ext cx="2544699" cy="873804"/>
             <a:chOff x="3284927" y="4669757"/>
             <a:chExt cx="3386995" cy="1202692"/>
@@ -4107,6 +4679,1274 @@
         </p:nvSpPr>
         <p:spPr>
           <a:xfrm>
+            <a:off x="5187108" y="3069361"/>
+            <a:ext cx="1342578" cy="437744"/>
+          </a:xfrm>
+          <a:prstGeom prst="rect">
+            <a:avLst/>
+          </a:prstGeom>
+          <a:solidFill>
+            <a:schemeClr val="tx2">
+              <a:lumMod val="20000"/>
+              <a:lumOff val="80000"/>
+            </a:schemeClr>
+          </a:solidFill>
+          <a:ln w="25400">
+            <a:solidFill>
+              <a:schemeClr val="tx1">
+                <a:lumMod val="50000"/>
+                <a:lumOff val="50000"/>
+              </a:schemeClr>
+            </a:solidFill>
+          </a:ln>
+        </p:spPr>
+        <p:style>
+          <a:lnRef idx="2">
+            <a:schemeClr val="accent1">
+              <a:shade val="50000"/>
+            </a:schemeClr>
+          </a:lnRef>
+          <a:fillRef idx="1">
+            <a:schemeClr val="accent1"/>
+          </a:fillRef>
+          <a:effectRef idx="0">
+            <a:schemeClr val="accent1"/>
+          </a:effectRef>
+          <a:fontRef idx="minor">
+            <a:schemeClr val="lt1"/>
+          </a:fontRef>
+        </p:style>
+        <p:txBody>
+          <a:bodyPr rtlCol="0" anchor="ctr"/>
+          <a:lstStyle/>
+          <a:p>
+            <a:pPr algn="ctr"/>
+            <a:r>
+              <a:rPr lang="en-US" sz="2000" dirty="0">
+                <a:solidFill>
+                  <a:sysClr val="windowText" lastClr="000000"/>
+                </a:solidFill>
+              </a:rPr>
+              <a:t>NIC</a:t>
+            </a:r>
+          </a:p>
+        </p:txBody>
+      </p:sp>
+      <p:sp>
+        <p:nvSpPr>
+          <p:cNvPr id="42" name="Rectangle 41"/>
+          <p:cNvSpPr/>
+          <p:nvPr/>
+        </p:nvSpPr>
+        <p:spPr>
+          <a:xfrm>
+            <a:off x="1969770" y="3067433"/>
+            <a:ext cx="1342578" cy="437744"/>
+          </a:xfrm>
+          <a:prstGeom prst="rect">
+            <a:avLst/>
+          </a:prstGeom>
+          <a:solidFill>
+            <a:schemeClr val="tx2">
+              <a:lumMod val="20000"/>
+              <a:lumOff val="80000"/>
+            </a:schemeClr>
+          </a:solidFill>
+          <a:ln w="25400">
+            <a:solidFill>
+              <a:schemeClr val="tx1">
+                <a:lumMod val="50000"/>
+                <a:lumOff val="50000"/>
+              </a:schemeClr>
+            </a:solidFill>
+          </a:ln>
+        </p:spPr>
+        <p:style>
+          <a:lnRef idx="2">
+            <a:schemeClr val="accent1">
+              <a:shade val="50000"/>
+            </a:schemeClr>
+          </a:lnRef>
+          <a:fillRef idx="1">
+            <a:schemeClr val="accent1"/>
+          </a:fillRef>
+          <a:effectRef idx="0">
+            <a:schemeClr val="accent1"/>
+          </a:effectRef>
+          <a:fontRef idx="minor">
+            <a:schemeClr val="lt1"/>
+          </a:fontRef>
+        </p:style>
+        <p:txBody>
+          <a:bodyPr rtlCol="0" anchor="ctr"/>
+          <a:lstStyle/>
+          <a:p>
+            <a:pPr algn="ctr"/>
+            <a:r>
+              <a:rPr lang="en-US" sz="2000" dirty="0">
+                <a:solidFill>
+                  <a:sysClr val="windowText" lastClr="000000"/>
+                </a:solidFill>
+              </a:rPr>
+              <a:t>NIC</a:t>
+            </a:r>
+          </a:p>
+        </p:txBody>
+      </p:sp>
+      <p:grpSp>
+        <p:nvGrpSpPr>
+          <p:cNvPr id="43" name="Group 42"/>
+          <p:cNvGrpSpPr/>
+          <p:nvPr/>
+        </p:nvGrpSpPr>
+        <p:grpSpPr>
+          <a:xfrm>
+            <a:off x="2822716" y="1041177"/>
+            <a:ext cx="2096550" cy="1017008"/>
+            <a:chOff x="598008" y="1046092"/>
+            <a:chExt cx="2096550" cy="1017008"/>
+          </a:xfrm>
+        </p:grpSpPr>
+        <p:sp>
+          <p:nvSpPr>
+            <p:cNvPr id="44" name="Rectangle 43"/>
+            <p:cNvSpPr/>
+            <p:nvPr/>
+          </p:nvSpPr>
+          <p:spPr>
+            <a:xfrm>
+              <a:off x="598008" y="1046092"/>
+              <a:ext cx="1342578" cy="673371"/>
+            </a:xfrm>
+            <a:prstGeom prst="rect">
+              <a:avLst/>
+            </a:prstGeom>
+            <a:solidFill>
+              <a:schemeClr val="tx1">
+                <a:lumMod val="65000"/>
+                <a:lumOff val="35000"/>
+              </a:schemeClr>
+            </a:solidFill>
+            <a:ln w="28575">
+              <a:solidFill>
+                <a:schemeClr val="tx1">
+                  <a:lumMod val="75000"/>
+                  <a:lumOff val="25000"/>
+                </a:schemeClr>
+              </a:solidFill>
+            </a:ln>
+          </p:spPr>
+          <p:style>
+            <a:lnRef idx="2">
+              <a:schemeClr val="accent1">
+                <a:shade val="50000"/>
+              </a:schemeClr>
+            </a:lnRef>
+            <a:fillRef idx="1">
+              <a:schemeClr val="accent1"/>
+            </a:fillRef>
+            <a:effectRef idx="0">
+              <a:schemeClr val="accent1"/>
+            </a:effectRef>
+            <a:fontRef idx="minor">
+              <a:schemeClr val="lt1"/>
+            </a:fontRef>
+          </p:style>
+          <p:txBody>
+            <a:bodyPr rtlCol="0" anchor="ctr"/>
+            <a:lstStyle/>
+            <a:p>
+              <a:pPr algn="ctr"/>
+              <a:r>
+                <a:rPr lang="en-US" dirty="0">
+                  <a:solidFill>
+                    <a:schemeClr val="bg1"/>
+                  </a:solidFill>
+                </a:rPr>
+                <a:t>Container </a:t>
+              </a:r>
+              <a:r>
+                <a:rPr lang="en-US" i="1" dirty="0">
+                  <a:solidFill>
+                    <a:schemeClr val="bg1"/>
+                  </a:solidFill>
+                </a:rPr>
+                <a:t>2</a:t>
+              </a:r>
+            </a:p>
+          </p:txBody>
+        </p:sp>
+        <p:sp>
+          <p:nvSpPr>
+            <p:cNvPr id="45" name="Rectangle 44"/>
+            <p:cNvSpPr/>
+            <p:nvPr/>
+          </p:nvSpPr>
+          <p:spPr>
+            <a:xfrm>
+              <a:off x="1163050" y="1723542"/>
+              <a:ext cx="212493" cy="196568"/>
+            </a:xfrm>
+            <a:prstGeom prst="rect">
+              <a:avLst/>
+            </a:prstGeom>
+            <a:solidFill>
+              <a:srgbClr val="DDDDDD"/>
+            </a:solidFill>
+            <a:ln w="22225">
+              <a:solidFill>
+                <a:schemeClr val="tx1">
+                  <a:lumMod val="75000"/>
+                  <a:lumOff val="25000"/>
+                </a:schemeClr>
+              </a:solidFill>
+            </a:ln>
+          </p:spPr>
+          <p:style>
+            <a:lnRef idx="2">
+              <a:schemeClr val="accent1">
+                <a:shade val="50000"/>
+              </a:schemeClr>
+            </a:lnRef>
+            <a:fillRef idx="1">
+              <a:schemeClr val="accent1"/>
+            </a:fillRef>
+            <a:effectRef idx="0">
+              <a:schemeClr val="accent1"/>
+            </a:effectRef>
+            <a:fontRef idx="minor">
+              <a:schemeClr val="lt1"/>
+            </a:fontRef>
+          </p:style>
+          <p:txBody>
+            <a:bodyPr rtlCol="0" anchor="ctr"/>
+            <a:lstStyle/>
+            <a:p>
+              <a:pPr algn="ctr"/>
+              <a:endParaRPr lang="en-US" i="1" dirty="0">
+                <a:solidFill>
+                  <a:schemeClr val="bg1"/>
+                </a:solidFill>
+              </a:endParaRPr>
+            </a:p>
+          </p:txBody>
+        </p:sp>
+        <p:sp>
+          <p:nvSpPr>
+            <p:cNvPr id="46" name="TextBox 45"/>
+            <p:cNvSpPr txBox="1"/>
+            <p:nvPr/>
+          </p:nvSpPr>
+          <p:spPr>
+            <a:xfrm>
+              <a:off x="1342413" y="1724546"/>
+              <a:ext cx="1352145" cy="338554"/>
+            </a:xfrm>
+            <a:prstGeom prst="rect">
+              <a:avLst/>
+            </a:prstGeom>
+            <a:noFill/>
+            <a:ln w="28575">
+              <a:noFill/>
+            </a:ln>
+          </p:spPr>
+          <p:txBody>
+            <a:bodyPr wrap="square" rtlCol="0">
+              <a:spAutoFit/>
+            </a:bodyPr>
+            <a:lstStyle/>
+            <a:p>
+              <a:r>
+                <a:rPr lang="en-US" sz="1600" dirty="0"/>
+                <a:t>veth0: 2.2.2.2</a:t>
+              </a:r>
+            </a:p>
+          </p:txBody>
+        </p:sp>
+      </p:grpSp>
+    </p:spTree>
+    <p:extLst>
+      <p:ext uri="{BB962C8B-B14F-4D97-AF65-F5344CB8AC3E}">
+        <p14:creationId xmlns:p14="http://schemas.microsoft.com/office/powerpoint/2010/main" val="2495499074"/>
+      </p:ext>
+    </p:extLst>
+  </p:cSld>
+  <p:clrMapOvr>
+    <a:masterClrMapping/>
+  </p:clrMapOvr>
+</p:sld>
+</file>
+
+<file path=ppt/slides/slide11.xml><?xml version="1.0" encoding="utf-8"?>
+<p:sld xmlns:a="http://schemas.openxmlformats.org/drawingml/2006/main" xmlns:r="http://schemas.openxmlformats.org/officeDocument/2006/relationships" xmlns:p="http://schemas.openxmlformats.org/presentationml/2006/main">
+  <p:cSld>
+    <p:spTree>
+      <p:nvGrpSpPr>
+        <p:cNvPr id="1" name=""/>
+        <p:cNvGrpSpPr/>
+        <p:nvPr/>
+      </p:nvGrpSpPr>
+      <p:grpSpPr>
+        <a:xfrm>
+          <a:off x="0" y="0"/>
+          <a:ext cx="0" cy="0"/>
+          <a:chOff x="0" y="0"/>
+          <a:chExt cx="0" cy="0"/>
+        </a:xfrm>
+      </p:grpSpPr>
+      <p:cxnSp>
+        <p:nvCxnSpPr>
+          <p:cNvPr id="13" name="Elbow Connector 12"/>
+          <p:cNvCxnSpPr/>
+          <p:nvPr/>
+        </p:nvCxnSpPr>
+        <p:spPr>
+          <a:xfrm rot="16200000" flipH="1">
+            <a:off x="2633741" y="3610815"/>
+            <a:ext cx="582379" cy="371102"/>
+          </a:xfrm>
+          <a:prstGeom prst="bentConnector2">
+            <a:avLst/>
+          </a:prstGeom>
+          <a:ln w="28575">
+            <a:solidFill>
+              <a:schemeClr val="tx1"/>
+            </a:solidFill>
+          </a:ln>
+        </p:spPr>
+        <p:style>
+          <a:lnRef idx="1">
+            <a:schemeClr val="accent1"/>
+          </a:lnRef>
+          <a:fillRef idx="0">
+            <a:schemeClr val="accent1"/>
+          </a:fillRef>
+          <a:effectRef idx="0">
+            <a:schemeClr val="accent1"/>
+          </a:effectRef>
+          <a:fontRef idx="minor">
+            <a:schemeClr val="tx1"/>
+          </a:fontRef>
+        </p:style>
+      </p:cxnSp>
+      <p:sp>
+        <p:nvSpPr>
+          <p:cNvPr id="16" name="Rectangle 15"/>
+          <p:cNvSpPr/>
+          <p:nvPr/>
+        </p:nvSpPr>
+        <p:spPr>
+          <a:xfrm>
+            <a:off x="4458410" y="910753"/>
+            <a:ext cx="2697100" cy="2715907"/>
+          </a:xfrm>
+          <a:prstGeom prst="rect">
+            <a:avLst/>
+          </a:prstGeom>
+          <a:noFill/>
+          <a:ln w="28575">
+            <a:solidFill>
+              <a:schemeClr val="bg1">
+                <a:lumMod val="50000"/>
+              </a:schemeClr>
+            </a:solidFill>
+            <a:prstDash val="dash"/>
+          </a:ln>
+        </p:spPr>
+        <p:style>
+          <a:lnRef idx="2">
+            <a:schemeClr val="accent1">
+              <a:shade val="50000"/>
+            </a:schemeClr>
+          </a:lnRef>
+          <a:fillRef idx="1">
+            <a:schemeClr val="accent1"/>
+          </a:fillRef>
+          <a:effectRef idx="0">
+            <a:schemeClr val="accent1"/>
+          </a:effectRef>
+          <a:fontRef idx="minor">
+            <a:schemeClr val="lt1"/>
+          </a:fontRef>
+        </p:style>
+        <p:txBody>
+          <a:bodyPr rtlCol="0" anchor="ctr"/>
+          <a:lstStyle/>
+          <a:p>
+            <a:pPr algn="ctr"/>
+            <a:endParaRPr lang="en-US"/>
+          </a:p>
+        </p:txBody>
+      </p:sp>
+      <p:sp>
+        <p:nvSpPr>
+          <p:cNvPr id="20" name="Rectangle 19"/>
+          <p:cNvSpPr/>
+          <p:nvPr/>
+        </p:nvSpPr>
+        <p:spPr>
+          <a:xfrm>
+            <a:off x="4641272" y="1069268"/>
+            <a:ext cx="2378460" cy="1443432"/>
+          </a:xfrm>
+          <a:prstGeom prst="rect">
+            <a:avLst/>
+          </a:prstGeom>
+          <a:solidFill>
+            <a:schemeClr val="tx1">
+              <a:lumMod val="65000"/>
+              <a:lumOff val="35000"/>
+            </a:schemeClr>
+          </a:solidFill>
+          <a:ln w="28575">
+            <a:solidFill>
+              <a:schemeClr val="tx1">
+                <a:lumMod val="75000"/>
+                <a:lumOff val="25000"/>
+              </a:schemeClr>
+            </a:solidFill>
+          </a:ln>
+        </p:spPr>
+        <p:style>
+          <a:lnRef idx="2">
+            <a:schemeClr val="accent1">
+              <a:shade val="50000"/>
+            </a:schemeClr>
+          </a:lnRef>
+          <a:fillRef idx="1">
+            <a:schemeClr val="accent1"/>
+          </a:fillRef>
+          <a:effectRef idx="0">
+            <a:schemeClr val="accent1"/>
+          </a:effectRef>
+          <a:fontRef idx="minor">
+            <a:schemeClr val="lt1"/>
+          </a:fontRef>
+        </p:style>
+        <p:txBody>
+          <a:bodyPr rtlCol="0" anchor="ctr"/>
+          <a:lstStyle/>
+          <a:p>
+            <a:pPr algn="ctr"/>
+            <a:r>
+              <a:rPr lang="en-US" sz="2400" dirty="0">
+                <a:solidFill>
+                  <a:schemeClr val="bg1"/>
+                </a:solidFill>
+              </a:rPr>
+              <a:t>Container </a:t>
+            </a:r>
+            <a:r>
+              <a:rPr lang="en-US" sz="2400" i="1" dirty="0">
+                <a:solidFill>
+                  <a:schemeClr val="bg1"/>
+                </a:solidFill>
+              </a:rPr>
+              <a:t>3</a:t>
+            </a:r>
+          </a:p>
+          <a:p>
+            <a:pPr algn="ctr"/>
+            <a:endParaRPr lang="en-US" sz="1000" i="1" dirty="0">
+              <a:solidFill>
+                <a:schemeClr val="bg1"/>
+              </a:solidFill>
+            </a:endParaRPr>
+          </a:p>
+          <a:p>
+            <a:pPr algn="ctr"/>
+            <a:endParaRPr lang="en-US" i="1" dirty="0">
+              <a:solidFill>
+                <a:schemeClr val="bg1"/>
+              </a:solidFill>
+            </a:endParaRPr>
+          </a:p>
+          <a:p>
+            <a:pPr algn="ctr"/>
+            <a:endParaRPr lang="en-US" i="1" dirty="0">
+              <a:solidFill>
+                <a:schemeClr val="bg1"/>
+              </a:solidFill>
+            </a:endParaRPr>
+          </a:p>
+          <a:p>
+            <a:pPr algn="ctr"/>
+            <a:endParaRPr lang="en-US" i="1" dirty="0">
+              <a:solidFill>
+                <a:schemeClr val="bg1"/>
+              </a:solidFill>
+            </a:endParaRPr>
+          </a:p>
+        </p:txBody>
+      </p:sp>
+      <p:cxnSp>
+        <p:nvCxnSpPr>
+          <p:cNvPr id="23" name="Straight Connector 22"/>
+          <p:cNvCxnSpPr>
+            <a:stCxn id="20" idx="2"/>
+            <a:endCxn id="41" idx="0"/>
+          </p:cNvCxnSpPr>
+          <p:nvPr/>
+        </p:nvCxnSpPr>
+        <p:spPr>
+          <a:xfrm flipH="1">
+            <a:off x="5828901" y="2512700"/>
+            <a:ext cx="1601" cy="556661"/>
+          </a:xfrm>
+          <a:prstGeom prst="line">
+            <a:avLst/>
+          </a:prstGeom>
+          <a:ln w="28575">
+            <a:solidFill>
+              <a:schemeClr val="tx1"/>
+            </a:solidFill>
+            <a:headEnd type="arrow" w="med" len="med"/>
+            <a:tailEnd type="none" w="med" len="med"/>
+          </a:ln>
+        </p:spPr>
+        <p:style>
+          <a:lnRef idx="1">
+            <a:schemeClr val="accent1"/>
+          </a:lnRef>
+          <a:fillRef idx="0">
+            <a:schemeClr val="accent1"/>
+          </a:fillRef>
+          <a:effectRef idx="0">
+            <a:schemeClr val="accent1"/>
+          </a:effectRef>
+          <a:fontRef idx="minor">
+            <a:schemeClr val="tx1"/>
+          </a:fontRef>
+        </p:style>
+      </p:cxnSp>
+      <p:sp>
+        <p:nvSpPr>
+          <p:cNvPr id="24" name="TextBox 23"/>
+          <p:cNvSpPr txBox="1"/>
+          <p:nvPr/>
+        </p:nvSpPr>
+        <p:spPr>
+          <a:xfrm>
+            <a:off x="4464210" y="444837"/>
+            <a:ext cx="1352145" cy="461665"/>
+          </a:xfrm>
+          <a:prstGeom prst="rect">
+            <a:avLst/>
+          </a:prstGeom>
+          <a:noFill/>
+        </p:spPr>
+        <p:txBody>
+          <a:bodyPr wrap="square" rtlCol="0">
+            <a:spAutoFit/>
+          </a:bodyPr>
+          <a:lstStyle/>
+          <a:p>
+            <a:r>
+              <a:rPr lang="en-US" sz="2400" dirty="0"/>
+              <a:t>Host </a:t>
+            </a:r>
+            <a:r>
+              <a:rPr lang="en-US" sz="2400" i="1" dirty="0"/>
+              <a:t>2</a:t>
+            </a:r>
+          </a:p>
+        </p:txBody>
+      </p:sp>
+      <p:cxnSp>
+        <p:nvCxnSpPr>
+          <p:cNvPr id="25" name="Elbow Connector 24"/>
+          <p:cNvCxnSpPr/>
+          <p:nvPr/>
+        </p:nvCxnSpPr>
+        <p:spPr>
+          <a:xfrm rot="5400000">
+            <a:off x="5045648" y="3317180"/>
+            <a:ext cx="1007262" cy="627115"/>
+          </a:xfrm>
+          <a:prstGeom prst="bentConnector2">
+            <a:avLst/>
+          </a:prstGeom>
+          <a:ln w="28575">
+            <a:solidFill>
+              <a:schemeClr val="tx1"/>
+            </a:solidFill>
+          </a:ln>
+        </p:spPr>
+        <p:style>
+          <a:lnRef idx="1">
+            <a:schemeClr val="accent1"/>
+          </a:lnRef>
+          <a:fillRef idx="0">
+            <a:schemeClr val="accent1"/>
+          </a:fillRef>
+          <a:effectRef idx="0">
+            <a:schemeClr val="accent1"/>
+          </a:effectRef>
+          <a:fontRef idx="minor">
+            <a:schemeClr val="tx1"/>
+          </a:fontRef>
+        </p:style>
+      </p:cxnSp>
+      <p:grpSp>
+        <p:nvGrpSpPr>
+          <p:cNvPr id="26" name="Group 25"/>
+          <p:cNvGrpSpPr/>
+          <p:nvPr/>
+        </p:nvGrpSpPr>
+        <p:grpSpPr>
+          <a:xfrm>
+            <a:off x="3011680" y="3728847"/>
+            <a:ext cx="2544699" cy="873804"/>
+            <a:chOff x="3284927" y="4669757"/>
+            <a:chExt cx="3386995" cy="1202692"/>
+          </a:xfrm>
+        </p:grpSpPr>
+        <p:grpSp>
+          <p:nvGrpSpPr>
+            <p:cNvPr id="27" name="Group 26"/>
+            <p:cNvGrpSpPr/>
+            <p:nvPr/>
+          </p:nvGrpSpPr>
+          <p:grpSpPr>
+            <a:xfrm>
+              <a:off x="3284927" y="4669757"/>
+              <a:ext cx="3386995" cy="1202692"/>
+              <a:chOff x="3312348" y="4621194"/>
+              <a:chExt cx="3725694" cy="1322961"/>
+            </a:xfrm>
+          </p:grpSpPr>
+          <p:sp>
+            <p:nvSpPr>
+              <p:cNvPr id="29" name="Cloud 28"/>
+              <p:cNvSpPr/>
+              <p:nvPr/>
+            </p:nvSpPr>
+            <p:spPr>
+              <a:xfrm rot="212724">
+                <a:off x="3312348" y="4621194"/>
+                <a:ext cx="3725694" cy="1322961"/>
+              </a:xfrm>
+              <a:prstGeom prst="cloud">
+                <a:avLst/>
+              </a:prstGeom>
+              <a:solidFill>
+                <a:schemeClr val="accent3">
+                  <a:lumMod val="20000"/>
+                  <a:lumOff val="80000"/>
+                </a:schemeClr>
+              </a:solidFill>
+              <a:ln w="28575">
+                <a:solidFill>
+                  <a:schemeClr val="accent3">
+                    <a:lumMod val="75000"/>
+                  </a:schemeClr>
+                </a:solidFill>
+              </a:ln>
+            </p:spPr>
+            <p:style>
+              <a:lnRef idx="2">
+                <a:schemeClr val="accent1">
+                  <a:shade val="50000"/>
+                </a:schemeClr>
+              </a:lnRef>
+              <a:fillRef idx="1">
+                <a:schemeClr val="accent1"/>
+              </a:fillRef>
+              <a:effectRef idx="0">
+                <a:schemeClr val="accent1"/>
+              </a:effectRef>
+              <a:fontRef idx="minor">
+                <a:schemeClr val="lt1"/>
+              </a:fontRef>
+            </p:style>
+            <p:txBody>
+              <a:bodyPr rtlCol="0" anchor="ctr"/>
+              <a:lstStyle/>
+              <a:p>
+                <a:pPr algn="ctr"/>
+                <a:endParaRPr lang="en-US" dirty="0"/>
+              </a:p>
+            </p:txBody>
+          </p:sp>
+          <p:sp>
+            <p:nvSpPr>
+              <p:cNvPr id="30" name="Oval 29"/>
+              <p:cNvSpPr/>
+              <p:nvPr/>
+            </p:nvSpPr>
+            <p:spPr>
+              <a:xfrm>
+                <a:off x="3497580" y="5188263"/>
+                <a:ext cx="365760" cy="216857"/>
+              </a:xfrm>
+              <a:prstGeom prst="ellipse">
+                <a:avLst/>
+              </a:prstGeom>
+              <a:solidFill>
+                <a:schemeClr val="accent3">
+                  <a:lumMod val="20000"/>
+                  <a:lumOff val="80000"/>
+                </a:schemeClr>
+              </a:solidFill>
+              <a:ln>
+                <a:noFill/>
+              </a:ln>
+            </p:spPr>
+            <p:style>
+              <a:lnRef idx="2">
+                <a:schemeClr val="accent1">
+                  <a:shade val="50000"/>
+                </a:schemeClr>
+              </a:lnRef>
+              <a:fillRef idx="1">
+                <a:schemeClr val="accent1"/>
+              </a:fillRef>
+              <a:effectRef idx="0">
+                <a:schemeClr val="accent1"/>
+              </a:effectRef>
+              <a:fontRef idx="minor">
+                <a:schemeClr val="lt1"/>
+              </a:fontRef>
+            </p:style>
+            <p:txBody>
+              <a:bodyPr rtlCol="0" anchor="ctr"/>
+              <a:lstStyle/>
+              <a:p>
+                <a:pPr algn="ctr"/>
+                <a:endParaRPr lang="en-US"/>
+              </a:p>
+            </p:txBody>
+          </p:sp>
+          <p:sp>
+            <p:nvSpPr>
+              <p:cNvPr id="31" name="Oval 30"/>
+              <p:cNvSpPr/>
+              <p:nvPr/>
+            </p:nvSpPr>
+            <p:spPr>
+              <a:xfrm>
+                <a:off x="6558280" y="5123445"/>
+                <a:ext cx="365760" cy="216857"/>
+              </a:xfrm>
+              <a:prstGeom prst="ellipse">
+                <a:avLst/>
+              </a:prstGeom>
+              <a:solidFill>
+                <a:schemeClr val="accent3">
+                  <a:lumMod val="20000"/>
+                  <a:lumOff val="80000"/>
+                </a:schemeClr>
+              </a:solidFill>
+              <a:ln>
+                <a:noFill/>
+              </a:ln>
+            </p:spPr>
+            <p:style>
+              <a:lnRef idx="2">
+                <a:schemeClr val="accent1">
+                  <a:shade val="50000"/>
+                </a:schemeClr>
+              </a:lnRef>
+              <a:fillRef idx="1">
+                <a:schemeClr val="accent1"/>
+              </a:fillRef>
+              <a:effectRef idx="0">
+                <a:schemeClr val="accent1"/>
+              </a:effectRef>
+              <a:fontRef idx="minor">
+                <a:schemeClr val="lt1"/>
+              </a:fontRef>
+            </p:style>
+            <p:txBody>
+              <a:bodyPr rtlCol="0" anchor="ctr"/>
+              <a:lstStyle/>
+              <a:p>
+                <a:pPr algn="ctr"/>
+                <a:endParaRPr lang="en-US"/>
+              </a:p>
+            </p:txBody>
+          </p:sp>
+          <p:sp>
+            <p:nvSpPr>
+              <p:cNvPr id="32" name="Oval 31"/>
+              <p:cNvSpPr/>
+              <p:nvPr/>
+            </p:nvSpPr>
+            <p:spPr>
+              <a:xfrm>
+                <a:off x="6197600" y="5283200"/>
+                <a:ext cx="425237" cy="361073"/>
+              </a:xfrm>
+              <a:prstGeom prst="ellipse">
+                <a:avLst/>
+              </a:prstGeom>
+              <a:solidFill>
+                <a:schemeClr val="accent3">
+                  <a:lumMod val="20000"/>
+                  <a:lumOff val="80000"/>
+                </a:schemeClr>
+              </a:solidFill>
+              <a:ln>
+                <a:noFill/>
+              </a:ln>
+            </p:spPr>
+            <p:style>
+              <a:lnRef idx="2">
+                <a:schemeClr val="accent1">
+                  <a:shade val="50000"/>
+                </a:schemeClr>
+              </a:lnRef>
+              <a:fillRef idx="1">
+                <a:schemeClr val="accent1"/>
+              </a:fillRef>
+              <a:effectRef idx="0">
+                <a:schemeClr val="accent1"/>
+              </a:effectRef>
+              <a:fontRef idx="minor">
+                <a:schemeClr val="lt1"/>
+              </a:fontRef>
+            </p:style>
+            <p:txBody>
+              <a:bodyPr rtlCol="0" anchor="ctr"/>
+              <a:lstStyle/>
+              <a:p>
+                <a:pPr algn="ctr"/>
+                <a:endParaRPr lang="en-US"/>
+              </a:p>
+            </p:txBody>
+          </p:sp>
+          <p:sp>
+            <p:nvSpPr>
+              <p:cNvPr id="33" name="Oval 32"/>
+              <p:cNvSpPr/>
+              <p:nvPr/>
+            </p:nvSpPr>
+            <p:spPr>
+              <a:xfrm>
+                <a:off x="5532435" y="5415280"/>
+                <a:ext cx="425237" cy="361073"/>
+              </a:xfrm>
+              <a:prstGeom prst="ellipse">
+                <a:avLst/>
+              </a:prstGeom>
+              <a:solidFill>
+                <a:schemeClr val="accent3">
+                  <a:lumMod val="20000"/>
+                  <a:lumOff val="80000"/>
+                </a:schemeClr>
+              </a:solidFill>
+              <a:ln>
+                <a:noFill/>
+              </a:ln>
+            </p:spPr>
+            <p:style>
+              <a:lnRef idx="2">
+                <a:schemeClr val="accent1">
+                  <a:shade val="50000"/>
+                </a:schemeClr>
+              </a:lnRef>
+              <a:fillRef idx="1">
+                <a:schemeClr val="accent1"/>
+              </a:fillRef>
+              <a:effectRef idx="0">
+                <a:schemeClr val="accent1"/>
+              </a:effectRef>
+              <a:fontRef idx="minor">
+                <a:schemeClr val="lt1"/>
+              </a:fontRef>
+            </p:style>
+            <p:txBody>
+              <a:bodyPr rtlCol="0" anchor="ctr"/>
+              <a:lstStyle/>
+              <a:p>
+                <a:pPr algn="ctr"/>
+                <a:endParaRPr lang="en-US"/>
+              </a:p>
+            </p:txBody>
+          </p:sp>
+          <p:sp>
+            <p:nvSpPr>
+              <p:cNvPr id="34" name="Oval 33"/>
+              <p:cNvSpPr/>
+              <p:nvPr/>
+            </p:nvSpPr>
+            <p:spPr>
+              <a:xfrm>
+                <a:off x="4523685" y="5431824"/>
+                <a:ext cx="425237" cy="361073"/>
+              </a:xfrm>
+              <a:prstGeom prst="ellipse">
+                <a:avLst/>
+              </a:prstGeom>
+              <a:solidFill>
+                <a:schemeClr val="accent3">
+                  <a:lumMod val="20000"/>
+                  <a:lumOff val="80000"/>
+                </a:schemeClr>
+              </a:solidFill>
+              <a:ln>
+                <a:noFill/>
+              </a:ln>
+            </p:spPr>
+            <p:style>
+              <a:lnRef idx="2">
+                <a:schemeClr val="accent1">
+                  <a:shade val="50000"/>
+                </a:schemeClr>
+              </a:lnRef>
+              <a:fillRef idx="1">
+                <a:schemeClr val="accent1"/>
+              </a:fillRef>
+              <a:effectRef idx="0">
+                <a:schemeClr val="accent1"/>
+              </a:effectRef>
+              <a:fontRef idx="minor">
+                <a:schemeClr val="lt1"/>
+              </a:fontRef>
+            </p:style>
+            <p:txBody>
+              <a:bodyPr rtlCol="0" anchor="ctr"/>
+              <a:lstStyle/>
+              <a:p>
+                <a:pPr algn="ctr"/>
+                <a:endParaRPr lang="en-US"/>
+              </a:p>
+            </p:txBody>
+          </p:sp>
+          <p:sp>
+            <p:nvSpPr>
+              <p:cNvPr id="35" name="Oval 34"/>
+              <p:cNvSpPr/>
+              <p:nvPr/>
+            </p:nvSpPr>
+            <p:spPr>
+              <a:xfrm>
+                <a:off x="3725596" y="5302139"/>
+                <a:ext cx="425237" cy="361073"/>
+              </a:xfrm>
+              <a:prstGeom prst="ellipse">
+                <a:avLst/>
+              </a:prstGeom>
+              <a:solidFill>
+                <a:schemeClr val="accent3">
+                  <a:lumMod val="20000"/>
+                  <a:lumOff val="80000"/>
+                </a:schemeClr>
+              </a:solidFill>
+              <a:ln>
+                <a:noFill/>
+              </a:ln>
+            </p:spPr>
+            <p:style>
+              <a:lnRef idx="2">
+                <a:schemeClr val="accent1">
+                  <a:shade val="50000"/>
+                </a:schemeClr>
+              </a:lnRef>
+              <a:fillRef idx="1">
+                <a:schemeClr val="accent1"/>
+              </a:fillRef>
+              <a:effectRef idx="0">
+                <a:schemeClr val="accent1"/>
+              </a:effectRef>
+              <a:fontRef idx="minor">
+                <a:schemeClr val="lt1"/>
+              </a:fontRef>
+            </p:style>
+            <p:txBody>
+              <a:bodyPr rtlCol="0" anchor="ctr"/>
+              <a:lstStyle/>
+              <a:p>
+                <a:pPr algn="ctr"/>
+                <a:endParaRPr lang="en-US"/>
+              </a:p>
+            </p:txBody>
+          </p:sp>
+          <p:sp>
+            <p:nvSpPr>
+              <p:cNvPr id="36" name="Oval 35"/>
+              <p:cNvSpPr/>
+              <p:nvPr/>
+            </p:nvSpPr>
+            <p:spPr>
+              <a:xfrm>
+                <a:off x="3580514" y="4943169"/>
+                <a:ext cx="425237" cy="361073"/>
+              </a:xfrm>
+              <a:prstGeom prst="ellipse">
+                <a:avLst/>
+              </a:prstGeom>
+              <a:solidFill>
+                <a:schemeClr val="accent3">
+                  <a:lumMod val="20000"/>
+                  <a:lumOff val="80000"/>
+                </a:schemeClr>
+              </a:solidFill>
+              <a:ln>
+                <a:noFill/>
+              </a:ln>
+            </p:spPr>
+            <p:style>
+              <a:lnRef idx="2">
+                <a:schemeClr val="accent1">
+                  <a:shade val="50000"/>
+                </a:schemeClr>
+              </a:lnRef>
+              <a:fillRef idx="1">
+                <a:schemeClr val="accent1"/>
+              </a:fillRef>
+              <a:effectRef idx="0">
+                <a:schemeClr val="accent1"/>
+              </a:effectRef>
+              <a:fontRef idx="minor">
+                <a:schemeClr val="lt1"/>
+              </a:fontRef>
+            </p:style>
+            <p:txBody>
+              <a:bodyPr rtlCol="0" anchor="ctr"/>
+              <a:lstStyle/>
+              <a:p>
+                <a:pPr algn="ctr"/>
+                <a:endParaRPr lang="en-US"/>
+              </a:p>
+            </p:txBody>
+          </p:sp>
+          <p:sp>
+            <p:nvSpPr>
+              <p:cNvPr id="37" name="Oval 36"/>
+              <p:cNvSpPr/>
+              <p:nvPr/>
+            </p:nvSpPr>
+            <p:spPr>
+              <a:xfrm>
+                <a:off x="4469071" y="4714569"/>
+                <a:ext cx="425237" cy="361073"/>
+              </a:xfrm>
+              <a:prstGeom prst="ellipse">
+                <a:avLst/>
+              </a:prstGeom>
+              <a:solidFill>
+                <a:schemeClr val="accent3">
+                  <a:lumMod val="20000"/>
+                  <a:lumOff val="80000"/>
+                </a:schemeClr>
+              </a:solidFill>
+              <a:ln>
+                <a:noFill/>
+              </a:ln>
+            </p:spPr>
+            <p:style>
+              <a:lnRef idx="2">
+                <a:schemeClr val="accent1">
+                  <a:shade val="50000"/>
+                </a:schemeClr>
+              </a:lnRef>
+              <a:fillRef idx="1">
+                <a:schemeClr val="accent1"/>
+              </a:fillRef>
+              <a:effectRef idx="0">
+                <a:schemeClr val="accent1"/>
+              </a:effectRef>
+              <a:fontRef idx="minor">
+                <a:schemeClr val="lt1"/>
+              </a:fontRef>
+            </p:style>
+            <p:txBody>
+              <a:bodyPr rtlCol="0" anchor="ctr"/>
+              <a:lstStyle/>
+              <a:p>
+                <a:pPr algn="ctr"/>
+                <a:endParaRPr lang="en-US"/>
+              </a:p>
+            </p:txBody>
+          </p:sp>
+          <p:sp>
+            <p:nvSpPr>
+              <p:cNvPr id="38" name="Oval 37"/>
+              <p:cNvSpPr/>
+              <p:nvPr/>
+            </p:nvSpPr>
+            <p:spPr>
+              <a:xfrm>
+                <a:off x="4962576" y="4717917"/>
+                <a:ext cx="425237" cy="361073"/>
+              </a:xfrm>
+              <a:prstGeom prst="ellipse">
+                <a:avLst/>
+              </a:prstGeom>
+              <a:solidFill>
+                <a:schemeClr val="accent3">
+                  <a:lumMod val="20000"/>
+                  <a:lumOff val="80000"/>
+                </a:schemeClr>
+              </a:solidFill>
+              <a:ln>
+                <a:noFill/>
+              </a:ln>
+            </p:spPr>
+            <p:style>
+              <a:lnRef idx="2">
+                <a:schemeClr val="accent1">
+                  <a:shade val="50000"/>
+                </a:schemeClr>
+              </a:lnRef>
+              <a:fillRef idx="1">
+                <a:schemeClr val="accent1"/>
+              </a:fillRef>
+              <a:effectRef idx="0">
+                <a:schemeClr val="accent1"/>
+              </a:effectRef>
+              <a:fontRef idx="minor">
+                <a:schemeClr val="lt1"/>
+              </a:fontRef>
+            </p:style>
+            <p:txBody>
+              <a:bodyPr rtlCol="0" anchor="ctr"/>
+              <a:lstStyle/>
+              <a:p>
+                <a:pPr algn="ctr"/>
+                <a:endParaRPr lang="en-US"/>
+              </a:p>
+            </p:txBody>
+          </p:sp>
+          <p:sp>
+            <p:nvSpPr>
+              <p:cNvPr id="39" name="Oval 38"/>
+              <p:cNvSpPr/>
+              <p:nvPr/>
+            </p:nvSpPr>
+            <p:spPr>
+              <a:xfrm>
+                <a:off x="5578658" y="4714569"/>
+                <a:ext cx="425237" cy="361073"/>
+              </a:xfrm>
+              <a:prstGeom prst="ellipse">
+                <a:avLst/>
+              </a:prstGeom>
+              <a:solidFill>
+                <a:schemeClr val="accent3">
+                  <a:lumMod val="20000"/>
+                  <a:lumOff val="80000"/>
+                </a:schemeClr>
+              </a:solidFill>
+              <a:ln>
+                <a:noFill/>
+              </a:ln>
+            </p:spPr>
+            <p:style>
+              <a:lnRef idx="2">
+                <a:schemeClr val="accent1">
+                  <a:shade val="50000"/>
+                </a:schemeClr>
+              </a:lnRef>
+              <a:fillRef idx="1">
+                <a:schemeClr val="accent1"/>
+              </a:fillRef>
+              <a:effectRef idx="0">
+                <a:schemeClr val="accent1"/>
+              </a:effectRef>
+              <a:fontRef idx="minor">
+                <a:schemeClr val="lt1"/>
+              </a:fontRef>
+            </p:style>
+            <p:txBody>
+              <a:bodyPr rtlCol="0" anchor="ctr"/>
+              <a:lstStyle/>
+              <a:p>
+                <a:pPr algn="ctr"/>
+                <a:endParaRPr lang="en-US"/>
+              </a:p>
+            </p:txBody>
+          </p:sp>
+          <p:sp>
+            <p:nvSpPr>
+              <p:cNvPr id="40" name="Oval 39"/>
+              <p:cNvSpPr/>
+              <p:nvPr/>
+            </p:nvSpPr>
+            <p:spPr>
+              <a:xfrm>
+                <a:off x="6381426" y="4885274"/>
+                <a:ext cx="425237" cy="361073"/>
+              </a:xfrm>
+              <a:prstGeom prst="ellipse">
+                <a:avLst/>
+              </a:prstGeom>
+              <a:solidFill>
+                <a:schemeClr val="accent3">
+                  <a:lumMod val="20000"/>
+                  <a:lumOff val="80000"/>
+                </a:schemeClr>
+              </a:solidFill>
+              <a:ln>
+                <a:noFill/>
+              </a:ln>
+            </p:spPr>
+            <p:style>
+              <a:lnRef idx="2">
+                <a:schemeClr val="accent1">
+                  <a:shade val="50000"/>
+                </a:schemeClr>
+              </a:lnRef>
+              <a:fillRef idx="1">
+                <a:schemeClr val="accent1"/>
+              </a:fillRef>
+              <a:effectRef idx="0">
+                <a:schemeClr val="accent1"/>
+              </a:effectRef>
+              <a:fontRef idx="minor">
+                <a:schemeClr val="lt1"/>
+              </a:fontRef>
+            </p:style>
+            <p:txBody>
+              <a:bodyPr rtlCol="0" anchor="ctr"/>
+              <a:lstStyle/>
+              <a:p>
+                <a:pPr algn="ctr"/>
+                <a:endParaRPr lang="en-US"/>
+              </a:p>
+            </p:txBody>
+          </p:sp>
+        </p:grpSp>
+        <p:sp>
+          <p:nvSpPr>
+            <p:cNvPr id="28" name="TextBox 27"/>
+            <p:cNvSpPr txBox="1"/>
+            <p:nvPr/>
+          </p:nvSpPr>
+          <p:spPr>
+            <a:xfrm>
+              <a:off x="3998283" y="4992913"/>
+              <a:ext cx="1979677" cy="461665"/>
+            </a:xfrm>
+            <a:prstGeom prst="rect">
+              <a:avLst/>
+            </a:prstGeom>
+            <a:noFill/>
+          </p:spPr>
+          <p:txBody>
+            <a:bodyPr wrap="square" rtlCol="0">
+              <a:spAutoFit/>
+            </a:bodyPr>
+            <a:lstStyle/>
+            <a:p>
+              <a:pPr algn="ctr"/>
+              <a:r>
+                <a:rPr lang="en-US" sz="2400" dirty="0"/>
+                <a:t>Network</a:t>
+              </a:r>
+            </a:p>
+          </p:txBody>
+        </p:sp>
+      </p:grpSp>
+      <p:sp>
+        <p:nvSpPr>
+          <p:cNvPr id="41" name="Rectangle 40"/>
+          <p:cNvSpPr/>
+          <p:nvPr/>
+        </p:nvSpPr>
+        <p:spPr>
+          <a:xfrm>
             <a:off x="5157612" y="3069361"/>
             <a:ext cx="1342578" cy="437744"/>
           </a:xfrm>
@@ -4797,7 +6637,7 @@
 </p:sld>
 </file>
 
-<file path=ppt/slides/slide11.xml><?xml version="1.0" encoding="utf-8"?>
+<file path=ppt/slides/slide12.xml><?xml version="1.0" encoding="utf-8"?>
 <p:sld xmlns:a="http://schemas.openxmlformats.org/drawingml/2006/main" xmlns:r="http://schemas.openxmlformats.org/officeDocument/2006/relationships" xmlns:p="http://schemas.openxmlformats.org/presentationml/2006/main">
   <p:cSld>
     <p:spTree>
@@ -5468,7 +7308,7 @@
 </p:sld>
 </file>
 
-<file path=ppt/slides/slide12.xml><?xml version="1.0" encoding="utf-8"?>
+<file path=ppt/slides/slide13.xml><?xml version="1.0" encoding="utf-8"?>
 <p:sld xmlns:a="http://schemas.openxmlformats.org/drawingml/2006/main" xmlns:r="http://schemas.openxmlformats.org/officeDocument/2006/relationships" xmlns:p="http://schemas.openxmlformats.org/presentationml/2006/main">
   <p:cSld>
     <p:spTree>
@@ -7068,7 +8908,7 @@
 </p:sld>
 </file>
 
-<file path=ppt/slides/slide13.xml><?xml version="1.0" encoding="utf-8"?>
+<file path=ppt/slides/slide14.xml><?xml version="1.0" encoding="utf-8"?>
 <p:sld xmlns:a="http://schemas.openxmlformats.org/drawingml/2006/main" xmlns:r="http://schemas.openxmlformats.org/officeDocument/2006/relationships" xmlns:p="http://schemas.openxmlformats.org/presentationml/2006/main">
   <p:cSld>
     <p:spTree>
@@ -8091,6 +9931,747 @@
         </p:nvSpPr>
         <p:spPr>
           <a:xfrm>
+            <a:off x="3927393" y="2199590"/>
+            <a:ext cx="749908" cy="346249"/>
+          </a:xfrm>
+          <a:prstGeom prst="rect">
+            <a:avLst/>
+          </a:prstGeom>
+          <a:noFill/>
+        </p:spPr>
+        <p:txBody>
+          <a:bodyPr wrap="square" rtlCol="0">
+            <a:spAutoFit/>
+          </a:bodyPr>
+          <a:lstStyle/>
+          <a:p>
+            <a:pPr algn="ctr">
+              <a:lnSpc>
+                <a:spcPct val="90000"/>
+              </a:lnSpc>
+            </a:pPr>
+            <a:r>
+              <a:rPr lang="en-US" dirty="0" smtClean="0">
+                <a:solidFill>
+                  <a:srgbClr val="FF0000"/>
+                </a:solidFill>
+              </a:rPr>
+              <a:t>S</a:t>
+            </a:r>
+            <a:r>
+              <a:rPr lang="en-US" dirty="0" smtClean="0">
+                <a:solidFill>
+                  <a:srgbClr val="FF0000"/>
+                </a:solidFill>
+              </a:rPr>
+              <a:t>tep1</a:t>
+            </a:r>
+          </a:p>
+        </p:txBody>
+      </p:sp>
+      <p:sp>
+        <p:nvSpPr>
+          <p:cNvPr id="79" name="TextBox 54"/>
+          <p:cNvSpPr txBox="1"/>
+          <p:nvPr/>
+        </p:nvSpPr>
+        <p:spPr>
+          <a:xfrm>
+            <a:off x="1681240" y="1517420"/>
+            <a:ext cx="2056190" cy="323165"/>
+          </a:xfrm>
+          <a:prstGeom prst="rect">
+            <a:avLst/>
+          </a:prstGeom>
+          <a:noFill/>
+        </p:spPr>
+        <p:txBody>
+          <a:bodyPr wrap="square" rtlCol="0">
+            <a:spAutoFit/>
+          </a:bodyPr>
+          <a:lstStyle/>
+          <a:p>
+            <a:pPr algn="ctr">
+              <a:lnSpc>
+                <a:spcPct val="80000"/>
+              </a:lnSpc>
+            </a:pPr>
+            <a:r>
+              <a:rPr lang="en-US" dirty="0" smtClean="0"/>
+              <a:t>Container: Sender</a:t>
+            </a:r>
+            <a:endParaRPr lang="en-US" dirty="0" smtClean="0"/>
+          </a:p>
+        </p:txBody>
+      </p:sp>
+      <p:sp>
+        <p:nvSpPr>
+          <p:cNvPr id="81" name="TextBox 54"/>
+          <p:cNvSpPr txBox="1"/>
+          <p:nvPr/>
+        </p:nvSpPr>
+        <p:spPr>
+          <a:xfrm>
+            <a:off x="4796983" y="1524678"/>
+            <a:ext cx="2056190" cy="323165"/>
+          </a:xfrm>
+          <a:prstGeom prst="rect">
+            <a:avLst/>
+          </a:prstGeom>
+          <a:noFill/>
+        </p:spPr>
+        <p:txBody>
+          <a:bodyPr wrap="square" rtlCol="0">
+            <a:spAutoFit/>
+          </a:bodyPr>
+          <a:lstStyle/>
+          <a:p>
+            <a:pPr algn="ctr">
+              <a:lnSpc>
+                <a:spcPct val="80000"/>
+              </a:lnSpc>
+            </a:pPr>
+            <a:r>
+              <a:rPr lang="en-US" dirty="0" smtClean="0"/>
+              <a:t>Container: Receiver</a:t>
+            </a:r>
+            <a:endParaRPr lang="en-US" dirty="0" smtClean="0"/>
+          </a:p>
+        </p:txBody>
+      </p:sp>
+      <p:sp>
+        <p:nvSpPr>
+          <p:cNvPr id="4" name="文本框 3"/>
+          <p:cNvSpPr txBox="1"/>
+          <p:nvPr/>
+        </p:nvSpPr>
+        <p:spPr>
+          <a:xfrm>
+            <a:off x="5539629" y="2152952"/>
+            <a:ext cx="184666" cy="369332"/>
+          </a:xfrm>
+          <a:prstGeom prst="rect">
+            <a:avLst/>
+          </a:prstGeom>
+          <a:noFill/>
+        </p:spPr>
+        <p:txBody>
+          <a:bodyPr wrap="none" rtlCol="0">
+            <a:spAutoFit/>
+          </a:bodyPr>
+          <a:lstStyle/>
+          <a:p>
+            <a:endParaRPr kumimoji="1" lang="zh-CN" altLang="en-US" dirty="0"/>
+          </a:p>
+        </p:txBody>
+      </p:sp>
+      <p:sp>
+        <p:nvSpPr>
+          <p:cNvPr id="33" name="Rectangle 13"/>
+          <p:cNvSpPr/>
+          <p:nvPr/>
+        </p:nvSpPr>
+        <p:spPr>
+          <a:xfrm>
+            <a:off x="1660919" y="3061749"/>
+            <a:ext cx="2194560" cy="731520"/>
+          </a:xfrm>
+          <a:prstGeom prst="rect">
+            <a:avLst/>
+          </a:prstGeom>
+          <a:noFill/>
+          <a:ln w="19050">
+            <a:solidFill>
+              <a:schemeClr val="tx1">
+                <a:lumMod val="75000"/>
+                <a:lumOff val="25000"/>
+              </a:schemeClr>
+            </a:solidFill>
+          </a:ln>
+        </p:spPr>
+        <p:style>
+          <a:lnRef idx="2">
+            <a:schemeClr val="accent1">
+              <a:shade val="50000"/>
+            </a:schemeClr>
+          </a:lnRef>
+          <a:fillRef idx="1">
+            <a:schemeClr val="accent1"/>
+          </a:fillRef>
+          <a:effectRef idx="0">
+            <a:schemeClr val="accent1"/>
+          </a:effectRef>
+          <a:fontRef idx="minor">
+            <a:schemeClr val="lt1"/>
+          </a:fontRef>
+        </p:style>
+        <p:txBody>
+          <a:bodyPr rtlCol="0" anchor="ctr"/>
+          <a:lstStyle/>
+          <a:p>
+            <a:pPr algn="ctr"/>
+            <a:r>
+              <a:rPr lang="en-US" i="1" dirty="0" smtClean="0">
+                <a:solidFill>
+                  <a:schemeClr val="tx1"/>
+                </a:solidFill>
+              </a:rPr>
+              <a:t>Receive buffer2’s address (R-</a:t>
+            </a:r>
+            <a:r>
+              <a:rPr lang="en-US" i="1" dirty="0" err="1" smtClean="0">
+                <a:solidFill>
+                  <a:schemeClr val="tx1"/>
+                </a:solidFill>
+              </a:rPr>
+              <a:t>addr</a:t>
+            </a:r>
+            <a:r>
+              <a:rPr lang="en-US" i="1" dirty="0" smtClean="0">
+                <a:solidFill>
+                  <a:schemeClr val="tx1"/>
+                </a:solidFill>
+              </a:rPr>
+              <a:t>)</a:t>
+            </a:r>
+          </a:p>
+        </p:txBody>
+      </p:sp>
+      <p:sp>
+        <p:nvSpPr>
+          <p:cNvPr id="34" name="Rectangle 13"/>
+          <p:cNvSpPr/>
+          <p:nvPr/>
+        </p:nvSpPr>
+        <p:spPr>
+          <a:xfrm>
+            <a:off x="4782998" y="3037559"/>
+            <a:ext cx="2194560" cy="731520"/>
+          </a:xfrm>
+          <a:prstGeom prst="rect">
+            <a:avLst/>
+          </a:prstGeom>
+          <a:noFill/>
+          <a:ln w="19050">
+            <a:solidFill>
+              <a:schemeClr val="tx1">
+                <a:lumMod val="75000"/>
+                <a:lumOff val="25000"/>
+              </a:schemeClr>
+            </a:solidFill>
+          </a:ln>
+        </p:spPr>
+        <p:style>
+          <a:lnRef idx="2">
+            <a:schemeClr val="accent1">
+              <a:shade val="50000"/>
+            </a:schemeClr>
+          </a:lnRef>
+          <a:fillRef idx="1">
+            <a:schemeClr val="accent1"/>
+          </a:fillRef>
+          <a:effectRef idx="0">
+            <a:schemeClr val="accent1"/>
+          </a:effectRef>
+          <a:fontRef idx="minor">
+            <a:schemeClr val="lt1"/>
+          </a:fontRef>
+        </p:style>
+        <p:txBody>
+          <a:bodyPr rtlCol="0" anchor="ctr"/>
+          <a:lstStyle/>
+          <a:p>
+            <a:pPr algn="ctr"/>
+            <a:r>
+              <a:rPr lang="en-US" altLang="zh-CN" i="1" dirty="0" smtClean="0">
+                <a:solidFill>
+                  <a:schemeClr val="tx1"/>
+                </a:solidFill>
+              </a:rPr>
+              <a:t>Pass buffer2’s address to Sender</a:t>
+            </a:r>
+            <a:endParaRPr lang="en-US" altLang="zh-CN" i="1" dirty="0">
+              <a:solidFill>
+                <a:schemeClr val="tx1"/>
+              </a:solidFill>
+            </a:endParaRPr>
+          </a:p>
+        </p:txBody>
+      </p:sp>
+      <p:sp>
+        <p:nvSpPr>
+          <p:cNvPr id="7" name="矩形 6"/>
+          <p:cNvSpPr/>
+          <p:nvPr/>
+        </p:nvSpPr>
+        <p:spPr>
+          <a:xfrm>
+            <a:off x="3941762" y="3014524"/>
+            <a:ext cx="721171" cy="369332"/>
+          </a:xfrm>
+          <a:prstGeom prst="rect">
+            <a:avLst/>
+          </a:prstGeom>
+        </p:spPr>
+        <p:txBody>
+          <a:bodyPr wrap="none">
+            <a:spAutoFit/>
+          </a:bodyPr>
+          <a:lstStyle/>
+          <a:p>
+            <a:pPr algn="ctr"/>
+            <a:r>
+              <a:rPr lang="en-US" altLang="zh-CN" dirty="0" smtClean="0">
+                <a:solidFill>
+                  <a:srgbClr val="FF0000"/>
+                </a:solidFill>
+              </a:rPr>
+              <a:t>Step2</a:t>
+            </a:r>
+            <a:endParaRPr lang="en-US" altLang="zh-CN" dirty="0">
+              <a:solidFill>
+                <a:srgbClr val="FF0000"/>
+              </a:solidFill>
+            </a:endParaRPr>
+          </a:p>
+        </p:txBody>
+      </p:sp>
+      <p:cxnSp>
+        <p:nvCxnSpPr>
+          <p:cNvPr id="39" name="Straight Connector 26"/>
+          <p:cNvCxnSpPr/>
+          <p:nvPr/>
+        </p:nvCxnSpPr>
+        <p:spPr>
+          <a:xfrm>
+            <a:off x="2733485" y="3809311"/>
+            <a:ext cx="0" cy="301752"/>
+          </a:xfrm>
+          <a:prstGeom prst="line">
+            <a:avLst/>
+          </a:prstGeom>
+          <a:ln w="19050">
+            <a:solidFill>
+              <a:srgbClr val="FF0000"/>
+            </a:solidFill>
+            <a:prstDash val="dash"/>
+            <a:headEnd type="none"/>
+            <a:tailEnd type="arrow"/>
+          </a:ln>
+        </p:spPr>
+        <p:style>
+          <a:lnRef idx="1">
+            <a:schemeClr val="accent1"/>
+          </a:lnRef>
+          <a:fillRef idx="0">
+            <a:schemeClr val="accent1"/>
+          </a:fillRef>
+          <a:effectRef idx="0">
+            <a:schemeClr val="accent1"/>
+          </a:effectRef>
+          <a:fontRef idx="minor">
+            <a:schemeClr val="tx1"/>
+          </a:fontRef>
+        </p:style>
+      </p:cxnSp>
+      <p:sp>
+        <p:nvSpPr>
+          <p:cNvPr id="51" name="Rectangle 13"/>
+          <p:cNvSpPr/>
+          <p:nvPr/>
+        </p:nvSpPr>
+        <p:spPr>
+          <a:xfrm>
+            <a:off x="1668179" y="4145464"/>
+            <a:ext cx="2194560" cy="731520"/>
+          </a:xfrm>
+          <a:prstGeom prst="rect">
+            <a:avLst/>
+          </a:prstGeom>
+          <a:noFill/>
+          <a:ln w="19050">
+            <a:solidFill>
+              <a:schemeClr val="tx1">
+                <a:lumMod val="75000"/>
+                <a:lumOff val="25000"/>
+              </a:schemeClr>
+            </a:solidFill>
+          </a:ln>
+        </p:spPr>
+        <p:style>
+          <a:lnRef idx="2">
+            <a:schemeClr val="accent1">
+              <a:shade val="50000"/>
+            </a:schemeClr>
+          </a:lnRef>
+          <a:fillRef idx="1">
+            <a:schemeClr val="accent1"/>
+          </a:fillRef>
+          <a:effectRef idx="0">
+            <a:schemeClr val="accent1"/>
+          </a:effectRef>
+          <a:fontRef idx="minor">
+            <a:schemeClr val="lt1"/>
+          </a:fontRef>
+        </p:style>
+        <p:txBody>
+          <a:bodyPr rtlCol="0" anchor="ctr"/>
+          <a:lstStyle/>
+          <a:p>
+            <a:pPr algn="ctr"/>
+            <a:r>
+              <a:rPr lang="en-US" i="1" dirty="0" smtClean="0">
+                <a:solidFill>
+                  <a:schemeClr val="tx1"/>
+                </a:solidFill>
+              </a:rPr>
+              <a:t>NIC directly copy buffer1 to buffer2 </a:t>
+            </a:r>
+          </a:p>
+        </p:txBody>
+      </p:sp>
+      <p:sp>
+        <p:nvSpPr>
+          <p:cNvPr id="52" name="矩形 51"/>
+          <p:cNvSpPr/>
+          <p:nvPr/>
+        </p:nvSpPr>
+        <p:spPr>
+          <a:xfrm>
+            <a:off x="3929667" y="4328068"/>
+            <a:ext cx="721171" cy="369332"/>
+          </a:xfrm>
+          <a:prstGeom prst="rect">
+            <a:avLst/>
+          </a:prstGeom>
+        </p:spPr>
+        <p:txBody>
+          <a:bodyPr wrap="none">
+            <a:spAutoFit/>
+          </a:bodyPr>
+          <a:lstStyle/>
+          <a:p>
+            <a:pPr algn="ctr"/>
+            <a:r>
+              <a:rPr lang="en-US" altLang="zh-CN" dirty="0" smtClean="0">
+                <a:solidFill>
+                  <a:srgbClr val="FF0000"/>
+                </a:solidFill>
+              </a:rPr>
+              <a:t>Step3</a:t>
+            </a:r>
+            <a:endParaRPr lang="en-US" altLang="zh-CN" dirty="0">
+              <a:solidFill>
+                <a:srgbClr val="FF0000"/>
+              </a:solidFill>
+            </a:endParaRPr>
+          </a:p>
+        </p:txBody>
+      </p:sp>
+    </p:spTree>
+    <p:extLst>
+      <p:ext uri="{BB962C8B-B14F-4D97-AF65-F5344CB8AC3E}">
+        <p14:creationId xmlns:p14="http://schemas.microsoft.com/office/powerpoint/2010/main" val="3335420314"/>
+      </p:ext>
+    </p:extLst>
+  </p:cSld>
+  <p:clrMapOvr>
+    <a:masterClrMapping/>
+  </p:clrMapOvr>
+</p:sld>
+</file>
+
+<file path=ppt/slides/slide4.xml><?xml version="1.0" encoding="utf-8"?>
+<p:sld xmlns:a="http://schemas.openxmlformats.org/drawingml/2006/main" xmlns:r="http://schemas.openxmlformats.org/officeDocument/2006/relationships" xmlns:p="http://schemas.openxmlformats.org/presentationml/2006/main" show="0">
+  <p:cSld>
+    <p:spTree>
+      <p:nvGrpSpPr>
+        <p:cNvPr id="1" name=""/>
+        <p:cNvGrpSpPr/>
+        <p:nvPr/>
+      </p:nvGrpSpPr>
+      <p:grpSpPr>
+        <a:xfrm>
+          <a:off x="0" y="0"/>
+          <a:ext cx="0" cy="0"/>
+          <a:chOff x="0" y="0"/>
+          <a:chExt cx="0" cy="0"/>
+        </a:xfrm>
+      </p:grpSpPr>
+      <p:cxnSp>
+        <p:nvCxnSpPr>
+          <p:cNvPr id="89" name="Straight Connector 26"/>
+          <p:cNvCxnSpPr/>
+          <p:nvPr/>
+        </p:nvCxnSpPr>
+        <p:spPr>
+          <a:xfrm flipH="1" flipV="1">
+            <a:off x="3837854" y="3433312"/>
+            <a:ext cx="914400" cy="0"/>
+          </a:xfrm>
+          <a:prstGeom prst="line">
+            <a:avLst/>
+          </a:prstGeom>
+          <a:ln w="28575" cmpd="sng">
+            <a:solidFill>
+              <a:srgbClr val="FF0000"/>
+            </a:solidFill>
+            <a:prstDash val="dash"/>
+            <a:headEnd type="none"/>
+            <a:tailEnd type="arrow"/>
+          </a:ln>
+        </p:spPr>
+        <p:style>
+          <a:lnRef idx="1">
+            <a:schemeClr val="accent1"/>
+          </a:lnRef>
+          <a:fillRef idx="0">
+            <a:schemeClr val="accent1"/>
+          </a:fillRef>
+          <a:effectRef idx="0">
+            <a:schemeClr val="accent1"/>
+          </a:effectRef>
+          <a:fontRef idx="minor">
+            <a:schemeClr val="tx1"/>
+          </a:fontRef>
+        </p:style>
+      </p:cxnSp>
+      <p:sp>
+        <p:nvSpPr>
+          <p:cNvPr id="14" name="Rectangle 13"/>
+          <p:cNvSpPr/>
+          <p:nvPr/>
+        </p:nvSpPr>
+        <p:spPr>
+          <a:xfrm>
+            <a:off x="1653659" y="2002200"/>
+            <a:ext cx="2194560" cy="731520"/>
+          </a:xfrm>
+          <a:prstGeom prst="rect">
+            <a:avLst/>
+          </a:prstGeom>
+          <a:noFill/>
+          <a:ln w="19050">
+            <a:solidFill>
+              <a:schemeClr val="tx1">
+                <a:lumMod val="75000"/>
+                <a:lumOff val="25000"/>
+              </a:schemeClr>
+            </a:solidFill>
+          </a:ln>
+        </p:spPr>
+        <p:style>
+          <a:lnRef idx="2">
+            <a:schemeClr val="accent1">
+              <a:shade val="50000"/>
+            </a:schemeClr>
+          </a:lnRef>
+          <a:fillRef idx="1">
+            <a:schemeClr val="accent1"/>
+          </a:fillRef>
+          <a:effectRef idx="0">
+            <a:schemeClr val="accent1"/>
+          </a:effectRef>
+          <a:fontRef idx="minor">
+            <a:schemeClr val="lt1"/>
+          </a:fontRef>
+        </p:style>
+        <p:txBody>
+          <a:bodyPr rtlCol="0" anchor="ctr"/>
+          <a:lstStyle/>
+          <a:p>
+            <a:pPr algn="ctr"/>
+            <a:r>
+              <a:rPr lang="en-US" i="1" dirty="0" smtClean="0">
+                <a:solidFill>
+                  <a:schemeClr val="tx1"/>
+                </a:solidFill>
+              </a:rPr>
+              <a:t>Allocate buffer1;</a:t>
+            </a:r>
+            <a:endParaRPr lang="en-US" i="1" dirty="0">
+              <a:solidFill>
+                <a:schemeClr val="tx1"/>
+              </a:solidFill>
+            </a:endParaRPr>
+          </a:p>
+          <a:p>
+            <a:pPr algn="ctr"/>
+            <a:r>
+              <a:rPr lang="en-US" i="1" dirty="0" smtClean="0">
+                <a:solidFill>
+                  <a:schemeClr val="tx1"/>
+                </a:solidFill>
+              </a:rPr>
+              <a:t>Register to NIC</a:t>
+            </a:r>
+          </a:p>
+        </p:txBody>
+      </p:sp>
+      <p:cxnSp>
+        <p:nvCxnSpPr>
+          <p:cNvPr id="71" name="Straight Connector 26"/>
+          <p:cNvCxnSpPr/>
+          <p:nvPr/>
+        </p:nvCxnSpPr>
+        <p:spPr>
+          <a:xfrm>
+            <a:off x="2726225" y="2725596"/>
+            <a:ext cx="0" cy="301752"/>
+          </a:xfrm>
+          <a:prstGeom prst="line">
+            <a:avLst/>
+          </a:prstGeom>
+          <a:ln w="19050">
+            <a:solidFill>
+              <a:srgbClr val="FF0000"/>
+            </a:solidFill>
+            <a:prstDash val="dash"/>
+            <a:headEnd type="none"/>
+            <a:tailEnd type="arrow"/>
+          </a:ln>
+        </p:spPr>
+        <p:style>
+          <a:lnRef idx="1">
+            <a:schemeClr val="accent1"/>
+          </a:lnRef>
+          <a:fillRef idx="0">
+            <a:schemeClr val="accent1"/>
+          </a:fillRef>
+          <a:effectRef idx="0">
+            <a:schemeClr val="accent1"/>
+          </a:effectRef>
+          <a:fontRef idx="minor">
+            <a:schemeClr val="tx1"/>
+          </a:fontRef>
+        </p:style>
+      </p:cxnSp>
+      <p:sp>
+        <p:nvSpPr>
+          <p:cNvPr id="42" name="Rectangle 13"/>
+          <p:cNvSpPr/>
+          <p:nvPr/>
+        </p:nvSpPr>
+        <p:spPr>
+          <a:xfrm>
+            <a:off x="4775738" y="2002200"/>
+            <a:ext cx="2194560" cy="731520"/>
+          </a:xfrm>
+          <a:prstGeom prst="rect">
+            <a:avLst/>
+          </a:prstGeom>
+          <a:noFill/>
+          <a:ln w="19050">
+            <a:solidFill>
+              <a:schemeClr val="tx1">
+                <a:lumMod val="75000"/>
+                <a:lumOff val="25000"/>
+              </a:schemeClr>
+            </a:solidFill>
+          </a:ln>
+        </p:spPr>
+        <p:style>
+          <a:lnRef idx="2">
+            <a:schemeClr val="accent1">
+              <a:shade val="50000"/>
+            </a:schemeClr>
+          </a:lnRef>
+          <a:fillRef idx="1">
+            <a:schemeClr val="accent1"/>
+          </a:fillRef>
+          <a:effectRef idx="0">
+            <a:schemeClr val="accent1"/>
+          </a:effectRef>
+          <a:fontRef idx="minor">
+            <a:schemeClr val="lt1"/>
+          </a:fontRef>
+        </p:style>
+        <p:txBody>
+          <a:bodyPr rtlCol="0" anchor="ctr"/>
+          <a:lstStyle/>
+          <a:p>
+            <a:pPr algn="ctr"/>
+            <a:r>
+              <a:rPr lang="en-US" altLang="zh-CN" i="1" dirty="0">
+                <a:solidFill>
+                  <a:schemeClr val="tx1"/>
+                </a:solidFill>
+              </a:rPr>
+              <a:t>Allocate </a:t>
+            </a:r>
+            <a:r>
+              <a:rPr lang="en-US" altLang="zh-CN" i="1" dirty="0" smtClean="0">
+                <a:solidFill>
+                  <a:schemeClr val="tx1"/>
+                </a:solidFill>
+              </a:rPr>
+              <a:t>buffer2;</a:t>
+            </a:r>
+            <a:endParaRPr lang="en-US" altLang="zh-CN" i="1" dirty="0">
+              <a:solidFill>
+                <a:schemeClr val="tx1"/>
+              </a:solidFill>
+            </a:endParaRPr>
+          </a:p>
+          <a:p>
+            <a:pPr algn="ctr"/>
+            <a:r>
+              <a:rPr lang="en-US" altLang="zh-CN" i="1" dirty="0">
+                <a:solidFill>
+                  <a:schemeClr val="tx1"/>
+                </a:solidFill>
+              </a:rPr>
+              <a:t>Register to NIC</a:t>
+            </a:r>
+          </a:p>
+        </p:txBody>
+      </p:sp>
+      <p:cxnSp>
+        <p:nvCxnSpPr>
+          <p:cNvPr id="45" name="Straight Connector 26"/>
+          <p:cNvCxnSpPr/>
+          <p:nvPr/>
+        </p:nvCxnSpPr>
+        <p:spPr>
+          <a:xfrm>
+            <a:off x="5848304" y="2725596"/>
+            <a:ext cx="0" cy="301752"/>
+          </a:xfrm>
+          <a:prstGeom prst="line">
+            <a:avLst/>
+          </a:prstGeom>
+          <a:ln w="19050">
+            <a:solidFill>
+              <a:srgbClr val="FF0000"/>
+            </a:solidFill>
+            <a:prstDash val="dash"/>
+            <a:headEnd type="none"/>
+            <a:tailEnd type="arrow"/>
+          </a:ln>
+        </p:spPr>
+        <p:style>
+          <a:lnRef idx="1">
+            <a:schemeClr val="accent1"/>
+          </a:lnRef>
+          <a:fillRef idx="0">
+            <a:schemeClr val="accent1"/>
+          </a:fillRef>
+          <a:effectRef idx="0">
+            <a:schemeClr val="accent1"/>
+          </a:effectRef>
+          <a:fontRef idx="minor">
+            <a:schemeClr val="tx1"/>
+          </a:fontRef>
+        </p:style>
+      </p:cxnSp>
+      <p:sp>
+        <p:nvSpPr>
+          <p:cNvPr id="70" name="TextBox 54"/>
+          <p:cNvSpPr txBox="1"/>
+          <p:nvPr/>
+        </p:nvSpPr>
+        <p:spPr>
+          <a:xfrm>
             <a:off x="891488" y="2187498"/>
             <a:ext cx="749908" cy="346249"/>
           </a:xfrm>
@@ -8588,10 +11169,18 @@
   <p:clrMapOvr>
     <a:masterClrMapping/>
   </p:clrMapOvr>
+  <mc:AlternateContent xmlns:mc="http://schemas.openxmlformats.org/markup-compatibility/2006">
+    <mc:Choice xmlns:p14="http://schemas.microsoft.com/office/powerpoint/2010/main" Requires="p14">
+      <p:transition spd="slow" p14:dur="2000"/>
+    </mc:Choice>
+    <mc:Fallback>
+      <p:transition xmlns:p14="http://schemas.microsoft.com/office/powerpoint/2010/main" spd="slow"/>
+    </mc:Fallback>
+  </mc:AlternateContent>
 </p:sld>
 </file>
 
-<file path=ppt/slides/slide4.xml><?xml version="1.0" encoding="utf-8"?>
+<file path=ppt/slides/slide5.xml><?xml version="1.0" encoding="utf-8"?>
 <p:sld xmlns:a="http://schemas.openxmlformats.org/drawingml/2006/main" xmlns:r="http://schemas.openxmlformats.org/officeDocument/2006/relationships" xmlns:p="http://schemas.openxmlformats.org/presentationml/2006/main">
   <p:cSld>
     <p:spTree>
@@ -10067,7 +12656,7 @@
 </p:sld>
 </file>
 
-<file path=ppt/slides/slide5.xml><?xml version="1.0" encoding="utf-8"?>
+<file path=ppt/slides/slide6.xml><?xml version="1.0" encoding="utf-8"?>
 <p:sld xmlns:a="http://schemas.openxmlformats.org/drawingml/2006/main" xmlns:r="http://schemas.openxmlformats.org/officeDocument/2006/relationships" xmlns:p="http://schemas.openxmlformats.org/presentationml/2006/main">
   <p:cSld>
     <p:spTree>
@@ -11467,7 +14056,7 @@
 </p:sld>
 </file>
 
-<file path=ppt/slides/slide6.xml><?xml version="1.0" encoding="utf-8"?>
+<file path=ppt/slides/slide7.xml><?xml version="1.0" encoding="utf-8"?>
 <p:sld xmlns:a="http://schemas.openxmlformats.org/drawingml/2006/main" xmlns:r="http://schemas.openxmlformats.org/officeDocument/2006/relationships" xmlns:p="http://schemas.openxmlformats.org/presentationml/2006/main" show="0">
   <p:cSld>
     <p:spTree>
@@ -12905,7 +15494,7 @@
 </p:sld>
 </file>
 
-<file path=ppt/slides/slide7.xml><?xml version="1.0" encoding="utf-8"?>
+<file path=ppt/slides/slide8.xml><?xml version="1.0" encoding="utf-8"?>
 <p:sld xmlns:a="http://schemas.openxmlformats.org/drawingml/2006/main" xmlns:r="http://schemas.openxmlformats.org/officeDocument/2006/relationships" xmlns:p="http://schemas.openxmlformats.org/presentationml/2006/main" show="0">
   <p:cSld>
     <p:spTree>
@@ -14188,7 +16777,7 @@
 </p:sld>
 </file>
 
-<file path=ppt/slides/slide8.xml><?xml version="1.0" encoding="utf-8"?>
+<file path=ppt/slides/slide9.xml><?xml version="1.0" encoding="utf-8"?>
 <p:sld xmlns:a="http://schemas.openxmlformats.org/drawingml/2006/main" xmlns:r="http://schemas.openxmlformats.org/officeDocument/2006/relationships" xmlns:p="http://schemas.openxmlformats.org/presentationml/2006/main">
   <p:cSld>
     <p:spTree>
@@ -16020,1845 +18609,6 @@
 </p:sld>
 </file>
 
-<file path=ppt/slides/slide9.xml><?xml version="1.0" encoding="utf-8"?>
-<p:sld xmlns:a="http://schemas.openxmlformats.org/drawingml/2006/main" xmlns:r="http://schemas.openxmlformats.org/officeDocument/2006/relationships" xmlns:p="http://schemas.openxmlformats.org/presentationml/2006/main">
-  <p:cSld>
-    <p:spTree>
-      <p:nvGrpSpPr>
-        <p:cNvPr id="1" name=""/>
-        <p:cNvGrpSpPr/>
-        <p:nvPr/>
-      </p:nvGrpSpPr>
-      <p:grpSpPr>
-        <a:xfrm>
-          <a:off x="0" y="0"/>
-          <a:ext cx="0" cy="0"/>
-          <a:chOff x="0" y="0"/>
-          <a:chExt cx="0" cy="0"/>
-        </a:xfrm>
-      </p:grpSpPr>
-      <p:sp>
-        <p:nvSpPr>
-          <p:cNvPr id="4" name="Rectangle 3"/>
-          <p:cNvSpPr/>
-          <p:nvPr/>
-        </p:nvSpPr>
-        <p:spPr>
-          <a:xfrm>
-            <a:off x="889242" y="914210"/>
-            <a:ext cx="4013848" cy="2711454"/>
-          </a:xfrm>
-          <a:prstGeom prst="rect">
-            <a:avLst/>
-          </a:prstGeom>
-          <a:noFill/>
-          <a:ln w="28575">
-            <a:solidFill>
-              <a:schemeClr val="bg1">
-                <a:lumMod val="50000"/>
-              </a:schemeClr>
-            </a:solidFill>
-            <a:prstDash val="dash"/>
-          </a:ln>
-        </p:spPr>
-        <p:style>
-          <a:lnRef idx="2">
-            <a:schemeClr val="accent1">
-              <a:shade val="50000"/>
-            </a:schemeClr>
-          </a:lnRef>
-          <a:fillRef idx="1">
-            <a:schemeClr val="accent1"/>
-          </a:fillRef>
-          <a:effectRef idx="0">
-            <a:schemeClr val="accent1"/>
-          </a:effectRef>
-          <a:fontRef idx="minor">
-            <a:schemeClr val="lt1"/>
-          </a:fontRef>
-        </p:style>
-        <p:txBody>
-          <a:bodyPr rtlCol="0" anchor="ctr"/>
-          <a:lstStyle/>
-          <a:p>
-            <a:pPr algn="ctr"/>
-            <a:endParaRPr lang="en-US"/>
-          </a:p>
-        </p:txBody>
-      </p:sp>
-      <p:pic>
-        <p:nvPicPr>
-          <p:cNvPr id="5" name="Picture 4"/>
-          <p:cNvPicPr>
-            <a:picLocks noChangeAspect="1"/>
-          </p:cNvPicPr>
-          <p:nvPr/>
-        </p:nvPicPr>
-        <p:blipFill rotWithShape="1">
-          <a:blip r:embed="rId2">
-            <a:extLst>
-              <a:ext uri="{BEBA8EAE-BF5A-486C-A8C5-ECC9F3942E4B}">
-                <a14:imgProps xmlns:a14="http://schemas.microsoft.com/office/drawing/2010/main">
-                  <a14:imgLayer r:embed="rId3">
-                    <a14:imgEffect>
-                      <a14:saturation sat="33000"/>
-                    </a14:imgEffect>
-                  </a14:imgLayer>
-                </a14:imgProps>
-              </a:ext>
-              <a:ext uri="{28A0092B-C50C-407E-A947-70E740481C1C}">
-                <a14:useLocalDpi xmlns:a14="http://schemas.microsoft.com/office/drawing/2010/main" val="0"/>
-              </a:ext>
-            </a:extLst>
-          </a:blip>
-          <a:srcRect l="5811" t="8849" r="8982" b="11296"/>
-          <a:stretch/>
-        </p:blipFill>
-        <p:spPr>
-          <a:xfrm>
-            <a:off x="2161704" y="2160728"/>
-            <a:ext cx="958711" cy="749631"/>
-          </a:xfrm>
-          <a:prstGeom prst="rect">
-            <a:avLst/>
-          </a:prstGeom>
-        </p:spPr>
-      </p:pic>
-      <p:cxnSp>
-        <p:nvCxnSpPr>
-          <p:cNvPr id="6" name="Straight Connector 5"/>
-          <p:cNvCxnSpPr>
-            <a:stCxn id="9" idx="2"/>
-          </p:cNvCxnSpPr>
-          <p:nvPr/>
-        </p:nvCxnSpPr>
-        <p:spPr>
-          <a:xfrm>
-            <a:off x="1699619" y="1920110"/>
-            <a:ext cx="624481" cy="362080"/>
-          </a:xfrm>
-          <a:prstGeom prst="line">
-            <a:avLst/>
-          </a:prstGeom>
-          <a:ln w="28575">
-            <a:solidFill>
-              <a:schemeClr val="tx1"/>
-            </a:solidFill>
-          </a:ln>
-        </p:spPr>
-        <p:style>
-          <a:lnRef idx="1">
-            <a:schemeClr val="accent1"/>
-          </a:lnRef>
-          <a:fillRef idx="0">
-            <a:schemeClr val="accent1"/>
-          </a:fillRef>
-          <a:effectRef idx="0">
-            <a:schemeClr val="accent1"/>
-          </a:effectRef>
-          <a:fontRef idx="minor">
-            <a:schemeClr val="tx1"/>
-          </a:fontRef>
-        </p:style>
-      </p:cxnSp>
-      <p:grpSp>
-        <p:nvGrpSpPr>
-          <p:cNvPr id="7" name="Group 6"/>
-          <p:cNvGrpSpPr/>
-          <p:nvPr/>
-        </p:nvGrpSpPr>
-        <p:grpSpPr>
-          <a:xfrm>
-            <a:off x="1028330" y="1046092"/>
-            <a:ext cx="2096550" cy="1017008"/>
-            <a:chOff x="598008" y="1046092"/>
-            <a:chExt cx="2096550" cy="1017008"/>
-          </a:xfrm>
-        </p:grpSpPr>
-        <p:sp>
-          <p:nvSpPr>
-            <p:cNvPr id="8" name="Rectangle 7"/>
-            <p:cNvSpPr/>
-            <p:nvPr/>
-          </p:nvSpPr>
-          <p:spPr>
-            <a:xfrm>
-              <a:off x="598008" y="1046092"/>
-              <a:ext cx="1342578" cy="673371"/>
-            </a:xfrm>
-            <a:prstGeom prst="rect">
-              <a:avLst/>
-            </a:prstGeom>
-            <a:solidFill>
-              <a:schemeClr val="tx1">
-                <a:lumMod val="65000"/>
-                <a:lumOff val="35000"/>
-              </a:schemeClr>
-            </a:solidFill>
-            <a:ln w="28575">
-              <a:solidFill>
-                <a:schemeClr val="tx1">
-                  <a:lumMod val="75000"/>
-                  <a:lumOff val="25000"/>
-                </a:schemeClr>
-              </a:solidFill>
-            </a:ln>
-          </p:spPr>
-          <p:style>
-            <a:lnRef idx="2">
-              <a:schemeClr val="accent1">
-                <a:shade val="50000"/>
-              </a:schemeClr>
-            </a:lnRef>
-            <a:fillRef idx="1">
-              <a:schemeClr val="accent1"/>
-            </a:fillRef>
-            <a:effectRef idx="0">
-              <a:schemeClr val="accent1"/>
-            </a:effectRef>
-            <a:fontRef idx="minor">
-              <a:schemeClr val="lt1"/>
-            </a:fontRef>
-          </p:style>
-          <p:txBody>
-            <a:bodyPr rtlCol="0" anchor="ctr"/>
-            <a:lstStyle/>
-            <a:p>
-              <a:pPr algn="ctr"/>
-              <a:r>
-                <a:rPr lang="en-US" dirty="0">
-                  <a:solidFill>
-                    <a:schemeClr val="bg1"/>
-                  </a:solidFill>
-                </a:rPr>
-                <a:t>Container </a:t>
-              </a:r>
-              <a:r>
-                <a:rPr lang="en-US" i="1" dirty="0">
-                  <a:solidFill>
-                    <a:schemeClr val="bg1"/>
-                  </a:solidFill>
-                </a:rPr>
-                <a:t>1</a:t>
-              </a:r>
-            </a:p>
-          </p:txBody>
-        </p:sp>
-        <p:sp>
-          <p:nvSpPr>
-            <p:cNvPr id="9" name="Rectangle 8"/>
-            <p:cNvSpPr/>
-            <p:nvPr/>
-          </p:nvSpPr>
-          <p:spPr>
-            <a:xfrm>
-              <a:off x="1163050" y="1723542"/>
-              <a:ext cx="212493" cy="196568"/>
-            </a:xfrm>
-            <a:prstGeom prst="rect">
-              <a:avLst/>
-            </a:prstGeom>
-            <a:solidFill>
-              <a:srgbClr val="DDDDDD"/>
-            </a:solidFill>
-            <a:ln w="22225">
-              <a:solidFill>
-                <a:schemeClr val="tx1">
-                  <a:lumMod val="75000"/>
-                  <a:lumOff val="25000"/>
-                </a:schemeClr>
-              </a:solidFill>
-            </a:ln>
-          </p:spPr>
-          <p:style>
-            <a:lnRef idx="2">
-              <a:schemeClr val="accent1">
-                <a:shade val="50000"/>
-              </a:schemeClr>
-            </a:lnRef>
-            <a:fillRef idx="1">
-              <a:schemeClr val="accent1"/>
-            </a:fillRef>
-            <a:effectRef idx="0">
-              <a:schemeClr val="accent1"/>
-            </a:effectRef>
-            <a:fontRef idx="minor">
-              <a:schemeClr val="lt1"/>
-            </a:fontRef>
-          </p:style>
-          <p:txBody>
-            <a:bodyPr rtlCol="0" anchor="ctr"/>
-            <a:lstStyle/>
-            <a:p>
-              <a:pPr algn="ctr"/>
-              <a:endParaRPr lang="en-US" i="1" dirty="0">
-                <a:solidFill>
-                  <a:schemeClr val="bg1"/>
-                </a:solidFill>
-              </a:endParaRPr>
-            </a:p>
-          </p:txBody>
-        </p:sp>
-        <p:sp>
-          <p:nvSpPr>
-            <p:cNvPr id="10" name="TextBox 9"/>
-            <p:cNvSpPr txBox="1"/>
-            <p:nvPr/>
-          </p:nvSpPr>
-          <p:spPr>
-            <a:xfrm>
-              <a:off x="1342413" y="1724546"/>
-              <a:ext cx="1352145" cy="338554"/>
-            </a:xfrm>
-            <a:prstGeom prst="rect">
-              <a:avLst/>
-            </a:prstGeom>
-            <a:noFill/>
-            <a:ln w="28575">
-              <a:noFill/>
-            </a:ln>
-          </p:spPr>
-          <p:txBody>
-            <a:bodyPr wrap="square" rtlCol="0">
-              <a:spAutoFit/>
-            </a:bodyPr>
-            <a:lstStyle/>
-            <a:p>
-              <a:r>
-                <a:rPr lang="en-US" sz="1600" dirty="0"/>
-                <a:t>veth0: 1.1.1.1</a:t>
-              </a:r>
-            </a:p>
-          </p:txBody>
-        </p:sp>
-      </p:grpSp>
-      <p:cxnSp>
-        <p:nvCxnSpPr>
-          <p:cNvPr id="11" name="Straight Connector 10"/>
-          <p:cNvCxnSpPr/>
-          <p:nvPr/>
-        </p:nvCxnSpPr>
-        <p:spPr>
-          <a:xfrm flipH="1">
-            <a:off x="2963865" y="1916868"/>
-            <a:ext cx="537472" cy="365322"/>
-          </a:xfrm>
-          <a:prstGeom prst="line">
-            <a:avLst/>
-          </a:prstGeom>
-          <a:ln w="28575">
-            <a:solidFill>
-              <a:schemeClr val="tx1"/>
-            </a:solidFill>
-          </a:ln>
-        </p:spPr>
-        <p:style>
-          <a:lnRef idx="1">
-            <a:schemeClr val="accent1"/>
-          </a:lnRef>
-          <a:fillRef idx="0">
-            <a:schemeClr val="accent1"/>
-          </a:fillRef>
-          <a:effectRef idx="0">
-            <a:schemeClr val="accent1"/>
-          </a:effectRef>
-          <a:fontRef idx="minor">
-            <a:schemeClr val="tx1"/>
-          </a:fontRef>
-        </p:style>
-      </p:cxnSp>
-      <p:cxnSp>
-        <p:nvCxnSpPr>
-          <p:cNvPr id="12" name="Straight Connector 11"/>
-          <p:cNvCxnSpPr/>
-          <p:nvPr/>
-        </p:nvCxnSpPr>
-        <p:spPr>
-          <a:xfrm>
-            <a:off x="2641059" y="2884115"/>
-            <a:ext cx="0" cy="327609"/>
-          </a:xfrm>
-          <a:prstGeom prst="line">
-            <a:avLst/>
-          </a:prstGeom>
-          <a:ln w="28575">
-            <a:solidFill>
-              <a:schemeClr val="tx1"/>
-            </a:solidFill>
-          </a:ln>
-        </p:spPr>
-        <p:style>
-          <a:lnRef idx="1">
-            <a:schemeClr val="accent1"/>
-          </a:lnRef>
-          <a:fillRef idx="0">
-            <a:schemeClr val="accent1"/>
-          </a:fillRef>
-          <a:effectRef idx="0">
-            <a:schemeClr val="accent1"/>
-          </a:effectRef>
-          <a:fontRef idx="minor">
-            <a:schemeClr val="tx1"/>
-          </a:fontRef>
-        </p:style>
-      </p:cxnSp>
-      <p:cxnSp>
-        <p:nvCxnSpPr>
-          <p:cNvPr id="13" name="Elbow Connector 12"/>
-          <p:cNvCxnSpPr>
-            <a:stCxn id="42" idx="2"/>
-            <a:endCxn id="29" idx="2"/>
-          </p:cNvCxnSpPr>
-          <p:nvPr/>
-        </p:nvCxnSpPr>
-        <p:spPr>
-          <a:xfrm rot="16200000" flipH="1">
-            <a:off x="2535421" y="3610815"/>
-            <a:ext cx="582379" cy="371102"/>
-          </a:xfrm>
-          <a:prstGeom prst="bentConnector2">
-            <a:avLst/>
-          </a:prstGeom>
-          <a:ln w="28575">
-            <a:solidFill>
-              <a:schemeClr val="tx1"/>
-            </a:solidFill>
-          </a:ln>
-        </p:spPr>
-        <p:style>
-          <a:lnRef idx="1">
-            <a:schemeClr val="accent1"/>
-          </a:lnRef>
-          <a:fillRef idx="0">
-            <a:schemeClr val="accent1"/>
-          </a:fillRef>
-          <a:effectRef idx="0">
-            <a:schemeClr val="accent1"/>
-          </a:effectRef>
-          <a:fontRef idx="minor">
-            <a:schemeClr val="tx1"/>
-          </a:fontRef>
-        </p:style>
-      </p:cxnSp>
-      <p:sp>
-        <p:nvSpPr>
-          <p:cNvPr id="14" name="TextBox 13"/>
-          <p:cNvSpPr txBox="1"/>
-          <p:nvPr/>
-        </p:nvSpPr>
-        <p:spPr>
-          <a:xfrm>
-            <a:off x="3089202" y="2315575"/>
-            <a:ext cx="1799706" cy="707886"/>
-          </a:xfrm>
-          <a:prstGeom prst="rect">
-            <a:avLst/>
-          </a:prstGeom>
-          <a:noFill/>
-        </p:spPr>
-        <p:txBody>
-          <a:bodyPr wrap="square" rtlCol="0">
-            <a:spAutoFit/>
-          </a:bodyPr>
-          <a:lstStyle/>
-          <a:p>
-            <a:r>
-              <a:rPr lang="en-US" sz="2000" dirty="0"/>
-              <a:t>Overlay Router</a:t>
-            </a:r>
-          </a:p>
-        </p:txBody>
-      </p:sp>
-      <p:sp>
-        <p:nvSpPr>
-          <p:cNvPr id="15" name="TextBox 14"/>
-          <p:cNvSpPr txBox="1"/>
-          <p:nvPr/>
-        </p:nvSpPr>
-        <p:spPr>
-          <a:xfrm>
-            <a:off x="886886" y="447306"/>
-            <a:ext cx="1352145" cy="461665"/>
-          </a:xfrm>
-          <a:prstGeom prst="rect">
-            <a:avLst/>
-          </a:prstGeom>
-          <a:noFill/>
-        </p:spPr>
-        <p:txBody>
-          <a:bodyPr wrap="square" rtlCol="0">
-            <a:spAutoFit/>
-          </a:bodyPr>
-          <a:lstStyle/>
-          <a:p>
-            <a:r>
-              <a:rPr lang="en-US" sz="2400" dirty="0"/>
-              <a:t>Host </a:t>
-            </a:r>
-            <a:r>
-              <a:rPr lang="en-US" sz="2400" i="1" dirty="0"/>
-              <a:t>1</a:t>
-            </a:r>
-          </a:p>
-        </p:txBody>
-      </p:sp>
-      <p:sp>
-        <p:nvSpPr>
-          <p:cNvPr id="16" name="Rectangle 15"/>
-          <p:cNvSpPr/>
-          <p:nvPr/>
-        </p:nvSpPr>
-        <p:spPr>
-          <a:xfrm>
-            <a:off x="5046419" y="910753"/>
-            <a:ext cx="2229008" cy="2715907"/>
-          </a:xfrm>
-          <a:prstGeom prst="rect">
-            <a:avLst/>
-          </a:prstGeom>
-          <a:noFill/>
-          <a:ln w="28575">
-            <a:solidFill>
-              <a:schemeClr val="bg1">
-                <a:lumMod val="50000"/>
-              </a:schemeClr>
-            </a:solidFill>
-            <a:prstDash val="dash"/>
-          </a:ln>
-        </p:spPr>
-        <p:style>
-          <a:lnRef idx="2">
-            <a:schemeClr val="accent1">
-              <a:shade val="50000"/>
-            </a:schemeClr>
-          </a:lnRef>
-          <a:fillRef idx="1">
-            <a:schemeClr val="accent1"/>
-          </a:fillRef>
-          <a:effectRef idx="0">
-            <a:schemeClr val="accent1"/>
-          </a:effectRef>
-          <a:fontRef idx="minor">
-            <a:schemeClr val="lt1"/>
-          </a:fontRef>
-        </p:style>
-        <p:txBody>
-          <a:bodyPr rtlCol="0" anchor="ctr"/>
-          <a:lstStyle/>
-          <a:p>
-            <a:pPr algn="ctr"/>
-            <a:endParaRPr lang="en-US"/>
-          </a:p>
-        </p:txBody>
-      </p:sp>
-      <p:pic>
-        <p:nvPicPr>
-          <p:cNvPr id="17" name="Picture 16"/>
-          <p:cNvPicPr>
-            <a:picLocks noChangeAspect="1"/>
-          </p:cNvPicPr>
-          <p:nvPr/>
-        </p:nvPicPr>
-        <p:blipFill rotWithShape="1">
-          <a:blip r:embed="rId2">
-            <a:extLst>
-              <a:ext uri="{BEBA8EAE-BF5A-486C-A8C5-ECC9F3942E4B}">
-                <a14:imgProps xmlns:a14="http://schemas.microsoft.com/office/drawing/2010/main">
-                  <a14:imgLayer r:embed="rId3">
-                    <a14:imgEffect>
-                      <a14:saturation sat="33000"/>
-                    </a14:imgEffect>
-                  </a14:imgLayer>
-                </a14:imgProps>
-              </a:ext>
-              <a:ext uri="{28A0092B-C50C-407E-A947-70E740481C1C}">
-                <a14:useLocalDpi xmlns:a14="http://schemas.microsoft.com/office/drawing/2010/main" val="0"/>
-              </a:ext>
-            </a:extLst>
-          </a:blip>
-          <a:srcRect l="5811" t="13714" r="8982" b="11296"/>
-          <a:stretch/>
-        </p:blipFill>
-        <p:spPr>
-          <a:xfrm>
-            <a:off x="5370810" y="2221574"/>
-            <a:ext cx="958711" cy="703967"/>
-          </a:xfrm>
-          <a:prstGeom prst="rect">
-            <a:avLst/>
-          </a:prstGeom>
-        </p:spPr>
-      </p:pic>
-      <p:cxnSp>
-        <p:nvCxnSpPr>
-          <p:cNvPr id="18" name="Straight Connector 17"/>
-          <p:cNvCxnSpPr>
-            <a:stCxn id="21" idx="2"/>
-            <a:endCxn id="17" idx="0"/>
-          </p:cNvCxnSpPr>
-          <p:nvPr/>
-        </p:nvCxnSpPr>
-        <p:spPr>
-          <a:xfrm>
-            <a:off x="5850166" y="1922038"/>
-            <a:ext cx="0" cy="299536"/>
-          </a:xfrm>
-          <a:prstGeom prst="line">
-            <a:avLst/>
-          </a:prstGeom>
-          <a:ln w="28575">
-            <a:solidFill>
-              <a:schemeClr val="tx1"/>
-            </a:solidFill>
-          </a:ln>
-        </p:spPr>
-        <p:style>
-          <a:lnRef idx="1">
-            <a:schemeClr val="accent1"/>
-          </a:lnRef>
-          <a:fillRef idx="0">
-            <a:schemeClr val="accent1"/>
-          </a:fillRef>
-          <a:effectRef idx="0">
-            <a:schemeClr val="accent1"/>
-          </a:effectRef>
-          <a:fontRef idx="minor">
-            <a:schemeClr val="tx1"/>
-          </a:fontRef>
-        </p:style>
-      </p:cxnSp>
-      <p:grpSp>
-        <p:nvGrpSpPr>
-          <p:cNvPr id="19" name="Group 18"/>
-          <p:cNvGrpSpPr/>
-          <p:nvPr/>
-        </p:nvGrpSpPr>
-        <p:grpSpPr>
-          <a:xfrm>
-            <a:off x="5178877" y="1051178"/>
-            <a:ext cx="2096550" cy="1013850"/>
-            <a:chOff x="598008" y="1049250"/>
-            <a:chExt cx="2096550" cy="1013850"/>
-          </a:xfrm>
-        </p:grpSpPr>
-        <p:sp>
-          <p:nvSpPr>
-            <p:cNvPr id="20" name="Rectangle 19"/>
-            <p:cNvSpPr/>
-            <p:nvPr/>
-          </p:nvSpPr>
-          <p:spPr>
-            <a:xfrm>
-              <a:off x="598008" y="1049250"/>
-              <a:ext cx="1342578" cy="673370"/>
-            </a:xfrm>
-            <a:prstGeom prst="rect">
-              <a:avLst/>
-            </a:prstGeom>
-            <a:solidFill>
-              <a:schemeClr val="tx1">
-                <a:lumMod val="65000"/>
-                <a:lumOff val="35000"/>
-              </a:schemeClr>
-            </a:solidFill>
-            <a:ln w="28575">
-              <a:solidFill>
-                <a:schemeClr val="tx1">
-                  <a:lumMod val="75000"/>
-                  <a:lumOff val="25000"/>
-                </a:schemeClr>
-              </a:solidFill>
-            </a:ln>
-          </p:spPr>
-          <p:style>
-            <a:lnRef idx="2">
-              <a:schemeClr val="accent1">
-                <a:shade val="50000"/>
-              </a:schemeClr>
-            </a:lnRef>
-            <a:fillRef idx="1">
-              <a:schemeClr val="accent1"/>
-            </a:fillRef>
-            <a:effectRef idx="0">
-              <a:schemeClr val="accent1"/>
-            </a:effectRef>
-            <a:fontRef idx="minor">
-              <a:schemeClr val="lt1"/>
-            </a:fontRef>
-          </p:style>
-          <p:txBody>
-            <a:bodyPr rtlCol="0" anchor="ctr"/>
-            <a:lstStyle/>
-            <a:p>
-              <a:pPr algn="ctr"/>
-              <a:r>
-                <a:rPr lang="en-US" dirty="0">
-                  <a:solidFill>
-                    <a:schemeClr val="bg1"/>
-                  </a:solidFill>
-                </a:rPr>
-                <a:t>Container </a:t>
-              </a:r>
-              <a:r>
-                <a:rPr lang="en-US" i="1" dirty="0">
-                  <a:solidFill>
-                    <a:schemeClr val="bg1"/>
-                  </a:solidFill>
-                </a:rPr>
-                <a:t>3</a:t>
-              </a:r>
-            </a:p>
-          </p:txBody>
-        </p:sp>
-        <p:sp>
-          <p:nvSpPr>
-            <p:cNvPr id="21" name="Rectangle 20"/>
-            <p:cNvSpPr/>
-            <p:nvPr/>
-          </p:nvSpPr>
-          <p:spPr>
-            <a:xfrm>
-              <a:off x="1163050" y="1723542"/>
-              <a:ext cx="212493" cy="196568"/>
-            </a:xfrm>
-            <a:prstGeom prst="rect">
-              <a:avLst/>
-            </a:prstGeom>
-            <a:solidFill>
-              <a:srgbClr val="DDDDDD"/>
-            </a:solidFill>
-            <a:ln w="22225">
-              <a:solidFill>
-                <a:schemeClr val="tx1">
-                  <a:lumMod val="75000"/>
-                  <a:lumOff val="25000"/>
-                </a:schemeClr>
-              </a:solidFill>
-            </a:ln>
-          </p:spPr>
-          <p:style>
-            <a:lnRef idx="2">
-              <a:schemeClr val="accent1">
-                <a:shade val="50000"/>
-              </a:schemeClr>
-            </a:lnRef>
-            <a:fillRef idx="1">
-              <a:schemeClr val="accent1"/>
-            </a:fillRef>
-            <a:effectRef idx="0">
-              <a:schemeClr val="accent1"/>
-            </a:effectRef>
-            <a:fontRef idx="minor">
-              <a:schemeClr val="lt1"/>
-            </a:fontRef>
-          </p:style>
-          <p:txBody>
-            <a:bodyPr rtlCol="0" anchor="ctr"/>
-            <a:lstStyle/>
-            <a:p>
-              <a:pPr algn="ctr"/>
-              <a:endParaRPr lang="en-US" i="1" dirty="0">
-                <a:solidFill>
-                  <a:schemeClr val="bg1"/>
-                </a:solidFill>
-              </a:endParaRPr>
-            </a:p>
-          </p:txBody>
-        </p:sp>
-        <p:sp>
-          <p:nvSpPr>
-            <p:cNvPr id="22" name="TextBox 21"/>
-            <p:cNvSpPr txBox="1"/>
-            <p:nvPr/>
-          </p:nvSpPr>
-          <p:spPr>
-            <a:xfrm>
-              <a:off x="1342413" y="1724546"/>
-              <a:ext cx="1352145" cy="338554"/>
-            </a:xfrm>
-            <a:prstGeom prst="rect">
-              <a:avLst/>
-            </a:prstGeom>
-            <a:noFill/>
-            <a:ln w="28575">
-              <a:noFill/>
-            </a:ln>
-          </p:spPr>
-          <p:txBody>
-            <a:bodyPr wrap="square" rtlCol="0">
-              <a:spAutoFit/>
-            </a:bodyPr>
-            <a:lstStyle/>
-            <a:p>
-              <a:r>
-                <a:rPr lang="en-US" sz="1600" dirty="0"/>
-                <a:t>veth0: 3.3.3.3</a:t>
-              </a:r>
-            </a:p>
-          </p:txBody>
-        </p:sp>
-      </p:grpSp>
-      <p:cxnSp>
-        <p:nvCxnSpPr>
-          <p:cNvPr id="23" name="Straight Connector 22"/>
-          <p:cNvCxnSpPr/>
-          <p:nvPr/>
-        </p:nvCxnSpPr>
-        <p:spPr>
-          <a:xfrm>
-            <a:off x="5850446" y="2886043"/>
-            <a:ext cx="0" cy="327609"/>
-          </a:xfrm>
-          <a:prstGeom prst="line">
-            <a:avLst/>
-          </a:prstGeom>
-          <a:ln w="28575">
-            <a:solidFill>
-              <a:schemeClr val="tx1"/>
-            </a:solidFill>
-          </a:ln>
-        </p:spPr>
-        <p:style>
-          <a:lnRef idx="1">
-            <a:schemeClr val="accent1"/>
-          </a:lnRef>
-          <a:fillRef idx="0">
-            <a:schemeClr val="accent1"/>
-          </a:fillRef>
-          <a:effectRef idx="0">
-            <a:schemeClr val="accent1"/>
-          </a:effectRef>
-          <a:fontRef idx="minor">
-            <a:schemeClr val="tx1"/>
-          </a:fontRef>
-        </p:style>
-      </p:cxnSp>
-      <p:sp>
-        <p:nvSpPr>
-          <p:cNvPr id="24" name="TextBox 23"/>
-          <p:cNvSpPr txBox="1"/>
-          <p:nvPr/>
-        </p:nvSpPr>
-        <p:spPr>
-          <a:xfrm>
-            <a:off x="5083638" y="444837"/>
-            <a:ext cx="1352145" cy="461665"/>
-          </a:xfrm>
-          <a:prstGeom prst="rect">
-            <a:avLst/>
-          </a:prstGeom>
-          <a:noFill/>
-        </p:spPr>
-        <p:txBody>
-          <a:bodyPr wrap="square" rtlCol="0">
-            <a:spAutoFit/>
-          </a:bodyPr>
-          <a:lstStyle/>
-          <a:p>
-            <a:r>
-              <a:rPr lang="en-US" sz="2400" dirty="0"/>
-              <a:t>Host </a:t>
-            </a:r>
-            <a:r>
-              <a:rPr lang="en-US" sz="2400" i="1" dirty="0"/>
-              <a:t>2</a:t>
-            </a:r>
-          </a:p>
-        </p:txBody>
-      </p:sp>
-      <p:cxnSp>
-        <p:nvCxnSpPr>
-          <p:cNvPr id="25" name="Elbow Connector 24"/>
-          <p:cNvCxnSpPr/>
-          <p:nvPr/>
-        </p:nvCxnSpPr>
-        <p:spPr>
-          <a:xfrm rot="5400000">
-            <a:off x="5045648" y="3317180"/>
-            <a:ext cx="1007262" cy="627115"/>
-          </a:xfrm>
-          <a:prstGeom prst="bentConnector2">
-            <a:avLst/>
-          </a:prstGeom>
-          <a:ln w="28575">
-            <a:solidFill>
-              <a:schemeClr val="tx1"/>
-            </a:solidFill>
-          </a:ln>
-        </p:spPr>
-        <p:style>
-          <a:lnRef idx="1">
-            <a:schemeClr val="accent1"/>
-          </a:lnRef>
-          <a:fillRef idx="0">
-            <a:schemeClr val="accent1"/>
-          </a:fillRef>
-          <a:effectRef idx="0">
-            <a:schemeClr val="accent1"/>
-          </a:effectRef>
-          <a:fontRef idx="minor">
-            <a:schemeClr val="tx1"/>
-          </a:fontRef>
-        </p:style>
-      </p:cxnSp>
-      <p:grpSp>
-        <p:nvGrpSpPr>
-          <p:cNvPr id="26" name="Group 25"/>
-          <p:cNvGrpSpPr/>
-          <p:nvPr/>
-        </p:nvGrpSpPr>
-        <p:grpSpPr>
-          <a:xfrm>
-            <a:off x="3001848" y="3728847"/>
-            <a:ext cx="2544699" cy="873804"/>
-            <a:chOff x="3284927" y="4669757"/>
-            <a:chExt cx="3386995" cy="1202692"/>
-          </a:xfrm>
-        </p:grpSpPr>
-        <p:grpSp>
-          <p:nvGrpSpPr>
-            <p:cNvPr id="27" name="Group 26"/>
-            <p:cNvGrpSpPr/>
-            <p:nvPr/>
-          </p:nvGrpSpPr>
-          <p:grpSpPr>
-            <a:xfrm>
-              <a:off x="3284927" y="4669757"/>
-              <a:ext cx="3386995" cy="1202692"/>
-              <a:chOff x="3312348" y="4621194"/>
-              <a:chExt cx="3725694" cy="1322961"/>
-            </a:xfrm>
-          </p:grpSpPr>
-          <p:sp>
-            <p:nvSpPr>
-              <p:cNvPr id="29" name="Cloud 28"/>
-              <p:cNvSpPr/>
-              <p:nvPr/>
-            </p:nvSpPr>
-            <p:spPr>
-              <a:xfrm rot="212724">
-                <a:off x="3312348" y="4621194"/>
-                <a:ext cx="3725694" cy="1322961"/>
-              </a:xfrm>
-              <a:prstGeom prst="cloud">
-                <a:avLst/>
-              </a:prstGeom>
-              <a:solidFill>
-                <a:schemeClr val="accent3">
-                  <a:lumMod val="20000"/>
-                  <a:lumOff val="80000"/>
-                </a:schemeClr>
-              </a:solidFill>
-              <a:ln w="28575">
-                <a:solidFill>
-                  <a:schemeClr val="accent3">
-                    <a:lumMod val="75000"/>
-                  </a:schemeClr>
-                </a:solidFill>
-              </a:ln>
-            </p:spPr>
-            <p:style>
-              <a:lnRef idx="2">
-                <a:schemeClr val="accent1">
-                  <a:shade val="50000"/>
-                </a:schemeClr>
-              </a:lnRef>
-              <a:fillRef idx="1">
-                <a:schemeClr val="accent1"/>
-              </a:fillRef>
-              <a:effectRef idx="0">
-                <a:schemeClr val="accent1"/>
-              </a:effectRef>
-              <a:fontRef idx="minor">
-                <a:schemeClr val="lt1"/>
-              </a:fontRef>
-            </p:style>
-            <p:txBody>
-              <a:bodyPr rtlCol="0" anchor="ctr"/>
-              <a:lstStyle/>
-              <a:p>
-                <a:pPr algn="ctr"/>
-                <a:endParaRPr lang="en-US" dirty="0"/>
-              </a:p>
-            </p:txBody>
-          </p:sp>
-          <p:sp>
-            <p:nvSpPr>
-              <p:cNvPr id="30" name="Oval 29"/>
-              <p:cNvSpPr/>
-              <p:nvPr/>
-            </p:nvSpPr>
-            <p:spPr>
-              <a:xfrm>
-                <a:off x="3497580" y="5188263"/>
-                <a:ext cx="365760" cy="216857"/>
-              </a:xfrm>
-              <a:prstGeom prst="ellipse">
-                <a:avLst/>
-              </a:prstGeom>
-              <a:solidFill>
-                <a:schemeClr val="accent3">
-                  <a:lumMod val="20000"/>
-                  <a:lumOff val="80000"/>
-                </a:schemeClr>
-              </a:solidFill>
-              <a:ln>
-                <a:noFill/>
-              </a:ln>
-            </p:spPr>
-            <p:style>
-              <a:lnRef idx="2">
-                <a:schemeClr val="accent1">
-                  <a:shade val="50000"/>
-                </a:schemeClr>
-              </a:lnRef>
-              <a:fillRef idx="1">
-                <a:schemeClr val="accent1"/>
-              </a:fillRef>
-              <a:effectRef idx="0">
-                <a:schemeClr val="accent1"/>
-              </a:effectRef>
-              <a:fontRef idx="minor">
-                <a:schemeClr val="lt1"/>
-              </a:fontRef>
-            </p:style>
-            <p:txBody>
-              <a:bodyPr rtlCol="0" anchor="ctr"/>
-              <a:lstStyle/>
-              <a:p>
-                <a:pPr algn="ctr"/>
-                <a:endParaRPr lang="en-US"/>
-              </a:p>
-            </p:txBody>
-          </p:sp>
-          <p:sp>
-            <p:nvSpPr>
-              <p:cNvPr id="31" name="Oval 30"/>
-              <p:cNvSpPr/>
-              <p:nvPr/>
-            </p:nvSpPr>
-            <p:spPr>
-              <a:xfrm>
-                <a:off x="6558280" y="5123445"/>
-                <a:ext cx="365760" cy="216857"/>
-              </a:xfrm>
-              <a:prstGeom prst="ellipse">
-                <a:avLst/>
-              </a:prstGeom>
-              <a:solidFill>
-                <a:schemeClr val="accent3">
-                  <a:lumMod val="20000"/>
-                  <a:lumOff val="80000"/>
-                </a:schemeClr>
-              </a:solidFill>
-              <a:ln>
-                <a:noFill/>
-              </a:ln>
-            </p:spPr>
-            <p:style>
-              <a:lnRef idx="2">
-                <a:schemeClr val="accent1">
-                  <a:shade val="50000"/>
-                </a:schemeClr>
-              </a:lnRef>
-              <a:fillRef idx="1">
-                <a:schemeClr val="accent1"/>
-              </a:fillRef>
-              <a:effectRef idx="0">
-                <a:schemeClr val="accent1"/>
-              </a:effectRef>
-              <a:fontRef idx="minor">
-                <a:schemeClr val="lt1"/>
-              </a:fontRef>
-            </p:style>
-            <p:txBody>
-              <a:bodyPr rtlCol="0" anchor="ctr"/>
-              <a:lstStyle/>
-              <a:p>
-                <a:pPr algn="ctr"/>
-                <a:endParaRPr lang="en-US"/>
-              </a:p>
-            </p:txBody>
-          </p:sp>
-          <p:sp>
-            <p:nvSpPr>
-              <p:cNvPr id="32" name="Oval 31"/>
-              <p:cNvSpPr/>
-              <p:nvPr/>
-            </p:nvSpPr>
-            <p:spPr>
-              <a:xfrm>
-                <a:off x="6197600" y="5283200"/>
-                <a:ext cx="425237" cy="361073"/>
-              </a:xfrm>
-              <a:prstGeom prst="ellipse">
-                <a:avLst/>
-              </a:prstGeom>
-              <a:solidFill>
-                <a:schemeClr val="accent3">
-                  <a:lumMod val="20000"/>
-                  <a:lumOff val="80000"/>
-                </a:schemeClr>
-              </a:solidFill>
-              <a:ln>
-                <a:noFill/>
-              </a:ln>
-            </p:spPr>
-            <p:style>
-              <a:lnRef idx="2">
-                <a:schemeClr val="accent1">
-                  <a:shade val="50000"/>
-                </a:schemeClr>
-              </a:lnRef>
-              <a:fillRef idx="1">
-                <a:schemeClr val="accent1"/>
-              </a:fillRef>
-              <a:effectRef idx="0">
-                <a:schemeClr val="accent1"/>
-              </a:effectRef>
-              <a:fontRef idx="minor">
-                <a:schemeClr val="lt1"/>
-              </a:fontRef>
-            </p:style>
-            <p:txBody>
-              <a:bodyPr rtlCol="0" anchor="ctr"/>
-              <a:lstStyle/>
-              <a:p>
-                <a:pPr algn="ctr"/>
-                <a:endParaRPr lang="en-US"/>
-              </a:p>
-            </p:txBody>
-          </p:sp>
-          <p:sp>
-            <p:nvSpPr>
-              <p:cNvPr id="33" name="Oval 32"/>
-              <p:cNvSpPr/>
-              <p:nvPr/>
-            </p:nvSpPr>
-            <p:spPr>
-              <a:xfrm>
-                <a:off x="5532435" y="5415280"/>
-                <a:ext cx="425237" cy="361073"/>
-              </a:xfrm>
-              <a:prstGeom prst="ellipse">
-                <a:avLst/>
-              </a:prstGeom>
-              <a:solidFill>
-                <a:schemeClr val="accent3">
-                  <a:lumMod val="20000"/>
-                  <a:lumOff val="80000"/>
-                </a:schemeClr>
-              </a:solidFill>
-              <a:ln>
-                <a:noFill/>
-              </a:ln>
-            </p:spPr>
-            <p:style>
-              <a:lnRef idx="2">
-                <a:schemeClr val="accent1">
-                  <a:shade val="50000"/>
-                </a:schemeClr>
-              </a:lnRef>
-              <a:fillRef idx="1">
-                <a:schemeClr val="accent1"/>
-              </a:fillRef>
-              <a:effectRef idx="0">
-                <a:schemeClr val="accent1"/>
-              </a:effectRef>
-              <a:fontRef idx="minor">
-                <a:schemeClr val="lt1"/>
-              </a:fontRef>
-            </p:style>
-            <p:txBody>
-              <a:bodyPr rtlCol="0" anchor="ctr"/>
-              <a:lstStyle/>
-              <a:p>
-                <a:pPr algn="ctr"/>
-                <a:endParaRPr lang="en-US"/>
-              </a:p>
-            </p:txBody>
-          </p:sp>
-          <p:sp>
-            <p:nvSpPr>
-              <p:cNvPr id="34" name="Oval 33"/>
-              <p:cNvSpPr/>
-              <p:nvPr/>
-            </p:nvSpPr>
-            <p:spPr>
-              <a:xfrm>
-                <a:off x="4523685" y="5431824"/>
-                <a:ext cx="425237" cy="361073"/>
-              </a:xfrm>
-              <a:prstGeom prst="ellipse">
-                <a:avLst/>
-              </a:prstGeom>
-              <a:solidFill>
-                <a:schemeClr val="accent3">
-                  <a:lumMod val="20000"/>
-                  <a:lumOff val="80000"/>
-                </a:schemeClr>
-              </a:solidFill>
-              <a:ln>
-                <a:noFill/>
-              </a:ln>
-            </p:spPr>
-            <p:style>
-              <a:lnRef idx="2">
-                <a:schemeClr val="accent1">
-                  <a:shade val="50000"/>
-                </a:schemeClr>
-              </a:lnRef>
-              <a:fillRef idx="1">
-                <a:schemeClr val="accent1"/>
-              </a:fillRef>
-              <a:effectRef idx="0">
-                <a:schemeClr val="accent1"/>
-              </a:effectRef>
-              <a:fontRef idx="minor">
-                <a:schemeClr val="lt1"/>
-              </a:fontRef>
-            </p:style>
-            <p:txBody>
-              <a:bodyPr rtlCol="0" anchor="ctr"/>
-              <a:lstStyle/>
-              <a:p>
-                <a:pPr algn="ctr"/>
-                <a:endParaRPr lang="en-US"/>
-              </a:p>
-            </p:txBody>
-          </p:sp>
-          <p:sp>
-            <p:nvSpPr>
-              <p:cNvPr id="35" name="Oval 34"/>
-              <p:cNvSpPr/>
-              <p:nvPr/>
-            </p:nvSpPr>
-            <p:spPr>
-              <a:xfrm>
-                <a:off x="3725596" y="5302139"/>
-                <a:ext cx="425237" cy="361073"/>
-              </a:xfrm>
-              <a:prstGeom prst="ellipse">
-                <a:avLst/>
-              </a:prstGeom>
-              <a:solidFill>
-                <a:schemeClr val="accent3">
-                  <a:lumMod val="20000"/>
-                  <a:lumOff val="80000"/>
-                </a:schemeClr>
-              </a:solidFill>
-              <a:ln>
-                <a:noFill/>
-              </a:ln>
-            </p:spPr>
-            <p:style>
-              <a:lnRef idx="2">
-                <a:schemeClr val="accent1">
-                  <a:shade val="50000"/>
-                </a:schemeClr>
-              </a:lnRef>
-              <a:fillRef idx="1">
-                <a:schemeClr val="accent1"/>
-              </a:fillRef>
-              <a:effectRef idx="0">
-                <a:schemeClr val="accent1"/>
-              </a:effectRef>
-              <a:fontRef idx="minor">
-                <a:schemeClr val="lt1"/>
-              </a:fontRef>
-            </p:style>
-            <p:txBody>
-              <a:bodyPr rtlCol="0" anchor="ctr"/>
-              <a:lstStyle/>
-              <a:p>
-                <a:pPr algn="ctr"/>
-                <a:endParaRPr lang="en-US"/>
-              </a:p>
-            </p:txBody>
-          </p:sp>
-          <p:sp>
-            <p:nvSpPr>
-              <p:cNvPr id="36" name="Oval 35"/>
-              <p:cNvSpPr/>
-              <p:nvPr/>
-            </p:nvSpPr>
-            <p:spPr>
-              <a:xfrm>
-                <a:off x="3580514" y="4943169"/>
-                <a:ext cx="425237" cy="361073"/>
-              </a:xfrm>
-              <a:prstGeom prst="ellipse">
-                <a:avLst/>
-              </a:prstGeom>
-              <a:solidFill>
-                <a:schemeClr val="accent3">
-                  <a:lumMod val="20000"/>
-                  <a:lumOff val="80000"/>
-                </a:schemeClr>
-              </a:solidFill>
-              <a:ln>
-                <a:noFill/>
-              </a:ln>
-            </p:spPr>
-            <p:style>
-              <a:lnRef idx="2">
-                <a:schemeClr val="accent1">
-                  <a:shade val="50000"/>
-                </a:schemeClr>
-              </a:lnRef>
-              <a:fillRef idx="1">
-                <a:schemeClr val="accent1"/>
-              </a:fillRef>
-              <a:effectRef idx="0">
-                <a:schemeClr val="accent1"/>
-              </a:effectRef>
-              <a:fontRef idx="minor">
-                <a:schemeClr val="lt1"/>
-              </a:fontRef>
-            </p:style>
-            <p:txBody>
-              <a:bodyPr rtlCol="0" anchor="ctr"/>
-              <a:lstStyle/>
-              <a:p>
-                <a:pPr algn="ctr"/>
-                <a:endParaRPr lang="en-US"/>
-              </a:p>
-            </p:txBody>
-          </p:sp>
-          <p:sp>
-            <p:nvSpPr>
-              <p:cNvPr id="37" name="Oval 36"/>
-              <p:cNvSpPr/>
-              <p:nvPr/>
-            </p:nvSpPr>
-            <p:spPr>
-              <a:xfrm>
-                <a:off x="4469071" y="4714569"/>
-                <a:ext cx="425237" cy="361073"/>
-              </a:xfrm>
-              <a:prstGeom prst="ellipse">
-                <a:avLst/>
-              </a:prstGeom>
-              <a:solidFill>
-                <a:schemeClr val="accent3">
-                  <a:lumMod val="20000"/>
-                  <a:lumOff val="80000"/>
-                </a:schemeClr>
-              </a:solidFill>
-              <a:ln>
-                <a:noFill/>
-              </a:ln>
-            </p:spPr>
-            <p:style>
-              <a:lnRef idx="2">
-                <a:schemeClr val="accent1">
-                  <a:shade val="50000"/>
-                </a:schemeClr>
-              </a:lnRef>
-              <a:fillRef idx="1">
-                <a:schemeClr val="accent1"/>
-              </a:fillRef>
-              <a:effectRef idx="0">
-                <a:schemeClr val="accent1"/>
-              </a:effectRef>
-              <a:fontRef idx="minor">
-                <a:schemeClr val="lt1"/>
-              </a:fontRef>
-            </p:style>
-            <p:txBody>
-              <a:bodyPr rtlCol="0" anchor="ctr"/>
-              <a:lstStyle/>
-              <a:p>
-                <a:pPr algn="ctr"/>
-                <a:endParaRPr lang="en-US"/>
-              </a:p>
-            </p:txBody>
-          </p:sp>
-          <p:sp>
-            <p:nvSpPr>
-              <p:cNvPr id="38" name="Oval 37"/>
-              <p:cNvSpPr/>
-              <p:nvPr/>
-            </p:nvSpPr>
-            <p:spPr>
-              <a:xfrm>
-                <a:off x="4962576" y="4717917"/>
-                <a:ext cx="425237" cy="361073"/>
-              </a:xfrm>
-              <a:prstGeom prst="ellipse">
-                <a:avLst/>
-              </a:prstGeom>
-              <a:solidFill>
-                <a:schemeClr val="accent3">
-                  <a:lumMod val="20000"/>
-                  <a:lumOff val="80000"/>
-                </a:schemeClr>
-              </a:solidFill>
-              <a:ln>
-                <a:noFill/>
-              </a:ln>
-            </p:spPr>
-            <p:style>
-              <a:lnRef idx="2">
-                <a:schemeClr val="accent1">
-                  <a:shade val="50000"/>
-                </a:schemeClr>
-              </a:lnRef>
-              <a:fillRef idx="1">
-                <a:schemeClr val="accent1"/>
-              </a:fillRef>
-              <a:effectRef idx="0">
-                <a:schemeClr val="accent1"/>
-              </a:effectRef>
-              <a:fontRef idx="minor">
-                <a:schemeClr val="lt1"/>
-              </a:fontRef>
-            </p:style>
-            <p:txBody>
-              <a:bodyPr rtlCol="0" anchor="ctr"/>
-              <a:lstStyle/>
-              <a:p>
-                <a:pPr algn="ctr"/>
-                <a:endParaRPr lang="en-US"/>
-              </a:p>
-            </p:txBody>
-          </p:sp>
-          <p:sp>
-            <p:nvSpPr>
-              <p:cNvPr id="39" name="Oval 38"/>
-              <p:cNvSpPr/>
-              <p:nvPr/>
-            </p:nvSpPr>
-            <p:spPr>
-              <a:xfrm>
-                <a:off x="5578658" y="4714569"/>
-                <a:ext cx="425237" cy="361073"/>
-              </a:xfrm>
-              <a:prstGeom prst="ellipse">
-                <a:avLst/>
-              </a:prstGeom>
-              <a:solidFill>
-                <a:schemeClr val="accent3">
-                  <a:lumMod val="20000"/>
-                  <a:lumOff val="80000"/>
-                </a:schemeClr>
-              </a:solidFill>
-              <a:ln>
-                <a:noFill/>
-              </a:ln>
-            </p:spPr>
-            <p:style>
-              <a:lnRef idx="2">
-                <a:schemeClr val="accent1">
-                  <a:shade val="50000"/>
-                </a:schemeClr>
-              </a:lnRef>
-              <a:fillRef idx="1">
-                <a:schemeClr val="accent1"/>
-              </a:fillRef>
-              <a:effectRef idx="0">
-                <a:schemeClr val="accent1"/>
-              </a:effectRef>
-              <a:fontRef idx="minor">
-                <a:schemeClr val="lt1"/>
-              </a:fontRef>
-            </p:style>
-            <p:txBody>
-              <a:bodyPr rtlCol="0" anchor="ctr"/>
-              <a:lstStyle/>
-              <a:p>
-                <a:pPr algn="ctr"/>
-                <a:endParaRPr lang="en-US"/>
-              </a:p>
-            </p:txBody>
-          </p:sp>
-          <p:sp>
-            <p:nvSpPr>
-              <p:cNvPr id="40" name="Oval 39"/>
-              <p:cNvSpPr/>
-              <p:nvPr/>
-            </p:nvSpPr>
-            <p:spPr>
-              <a:xfrm>
-                <a:off x="6381426" y="4885274"/>
-                <a:ext cx="425237" cy="361073"/>
-              </a:xfrm>
-              <a:prstGeom prst="ellipse">
-                <a:avLst/>
-              </a:prstGeom>
-              <a:solidFill>
-                <a:schemeClr val="accent3">
-                  <a:lumMod val="20000"/>
-                  <a:lumOff val="80000"/>
-                </a:schemeClr>
-              </a:solidFill>
-              <a:ln>
-                <a:noFill/>
-              </a:ln>
-            </p:spPr>
-            <p:style>
-              <a:lnRef idx="2">
-                <a:schemeClr val="accent1">
-                  <a:shade val="50000"/>
-                </a:schemeClr>
-              </a:lnRef>
-              <a:fillRef idx="1">
-                <a:schemeClr val="accent1"/>
-              </a:fillRef>
-              <a:effectRef idx="0">
-                <a:schemeClr val="accent1"/>
-              </a:effectRef>
-              <a:fontRef idx="minor">
-                <a:schemeClr val="lt1"/>
-              </a:fontRef>
-            </p:style>
-            <p:txBody>
-              <a:bodyPr rtlCol="0" anchor="ctr"/>
-              <a:lstStyle/>
-              <a:p>
-                <a:pPr algn="ctr"/>
-                <a:endParaRPr lang="en-US"/>
-              </a:p>
-            </p:txBody>
-          </p:sp>
-        </p:grpSp>
-        <p:sp>
-          <p:nvSpPr>
-            <p:cNvPr id="28" name="TextBox 27"/>
-            <p:cNvSpPr txBox="1"/>
-            <p:nvPr/>
-          </p:nvSpPr>
-          <p:spPr>
-            <a:xfrm>
-              <a:off x="3998283" y="4992913"/>
-              <a:ext cx="1979677" cy="461665"/>
-            </a:xfrm>
-            <a:prstGeom prst="rect">
-              <a:avLst/>
-            </a:prstGeom>
-            <a:noFill/>
-          </p:spPr>
-          <p:txBody>
-            <a:bodyPr wrap="square" rtlCol="0">
-              <a:spAutoFit/>
-            </a:bodyPr>
-            <a:lstStyle/>
-            <a:p>
-              <a:pPr algn="ctr"/>
-              <a:r>
-                <a:rPr lang="en-US" sz="2400" dirty="0"/>
-                <a:t>Network</a:t>
-              </a:r>
-            </a:p>
-          </p:txBody>
-        </p:sp>
-      </p:grpSp>
-      <p:sp>
-        <p:nvSpPr>
-          <p:cNvPr id="41" name="Rectangle 40"/>
-          <p:cNvSpPr/>
-          <p:nvPr/>
-        </p:nvSpPr>
-        <p:spPr>
-          <a:xfrm>
-            <a:off x="5187108" y="3069361"/>
-            <a:ext cx="1342578" cy="437744"/>
-          </a:xfrm>
-          <a:prstGeom prst="rect">
-            <a:avLst/>
-          </a:prstGeom>
-          <a:solidFill>
-            <a:schemeClr val="tx2">
-              <a:lumMod val="20000"/>
-              <a:lumOff val="80000"/>
-            </a:schemeClr>
-          </a:solidFill>
-          <a:ln w="25400">
-            <a:solidFill>
-              <a:schemeClr val="tx1">
-                <a:lumMod val="50000"/>
-                <a:lumOff val="50000"/>
-              </a:schemeClr>
-            </a:solidFill>
-          </a:ln>
-        </p:spPr>
-        <p:style>
-          <a:lnRef idx="2">
-            <a:schemeClr val="accent1">
-              <a:shade val="50000"/>
-            </a:schemeClr>
-          </a:lnRef>
-          <a:fillRef idx="1">
-            <a:schemeClr val="accent1"/>
-          </a:fillRef>
-          <a:effectRef idx="0">
-            <a:schemeClr val="accent1"/>
-          </a:effectRef>
-          <a:fontRef idx="minor">
-            <a:schemeClr val="lt1"/>
-          </a:fontRef>
-        </p:style>
-        <p:txBody>
-          <a:bodyPr rtlCol="0" anchor="ctr"/>
-          <a:lstStyle/>
-          <a:p>
-            <a:pPr algn="ctr"/>
-            <a:r>
-              <a:rPr lang="en-US" sz="2000" dirty="0">
-                <a:solidFill>
-                  <a:sysClr val="windowText" lastClr="000000"/>
-                </a:solidFill>
-              </a:rPr>
-              <a:t>NIC</a:t>
-            </a:r>
-          </a:p>
-        </p:txBody>
-      </p:sp>
-      <p:sp>
-        <p:nvSpPr>
-          <p:cNvPr id="42" name="Rectangle 41"/>
-          <p:cNvSpPr/>
-          <p:nvPr/>
-        </p:nvSpPr>
-        <p:spPr>
-          <a:xfrm>
-            <a:off x="1969770" y="3067433"/>
-            <a:ext cx="1342578" cy="437744"/>
-          </a:xfrm>
-          <a:prstGeom prst="rect">
-            <a:avLst/>
-          </a:prstGeom>
-          <a:solidFill>
-            <a:schemeClr val="tx2">
-              <a:lumMod val="20000"/>
-              <a:lumOff val="80000"/>
-            </a:schemeClr>
-          </a:solidFill>
-          <a:ln w="25400">
-            <a:solidFill>
-              <a:schemeClr val="tx1">
-                <a:lumMod val="50000"/>
-                <a:lumOff val="50000"/>
-              </a:schemeClr>
-            </a:solidFill>
-          </a:ln>
-        </p:spPr>
-        <p:style>
-          <a:lnRef idx="2">
-            <a:schemeClr val="accent1">
-              <a:shade val="50000"/>
-            </a:schemeClr>
-          </a:lnRef>
-          <a:fillRef idx="1">
-            <a:schemeClr val="accent1"/>
-          </a:fillRef>
-          <a:effectRef idx="0">
-            <a:schemeClr val="accent1"/>
-          </a:effectRef>
-          <a:fontRef idx="minor">
-            <a:schemeClr val="lt1"/>
-          </a:fontRef>
-        </p:style>
-        <p:txBody>
-          <a:bodyPr rtlCol="0" anchor="ctr"/>
-          <a:lstStyle/>
-          <a:p>
-            <a:pPr algn="ctr"/>
-            <a:r>
-              <a:rPr lang="en-US" sz="2000" dirty="0">
-                <a:solidFill>
-                  <a:sysClr val="windowText" lastClr="000000"/>
-                </a:solidFill>
-              </a:rPr>
-              <a:t>NIC</a:t>
-            </a:r>
-          </a:p>
-        </p:txBody>
-      </p:sp>
-      <p:grpSp>
-        <p:nvGrpSpPr>
-          <p:cNvPr id="43" name="Group 42"/>
-          <p:cNvGrpSpPr/>
-          <p:nvPr/>
-        </p:nvGrpSpPr>
-        <p:grpSpPr>
-          <a:xfrm>
-            <a:off x="2822716" y="1041177"/>
-            <a:ext cx="2096550" cy="1017008"/>
-            <a:chOff x="598008" y="1046092"/>
-            <a:chExt cx="2096550" cy="1017008"/>
-          </a:xfrm>
-        </p:grpSpPr>
-        <p:sp>
-          <p:nvSpPr>
-            <p:cNvPr id="44" name="Rectangle 43"/>
-            <p:cNvSpPr/>
-            <p:nvPr/>
-          </p:nvSpPr>
-          <p:spPr>
-            <a:xfrm>
-              <a:off x="598008" y="1046092"/>
-              <a:ext cx="1342578" cy="673371"/>
-            </a:xfrm>
-            <a:prstGeom prst="rect">
-              <a:avLst/>
-            </a:prstGeom>
-            <a:solidFill>
-              <a:schemeClr val="tx1">
-                <a:lumMod val="65000"/>
-                <a:lumOff val="35000"/>
-              </a:schemeClr>
-            </a:solidFill>
-            <a:ln w="28575">
-              <a:solidFill>
-                <a:schemeClr val="tx1">
-                  <a:lumMod val="75000"/>
-                  <a:lumOff val="25000"/>
-                </a:schemeClr>
-              </a:solidFill>
-            </a:ln>
-          </p:spPr>
-          <p:style>
-            <a:lnRef idx="2">
-              <a:schemeClr val="accent1">
-                <a:shade val="50000"/>
-              </a:schemeClr>
-            </a:lnRef>
-            <a:fillRef idx="1">
-              <a:schemeClr val="accent1"/>
-            </a:fillRef>
-            <a:effectRef idx="0">
-              <a:schemeClr val="accent1"/>
-            </a:effectRef>
-            <a:fontRef idx="minor">
-              <a:schemeClr val="lt1"/>
-            </a:fontRef>
-          </p:style>
-          <p:txBody>
-            <a:bodyPr rtlCol="0" anchor="ctr"/>
-            <a:lstStyle/>
-            <a:p>
-              <a:pPr algn="ctr"/>
-              <a:r>
-                <a:rPr lang="en-US" dirty="0">
-                  <a:solidFill>
-                    <a:schemeClr val="bg1"/>
-                  </a:solidFill>
-                </a:rPr>
-                <a:t>Container </a:t>
-              </a:r>
-              <a:r>
-                <a:rPr lang="en-US" i="1" dirty="0">
-                  <a:solidFill>
-                    <a:schemeClr val="bg1"/>
-                  </a:solidFill>
-                </a:rPr>
-                <a:t>2</a:t>
-              </a:r>
-            </a:p>
-          </p:txBody>
-        </p:sp>
-        <p:sp>
-          <p:nvSpPr>
-            <p:cNvPr id="45" name="Rectangle 44"/>
-            <p:cNvSpPr/>
-            <p:nvPr/>
-          </p:nvSpPr>
-          <p:spPr>
-            <a:xfrm>
-              <a:off x="1163050" y="1723542"/>
-              <a:ext cx="212493" cy="196568"/>
-            </a:xfrm>
-            <a:prstGeom prst="rect">
-              <a:avLst/>
-            </a:prstGeom>
-            <a:solidFill>
-              <a:srgbClr val="DDDDDD"/>
-            </a:solidFill>
-            <a:ln w="22225">
-              <a:solidFill>
-                <a:schemeClr val="tx1">
-                  <a:lumMod val="75000"/>
-                  <a:lumOff val="25000"/>
-                </a:schemeClr>
-              </a:solidFill>
-            </a:ln>
-          </p:spPr>
-          <p:style>
-            <a:lnRef idx="2">
-              <a:schemeClr val="accent1">
-                <a:shade val="50000"/>
-              </a:schemeClr>
-            </a:lnRef>
-            <a:fillRef idx="1">
-              <a:schemeClr val="accent1"/>
-            </a:fillRef>
-            <a:effectRef idx="0">
-              <a:schemeClr val="accent1"/>
-            </a:effectRef>
-            <a:fontRef idx="minor">
-              <a:schemeClr val="lt1"/>
-            </a:fontRef>
-          </p:style>
-          <p:txBody>
-            <a:bodyPr rtlCol="0" anchor="ctr"/>
-            <a:lstStyle/>
-            <a:p>
-              <a:pPr algn="ctr"/>
-              <a:endParaRPr lang="en-US" i="1" dirty="0">
-                <a:solidFill>
-                  <a:schemeClr val="bg1"/>
-                </a:solidFill>
-              </a:endParaRPr>
-            </a:p>
-          </p:txBody>
-        </p:sp>
-        <p:sp>
-          <p:nvSpPr>
-            <p:cNvPr id="46" name="TextBox 45"/>
-            <p:cNvSpPr txBox="1"/>
-            <p:nvPr/>
-          </p:nvSpPr>
-          <p:spPr>
-            <a:xfrm>
-              <a:off x="1342413" y="1724546"/>
-              <a:ext cx="1352145" cy="338554"/>
-            </a:xfrm>
-            <a:prstGeom prst="rect">
-              <a:avLst/>
-            </a:prstGeom>
-            <a:noFill/>
-            <a:ln w="28575">
-              <a:noFill/>
-            </a:ln>
-          </p:spPr>
-          <p:txBody>
-            <a:bodyPr wrap="square" rtlCol="0">
-              <a:spAutoFit/>
-            </a:bodyPr>
-            <a:lstStyle/>
-            <a:p>
-              <a:r>
-                <a:rPr lang="en-US" sz="1600" dirty="0"/>
-                <a:t>veth0: 2.2.2.2</a:t>
-              </a:r>
-            </a:p>
-          </p:txBody>
-        </p:sp>
-      </p:grpSp>
-    </p:spTree>
-    <p:extLst>
-      <p:ext uri="{BB962C8B-B14F-4D97-AF65-F5344CB8AC3E}">
-        <p14:creationId xmlns:p14="http://schemas.microsoft.com/office/powerpoint/2010/main" val="2495499074"/>
-      </p:ext>
-    </p:extLst>
-  </p:cSld>
-  <p:clrMapOvr>
-    <a:masterClrMapping/>
-  </p:clrMapOvr>
-</p:sld>
-</file>
-
 <file path=ppt/theme/theme1.xml><?xml version="1.0" encoding="utf-8"?>
 <a:theme xmlns:a="http://schemas.openxmlformats.org/drawingml/2006/main" name="Office Theme">
   <a:themeElements>

--- a/figures/figures.pptx
+++ b/figures/figures.pptx
@@ -19,6 +19,7 @@
     <p:sldId id="260" r:id="rId13"/>
     <p:sldId id="257" r:id="rId14"/>
     <p:sldId id="258" r:id="rId15"/>
+    <p:sldId id="272" r:id="rId16"/>
   </p:sldIdLst>
   <p:sldSz cx="9144000" cy="6858000" type="screen4x3"/>
   <p:notesSz cx="6858000" cy="9144000"/>
@@ -119,7 +120,7 @@
   </p:defaultTextStyle>
   <p:extLst>
     <p:ext uri="{EFAFB233-063F-42B5-8137-9DF3F51BA10A}">
-      <p15:sldGuideLst xmlns:p15="http://schemas.microsoft.com/office/powerpoint/2012/main" xmlns="">
+      <p15:sldGuideLst xmlns:p15="http://schemas.microsoft.com/office/powerpoint/2012/main">
         <p15:guide id="1" orient="horz" pos="2160">
           <p15:clr>
             <a:srgbClr val="A4A3A4"/>
@@ -267,7 +268,7 @@
           <a:p>
             <a:fld id="{621EDD06-D935-4757-8E3B-CF3AF6A4D88B}" type="datetimeFigureOut">
               <a:rPr lang="en-US" smtClean="0"/>
-              <a:t>7/15/16</a:t>
+              <a:t>7/16/2016</a:t>
             </a:fld>
             <a:endParaRPr lang="en-US"/>
           </a:p>
@@ -437,7 +438,7 @@
           <a:p>
             <a:fld id="{621EDD06-D935-4757-8E3B-CF3AF6A4D88B}" type="datetimeFigureOut">
               <a:rPr lang="en-US" smtClean="0"/>
-              <a:t>7/15/16</a:t>
+              <a:t>7/16/2016</a:t>
             </a:fld>
             <a:endParaRPr lang="en-US"/>
           </a:p>
@@ -617,7 +618,7 @@
           <a:p>
             <a:fld id="{621EDD06-D935-4757-8E3B-CF3AF6A4D88B}" type="datetimeFigureOut">
               <a:rPr lang="en-US" smtClean="0"/>
-              <a:t>7/15/16</a:t>
+              <a:t>7/16/2016</a:t>
             </a:fld>
             <a:endParaRPr lang="en-US"/>
           </a:p>
@@ -787,7 +788,7 @@
           <a:p>
             <a:fld id="{621EDD06-D935-4757-8E3B-CF3AF6A4D88B}" type="datetimeFigureOut">
               <a:rPr lang="en-US" smtClean="0"/>
-              <a:t>7/15/16</a:t>
+              <a:t>7/16/2016</a:t>
             </a:fld>
             <a:endParaRPr lang="en-US"/>
           </a:p>
@@ -1031,7 +1032,7 @@
           <a:p>
             <a:fld id="{621EDD06-D935-4757-8E3B-CF3AF6A4D88B}" type="datetimeFigureOut">
               <a:rPr lang="en-US" smtClean="0"/>
-              <a:t>7/15/16</a:t>
+              <a:t>7/16/2016</a:t>
             </a:fld>
             <a:endParaRPr lang="en-US"/>
           </a:p>
@@ -1263,7 +1264,7 @@
           <a:p>
             <a:fld id="{621EDD06-D935-4757-8E3B-CF3AF6A4D88B}" type="datetimeFigureOut">
               <a:rPr lang="en-US" smtClean="0"/>
-              <a:t>7/15/16</a:t>
+              <a:t>7/16/2016</a:t>
             </a:fld>
             <a:endParaRPr lang="en-US"/>
           </a:p>
@@ -1630,7 +1631,7 @@
           <a:p>
             <a:fld id="{621EDD06-D935-4757-8E3B-CF3AF6A4D88B}" type="datetimeFigureOut">
               <a:rPr lang="en-US" smtClean="0"/>
-              <a:t>7/15/16</a:t>
+              <a:t>7/16/2016</a:t>
             </a:fld>
             <a:endParaRPr lang="en-US"/>
           </a:p>
@@ -1748,7 +1749,7 @@
           <a:p>
             <a:fld id="{621EDD06-D935-4757-8E3B-CF3AF6A4D88B}" type="datetimeFigureOut">
               <a:rPr lang="en-US" smtClean="0"/>
-              <a:t>7/15/16</a:t>
+              <a:t>7/16/2016</a:t>
             </a:fld>
             <a:endParaRPr lang="en-US"/>
           </a:p>
@@ -1843,7 +1844,7 @@
           <a:p>
             <a:fld id="{621EDD06-D935-4757-8E3B-CF3AF6A4D88B}" type="datetimeFigureOut">
               <a:rPr lang="en-US" smtClean="0"/>
-              <a:t>7/15/16</a:t>
+              <a:t>7/16/2016</a:t>
             </a:fld>
             <a:endParaRPr lang="en-US"/>
           </a:p>
@@ -2120,7 +2121,7 @@
           <a:p>
             <a:fld id="{621EDD06-D935-4757-8E3B-CF3AF6A4D88B}" type="datetimeFigureOut">
               <a:rPr lang="en-US" smtClean="0"/>
-              <a:t>7/15/16</a:t>
+              <a:t>7/16/2016</a:t>
             </a:fld>
             <a:endParaRPr lang="en-US"/>
           </a:p>
@@ -2377,7 +2378,7 @@
           <a:p>
             <a:fld id="{621EDD06-D935-4757-8E3B-CF3AF6A4D88B}" type="datetimeFigureOut">
               <a:rPr lang="en-US" smtClean="0"/>
-              <a:t>7/15/16</a:t>
+              <a:t>7/16/2016</a:t>
             </a:fld>
             <a:endParaRPr lang="en-US"/>
           </a:p>
@@ -2590,7 +2591,7 @@
           <a:p>
             <a:fld id="{621EDD06-D935-4757-8E3B-CF3AF6A4D88B}" type="datetimeFigureOut">
               <a:rPr lang="en-US" smtClean="0"/>
-              <a:t>7/15/16</a:t>
+              <a:t>7/16/2016</a:t>
             </a:fld>
             <a:endParaRPr lang="en-US"/>
           </a:p>
@@ -3023,10 +3024,9 @@
               </a:lnSpc>
             </a:pPr>
             <a:r>
-              <a:rPr lang="en-US" dirty="0" smtClean="0"/>
+              <a:rPr lang="en-US" dirty="0"/>
               <a:t>Container: Sender</a:t>
             </a:r>
-            <a:endParaRPr lang="en-US" dirty="0" smtClean="0"/>
           </a:p>
         </p:txBody>
       </p:sp>
@@ -3058,10 +3058,9 @@
               </a:lnSpc>
             </a:pPr>
             <a:r>
-              <a:rPr lang="en-US" dirty="0" smtClean="0"/>
+              <a:rPr lang="en-US" dirty="0"/>
               <a:t>Container: Receiver</a:t>
             </a:r>
-            <a:endParaRPr lang="en-US" dirty="0" smtClean="0"/>
           </a:p>
         </p:txBody>
       </p:sp>
@@ -9472,6 +9471,1845 @@
 </p:sld>
 </file>
 
+<file path=ppt/slides/slide15.xml><?xml version="1.0" encoding="utf-8"?>
+<p:sld xmlns:a="http://schemas.openxmlformats.org/drawingml/2006/main" xmlns:r="http://schemas.openxmlformats.org/officeDocument/2006/relationships" xmlns:p="http://schemas.openxmlformats.org/presentationml/2006/main">
+  <p:cSld>
+    <p:spTree>
+      <p:nvGrpSpPr>
+        <p:cNvPr id="1" name=""/>
+        <p:cNvGrpSpPr/>
+        <p:nvPr/>
+      </p:nvGrpSpPr>
+      <p:grpSpPr>
+        <a:xfrm>
+          <a:off x="0" y="0"/>
+          <a:ext cx="0" cy="0"/>
+          <a:chOff x="0" y="0"/>
+          <a:chExt cx="0" cy="0"/>
+        </a:xfrm>
+      </p:grpSpPr>
+      <p:sp>
+        <p:nvSpPr>
+          <p:cNvPr id="4" name="Rectangle 3"/>
+          <p:cNvSpPr/>
+          <p:nvPr/>
+        </p:nvSpPr>
+        <p:spPr>
+          <a:xfrm>
+            <a:off x="889242" y="914210"/>
+            <a:ext cx="4013848" cy="2711454"/>
+          </a:xfrm>
+          <a:prstGeom prst="rect">
+            <a:avLst/>
+          </a:prstGeom>
+          <a:noFill/>
+          <a:ln w="28575">
+            <a:solidFill>
+              <a:schemeClr val="bg1">
+                <a:lumMod val="50000"/>
+              </a:schemeClr>
+            </a:solidFill>
+            <a:prstDash val="dash"/>
+          </a:ln>
+        </p:spPr>
+        <p:style>
+          <a:lnRef idx="2">
+            <a:schemeClr val="accent1">
+              <a:shade val="50000"/>
+            </a:schemeClr>
+          </a:lnRef>
+          <a:fillRef idx="1">
+            <a:schemeClr val="accent1"/>
+          </a:fillRef>
+          <a:effectRef idx="0">
+            <a:schemeClr val="accent1"/>
+          </a:effectRef>
+          <a:fontRef idx="minor">
+            <a:schemeClr val="lt1"/>
+          </a:fontRef>
+        </p:style>
+        <p:txBody>
+          <a:bodyPr rtlCol="0" anchor="ctr"/>
+          <a:lstStyle/>
+          <a:p>
+            <a:pPr algn="ctr"/>
+            <a:endParaRPr lang="en-US"/>
+          </a:p>
+        </p:txBody>
+      </p:sp>
+      <p:pic>
+        <p:nvPicPr>
+          <p:cNvPr id="5" name="Picture 4"/>
+          <p:cNvPicPr>
+            <a:picLocks noChangeAspect="1"/>
+          </p:cNvPicPr>
+          <p:nvPr/>
+        </p:nvPicPr>
+        <p:blipFill rotWithShape="1">
+          <a:blip r:embed="rId2">
+            <a:extLst>
+              <a:ext uri="{BEBA8EAE-BF5A-486C-A8C5-ECC9F3942E4B}">
+                <a14:imgProps xmlns:a14="http://schemas.microsoft.com/office/drawing/2010/main">
+                  <a14:imgLayer r:embed="rId3">
+                    <a14:imgEffect>
+                      <a14:saturation sat="33000"/>
+                    </a14:imgEffect>
+                  </a14:imgLayer>
+                </a14:imgProps>
+              </a:ext>
+              <a:ext uri="{28A0092B-C50C-407E-A947-70E740481C1C}">
+                <a14:useLocalDpi xmlns:a14="http://schemas.microsoft.com/office/drawing/2010/main" val="0"/>
+              </a:ext>
+            </a:extLst>
+          </a:blip>
+          <a:srcRect l="5811" t="8849" r="8982" b="11296"/>
+          <a:stretch/>
+        </p:blipFill>
+        <p:spPr>
+          <a:xfrm>
+            <a:off x="2161704" y="2160728"/>
+            <a:ext cx="958711" cy="749631"/>
+          </a:xfrm>
+          <a:prstGeom prst="rect">
+            <a:avLst/>
+          </a:prstGeom>
+        </p:spPr>
+      </p:pic>
+      <p:cxnSp>
+        <p:nvCxnSpPr>
+          <p:cNvPr id="6" name="Straight Connector 5"/>
+          <p:cNvCxnSpPr>
+            <a:stCxn id="9" idx="2"/>
+          </p:cNvCxnSpPr>
+          <p:nvPr/>
+        </p:nvCxnSpPr>
+        <p:spPr>
+          <a:xfrm>
+            <a:off x="1699619" y="1920110"/>
+            <a:ext cx="624481" cy="362080"/>
+          </a:xfrm>
+          <a:prstGeom prst="line">
+            <a:avLst/>
+          </a:prstGeom>
+          <a:ln w="28575">
+            <a:solidFill>
+              <a:schemeClr val="tx1"/>
+            </a:solidFill>
+          </a:ln>
+        </p:spPr>
+        <p:style>
+          <a:lnRef idx="1">
+            <a:schemeClr val="accent1"/>
+          </a:lnRef>
+          <a:fillRef idx="0">
+            <a:schemeClr val="accent1"/>
+          </a:fillRef>
+          <a:effectRef idx="0">
+            <a:schemeClr val="accent1"/>
+          </a:effectRef>
+          <a:fontRef idx="minor">
+            <a:schemeClr val="tx1"/>
+          </a:fontRef>
+        </p:style>
+      </p:cxnSp>
+      <p:grpSp>
+        <p:nvGrpSpPr>
+          <p:cNvPr id="7" name="Group 6"/>
+          <p:cNvGrpSpPr/>
+          <p:nvPr/>
+        </p:nvGrpSpPr>
+        <p:grpSpPr>
+          <a:xfrm>
+            <a:off x="1028330" y="1046092"/>
+            <a:ext cx="2096550" cy="1017008"/>
+            <a:chOff x="598008" y="1046092"/>
+            <a:chExt cx="2096550" cy="1017008"/>
+          </a:xfrm>
+        </p:grpSpPr>
+        <p:sp>
+          <p:nvSpPr>
+            <p:cNvPr id="8" name="Rectangle 7"/>
+            <p:cNvSpPr/>
+            <p:nvPr/>
+          </p:nvSpPr>
+          <p:spPr>
+            <a:xfrm>
+              <a:off x="598008" y="1046092"/>
+              <a:ext cx="1342578" cy="673371"/>
+            </a:xfrm>
+            <a:prstGeom prst="rect">
+              <a:avLst/>
+            </a:prstGeom>
+            <a:solidFill>
+              <a:schemeClr val="tx1">
+                <a:lumMod val="65000"/>
+                <a:lumOff val="35000"/>
+              </a:schemeClr>
+            </a:solidFill>
+            <a:ln w="28575">
+              <a:solidFill>
+                <a:schemeClr val="tx1">
+                  <a:lumMod val="75000"/>
+                  <a:lumOff val="25000"/>
+                </a:schemeClr>
+              </a:solidFill>
+            </a:ln>
+          </p:spPr>
+          <p:style>
+            <a:lnRef idx="2">
+              <a:schemeClr val="accent1">
+                <a:shade val="50000"/>
+              </a:schemeClr>
+            </a:lnRef>
+            <a:fillRef idx="1">
+              <a:schemeClr val="accent1"/>
+            </a:fillRef>
+            <a:effectRef idx="0">
+              <a:schemeClr val="accent1"/>
+            </a:effectRef>
+            <a:fontRef idx="minor">
+              <a:schemeClr val="lt1"/>
+            </a:fontRef>
+          </p:style>
+          <p:txBody>
+            <a:bodyPr rtlCol="0" anchor="ctr"/>
+            <a:lstStyle/>
+            <a:p>
+              <a:pPr algn="ctr"/>
+              <a:r>
+                <a:rPr lang="en-US" dirty="0">
+                  <a:solidFill>
+                    <a:schemeClr val="bg1"/>
+                  </a:solidFill>
+                </a:rPr>
+                <a:t>Container </a:t>
+              </a:r>
+              <a:r>
+                <a:rPr lang="en-US" i="1" dirty="0">
+                  <a:solidFill>
+                    <a:schemeClr val="bg1"/>
+                  </a:solidFill>
+                </a:rPr>
+                <a:t>1</a:t>
+              </a:r>
+            </a:p>
+          </p:txBody>
+        </p:sp>
+        <p:sp>
+          <p:nvSpPr>
+            <p:cNvPr id="9" name="Rectangle 8"/>
+            <p:cNvSpPr/>
+            <p:nvPr/>
+          </p:nvSpPr>
+          <p:spPr>
+            <a:xfrm>
+              <a:off x="1163050" y="1723542"/>
+              <a:ext cx="212493" cy="196568"/>
+            </a:xfrm>
+            <a:prstGeom prst="rect">
+              <a:avLst/>
+            </a:prstGeom>
+            <a:solidFill>
+              <a:srgbClr val="DDDDDD"/>
+            </a:solidFill>
+            <a:ln w="22225">
+              <a:solidFill>
+                <a:schemeClr val="tx1">
+                  <a:lumMod val="75000"/>
+                  <a:lumOff val="25000"/>
+                </a:schemeClr>
+              </a:solidFill>
+            </a:ln>
+          </p:spPr>
+          <p:style>
+            <a:lnRef idx="2">
+              <a:schemeClr val="accent1">
+                <a:shade val="50000"/>
+              </a:schemeClr>
+            </a:lnRef>
+            <a:fillRef idx="1">
+              <a:schemeClr val="accent1"/>
+            </a:fillRef>
+            <a:effectRef idx="0">
+              <a:schemeClr val="accent1"/>
+            </a:effectRef>
+            <a:fontRef idx="minor">
+              <a:schemeClr val="lt1"/>
+            </a:fontRef>
+          </p:style>
+          <p:txBody>
+            <a:bodyPr rtlCol="0" anchor="ctr"/>
+            <a:lstStyle/>
+            <a:p>
+              <a:pPr algn="ctr"/>
+              <a:endParaRPr lang="en-US" i="1" dirty="0">
+                <a:solidFill>
+                  <a:schemeClr val="bg1"/>
+                </a:solidFill>
+              </a:endParaRPr>
+            </a:p>
+          </p:txBody>
+        </p:sp>
+        <p:sp>
+          <p:nvSpPr>
+            <p:cNvPr id="10" name="TextBox 9"/>
+            <p:cNvSpPr txBox="1"/>
+            <p:nvPr/>
+          </p:nvSpPr>
+          <p:spPr>
+            <a:xfrm>
+              <a:off x="1342413" y="1724546"/>
+              <a:ext cx="1352145" cy="338554"/>
+            </a:xfrm>
+            <a:prstGeom prst="rect">
+              <a:avLst/>
+            </a:prstGeom>
+            <a:noFill/>
+            <a:ln w="28575">
+              <a:noFill/>
+            </a:ln>
+          </p:spPr>
+          <p:txBody>
+            <a:bodyPr wrap="square" rtlCol="0">
+              <a:spAutoFit/>
+            </a:bodyPr>
+            <a:lstStyle/>
+            <a:p>
+              <a:r>
+                <a:rPr lang="en-US" sz="1600" dirty="0"/>
+                <a:t>veth0: 1.1.1.1</a:t>
+              </a:r>
+            </a:p>
+          </p:txBody>
+        </p:sp>
+      </p:grpSp>
+      <p:cxnSp>
+        <p:nvCxnSpPr>
+          <p:cNvPr id="11" name="Straight Connector 10"/>
+          <p:cNvCxnSpPr/>
+          <p:nvPr/>
+        </p:nvCxnSpPr>
+        <p:spPr>
+          <a:xfrm flipH="1">
+            <a:off x="2963865" y="1916868"/>
+            <a:ext cx="537472" cy="365322"/>
+          </a:xfrm>
+          <a:prstGeom prst="line">
+            <a:avLst/>
+          </a:prstGeom>
+          <a:ln w="28575">
+            <a:solidFill>
+              <a:schemeClr val="tx1"/>
+            </a:solidFill>
+          </a:ln>
+        </p:spPr>
+        <p:style>
+          <a:lnRef idx="1">
+            <a:schemeClr val="accent1"/>
+          </a:lnRef>
+          <a:fillRef idx="0">
+            <a:schemeClr val="accent1"/>
+          </a:fillRef>
+          <a:effectRef idx="0">
+            <a:schemeClr val="accent1"/>
+          </a:effectRef>
+          <a:fontRef idx="minor">
+            <a:schemeClr val="tx1"/>
+          </a:fontRef>
+        </p:style>
+      </p:cxnSp>
+      <p:cxnSp>
+        <p:nvCxnSpPr>
+          <p:cNvPr id="12" name="Straight Connector 11"/>
+          <p:cNvCxnSpPr/>
+          <p:nvPr/>
+        </p:nvCxnSpPr>
+        <p:spPr>
+          <a:xfrm>
+            <a:off x="2641059" y="2884115"/>
+            <a:ext cx="0" cy="327609"/>
+          </a:xfrm>
+          <a:prstGeom prst="line">
+            <a:avLst/>
+          </a:prstGeom>
+          <a:ln w="28575">
+            <a:solidFill>
+              <a:schemeClr val="tx1"/>
+            </a:solidFill>
+          </a:ln>
+        </p:spPr>
+        <p:style>
+          <a:lnRef idx="1">
+            <a:schemeClr val="accent1"/>
+          </a:lnRef>
+          <a:fillRef idx="0">
+            <a:schemeClr val="accent1"/>
+          </a:fillRef>
+          <a:effectRef idx="0">
+            <a:schemeClr val="accent1"/>
+          </a:effectRef>
+          <a:fontRef idx="minor">
+            <a:schemeClr val="tx1"/>
+          </a:fontRef>
+        </p:style>
+      </p:cxnSp>
+      <p:cxnSp>
+        <p:nvCxnSpPr>
+          <p:cNvPr id="13" name="Elbow Connector 12"/>
+          <p:cNvCxnSpPr>
+            <a:stCxn id="42" idx="2"/>
+            <a:endCxn id="29" idx="2"/>
+          </p:cNvCxnSpPr>
+          <p:nvPr/>
+        </p:nvCxnSpPr>
+        <p:spPr>
+          <a:xfrm rot="16200000" flipH="1">
+            <a:off x="2535421" y="3610815"/>
+            <a:ext cx="582379" cy="371102"/>
+          </a:xfrm>
+          <a:prstGeom prst="bentConnector2">
+            <a:avLst/>
+          </a:prstGeom>
+          <a:ln w="28575">
+            <a:solidFill>
+              <a:schemeClr val="tx1"/>
+            </a:solidFill>
+          </a:ln>
+        </p:spPr>
+        <p:style>
+          <a:lnRef idx="1">
+            <a:schemeClr val="accent1"/>
+          </a:lnRef>
+          <a:fillRef idx="0">
+            <a:schemeClr val="accent1"/>
+          </a:fillRef>
+          <a:effectRef idx="0">
+            <a:schemeClr val="accent1"/>
+          </a:effectRef>
+          <a:fontRef idx="minor">
+            <a:schemeClr val="tx1"/>
+          </a:fontRef>
+        </p:style>
+      </p:cxnSp>
+      <p:sp>
+        <p:nvSpPr>
+          <p:cNvPr id="14" name="TextBox 13"/>
+          <p:cNvSpPr txBox="1"/>
+          <p:nvPr/>
+        </p:nvSpPr>
+        <p:spPr>
+          <a:xfrm>
+            <a:off x="3089202" y="2315575"/>
+            <a:ext cx="1799706" cy="707886"/>
+          </a:xfrm>
+          <a:prstGeom prst="rect">
+            <a:avLst/>
+          </a:prstGeom>
+          <a:noFill/>
+        </p:spPr>
+        <p:txBody>
+          <a:bodyPr wrap="square" rtlCol="0">
+            <a:spAutoFit/>
+          </a:bodyPr>
+          <a:lstStyle/>
+          <a:p>
+            <a:r>
+              <a:rPr lang="en-US" sz="2000" dirty="0"/>
+              <a:t>Overlay Router</a:t>
+            </a:r>
+          </a:p>
+        </p:txBody>
+      </p:sp>
+      <p:sp>
+        <p:nvSpPr>
+          <p:cNvPr id="15" name="TextBox 14"/>
+          <p:cNvSpPr txBox="1"/>
+          <p:nvPr/>
+        </p:nvSpPr>
+        <p:spPr>
+          <a:xfrm>
+            <a:off x="886886" y="447306"/>
+            <a:ext cx="1352145" cy="461665"/>
+          </a:xfrm>
+          <a:prstGeom prst="rect">
+            <a:avLst/>
+          </a:prstGeom>
+          <a:noFill/>
+        </p:spPr>
+        <p:txBody>
+          <a:bodyPr wrap="square" rtlCol="0">
+            <a:spAutoFit/>
+          </a:bodyPr>
+          <a:lstStyle/>
+          <a:p>
+            <a:r>
+              <a:rPr lang="en-US" sz="2400" dirty="0"/>
+              <a:t>Host </a:t>
+            </a:r>
+            <a:r>
+              <a:rPr lang="en-US" sz="2400" i="1" dirty="0"/>
+              <a:t>1</a:t>
+            </a:r>
+          </a:p>
+        </p:txBody>
+      </p:sp>
+      <p:sp>
+        <p:nvSpPr>
+          <p:cNvPr id="16" name="Rectangle 15"/>
+          <p:cNvSpPr/>
+          <p:nvPr/>
+        </p:nvSpPr>
+        <p:spPr>
+          <a:xfrm>
+            <a:off x="5046419" y="910753"/>
+            <a:ext cx="2229008" cy="2715907"/>
+          </a:xfrm>
+          <a:prstGeom prst="rect">
+            <a:avLst/>
+          </a:prstGeom>
+          <a:noFill/>
+          <a:ln w="28575">
+            <a:solidFill>
+              <a:schemeClr val="bg1">
+                <a:lumMod val="50000"/>
+              </a:schemeClr>
+            </a:solidFill>
+            <a:prstDash val="dash"/>
+          </a:ln>
+        </p:spPr>
+        <p:style>
+          <a:lnRef idx="2">
+            <a:schemeClr val="accent1">
+              <a:shade val="50000"/>
+            </a:schemeClr>
+          </a:lnRef>
+          <a:fillRef idx="1">
+            <a:schemeClr val="accent1"/>
+          </a:fillRef>
+          <a:effectRef idx="0">
+            <a:schemeClr val="accent1"/>
+          </a:effectRef>
+          <a:fontRef idx="minor">
+            <a:schemeClr val="lt1"/>
+          </a:fontRef>
+        </p:style>
+        <p:txBody>
+          <a:bodyPr rtlCol="0" anchor="ctr"/>
+          <a:lstStyle/>
+          <a:p>
+            <a:pPr algn="ctr"/>
+            <a:endParaRPr lang="en-US"/>
+          </a:p>
+        </p:txBody>
+      </p:sp>
+      <p:pic>
+        <p:nvPicPr>
+          <p:cNvPr id="17" name="Picture 16"/>
+          <p:cNvPicPr>
+            <a:picLocks noChangeAspect="1"/>
+          </p:cNvPicPr>
+          <p:nvPr/>
+        </p:nvPicPr>
+        <p:blipFill rotWithShape="1">
+          <a:blip r:embed="rId2">
+            <a:extLst>
+              <a:ext uri="{BEBA8EAE-BF5A-486C-A8C5-ECC9F3942E4B}">
+                <a14:imgProps xmlns:a14="http://schemas.microsoft.com/office/drawing/2010/main">
+                  <a14:imgLayer r:embed="rId3">
+                    <a14:imgEffect>
+                      <a14:saturation sat="33000"/>
+                    </a14:imgEffect>
+                  </a14:imgLayer>
+                </a14:imgProps>
+              </a:ext>
+              <a:ext uri="{28A0092B-C50C-407E-A947-70E740481C1C}">
+                <a14:useLocalDpi xmlns:a14="http://schemas.microsoft.com/office/drawing/2010/main" val="0"/>
+              </a:ext>
+            </a:extLst>
+          </a:blip>
+          <a:srcRect l="5811" t="13714" r="8982" b="11296"/>
+          <a:stretch/>
+        </p:blipFill>
+        <p:spPr>
+          <a:xfrm>
+            <a:off x="5370810" y="2221574"/>
+            <a:ext cx="958711" cy="703967"/>
+          </a:xfrm>
+          <a:prstGeom prst="rect">
+            <a:avLst/>
+          </a:prstGeom>
+        </p:spPr>
+      </p:pic>
+      <p:cxnSp>
+        <p:nvCxnSpPr>
+          <p:cNvPr id="18" name="Straight Connector 17"/>
+          <p:cNvCxnSpPr>
+            <a:stCxn id="21" idx="2"/>
+            <a:endCxn id="17" idx="0"/>
+          </p:cNvCxnSpPr>
+          <p:nvPr/>
+        </p:nvCxnSpPr>
+        <p:spPr>
+          <a:xfrm>
+            <a:off x="5850166" y="1922038"/>
+            <a:ext cx="0" cy="299536"/>
+          </a:xfrm>
+          <a:prstGeom prst="line">
+            <a:avLst/>
+          </a:prstGeom>
+          <a:ln w="28575">
+            <a:solidFill>
+              <a:schemeClr val="tx1"/>
+            </a:solidFill>
+          </a:ln>
+        </p:spPr>
+        <p:style>
+          <a:lnRef idx="1">
+            <a:schemeClr val="accent1"/>
+          </a:lnRef>
+          <a:fillRef idx="0">
+            <a:schemeClr val="accent1"/>
+          </a:fillRef>
+          <a:effectRef idx="0">
+            <a:schemeClr val="accent1"/>
+          </a:effectRef>
+          <a:fontRef idx="minor">
+            <a:schemeClr val="tx1"/>
+          </a:fontRef>
+        </p:style>
+      </p:cxnSp>
+      <p:grpSp>
+        <p:nvGrpSpPr>
+          <p:cNvPr id="19" name="Group 18"/>
+          <p:cNvGrpSpPr/>
+          <p:nvPr/>
+        </p:nvGrpSpPr>
+        <p:grpSpPr>
+          <a:xfrm>
+            <a:off x="5178877" y="1051178"/>
+            <a:ext cx="2096550" cy="1013850"/>
+            <a:chOff x="598008" y="1049250"/>
+            <a:chExt cx="2096550" cy="1013850"/>
+          </a:xfrm>
+        </p:grpSpPr>
+        <p:sp>
+          <p:nvSpPr>
+            <p:cNvPr id="20" name="Rectangle 19"/>
+            <p:cNvSpPr/>
+            <p:nvPr/>
+          </p:nvSpPr>
+          <p:spPr>
+            <a:xfrm>
+              <a:off x="598008" y="1049250"/>
+              <a:ext cx="1342578" cy="673370"/>
+            </a:xfrm>
+            <a:prstGeom prst="rect">
+              <a:avLst/>
+            </a:prstGeom>
+            <a:solidFill>
+              <a:schemeClr val="tx1">
+                <a:lumMod val="65000"/>
+                <a:lumOff val="35000"/>
+              </a:schemeClr>
+            </a:solidFill>
+            <a:ln w="28575">
+              <a:solidFill>
+                <a:schemeClr val="tx1">
+                  <a:lumMod val="75000"/>
+                  <a:lumOff val="25000"/>
+                </a:schemeClr>
+              </a:solidFill>
+            </a:ln>
+          </p:spPr>
+          <p:style>
+            <a:lnRef idx="2">
+              <a:schemeClr val="accent1">
+                <a:shade val="50000"/>
+              </a:schemeClr>
+            </a:lnRef>
+            <a:fillRef idx="1">
+              <a:schemeClr val="accent1"/>
+            </a:fillRef>
+            <a:effectRef idx="0">
+              <a:schemeClr val="accent1"/>
+            </a:effectRef>
+            <a:fontRef idx="minor">
+              <a:schemeClr val="lt1"/>
+            </a:fontRef>
+          </p:style>
+          <p:txBody>
+            <a:bodyPr rtlCol="0" anchor="ctr"/>
+            <a:lstStyle/>
+            <a:p>
+              <a:pPr algn="ctr"/>
+              <a:r>
+                <a:rPr lang="en-US" dirty="0">
+                  <a:solidFill>
+                    <a:schemeClr val="bg1"/>
+                  </a:solidFill>
+                </a:rPr>
+                <a:t>Container </a:t>
+              </a:r>
+              <a:r>
+                <a:rPr lang="en-US" i="1" dirty="0">
+                  <a:solidFill>
+                    <a:schemeClr val="bg1"/>
+                  </a:solidFill>
+                </a:rPr>
+                <a:t>3</a:t>
+              </a:r>
+            </a:p>
+          </p:txBody>
+        </p:sp>
+        <p:sp>
+          <p:nvSpPr>
+            <p:cNvPr id="21" name="Rectangle 20"/>
+            <p:cNvSpPr/>
+            <p:nvPr/>
+          </p:nvSpPr>
+          <p:spPr>
+            <a:xfrm>
+              <a:off x="1163050" y="1723542"/>
+              <a:ext cx="212493" cy="196568"/>
+            </a:xfrm>
+            <a:prstGeom prst="rect">
+              <a:avLst/>
+            </a:prstGeom>
+            <a:solidFill>
+              <a:srgbClr val="DDDDDD"/>
+            </a:solidFill>
+            <a:ln w="22225">
+              <a:solidFill>
+                <a:schemeClr val="tx1">
+                  <a:lumMod val="75000"/>
+                  <a:lumOff val="25000"/>
+                </a:schemeClr>
+              </a:solidFill>
+            </a:ln>
+          </p:spPr>
+          <p:style>
+            <a:lnRef idx="2">
+              <a:schemeClr val="accent1">
+                <a:shade val="50000"/>
+              </a:schemeClr>
+            </a:lnRef>
+            <a:fillRef idx="1">
+              <a:schemeClr val="accent1"/>
+            </a:fillRef>
+            <a:effectRef idx="0">
+              <a:schemeClr val="accent1"/>
+            </a:effectRef>
+            <a:fontRef idx="minor">
+              <a:schemeClr val="lt1"/>
+            </a:fontRef>
+          </p:style>
+          <p:txBody>
+            <a:bodyPr rtlCol="0" anchor="ctr"/>
+            <a:lstStyle/>
+            <a:p>
+              <a:pPr algn="ctr"/>
+              <a:endParaRPr lang="en-US" i="1" dirty="0">
+                <a:solidFill>
+                  <a:schemeClr val="bg1"/>
+                </a:solidFill>
+              </a:endParaRPr>
+            </a:p>
+          </p:txBody>
+        </p:sp>
+        <p:sp>
+          <p:nvSpPr>
+            <p:cNvPr id="22" name="TextBox 21"/>
+            <p:cNvSpPr txBox="1"/>
+            <p:nvPr/>
+          </p:nvSpPr>
+          <p:spPr>
+            <a:xfrm>
+              <a:off x="1342413" y="1724546"/>
+              <a:ext cx="1352145" cy="338554"/>
+            </a:xfrm>
+            <a:prstGeom prst="rect">
+              <a:avLst/>
+            </a:prstGeom>
+            <a:noFill/>
+            <a:ln w="28575">
+              <a:noFill/>
+            </a:ln>
+          </p:spPr>
+          <p:txBody>
+            <a:bodyPr wrap="square" rtlCol="0">
+              <a:spAutoFit/>
+            </a:bodyPr>
+            <a:lstStyle/>
+            <a:p>
+              <a:r>
+                <a:rPr lang="en-US" sz="1600" dirty="0"/>
+                <a:t>veth0: 3.3.3.3</a:t>
+              </a:r>
+            </a:p>
+          </p:txBody>
+        </p:sp>
+      </p:grpSp>
+      <p:cxnSp>
+        <p:nvCxnSpPr>
+          <p:cNvPr id="23" name="Straight Connector 22"/>
+          <p:cNvCxnSpPr/>
+          <p:nvPr/>
+        </p:nvCxnSpPr>
+        <p:spPr>
+          <a:xfrm>
+            <a:off x="5850446" y="2886043"/>
+            <a:ext cx="0" cy="327609"/>
+          </a:xfrm>
+          <a:prstGeom prst="line">
+            <a:avLst/>
+          </a:prstGeom>
+          <a:ln w="28575">
+            <a:solidFill>
+              <a:schemeClr val="tx1"/>
+            </a:solidFill>
+          </a:ln>
+        </p:spPr>
+        <p:style>
+          <a:lnRef idx="1">
+            <a:schemeClr val="accent1"/>
+          </a:lnRef>
+          <a:fillRef idx="0">
+            <a:schemeClr val="accent1"/>
+          </a:fillRef>
+          <a:effectRef idx="0">
+            <a:schemeClr val="accent1"/>
+          </a:effectRef>
+          <a:fontRef idx="minor">
+            <a:schemeClr val="tx1"/>
+          </a:fontRef>
+        </p:style>
+      </p:cxnSp>
+      <p:sp>
+        <p:nvSpPr>
+          <p:cNvPr id="24" name="TextBox 23"/>
+          <p:cNvSpPr txBox="1"/>
+          <p:nvPr/>
+        </p:nvSpPr>
+        <p:spPr>
+          <a:xfrm>
+            <a:off x="5083638" y="444837"/>
+            <a:ext cx="1352145" cy="461665"/>
+          </a:xfrm>
+          <a:prstGeom prst="rect">
+            <a:avLst/>
+          </a:prstGeom>
+          <a:noFill/>
+        </p:spPr>
+        <p:txBody>
+          <a:bodyPr wrap="square" rtlCol="0">
+            <a:spAutoFit/>
+          </a:bodyPr>
+          <a:lstStyle/>
+          <a:p>
+            <a:r>
+              <a:rPr lang="en-US" sz="2400" dirty="0"/>
+              <a:t>Host </a:t>
+            </a:r>
+            <a:r>
+              <a:rPr lang="en-US" sz="2400" i="1" dirty="0"/>
+              <a:t>2</a:t>
+            </a:r>
+          </a:p>
+        </p:txBody>
+      </p:sp>
+      <p:cxnSp>
+        <p:nvCxnSpPr>
+          <p:cNvPr id="25" name="Elbow Connector 24"/>
+          <p:cNvCxnSpPr/>
+          <p:nvPr/>
+        </p:nvCxnSpPr>
+        <p:spPr>
+          <a:xfrm rot="5400000">
+            <a:off x="5045648" y="3317180"/>
+            <a:ext cx="1007262" cy="627115"/>
+          </a:xfrm>
+          <a:prstGeom prst="bentConnector2">
+            <a:avLst/>
+          </a:prstGeom>
+          <a:ln w="28575">
+            <a:solidFill>
+              <a:schemeClr val="tx1"/>
+            </a:solidFill>
+          </a:ln>
+        </p:spPr>
+        <p:style>
+          <a:lnRef idx="1">
+            <a:schemeClr val="accent1"/>
+          </a:lnRef>
+          <a:fillRef idx="0">
+            <a:schemeClr val="accent1"/>
+          </a:fillRef>
+          <a:effectRef idx="0">
+            <a:schemeClr val="accent1"/>
+          </a:effectRef>
+          <a:fontRef idx="minor">
+            <a:schemeClr val="tx1"/>
+          </a:fontRef>
+        </p:style>
+      </p:cxnSp>
+      <p:grpSp>
+        <p:nvGrpSpPr>
+          <p:cNvPr id="26" name="Group 25"/>
+          <p:cNvGrpSpPr/>
+          <p:nvPr/>
+        </p:nvGrpSpPr>
+        <p:grpSpPr>
+          <a:xfrm>
+            <a:off x="3001848" y="3728847"/>
+            <a:ext cx="2544699" cy="873804"/>
+            <a:chOff x="3284927" y="4669757"/>
+            <a:chExt cx="3386995" cy="1202692"/>
+          </a:xfrm>
+        </p:grpSpPr>
+        <p:grpSp>
+          <p:nvGrpSpPr>
+            <p:cNvPr id="27" name="Group 26"/>
+            <p:cNvGrpSpPr/>
+            <p:nvPr/>
+          </p:nvGrpSpPr>
+          <p:grpSpPr>
+            <a:xfrm>
+              <a:off x="3284927" y="4669757"/>
+              <a:ext cx="3386995" cy="1202692"/>
+              <a:chOff x="3312348" y="4621194"/>
+              <a:chExt cx="3725694" cy="1322961"/>
+            </a:xfrm>
+          </p:grpSpPr>
+          <p:sp>
+            <p:nvSpPr>
+              <p:cNvPr id="29" name="Cloud 28"/>
+              <p:cNvSpPr/>
+              <p:nvPr/>
+            </p:nvSpPr>
+            <p:spPr>
+              <a:xfrm rot="212724">
+                <a:off x="3312348" y="4621194"/>
+                <a:ext cx="3725694" cy="1322961"/>
+              </a:xfrm>
+              <a:prstGeom prst="cloud">
+                <a:avLst/>
+              </a:prstGeom>
+              <a:solidFill>
+                <a:schemeClr val="accent3">
+                  <a:lumMod val="20000"/>
+                  <a:lumOff val="80000"/>
+                </a:schemeClr>
+              </a:solidFill>
+              <a:ln w="28575">
+                <a:solidFill>
+                  <a:schemeClr val="accent3">
+                    <a:lumMod val="75000"/>
+                  </a:schemeClr>
+                </a:solidFill>
+              </a:ln>
+            </p:spPr>
+            <p:style>
+              <a:lnRef idx="2">
+                <a:schemeClr val="accent1">
+                  <a:shade val="50000"/>
+                </a:schemeClr>
+              </a:lnRef>
+              <a:fillRef idx="1">
+                <a:schemeClr val="accent1"/>
+              </a:fillRef>
+              <a:effectRef idx="0">
+                <a:schemeClr val="accent1"/>
+              </a:effectRef>
+              <a:fontRef idx="minor">
+                <a:schemeClr val="lt1"/>
+              </a:fontRef>
+            </p:style>
+            <p:txBody>
+              <a:bodyPr rtlCol="0" anchor="ctr"/>
+              <a:lstStyle/>
+              <a:p>
+                <a:pPr algn="ctr"/>
+                <a:endParaRPr lang="en-US" dirty="0"/>
+              </a:p>
+            </p:txBody>
+          </p:sp>
+          <p:sp>
+            <p:nvSpPr>
+              <p:cNvPr id="30" name="Oval 29"/>
+              <p:cNvSpPr/>
+              <p:nvPr/>
+            </p:nvSpPr>
+            <p:spPr>
+              <a:xfrm>
+                <a:off x="3497580" y="5188263"/>
+                <a:ext cx="365760" cy="216857"/>
+              </a:xfrm>
+              <a:prstGeom prst="ellipse">
+                <a:avLst/>
+              </a:prstGeom>
+              <a:solidFill>
+                <a:schemeClr val="accent3">
+                  <a:lumMod val="20000"/>
+                  <a:lumOff val="80000"/>
+                </a:schemeClr>
+              </a:solidFill>
+              <a:ln>
+                <a:noFill/>
+              </a:ln>
+            </p:spPr>
+            <p:style>
+              <a:lnRef idx="2">
+                <a:schemeClr val="accent1">
+                  <a:shade val="50000"/>
+                </a:schemeClr>
+              </a:lnRef>
+              <a:fillRef idx="1">
+                <a:schemeClr val="accent1"/>
+              </a:fillRef>
+              <a:effectRef idx="0">
+                <a:schemeClr val="accent1"/>
+              </a:effectRef>
+              <a:fontRef idx="minor">
+                <a:schemeClr val="lt1"/>
+              </a:fontRef>
+            </p:style>
+            <p:txBody>
+              <a:bodyPr rtlCol="0" anchor="ctr"/>
+              <a:lstStyle/>
+              <a:p>
+                <a:pPr algn="ctr"/>
+                <a:endParaRPr lang="en-US"/>
+              </a:p>
+            </p:txBody>
+          </p:sp>
+          <p:sp>
+            <p:nvSpPr>
+              <p:cNvPr id="31" name="Oval 30"/>
+              <p:cNvSpPr/>
+              <p:nvPr/>
+            </p:nvSpPr>
+            <p:spPr>
+              <a:xfrm>
+                <a:off x="6558280" y="5123445"/>
+                <a:ext cx="365760" cy="216857"/>
+              </a:xfrm>
+              <a:prstGeom prst="ellipse">
+                <a:avLst/>
+              </a:prstGeom>
+              <a:solidFill>
+                <a:schemeClr val="accent3">
+                  <a:lumMod val="20000"/>
+                  <a:lumOff val="80000"/>
+                </a:schemeClr>
+              </a:solidFill>
+              <a:ln>
+                <a:noFill/>
+              </a:ln>
+            </p:spPr>
+            <p:style>
+              <a:lnRef idx="2">
+                <a:schemeClr val="accent1">
+                  <a:shade val="50000"/>
+                </a:schemeClr>
+              </a:lnRef>
+              <a:fillRef idx="1">
+                <a:schemeClr val="accent1"/>
+              </a:fillRef>
+              <a:effectRef idx="0">
+                <a:schemeClr val="accent1"/>
+              </a:effectRef>
+              <a:fontRef idx="minor">
+                <a:schemeClr val="lt1"/>
+              </a:fontRef>
+            </p:style>
+            <p:txBody>
+              <a:bodyPr rtlCol="0" anchor="ctr"/>
+              <a:lstStyle/>
+              <a:p>
+                <a:pPr algn="ctr"/>
+                <a:endParaRPr lang="en-US"/>
+              </a:p>
+            </p:txBody>
+          </p:sp>
+          <p:sp>
+            <p:nvSpPr>
+              <p:cNvPr id="32" name="Oval 31"/>
+              <p:cNvSpPr/>
+              <p:nvPr/>
+            </p:nvSpPr>
+            <p:spPr>
+              <a:xfrm>
+                <a:off x="6197600" y="5283200"/>
+                <a:ext cx="425237" cy="361073"/>
+              </a:xfrm>
+              <a:prstGeom prst="ellipse">
+                <a:avLst/>
+              </a:prstGeom>
+              <a:solidFill>
+                <a:schemeClr val="accent3">
+                  <a:lumMod val="20000"/>
+                  <a:lumOff val="80000"/>
+                </a:schemeClr>
+              </a:solidFill>
+              <a:ln>
+                <a:noFill/>
+              </a:ln>
+            </p:spPr>
+            <p:style>
+              <a:lnRef idx="2">
+                <a:schemeClr val="accent1">
+                  <a:shade val="50000"/>
+                </a:schemeClr>
+              </a:lnRef>
+              <a:fillRef idx="1">
+                <a:schemeClr val="accent1"/>
+              </a:fillRef>
+              <a:effectRef idx="0">
+                <a:schemeClr val="accent1"/>
+              </a:effectRef>
+              <a:fontRef idx="minor">
+                <a:schemeClr val="lt1"/>
+              </a:fontRef>
+            </p:style>
+            <p:txBody>
+              <a:bodyPr rtlCol="0" anchor="ctr"/>
+              <a:lstStyle/>
+              <a:p>
+                <a:pPr algn="ctr"/>
+                <a:endParaRPr lang="en-US"/>
+              </a:p>
+            </p:txBody>
+          </p:sp>
+          <p:sp>
+            <p:nvSpPr>
+              <p:cNvPr id="33" name="Oval 32"/>
+              <p:cNvSpPr/>
+              <p:nvPr/>
+            </p:nvSpPr>
+            <p:spPr>
+              <a:xfrm>
+                <a:off x="5532435" y="5415280"/>
+                <a:ext cx="425237" cy="361073"/>
+              </a:xfrm>
+              <a:prstGeom prst="ellipse">
+                <a:avLst/>
+              </a:prstGeom>
+              <a:solidFill>
+                <a:schemeClr val="accent3">
+                  <a:lumMod val="20000"/>
+                  <a:lumOff val="80000"/>
+                </a:schemeClr>
+              </a:solidFill>
+              <a:ln>
+                <a:noFill/>
+              </a:ln>
+            </p:spPr>
+            <p:style>
+              <a:lnRef idx="2">
+                <a:schemeClr val="accent1">
+                  <a:shade val="50000"/>
+                </a:schemeClr>
+              </a:lnRef>
+              <a:fillRef idx="1">
+                <a:schemeClr val="accent1"/>
+              </a:fillRef>
+              <a:effectRef idx="0">
+                <a:schemeClr val="accent1"/>
+              </a:effectRef>
+              <a:fontRef idx="minor">
+                <a:schemeClr val="lt1"/>
+              </a:fontRef>
+            </p:style>
+            <p:txBody>
+              <a:bodyPr rtlCol="0" anchor="ctr"/>
+              <a:lstStyle/>
+              <a:p>
+                <a:pPr algn="ctr"/>
+                <a:endParaRPr lang="en-US"/>
+              </a:p>
+            </p:txBody>
+          </p:sp>
+          <p:sp>
+            <p:nvSpPr>
+              <p:cNvPr id="34" name="Oval 33"/>
+              <p:cNvSpPr/>
+              <p:nvPr/>
+            </p:nvSpPr>
+            <p:spPr>
+              <a:xfrm>
+                <a:off x="4523685" y="5431824"/>
+                <a:ext cx="425237" cy="361073"/>
+              </a:xfrm>
+              <a:prstGeom prst="ellipse">
+                <a:avLst/>
+              </a:prstGeom>
+              <a:solidFill>
+                <a:schemeClr val="accent3">
+                  <a:lumMod val="20000"/>
+                  <a:lumOff val="80000"/>
+                </a:schemeClr>
+              </a:solidFill>
+              <a:ln>
+                <a:noFill/>
+              </a:ln>
+            </p:spPr>
+            <p:style>
+              <a:lnRef idx="2">
+                <a:schemeClr val="accent1">
+                  <a:shade val="50000"/>
+                </a:schemeClr>
+              </a:lnRef>
+              <a:fillRef idx="1">
+                <a:schemeClr val="accent1"/>
+              </a:fillRef>
+              <a:effectRef idx="0">
+                <a:schemeClr val="accent1"/>
+              </a:effectRef>
+              <a:fontRef idx="minor">
+                <a:schemeClr val="lt1"/>
+              </a:fontRef>
+            </p:style>
+            <p:txBody>
+              <a:bodyPr rtlCol="0" anchor="ctr"/>
+              <a:lstStyle/>
+              <a:p>
+                <a:pPr algn="ctr"/>
+                <a:endParaRPr lang="en-US"/>
+              </a:p>
+            </p:txBody>
+          </p:sp>
+          <p:sp>
+            <p:nvSpPr>
+              <p:cNvPr id="35" name="Oval 34"/>
+              <p:cNvSpPr/>
+              <p:nvPr/>
+            </p:nvSpPr>
+            <p:spPr>
+              <a:xfrm>
+                <a:off x="3725596" y="5302139"/>
+                <a:ext cx="425237" cy="361073"/>
+              </a:xfrm>
+              <a:prstGeom prst="ellipse">
+                <a:avLst/>
+              </a:prstGeom>
+              <a:solidFill>
+                <a:schemeClr val="accent3">
+                  <a:lumMod val="20000"/>
+                  <a:lumOff val="80000"/>
+                </a:schemeClr>
+              </a:solidFill>
+              <a:ln>
+                <a:noFill/>
+              </a:ln>
+            </p:spPr>
+            <p:style>
+              <a:lnRef idx="2">
+                <a:schemeClr val="accent1">
+                  <a:shade val="50000"/>
+                </a:schemeClr>
+              </a:lnRef>
+              <a:fillRef idx="1">
+                <a:schemeClr val="accent1"/>
+              </a:fillRef>
+              <a:effectRef idx="0">
+                <a:schemeClr val="accent1"/>
+              </a:effectRef>
+              <a:fontRef idx="minor">
+                <a:schemeClr val="lt1"/>
+              </a:fontRef>
+            </p:style>
+            <p:txBody>
+              <a:bodyPr rtlCol="0" anchor="ctr"/>
+              <a:lstStyle/>
+              <a:p>
+                <a:pPr algn="ctr"/>
+                <a:endParaRPr lang="en-US"/>
+              </a:p>
+            </p:txBody>
+          </p:sp>
+          <p:sp>
+            <p:nvSpPr>
+              <p:cNvPr id="36" name="Oval 35"/>
+              <p:cNvSpPr/>
+              <p:nvPr/>
+            </p:nvSpPr>
+            <p:spPr>
+              <a:xfrm>
+                <a:off x="3580514" y="4943169"/>
+                <a:ext cx="425237" cy="361073"/>
+              </a:xfrm>
+              <a:prstGeom prst="ellipse">
+                <a:avLst/>
+              </a:prstGeom>
+              <a:solidFill>
+                <a:schemeClr val="accent3">
+                  <a:lumMod val="20000"/>
+                  <a:lumOff val="80000"/>
+                </a:schemeClr>
+              </a:solidFill>
+              <a:ln>
+                <a:noFill/>
+              </a:ln>
+            </p:spPr>
+            <p:style>
+              <a:lnRef idx="2">
+                <a:schemeClr val="accent1">
+                  <a:shade val="50000"/>
+                </a:schemeClr>
+              </a:lnRef>
+              <a:fillRef idx="1">
+                <a:schemeClr val="accent1"/>
+              </a:fillRef>
+              <a:effectRef idx="0">
+                <a:schemeClr val="accent1"/>
+              </a:effectRef>
+              <a:fontRef idx="minor">
+                <a:schemeClr val="lt1"/>
+              </a:fontRef>
+            </p:style>
+            <p:txBody>
+              <a:bodyPr rtlCol="0" anchor="ctr"/>
+              <a:lstStyle/>
+              <a:p>
+                <a:pPr algn="ctr"/>
+                <a:endParaRPr lang="en-US"/>
+              </a:p>
+            </p:txBody>
+          </p:sp>
+          <p:sp>
+            <p:nvSpPr>
+              <p:cNvPr id="37" name="Oval 36"/>
+              <p:cNvSpPr/>
+              <p:nvPr/>
+            </p:nvSpPr>
+            <p:spPr>
+              <a:xfrm>
+                <a:off x="4469071" y="4714569"/>
+                <a:ext cx="425237" cy="361073"/>
+              </a:xfrm>
+              <a:prstGeom prst="ellipse">
+                <a:avLst/>
+              </a:prstGeom>
+              <a:solidFill>
+                <a:schemeClr val="accent3">
+                  <a:lumMod val="20000"/>
+                  <a:lumOff val="80000"/>
+                </a:schemeClr>
+              </a:solidFill>
+              <a:ln>
+                <a:noFill/>
+              </a:ln>
+            </p:spPr>
+            <p:style>
+              <a:lnRef idx="2">
+                <a:schemeClr val="accent1">
+                  <a:shade val="50000"/>
+                </a:schemeClr>
+              </a:lnRef>
+              <a:fillRef idx="1">
+                <a:schemeClr val="accent1"/>
+              </a:fillRef>
+              <a:effectRef idx="0">
+                <a:schemeClr val="accent1"/>
+              </a:effectRef>
+              <a:fontRef idx="minor">
+                <a:schemeClr val="lt1"/>
+              </a:fontRef>
+            </p:style>
+            <p:txBody>
+              <a:bodyPr rtlCol="0" anchor="ctr"/>
+              <a:lstStyle/>
+              <a:p>
+                <a:pPr algn="ctr"/>
+                <a:endParaRPr lang="en-US"/>
+              </a:p>
+            </p:txBody>
+          </p:sp>
+          <p:sp>
+            <p:nvSpPr>
+              <p:cNvPr id="38" name="Oval 37"/>
+              <p:cNvSpPr/>
+              <p:nvPr/>
+            </p:nvSpPr>
+            <p:spPr>
+              <a:xfrm>
+                <a:off x="4962576" y="4717917"/>
+                <a:ext cx="425237" cy="361073"/>
+              </a:xfrm>
+              <a:prstGeom prst="ellipse">
+                <a:avLst/>
+              </a:prstGeom>
+              <a:solidFill>
+                <a:schemeClr val="accent3">
+                  <a:lumMod val="20000"/>
+                  <a:lumOff val="80000"/>
+                </a:schemeClr>
+              </a:solidFill>
+              <a:ln>
+                <a:noFill/>
+              </a:ln>
+            </p:spPr>
+            <p:style>
+              <a:lnRef idx="2">
+                <a:schemeClr val="accent1">
+                  <a:shade val="50000"/>
+                </a:schemeClr>
+              </a:lnRef>
+              <a:fillRef idx="1">
+                <a:schemeClr val="accent1"/>
+              </a:fillRef>
+              <a:effectRef idx="0">
+                <a:schemeClr val="accent1"/>
+              </a:effectRef>
+              <a:fontRef idx="minor">
+                <a:schemeClr val="lt1"/>
+              </a:fontRef>
+            </p:style>
+            <p:txBody>
+              <a:bodyPr rtlCol="0" anchor="ctr"/>
+              <a:lstStyle/>
+              <a:p>
+                <a:pPr algn="ctr"/>
+                <a:endParaRPr lang="en-US"/>
+              </a:p>
+            </p:txBody>
+          </p:sp>
+          <p:sp>
+            <p:nvSpPr>
+              <p:cNvPr id="39" name="Oval 38"/>
+              <p:cNvSpPr/>
+              <p:nvPr/>
+            </p:nvSpPr>
+            <p:spPr>
+              <a:xfrm>
+                <a:off x="5578658" y="4714569"/>
+                <a:ext cx="425237" cy="361073"/>
+              </a:xfrm>
+              <a:prstGeom prst="ellipse">
+                <a:avLst/>
+              </a:prstGeom>
+              <a:solidFill>
+                <a:schemeClr val="accent3">
+                  <a:lumMod val="20000"/>
+                  <a:lumOff val="80000"/>
+                </a:schemeClr>
+              </a:solidFill>
+              <a:ln>
+                <a:noFill/>
+              </a:ln>
+            </p:spPr>
+            <p:style>
+              <a:lnRef idx="2">
+                <a:schemeClr val="accent1">
+                  <a:shade val="50000"/>
+                </a:schemeClr>
+              </a:lnRef>
+              <a:fillRef idx="1">
+                <a:schemeClr val="accent1"/>
+              </a:fillRef>
+              <a:effectRef idx="0">
+                <a:schemeClr val="accent1"/>
+              </a:effectRef>
+              <a:fontRef idx="minor">
+                <a:schemeClr val="lt1"/>
+              </a:fontRef>
+            </p:style>
+            <p:txBody>
+              <a:bodyPr rtlCol="0" anchor="ctr"/>
+              <a:lstStyle/>
+              <a:p>
+                <a:pPr algn="ctr"/>
+                <a:endParaRPr lang="en-US"/>
+              </a:p>
+            </p:txBody>
+          </p:sp>
+          <p:sp>
+            <p:nvSpPr>
+              <p:cNvPr id="40" name="Oval 39"/>
+              <p:cNvSpPr/>
+              <p:nvPr/>
+            </p:nvSpPr>
+            <p:spPr>
+              <a:xfrm>
+                <a:off x="6381426" y="4885274"/>
+                <a:ext cx="425237" cy="361073"/>
+              </a:xfrm>
+              <a:prstGeom prst="ellipse">
+                <a:avLst/>
+              </a:prstGeom>
+              <a:solidFill>
+                <a:schemeClr val="accent3">
+                  <a:lumMod val="20000"/>
+                  <a:lumOff val="80000"/>
+                </a:schemeClr>
+              </a:solidFill>
+              <a:ln>
+                <a:noFill/>
+              </a:ln>
+            </p:spPr>
+            <p:style>
+              <a:lnRef idx="2">
+                <a:schemeClr val="accent1">
+                  <a:shade val="50000"/>
+                </a:schemeClr>
+              </a:lnRef>
+              <a:fillRef idx="1">
+                <a:schemeClr val="accent1"/>
+              </a:fillRef>
+              <a:effectRef idx="0">
+                <a:schemeClr val="accent1"/>
+              </a:effectRef>
+              <a:fontRef idx="minor">
+                <a:schemeClr val="lt1"/>
+              </a:fontRef>
+            </p:style>
+            <p:txBody>
+              <a:bodyPr rtlCol="0" anchor="ctr"/>
+              <a:lstStyle/>
+              <a:p>
+                <a:pPr algn="ctr"/>
+                <a:endParaRPr lang="en-US"/>
+              </a:p>
+            </p:txBody>
+          </p:sp>
+        </p:grpSp>
+        <p:sp>
+          <p:nvSpPr>
+            <p:cNvPr id="28" name="TextBox 27"/>
+            <p:cNvSpPr txBox="1"/>
+            <p:nvPr/>
+          </p:nvSpPr>
+          <p:spPr>
+            <a:xfrm>
+              <a:off x="3998283" y="4992913"/>
+              <a:ext cx="1979677" cy="461665"/>
+            </a:xfrm>
+            <a:prstGeom prst="rect">
+              <a:avLst/>
+            </a:prstGeom>
+            <a:noFill/>
+          </p:spPr>
+          <p:txBody>
+            <a:bodyPr wrap="square" rtlCol="0">
+              <a:spAutoFit/>
+            </a:bodyPr>
+            <a:lstStyle/>
+            <a:p>
+              <a:pPr algn="ctr"/>
+              <a:r>
+                <a:rPr lang="en-US" sz="2400" dirty="0"/>
+                <a:t>Network</a:t>
+              </a:r>
+            </a:p>
+          </p:txBody>
+        </p:sp>
+      </p:grpSp>
+      <p:sp>
+        <p:nvSpPr>
+          <p:cNvPr id="41" name="Rectangle 40"/>
+          <p:cNvSpPr/>
+          <p:nvPr/>
+        </p:nvSpPr>
+        <p:spPr>
+          <a:xfrm>
+            <a:off x="5187108" y="3069361"/>
+            <a:ext cx="1342578" cy="437744"/>
+          </a:xfrm>
+          <a:prstGeom prst="rect">
+            <a:avLst/>
+          </a:prstGeom>
+          <a:solidFill>
+            <a:schemeClr val="tx2">
+              <a:lumMod val="20000"/>
+              <a:lumOff val="80000"/>
+            </a:schemeClr>
+          </a:solidFill>
+          <a:ln w="25400">
+            <a:solidFill>
+              <a:schemeClr val="tx1">
+                <a:lumMod val="50000"/>
+                <a:lumOff val="50000"/>
+              </a:schemeClr>
+            </a:solidFill>
+          </a:ln>
+        </p:spPr>
+        <p:style>
+          <a:lnRef idx="2">
+            <a:schemeClr val="accent1">
+              <a:shade val="50000"/>
+            </a:schemeClr>
+          </a:lnRef>
+          <a:fillRef idx="1">
+            <a:schemeClr val="accent1"/>
+          </a:fillRef>
+          <a:effectRef idx="0">
+            <a:schemeClr val="accent1"/>
+          </a:effectRef>
+          <a:fontRef idx="minor">
+            <a:schemeClr val="lt1"/>
+          </a:fontRef>
+        </p:style>
+        <p:txBody>
+          <a:bodyPr rtlCol="0" anchor="ctr"/>
+          <a:lstStyle/>
+          <a:p>
+            <a:pPr algn="ctr"/>
+            <a:r>
+              <a:rPr lang="en-US" sz="2000" dirty="0">
+                <a:solidFill>
+                  <a:sysClr val="windowText" lastClr="000000"/>
+                </a:solidFill>
+              </a:rPr>
+              <a:t>NIC</a:t>
+            </a:r>
+          </a:p>
+        </p:txBody>
+      </p:sp>
+      <p:sp>
+        <p:nvSpPr>
+          <p:cNvPr id="42" name="Rectangle 41"/>
+          <p:cNvSpPr/>
+          <p:nvPr/>
+        </p:nvSpPr>
+        <p:spPr>
+          <a:xfrm>
+            <a:off x="1969770" y="3067433"/>
+            <a:ext cx="1342578" cy="437744"/>
+          </a:xfrm>
+          <a:prstGeom prst="rect">
+            <a:avLst/>
+          </a:prstGeom>
+          <a:solidFill>
+            <a:schemeClr val="tx2">
+              <a:lumMod val="20000"/>
+              <a:lumOff val="80000"/>
+            </a:schemeClr>
+          </a:solidFill>
+          <a:ln w="25400">
+            <a:solidFill>
+              <a:schemeClr val="tx1">
+                <a:lumMod val="50000"/>
+                <a:lumOff val="50000"/>
+              </a:schemeClr>
+            </a:solidFill>
+          </a:ln>
+        </p:spPr>
+        <p:style>
+          <a:lnRef idx="2">
+            <a:schemeClr val="accent1">
+              <a:shade val="50000"/>
+            </a:schemeClr>
+          </a:lnRef>
+          <a:fillRef idx="1">
+            <a:schemeClr val="accent1"/>
+          </a:fillRef>
+          <a:effectRef idx="0">
+            <a:schemeClr val="accent1"/>
+          </a:effectRef>
+          <a:fontRef idx="minor">
+            <a:schemeClr val="lt1"/>
+          </a:fontRef>
+        </p:style>
+        <p:txBody>
+          <a:bodyPr rtlCol="0" anchor="ctr"/>
+          <a:lstStyle/>
+          <a:p>
+            <a:pPr algn="ctr"/>
+            <a:r>
+              <a:rPr lang="en-US" sz="2000" dirty="0">
+                <a:solidFill>
+                  <a:sysClr val="windowText" lastClr="000000"/>
+                </a:solidFill>
+              </a:rPr>
+              <a:t>NIC</a:t>
+            </a:r>
+          </a:p>
+        </p:txBody>
+      </p:sp>
+      <p:grpSp>
+        <p:nvGrpSpPr>
+          <p:cNvPr id="43" name="Group 42"/>
+          <p:cNvGrpSpPr/>
+          <p:nvPr/>
+        </p:nvGrpSpPr>
+        <p:grpSpPr>
+          <a:xfrm>
+            <a:off x="2822716" y="1041177"/>
+            <a:ext cx="2096550" cy="1017008"/>
+            <a:chOff x="598008" y="1046092"/>
+            <a:chExt cx="2096550" cy="1017008"/>
+          </a:xfrm>
+        </p:grpSpPr>
+        <p:sp>
+          <p:nvSpPr>
+            <p:cNvPr id="44" name="Rectangle 43"/>
+            <p:cNvSpPr/>
+            <p:nvPr/>
+          </p:nvSpPr>
+          <p:spPr>
+            <a:xfrm>
+              <a:off x="598008" y="1046092"/>
+              <a:ext cx="1342578" cy="673371"/>
+            </a:xfrm>
+            <a:prstGeom prst="rect">
+              <a:avLst/>
+            </a:prstGeom>
+            <a:solidFill>
+              <a:schemeClr val="tx1">
+                <a:lumMod val="65000"/>
+                <a:lumOff val="35000"/>
+              </a:schemeClr>
+            </a:solidFill>
+            <a:ln w="28575">
+              <a:solidFill>
+                <a:schemeClr val="tx1">
+                  <a:lumMod val="75000"/>
+                  <a:lumOff val="25000"/>
+                </a:schemeClr>
+              </a:solidFill>
+            </a:ln>
+          </p:spPr>
+          <p:style>
+            <a:lnRef idx="2">
+              <a:schemeClr val="accent1">
+                <a:shade val="50000"/>
+              </a:schemeClr>
+            </a:lnRef>
+            <a:fillRef idx="1">
+              <a:schemeClr val="accent1"/>
+            </a:fillRef>
+            <a:effectRef idx="0">
+              <a:schemeClr val="accent1"/>
+            </a:effectRef>
+            <a:fontRef idx="minor">
+              <a:schemeClr val="lt1"/>
+            </a:fontRef>
+          </p:style>
+          <p:txBody>
+            <a:bodyPr rtlCol="0" anchor="ctr"/>
+            <a:lstStyle/>
+            <a:p>
+              <a:pPr algn="ctr"/>
+              <a:r>
+                <a:rPr lang="en-US" dirty="0">
+                  <a:solidFill>
+                    <a:schemeClr val="bg1"/>
+                  </a:solidFill>
+                </a:rPr>
+                <a:t>Container </a:t>
+              </a:r>
+              <a:r>
+                <a:rPr lang="en-US" i="1" dirty="0">
+                  <a:solidFill>
+                    <a:schemeClr val="bg1"/>
+                  </a:solidFill>
+                </a:rPr>
+                <a:t>2</a:t>
+              </a:r>
+            </a:p>
+          </p:txBody>
+        </p:sp>
+        <p:sp>
+          <p:nvSpPr>
+            <p:cNvPr id="45" name="Rectangle 44"/>
+            <p:cNvSpPr/>
+            <p:nvPr/>
+          </p:nvSpPr>
+          <p:spPr>
+            <a:xfrm>
+              <a:off x="1163050" y="1723542"/>
+              <a:ext cx="212493" cy="196568"/>
+            </a:xfrm>
+            <a:prstGeom prst="rect">
+              <a:avLst/>
+            </a:prstGeom>
+            <a:solidFill>
+              <a:srgbClr val="DDDDDD"/>
+            </a:solidFill>
+            <a:ln w="22225">
+              <a:solidFill>
+                <a:schemeClr val="tx1">
+                  <a:lumMod val="75000"/>
+                  <a:lumOff val="25000"/>
+                </a:schemeClr>
+              </a:solidFill>
+            </a:ln>
+          </p:spPr>
+          <p:style>
+            <a:lnRef idx="2">
+              <a:schemeClr val="accent1">
+                <a:shade val="50000"/>
+              </a:schemeClr>
+            </a:lnRef>
+            <a:fillRef idx="1">
+              <a:schemeClr val="accent1"/>
+            </a:fillRef>
+            <a:effectRef idx="0">
+              <a:schemeClr val="accent1"/>
+            </a:effectRef>
+            <a:fontRef idx="minor">
+              <a:schemeClr val="lt1"/>
+            </a:fontRef>
+          </p:style>
+          <p:txBody>
+            <a:bodyPr rtlCol="0" anchor="ctr"/>
+            <a:lstStyle/>
+            <a:p>
+              <a:pPr algn="ctr"/>
+              <a:endParaRPr lang="en-US" i="1" dirty="0">
+                <a:solidFill>
+                  <a:schemeClr val="bg1"/>
+                </a:solidFill>
+              </a:endParaRPr>
+            </a:p>
+          </p:txBody>
+        </p:sp>
+        <p:sp>
+          <p:nvSpPr>
+            <p:cNvPr id="46" name="TextBox 45"/>
+            <p:cNvSpPr txBox="1"/>
+            <p:nvPr/>
+          </p:nvSpPr>
+          <p:spPr>
+            <a:xfrm>
+              <a:off x="1342413" y="1724546"/>
+              <a:ext cx="1352145" cy="338554"/>
+            </a:xfrm>
+            <a:prstGeom prst="rect">
+              <a:avLst/>
+            </a:prstGeom>
+            <a:noFill/>
+            <a:ln w="28575">
+              <a:noFill/>
+            </a:ln>
+          </p:spPr>
+          <p:txBody>
+            <a:bodyPr wrap="square" rtlCol="0">
+              <a:spAutoFit/>
+            </a:bodyPr>
+            <a:lstStyle/>
+            <a:p>
+              <a:r>
+                <a:rPr lang="en-US" sz="1600" dirty="0"/>
+                <a:t>veth0: 2.2.2.2</a:t>
+              </a:r>
+            </a:p>
+          </p:txBody>
+        </p:sp>
+      </p:grpSp>
+    </p:spTree>
+    <p:extLst>
+      <p:ext uri="{BB962C8B-B14F-4D97-AF65-F5344CB8AC3E}">
+        <p14:creationId xmlns:p14="http://schemas.microsoft.com/office/powerpoint/2010/main" val="689506126"/>
+      </p:ext>
+    </p:extLst>
+  </p:cSld>
+  <p:clrMapOvr>
+    <a:masterClrMapping/>
+  </p:clrMapOvr>
+</p:sld>
+</file>
+
 <file path=ppt/slides/slide2.xml><?xml version="1.0" encoding="utf-8"?>
 <p:sld xmlns:a="http://schemas.openxmlformats.org/drawingml/2006/main" xmlns:r="http://schemas.openxmlformats.org/officeDocument/2006/relationships" xmlns:p="http://schemas.openxmlformats.org/presentationml/2006/main" show="0">
   <p:cSld>
@@ -9517,10 +11355,9 @@
               </a:lnSpc>
             </a:pPr>
             <a:r>
-              <a:rPr lang="en-US" dirty="0" smtClean="0"/>
+              <a:rPr lang="en-US" dirty="0"/>
               <a:t>Container: Sender</a:t>
             </a:r>
-            <a:endParaRPr lang="en-US" dirty="0" smtClean="0"/>
           </a:p>
         </p:txBody>
       </p:sp>
@@ -9552,10 +11389,9 @@
               </a:lnSpc>
             </a:pPr>
             <a:r>
-              <a:rPr lang="en-US" dirty="0" smtClean="0"/>
+              <a:rPr lang="en-US" dirty="0"/>
               <a:t>Container: Receiver</a:t>
             </a:r>
-            <a:endParaRPr lang="en-US" dirty="0" smtClean="0"/>
           </a:p>
         </p:txBody>
       </p:sp>
@@ -9629,14 +11465,6 @@
   <p:clrMapOvr>
     <a:masterClrMapping/>
   </p:clrMapOvr>
-  <mc:AlternateContent xmlns:mc="http://schemas.openxmlformats.org/markup-compatibility/2006">
-    <mc:Choice xmlns:p14="http://schemas.microsoft.com/office/powerpoint/2010/main" Requires="p14">
-      <p:transition spd="slow" p14:dur="2000"/>
-    </mc:Choice>
-    <mc:Fallback>
-      <p:transition xmlns:p14="http://schemas.microsoft.com/office/powerpoint/2010/main" spd="slow"/>
-    </mc:Fallback>
-  </mc:AlternateContent>
 </p:sld>
 </file>
 
@@ -9741,23 +11569,18 @@
           <a:p>
             <a:pPr algn="ctr"/>
             <a:r>
-              <a:rPr lang="en-US" i="1" dirty="0" smtClean="0">
+              <a:rPr lang="en-US" i="1" dirty="0">
                 <a:solidFill>
                   <a:schemeClr val="tx1"/>
                 </a:solidFill>
               </a:rPr>
               <a:t>Allocate buffer1;</a:t>
             </a:r>
-            <a:endParaRPr lang="en-US" i="1" dirty="0">
-              <a:solidFill>
-                <a:schemeClr val="tx1"/>
-              </a:solidFill>
-            </a:endParaRPr>
           </a:p>
           <a:p>
             <a:pPr algn="ctr"/>
             <a:r>
-              <a:rPr lang="en-US" i="1" dirty="0" smtClean="0">
+              <a:rPr lang="en-US" i="1" dirty="0">
                 <a:solidFill>
                   <a:schemeClr val="tx1"/>
                 </a:solidFill>
@@ -9856,21 +11679,8 @@
                   <a:schemeClr val="tx1"/>
                 </a:solidFill>
               </a:rPr>
-              <a:t>Allocate </a:t>
-            </a:r>
-            <a:r>
-              <a:rPr lang="en-US" altLang="zh-CN" i="1" dirty="0" smtClean="0">
-                <a:solidFill>
-                  <a:schemeClr val="tx1"/>
-                </a:solidFill>
-              </a:rPr>
-              <a:t>buffer2;</a:t>
-            </a:r>
-            <a:endParaRPr lang="en-US" altLang="zh-CN" i="1" dirty="0">
-              <a:solidFill>
-                <a:schemeClr val="tx1"/>
-              </a:solidFill>
-            </a:endParaRPr>
+              <a:t>Allocate buffer2;</a:t>
+            </a:r>
           </a:p>
           <a:p>
             <a:pPr algn="ctr"/>
@@ -9951,20 +11761,12 @@
               </a:lnSpc>
             </a:pPr>
             <a:r>
-              <a:rPr lang="en-US" dirty="0" smtClean="0">
+              <a:rPr lang="en-US" dirty="0">
                 <a:solidFill>
                   <a:srgbClr val="FF0000"/>
                 </a:solidFill>
               </a:rPr>
-              <a:t>S</a:t>
-            </a:r>
-            <a:r>
-              <a:rPr lang="en-US" dirty="0" smtClean="0">
-                <a:solidFill>
-                  <a:srgbClr val="FF0000"/>
-                </a:solidFill>
-              </a:rPr>
-              <a:t>tep1</a:t>
+              <a:t>Step1</a:t>
             </a:r>
           </a:p>
         </p:txBody>
@@ -9997,10 +11799,9 @@
               </a:lnSpc>
             </a:pPr>
             <a:r>
-              <a:rPr lang="en-US" dirty="0" smtClean="0"/>
+              <a:rPr lang="en-US" dirty="0"/>
               <a:t>Container: Sender</a:t>
             </a:r>
-            <a:endParaRPr lang="en-US" dirty="0" smtClean="0"/>
           </a:p>
         </p:txBody>
       </p:sp>
@@ -10032,10 +11833,9 @@
               </a:lnSpc>
             </a:pPr>
             <a:r>
-              <a:rPr lang="en-US" dirty="0" smtClean="0"/>
+              <a:rPr lang="en-US" dirty="0"/>
               <a:t>Container: Receiver</a:t>
             </a:r>
-            <a:endParaRPr lang="en-US" dirty="0" smtClean="0"/>
           </a:p>
         </p:txBody>
       </p:sp>
@@ -10111,7 +11911,7 @@
           <a:p>
             <a:pPr algn="ctr"/>
             <a:r>
-              <a:rPr lang="en-US" i="1" dirty="0" smtClean="0">
+              <a:rPr lang="en-US" i="1" dirty="0">
                 <a:solidFill>
                   <a:schemeClr val="tx1"/>
                 </a:solidFill>
@@ -10119,7 +11919,7 @@
               <a:t>Receive buffer2’s address (R-</a:t>
             </a:r>
             <a:r>
-              <a:rPr lang="en-US" i="1" dirty="0" err="1" smtClean="0">
+              <a:rPr lang="en-US" i="1" dirty="0" err="1">
                 <a:solidFill>
                   <a:schemeClr val="tx1"/>
                 </a:solidFill>
@@ -10127,7 +11927,7 @@
               <a:t>addr</a:t>
             </a:r>
             <a:r>
-              <a:rPr lang="en-US" i="1" dirty="0" smtClean="0">
+              <a:rPr lang="en-US" i="1" dirty="0">
                 <a:solidFill>
                   <a:schemeClr val="tx1"/>
                 </a:solidFill>
@@ -10183,18 +11983,13 @@
           <a:p>
             <a:pPr algn="ctr"/>
             <a:r>
-              <a:rPr lang="en-US" altLang="zh-CN" i="1" dirty="0" smtClean="0">
+              <a:rPr lang="en-US" altLang="zh-CN" i="1" dirty="0">
                 <a:solidFill>
                   <a:schemeClr val="tx1"/>
                 </a:solidFill>
               </a:rPr>
               <a:t>Pass buffer2’s address to Sender</a:t>
             </a:r>
-            <a:endParaRPr lang="en-US" altLang="zh-CN" i="1" dirty="0">
-              <a:solidFill>
-                <a:schemeClr val="tx1"/>
-              </a:solidFill>
-            </a:endParaRPr>
           </a:p>
         </p:txBody>
       </p:sp>
@@ -10221,18 +12016,13 @@
           <a:p>
             <a:pPr algn="ctr"/>
             <a:r>
-              <a:rPr lang="en-US" altLang="zh-CN" dirty="0" smtClean="0">
+              <a:rPr lang="en-US" altLang="zh-CN" dirty="0">
                 <a:solidFill>
                   <a:srgbClr val="FF0000"/>
                 </a:solidFill>
               </a:rPr>
               <a:t>Step2</a:t>
             </a:r>
-            <a:endParaRPr lang="en-US" altLang="zh-CN" dirty="0">
-              <a:solidFill>
-                <a:srgbClr val="FF0000"/>
-              </a:solidFill>
-            </a:endParaRPr>
           </a:p>
         </p:txBody>
       </p:sp>
@@ -10320,7 +12110,7 @@
           <a:p>
             <a:pPr algn="ctr"/>
             <a:r>
-              <a:rPr lang="en-US" i="1" dirty="0" smtClean="0">
+              <a:rPr lang="en-US" i="1" dirty="0">
                 <a:solidFill>
                   <a:schemeClr val="tx1"/>
                 </a:solidFill>
@@ -10353,18 +12143,13 @@
           <a:p>
             <a:pPr algn="ctr"/>
             <a:r>
-              <a:rPr lang="en-US" altLang="zh-CN" dirty="0" smtClean="0">
+              <a:rPr lang="en-US" altLang="zh-CN" dirty="0">
                 <a:solidFill>
                   <a:srgbClr val="FF0000"/>
                 </a:solidFill>
               </a:rPr>
               <a:t>Step3</a:t>
             </a:r>
-            <a:endParaRPr lang="en-US" altLang="zh-CN" dirty="0">
-              <a:solidFill>
-                <a:srgbClr val="FF0000"/>
-              </a:solidFill>
-            </a:endParaRPr>
           </a:p>
         </p:txBody>
       </p:sp>
@@ -10482,23 +12267,18 @@
           <a:p>
             <a:pPr algn="ctr"/>
             <a:r>
-              <a:rPr lang="en-US" i="1" dirty="0" smtClean="0">
+              <a:rPr lang="en-US" i="1" dirty="0">
                 <a:solidFill>
                   <a:schemeClr val="tx1"/>
                 </a:solidFill>
               </a:rPr>
               <a:t>Allocate buffer1;</a:t>
             </a:r>
-            <a:endParaRPr lang="en-US" i="1" dirty="0">
-              <a:solidFill>
-                <a:schemeClr val="tx1"/>
-              </a:solidFill>
-            </a:endParaRPr>
           </a:p>
           <a:p>
             <a:pPr algn="ctr"/>
             <a:r>
-              <a:rPr lang="en-US" i="1" dirty="0" smtClean="0">
+              <a:rPr lang="en-US" i="1" dirty="0">
                 <a:solidFill>
                   <a:schemeClr val="tx1"/>
                 </a:solidFill>
@@ -10597,21 +12377,8 @@
                   <a:schemeClr val="tx1"/>
                 </a:solidFill>
               </a:rPr>
-              <a:t>Allocate </a:t>
-            </a:r>
-            <a:r>
-              <a:rPr lang="en-US" altLang="zh-CN" i="1" dirty="0" smtClean="0">
-                <a:solidFill>
-                  <a:schemeClr val="tx1"/>
-                </a:solidFill>
-              </a:rPr>
-              <a:t>buffer2;</a:t>
-            </a:r>
-            <a:endParaRPr lang="en-US" altLang="zh-CN" i="1" dirty="0">
-              <a:solidFill>
-                <a:schemeClr val="tx1"/>
-              </a:solidFill>
-            </a:endParaRPr>
+              <a:t>Allocate buffer2;</a:t>
+            </a:r>
           </a:p>
           <a:p>
             <a:pPr algn="ctr"/>
@@ -10692,20 +12459,12 @@
               </a:lnSpc>
             </a:pPr>
             <a:r>
-              <a:rPr lang="en-US" dirty="0" smtClean="0">
+              <a:rPr lang="en-US" dirty="0">
                 <a:solidFill>
                   <a:srgbClr val="FF0000"/>
                 </a:solidFill>
               </a:rPr>
-              <a:t>S</a:t>
-            </a:r>
-            <a:r>
-              <a:rPr lang="en-US" dirty="0" smtClean="0">
-                <a:solidFill>
-                  <a:srgbClr val="FF0000"/>
-                </a:solidFill>
-              </a:rPr>
-              <a:t>tep1</a:t>
+              <a:t>Step1</a:t>
             </a:r>
           </a:p>
         </p:txBody>
@@ -10734,7 +12493,7 @@
           <a:p>
             <a:pPr algn="ctr"/>
             <a:r>
-              <a:rPr lang="en-US" dirty="0" smtClean="0">
+              <a:rPr lang="en-US" dirty="0">
                 <a:solidFill>
                   <a:srgbClr val="FF0000"/>
                 </a:solidFill>
@@ -10745,7 +12504,7 @@
           <a:p>
             <a:pPr algn="ctr"/>
             <a:r>
-              <a:rPr lang="en-US" dirty="0" err="1" smtClean="0">
+              <a:rPr lang="en-US" dirty="0" err="1">
                 <a:solidFill>
                   <a:srgbClr val="FF0000"/>
                 </a:solidFill>
@@ -10788,10 +12547,9 @@
               </a:lnSpc>
             </a:pPr>
             <a:r>
-              <a:rPr lang="en-US" dirty="0" smtClean="0"/>
+              <a:rPr lang="en-US" dirty="0"/>
               <a:t>Container: Sender</a:t>
             </a:r>
-            <a:endParaRPr lang="en-US" dirty="0" smtClean="0"/>
           </a:p>
         </p:txBody>
       </p:sp>
@@ -10823,10 +12581,9 @@
               </a:lnSpc>
             </a:pPr>
             <a:r>
-              <a:rPr lang="en-US" dirty="0" smtClean="0"/>
+              <a:rPr lang="en-US" dirty="0"/>
               <a:t>Container: Receiver</a:t>
             </a:r>
-            <a:endParaRPr lang="en-US" dirty="0" smtClean="0"/>
           </a:p>
         </p:txBody>
       </p:sp>
@@ -10902,7 +12659,7 @@
           <a:p>
             <a:pPr algn="ctr"/>
             <a:r>
-              <a:rPr lang="en-US" i="1" dirty="0" smtClean="0">
+              <a:rPr lang="en-US" i="1" dirty="0">
                 <a:solidFill>
                   <a:schemeClr val="tx1"/>
                 </a:solidFill>
@@ -10910,7 +12667,7 @@
               <a:t>Receive buffer2’s address (R-</a:t>
             </a:r>
             <a:r>
-              <a:rPr lang="en-US" i="1" dirty="0" err="1" smtClean="0">
+              <a:rPr lang="en-US" i="1" dirty="0" err="1">
                 <a:solidFill>
                   <a:schemeClr val="tx1"/>
                 </a:solidFill>
@@ -10918,7 +12675,7 @@
               <a:t>addr</a:t>
             </a:r>
             <a:r>
-              <a:rPr lang="en-US" i="1" dirty="0" smtClean="0">
+              <a:rPr lang="en-US" i="1" dirty="0">
                 <a:solidFill>
                   <a:schemeClr val="tx1"/>
                 </a:solidFill>
@@ -10974,18 +12731,13 @@
           <a:p>
             <a:pPr algn="ctr"/>
             <a:r>
-              <a:rPr lang="en-US" altLang="zh-CN" i="1" dirty="0" smtClean="0">
+              <a:rPr lang="en-US" altLang="zh-CN" i="1" dirty="0">
                 <a:solidFill>
                   <a:schemeClr val="tx1"/>
                 </a:solidFill>
               </a:rPr>
               <a:t>Pass buffer2’s address to Sender</a:t>
             </a:r>
-            <a:endParaRPr lang="en-US" altLang="zh-CN" i="1" dirty="0">
-              <a:solidFill>
-                <a:schemeClr val="tx1"/>
-              </a:solidFill>
-            </a:endParaRPr>
           </a:p>
         </p:txBody>
       </p:sp>
@@ -11012,18 +12764,13 @@
           <a:p>
             <a:pPr algn="ctr"/>
             <a:r>
-              <a:rPr lang="en-US" altLang="zh-CN" dirty="0" smtClean="0">
+              <a:rPr lang="en-US" altLang="zh-CN" dirty="0">
                 <a:solidFill>
                   <a:srgbClr val="FF0000"/>
                 </a:solidFill>
               </a:rPr>
               <a:t>Step2</a:t>
             </a:r>
-            <a:endParaRPr lang="en-US" altLang="zh-CN" dirty="0">
-              <a:solidFill>
-                <a:srgbClr val="FF0000"/>
-              </a:solidFill>
-            </a:endParaRPr>
           </a:p>
         </p:txBody>
       </p:sp>
@@ -11111,7 +12858,7 @@
           <a:p>
             <a:pPr algn="ctr"/>
             <a:r>
-              <a:rPr lang="en-US" i="1" dirty="0" smtClean="0">
+              <a:rPr lang="en-US" i="1" dirty="0">
                 <a:solidFill>
                   <a:schemeClr val="tx1"/>
                 </a:solidFill>
@@ -11144,18 +12891,13 @@
           <a:p>
             <a:pPr algn="ctr"/>
             <a:r>
-              <a:rPr lang="en-US" altLang="zh-CN" dirty="0" smtClean="0">
+              <a:rPr lang="en-US" altLang="zh-CN" dirty="0">
                 <a:solidFill>
                   <a:srgbClr val="FF0000"/>
                 </a:solidFill>
               </a:rPr>
               <a:t>Step3</a:t>
             </a:r>
-            <a:endParaRPr lang="en-US" altLang="zh-CN" dirty="0">
-              <a:solidFill>
-                <a:srgbClr val="FF0000"/>
-              </a:solidFill>
-            </a:endParaRPr>
           </a:p>
         </p:txBody>
       </p:sp>
@@ -11169,14 +12911,6 @@
   <p:clrMapOvr>
     <a:masterClrMapping/>
   </p:clrMapOvr>
-  <mc:AlternateContent xmlns:mc="http://schemas.openxmlformats.org/markup-compatibility/2006">
-    <mc:Choice xmlns:p14="http://schemas.microsoft.com/office/powerpoint/2010/main" Requires="p14">
-      <p:transition spd="slow" p14:dur="2000"/>
-    </mc:Choice>
-    <mc:Fallback>
-      <p:transition xmlns:p14="http://schemas.microsoft.com/office/powerpoint/2010/main" spd="slow"/>
-    </mc:Fallback>
-  </mc:AlternateContent>
 </p:sld>
 </file>
 
@@ -11353,7 +13087,7 @@
             <a:p>
               <a:pPr algn="ctr"/>
               <a:r>
-                <a:rPr lang="en-US" dirty="0" err="1" smtClean="0">
+                <a:rPr lang="en-US" dirty="0" err="1">
                   <a:solidFill>
                     <a:sysClr val="windowText" lastClr="000000"/>
                   </a:solidFill>
@@ -11419,18 +13153,13 @@
             <a:p>
               <a:pPr algn="ctr"/>
               <a:r>
-                <a:rPr lang="en-US" dirty="0" smtClean="0">
+                <a:rPr lang="en-US" dirty="0">
                   <a:solidFill>
                     <a:sysClr val="windowText" lastClr="000000"/>
                   </a:solidFill>
                 </a:rPr>
                 <a:t>Host Agent</a:t>
               </a:r>
-              <a:endParaRPr lang="en-US" dirty="0">
-                <a:solidFill>
-                  <a:sysClr val="windowText" lastClr="000000"/>
-                </a:solidFill>
-              </a:endParaRPr>
             </a:p>
           </p:txBody>
         </p:sp>
@@ -11516,7 +13245,7 @@
             <a:p>
               <a:pPr algn="ctr"/>
               <a:r>
-                <a:rPr kumimoji="1" lang="en-US" altLang="zh-CN" dirty="0" smtClean="0">
+                <a:rPr kumimoji="1" lang="en-US" altLang="zh-CN" dirty="0">
                   <a:solidFill>
                     <a:schemeClr val="tx1"/>
                   </a:solidFill>
@@ -11577,18 +13306,13 @@
             <a:p>
               <a:pPr algn="ctr"/>
               <a:r>
-                <a:rPr lang="en-US" i="1" dirty="0" smtClean="0">
+                <a:rPr lang="en-US" i="1" dirty="0">
                   <a:solidFill>
                     <a:schemeClr val="tx1"/>
                   </a:solidFill>
                 </a:rPr>
                 <a:t>buffer1</a:t>
               </a:r>
-              <a:endParaRPr lang="en-US" i="1" dirty="0">
-                <a:solidFill>
-                  <a:schemeClr val="tx1"/>
-                </a:solidFill>
-              </a:endParaRPr>
             </a:p>
           </p:txBody>
         </p:sp>
@@ -11616,11 +13340,11 @@
             <a:p>
               <a:pPr algn="ctr"/>
               <a:r>
-                <a:rPr lang="en-US" dirty="0" smtClean="0"/>
+                <a:rPr lang="en-US" dirty="0"/>
                 <a:t>L-</a:t>
               </a:r>
               <a:r>
-                <a:rPr lang="en-US" dirty="0" err="1" smtClean="0"/>
+                <a:rPr lang="en-US" dirty="0" err="1"/>
                 <a:t>addr</a:t>
               </a:r>
               <a:endParaRPr lang="en-US" dirty="0"/>
@@ -11678,18 +13402,13 @@
             <a:p>
               <a:pPr algn="ctr"/>
               <a:r>
-                <a:rPr lang="en-US" dirty="0" smtClean="0">
+                <a:rPr lang="en-US" dirty="0">
                   <a:solidFill>
                     <a:sysClr val="windowText" lastClr="000000"/>
                   </a:solidFill>
                 </a:rPr>
                 <a:t>NIC</a:t>
               </a:r>
-              <a:endParaRPr lang="en-US" dirty="0">
-                <a:solidFill>
-                  <a:sysClr val="windowText" lastClr="000000"/>
-                </a:solidFill>
-              </a:endParaRPr>
             </a:p>
           </p:txBody>
         </p:sp>
@@ -11849,7 +13568,7 @@
             <a:p>
               <a:pPr algn="ctr"/>
               <a:r>
-                <a:rPr lang="en-US" dirty="0" err="1" smtClean="0">
+                <a:rPr lang="en-US" dirty="0" err="1">
                   <a:solidFill>
                     <a:sysClr val="windowText" lastClr="000000"/>
                   </a:solidFill>
@@ -11915,18 +13634,13 @@
             <a:p>
               <a:pPr algn="ctr"/>
               <a:r>
-                <a:rPr lang="en-US" dirty="0" smtClean="0">
+                <a:rPr lang="en-US" dirty="0">
                   <a:solidFill>
                     <a:sysClr val="windowText" lastClr="000000"/>
                   </a:solidFill>
                 </a:rPr>
                 <a:t>Host Agent</a:t>
               </a:r>
-              <a:endParaRPr lang="en-US" dirty="0">
-                <a:solidFill>
-                  <a:sysClr val="windowText" lastClr="000000"/>
-                </a:solidFill>
-              </a:endParaRPr>
             </a:p>
           </p:txBody>
         </p:sp>
@@ -12012,7 +13726,7 @@
             <a:p>
               <a:pPr algn="ctr"/>
               <a:r>
-                <a:rPr kumimoji="1" lang="en-US" altLang="zh-CN" dirty="0" smtClean="0">
+                <a:rPr kumimoji="1" lang="en-US" altLang="zh-CN" dirty="0">
                   <a:solidFill>
                     <a:schemeClr val="tx1"/>
                   </a:solidFill>
@@ -12073,18 +13787,13 @@
             <a:p>
               <a:pPr algn="ctr"/>
               <a:r>
-                <a:rPr lang="en-US" i="1" dirty="0" smtClean="0">
+                <a:rPr lang="en-US" i="1" dirty="0">
                   <a:solidFill>
                     <a:schemeClr val="tx1"/>
                   </a:solidFill>
                 </a:rPr>
                 <a:t>buffer2</a:t>
               </a:r>
-              <a:endParaRPr lang="en-US" i="1" dirty="0">
-                <a:solidFill>
-                  <a:schemeClr val="tx1"/>
-                </a:solidFill>
-              </a:endParaRPr>
             </a:p>
           </p:txBody>
         </p:sp>
@@ -12113,14 +13822,10 @@
               <a:pPr algn="ctr"/>
               <a:r>
                 <a:rPr lang="en-US" dirty="0"/>
-                <a:t>R</a:t>
+                <a:t>R-</a:t>
               </a:r>
               <a:r>
-                <a:rPr lang="en-US" dirty="0" smtClean="0"/>
-                <a:t>-</a:t>
-              </a:r>
-              <a:r>
-                <a:rPr lang="en-US" dirty="0" err="1" smtClean="0"/>
+                <a:rPr lang="en-US" dirty="0" err="1"/>
                 <a:t>addr</a:t>
               </a:r>
               <a:endParaRPr lang="en-US" dirty="0"/>
@@ -12178,18 +13883,13 @@
             <a:p>
               <a:pPr algn="ctr"/>
               <a:r>
-                <a:rPr lang="en-US" dirty="0" smtClean="0">
+                <a:rPr lang="en-US" dirty="0">
                   <a:solidFill>
                     <a:sysClr val="windowText" lastClr="000000"/>
                   </a:solidFill>
                 </a:rPr>
                 <a:t>                        NIC</a:t>
               </a:r>
-              <a:endParaRPr lang="en-US" dirty="0">
-                <a:solidFill>
-                  <a:sysClr val="windowText" lastClr="000000"/>
-                </a:solidFill>
-              </a:endParaRPr>
             </a:p>
           </p:txBody>
         </p:sp>
@@ -12373,20 +14073,12 @@
               </a:lnSpc>
             </a:pPr>
             <a:r>
-              <a:rPr lang="en-US" dirty="0" smtClean="0">
+              <a:rPr lang="en-US" dirty="0">
                 <a:solidFill>
                   <a:srgbClr val="FF0000"/>
                 </a:solidFill>
               </a:rPr>
-              <a:t>S</a:t>
-            </a:r>
-            <a:r>
-              <a:rPr lang="en-US" dirty="0" smtClean="0">
-                <a:solidFill>
-                  <a:srgbClr val="FF0000"/>
-                </a:solidFill>
-              </a:rPr>
-              <a:t>tep1: register </a:t>
+              <a:t>Step1: register </a:t>
             </a:r>
           </a:p>
           <a:p>
@@ -12396,7 +14088,7 @@
               </a:lnSpc>
             </a:pPr>
             <a:r>
-              <a:rPr lang="en-US" dirty="0" err="1" smtClean="0">
+              <a:rPr lang="en-US" dirty="0" err="1">
                 <a:solidFill>
                   <a:srgbClr val="FF0000"/>
                 </a:solidFill>
@@ -12404,7 +14096,7 @@
               <a:t>addr</a:t>
             </a:r>
             <a:r>
-              <a:rPr lang="en-US" dirty="0" smtClean="0">
+              <a:rPr lang="en-US" dirty="0">
                 <a:solidFill>
                   <a:srgbClr val="FF0000"/>
                 </a:solidFill>
@@ -12438,26 +14130,18 @@
           <a:p>
             <a:pPr algn="ctr"/>
             <a:r>
-              <a:rPr lang="en-US" dirty="0" smtClean="0">
+              <a:rPr lang="en-US" dirty="0">
                 <a:solidFill>
                   <a:srgbClr val="FF0000"/>
                 </a:solidFill>
               </a:rPr>
-              <a:t>S</a:t>
-            </a:r>
-            <a:r>
-              <a:rPr lang="en-US" dirty="0" smtClean="0">
-                <a:solidFill>
-                  <a:srgbClr val="FF0000"/>
-                </a:solidFill>
-              </a:rPr>
-              <a:t>tep2:</a:t>
+              <a:t>Step2:</a:t>
             </a:r>
           </a:p>
           <a:p>
             <a:pPr algn="ctr"/>
             <a:r>
-              <a:rPr lang="en-US" dirty="0" smtClean="0">
+              <a:rPr lang="en-US" dirty="0">
                 <a:solidFill>
                   <a:srgbClr val="FF0000"/>
                 </a:solidFill>
@@ -12465,7 +14149,7 @@
               <a:t>R-</a:t>
             </a:r>
             <a:r>
-              <a:rPr lang="en-US" dirty="0" err="1" smtClean="0">
+              <a:rPr lang="en-US" dirty="0" err="1">
                 <a:solidFill>
                   <a:srgbClr val="FF0000"/>
                 </a:solidFill>
@@ -12504,26 +14188,13 @@
           <a:p>
             <a:pPr algn="ctr"/>
             <a:r>
-              <a:rPr lang="en-US" dirty="0" smtClean="0">
+              <a:rPr lang="en-US" dirty="0">
                 <a:solidFill>
                   <a:srgbClr val="FF0000"/>
                 </a:solidFill>
               </a:rPr>
-              <a:t>S</a:t>
-            </a:r>
-            <a:r>
-              <a:rPr lang="en-US" dirty="0" smtClean="0">
-                <a:solidFill>
-                  <a:srgbClr val="FF0000"/>
-                </a:solidFill>
-              </a:rPr>
-              <a:t>tep3: Direct copy buffer1 to buffer2</a:t>
-            </a:r>
-            <a:endParaRPr lang="en-US" dirty="0">
-              <a:solidFill>
-                <a:srgbClr val="FF0000"/>
-              </a:solidFill>
-            </a:endParaRPr>
+              <a:t>Step3: Direct copy buffer1 to buffer2</a:t>
+            </a:r>
           </a:p>
         </p:txBody>
       </p:sp>
@@ -12555,10 +14226,9 @@
               </a:lnSpc>
             </a:pPr>
             <a:r>
-              <a:rPr lang="en-US" dirty="0" smtClean="0"/>
+              <a:rPr lang="en-US" dirty="0"/>
               <a:t>Container: Sender</a:t>
             </a:r>
-            <a:endParaRPr lang="en-US" dirty="0" smtClean="0"/>
           </a:p>
         </p:txBody>
       </p:sp>
@@ -12590,10 +14260,9 @@
               </a:lnSpc>
             </a:pPr>
             <a:r>
-              <a:rPr lang="en-US" dirty="0" smtClean="0"/>
+              <a:rPr lang="en-US" dirty="0"/>
               <a:t>Container: Receiver</a:t>
             </a:r>
-            <a:endParaRPr lang="en-US" dirty="0" smtClean="0"/>
           </a:p>
         </p:txBody>
       </p:sp>
@@ -12625,20 +14294,12 @@
               </a:lnSpc>
             </a:pPr>
             <a:r>
-              <a:rPr lang="en-US" dirty="0" smtClean="0">
+              <a:rPr lang="en-US" dirty="0">
                 <a:solidFill>
                   <a:srgbClr val="FF0000"/>
                 </a:solidFill>
               </a:rPr>
-              <a:t>S</a:t>
-            </a:r>
-            <a:r>
-              <a:rPr lang="en-US" dirty="0" smtClean="0">
-                <a:solidFill>
-                  <a:srgbClr val="FF0000"/>
-                </a:solidFill>
-              </a:rPr>
-              <a:t>tep1</a:t>
+              <a:t>Step1</a:t>
             </a:r>
           </a:p>
         </p:txBody>
@@ -12777,7 +14438,7 @@
           <a:p>
             <a:pPr algn="ctr"/>
             <a:r>
-              <a:rPr lang="en-US" dirty="0" err="1" smtClean="0">
+              <a:rPr lang="en-US" dirty="0" err="1">
                 <a:solidFill>
                   <a:sysClr val="windowText" lastClr="000000"/>
                 </a:solidFill>
@@ -12876,7 +14537,7 @@
           <a:p>
             <a:pPr algn="ctr"/>
             <a:r>
-              <a:rPr kumimoji="1" lang="en-US" altLang="zh-CN" dirty="0" smtClean="0">
+              <a:rPr kumimoji="1" lang="en-US" altLang="zh-CN" dirty="0">
                 <a:solidFill>
                   <a:schemeClr val="tx1"/>
                 </a:solidFill>
@@ -12951,18 +14612,13 @@
             <a:p>
               <a:pPr algn="ctr"/>
               <a:r>
-                <a:rPr lang="en-US" dirty="0" smtClean="0">
+                <a:rPr lang="en-US" dirty="0">
                   <a:solidFill>
                     <a:sysClr val="windowText" lastClr="000000"/>
                   </a:solidFill>
                 </a:rPr>
                 <a:t>NIC</a:t>
               </a:r>
-              <a:endParaRPr lang="en-US" dirty="0">
-                <a:solidFill>
-                  <a:sysClr val="windowText" lastClr="000000"/>
-                </a:solidFill>
-              </a:endParaRPr>
             </a:p>
           </p:txBody>
         </p:sp>
@@ -13108,7 +14764,7 @@
           <a:p>
             <a:pPr algn="ctr"/>
             <a:r>
-              <a:rPr lang="en-US" dirty="0" err="1" smtClean="0">
+              <a:rPr lang="en-US" dirty="0" err="1">
                 <a:solidFill>
                   <a:sysClr val="windowText" lastClr="000000"/>
                 </a:solidFill>
@@ -13207,7 +14863,7 @@
           <a:p>
             <a:pPr algn="ctr"/>
             <a:r>
-              <a:rPr kumimoji="1" lang="en-US" altLang="zh-CN" dirty="0" smtClean="0">
+              <a:rPr kumimoji="1" lang="en-US" altLang="zh-CN" dirty="0">
                 <a:solidFill>
                   <a:schemeClr val="tx1"/>
                 </a:solidFill>
@@ -13250,10 +14906,9 @@
               </a:lnSpc>
             </a:pPr>
             <a:r>
-              <a:rPr lang="en-US" dirty="0" smtClean="0"/>
+              <a:rPr lang="en-US" dirty="0"/>
               <a:t>Container: Sender</a:t>
             </a:r>
-            <a:endParaRPr lang="en-US" dirty="0" smtClean="0"/>
           </a:p>
         </p:txBody>
       </p:sp>
@@ -13285,10 +14940,9 @@
               </a:lnSpc>
             </a:pPr>
             <a:r>
-              <a:rPr lang="en-US" dirty="0" smtClean="0"/>
+              <a:rPr lang="en-US" dirty="0"/>
               <a:t>Container: Receiver</a:t>
             </a:r>
-            <a:endParaRPr lang="en-US" dirty="0" smtClean="0"/>
           </a:p>
         </p:txBody>
       </p:sp>
@@ -13343,18 +14997,13 @@
           <a:p>
             <a:pPr algn="ctr"/>
             <a:r>
-              <a:rPr lang="en-US" dirty="0" smtClean="0">
+              <a:rPr lang="en-US" dirty="0">
                 <a:solidFill>
                   <a:sysClr val="windowText" lastClr="000000"/>
                 </a:solidFill>
               </a:rPr>
               <a:t>Host Agent</a:t>
             </a:r>
-            <a:endParaRPr lang="en-US" dirty="0">
-              <a:solidFill>
-                <a:sysClr val="windowText" lastClr="000000"/>
-              </a:solidFill>
-            </a:endParaRPr>
           </a:p>
         </p:txBody>
       </p:sp>
@@ -13450,18 +15099,13 @@
           <a:p>
             <a:pPr algn="ctr"/>
             <a:r>
-              <a:rPr lang="en-US" i="1" dirty="0" smtClean="0">
+              <a:rPr lang="en-US" i="1" dirty="0">
                 <a:solidFill>
                   <a:schemeClr val="tx1"/>
                 </a:solidFill>
               </a:rPr>
               <a:t>obj1</a:t>
             </a:r>
-            <a:endParaRPr lang="en-US" i="1" dirty="0">
-              <a:solidFill>
-                <a:schemeClr val="tx1"/>
-              </a:solidFill>
-            </a:endParaRPr>
           </a:p>
         </p:txBody>
       </p:sp>
@@ -13489,10 +15133,9 @@
           <a:p>
             <a:pPr algn="ctr"/>
             <a:r>
-              <a:rPr lang="en-US" dirty="0" smtClean="0"/>
+              <a:rPr lang="en-US" dirty="0"/>
               <a:t>Shared Memory</a:t>
             </a:r>
-            <a:endParaRPr lang="en-US" dirty="0"/>
           </a:p>
         </p:txBody>
       </p:sp>
@@ -13542,26 +15185,13 @@
           <a:p>
             <a:pPr algn="ctr"/>
             <a:r>
-              <a:rPr lang="en-US" i="1" dirty="0" smtClean="0">
+              <a:rPr lang="en-US" i="1" dirty="0">
                 <a:solidFill>
                   <a:schemeClr val="tx1"/>
                 </a:solidFill>
               </a:rPr>
-              <a:t>obj</a:t>
-            </a:r>
-            <a:r>
-              <a:rPr lang="en-US" i="1" dirty="0" smtClean="0">
-                <a:solidFill>
-                  <a:schemeClr val="tx1"/>
-                </a:solidFill>
-              </a:rPr>
-              <a:t>2</a:t>
-            </a:r>
-            <a:endParaRPr lang="en-US" i="1" dirty="0">
-              <a:solidFill>
-                <a:schemeClr val="tx1"/>
-              </a:solidFill>
-            </a:endParaRPr>
+              <a:t>obj2</a:t>
+            </a:r>
           </a:p>
         </p:txBody>
       </p:sp>
@@ -13745,20 +15375,12 @@
               </a:lnSpc>
             </a:pPr>
             <a:r>
-              <a:rPr lang="en-US" dirty="0" smtClean="0">
+              <a:rPr lang="en-US" dirty="0">
                 <a:solidFill>
                   <a:srgbClr val="FF0000"/>
                 </a:solidFill>
               </a:rPr>
-              <a:t>S</a:t>
-            </a:r>
-            <a:r>
-              <a:rPr lang="en-US" dirty="0" smtClean="0">
-                <a:solidFill>
-                  <a:srgbClr val="FF0000"/>
-                </a:solidFill>
-              </a:rPr>
-              <a:t>tep 2: </a:t>
+              <a:t>Step 2: </a:t>
             </a:r>
           </a:p>
           <a:p>
@@ -13768,7 +15390,7 @@
               </a:lnSpc>
             </a:pPr>
             <a:r>
-              <a:rPr lang="en-US" dirty="0" err="1" smtClean="0">
+              <a:rPr lang="en-US" dirty="0" err="1">
                 <a:solidFill>
                   <a:srgbClr val="FF0000"/>
                 </a:solidFill>
@@ -13776,7 +15398,7 @@
               <a:t>shm</a:t>
             </a:r>
             <a:r>
-              <a:rPr lang="en-US" dirty="0" smtClean="0">
+              <a:rPr lang="en-US" dirty="0">
                 <a:solidFill>
                   <a:srgbClr val="FF0000"/>
                 </a:solidFill>
@@ -13784,7 +15406,7 @@
               <a:t> </a:t>
             </a:r>
             <a:r>
-              <a:rPr lang="en-US" dirty="0" err="1" smtClean="0">
+              <a:rPr lang="en-US" dirty="0" err="1">
                 <a:solidFill>
                   <a:srgbClr val="FF0000"/>
                 </a:solidFill>
@@ -13827,36 +15449,12 @@
               </a:lnSpc>
             </a:pPr>
             <a:r>
-              <a:rPr lang="en-US" dirty="0" smtClean="0">
+              <a:rPr lang="en-US" dirty="0">
                 <a:solidFill>
                   <a:srgbClr val="FF0000"/>
                 </a:solidFill>
               </a:rPr>
-              <a:t>S</a:t>
-            </a:r>
-            <a:r>
-              <a:rPr lang="en-US" dirty="0" smtClean="0">
-                <a:solidFill>
-                  <a:srgbClr val="FF0000"/>
-                </a:solidFill>
-              </a:rPr>
-              <a:t>tep3: </a:t>
-            </a:r>
-            <a:r>
-              <a:rPr lang="en-US" dirty="0" smtClean="0">
-                <a:solidFill>
-                  <a:srgbClr val="FF0000"/>
-                </a:solidFill>
-              </a:rPr>
-              <a:t>w</a:t>
-            </a:r>
-            <a:r>
-              <a:rPr lang="en-US" dirty="0" smtClean="0">
-                <a:solidFill>
-                  <a:srgbClr val="FF0000"/>
-                </a:solidFill>
-              </a:rPr>
-              <a:t>rite </a:t>
+              <a:t>Step3: write </a:t>
             </a:r>
           </a:p>
           <a:p>
@@ -13866,7 +15464,7 @@
               </a:lnSpc>
             </a:pPr>
             <a:r>
-              <a:rPr lang="en-US" dirty="0" smtClean="0">
+              <a:rPr lang="en-US" dirty="0">
                 <a:solidFill>
                   <a:srgbClr val="FF0000"/>
                 </a:solidFill>
@@ -13874,7 +15472,7 @@
               <a:t>to </a:t>
             </a:r>
             <a:r>
-              <a:rPr lang="en-US" dirty="0" err="1" smtClean="0">
+              <a:rPr lang="en-US" dirty="0" err="1">
                 <a:solidFill>
                   <a:srgbClr val="FF0000"/>
                 </a:solidFill>
@@ -13882,7 +15480,7 @@
               <a:t>shm</a:t>
             </a:r>
             <a:r>
-              <a:rPr lang="en-US" dirty="0" smtClean="0">
+              <a:rPr lang="en-US" dirty="0">
                 <a:solidFill>
                   <a:srgbClr val="FF0000"/>
                 </a:solidFill>
@@ -13890,7 +15488,7 @@
               <a:t> </a:t>
             </a:r>
             <a:r>
-              <a:rPr lang="en-US" dirty="0" err="1" smtClean="0">
+              <a:rPr lang="en-US" dirty="0" err="1">
                 <a:solidFill>
                   <a:srgbClr val="FF0000"/>
                 </a:solidFill>
@@ -13898,18 +15496,13 @@
               <a:t>obj</a:t>
             </a:r>
             <a:r>
-              <a:rPr lang="en-US" dirty="0" smtClean="0">
+              <a:rPr lang="en-US" dirty="0">
                 <a:solidFill>
                   <a:srgbClr val="FF0000"/>
                 </a:solidFill>
               </a:rPr>
               <a:t> </a:t>
             </a:r>
-            <a:endParaRPr lang="en-US" dirty="0">
-              <a:solidFill>
-                <a:srgbClr val="FF0000"/>
-              </a:solidFill>
-            </a:endParaRPr>
           </a:p>
         </p:txBody>
       </p:sp>
@@ -13941,20 +15534,12 @@
               </a:lnSpc>
             </a:pPr>
             <a:r>
-              <a:rPr lang="en-US" dirty="0" smtClean="0">
+              <a:rPr lang="en-US" dirty="0">
                 <a:solidFill>
                   <a:srgbClr val="FF0000"/>
                 </a:solidFill>
               </a:rPr>
-              <a:t>S</a:t>
-            </a:r>
-            <a:r>
-              <a:rPr lang="en-US" dirty="0" smtClean="0">
-                <a:solidFill>
-                  <a:srgbClr val="FF0000"/>
-                </a:solidFill>
-              </a:rPr>
-              <a:t>tep1: create</a:t>
+              <a:t>Step1: create</a:t>
             </a:r>
           </a:p>
           <a:p>
@@ -13964,7 +15549,7 @@
               </a:lnSpc>
             </a:pPr>
             <a:r>
-              <a:rPr lang="en-US" dirty="0" err="1" smtClean="0">
+              <a:rPr lang="en-US" dirty="0" err="1">
                 <a:solidFill>
                   <a:srgbClr val="FF0000"/>
                 </a:solidFill>
@@ -13972,20 +15557,12 @@
               <a:t>shm</a:t>
             </a:r>
             <a:r>
-              <a:rPr lang="en-US" dirty="0" smtClean="0">
+              <a:rPr lang="en-US" dirty="0">
                 <a:solidFill>
                   <a:srgbClr val="FF0000"/>
                 </a:solidFill>
               </a:rPr>
-              <a:t> object</a:t>
-            </a:r>
-            <a:r>
-              <a:rPr lang="en-US" dirty="0" smtClean="0">
-                <a:solidFill>
-                  <a:srgbClr val="FF0000"/>
-                </a:solidFill>
-              </a:rPr>
-              <a:t>  </a:t>
+              <a:t> object  </a:t>
             </a:r>
           </a:p>
         </p:txBody>
@@ -14018,20 +15595,12 @@
               </a:lnSpc>
             </a:pPr>
             <a:r>
-              <a:rPr lang="en-US" dirty="0" smtClean="0">
+              <a:rPr lang="en-US" dirty="0">
                 <a:solidFill>
                   <a:srgbClr val="FF0000"/>
                 </a:solidFill>
               </a:rPr>
-              <a:t>S</a:t>
-            </a:r>
-            <a:r>
-              <a:rPr lang="en-US" dirty="0" smtClean="0">
-                <a:solidFill>
-                  <a:srgbClr val="FF0000"/>
-                </a:solidFill>
-              </a:rPr>
-              <a:t>tep1</a:t>
+              <a:t>Step1</a:t>
             </a:r>
           </a:p>
         </p:txBody>
@@ -14046,13 +15615,6 @@
   <p:clrMapOvr>
     <a:masterClrMapping/>
   </p:clrMapOvr>
-  <p:timing>
-    <p:tnLst>
-      <p:par>
-        <p:cTn xmlns:p14="http://schemas.microsoft.com/office/powerpoint/2010/main" id="1" dur="indefinite" restart="never" nodeType="tmRoot"/>
-      </p:par>
-    </p:tnLst>
-  </p:timing>
 </p:sld>
 </file>
 
@@ -14229,7 +15791,7 @@
             <a:p>
               <a:pPr algn="ctr"/>
               <a:r>
-                <a:rPr lang="en-US" dirty="0" err="1" smtClean="0">
+                <a:rPr lang="en-US" dirty="0" err="1">
                   <a:solidFill>
                     <a:sysClr val="windowText" lastClr="000000"/>
                   </a:solidFill>
@@ -14295,18 +15857,13 @@
             <a:p>
               <a:pPr algn="ctr"/>
               <a:r>
-                <a:rPr lang="en-US" dirty="0" smtClean="0">
+                <a:rPr lang="en-US" dirty="0">
                   <a:solidFill>
                     <a:sysClr val="windowText" lastClr="000000"/>
                   </a:solidFill>
                 </a:rPr>
                 <a:t>Host Agent</a:t>
               </a:r>
-              <a:endParaRPr lang="en-US" dirty="0">
-                <a:solidFill>
-                  <a:sysClr val="windowText" lastClr="000000"/>
-                </a:solidFill>
-              </a:endParaRPr>
             </a:p>
           </p:txBody>
         </p:sp>
@@ -14392,7 +15949,7 @@
             <a:p>
               <a:pPr algn="ctr"/>
               <a:r>
-                <a:rPr kumimoji="1" lang="en-US" altLang="zh-CN" dirty="0" smtClean="0">
+                <a:rPr kumimoji="1" lang="en-US" altLang="zh-CN" dirty="0">
                   <a:solidFill>
                     <a:schemeClr val="tx1"/>
                   </a:solidFill>
@@ -14453,18 +16010,13 @@
             <a:p>
               <a:pPr algn="ctr"/>
               <a:r>
-                <a:rPr lang="en-US" i="1" dirty="0" smtClean="0">
+                <a:rPr lang="en-US" i="1" dirty="0">
                   <a:solidFill>
                     <a:schemeClr val="tx1"/>
                   </a:solidFill>
                 </a:rPr>
                 <a:t>buffer1</a:t>
               </a:r>
-              <a:endParaRPr lang="en-US" i="1" dirty="0">
-                <a:solidFill>
-                  <a:schemeClr val="tx1"/>
-                </a:solidFill>
-              </a:endParaRPr>
             </a:p>
           </p:txBody>
         </p:sp>
@@ -14492,11 +16044,11 @@
             <a:p>
               <a:pPr algn="ctr"/>
               <a:r>
-                <a:rPr lang="en-US" dirty="0" smtClean="0"/>
+                <a:rPr lang="en-US" dirty="0"/>
                 <a:t>L-</a:t>
               </a:r>
               <a:r>
-                <a:rPr lang="en-US" dirty="0" err="1" smtClean="0"/>
+                <a:rPr lang="en-US" dirty="0" err="1"/>
                 <a:t>addr</a:t>
               </a:r>
               <a:endParaRPr lang="en-US" dirty="0"/>
@@ -14554,18 +16106,13 @@
             <a:p>
               <a:pPr algn="ctr"/>
               <a:r>
-                <a:rPr lang="en-US" dirty="0" smtClean="0">
+                <a:rPr lang="en-US" dirty="0">
                   <a:solidFill>
                     <a:sysClr val="windowText" lastClr="000000"/>
                   </a:solidFill>
                 </a:rPr>
                 <a:t>NIC</a:t>
               </a:r>
-              <a:endParaRPr lang="en-US" dirty="0">
-                <a:solidFill>
-                  <a:sysClr val="windowText" lastClr="000000"/>
-                </a:solidFill>
-              </a:endParaRPr>
             </a:p>
           </p:txBody>
         </p:sp>
@@ -14725,7 +16272,7 @@
             <a:p>
               <a:pPr algn="ctr"/>
               <a:r>
-                <a:rPr lang="en-US" dirty="0" err="1" smtClean="0">
+                <a:rPr lang="en-US" dirty="0" err="1">
                   <a:solidFill>
                     <a:sysClr val="windowText" lastClr="000000"/>
                   </a:solidFill>
@@ -14791,18 +16338,13 @@
             <a:p>
               <a:pPr algn="ctr"/>
               <a:r>
-                <a:rPr lang="en-US" dirty="0" smtClean="0">
+                <a:rPr lang="en-US" dirty="0">
                   <a:solidFill>
                     <a:sysClr val="windowText" lastClr="000000"/>
                   </a:solidFill>
                 </a:rPr>
                 <a:t>Host Agent</a:t>
               </a:r>
-              <a:endParaRPr lang="en-US" dirty="0">
-                <a:solidFill>
-                  <a:sysClr val="windowText" lastClr="000000"/>
-                </a:solidFill>
-              </a:endParaRPr>
             </a:p>
           </p:txBody>
         </p:sp>
@@ -14888,7 +16430,7 @@
             <a:p>
               <a:pPr algn="ctr"/>
               <a:r>
-                <a:rPr kumimoji="1" lang="en-US" altLang="zh-CN" dirty="0" smtClean="0">
+                <a:rPr kumimoji="1" lang="en-US" altLang="zh-CN" dirty="0">
                   <a:solidFill>
                     <a:schemeClr val="tx1"/>
                   </a:solidFill>
@@ -14949,18 +16491,13 @@
             <a:p>
               <a:pPr algn="ctr"/>
               <a:r>
-                <a:rPr lang="en-US" i="1" dirty="0" smtClean="0">
+                <a:rPr lang="en-US" i="1" dirty="0">
                   <a:solidFill>
                     <a:schemeClr val="tx1"/>
                   </a:solidFill>
                 </a:rPr>
                 <a:t>buffer2</a:t>
               </a:r>
-              <a:endParaRPr lang="en-US" i="1" dirty="0">
-                <a:solidFill>
-                  <a:schemeClr val="tx1"/>
-                </a:solidFill>
-              </a:endParaRPr>
             </a:p>
           </p:txBody>
         </p:sp>
@@ -14989,14 +16526,10 @@
               <a:pPr algn="ctr"/>
               <a:r>
                 <a:rPr lang="en-US" dirty="0"/>
-                <a:t>R</a:t>
+                <a:t>R-</a:t>
               </a:r>
               <a:r>
-                <a:rPr lang="en-US" dirty="0" smtClean="0"/>
-                <a:t>-</a:t>
-              </a:r>
-              <a:r>
-                <a:rPr lang="en-US" dirty="0" err="1" smtClean="0"/>
+                <a:rPr lang="en-US" dirty="0" err="1"/>
                 <a:t>addr</a:t>
               </a:r>
               <a:endParaRPr lang="en-US" dirty="0"/>
@@ -15054,18 +16587,13 @@
             <a:p>
               <a:pPr algn="ctr"/>
               <a:r>
-                <a:rPr lang="en-US" dirty="0" smtClean="0">
+                <a:rPr lang="en-US" dirty="0">
                   <a:solidFill>
                     <a:sysClr val="windowText" lastClr="000000"/>
                   </a:solidFill>
                 </a:rPr>
                 <a:t>                        NIC</a:t>
               </a:r>
-              <a:endParaRPr lang="en-US" dirty="0">
-                <a:solidFill>
-                  <a:sysClr val="windowText" lastClr="000000"/>
-                </a:solidFill>
-              </a:endParaRPr>
             </a:p>
           </p:txBody>
         </p:sp>
@@ -15249,20 +16777,12 @@
               </a:lnSpc>
             </a:pPr>
             <a:r>
-              <a:rPr lang="en-US" dirty="0" smtClean="0">
+              <a:rPr lang="en-US" dirty="0">
                 <a:solidFill>
                   <a:srgbClr val="FF0000"/>
                 </a:solidFill>
               </a:rPr>
-              <a:t>S</a:t>
-            </a:r>
-            <a:r>
-              <a:rPr lang="en-US" dirty="0" smtClean="0">
-                <a:solidFill>
-                  <a:srgbClr val="FF0000"/>
-                </a:solidFill>
-              </a:rPr>
-              <a:t>tep1: register </a:t>
+              <a:t>Step1: register </a:t>
             </a:r>
           </a:p>
           <a:p>
@@ -15272,7 +16792,7 @@
               </a:lnSpc>
             </a:pPr>
             <a:r>
-              <a:rPr lang="en-US" dirty="0" err="1" smtClean="0">
+              <a:rPr lang="en-US" dirty="0" err="1">
                 <a:solidFill>
                   <a:srgbClr val="FF0000"/>
                 </a:solidFill>
@@ -15280,7 +16800,7 @@
               <a:t>addr</a:t>
             </a:r>
             <a:r>
-              <a:rPr lang="en-US" dirty="0" smtClean="0">
+              <a:rPr lang="en-US" dirty="0">
                 <a:solidFill>
                   <a:srgbClr val="FF0000"/>
                 </a:solidFill>
@@ -15314,26 +16834,18 @@
           <a:p>
             <a:pPr algn="ctr"/>
             <a:r>
-              <a:rPr lang="en-US" dirty="0" smtClean="0">
+              <a:rPr lang="en-US" dirty="0">
                 <a:solidFill>
                   <a:srgbClr val="FF0000"/>
                 </a:solidFill>
               </a:rPr>
-              <a:t>S</a:t>
-            </a:r>
-            <a:r>
-              <a:rPr lang="en-US" dirty="0" smtClean="0">
-                <a:solidFill>
-                  <a:srgbClr val="FF0000"/>
-                </a:solidFill>
-              </a:rPr>
-              <a:t>tep2:</a:t>
+              <a:t>Step2:</a:t>
             </a:r>
           </a:p>
           <a:p>
             <a:pPr algn="ctr"/>
             <a:r>
-              <a:rPr lang="en-US" dirty="0" smtClean="0">
+              <a:rPr lang="en-US" dirty="0">
                 <a:solidFill>
                   <a:srgbClr val="FF0000"/>
                 </a:solidFill>
@@ -15341,7 +16853,7 @@
               <a:t>R-</a:t>
             </a:r>
             <a:r>
-              <a:rPr lang="en-US" dirty="0" err="1" smtClean="0">
+              <a:rPr lang="en-US" dirty="0" err="1">
                 <a:solidFill>
                   <a:srgbClr val="FF0000"/>
                 </a:solidFill>
@@ -15380,26 +16892,13 @@
           <a:p>
             <a:pPr algn="ctr"/>
             <a:r>
-              <a:rPr lang="en-US" dirty="0" smtClean="0">
+              <a:rPr lang="en-US" dirty="0">
                 <a:solidFill>
                   <a:srgbClr val="FF0000"/>
                 </a:solidFill>
               </a:rPr>
-              <a:t>S</a:t>
-            </a:r>
-            <a:r>
-              <a:rPr lang="en-US" dirty="0" smtClean="0">
-                <a:solidFill>
-                  <a:srgbClr val="FF0000"/>
-                </a:solidFill>
-              </a:rPr>
-              <a:t>tep3: Direct copy buffer1 to buffer2</a:t>
-            </a:r>
-            <a:endParaRPr lang="en-US" dirty="0">
-              <a:solidFill>
-                <a:srgbClr val="FF0000"/>
-              </a:solidFill>
-            </a:endParaRPr>
+              <a:t>Step3: Direct copy buffer1 to buffer2</a:t>
+            </a:r>
           </a:p>
         </p:txBody>
       </p:sp>
@@ -15431,10 +16930,9 @@
               </a:lnSpc>
             </a:pPr>
             <a:r>
-              <a:rPr lang="en-US" dirty="0" smtClean="0"/>
+              <a:rPr lang="en-US" dirty="0"/>
               <a:t>Container: Sender</a:t>
             </a:r>
-            <a:endParaRPr lang="en-US" dirty="0" smtClean="0"/>
           </a:p>
         </p:txBody>
       </p:sp>
@@ -15466,10 +16964,9 @@
               </a:lnSpc>
             </a:pPr>
             <a:r>
-              <a:rPr lang="en-US" dirty="0" smtClean="0"/>
+              <a:rPr lang="en-US" dirty="0"/>
               <a:t>Container: Receiver</a:t>
             </a:r>
-            <a:endParaRPr lang="en-US" dirty="0" smtClean="0"/>
           </a:p>
         </p:txBody>
       </p:sp>
@@ -15483,14 +16980,6 @@
   <p:clrMapOvr>
     <a:masterClrMapping/>
   </p:clrMapOvr>
-  <mc:AlternateContent xmlns:mc="http://schemas.openxmlformats.org/markup-compatibility/2006">
-    <mc:Choice xmlns:p14="http://schemas.microsoft.com/office/powerpoint/2010/main" Requires="p14">
-      <p:transition spd="slow" p14:dur="2000"/>
-    </mc:Choice>
-    <mc:Fallback>
-      <p:transition xmlns:p14="http://schemas.microsoft.com/office/powerpoint/2010/main" spd="slow"/>
-    </mc:Fallback>
-  </mc:AlternateContent>
 </p:sld>
 </file>
 
@@ -15615,7 +17104,7 @@
           <a:p>
             <a:pPr algn="ctr"/>
             <a:r>
-              <a:rPr lang="en-US" dirty="0" err="1" smtClean="0">
+              <a:rPr lang="en-US" dirty="0" err="1">
                 <a:solidFill>
                   <a:sysClr val="windowText" lastClr="000000"/>
                 </a:solidFill>
@@ -15680,7 +17169,7 @@
           <a:lstStyle/>
           <a:p>
             <a:pPr algn="ctr"/>
-            <a:endParaRPr lang="en-US" dirty="0" smtClean="0">
+            <a:endParaRPr lang="en-US" dirty="0">
               <a:solidFill>
                 <a:sysClr val="windowText" lastClr="000000"/>
               </a:solidFill>
@@ -15689,18 +17178,13 @@
           <a:p>
             <a:pPr algn="ctr"/>
             <a:r>
-              <a:rPr lang="en-US" dirty="0" smtClean="0">
+              <a:rPr lang="en-US" dirty="0">
                 <a:solidFill>
                   <a:sysClr val="windowText" lastClr="000000"/>
                 </a:solidFill>
               </a:rPr>
               <a:t>                                                                                        Host Agent</a:t>
             </a:r>
-            <a:endParaRPr lang="en-US" dirty="0">
-              <a:solidFill>
-                <a:sysClr val="windowText" lastClr="000000"/>
-              </a:solidFill>
-            </a:endParaRPr>
           </a:p>
         </p:txBody>
       </p:sp>
@@ -15786,7 +17270,7 @@
           <a:p>
             <a:pPr algn="ctr"/>
             <a:r>
-              <a:rPr kumimoji="1" lang="en-US" altLang="zh-CN" dirty="0" smtClean="0">
+              <a:rPr kumimoji="1" lang="en-US" altLang="zh-CN" dirty="0">
                 <a:solidFill>
                   <a:schemeClr val="tx1"/>
                 </a:solidFill>
@@ -15849,26 +17333,13 @@
           <a:p>
             <a:pPr algn="ctr"/>
             <a:r>
-              <a:rPr lang="en-US" i="1" dirty="0" smtClean="0">
+              <a:rPr lang="en-US" i="1" dirty="0">
                 <a:solidFill>
                   <a:schemeClr val="tx1"/>
                 </a:solidFill>
               </a:rPr>
-              <a:t>s</a:t>
-            </a:r>
-            <a:r>
-              <a:rPr lang="en-US" i="1" dirty="0" smtClean="0">
-                <a:solidFill>
-                  <a:schemeClr val="tx1"/>
-                </a:solidFill>
-              </a:rPr>
-              <a:t>hared memory object</a:t>
-            </a:r>
-            <a:endParaRPr lang="en-US" i="1" dirty="0">
-              <a:solidFill>
-                <a:schemeClr val="tx1"/>
-              </a:solidFill>
-            </a:endParaRPr>
+              <a:t>shared memory object</a:t>
+            </a:r>
           </a:p>
         </p:txBody>
       </p:sp>
@@ -15923,18 +17394,13 @@
           <a:p>
             <a:pPr algn="ctr"/>
             <a:r>
-              <a:rPr lang="en-US" dirty="0" smtClean="0">
+              <a:rPr lang="en-US" dirty="0">
                 <a:solidFill>
                   <a:sysClr val="windowText" lastClr="000000"/>
                 </a:solidFill>
               </a:rPr>
               <a:t>NIC</a:t>
             </a:r>
-            <a:endParaRPr lang="en-US" dirty="0">
-              <a:solidFill>
-                <a:sysClr val="windowText" lastClr="000000"/>
-              </a:solidFill>
-            </a:endParaRPr>
           </a:p>
         </p:txBody>
       </p:sp>
@@ -16079,7 +17545,7 @@
           <a:p>
             <a:pPr algn="ctr"/>
             <a:r>
-              <a:rPr lang="en-US" dirty="0" err="1" smtClean="0">
+              <a:rPr lang="en-US" dirty="0" err="1">
                 <a:solidFill>
                   <a:sysClr val="windowText" lastClr="000000"/>
                 </a:solidFill>
@@ -16176,7 +17642,7 @@
           <a:p>
             <a:pPr algn="ctr"/>
             <a:r>
-              <a:rPr kumimoji="1" lang="en-US" altLang="zh-CN" dirty="0" smtClean="0">
+              <a:rPr kumimoji="1" lang="en-US" altLang="zh-CN" dirty="0">
                 <a:solidFill>
                   <a:schemeClr val="tx1"/>
                 </a:solidFill>
@@ -16242,18 +17708,13 @@
           <a:p>
             <a:pPr algn="ctr"/>
             <a:r>
-              <a:rPr lang="en-US" dirty="0" smtClean="0">
+              <a:rPr lang="en-US" dirty="0">
                 <a:solidFill>
                   <a:sysClr val="windowText" lastClr="000000"/>
                 </a:solidFill>
               </a:rPr>
               <a:t>NIC</a:t>
             </a:r>
-            <a:endParaRPr lang="en-US" dirty="0">
-              <a:solidFill>
-                <a:sysClr val="windowText" lastClr="000000"/>
-              </a:solidFill>
-            </a:endParaRPr>
           </a:p>
         </p:txBody>
       </p:sp>
@@ -16322,10 +17783,9 @@
               </a:lnSpc>
             </a:pPr>
             <a:r>
-              <a:rPr lang="en-US" dirty="0" smtClean="0"/>
+              <a:rPr lang="en-US" dirty="0"/>
               <a:t>Container: Sender</a:t>
             </a:r>
-            <a:endParaRPr lang="en-US" dirty="0" smtClean="0"/>
           </a:p>
         </p:txBody>
       </p:sp>
@@ -16357,10 +17817,9 @@
               </a:lnSpc>
             </a:pPr>
             <a:r>
-              <a:rPr lang="en-US" dirty="0" smtClean="0"/>
+              <a:rPr lang="en-US" dirty="0"/>
               <a:t>Container: Receiver</a:t>
             </a:r>
-            <a:endParaRPr lang="en-US" dirty="0" smtClean="0"/>
           </a:p>
         </p:txBody>
       </p:sp>
@@ -16468,20 +17927,12 @@
               </a:lnSpc>
             </a:pPr>
             <a:r>
-              <a:rPr lang="en-US" dirty="0" smtClean="0">
+              <a:rPr lang="en-US" dirty="0">
                 <a:solidFill>
                   <a:srgbClr val="FF0000"/>
                 </a:solidFill>
               </a:rPr>
-              <a:t>S</a:t>
-            </a:r>
-            <a:r>
-              <a:rPr lang="en-US" dirty="0" smtClean="0">
-                <a:solidFill>
-                  <a:srgbClr val="FF0000"/>
-                </a:solidFill>
-              </a:rPr>
-              <a:t>tep 2: </a:t>
+              <a:t>Step 2: </a:t>
             </a:r>
           </a:p>
           <a:p>
@@ -16491,7 +17942,7 @@
               </a:lnSpc>
             </a:pPr>
             <a:r>
-              <a:rPr lang="en-US" dirty="0" err="1" smtClean="0">
+              <a:rPr lang="en-US" dirty="0" err="1">
                 <a:solidFill>
                   <a:srgbClr val="FF0000"/>
                 </a:solidFill>
@@ -16499,7 +17950,7 @@
               <a:t>shm</a:t>
             </a:r>
             <a:r>
-              <a:rPr lang="en-US" dirty="0" smtClean="0">
+              <a:rPr lang="en-US" dirty="0">
                 <a:solidFill>
                   <a:srgbClr val="FF0000"/>
                 </a:solidFill>
@@ -16507,7 +17958,7 @@
               <a:t> </a:t>
             </a:r>
             <a:r>
-              <a:rPr lang="en-US" dirty="0" err="1" smtClean="0">
+              <a:rPr lang="en-US" dirty="0" err="1">
                 <a:solidFill>
                   <a:srgbClr val="FF0000"/>
                 </a:solidFill>
@@ -16588,36 +18039,12 @@
               </a:lnSpc>
             </a:pPr>
             <a:r>
-              <a:rPr lang="en-US" dirty="0" smtClean="0">
+              <a:rPr lang="en-US" dirty="0">
                 <a:solidFill>
                   <a:srgbClr val="FF0000"/>
                 </a:solidFill>
               </a:rPr>
-              <a:t>S</a:t>
-            </a:r>
-            <a:r>
-              <a:rPr lang="en-US" dirty="0" smtClean="0">
-                <a:solidFill>
-                  <a:srgbClr val="FF0000"/>
-                </a:solidFill>
-              </a:rPr>
-              <a:t>tep3: </a:t>
-            </a:r>
-            <a:r>
-              <a:rPr lang="en-US" dirty="0" smtClean="0">
-                <a:solidFill>
-                  <a:srgbClr val="FF0000"/>
-                </a:solidFill>
-              </a:rPr>
-              <a:t>w</a:t>
-            </a:r>
-            <a:r>
-              <a:rPr lang="en-US" dirty="0" smtClean="0">
-                <a:solidFill>
-                  <a:srgbClr val="FF0000"/>
-                </a:solidFill>
-              </a:rPr>
-              <a:t>rite </a:t>
+              <a:t>Step3: write </a:t>
             </a:r>
           </a:p>
           <a:p>
@@ -16627,7 +18054,7 @@
               </a:lnSpc>
             </a:pPr>
             <a:r>
-              <a:rPr lang="en-US" dirty="0" smtClean="0">
+              <a:rPr lang="en-US" dirty="0">
                 <a:solidFill>
                   <a:srgbClr val="FF0000"/>
                 </a:solidFill>
@@ -16635,7 +18062,7 @@
               <a:t>to </a:t>
             </a:r>
             <a:r>
-              <a:rPr lang="en-US" dirty="0" err="1" smtClean="0">
+              <a:rPr lang="en-US" dirty="0" err="1">
                 <a:solidFill>
                   <a:srgbClr val="FF0000"/>
                 </a:solidFill>
@@ -16643,7 +18070,7 @@
               <a:t>shm</a:t>
             </a:r>
             <a:r>
-              <a:rPr lang="en-US" dirty="0" smtClean="0">
+              <a:rPr lang="en-US" dirty="0">
                 <a:solidFill>
                   <a:srgbClr val="FF0000"/>
                 </a:solidFill>
@@ -16651,7 +18078,7 @@
               <a:t> </a:t>
             </a:r>
             <a:r>
-              <a:rPr lang="en-US" dirty="0" err="1" smtClean="0">
+              <a:rPr lang="en-US" dirty="0" err="1">
                 <a:solidFill>
                   <a:srgbClr val="FF0000"/>
                 </a:solidFill>
@@ -16659,18 +18086,13 @@
               <a:t>obj</a:t>
             </a:r>
             <a:r>
-              <a:rPr lang="en-US" dirty="0" smtClean="0">
+              <a:rPr lang="en-US" dirty="0">
                 <a:solidFill>
                   <a:srgbClr val="FF0000"/>
                 </a:solidFill>
               </a:rPr>
               <a:t> </a:t>
             </a:r>
-            <a:endParaRPr lang="en-US" dirty="0">
-              <a:solidFill>
-                <a:srgbClr val="FF0000"/>
-              </a:solidFill>
-            </a:endParaRPr>
           </a:p>
         </p:txBody>
       </p:sp>
@@ -16702,20 +18124,12 @@
               </a:lnSpc>
             </a:pPr>
             <a:r>
-              <a:rPr lang="en-US" dirty="0" smtClean="0">
+              <a:rPr lang="en-US" dirty="0">
                 <a:solidFill>
                   <a:srgbClr val="FF0000"/>
                 </a:solidFill>
               </a:rPr>
-              <a:t>S</a:t>
-            </a:r>
-            <a:r>
-              <a:rPr lang="en-US" dirty="0" smtClean="0">
-                <a:solidFill>
-                  <a:srgbClr val="FF0000"/>
-                </a:solidFill>
-              </a:rPr>
-              <a:t>tep1: </a:t>
+              <a:t>Step1: </a:t>
             </a:r>
           </a:p>
           <a:p>
@@ -16725,30 +18139,22 @@
               </a:lnSpc>
             </a:pPr>
             <a:r>
-              <a:rPr lang="en-US" dirty="0" smtClean="0">
+              <a:rPr lang="en-US" dirty="0">
                 <a:solidFill>
                   <a:srgbClr val="FF0000"/>
                 </a:solidFill>
               </a:rPr>
-              <a:t>c</a:t>
-            </a:r>
-            <a:r>
-              <a:rPr lang="en-US" dirty="0" smtClean="0">
-                <a:solidFill>
-                  <a:srgbClr val="FF0000"/>
-                </a:solidFill>
-              </a:rPr>
-              <a:t>reate </a:t>
-            </a:r>
-            <a:r>
-              <a:rPr lang="en-US" dirty="0" err="1" smtClean="0">
+              <a:t>create </a:t>
+            </a:r>
+            <a:r>
+              <a:rPr lang="en-US" dirty="0" err="1">
                 <a:solidFill>
                   <a:srgbClr val="FF0000"/>
                 </a:solidFill>
               </a:rPr>
               <a:t>shm</a:t>
             </a:r>
-            <a:endParaRPr lang="en-US" dirty="0" smtClean="0">
+            <a:endParaRPr lang="en-US" dirty="0">
               <a:solidFill>
                 <a:srgbClr val="FF0000"/>
               </a:solidFill>
@@ -16766,14 +18172,6 @@
   <p:clrMapOvr>
     <a:masterClrMapping/>
   </p:clrMapOvr>
-  <mc:AlternateContent xmlns:mc="http://schemas.openxmlformats.org/markup-compatibility/2006">
-    <mc:Choice xmlns:p14="http://schemas.microsoft.com/office/powerpoint/2010/main" Requires="p14">
-      <p:transition spd="slow" p14:dur="2000"/>
-    </mc:Choice>
-    <mc:Fallback>
-      <p:transition xmlns:p14="http://schemas.microsoft.com/office/powerpoint/2010/main" spd="slow"/>
-    </mc:Fallback>
-  </mc:AlternateContent>
 </p:sld>
 </file>
 
@@ -18864,7 +20262,7 @@
   <a:extraClrSchemeLst/>
   <a:extLst>
     <a:ext uri="{05A4C25C-085E-4340-85A3-A5531E510DB2}">
-      <thm15:themeFamily xmlns:thm15="http://schemas.microsoft.com/office/thememl/2012/main" xmlns="" name="Office Theme" id="{62F939B6-93AF-4DB8-9C6B-D6C7DFDC589F}" vid="{4A3C46E8-61CC-4603-A589-7422A47A8E4A}"/>
+      <thm15:themeFamily xmlns:thm15="http://schemas.microsoft.com/office/thememl/2012/main" name="Office Theme" id="{62F939B6-93AF-4DB8-9C6B-D6C7DFDC589F}" vid="{4A3C46E8-61CC-4603-A589-7422A47A8E4A}"/>
     </a:ext>
   </a:extLst>
 </a:theme>

--- a/figures/figures.pptx
+++ b/figures/figures.pptx
@@ -14,12 +14,13 @@
     <p:sldId id="262" r:id="rId8"/>
     <p:sldId id="264" r:id="rId9"/>
     <p:sldId id="256" r:id="rId10"/>
-    <p:sldId id="259" r:id="rId11"/>
-    <p:sldId id="261" r:id="rId12"/>
-    <p:sldId id="260" r:id="rId13"/>
-    <p:sldId id="257" r:id="rId14"/>
-    <p:sldId id="258" r:id="rId15"/>
-    <p:sldId id="272" r:id="rId16"/>
+    <p:sldId id="273" r:id="rId11"/>
+    <p:sldId id="259" r:id="rId12"/>
+    <p:sldId id="261" r:id="rId13"/>
+    <p:sldId id="260" r:id="rId14"/>
+    <p:sldId id="257" r:id="rId15"/>
+    <p:sldId id="258" r:id="rId16"/>
+    <p:sldId id="272" r:id="rId17"/>
   </p:sldIdLst>
   <p:sldSz cx="9144000" cy="6858000" type="screen4x3"/>
   <p:notesSz cx="6858000" cy="9144000"/>
@@ -268,7 +269,7 @@
           <a:p>
             <a:fld id="{621EDD06-D935-4757-8E3B-CF3AF6A4D88B}" type="datetimeFigureOut">
               <a:rPr lang="en-US" smtClean="0"/>
-              <a:t>7/16/2016</a:t>
+              <a:t>7/18/2016</a:t>
             </a:fld>
             <a:endParaRPr lang="en-US"/>
           </a:p>
@@ -438,7 +439,7 @@
           <a:p>
             <a:fld id="{621EDD06-D935-4757-8E3B-CF3AF6A4D88B}" type="datetimeFigureOut">
               <a:rPr lang="en-US" smtClean="0"/>
-              <a:t>7/16/2016</a:t>
+              <a:t>7/18/2016</a:t>
             </a:fld>
             <a:endParaRPr lang="en-US"/>
           </a:p>
@@ -618,7 +619,7 @@
           <a:p>
             <a:fld id="{621EDD06-D935-4757-8E3B-CF3AF6A4D88B}" type="datetimeFigureOut">
               <a:rPr lang="en-US" smtClean="0"/>
-              <a:t>7/16/2016</a:t>
+              <a:t>7/18/2016</a:t>
             </a:fld>
             <a:endParaRPr lang="en-US"/>
           </a:p>
@@ -788,7 +789,7 @@
           <a:p>
             <a:fld id="{621EDD06-D935-4757-8E3B-CF3AF6A4D88B}" type="datetimeFigureOut">
               <a:rPr lang="en-US" smtClean="0"/>
-              <a:t>7/16/2016</a:t>
+              <a:t>7/18/2016</a:t>
             </a:fld>
             <a:endParaRPr lang="en-US"/>
           </a:p>
@@ -1032,7 +1033,7 @@
           <a:p>
             <a:fld id="{621EDD06-D935-4757-8E3B-CF3AF6A4D88B}" type="datetimeFigureOut">
               <a:rPr lang="en-US" smtClean="0"/>
-              <a:t>7/16/2016</a:t>
+              <a:t>7/18/2016</a:t>
             </a:fld>
             <a:endParaRPr lang="en-US"/>
           </a:p>
@@ -1264,7 +1265,7 @@
           <a:p>
             <a:fld id="{621EDD06-D935-4757-8E3B-CF3AF6A4D88B}" type="datetimeFigureOut">
               <a:rPr lang="en-US" smtClean="0"/>
-              <a:t>7/16/2016</a:t>
+              <a:t>7/18/2016</a:t>
             </a:fld>
             <a:endParaRPr lang="en-US"/>
           </a:p>
@@ -1631,7 +1632,7 @@
           <a:p>
             <a:fld id="{621EDD06-D935-4757-8E3B-CF3AF6A4D88B}" type="datetimeFigureOut">
               <a:rPr lang="en-US" smtClean="0"/>
-              <a:t>7/16/2016</a:t>
+              <a:t>7/18/2016</a:t>
             </a:fld>
             <a:endParaRPr lang="en-US"/>
           </a:p>
@@ -1749,7 +1750,7 @@
           <a:p>
             <a:fld id="{621EDD06-D935-4757-8E3B-CF3AF6A4D88B}" type="datetimeFigureOut">
               <a:rPr lang="en-US" smtClean="0"/>
-              <a:t>7/16/2016</a:t>
+              <a:t>7/18/2016</a:t>
             </a:fld>
             <a:endParaRPr lang="en-US"/>
           </a:p>
@@ -1844,7 +1845,7 @@
           <a:p>
             <a:fld id="{621EDD06-D935-4757-8E3B-CF3AF6A4D88B}" type="datetimeFigureOut">
               <a:rPr lang="en-US" smtClean="0"/>
-              <a:t>7/16/2016</a:t>
+              <a:t>7/18/2016</a:t>
             </a:fld>
             <a:endParaRPr lang="en-US"/>
           </a:p>
@@ -2121,7 +2122,7 @@
           <a:p>
             <a:fld id="{621EDD06-D935-4757-8E3B-CF3AF6A4D88B}" type="datetimeFigureOut">
               <a:rPr lang="en-US" smtClean="0"/>
-              <a:t>7/16/2016</a:t>
+              <a:t>7/18/2016</a:t>
             </a:fld>
             <a:endParaRPr lang="en-US"/>
           </a:p>
@@ -2378,7 +2379,7 @@
           <a:p>
             <a:fld id="{621EDD06-D935-4757-8E3B-CF3AF6A4D88B}" type="datetimeFigureOut">
               <a:rPr lang="en-US" smtClean="0"/>
-              <a:t>7/16/2016</a:t>
+              <a:t>7/18/2016</a:t>
             </a:fld>
             <a:endParaRPr lang="en-US"/>
           </a:p>
@@ -2591,7 +2592,7 @@
           <a:p>
             <a:fld id="{621EDD06-D935-4757-8E3B-CF3AF6A4D88B}" type="datetimeFigureOut">
               <a:rPr lang="en-US" smtClean="0"/>
-              <a:t>7/16/2016</a:t>
+              <a:t>7/18/2016</a:t>
             </a:fld>
             <a:endParaRPr lang="en-US"/>
           </a:p>
@@ -3162,6 +3163,1767 @@
         </p:nvSpPr>
         <p:spPr>
           <a:xfrm>
+            <a:off x="688550" y="691573"/>
+            <a:ext cx="4415233" cy="3119162"/>
+          </a:xfrm>
+          <a:prstGeom prst="rect">
+            <a:avLst/>
+          </a:prstGeom>
+          <a:noFill/>
+          <a:ln w="19050">
+            <a:solidFill>
+              <a:schemeClr val="bg1">
+                <a:lumMod val="50000"/>
+              </a:schemeClr>
+            </a:solidFill>
+            <a:prstDash val="dash"/>
+          </a:ln>
+        </p:spPr>
+        <p:style>
+          <a:lnRef idx="2">
+            <a:schemeClr val="accent1">
+              <a:shade val="50000"/>
+            </a:schemeClr>
+          </a:lnRef>
+          <a:fillRef idx="1">
+            <a:schemeClr val="accent1"/>
+          </a:fillRef>
+          <a:effectRef idx="0">
+            <a:schemeClr val="accent1"/>
+          </a:effectRef>
+          <a:fontRef idx="minor">
+            <a:schemeClr val="lt1"/>
+          </a:fontRef>
+        </p:style>
+        <p:txBody>
+          <a:bodyPr rtlCol="0" anchor="ctr"/>
+          <a:lstStyle/>
+          <a:p>
+            <a:pPr algn="ctr"/>
+            <a:endParaRPr lang="en-US"/>
+          </a:p>
+        </p:txBody>
+      </p:sp>
+      <p:cxnSp>
+        <p:nvCxnSpPr>
+          <p:cNvPr id="18" name="Straight Connector 17"/>
+          <p:cNvCxnSpPr>
+            <a:stCxn id="10" idx="2"/>
+            <a:endCxn id="6" idx="0"/>
+          </p:cNvCxnSpPr>
+          <p:nvPr/>
+        </p:nvCxnSpPr>
+        <p:spPr>
+          <a:xfrm>
+            <a:off x="1483309" y="1920110"/>
+            <a:ext cx="1157750" cy="1334985"/>
+          </a:xfrm>
+          <a:prstGeom prst="line">
+            <a:avLst/>
+          </a:prstGeom>
+          <a:ln w="19050">
+            <a:solidFill>
+              <a:schemeClr val="tx1"/>
+            </a:solidFill>
+          </a:ln>
+        </p:spPr>
+        <p:style>
+          <a:lnRef idx="1">
+            <a:schemeClr val="accent1"/>
+          </a:lnRef>
+          <a:fillRef idx="0">
+            <a:schemeClr val="accent1"/>
+          </a:fillRef>
+          <a:effectRef idx="0">
+            <a:schemeClr val="accent1"/>
+          </a:effectRef>
+          <a:fontRef idx="minor">
+            <a:schemeClr val="tx1"/>
+          </a:fontRef>
+        </p:style>
+      </p:cxnSp>
+      <p:grpSp>
+        <p:nvGrpSpPr>
+          <p:cNvPr id="12" name="Group 11"/>
+          <p:cNvGrpSpPr/>
+          <p:nvPr/>
+        </p:nvGrpSpPr>
+        <p:grpSpPr>
+          <a:xfrm>
+            <a:off x="812020" y="826493"/>
+            <a:ext cx="2512214" cy="1463879"/>
+            <a:chOff x="598008" y="826493"/>
+            <a:chExt cx="2512214" cy="1463879"/>
+          </a:xfrm>
+        </p:grpSpPr>
+        <p:sp>
+          <p:nvSpPr>
+            <p:cNvPr id="9" name="Rectangle 8"/>
+            <p:cNvSpPr/>
+            <p:nvPr/>
+          </p:nvSpPr>
+          <p:spPr>
+            <a:xfrm>
+              <a:off x="598008" y="826493"/>
+              <a:ext cx="1342578" cy="896256"/>
+            </a:xfrm>
+            <a:prstGeom prst="rect">
+              <a:avLst/>
+            </a:prstGeom>
+            <a:solidFill>
+              <a:schemeClr val="tx1">
+                <a:lumMod val="65000"/>
+                <a:lumOff val="35000"/>
+              </a:schemeClr>
+            </a:solidFill>
+            <a:ln w="19050">
+              <a:solidFill>
+                <a:schemeClr val="tx1">
+                  <a:lumMod val="75000"/>
+                  <a:lumOff val="25000"/>
+                </a:schemeClr>
+              </a:solidFill>
+            </a:ln>
+          </p:spPr>
+          <p:style>
+            <a:lnRef idx="2">
+              <a:schemeClr val="accent1">
+                <a:shade val="50000"/>
+              </a:schemeClr>
+            </a:lnRef>
+            <a:fillRef idx="1">
+              <a:schemeClr val="accent1"/>
+            </a:fillRef>
+            <a:effectRef idx="0">
+              <a:schemeClr val="accent1"/>
+            </a:effectRef>
+            <a:fontRef idx="minor">
+              <a:schemeClr val="lt1"/>
+            </a:fontRef>
+          </p:style>
+          <p:txBody>
+            <a:bodyPr rtlCol="0" anchor="ctr"/>
+            <a:lstStyle/>
+            <a:p>
+              <a:pPr algn="ctr"/>
+              <a:r>
+                <a:rPr lang="en-US" dirty="0">
+                  <a:solidFill>
+                    <a:schemeClr val="bg1"/>
+                  </a:solidFill>
+                </a:rPr>
+                <a:t>Container </a:t>
+              </a:r>
+              <a:r>
+                <a:rPr lang="en-US" i="1" dirty="0">
+                  <a:solidFill>
+                    <a:schemeClr val="bg1"/>
+                  </a:solidFill>
+                </a:rPr>
+                <a:t>1</a:t>
+              </a:r>
+            </a:p>
+          </p:txBody>
+        </p:sp>
+        <p:sp>
+          <p:nvSpPr>
+            <p:cNvPr id="10" name="Rectangle 9"/>
+            <p:cNvSpPr/>
+            <p:nvPr/>
+          </p:nvSpPr>
+          <p:spPr>
+            <a:xfrm>
+              <a:off x="1163050" y="1723542"/>
+              <a:ext cx="212493" cy="196568"/>
+            </a:xfrm>
+            <a:prstGeom prst="rect">
+              <a:avLst/>
+            </a:prstGeom>
+            <a:solidFill>
+              <a:srgbClr val="DDDDDD"/>
+            </a:solidFill>
+            <a:ln w="19050">
+              <a:solidFill>
+                <a:schemeClr val="tx1">
+                  <a:lumMod val="75000"/>
+                  <a:lumOff val="25000"/>
+                </a:schemeClr>
+              </a:solidFill>
+            </a:ln>
+          </p:spPr>
+          <p:style>
+            <a:lnRef idx="2">
+              <a:schemeClr val="accent1">
+                <a:shade val="50000"/>
+              </a:schemeClr>
+            </a:lnRef>
+            <a:fillRef idx="1">
+              <a:schemeClr val="accent1"/>
+            </a:fillRef>
+            <a:effectRef idx="0">
+              <a:schemeClr val="accent1"/>
+            </a:effectRef>
+            <a:fontRef idx="minor">
+              <a:schemeClr val="lt1"/>
+            </a:fontRef>
+          </p:style>
+          <p:txBody>
+            <a:bodyPr rtlCol="0" anchor="ctr"/>
+            <a:lstStyle/>
+            <a:p>
+              <a:pPr algn="ctr"/>
+              <a:endParaRPr lang="en-US" i="1" dirty="0">
+                <a:solidFill>
+                  <a:schemeClr val="bg1"/>
+                </a:solidFill>
+              </a:endParaRPr>
+            </a:p>
+          </p:txBody>
+        </p:sp>
+        <p:sp>
+          <p:nvSpPr>
+            <p:cNvPr id="11" name="TextBox 10"/>
+            <p:cNvSpPr txBox="1"/>
+            <p:nvPr/>
+          </p:nvSpPr>
+          <p:spPr>
+            <a:xfrm>
+              <a:off x="1482534" y="1736374"/>
+              <a:ext cx="1627688" cy="553998"/>
+            </a:xfrm>
+            <a:prstGeom prst="rect">
+              <a:avLst/>
+            </a:prstGeom>
+            <a:noFill/>
+          </p:spPr>
+          <p:txBody>
+            <a:bodyPr wrap="square" rtlCol="0">
+              <a:spAutoFit/>
+            </a:bodyPr>
+            <a:lstStyle/>
+            <a:p>
+              <a:r>
+                <a:rPr lang="en-US" sz="1500" dirty="0"/>
+                <a:t>veth0: </a:t>
+              </a:r>
+              <a:r>
+                <a:rPr lang="en-US" sz="1500" dirty="0" smtClean="0"/>
+                <a:t>192.168.100.1:80</a:t>
+              </a:r>
+              <a:endParaRPr lang="en-US" sz="1500" dirty="0"/>
+            </a:p>
+          </p:txBody>
+        </p:sp>
+      </p:grpSp>
+      <p:cxnSp>
+        <p:nvCxnSpPr>
+          <p:cNvPr id="24" name="Straight Connector 23"/>
+          <p:cNvCxnSpPr>
+            <a:stCxn id="15" idx="2"/>
+            <a:endCxn id="6" idx="0"/>
+          </p:cNvCxnSpPr>
+          <p:nvPr/>
+        </p:nvCxnSpPr>
+        <p:spPr>
+          <a:xfrm flipH="1">
+            <a:off x="2641059" y="1916868"/>
+            <a:ext cx="1056919" cy="1338227"/>
+          </a:xfrm>
+          <a:prstGeom prst="line">
+            <a:avLst/>
+          </a:prstGeom>
+          <a:ln w="19050">
+            <a:solidFill>
+              <a:schemeClr val="tx1"/>
+            </a:solidFill>
+          </a:ln>
+        </p:spPr>
+        <p:style>
+          <a:lnRef idx="1">
+            <a:schemeClr val="accent1"/>
+          </a:lnRef>
+          <a:fillRef idx="0">
+            <a:schemeClr val="accent1"/>
+          </a:fillRef>
+          <a:effectRef idx="0">
+            <a:schemeClr val="accent1"/>
+          </a:effectRef>
+          <a:fontRef idx="minor">
+            <a:schemeClr val="tx1"/>
+          </a:fontRef>
+        </p:style>
+      </p:cxnSp>
+      <p:grpSp>
+        <p:nvGrpSpPr>
+          <p:cNvPr id="13" name="Group 12"/>
+          <p:cNvGrpSpPr/>
+          <p:nvPr/>
+        </p:nvGrpSpPr>
+        <p:grpSpPr>
+          <a:xfrm>
+            <a:off x="3026689" y="823251"/>
+            <a:ext cx="2482623" cy="1436976"/>
+            <a:chOff x="598008" y="826493"/>
+            <a:chExt cx="2482623" cy="1436976"/>
+          </a:xfrm>
+        </p:grpSpPr>
+        <p:sp>
+          <p:nvSpPr>
+            <p:cNvPr id="14" name="Rectangle 13"/>
+            <p:cNvSpPr/>
+            <p:nvPr/>
+          </p:nvSpPr>
+          <p:spPr>
+            <a:xfrm>
+              <a:off x="598008" y="826493"/>
+              <a:ext cx="1342578" cy="896256"/>
+            </a:xfrm>
+            <a:prstGeom prst="rect">
+              <a:avLst/>
+            </a:prstGeom>
+            <a:solidFill>
+              <a:schemeClr val="tx1">
+                <a:lumMod val="65000"/>
+                <a:lumOff val="35000"/>
+              </a:schemeClr>
+            </a:solidFill>
+            <a:ln w="19050">
+              <a:solidFill>
+                <a:schemeClr val="tx1">
+                  <a:lumMod val="75000"/>
+                  <a:lumOff val="25000"/>
+                </a:schemeClr>
+              </a:solidFill>
+            </a:ln>
+          </p:spPr>
+          <p:style>
+            <a:lnRef idx="2">
+              <a:schemeClr val="accent1">
+                <a:shade val="50000"/>
+              </a:schemeClr>
+            </a:lnRef>
+            <a:fillRef idx="1">
+              <a:schemeClr val="accent1"/>
+            </a:fillRef>
+            <a:effectRef idx="0">
+              <a:schemeClr val="accent1"/>
+            </a:effectRef>
+            <a:fontRef idx="minor">
+              <a:schemeClr val="lt1"/>
+            </a:fontRef>
+          </p:style>
+          <p:txBody>
+            <a:bodyPr rtlCol="0" anchor="ctr"/>
+            <a:lstStyle/>
+            <a:p>
+              <a:pPr algn="ctr"/>
+              <a:r>
+                <a:rPr lang="en-US" dirty="0">
+                  <a:solidFill>
+                    <a:schemeClr val="bg1"/>
+                  </a:solidFill>
+                </a:rPr>
+                <a:t>Container </a:t>
+              </a:r>
+              <a:r>
+                <a:rPr lang="en-US" i="1" dirty="0">
+                  <a:solidFill>
+                    <a:schemeClr val="bg1"/>
+                  </a:solidFill>
+                </a:rPr>
+                <a:t>2</a:t>
+              </a:r>
+            </a:p>
+          </p:txBody>
+        </p:sp>
+        <p:sp>
+          <p:nvSpPr>
+            <p:cNvPr id="15" name="Rectangle 14"/>
+            <p:cNvSpPr/>
+            <p:nvPr/>
+          </p:nvSpPr>
+          <p:spPr>
+            <a:xfrm>
+              <a:off x="1163050" y="1723542"/>
+              <a:ext cx="212493" cy="196568"/>
+            </a:xfrm>
+            <a:prstGeom prst="rect">
+              <a:avLst/>
+            </a:prstGeom>
+            <a:solidFill>
+              <a:srgbClr val="DDDDDD"/>
+            </a:solidFill>
+            <a:ln w="19050">
+              <a:solidFill>
+                <a:schemeClr val="tx1">
+                  <a:lumMod val="75000"/>
+                  <a:lumOff val="25000"/>
+                </a:schemeClr>
+              </a:solidFill>
+            </a:ln>
+          </p:spPr>
+          <p:style>
+            <a:lnRef idx="2">
+              <a:schemeClr val="accent1">
+                <a:shade val="50000"/>
+              </a:schemeClr>
+            </a:lnRef>
+            <a:fillRef idx="1">
+              <a:schemeClr val="accent1"/>
+            </a:fillRef>
+            <a:effectRef idx="0">
+              <a:schemeClr val="accent1"/>
+            </a:effectRef>
+            <a:fontRef idx="minor">
+              <a:schemeClr val="lt1"/>
+            </a:fontRef>
+          </p:style>
+          <p:txBody>
+            <a:bodyPr rtlCol="0" anchor="ctr"/>
+            <a:lstStyle/>
+            <a:p>
+              <a:pPr algn="ctr"/>
+              <a:endParaRPr lang="en-US" i="1" dirty="0">
+                <a:solidFill>
+                  <a:schemeClr val="bg1"/>
+                </a:solidFill>
+              </a:endParaRPr>
+            </a:p>
+          </p:txBody>
+        </p:sp>
+        <p:sp>
+          <p:nvSpPr>
+            <p:cNvPr id="16" name="TextBox 15"/>
+            <p:cNvSpPr txBox="1"/>
+            <p:nvPr/>
+          </p:nvSpPr>
+          <p:spPr>
+            <a:xfrm>
+              <a:off x="1152747" y="1709471"/>
+              <a:ext cx="1927884" cy="553998"/>
+            </a:xfrm>
+            <a:prstGeom prst="rect">
+              <a:avLst/>
+            </a:prstGeom>
+            <a:noFill/>
+          </p:spPr>
+          <p:txBody>
+            <a:bodyPr wrap="square" rtlCol="0">
+              <a:spAutoFit/>
+            </a:bodyPr>
+            <a:lstStyle/>
+            <a:p>
+              <a:r>
+                <a:rPr lang="en-US" sz="1500" dirty="0"/>
+                <a:t>veth0</a:t>
+              </a:r>
+              <a:r>
+                <a:rPr lang="en-US" sz="1500" dirty="0" smtClean="0"/>
+                <a:t>:</a:t>
+              </a:r>
+            </a:p>
+            <a:p>
+              <a:r>
+                <a:rPr lang="en-US" sz="1500" dirty="0" smtClean="0"/>
+                <a:t>192.168.100.1:90</a:t>
+              </a:r>
+              <a:endParaRPr lang="en-US" sz="1500" dirty="0"/>
+            </a:p>
+          </p:txBody>
+        </p:sp>
+      </p:grpSp>
+      <p:cxnSp>
+        <p:nvCxnSpPr>
+          <p:cNvPr id="54" name="Elbow Connector 53"/>
+          <p:cNvCxnSpPr>
+            <a:stCxn id="6" idx="2"/>
+            <a:endCxn id="39" idx="2"/>
+          </p:cNvCxnSpPr>
+          <p:nvPr/>
+        </p:nvCxnSpPr>
+        <p:spPr>
+          <a:xfrm rot="16200000" flipH="1">
+            <a:off x="2502475" y="3831423"/>
+            <a:ext cx="641333" cy="364164"/>
+          </a:xfrm>
+          <a:prstGeom prst="bentConnector2">
+            <a:avLst/>
+          </a:prstGeom>
+          <a:ln w="19050">
+            <a:solidFill>
+              <a:schemeClr val="tx1"/>
+            </a:solidFill>
+          </a:ln>
+        </p:spPr>
+        <p:style>
+          <a:lnRef idx="1">
+            <a:schemeClr val="accent1"/>
+          </a:lnRef>
+          <a:fillRef idx="0">
+            <a:schemeClr val="accent1"/>
+          </a:fillRef>
+          <a:effectRef idx="0">
+            <a:schemeClr val="accent1"/>
+          </a:effectRef>
+          <a:fontRef idx="minor">
+            <a:schemeClr val="tx1"/>
+          </a:fontRef>
+        </p:style>
+      </p:cxnSp>
+      <p:sp>
+        <p:nvSpPr>
+          <p:cNvPr id="56" name="TextBox 55"/>
+          <p:cNvSpPr txBox="1"/>
+          <p:nvPr/>
+        </p:nvSpPr>
+        <p:spPr>
+          <a:xfrm>
+            <a:off x="735812" y="216723"/>
+            <a:ext cx="1352145" cy="461665"/>
+          </a:xfrm>
+          <a:prstGeom prst="rect">
+            <a:avLst/>
+          </a:prstGeom>
+          <a:noFill/>
+        </p:spPr>
+        <p:txBody>
+          <a:bodyPr wrap="square" rtlCol="0">
+            <a:spAutoFit/>
+          </a:bodyPr>
+          <a:lstStyle/>
+          <a:p>
+            <a:r>
+              <a:rPr lang="en-US" sz="2400" dirty="0"/>
+              <a:t>Host </a:t>
+            </a:r>
+            <a:r>
+              <a:rPr lang="en-US" sz="2400" i="1" dirty="0"/>
+              <a:t>1</a:t>
+            </a:r>
+          </a:p>
+        </p:txBody>
+      </p:sp>
+      <p:sp>
+        <p:nvSpPr>
+          <p:cNvPr id="57" name="Rectangle 56"/>
+          <p:cNvSpPr/>
+          <p:nvPr/>
+        </p:nvSpPr>
+        <p:spPr>
+          <a:xfrm>
+            <a:off x="5279886" y="688116"/>
+            <a:ext cx="2146761" cy="3124284"/>
+          </a:xfrm>
+          <a:prstGeom prst="rect">
+            <a:avLst/>
+          </a:prstGeom>
+          <a:noFill/>
+          <a:ln w="19050">
+            <a:solidFill>
+              <a:schemeClr val="bg1">
+                <a:lumMod val="50000"/>
+              </a:schemeClr>
+            </a:solidFill>
+            <a:prstDash val="dash"/>
+          </a:ln>
+        </p:spPr>
+        <p:style>
+          <a:lnRef idx="2">
+            <a:schemeClr val="accent1">
+              <a:shade val="50000"/>
+            </a:schemeClr>
+          </a:lnRef>
+          <a:fillRef idx="1">
+            <a:schemeClr val="accent1"/>
+          </a:fillRef>
+          <a:effectRef idx="0">
+            <a:schemeClr val="accent1"/>
+          </a:effectRef>
+          <a:fontRef idx="minor">
+            <a:schemeClr val="lt1"/>
+          </a:fontRef>
+        </p:style>
+        <p:txBody>
+          <a:bodyPr rtlCol="0" anchor="ctr"/>
+          <a:lstStyle/>
+          <a:p>
+            <a:pPr algn="ctr"/>
+            <a:endParaRPr lang="en-US"/>
+          </a:p>
+        </p:txBody>
+      </p:sp>
+      <p:grpSp>
+        <p:nvGrpSpPr>
+          <p:cNvPr id="61" name="Group 60"/>
+          <p:cNvGrpSpPr/>
+          <p:nvPr/>
+        </p:nvGrpSpPr>
+        <p:grpSpPr>
+          <a:xfrm>
+            <a:off x="5395181" y="828421"/>
+            <a:ext cx="2388793" cy="1452051"/>
+            <a:chOff x="598008" y="826493"/>
+            <a:chExt cx="2388793" cy="1452051"/>
+          </a:xfrm>
+        </p:grpSpPr>
+        <p:sp>
+          <p:nvSpPr>
+            <p:cNvPr id="62" name="Rectangle 61"/>
+            <p:cNvSpPr/>
+            <p:nvPr/>
+          </p:nvSpPr>
+          <p:spPr>
+            <a:xfrm>
+              <a:off x="598008" y="826493"/>
+              <a:ext cx="1342578" cy="896256"/>
+            </a:xfrm>
+            <a:prstGeom prst="rect">
+              <a:avLst/>
+            </a:prstGeom>
+            <a:solidFill>
+              <a:schemeClr val="tx1">
+                <a:lumMod val="65000"/>
+                <a:lumOff val="35000"/>
+              </a:schemeClr>
+            </a:solidFill>
+            <a:ln w="19050">
+              <a:solidFill>
+                <a:schemeClr val="tx1">
+                  <a:lumMod val="75000"/>
+                  <a:lumOff val="25000"/>
+                </a:schemeClr>
+              </a:solidFill>
+            </a:ln>
+          </p:spPr>
+          <p:style>
+            <a:lnRef idx="2">
+              <a:schemeClr val="accent1">
+                <a:shade val="50000"/>
+              </a:schemeClr>
+            </a:lnRef>
+            <a:fillRef idx="1">
+              <a:schemeClr val="accent1"/>
+            </a:fillRef>
+            <a:effectRef idx="0">
+              <a:schemeClr val="accent1"/>
+            </a:effectRef>
+            <a:fontRef idx="minor">
+              <a:schemeClr val="lt1"/>
+            </a:fontRef>
+          </p:style>
+          <p:txBody>
+            <a:bodyPr rtlCol="0" anchor="ctr"/>
+            <a:lstStyle/>
+            <a:p>
+              <a:pPr algn="ctr"/>
+              <a:r>
+                <a:rPr lang="en-US" dirty="0">
+                  <a:solidFill>
+                    <a:schemeClr val="bg1"/>
+                  </a:solidFill>
+                </a:rPr>
+                <a:t>Container </a:t>
+              </a:r>
+              <a:r>
+                <a:rPr lang="en-US" i="1" dirty="0">
+                  <a:solidFill>
+                    <a:schemeClr val="bg1"/>
+                  </a:solidFill>
+                </a:rPr>
+                <a:t>3</a:t>
+              </a:r>
+            </a:p>
+          </p:txBody>
+        </p:sp>
+        <p:sp>
+          <p:nvSpPr>
+            <p:cNvPr id="63" name="Rectangle 62"/>
+            <p:cNvSpPr/>
+            <p:nvPr/>
+          </p:nvSpPr>
+          <p:spPr>
+            <a:xfrm>
+              <a:off x="1163050" y="1723542"/>
+              <a:ext cx="212493" cy="196568"/>
+            </a:xfrm>
+            <a:prstGeom prst="rect">
+              <a:avLst/>
+            </a:prstGeom>
+            <a:solidFill>
+              <a:srgbClr val="DDDDDD"/>
+            </a:solidFill>
+            <a:ln w="19050">
+              <a:solidFill>
+                <a:schemeClr val="tx1">
+                  <a:lumMod val="75000"/>
+                  <a:lumOff val="25000"/>
+                </a:schemeClr>
+              </a:solidFill>
+            </a:ln>
+          </p:spPr>
+          <p:style>
+            <a:lnRef idx="2">
+              <a:schemeClr val="accent1">
+                <a:shade val="50000"/>
+              </a:schemeClr>
+            </a:lnRef>
+            <a:fillRef idx="1">
+              <a:schemeClr val="accent1"/>
+            </a:fillRef>
+            <a:effectRef idx="0">
+              <a:schemeClr val="accent1"/>
+            </a:effectRef>
+            <a:fontRef idx="minor">
+              <a:schemeClr val="lt1"/>
+            </a:fontRef>
+          </p:style>
+          <p:txBody>
+            <a:bodyPr rtlCol="0" anchor="ctr"/>
+            <a:lstStyle/>
+            <a:p>
+              <a:pPr algn="ctr"/>
+              <a:endParaRPr lang="en-US" i="1" dirty="0">
+                <a:solidFill>
+                  <a:schemeClr val="bg1"/>
+                </a:solidFill>
+              </a:endParaRPr>
+            </a:p>
+          </p:txBody>
+        </p:sp>
+        <p:sp>
+          <p:nvSpPr>
+            <p:cNvPr id="64" name="TextBox 63"/>
+            <p:cNvSpPr txBox="1"/>
+            <p:nvPr/>
+          </p:nvSpPr>
+          <p:spPr>
+            <a:xfrm>
+              <a:off x="1342413" y="1724546"/>
+              <a:ext cx="1644388" cy="553998"/>
+            </a:xfrm>
+            <a:prstGeom prst="rect">
+              <a:avLst/>
+            </a:prstGeom>
+            <a:noFill/>
+          </p:spPr>
+          <p:txBody>
+            <a:bodyPr wrap="square" rtlCol="0">
+              <a:spAutoFit/>
+            </a:bodyPr>
+            <a:lstStyle/>
+            <a:p>
+              <a:r>
+                <a:rPr lang="en-US" sz="1500" dirty="0"/>
+                <a:t>veth0</a:t>
+              </a:r>
+              <a:r>
+                <a:rPr lang="en-US" sz="1500" dirty="0" smtClean="0"/>
+                <a:t>:</a:t>
+              </a:r>
+            </a:p>
+            <a:p>
+              <a:r>
+                <a:rPr lang="en-US" sz="1500" dirty="0" smtClean="0"/>
+                <a:t>192.168.200.1:80</a:t>
+              </a:r>
+              <a:endParaRPr lang="en-US" sz="1500" dirty="0"/>
+            </a:p>
+          </p:txBody>
+        </p:sp>
+      </p:grpSp>
+      <p:cxnSp>
+        <p:nvCxnSpPr>
+          <p:cNvPr id="70" name="Straight Connector 69"/>
+          <p:cNvCxnSpPr>
+            <a:stCxn id="63" idx="2"/>
+          </p:cNvCxnSpPr>
+          <p:nvPr/>
+        </p:nvCxnSpPr>
+        <p:spPr>
+          <a:xfrm>
+            <a:off x="6066470" y="1922038"/>
+            <a:ext cx="280" cy="1420284"/>
+          </a:xfrm>
+          <a:prstGeom prst="line">
+            <a:avLst/>
+          </a:prstGeom>
+          <a:ln w="19050">
+            <a:solidFill>
+              <a:schemeClr val="tx1"/>
+            </a:solidFill>
+          </a:ln>
+        </p:spPr>
+        <p:style>
+          <a:lnRef idx="1">
+            <a:schemeClr val="accent1"/>
+          </a:lnRef>
+          <a:fillRef idx="0">
+            <a:schemeClr val="accent1"/>
+          </a:fillRef>
+          <a:effectRef idx="0">
+            <a:schemeClr val="accent1"/>
+          </a:effectRef>
+          <a:fontRef idx="minor">
+            <a:schemeClr val="tx1"/>
+          </a:fontRef>
+        </p:style>
+      </p:cxnSp>
+      <p:sp>
+        <p:nvSpPr>
+          <p:cNvPr id="72" name="TextBox 71"/>
+          <p:cNvSpPr txBox="1"/>
+          <p:nvPr/>
+        </p:nvSpPr>
+        <p:spPr>
+          <a:xfrm>
+            <a:off x="5307893" y="238107"/>
+            <a:ext cx="1352145" cy="461665"/>
+          </a:xfrm>
+          <a:prstGeom prst="rect">
+            <a:avLst/>
+          </a:prstGeom>
+          <a:noFill/>
+        </p:spPr>
+        <p:txBody>
+          <a:bodyPr wrap="square" rtlCol="0">
+            <a:spAutoFit/>
+          </a:bodyPr>
+          <a:lstStyle/>
+          <a:p>
+            <a:r>
+              <a:rPr lang="en-US" sz="2400" dirty="0"/>
+              <a:t>Host </a:t>
+            </a:r>
+            <a:r>
+              <a:rPr lang="en-US" sz="2400" i="1" dirty="0"/>
+              <a:t>2</a:t>
+            </a:r>
+          </a:p>
+        </p:txBody>
+      </p:sp>
+      <p:cxnSp>
+        <p:nvCxnSpPr>
+          <p:cNvPr id="88" name="Elbow Connector 87"/>
+          <p:cNvCxnSpPr/>
+          <p:nvPr/>
+        </p:nvCxnSpPr>
+        <p:spPr>
+          <a:xfrm rot="5400000">
+            <a:off x="5261952" y="3571616"/>
+            <a:ext cx="1007262" cy="627115"/>
+          </a:xfrm>
+          <a:prstGeom prst="bentConnector2">
+            <a:avLst/>
+          </a:prstGeom>
+          <a:ln w="19050">
+            <a:solidFill>
+              <a:schemeClr val="tx1"/>
+            </a:solidFill>
+          </a:ln>
+        </p:spPr>
+        <p:style>
+          <a:lnRef idx="1">
+            <a:schemeClr val="accent1"/>
+          </a:lnRef>
+          <a:fillRef idx="0">
+            <a:schemeClr val="accent1"/>
+          </a:fillRef>
+          <a:effectRef idx="0">
+            <a:schemeClr val="accent1"/>
+          </a:effectRef>
+          <a:fontRef idx="minor">
+            <a:schemeClr val="tx1"/>
+          </a:fontRef>
+        </p:style>
+      </p:cxnSp>
+      <p:grpSp>
+        <p:nvGrpSpPr>
+          <p:cNvPr id="79" name="Group 78"/>
+          <p:cNvGrpSpPr/>
+          <p:nvPr/>
+        </p:nvGrpSpPr>
+        <p:grpSpPr>
+          <a:xfrm>
+            <a:off x="2993878" y="3891534"/>
+            <a:ext cx="2799169" cy="1057302"/>
+            <a:chOff x="3284927" y="4669757"/>
+            <a:chExt cx="3386995" cy="1202692"/>
+          </a:xfrm>
+        </p:grpSpPr>
+        <p:grpSp>
+          <p:nvGrpSpPr>
+            <p:cNvPr id="51" name="Group 50"/>
+            <p:cNvGrpSpPr/>
+            <p:nvPr/>
+          </p:nvGrpSpPr>
+          <p:grpSpPr>
+            <a:xfrm>
+              <a:off x="3284927" y="4669757"/>
+              <a:ext cx="3386995" cy="1202692"/>
+              <a:chOff x="3312348" y="4621194"/>
+              <a:chExt cx="3725694" cy="1322961"/>
+            </a:xfrm>
+          </p:grpSpPr>
+          <p:sp>
+            <p:nvSpPr>
+              <p:cNvPr id="39" name="Cloud 38"/>
+              <p:cNvSpPr/>
+              <p:nvPr/>
+            </p:nvSpPr>
+            <p:spPr>
+              <a:xfrm rot="212724">
+                <a:off x="3312348" y="4621194"/>
+                <a:ext cx="3725694" cy="1322961"/>
+              </a:xfrm>
+              <a:prstGeom prst="cloud">
+                <a:avLst/>
+              </a:prstGeom>
+              <a:solidFill>
+                <a:schemeClr val="accent3">
+                  <a:lumMod val="20000"/>
+                  <a:lumOff val="80000"/>
+                </a:schemeClr>
+              </a:solidFill>
+              <a:ln>
+                <a:solidFill>
+                  <a:schemeClr val="accent3">
+                    <a:lumMod val="75000"/>
+                  </a:schemeClr>
+                </a:solidFill>
+              </a:ln>
+            </p:spPr>
+            <p:style>
+              <a:lnRef idx="2">
+                <a:schemeClr val="accent1">
+                  <a:shade val="50000"/>
+                </a:schemeClr>
+              </a:lnRef>
+              <a:fillRef idx="1">
+                <a:schemeClr val="accent1"/>
+              </a:fillRef>
+              <a:effectRef idx="0">
+                <a:schemeClr val="accent1"/>
+              </a:effectRef>
+              <a:fontRef idx="minor">
+                <a:schemeClr val="lt1"/>
+              </a:fontRef>
+            </p:style>
+            <p:txBody>
+              <a:bodyPr rtlCol="0" anchor="ctr"/>
+              <a:lstStyle/>
+              <a:p>
+                <a:pPr algn="ctr"/>
+                <a:endParaRPr lang="en-US" dirty="0"/>
+              </a:p>
+            </p:txBody>
+          </p:sp>
+          <p:sp>
+            <p:nvSpPr>
+              <p:cNvPr id="40" name="Oval 39"/>
+              <p:cNvSpPr/>
+              <p:nvPr/>
+            </p:nvSpPr>
+            <p:spPr>
+              <a:xfrm>
+                <a:off x="3497580" y="5188263"/>
+                <a:ext cx="365760" cy="216857"/>
+              </a:xfrm>
+              <a:prstGeom prst="ellipse">
+                <a:avLst/>
+              </a:prstGeom>
+              <a:solidFill>
+                <a:schemeClr val="accent3">
+                  <a:lumMod val="20000"/>
+                  <a:lumOff val="80000"/>
+                </a:schemeClr>
+              </a:solidFill>
+              <a:ln>
+                <a:noFill/>
+              </a:ln>
+            </p:spPr>
+            <p:style>
+              <a:lnRef idx="2">
+                <a:schemeClr val="accent1">
+                  <a:shade val="50000"/>
+                </a:schemeClr>
+              </a:lnRef>
+              <a:fillRef idx="1">
+                <a:schemeClr val="accent1"/>
+              </a:fillRef>
+              <a:effectRef idx="0">
+                <a:schemeClr val="accent1"/>
+              </a:effectRef>
+              <a:fontRef idx="minor">
+                <a:schemeClr val="lt1"/>
+              </a:fontRef>
+            </p:style>
+            <p:txBody>
+              <a:bodyPr rtlCol="0" anchor="ctr"/>
+              <a:lstStyle/>
+              <a:p>
+                <a:pPr algn="ctr"/>
+                <a:endParaRPr lang="en-US"/>
+              </a:p>
+            </p:txBody>
+          </p:sp>
+          <p:sp>
+            <p:nvSpPr>
+              <p:cNvPr id="41" name="Oval 40"/>
+              <p:cNvSpPr/>
+              <p:nvPr/>
+            </p:nvSpPr>
+            <p:spPr>
+              <a:xfrm>
+                <a:off x="6558280" y="5123445"/>
+                <a:ext cx="365760" cy="216857"/>
+              </a:xfrm>
+              <a:prstGeom prst="ellipse">
+                <a:avLst/>
+              </a:prstGeom>
+              <a:solidFill>
+                <a:schemeClr val="accent3">
+                  <a:lumMod val="20000"/>
+                  <a:lumOff val="80000"/>
+                </a:schemeClr>
+              </a:solidFill>
+              <a:ln>
+                <a:noFill/>
+              </a:ln>
+            </p:spPr>
+            <p:style>
+              <a:lnRef idx="2">
+                <a:schemeClr val="accent1">
+                  <a:shade val="50000"/>
+                </a:schemeClr>
+              </a:lnRef>
+              <a:fillRef idx="1">
+                <a:schemeClr val="accent1"/>
+              </a:fillRef>
+              <a:effectRef idx="0">
+                <a:schemeClr val="accent1"/>
+              </a:effectRef>
+              <a:fontRef idx="minor">
+                <a:schemeClr val="lt1"/>
+              </a:fontRef>
+            </p:style>
+            <p:txBody>
+              <a:bodyPr rtlCol="0" anchor="ctr"/>
+              <a:lstStyle/>
+              <a:p>
+                <a:pPr algn="ctr"/>
+                <a:endParaRPr lang="en-US"/>
+              </a:p>
+            </p:txBody>
+          </p:sp>
+          <p:sp>
+            <p:nvSpPr>
+              <p:cNvPr id="42" name="Oval 41"/>
+              <p:cNvSpPr/>
+              <p:nvPr/>
+            </p:nvSpPr>
+            <p:spPr>
+              <a:xfrm>
+                <a:off x="6197600" y="5283200"/>
+                <a:ext cx="425237" cy="361073"/>
+              </a:xfrm>
+              <a:prstGeom prst="ellipse">
+                <a:avLst/>
+              </a:prstGeom>
+              <a:solidFill>
+                <a:schemeClr val="accent3">
+                  <a:lumMod val="20000"/>
+                  <a:lumOff val="80000"/>
+                </a:schemeClr>
+              </a:solidFill>
+              <a:ln>
+                <a:noFill/>
+              </a:ln>
+            </p:spPr>
+            <p:style>
+              <a:lnRef idx="2">
+                <a:schemeClr val="accent1">
+                  <a:shade val="50000"/>
+                </a:schemeClr>
+              </a:lnRef>
+              <a:fillRef idx="1">
+                <a:schemeClr val="accent1"/>
+              </a:fillRef>
+              <a:effectRef idx="0">
+                <a:schemeClr val="accent1"/>
+              </a:effectRef>
+              <a:fontRef idx="minor">
+                <a:schemeClr val="lt1"/>
+              </a:fontRef>
+            </p:style>
+            <p:txBody>
+              <a:bodyPr rtlCol="0" anchor="ctr"/>
+              <a:lstStyle/>
+              <a:p>
+                <a:pPr algn="ctr"/>
+                <a:endParaRPr lang="en-US"/>
+              </a:p>
+            </p:txBody>
+          </p:sp>
+          <p:sp>
+            <p:nvSpPr>
+              <p:cNvPr id="43" name="Oval 42"/>
+              <p:cNvSpPr/>
+              <p:nvPr/>
+            </p:nvSpPr>
+            <p:spPr>
+              <a:xfrm>
+                <a:off x="5532435" y="5415280"/>
+                <a:ext cx="425237" cy="361073"/>
+              </a:xfrm>
+              <a:prstGeom prst="ellipse">
+                <a:avLst/>
+              </a:prstGeom>
+              <a:solidFill>
+                <a:schemeClr val="accent3">
+                  <a:lumMod val="20000"/>
+                  <a:lumOff val="80000"/>
+                </a:schemeClr>
+              </a:solidFill>
+              <a:ln>
+                <a:noFill/>
+              </a:ln>
+            </p:spPr>
+            <p:style>
+              <a:lnRef idx="2">
+                <a:schemeClr val="accent1">
+                  <a:shade val="50000"/>
+                </a:schemeClr>
+              </a:lnRef>
+              <a:fillRef idx="1">
+                <a:schemeClr val="accent1"/>
+              </a:fillRef>
+              <a:effectRef idx="0">
+                <a:schemeClr val="accent1"/>
+              </a:effectRef>
+              <a:fontRef idx="minor">
+                <a:schemeClr val="lt1"/>
+              </a:fontRef>
+            </p:style>
+            <p:txBody>
+              <a:bodyPr rtlCol="0" anchor="ctr"/>
+              <a:lstStyle/>
+              <a:p>
+                <a:pPr algn="ctr"/>
+                <a:endParaRPr lang="en-US"/>
+              </a:p>
+            </p:txBody>
+          </p:sp>
+          <p:sp>
+            <p:nvSpPr>
+              <p:cNvPr id="44" name="Oval 43"/>
+              <p:cNvSpPr/>
+              <p:nvPr/>
+            </p:nvSpPr>
+            <p:spPr>
+              <a:xfrm>
+                <a:off x="4523685" y="5431824"/>
+                <a:ext cx="425237" cy="361073"/>
+              </a:xfrm>
+              <a:prstGeom prst="ellipse">
+                <a:avLst/>
+              </a:prstGeom>
+              <a:solidFill>
+                <a:schemeClr val="accent3">
+                  <a:lumMod val="20000"/>
+                  <a:lumOff val="80000"/>
+                </a:schemeClr>
+              </a:solidFill>
+              <a:ln>
+                <a:noFill/>
+              </a:ln>
+            </p:spPr>
+            <p:style>
+              <a:lnRef idx="2">
+                <a:schemeClr val="accent1">
+                  <a:shade val="50000"/>
+                </a:schemeClr>
+              </a:lnRef>
+              <a:fillRef idx="1">
+                <a:schemeClr val="accent1"/>
+              </a:fillRef>
+              <a:effectRef idx="0">
+                <a:schemeClr val="accent1"/>
+              </a:effectRef>
+              <a:fontRef idx="minor">
+                <a:schemeClr val="lt1"/>
+              </a:fontRef>
+            </p:style>
+            <p:txBody>
+              <a:bodyPr rtlCol="0" anchor="ctr"/>
+              <a:lstStyle/>
+              <a:p>
+                <a:pPr algn="ctr"/>
+                <a:endParaRPr lang="en-US"/>
+              </a:p>
+            </p:txBody>
+          </p:sp>
+          <p:sp>
+            <p:nvSpPr>
+              <p:cNvPr id="45" name="Oval 44"/>
+              <p:cNvSpPr/>
+              <p:nvPr/>
+            </p:nvSpPr>
+            <p:spPr>
+              <a:xfrm>
+                <a:off x="3725596" y="5302139"/>
+                <a:ext cx="425237" cy="361073"/>
+              </a:xfrm>
+              <a:prstGeom prst="ellipse">
+                <a:avLst/>
+              </a:prstGeom>
+              <a:solidFill>
+                <a:schemeClr val="accent3">
+                  <a:lumMod val="20000"/>
+                  <a:lumOff val="80000"/>
+                </a:schemeClr>
+              </a:solidFill>
+              <a:ln>
+                <a:noFill/>
+              </a:ln>
+            </p:spPr>
+            <p:style>
+              <a:lnRef idx="2">
+                <a:schemeClr val="accent1">
+                  <a:shade val="50000"/>
+                </a:schemeClr>
+              </a:lnRef>
+              <a:fillRef idx="1">
+                <a:schemeClr val="accent1"/>
+              </a:fillRef>
+              <a:effectRef idx="0">
+                <a:schemeClr val="accent1"/>
+              </a:effectRef>
+              <a:fontRef idx="minor">
+                <a:schemeClr val="lt1"/>
+              </a:fontRef>
+            </p:style>
+            <p:txBody>
+              <a:bodyPr rtlCol="0" anchor="ctr"/>
+              <a:lstStyle/>
+              <a:p>
+                <a:pPr algn="ctr"/>
+                <a:endParaRPr lang="en-US"/>
+              </a:p>
+            </p:txBody>
+          </p:sp>
+          <p:sp>
+            <p:nvSpPr>
+              <p:cNvPr id="46" name="Oval 45"/>
+              <p:cNvSpPr/>
+              <p:nvPr/>
+            </p:nvSpPr>
+            <p:spPr>
+              <a:xfrm>
+                <a:off x="3580514" y="4943169"/>
+                <a:ext cx="425237" cy="361073"/>
+              </a:xfrm>
+              <a:prstGeom prst="ellipse">
+                <a:avLst/>
+              </a:prstGeom>
+              <a:solidFill>
+                <a:schemeClr val="accent3">
+                  <a:lumMod val="20000"/>
+                  <a:lumOff val="80000"/>
+                </a:schemeClr>
+              </a:solidFill>
+              <a:ln>
+                <a:noFill/>
+              </a:ln>
+            </p:spPr>
+            <p:style>
+              <a:lnRef idx="2">
+                <a:schemeClr val="accent1">
+                  <a:shade val="50000"/>
+                </a:schemeClr>
+              </a:lnRef>
+              <a:fillRef idx="1">
+                <a:schemeClr val="accent1"/>
+              </a:fillRef>
+              <a:effectRef idx="0">
+                <a:schemeClr val="accent1"/>
+              </a:effectRef>
+              <a:fontRef idx="minor">
+                <a:schemeClr val="lt1"/>
+              </a:fontRef>
+            </p:style>
+            <p:txBody>
+              <a:bodyPr rtlCol="0" anchor="ctr"/>
+              <a:lstStyle/>
+              <a:p>
+                <a:pPr algn="ctr"/>
+                <a:endParaRPr lang="en-US"/>
+              </a:p>
+            </p:txBody>
+          </p:sp>
+          <p:sp>
+            <p:nvSpPr>
+              <p:cNvPr id="47" name="Oval 46"/>
+              <p:cNvSpPr/>
+              <p:nvPr/>
+            </p:nvSpPr>
+            <p:spPr>
+              <a:xfrm>
+                <a:off x="4469071" y="4714569"/>
+                <a:ext cx="425237" cy="361073"/>
+              </a:xfrm>
+              <a:prstGeom prst="ellipse">
+                <a:avLst/>
+              </a:prstGeom>
+              <a:solidFill>
+                <a:schemeClr val="accent3">
+                  <a:lumMod val="20000"/>
+                  <a:lumOff val="80000"/>
+                </a:schemeClr>
+              </a:solidFill>
+              <a:ln>
+                <a:noFill/>
+              </a:ln>
+            </p:spPr>
+            <p:style>
+              <a:lnRef idx="2">
+                <a:schemeClr val="accent1">
+                  <a:shade val="50000"/>
+                </a:schemeClr>
+              </a:lnRef>
+              <a:fillRef idx="1">
+                <a:schemeClr val="accent1"/>
+              </a:fillRef>
+              <a:effectRef idx="0">
+                <a:schemeClr val="accent1"/>
+              </a:effectRef>
+              <a:fontRef idx="minor">
+                <a:schemeClr val="lt1"/>
+              </a:fontRef>
+            </p:style>
+            <p:txBody>
+              <a:bodyPr rtlCol="0" anchor="ctr"/>
+              <a:lstStyle/>
+              <a:p>
+                <a:pPr algn="ctr"/>
+                <a:endParaRPr lang="en-US"/>
+              </a:p>
+            </p:txBody>
+          </p:sp>
+          <p:sp>
+            <p:nvSpPr>
+              <p:cNvPr id="48" name="Oval 47"/>
+              <p:cNvSpPr/>
+              <p:nvPr/>
+            </p:nvSpPr>
+            <p:spPr>
+              <a:xfrm>
+                <a:off x="4962576" y="4717917"/>
+                <a:ext cx="425237" cy="361073"/>
+              </a:xfrm>
+              <a:prstGeom prst="ellipse">
+                <a:avLst/>
+              </a:prstGeom>
+              <a:solidFill>
+                <a:schemeClr val="accent3">
+                  <a:lumMod val="20000"/>
+                  <a:lumOff val="80000"/>
+                </a:schemeClr>
+              </a:solidFill>
+              <a:ln>
+                <a:noFill/>
+              </a:ln>
+            </p:spPr>
+            <p:style>
+              <a:lnRef idx="2">
+                <a:schemeClr val="accent1">
+                  <a:shade val="50000"/>
+                </a:schemeClr>
+              </a:lnRef>
+              <a:fillRef idx="1">
+                <a:schemeClr val="accent1"/>
+              </a:fillRef>
+              <a:effectRef idx="0">
+                <a:schemeClr val="accent1"/>
+              </a:effectRef>
+              <a:fontRef idx="minor">
+                <a:schemeClr val="lt1"/>
+              </a:fontRef>
+            </p:style>
+            <p:txBody>
+              <a:bodyPr rtlCol="0" anchor="ctr"/>
+              <a:lstStyle/>
+              <a:p>
+                <a:pPr algn="ctr"/>
+                <a:endParaRPr lang="en-US"/>
+              </a:p>
+            </p:txBody>
+          </p:sp>
+          <p:sp>
+            <p:nvSpPr>
+              <p:cNvPr id="49" name="Oval 48"/>
+              <p:cNvSpPr/>
+              <p:nvPr/>
+            </p:nvSpPr>
+            <p:spPr>
+              <a:xfrm>
+                <a:off x="5578658" y="4714569"/>
+                <a:ext cx="425237" cy="361073"/>
+              </a:xfrm>
+              <a:prstGeom prst="ellipse">
+                <a:avLst/>
+              </a:prstGeom>
+              <a:solidFill>
+                <a:schemeClr val="accent3">
+                  <a:lumMod val="20000"/>
+                  <a:lumOff val="80000"/>
+                </a:schemeClr>
+              </a:solidFill>
+              <a:ln>
+                <a:noFill/>
+              </a:ln>
+            </p:spPr>
+            <p:style>
+              <a:lnRef idx="2">
+                <a:schemeClr val="accent1">
+                  <a:shade val="50000"/>
+                </a:schemeClr>
+              </a:lnRef>
+              <a:fillRef idx="1">
+                <a:schemeClr val="accent1"/>
+              </a:fillRef>
+              <a:effectRef idx="0">
+                <a:schemeClr val="accent1"/>
+              </a:effectRef>
+              <a:fontRef idx="minor">
+                <a:schemeClr val="lt1"/>
+              </a:fontRef>
+            </p:style>
+            <p:txBody>
+              <a:bodyPr rtlCol="0" anchor="ctr"/>
+              <a:lstStyle/>
+              <a:p>
+                <a:pPr algn="ctr"/>
+                <a:endParaRPr lang="en-US"/>
+              </a:p>
+            </p:txBody>
+          </p:sp>
+          <p:sp>
+            <p:nvSpPr>
+              <p:cNvPr id="50" name="Oval 49"/>
+              <p:cNvSpPr/>
+              <p:nvPr/>
+            </p:nvSpPr>
+            <p:spPr>
+              <a:xfrm>
+                <a:off x="6381426" y="4885274"/>
+                <a:ext cx="425237" cy="361073"/>
+              </a:xfrm>
+              <a:prstGeom prst="ellipse">
+                <a:avLst/>
+              </a:prstGeom>
+              <a:solidFill>
+                <a:schemeClr val="accent3">
+                  <a:lumMod val="20000"/>
+                  <a:lumOff val="80000"/>
+                </a:schemeClr>
+              </a:solidFill>
+              <a:ln>
+                <a:noFill/>
+              </a:ln>
+            </p:spPr>
+            <p:style>
+              <a:lnRef idx="2">
+                <a:schemeClr val="accent1">
+                  <a:shade val="50000"/>
+                </a:schemeClr>
+              </a:lnRef>
+              <a:fillRef idx="1">
+                <a:schemeClr val="accent1"/>
+              </a:fillRef>
+              <a:effectRef idx="0">
+                <a:schemeClr val="accent1"/>
+              </a:effectRef>
+              <a:fontRef idx="minor">
+                <a:schemeClr val="lt1"/>
+              </a:fontRef>
+            </p:style>
+            <p:txBody>
+              <a:bodyPr rtlCol="0" anchor="ctr"/>
+              <a:lstStyle/>
+              <a:p>
+                <a:pPr algn="ctr"/>
+                <a:endParaRPr lang="en-US"/>
+              </a:p>
+            </p:txBody>
+          </p:sp>
+        </p:grpSp>
+        <p:sp>
+          <p:nvSpPr>
+            <p:cNvPr id="52" name="TextBox 51"/>
+            <p:cNvSpPr txBox="1"/>
+            <p:nvPr/>
+          </p:nvSpPr>
+          <p:spPr>
+            <a:xfrm>
+              <a:off x="3998283" y="4992913"/>
+              <a:ext cx="1979677" cy="461665"/>
+            </a:xfrm>
+            <a:prstGeom prst="rect">
+              <a:avLst/>
+            </a:prstGeom>
+            <a:noFill/>
+          </p:spPr>
+          <p:txBody>
+            <a:bodyPr wrap="square" rtlCol="0">
+              <a:spAutoFit/>
+            </a:bodyPr>
+            <a:lstStyle/>
+            <a:p>
+              <a:pPr algn="ctr"/>
+              <a:r>
+                <a:rPr lang="en-US" sz="2400" dirty="0"/>
+                <a:t>Network</a:t>
+              </a:r>
+            </a:p>
+          </p:txBody>
+        </p:sp>
+      </p:grpSp>
+      <p:sp>
+        <p:nvSpPr>
+          <p:cNvPr id="59" name="Rectangle 58"/>
+          <p:cNvSpPr/>
+          <p:nvPr/>
+        </p:nvSpPr>
+        <p:spPr>
+          <a:xfrm>
+            <a:off x="5395461" y="3257023"/>
+            <a:ext cx="1342578" cy="437744"/>
+          </a:xfrm>
+          <a:prstGeom prst="rect">
+            <a:avLst/>
+          </a:prstGeom>
+          <a:solidFill>
+            <a:schemeClr val="tx2">
+              <a:lumMod val="20000"/>
+              <a:lumOff val="80000"/>
+            </a:schemeClr>
+          </a:solidFill>
+          <a:ln w="19050">
+            <a:solidFill>
+              <a:schemeClr val="tx1">
+                <a:lumMod val="75000"/>
+                <a:lumOff val="25000"/>
+              </a:schemeClr>
+            </a:solidFill>
+          </a:ln>
+        </p:spPr>
+        <p:style>
+          <a:lnRef idx="2">
+            <a:schemeClr val="accent1">
+              <a:shade val="50000"/>
+            </a:schemeClr>
+          </a:lnRef>
+          <a:fillRef idx="1">
+            <a:schemeClr val="accent1"/>
+          </a:fillRef>
+          <a:effectRef idx="0">
+            <a:schemeClr val="accent1"/>
+          </a:effectRef>
+          <a:fontRef idx="minor">
+            <a:schemeClr val="lt1"/>
+          </a:fontRef>
+        </p:style>
+        <p:txBody>
+          <a:bodyPr rtlCol="0" anchor="ctr"/>
+          <a:lstStyle/>
+          <a:p>
+            <a:pPr algn="ctr"/>
+            <a:r>
+              <a:rPr lang="en-US" dirty="0">
+                <a:solidFill>
+                  <a:sysClr val="windowText" lastClr="000000"/>
+                </a:solidFill>
+              </a:rPr>
+              <a:t>NIC</a:t>
+            </a:r>
+          </a:p>
+        </p:txBody>
+      </p:sp>
+      <p:sp>
+        <p:nvSpPr>
+          <p:cNvPr id="6" name="Rectangle 5"/>
+          <p:cNvSpPr/>
+          <p:nvPr/>
+        </p:nvSpPr>
+        <p:spPr>
+          <a:xfrm>
+            <a:off x="1969770" y="3255095"/>
+            <a:ext cx="1342578" cy="437744"/>
+          </a:xfrm>
+          <a:prstGeom prst="rect">
+            <a:avLst/>
+          </a:prstGeom>
+          <a:solidFill>
+            <a:schemeClr val="tx2">
+              <a:lumMod val="20000"/>
+              <a:lumOff val="80000"/>
+            </a:schemeClr>
+          </a:solidFill>
+          <a:ln w="19050">
+            <a:solidFill>
+              <a:schemeClr val="tx1">
+                <a:lumMod val="75000"/>
+                <a:lumOff val="25000"/>
+              </a:schemeClr>
+            </a:solidFill>
+          </a:ln>
+        </p:spPr>
+        <p:style>
+          <a:lnRef idx="2">
+            <a:schemeClr val="accent1">
+              <a:shade val="50000"/>
+            </a:schemeClr>
+          </a:lnRef>
+          <a:fillRef idx="1">
+            <a:schemeClr val="accent1"/>
+          </a:fillRef>
+          <a:effectRef idx="0">
+            <a:schemeClr val="accent1"/>
+          </a:effectRef>
+          <a:fontRef idx="minor">
+            <a:schemeClr val="lt1"/>
+          </a:fontRef>
+        </p:style>
+        <p:txBody>
+          <a:bodyPr rtlCol="0" anchor="ctr"/>
+          <a:lstStyle/>
+          <a:p>
+            <a:pPr algn="ctr"/>
+            <a:r>
+              <a:rPr lang="en-US" dirty="0">
+                <a:solidFill>
+                  <a:sysClr val="windowText" lastClr="000000"/>
+                </a:solidFill>
+              </a:rPr>
+              <a:t>NIC</a:t>
+            </a:r>
+          </a:p>
+        </p:txBody>
+      </p:sp>
+      <p:sp>
+        <p:nvSpPr>
+          <p:cNvPr id="53" name="TextBox 52"/>
+          <p:cNvSpPr txBox="1"/>
+          <p:nvPr/>
+        </p:nvSpPr>
+        <p:spPr>
+          <a:xfrm>
+            <a:off x="3321258" y="3195420"/>
+            <a:ext cx="1627688" cy="553998"/>
+          </a:xfrm>
+          <a:prstGeom prst="rect">
+            <a:avLst/>
+          </a:prstGeom>
+          <a:noFill/>
+        </p:spPr>
+        <p:txBody>
+          <a:bodyPr wrap="square" rtlCol="0">
+            <a:spAutoFit/>
+          </a:bodyPr>
+          <a:lstStyle/>
+          <a:p>
+            <a:r>
+              <a:rPr lang="en-US" sz="1500" dirty="0" smtClean="0"/>
+              <a:t>eth0</a:t>
+            </a:r>
+            <a:r>
+              <a:rPr lang="en-US" sz="1500" dirty="0"/>
+              <a:t>: </a:t>
+            </a:r>
+            <a:r>
+              <a:rPr lang="en-US" sz="1500" dirty="0" smtClean="0"/>
+              <a:t>192.168.100.1</a:t>
+            </a:r>
+            <a:endParaRPr lang="en-US" sz="1500" dirty="0"/>
+          </a:p>
+        </p:txBody>
+      </p:sp>
+      <p:sp>
+        <p:nvSpPr>
+          <p:cNvPr id="65" name="TextBox 64"/>
+          <p:cNvSpPr txBox="1"/>
+          <p:nvPr/>
+        </p:nvSpPr>
+        <p:spPr>
+          <a:xfrm>
+            <a:off x="6699630" y="3195420"/>
+            <a:ext cx="1627688" cy="553998"/>
+          </a:xfrm>
+          <a:prstGeom prst="rect">
+            <a:avLst/>
+          </a:prstGeom>
+          <a:noFill/>
+        </p:spPr>
+        <p:txBody>
+          <a:bodyPr wrap="square" rtlCol="0">
+            <a:spAutoFit/>
+          </a:bodyPr>
+          <a:lstStyle/>
+          <a:p>
+            <a:r>
+              <a:rPr lang="en-US" sz="1500" dirty="0" smtClean="0"/>
+              <a:t>eth0</a:t>
+            </a:r>
+            <a:r>
+              <a:rPr lang="en-US" sz="1500" dirty="0"/>
+              <a:t>: </a:t>
+            </a:r>
+            <a:r>
+              <a:rPr lang="en-US" sz="1500" dirty="0" smtClean="0"/>
+              <a:t>192.168.200.1</a:t>
+            </a:r>
+            <a:endParaRPr lang="en-US" sz="1500" dirty="0"/>
+          </a:p>
+        </p:txBody>
+      </p:sp>
+    </p:spTree>
+    <p:extLst>
+      <p:ext uri="{BB962C8B-B14F-4D97-AF65-F5344CB8AC3E}">
+        <p14:creationId xmlns:p14="http://schemas.microsoft.com/office/powerpoint/2010/main" val="1894690303"/>
+      </p:ext>
+    </p:extLst>
+  </p:cSld>
+  <p:clrMapOvr>
+    <a:masterClrMapping/>
+  </p:clrMapOvr>
+</p:sld>
+</file>
+
+<file path=ppt/slides/slide11.xml><?xml version="1.0" encoding="utf-8"?>
+<p:sld xmlns:a="http://schemas.openxmlformats.org/drawingml/2006/main" xmlns:r="http://schemas.openxmlformats.org/officeDocument/2006/relationships" xmlns:p="http://schemas.openxmlformats.org/presentationml/2006/main">
+  <p:cSld>
+    <p:spTree>
+      <p:nvGrpSpPr>
+        <p:cNvPr id="1" name=""/>
+        <p:cNvGrpSpPr/>
+        <p:nvPr/>
+      </p:nvGrpSpPr>
+      <p:grpSpPr>
+        <a:xfrm>
+          <a:off x="0" y="0"/>
+          <a:ext cx="0" cy="0"/>
+          <a:chOff x="0" y="0"/>
+          <a:chExt cx="0" cy="0"/>
+        </a:xfrm>
+      </p:grpSpPr>
+      <p:sp>
+        <p:nvSpPr>
+          <p:cNvPr id="4" name="Rectangle 3"/>
+          <p:cNvSpPr/>
+          <p:nvPr/>
+        </p:nvSpPr>
+        <p:spPr>
+          <a:xfrm>
             <a:off x="889242" y="914210"/>
             <a:ext cx="4013848" cy="2711454"/>
           </a:xfrm>
@@ -3212,7 +4974,7 @@
           <p:nvPr/>
         </p:nvPicPr>
         <p:blipFill rotWithShape="1">
-          <a:blip r:embed="rId2">
+          <a:blip r:embed="rId2" cstate="print">
             <a:extLst>
               <a:ext uri="{BEBA8EAE-BF5A-486C-A8C5-ECC9F3942E4B}">
                 <a14:imgProps xmlns:a14="http://schemas.microsoft.com/office/drawing/2010/main">
@@ -3677,7 +5439,7 @@
           <p:nvPr/>
         </p:nvPicPr>
         <p:blipFill rotWithShape="1">
-          <a:blip r:embed="rId2">
+          <a:blip r:embed="rId2" cstate="print">
             <a:extLst>
               <a:ext uri="{BEBA8EAE-BF5A-486C-A8C5-ECC9F3942E4B}">
                 <a14:imgProps xmlns:a14="http://schemas.microsoft.com/office/drawing/2010/main">
@@ -4976,7 +6738,7 @@
 </p:sld>
 </file>
 
-<file path=ppt/slides/slide11.xml><?xml version="1.0" encoding="utf-8"?>
+<file path=ppt/slides/slide12.xml><?xml version="1.0" encoding="utf-8"?>
 <p:sld xmlns:a="http://schemas.openxmlformats.org/drawingml/2006/main" xmlns:r="http://schemas.openxmlformats.org/officeDocument/2006/relationships" xmlns:p="http://schemas.openxmlformats.org/presentationml/2006/main">
   <p:cSld>
     <p:spTree>
@@ -6636,7 +8398,7 @@
 </p:sld>
 </file>
 
-<file path=ppt/slides/slide12.xml><?xml version="1.0" encoding="utf-8"?>
+<file path=ppt/slides/slide13.xml><?xml version="1.0" encoding="utf-8"?>
 <p:sld xmlns:a="http://schemas.openxmlformats.org/drawingml/2006/main" xmlns:r="http://schemas.openxmlformats.org/officeDocument/2006/relationships" xmlns:p="http://schemas.openxmlformats.org/presentationml/2006/main">
   <p:cSld>
     <p:spTree>
@@ -7298,1606 +9060,6 @@
     <p:extLst>
       <p:ext uri="{BB962C8B-B14F-4D97-AF65-F5344CB8AC3E}">
         <p14:creationId xmlns:p14="http://schemas.microsoft.com/office/powerpoint/2010/main" val="543181556"/>
-      </p:ext>
-    </p:extLst>
-  </p:cSld>
-  <p:clrMapOvr>
-    <a:masterClrMapping/>
-  </p:clrMapOvr>
-</p:sld>
-</file>
-
-<file path=ppt/slides/slide13.xml><?xml version="1.0" encoding="utf-8"?>
-<p:sld xmlns:a="http://schemas.openxmlformats.org/drawingml/2006/main" xmlns:r="http://schemas.openxmlformats.org/officeDocument/2006/relationships" xmlns:p="http://schemas.openxmlformats.org/presentationml/2006/main">
-  <p:cSld>
-    <p:spTree>
-      <p:nvGrpSpPr>
-        <p:cNvPr id="1" name=""/>
-        <p:cNvGrpSpPr/>
-        <p:nvPr/>
-      </p:nvGrpSpPr>
-      <p:grpSpPr>
-        <a:xfrm>
-          <a:off x="0" y="0"/>
-          <a:ext cx="0" cy="0"/>
-          <a:chOff x="0" y="0"/>
-          <a:chExt cx="0" cy="0"/>
-        </a:xfrm>
-      </p:grpSpPr>
-      <p:sp>
-        <p:nvSpPr>
-          <p:cNvPr id="9" name="Rectangle 8"/>
-          <p:cNvSpPr/>
-          <p:nvPr/>
-        </p:nvSpPr>
-        <p:spPr>
-          <a:xfrm>
-            <a:off x="610109" y="1232885"/>
-            <a:ext cx="1342578" cy="640080"/>
-          </a:xfrm>
-          <a:prstGeom prst="rect">
-            <a:avLst/>
-          </a:prstGeom>
-          <a:noFill/>
-          <a:ln w="19050">
-            <a:solidFill>
-              <a:schemeClr val="tx1">
-                <a:lumMod val="75000"/>
-                <a:lumOff val="25000"/>
-              </a:schemeClr>
-            </a:solidFill>
-          </a:ln>
-        </p:spPr>
-        <p:style>
-          <a:lnRef idx="2">
-            <a:schemeClr val="accent1">
-              <a:shade val="50000"/>
-            </a:schemeClr>
-          </a:lnRef>
-          <a:fillRef idx="1">
-            <a:schemeClr val="accent1"/>
-          </a:fillRef>
-          <a:effectRef idx="0">
-            <a:schemeClr val="accent1"/>
-          </a:effectRef>
-          <a:fontRef idx="minor">
-            <a:schemeClr val="lt1"/>
-          </a:fontRef>
-        </p:style>
-        <p:txBody>
-          <a:bodyPr rtlCol="0" anchor="ctr"/>
-          <a:lstStyle/>
-          <a:p>
-            <a:pPr algn="ctr"/>
-            <a:r>
-              <a:rPr lang="en-US" dirty="0">
-                <a:solidFill>
-                  <a:schemeClr val="tx1"/>
-                </a:solidFill>
-              </a:rPr>
-              <a:t>TCP/IP Apps</a:t>
-            </a:r>
-          </a:p>
-          <a:p>
-            <a:pPr algn="ctr"/>
-            <a:r>
-              <a:rPr lang="en-US" dirty="0">
-                <a:solidFill>
-                  <a:schemeClr val="tx1"/>
-                </a:solidFill>
-              </a:rPr>
-              <a:t>Container </a:t>
-            </a:r>
-            <a:r>
-              <a:rPr lang="en-US" i="1" dirty="0">
-                <a:solidFill>
-                  <a:schemeClr val="tx1"/>
-                </a:solidFill>
-              </a:rPr>
-              <a:t>1</a:t>
-            </a:r>
-          </a:p>
-        </p:txBody>
-      </p:sp>
-      <p:sp>
-        <p:nvSpPr>
-          <p:cNvPr id="14" name="Rectangle 13"/>
-          <p:cNvSpPr/>
-          <p:nvPr/>
-        </p:nvSpPr>
-        <p:spPr>
-          <a:xfrm>
-            <a:off x="2108414" y="1241585"/>
-            <a:ext cx="1342578" cy="640080"/>
-          </a:xfrm>
-          <a:prstGeom prst="rect">
-            <a:avLst/>
-          </a:prstGeom>
-          <a:noFill/>
-          <a:ln w="19050">
-            <a:solidFill>
-              <a:schemeClr val="tx1">
-                <a:lumMod val="75000"/>
-                <a:lumOff val="25000"/>
-              </a:schemeClr>
-            </a:solidFill>
-          </a:ln>
-        </p:spPr>
-        <p:style>
-          <a:lnRef idx="2">
-            <a:schemeClr val="accent1">
-              <a:shade val="50000"/>
-            </a:schemeClr>
-          </a:lnRef>
-          <a:fillRef idx="1">
-            <a:schemeClr val="accent1"/>
-          </a:fillRef>
-          <a:effectRef idx="0">
-            <a:schemeClr val="accent1"/>
-          </a:effectRef>
-          <a:fontRef idx="minor">
-            <a:schemeClr val="lt1"/>
-          </a:fontRef>
-        </p:style>
-        <p:txBody>
-          <a:bodyPr rtlCol="0" anchor="ctr"/>
-          <a:lstStyle/>
-          <a:p>
-            <a:pPr algn="ctr"/>
-            <a:r>
-              <a:rPr lang="en-US" dirty="0">
-                <a:solidFill>
-                  <a:schemeClr val="tx1"/>
-                </a:solidFill>
-              </a:rPr>
-              <a:t>RDMA Apps</a:t>
-            </a:r>
-          </a:p>
-          <a:p>
-            <a:pPr algn="ctr"/>
-            <a:r>
-              <a:rPr lang="en-US" dirty="0">
-                <a:solidFill>
-                  <a:schemeClr val="tx1"/>
-                </a:solidFill>
-              </a:rPr>
-              <a:t>Container </a:t>
-            </a:r>
-            <a:r>
-              <a:rPr lang="en-US" i="1" dirty="0">
-                <a:solidFill>
-                  <a:schemeClr val="tx1"/>
-                </a:solidFill>
-              </a:rPr>
-              <a:t>2</a:t>
-            </a:r>
-          </a:p>
-        </p:txBody>
-      </p:sp>
-      <p:sp>
-        <p:nvSpPr>
-          <p:cNvPr id="55" name="TextBox 54"/>
-          <p:cNvSpPr txBox="1"/>
-          <p:nvPr/>
-        </p:nvSpPr>
-        <p:spPr>
-          <a:xfrm>
-            <a:off x="3589869" y="2248634"/>
-            <a:ext cx="999068" cy="646331"/>
-          </a:xfrm>
-          <a:prstGeom prst="rect">
-            <a:avLst/>
-          </a:prstGeom>
-          <a:noFill/>
-        </p:spPr>
-        <p:txBody>
-          <a:bodyPr wrap="square" rtlCol="0">
-            <a:spAutoFit/>
-          </a:bodyPr>
-          <a:lstStyle/>
-          <a:p>
-            <a:pPr algn="ctr"/>
-            <a:r>
-              <a:rPr lang="en-US" dirty="0"/>
-              <a:t>Location Queries</a:t>
-            </a:r>
-          </a:p>
-        </p:txBody>
-      </p:sp>
-      <p:sp>
-        <p:nvSpPr>
-          <p:cNvPr id="62" name="Rectangle 61"/>
-          <p:cNvSpPr/>
-          <p:nvPr/>
-        </p:nvSpPr>
-        <p:spPr>
-          <a:xfrm>
-            <a:off x="5892799" y="1234813"/>
-            <a:ext cx="2099733" cy="640080"/>
-          </a:xfrm>
-          <a:prstGeom prst="rect">
-            <a:avLst/>
-          </a:prstGeom>
-          <a:noFill/>
-          <a:ln w="19050">
-            <a:solidFill>
-              <a:schemeClr val="tx1">
-                <a:lumMod val="75000"/>
-                <a:lumOff val="25000"/>
-              </a:schemeClr>
-            </a:solidFill>
-          </a:ln>
-        </p:spPr>
-        <p:style>
-          <a:lnRef idx="2">
-            <a:schemeClr val="accent1">
-              <a:shade val="50000"/>
-            </a:schemeClr>
-          </a:lnRef>
-          <a:fillRef idx="1">
-            <a:schemeClr val="accent1"/>
-          </a:fillRef>
-          <a:effectRef idx="0">
-            <a:schemeClr val="accent1"/>
-          </a:effectRef>
-          <a:fontRef idx="minor">
-            <a:schemeClr val="lt1"/>
-          </a:fontRef>
-        </p:style>
-        <p:txBody>
-          <a:bodyPr rtlCol="0" anchor="ctr"/>
-          <a:lstStyle/>
-          <a:p>
-            <a:pPr algn="ctr"/>
-            <a:r>
-              <a:rPr lang="en-US" dirty="0">
-                <a:solidFill>
-                  <a:schemeClr val="tx1"/>
-                </a:solidFill>
-              </a:rPr>
-              <a:t>Container </a:t>
-            </a:r>
-            <a:r>
-              <a:rPr lang="en-US" i="1" dirty="0">
-                <a:solidFill>
-                  <a:schemeClr val="tx1"/>
-                </a:solidFill>
-              </a:rPr>
-              <a:t>3</a:t>
-            </a:r>
-          </a:p>
-        </p:txBody>
-      </p:sp>
-      <p:sp>
-        <p:nvSpPr>
-          <p:cNvPr id="53" name="Rectangle 5"/>
-          <p:cNvSpPr/>
-          <p:nvPr/>
-        </p:nvSpPr>
-        <p:spPr>
-          <a:xfrm>
-            <a:off x="617761" y="2576597"/>
-            <a:ext cx="2859916" cy="437744"/>
-          </a:xfrm>
-          <a:prstGeom prst="rect">
-            <a:avLst/>
-          </a:prstGeom>
-          <a:solidFill>
-            <a:schemeClr val="tx2">
-              <a:lumMod val="20000"/>
-              <a:lumOff val="80000"/>
-            </a:schemeClr>
-          </a:solidFill>
-          <a:ln w="19050">
-            <a:solidFill>
-              <a:schemeClr val="tx1">
-                <a:lumMod val="75000"/>
-                <a:lumOff val="25000"/>
-              </a:schemeClr>
-            </a:solidFill>
-          </a:ln>
-        </p:spPr>
-        <p:style>
-          <a:lnRef idx="2">
-            <a:schemeClr val="accent1">
-              <a:shade val="50000"/>
-            </a:schemeClr>
-          </a:lnRef>
-          <a:fillRef idx="1">
-            <a:schemeClr val="accent1"/>
-          </a:fillRef>
-          <a:effectRef idx="0">
-            <a:schemeClr val="accent1"/>
-          </a:effectRef>
-          <a:fontRef idx="minor">
-            <a:schemeClr val="lt1"/>
-          </a:fontRef>
-        </p:style>
-        <p:txBody>
-          <a:bodyPr rtlCol="0" anchor="ctr"/>
-          <a:lstStyle/>
-          <a:p>
-            <a:pPr algn="ctr"/>
-            <a:r>
-              <a:rPr lang="en-US" dirty="0">
-                <a:solidFill>
-                  <a:sysClr val="windowText" lastClr="000000"/>
-                </a:solidFill>
-              </a:rPr>
-              <a:t>Verbs API</a:t>
-            </a:r>
-          </a:p>
-        </p:txBody>
-      </p:sp>
-      <p:sp>
-        <p:nvSpPr>
-          <p:cNvPr id="66" name="Rectangle 5"/>
-          <p:cNvSpPr/>
-          <p:nvPr/>
-        </p:nvSpPr>
-        <p:spPr>
-          <a:xfrm>
-            <a:off x="607347" y="2007238"/>
-            <a:ext cx="1342578" cy="437744"/>
-          </a:xfrm>
-          <a:prstGeom prst="rect">
-            <a:avLst/>
-          </a:prstGeom>
-          <a:solidFill>
-            <a:schemeClr val="tx2">
-              <a:lumMod val="20000"/>
-              <a:lumOff val="80000"/>
-            </a:schemeClr>
-          </a:solidFill>
-          <a:ln w="19050">
-            <a:solidFill>
-              <a:schemeClr val="tx1">
-                <a:lumMod val="75000"/>
-                <a:lumOff val="25000"/>
-              </a:schemeClr>
-            </a:solidFill>
-          </a:ln>
-        </p:spPr>
-        <p:style>
-          <a:lnRef idx="2">
-            <a:schemeClr val="accent1">
-              <a:shade val="50000"/>
-            </a:schemeClr>
-          </a:lnRef>
-          <a:fillRef idx="1">
-            <a:schemeClr val="accent1"/>
-          </a:fillRef>
-          <a:effectRef idx="0">
-            <a:schemeClr val="accent1"/>
-          </a:effectRef>
-          <a:fontRef idx="minor">
-            <a:schemeClr val="lt1"/>
-          </a:fontRef>
-        </p:style>
-        <p:txBody>
-          <a:bodyPr rtlCol="0" anchor="ctr"/>
-          <a:lstStyle/>
-          <a:p>
-            <a:pPr algn="ctr"/>
-            <a:r>
-              <a:rPr lang="en-US" dirty="0">
-                <a:solidFill>
-                  <a:sysClr val="windowText" lastClr="000000"/>
-                </a:solidFill>
-              </a:rPr>
-              <a:t>IP to Verbs </a:t>
-            </a:r>
-          </a:p>
-        </p:txBody>
-      </p:sp>
-      <p:cxnSp>
-        <p:nvCxnSpPr>
-          <p:cNvPr id="67" name="Straight Connector 26"/>
-          <p:cNvCxnSpPr/>
-          <p:nvPr/>
-        </p:nvCxnSpPr>
-        <p:spPr>
-          <a:xfrm>
-            <a:off x="1289046" y="1878454"/>
-            <a:ext cx="0" cy="137160"/>
-          </a:xfrm>
-          <a:prstGeom prst="line">
-            <a:avLst/>
-          </a:prstGeom>
-          <a:ln w="19050">
-            <a:solidFill>
-              <a:schemeClr val="tx1"/>
-            </a:solidFill>
-            <a:headEnd type="none"/>
-            <a:tailEnd type="arrow"/>
-          </a:ln>
-        </p:spPr>
-        <p:style>
-          <a:lnRef idx="1">
-            <a:schemeClr val="accent1"/>
-          </a:lnRef>
-          <a:fillRef idx="0">
-            <a:schemeClr val="accent1"/>
-          </a:fillRef>
-          <a:effectRef idx="0">
-            <a:schemeClr val="accent1"/>
-          </a:effectRef>
-          <a:fontRef idx="minor">
-            <a:schemeClr val="tx1"/>
-          </a:fontRef>
-        </p:style>
-      </p:cxnSp>
-      <p:cxnSp>
-        <p:nvCxnSpPr>
-          <p:cNvPr id="68" name="Straight Connector 26"/>
-          <p:cNvCxnSpPr/>
-          <p:nvPr/>
-        </p:nvCxnSpPr>
-        <p:spPr>
-          <a:xfrm>
-            <a:off x="2765325" y="1869218"/>
-            <a:ext cx="0" cy="685800"/>
-          </a:xfrm>
-          <a:prstGeom prst="line">
-            <a:avLst/>
-          </a:prstGeom>
-          <a:ln w="19050">
-            <a:solidFill>
-              <a:schemeClr val="tx1"/>
-            </a:solidFill>
-            <a:headEnd type="none"/>
-            <a:tailEnd type="arrow"/>
-          </a:ln>
-        </p:spPr>
-        <p:style>
-          <a:lnRef idx="1">
-            <a:schemeClr val="accent1"/>
-          </a:lnRef>
-          <a:fillRef idx="0">
-            <a:schemeClr val="accent1"/>
-          </a:fillRef>
-          <a:effectRef idx="0">
-            <a:schemeClr val="accent1"/>
-          </a:effectRef>
-          <a:fontRef idx="minor">
-            <a:schemeClr val="tx1"/>
-          </a:fontRef>
-        </p:style>
-      </p:cxnSp>
-      <p:sp>
-        <p:nvSpPr>
-          <p:cNvPr id="69" name="Rectangle 5"/>
-          <p:cNvSpPr/>
-          <p:nvPr/>
-        </p:nvSpPr>
-        <p:spPr>
-          <a:xfrm>
-            <a:off x="623918" y="3442677"/>
-            <a:ext cx="2859916" cy="437744"/>
-          </a:xfrm>
-          <a:prstGeom prst="rect">
-            <a:avLst/>
-          </a:prstGeom>
-          <a:solidFill>
-            <a:schemeClr val="tx2">
-              <a:lumMod val="20000"/>
-              <a:lumOff val="80000"/>
-            </a:schemeClr>
-          </a:solidFill>
-          <a:ln w="19050">
-            <a:solidFill>
-              <a:schemeClr val="tx1">
-                <a:lumMod val="75000"/>
-                <a:lumOff val="25000"/>
-              </a:schemeClr>
-            </a:solidFill>
-          </a:ln>
-        </p:spPr>
-        <p:style>
-          <a:lnRef idx="2">
-            <a:schemeClr val="accent1">
-              <a:shade val="50000"/>
-            </a:schemeClr>
-          </a:lnRef>
-          <a:fillRef idx="1">
-            <a:schemeClr val="accent1"/>
-          </a:fillRef>
-          <a:effectRef idx="0">
-            <a:schemeClr val="accent1"/>
-          </a:effectRef>
-          <a:fontRef idx="minor">
-            <a:schemeClr val="lt1"/>
-          </a:fontRef>
-        </p:style>
-        <p:txBody>
-          <a:bodyPr rtlCol="0" anchor="ctr"/>
-          <a:lstStyle/>
-          <a:p>
-            <a:pPr algn="ctr"/>
-            <a:r>
-              <a:rPr lang="en-US" dirty="0">
-                <a:solidFill>
-                  <a:sysClr val="windowText" lastClr="000000"/>
-                </a:solidFill>
-              </a:rPr>
-              <a:t>Container Locator</a:t>
-            </a:r>
-          </a:p>
-        </p:txBody>
-      </p:sp>
-      <p:cxnSp>
-        <p:nvCxnSpPr>
-          <p:cNvPr id="71" name="Straight Connector 26"/>
-          <p:cNvCxnSpPr/>
-          <p:nvPr/>
-        </p:nvCxnSpPr>
-        <p:spPr>
-          <a:xfrm>
-            <a:off x="2078755" y="3045571"/>
-            <a:ext cx="0" cy="365760"/>
-          </a:xfrm>
-          <a:prstGeom prst="line">
-            <a:avLst/>
-          </a:prstGeom>
-          <a:ln w="19050">
-            <a:solidFill>
-              <a:schemeClr val="tx1"/>
-            </a:solidFill>
-            <a:headEnd type="none"/>
-            <a:tailEnd type="arrow"/>
-          </a:ln>
-        </p:spPr>
-        <p:style>
-          <a:lnRef idx="1">
-            <a:schemeClr val="accent1"/>
-          </a:lnRef>
-          <a:fillRef idx="0">
-            <a:schemeClr val="accent1"/>
-          </a:fillRef>
-          <a:effectRef idx="0">
-            <a:schemeClr val="accent1"/>
-          </a:effectRef>
-          <a:fontRef idx="minor">
-            <a:schemeClr val="tx1"/>
-          </a:fontRef>
-        </p:style>
-      </p:cxnSp>
-      <p:cxnSp>
-        <p:nvCxnSpPr>
-          <p:cNvPr id="73" name="Straight Connector 26"/>
-          <p:cNvCxnSpPr/>
-          <p:nvPr/>
-        </p:nvCxnSpPr>
-        <p:spPr>
-          <a:xfrm>
-            <a:off x="1286225" y="2440073"/>
-            <a:ext cx="0" cy="137160"/>
-          </a:xfrm>
-          <a:prstGeom prst="line">
-            <a:avLst/>
-          </a:prstGeom>
-          <a:ln w="19050">
-            <a:solidFill>
-              <a:schemeClr val="tx1"/>
-            </a:solidFill>
-            <a:headEnd type="none"/>
-            <a:tailEnd type="arrow"/>
-          </a:ln>
-        </p:spPr>
-        <p:style>
-          <a:lnRef idx="1">
-            <a:schemeClr val="accent1"/>
-          </a:lnRef>
-          <a:fillRef idx="0">
-            <a:schemeClr val="accent1"/>
-          </a:fillRef>
-          <a:effectRef idx="0">
-            <a:schemeClr val="accent1"/>
-          </a:effectRef>
-          <a:fontRef idx="minor">
-            <a:schemeClr val="tx1"/>
-          </a:fontRef>
-        </p:style>
-      </p:cxnSp>
-      <p:sp>
-        <p:nvSpPr>
-          <p:cNvPr id="74" name="Rectangle 5"/>
-          <p:cNvSpPr/>
-          <p:nvPr/>
-        </p:nvSpPr>
-        <p:spPr>
-          <a:xfrm>
-            <a:off x="621096" y="4308757"/>
-            <a:ext cx="2859916" cy="437744"/>
-          </a:xfrm>
-          <a:prstGeom prst="rect">
-            <a:avLst/>
-          </a:prstGeom>
-          <a:solidFill>
-            <a:schemeClr val="tx2">
-              <a:lumMod val="20000"/>
-              <a:lumOff val="80000"/>
-            </a:schemeClr>
-          </a:solidFill>
-          <a:ln w="19050">
-            <a:solidFill>
-              <a:schemeClr val="tx1">
-                <a:lumMod val="75000"/>
-                <a:lumOff val="25000"/>
-              </a:schemeClr>
-            </a:solidFill>
-          </a:ln>
-        </p:spPr>
-        <p:style>
-          <a:lnRef idx="2">
-            <a:schemeClr val="accent1">
-              <a:shade val="50000"/>
-            </a:schemeClr>
-          </a:lnRef>
-          <a:fillRef idx="1">
-            <a:schemeClr val="accent1"/>
-          </a:fillRef>
-          <a:effectRef idx="0">
-            <a:schemeClr val="accent1"/>
-          </a:effectRef>
-          <a:fontRef idx="minor">
-            <a:schemeClr val="lt1"/>
-          </a:fontRef>
-        </p:style>
-        <p:txBody>
-          <a:bodyPr rtlCol="0" anchor="ctr"/>
-          <a:lstStyle/>
-          <a:p>
-            <a:pPr algn="ctr"/>
-            <a:r>
-              <a:rPr lang="en-US" dirty="0">
-                <a:solidFill>
-                  <a:sysClr val="windowText" lastClr="000000"/>
-                </a:solidFill>
-              </a:rPr>
-              <a:t>Virtualized NIC</a:t>
-            </a:r>
-          </a:p>
-        </p:txBody>
-      </p:sp>
-      <p:sp>
-        <p:nvSpPr>
-          <p:cNvPr id="76" name="Rectangle 5"/>
-          <p:cNvSpPr/>
-          <p:nvPr/>
-        </p:nvSpPr>
-        <p:spPr>
-          <a:xfrm>
-            <a:off x="4032828" y="2891011"/>
-            <a:ext cx="1342578" cy="457200"/>
-          </a:xfrm>
-          <a:prstGeom prst="rect">
-            <a:avLst/>
-          </a:prstGeom>
-          <a:solidFill>
-            <a:srgbClr val="FFFFFF"/>
-          </a:solidFill>
-          <a:ln w="19050">
-            <a:solidFill>
-              <a:schemeClr val="tx1">
-                <a:lumMod val="75000"/>
-                <a:lumOff val="25000"/>
-              </a:schemeClr>
-            </a:solidFill>
-          </a:ln>
-        </p:spPr>
-        <p:style>
-          <a:lnRef idx="2">
-            <a:schemeClr val="accent1">
-              <a:shade val="50000"/>
-            </a:schemeClr>
-          </a:lnRef>
-          <a:fillRef idx="1">
-            <a:schemeClr val="accent1"/>
-          </a:fillRef>
-          <a:effectRef idx="0">
-            <a:schemeClr val="accent1"/>
-          </a:effectRef>
-          <a:fontRef idx="minor">
-            <a:schemeClr val="lt1"/>
-          </a:fontRef>
-        </p:style>
-        <p:txBody>
-          <a:bodyPr rtlCol="0" anchor="ctr"/>
-          <a:lstStyle/>
-          <a:p>
-            <a:pPr algn="ctr"/>
-            <a:r>
-              <a:rPr lang="en-US" dirty="0" err="1">
-                <a:solidFill>
-                  <a:sysClr val="windowText" lastClr="000000"/>
-                </a:solidFill>
-              </a:rPr>
-              <a:t>Mesos</a:t>
-            </a:r>
-            <a:endParaRPr lang="en-US" dirty="0">
-              <a:solidFill>
-                <a:sysClr val="windowText" lastClr="000000"/>
-              </a:solidFill>
-            </a:endParaRPr>
-          </a:p>
-        </p:txBody>
-      </p:sp>
-      <p:sp>
-        <p:nvSpPr>
-          <p:cNvPr id="77" name="Rectangle 5"/>
-          <p:cNvSpPr/>
-          <p:nvPr/>
-        </p:nvSpPr>
-        <p:spPr>
-          <a:xfrm>
-            <a:off x="4044117" y="3430056"/>
-            <a:ext cx="1342578" cy="457200"/>
-          </a:xfrm>
-          <a:prstGeom prst="rect">
-            <a:avLst/>
-          </a:prstGeom>
-          <a:solidFill>
-            <a:srgbClr val="FFFFFF"/>
-          </a:solidFill>
-          <a:ln w="19050">
-            <a:solidFill>
-              <a:schemeClr val="tx1">
-                <a:lumMod val="75000"/>
-                <a:lumOff val="25000"/>
-              </a:schemeClr>
-            </a:solidFill>
-          </a:ln>
-        </p:spPr>
-        <p:style>
-          <a:lnRef idx="2">
-            <a:schemeClr val="accent1">
-              <a:shade val="50000"/>
-            </a:schemeClr>
-          </a:lnRef>
-          <a:fillRef idx="1">
-            <a:schemeClr val="accent1"/>
-          </a:fillRef>
-          <a:effectRef idx="0">
-            <a:schemeClr val="accent1"/>
-          </a:effectRef>
-          <a:fontRef idx="minor">
-            <a:schemeClr val="lt1"/>
-          </a:fontRef>
-        </p:style>
-        <p:txBody>
-          <a:bodyPr rtlCol="0" anchor="ctr"/>
-          <a:lstStyle/>
-          <a:p>
-            <a:pPr algn="ctr">
-              <a:lnSpc>
-                <a:spcPct val="80000"/>
-              </a:lnSpc>
-            </a:pPr>
-            <a:r>
-              <a:rPr lang="en-US" dirty="0">
-                <a:solidFill>
-                  <a:sysClr val="windowText" lastClr="000000"/>
-                </a:solidFill>
-              </a:rPr>
-              <a:t>Fabric Controller</a:t>
-            </a:r>
-          </a:p>
-        </p:txBody>
-      </p:sp>
-      <p:sp>
-        <p:nvSpPr>
-          <p:cNvPr id="80" name="Rectangle 5"/>
-          <p:cNvSpPr/>
-          <p:nvPr/>
-        </p:nvSpPr>
-        <p:spPr>
-          <a:xfrm>
-            <a:off x="618274" y="5174838"/>
-            <a:ext cx="2859916" cy="437744"/>
-          </a:xfrm>
-          <a:prstGeom prst="rect">
-            <a:avLst/>
-          </a:prstGeom>
-          <a:solidFill>
-            <a:schemeClr val="tx2">
-              <a:lumMod val="20000"/>
-              <a:lumOff val="80000"/>
-            </a:schemeClr>
-          </a:solidFill>
-          <a:ln w="19050">
-            <a:solidFill>
-              <a:schemeClr val="tx1">
-                <a:lumMod val="75000"/>
-                <a:lumOff val="25000"/>
-              </a:schemeClr>
-            </a:solidFill>
-          </a:ln>
-        </p:spPr>
-        <p:style>
-          <a:lnRef idx="2">
-            <a:schemeClr val="accent1">
-              <a:shade val="50000"/>
-            </a:schemeClr>
-          </a:lnRef>
-          <a:fillRef idx="1">
-            <a:schemeClr val="accent1"/>
-          </a:fillRef>
-          <a:effectRef idx="0">
-            <a:schemeClr val="accent1"/>
-          </a:effectRef>
-          <a:fontRef idx="minor">
-            <a:schemeClr val="lt1"/>
-          </a:fontRef>
-        </p:style>
-        <p:txBody>
-          <a:bodyPr rtlCol="0" anchor="ctr"/>
-          <a:lstStyle/>
-          <a:p>
-            <a:pPr algn="ctr"/>
-            <a:r>
-              <a:rPr lang="en-US" dirty="0">
-                <a:solidFill>
-                  <a:sysClr val="windowText" lastClr="000000"/>
-                </a:solidFill>
-              </a:rPr>
-              <a:t>NIC</a:t>
-            </a:r>
-          </a:p>
-        </p:txBody>
-      </p:sp>
-      <p:sp>
-        <p:nvSpPr>
-          <p:cNvPr id="82" name="Rectangle 5"/>
-          <p:cNvSpPr/>
-          <p:nvPr/>
-        </p:nvSpPr>
-        <p:spPr>
-          <a:xfrm>
-            <a:off x="5900961" y="2576598"/>
-            <a:ext cx="2103120" cy="437744"/>
-          </a:xfrm>
-          <a:prstGeom prst="rect">
-            <a:avLst/>
-          </a:prstGeom>
-          <a:solidFill>
-            <a:schemeClr val="tx2">
-              <a:lumMod val="20000"/>
-              <a:lumOff val="80000"/>
-            </a:schemeClr>
-          </a:solidFill>
-          <a:ln w="19050">
-            <a:solidFill>
-              <a:schemeClr val="tx1">
-                <a:lumMod val="75000"/>
-                <a:lumOff val="25000"/>
-              </a:schemeClr>
-            </a:solidFill>
-          </a:ln>
-        </p:spPr>
-        <p:style>
-          <a:lnRef idx="2">
-            <a:schemeClr val="accent1">
-              <a:shade val="50000"/>
-            </a:schemeClr>
-          </a:lnRef>
-          <a:fillRef idx="1">
-            <a:schemeClr val="accent1"/>
-          </a:fillRef>
-          <a:effectRef idx="0">
-            <a:schemeClr val="accent1"/>
-          </a:effectRef>
-          <a:fontRef idx="minor">
-            <a:schemeClr val="lt1"/>
-          </a:fontRef>
-        </p:style>
-        <p:txBody>
-          <a:bodyPr rtlCol="0" anchor="ctr"/>
-          <a:lstStyle/>
-          <a:p>
-            <a:pPr algn="ctr"/>
-            <a:r>
-              <a:rPr lang="en-US" dirty="0">
-                <a:solidFill>
-                  <a:sysClr val="windowText" lastClr="000000"/>
-                </a:solidFill>
-              </a:rPr>
-              <a:t>Verbs API</a:t>
-            </a:r>
-          </a:p>
-        </p:txBody>
-      </p:sp>
-      <p:sp>
-        <p:nvSpPr>
-          <p:cNvPr id="83" name="Rectangle 5"/>
-          <p:cNvSpPr/>
-          <p:nvPr/>
-        </p:nvSpPr>
-        <p:spPr>
-          <a:xfrm>
-            <a:off x="5907118" y="3442678"/>
-            <a:ext cx="2103120" cy="437744"/>
-          </a:xfrm>
-          <a:prstGeom prst="rect">
-            <a:avLst/>
-          </a:prstGeom>
-          <a:solidFill>
-            <a:schemeClr val="tx2">
-              <a:lumMod val="20000"/>
-              <a:lumOff val="80000"/>
-            </a:schemeClr>
-          </a:solidFill>
-          <a:ln w="19050">
-            <a:solidFill>
-              <a:schemeClr val="tx1">
-                <a:lumMod val="75000"/>
-                <a:lumOff val="25000"/>
-              </a:schemeClr>
-            </a:solidFill>
-          </a:ln>
-        </p:spPr>
-        <p:style>
-          <a:lnRef idx="2">
-            <a:schemeClr val="accent1">
-              <a:shade val="50000"/>
-            </a:schemeClr>
-          </a:lnRef>
-          <a:fillRef idx="1">
-            <a:schemeClr val="accent1"/>
-          </a:fillRef>
-          <a:effectRef idx="0">
-            <a:schemeClr val="accent1"/>
-          </a:effectRef>
-          <a:fontRef idx="minor">
-            <a:schemeClr val="lt1"/>
-          </a:fontRef>
-        </p:style>
-        <p:txBody>
-          <a:bodyPr rtlCol="0" anchor="ctr"/>
-          <a:lstStyle/>
-          <a:p>
-            <a:pPr algn="ctr"/>
-            <a:r>
-              <a:rPr lang="en-US" dirty="0">
-                <a:solidFill>
-                  <a:sysClr val="windowText" lastClr="000000"/>
-                </a:solidFill>
-              </a:rPr>
-              <a:t>Container Locator</a:t>
-            </a:r>
-          </a:p>
-        </p:txBody>
-      </p:sp>
-      <p:sp>
-        <p:nvSpPr>
-          <p:cNvPr id="85" name="Rectangle 5"/>
-          <p:cNvSpPr/>
-          <p:nvPr/>
-        </p:nvSpPr>
-        <p:spPr>
-          <a:xfrm>
-            <a:off x="5904296" y="4308758"/>
-            <a:ext cx="2103120" cy="437744"/>
-          </a:xfrm>
-          <a:prstGeom prst="rect">
-            <a:avLst/>
-          </a:prstGeom>
-          <a:solidFill>
-            <a:schemeClr val="tx2">
-              <a:lumMod val="20000"/>
-              <a:lumOff val="80000"/>
-            </a:schemeClr>
-          </a:solidFill>
-          <a:ln w="19050">
-            <a:solidFill>
-              <a:schemeClr val="tx1">
-                <a:lumMod val="75000"/>
-                <a:lumOff val="25000"/>
-              </a:schemeClr>
-            </a:solidFill>
-          </a:ln>
-        </p:spPr>
-        <p:style>
-          <a:lnRef idx="2">
-            <a:schemeClr val="accent1">
-              <a:shade val="50000"/>
-            </a:schemeClr>
-          </a:lnRef>
-          <a:fillRef idx="1">
-            <a:schemeClr val="accent1"/>
-          </a:fillRef>
-          <a:effectRef idx="0">
-            <a:schemeClr val="accent1"/>
-          </a:effectRef>
-          <a:fontRef idx="minor">
-            <a:schemeClr val="lt1"/>
-          </a:fontRef>
-        </p:style>
-        <p:txBody>
-          <a:bodyPr rtlCol="0" anchor="ctr"/>
-          <a:lstStyle/>
-          <a:p>
-            <a:pPr algn="ctr"/>
-            <a:r>
-              <a:rPr lang="en-US" dirty="0">
-                <a:solidFill>
-                  <a:sysClr val="windowText" lastClr="000000"/>
-                </a:solidFill>
-              </a:rPr>
-              <a:t>Virtualized NIC</a:t>
-            </a:r>
-          </a:p>
-        </p:txBody>
-      </p:sp>
-      <p:sp>
-        <p:nvSpPr>
-          <p:cNvPr id="86" name="Rectangle 5"/>
-          <p:cNvSpPr/>
-          <p:nvPr/>
-        </p:nvSpPr>
-        <p:spPr>
-          <a:xfrm>
-            <a:off x="5901474" y="5174839"/>
-            <a:ext cx="2103120" cy="437744"/>
-          </a:xfrm>
-          <a:prstGeom prst="rect">
-            <a:avLst/>
-          </a:prstGeom>
-          <a:solidFill>
-            <a:schemeClr val="tx2">
-              <a:lumMod val="20000"/>
-              <a:lumOff val="80000"/>
-            </a:schemeClr>
-          </a:solidFill>
-          <a:ln w="19050">
-            <a:solidFill>
-              <a:schemeClr val="tx1">
-                <a:lumMod val="75000"/>
-                <a:lumOff val="25000"/>
-              </a:schemeClr>
-            </a:solidFill>
-          </a:ln>
-        </p:spPr>
-        <p:style>
-          <a:lnRef idx="2">
-            <a:schemeClr val="accent1">
-              <a:shade val="50000"/>
-            </a:schemeClr>
-          </a:lnRef>
-          <a:fillRef idx="1">
-            <a:schemeClr val="accent1"/>
-          </a:fillRef>
-          <a:effectRef idx="0">
-            <a:schemeClr val="accent1"/>
-          </a:effectRef>
-          <a:fontRef idx="minor">
-            <a:schemeClr val="lt1"/>
-          </a:fontRef>
-        </p:style>
-        <p:txBody>
-          <a:bodyPr rtlCol="0" anchor="ctr"/>
-          <a:lstStyle/>
-          <a:p>
-            <a:pPr algn="ctr"/>
-            <a:r>
-              <a:rPr lang="en-US" dirty="0">
-                <a:solidFill>
-                  <a:sysClr val="windowText" lastClr="000000"/>
-                </a:solidFill>
-              </a:rPr>
-              <a:t>NIC</a:t>
-            </a:r>
-          </a:p>
-        </p:txBody>
-      </p:sp>
-      <p:sp>
-        <p:nvSpPr>
-          <p:cNvPr id="87" name="TextBox 54"/>
-          <p:cNvSpPr txBox="1"/>
-          <p:nvPr/>
-        </p:nvSpPr>
-        <p:spPr>
-          <a:xfrm>
-            <a:off x="3843864" y="4111301"/>
-            <a:ext cx="2262629" cy="369332"/>
-          </a:xfrm>
-          <a:prstGeom prst="rect">
-            <a:avLst/>
-          </a:prstGeom>
-          <a:noFill/>
-        </p:spPr>
-        <p:txBody>
-          <a:bodyPr wrap="square" rtlCol="0">
-            <a:spAutoFit/>
-          </a:bodyPr>
-          <a:lstStyle/>
-          <a:p>
-            <a:r>
-              <a:rPr lang="en-US" dirty="0"/>
-              <a:t>Shared Memory</a:t>
-            </a:r>
-          </a:p>
-        </p:txBody>
-      </p:sp>
-      <p:cxnSp>
-        <p:nvCxnSpPr>
-          <p:cNvPr id="89" name="Straight Connector 26"/>
-          <p:cNvCxnSpPr>
-            <a:stCxn id="69" idx="3"/>
-            <a:endCxn id="77" idx="1"/>
-          </p:cNvCxnSpPr>
-          <p:nvPr/>
-        </p:nvCxnSpPr>
-        <p:spPr>
-          <a:xfrm flipV="1">
-            <a:off x="3483834" y="3658656"/>
-            <a:ext cx="560283" cy="2893"/>
-          </a:xfrm>
-          <a:prstGeom prst="line">
-            <a:avLst/>
-          </a:prstGeom>
-          <a:ln w="28575" cmpd="sng">
-            <a:solidFill>
-              <a:schemeClr val="tx1"/>
-            </a:solidFill>
-            <a:prstDash val="dash"/>
-            <a:headEnd type="none"/>
-            <a:tailEnd type="arrow"/>
-          </a:ln>
-        </p:spPr>
-        <p:style>
-          <a:lnRef idx="1">
-            <a:schemeClr val="accent1"/>
-          </a:lnRef>
-          <a:fillRef idx="0">
-            <a:schemeClr val="accent1"/>
-          </a:fillRef>
-          <a:effectRef idx="0">
-            <a:schemeClr val="accent1"/>
-          </a:effectRef>
-          <a:fontRef idx="minor">
-            <a:schemeClr val="tx1"/>
-          </a:fontRef>
-        </p:style>
-      </p:cxnSp>
-      <p:cxnSp>
-        <p:nvCxnSpPr>
-          <p:cNvPr id="90" name="Straight Connector 26"/>
-          <p:cNvCxnSpPr/>
-          <p:nvPr/>
-        </p:nvCxnSpPr>
-        <p:spPr>
-          <a:xfrm>
-            <a:off x="3501155" y="4518771"/>
-            <a:ext cx="2403141" cy="8859"/>
-          </a:xfrm>
-          <a:prstGeom prst="line">
-            <a:avLst/>
-          </a:prstGeom>
-          <a:ln w="19050">
-            <a:solidFill>
-              <a:schemeClr val="tx1"/>
-            </a:solidFill>
-            <a:headEnd type="none"/>
-            <a:tailEnd type="arrow"/>
-          </a:ln>
-        </p:spPr>
-        <p:style>
-          <a:lnRef idx="1">
-            <a:schemeClr val="accent1"/>
-          </a:lnRef>
-          <a:fillRef idx="0">
-            <a:schemeClr val="accent1"/>
-          </a:fillRef>
-          <a:effectRef idx="0">
-            <a:schemeClr val="accent1"/>
-          </a:effectRef>
-          <a:fontRef idx="minor">
-            <a:schemeClr val="tx1"/>
-          </a:fontRef>
-        </p:style>
-      </p:cxnSp>
-      <p:cxnSp>
-        <p:nvCxnSpPr>
-          <p:cNvPr id="91" name="Straight Connector 26"/>
-          <p:cNvCxnSpPr/>
-          <p:nvPr/>
-        </p:nvCxnSpPr>
-        <p:spPr>
-          <a:xfrm>
-            <a:off x="2061821" y="3892237"/>
-            <a:ext cx="0" cy="365760"/>
-          </a:xfrm>
-          <a:prstGeom prst="line">
-            <a:avLst/>
-          </a:prstGeom>
-          <a:ln w="19050">
-            <a:solidFill>
-              <a:schemeClr val="tx1"/>
-            </a:solidFill>
-            <a:headEnd type="none"/>
-            <a:tailEnd type="arrow"/>
-          </a:ln>
-        </p:spPr>
-        <p:style>
-          <a:lnRef idx="1">
-            <a:schemeClr val="accent1"/>
-          </a:lnRef>
-          <a:fillRef idx="0">
-            <a:schemeClr val="accent1"/>
-          </a:fillRef>
-          <a:effectRef idx="0">
-            <a:schemeClr val="accent1"/>
-          </a:effectRef>
-          <a:fontRef idx="minor">
-            <a:schemeClr val="tx1"/>
-          </a:fontRef>
-        </p:style>
-      </p:cxnSp>
-      <p:cxnSp>
-        <p:nvCxnSpPr>
-          <p:cNvPr id="92" name="Straight Connector 26"/>
-          <p:cNvCxnSpPr/>
-          <p:nvPr/>
-        </p:nvCxnSpPr>
-        <p:spPr>
-          <a:xfrm>
-            <a:off x="2061822" y="4772771"/>
-            <a:ext cx="0" cy="365760"/>
-          </a:xfrm>
-          <a:prstGeom prst="line">
-            <a:avLst/>
-          </a:prstGeom>
-          <a:ln w="19050">
-            <a:solidFill>
-              <a:schemeClr val="tx1"/>
-            </a:solidFill>
-            <a:headEnd type="none"/>
-            <a:tailEnd type="arrow"/>
-          </a:ln>
-        </p:spPr>
-        <p:style>
-          <a:lnRef idx="1">
-            <a:schemeClr val="accent1"/>
-          </a:lnRef>
-          <a:fillRef idx="0">
-            <a:schemeClr val="accent1"/>
-          </a:fillRef>
-          <a:effectRef idx="0">
-            <a:schemeClr val="accent1"/>
-          </a:effectRef>
-          <a:fontRef idx="minor">
-            <a:schemeClr val="tx1"/>
-          </a:fontRef>
-        </p:style>
-      </p:cxnSp>
-      <p:cxnSp>
-        <p:nvCxnSpPr>
-          <p:cNvPr id="93" name="Straight Connector 26"/>
-          <p:cNvCxnSpPr/>
-          <p:nvPr/>
-        </p:nvCxnSpPr>
-        <p:spPr>
-          <a:xfrm>
-            <a:off x="6938622" y="3062504"/>
-            <a:ext cx="0" cy="365760"/>
-          </a:xfrm>
-          <a:prstGeom prst="line">
-            <a:avLst/>
-          </a:prstGeom>
-          <a:ln w="19050">
-            <a:solidFill>
-              <a:schemeClr val="tx1"/>
-            </a:solidFill>
-            <a:headEnd type="arrow"/>
-            <a:tailEnd type="none"/>
-          </a:ln>
-        </p:spPr>
-        <p:style>
-          <a:lnRef idx="1">
-            <a:schemeClr val="accent1"/>
-          </a:lnRef>
-          <a:fillRef idx="0">
-            <a:schemeClr val="accent1"/>
-          </a:fillRef>
-          <a:effectRef idx="0">
-            <a:schemeClr val="accent1"/>
-          </a:effectRef>
-          <a:fontRef idx="minor">
-            <a:schemeClr val="tx1"/>
-          </a:fontRef>
-        </p:style>
-      </p:cxnSp>
-      <p:cxnSp>
-        <p:nvCxnSpPr>
-          <p:cNvPr id="94" name="Straight Connector 26"/>
-          <p:cNvCxnSpPr/>
-          <p:nvPr/>
-        </p:nvCxnSpPr>
-        <p:spPr>
-          <a:xfrm>
-            <a:off x="6921688" y="3909170"/>
-            <a:ext cx="0" cy="365760"/>
-          </a:xfrm>
-          <a:prstGeom prst="line">
-            <a:avLst/>
-          </a:prstGeom>
-          <a:ln w="19050">
-            <a:solidFill>
-              <a:schemeClr val="tx1"/>
-            </a:solidFill>
-            <a:headEnd type="arrow"/>
-            <a:tailEnd type="none"/>
-          </a:ln>
-        </p:spPr>
-        <p:style>
-          <a:lnRef idx="1">
-            <a:schemeClr val="accent1"/>
-          </a:lnRef>
-          <a:fillRef idx="0">
-            <a:schemeClr val="accent1"/>
-          </a:fillRef>
-          <a:effectRef idx="0">
-            <a:schemeClr val="accent1"/>
-          </a:effectRef>
-          <a:fontRef idx="minor">
-            <a:schemeClr val="tx1"/>
-          </a:fontRef>
-        </p:style>
-      </p:cxnSp>
-      <p:cxnSp>
-        <p:nvCxnSpPr>
-          <p:cNvPr id="95" name="Straight Connector 26"/>
-          <p:cNvCxnSpPr/>
-          <p:nvPr/>
-        </p:nvCxnSpPr>
-        <p:spPr>
-          <a:xfrm>
-            <a:off x="6921689" y="4789704"/>
-            <a:ext cx="0" cy="365760"/>
-          </a:xfrm>
-          <a:prstGeom prst="line">
-            <a:avLst/>
-          </a:prstGeom>
-          <a:ln w="19050">
-            <a:solidFill>
-              <a:schemeClr val="tx1"/>
-            </a:solidFill>
-            <a:headEnd type="arrow"/>
-            <a:tailEnd type="none"/>
-          </a:ln>
-        </p:spPr>
-        <p:style>
-          <a:lnRef idx="1">
-            <a:schemeClr val="accent1"/>
-          </a:lnRef>
-          <a:fillRef idx="0">
-            <a:schemeClr val="accent1"/>
-          </a:fillRef>
-          <a:effectRef idx="0">
-            <a:schemeClr val="accent1"/>
-          </a:effectRef>
-          <a:fontRef idx="minor">
-            <a:schemeClr val="tx1"/>
-          </a:fontRef>
-        </p:style>
-      </p:cxnSp>
-      <p:cxnSp>
-        <p:nvCxnSpPr>
-          <p:cNvPr id="96" name="Straight Connector 26"/>
-          <p:cNvCxnSpPr/>
-          <p:nvPr/>
-        </p:nvCxnSpPr>
-        <p:spPr>
-          <a:xfrm>
-            <a:off x="3484222" y="5348505"/>
-            <a:ext cx="2403141" cy="8859"/>
-          </a:xfrm>
-          <a:prstGeom prst="line">
-            <a:avLst/>
-          </a:prstGeom>
-          <a:ln w="19050">
-            <a:solidFill>
-              <a:schemeClr val="tx1"/>
-            </a:solidFill>
-            <a:headEnd type="none"/>
-            <a:tailEnd type="arrow"/>
-          </a:ln>
-        </p:spPr>
-        <p:style>
-          <a:lnRef idx="1">
-            <a:schemeClr val="accent1"/>
-          </a:lnRef>
-          <a:fillRef idx="0">
-            <a:schemeClr val="accent1"/>
-          </a:fillRef>
-          <a:effectRef idx="0">
-            <a:schemeClr val="accent1"/>
-          </a:effectRef>
-          <a:fontRef idx="minor">
-            <a:schemeClr val="tx1"/>
-          </a:fontRef>
-        </p:style>
-      </p:cxnSp>
-      <p:cxnSp>
-        <p:nvCxnSpPr>
-          <p:cNvPr id="97" name="Straight Connector 26"/>
-          <p:cNvCxnSpPr/>
-          <p:nvPr/>
-        </p:nvCxnSpPr>
-        <p:spPr>
-          <a:xfrm>
-            <a:off x="6947858" y="1886151"/>
-            <a:ext cx="0" cy="685800"/>
-          </a:xfrm>
-          <a:prstGeom prst="line">
-            <a:avLst/>
-          </a:prstGeom>
-          <a:ln w="19050">
-            <a:solidFill>
-              <a:schemeClr val="tx1"/>
-            </a:solidFill>
-            <a:headEnd type="arrow"/>
-            <a:tailEnd type="none"/>
-          </a:ln>
-        </p:spPr>
-        <p:style>
-          <a:lnRef idx="1">
-            <a:schemeClr val="accent1"/>
-          </a:lnRef>
-          <a:fillRef idx="0">
-            <a:schemeClr val="accent1"/>
-          </a:fillRef>
-          <a:effectRef idx="0">
-            <a:schemeClr val="accent1"/>
-          </a:effectRef>
-          <a:fontRef idx="minor">
-            <a:schemeClr val="tx1"/>
-          </a:fontRef>
-        </p:style>
-      </p:cxnSp>
-      <p:cxnSp>
-        <p:nvCxnSpPr>
-          <p:cNvPr id="98" name="Straight Connector 26"/>
-          <p:cNvCxnSpPr>
-            <a:stCxn id="69" idx="3"/>
-            <a:endCxn id="76" idx="1"/>
-          </p:cNvCxnSpPr>
-          <p:nvPr/>
-        </p:nvCxnSpPr>
-        <p:spPr>
-          <a:xfrm flipV="1">
-            <a:off x="3483834" y="3119611"/>
-            <a:ext cx="548994" cy="541938"/>
-          </a:xfrm>
-          <a:prstGeom prst="bentConnector3">
-            <a:avLst>
-              <a:gd name="adj1" fmla="val 50000"/>
-            </a:avLst>
-          </a:prstGeom>
-          <a:ln w="28575" cmpd="sng">
-            <a:solidFill>
-              <a:schemeClr val="tx1"/>
-            </a:solidFill>
-            <a:prstDash val="dash"/>
-            <a:headEnd type="none"/>
-            <a:tailEnd type="arrow"/>
-          </a:ln>
-        </p:spPr>
-        <p:style>
-          <a:lnRef idx="1">
-            <a:schemeClr val="accent1"/>
-          </a:lnRef>
-          <a:fillRef idx="0">
-            <a:schemeClr val="accent1"/>
-          </a:fillRef>
-          <a:effectRef idx="0">
-            <a:schemeClr val="accent1"/>
-          </a:effectRef>
-          <a:fontRef idx="minor">
-            <a:schemeClr val="tx1"/>
-          </a:fontRef>
-        </p:style>
-      </p:cxnSp>
-      <p:cxnSp>
-        <p:nvCxnSpPr>
-          <p:cNvPr id="32" name="Straight Connector 26"/>
-          <p:cNvCxnSpPr/>
-          <p:nvPr/>
-        </p:nvCxnSpPr>
-        <p:spPr>
-          <a:xfrm>
-            <a:off x="3484225" y="5483972"/>
-            <a:ext cx="2403141" cy="8859"/>
-          </a:xfrm>
-          <a:prstGeom prst="line">
-            <a:avLst/>
-          </a:prstGeom>
-          <a:ln w="19050">
-            <a:solidFill>
-              <a:schemeClr val="tx1"/>
-            </a:solidFill>
-            <a:headEnd type="none"/>
-            <a:tailEnd type="arrow"/>
-          </a:ln>
-        </p:spPr>
-        <p:style>
-          <a:lnRef idx="1">
-            <a:schemeClr val="accent1"/>
-          </a:lnRef>
-          <a:fillRef idx="0">
-            <a:schemeClr val="accent1"/>
-          </a:fillRef>
-          <a:effectRef idx="0">
-            <a:schemeClr val="accent1"/>
-          </a:effectRef>
-          <a:fontRef idx="minor">
-            <a:schemeClr val="tx1"/>
-          </a:fontRef>
-        </p:style>
-      </p:cxnSp>
-      <p:sp>
-        <p:nvSpPr>
-          <p:cNvPr id="33" name="TextBox 54"/>
-          <p:cNvSpPr txBox="1"/>
-          <p:nvPr/>
-        </p:nvSpPr>
-        <p:spPr>
-          <a:xfrm>
-            <a:off x="4267192" y="4890234"/>
-            <a:ext cx="897467" cy="369332"/>
-          </a:xfrm>
-          <a:prstGeom prst="rect">
-            <a:avLst/>
-          </a:prstGeom>
-          <a:noFill/>
-        </p:spPr>
-        <p:txBody>
-          <a:bodyPr wrap="square" rtlCol="0">
-            <a:spAutoFit/>
-          </a:bodyPr>
-          <a:lstStyle/>
-          <a:p>
-            <a:r>
-              <a:rPr lang="en-US" dirty="0"/>
-              <a:t>DPDK</a:t>
-            </a:r>
-          </a:p>
-        </p:txBody>
-      </p:sp>
-      <p:sp>
-        <p:nvSpPr>
-          <p:cNvPr id="34" name="TextBox 54"/>
-          <p:cNvSpPr txBox="1"/>
-          <p:nvPr/>
-        </p:nvSpPr>
-        <p:spPr>
-          <a:xfrm>
-            <a:off x="4216393" y="5550634"/>
-            <a:ext cx="897467" cy="369332"/>
-          </a:xfrm>
-          <a:prstGeom prst="rect">
-            <a:avLst/>
-          </a:prstGeom>
-          <a:noFill/>
-        </p:spPr>
-        <p:txBody>
-          <a:bodyPr wrap="square" rtlCol="0">
-            <a:spAutoFit/>
-          </a:bodyPr>
-          <a:lstStyle/>
-          <a:p>
-            <a:r>
-              <a:rPr lang="en-US" dirty="0"/>
-              <a:t>RDMA</a:t>
-            </a:r>
-          </a:p>
-        </p:txBody>
-      </p:sp>
-    </p:spTree>
-    <p:extLst>
-      <p:ext uri="{BB962C8B-B14F-4D97-AF65-F5344CB8AC3E}">
-        <p14:creationId xmlns:p14="http://schemas.microsoft.com/office/powerpoint/2010/main" val="1164031415"/>
       </p:ext>
     </p:extLst>
   </p:cSld>
@@ -8926,14 +9088,164 @@
       </p:grpSpPr>
       <p:sp>
         <p:nvSpPr>
+          <p:cNvPr id="9" name="Rectangle 8"/>
+          <p:cNvSpPr/>
+          <p:nvPr/>
+        </p:nvSpPr>
+        <p:spPr>
+          <a:xfrm>
+            <a:off x="610109" y="1232885"/>
+            <a:ext cx="1342578" cy="640080"/>
+          </a:xfrm>
+          <a:prstGeom prst="rect">
+            <a:avLst/>
+          </a:prstGeom>
+          <a:noFill/>
+          <a:ln w="19050">
+            <a:solidFill>
+              <a:schemeClr val="tx1">
+                <a:lumMod val="75000"/>
+                <a:lumOff val="25000"/>
+              </a:schemeClr>
+            </a:solidFill>
+          </a:ln>
+        </p:spPr>
+        <p:style>
+          <a:lnRef idx="2">
+            <a:schemeClr val="accent1">
+              <a:shade val="50000"/>
+            </a:schemeClr>
+          </a:lnRef>
+          <a:fillRef idx="1">
+            <a:schemeClr val="accent1"/>
+          </a:fillRef>
+          <a:effectRef idx="0">
+            <a:schemeClr val="accent1"/>
+          </a:effectRef>
+          <a:fontRef idx="minor">
+            <a:schemeClr val="lt1"/>
+          </a:fontRef>
+        </p:style>
+        <p:txBody>
+          <a:bodyPr rtlCol="0" anchor="ctr"/>
+          <a:lstStyle/>
+          <a:p>
+            <a:pPr algn="ctr"/>
+            <a:r>
+              <a:rPr lang="en-US" dirty="0">
+                <a:solidFill>
+                  <a:schemeClr val="tx1"/>
+                </a:solidFill>
+              </a:rPr>
+              <a:t>TCP/IP Apps</a:t>
+            </a:r>
+          </a:p>
+          <a:p>
+            <a:pPr algn="ctr"/>
+            <a:r>
+              <a:rPr lang="en-US" dirty="0">
+                <a:solidFill>
+                  <a:schemeClr val="tx1"/>
+                </a:solidFill>
+              </a:rPr>
+              <a:t>Container </a:t>
+            </a:r>
+            <a:r>
+              <a:rPr lang="en-US" i="1" dirty="0">
+                <a:solidFill>
+                  <a:schemeClr val="tx1"/>
+                </a:solidFill>
+              </a:rPr>
+              <a:t>1</a:t>
+            </a:r>
+          </a:p>
+        </p:txBody>
+      </p:sp>
+      <p:sp>
+        <p:nvSpPr>
+          <p:cNvPr id="14" name="Rectangle 13"/>
+          <p:cNvSpPr/>
+          <p:nvPr/>
+        </p:nvSpPr>
+        <p:spPr>
+          <a:xfrm>
+            <a:off x="2108414" y="1241585"/>
+            <a:ext cx="1342578" cy="640080"/>
+          </a:xfrm>
+          <a:prstGeom prst="rect">
+            <a:avLst/>
+          </a:prstGeom>
+          <a:noFill/>
+          <a:ln w="19050">
+            <a:solidFill>
+              <a:schemeClr val="tx1">
+                <a:lumMod val="75000"/>
+                <a:lumOff val="25000"/>
+              </a:schemeClr>
+            </a:solidFill>
+          </a:ln>
+        </p:spPr>
+        <p:style>
+          <a:lnRef idx="2">
+            <a:schemeClr val="accent1">
+              <a:shade val="50000"/>
+            </a:schemeClr>
+          </a:lnRef>
+          <a:fillRef idx="1">
+            <a:schemeClr val="accent1"/>
+          </a:fillRef>
+          <a:effectRef idx="0">
+            <a:schemeClr val="accent1"/>
+          </a:effectRef>
+          <a:fontRef idx="minor">
+            <a:schemeClr val="lt1"/>
+          </a:fontRef>
+        </p:style>
+        <p:txBody>
+          <a:bodyPr rtlCol="0" anchor="ctr"/>
+          <a:lstStyle/>
+          <a:p>
+            <a:pPr algn="ctr"/>
+            <a:r>
+              <a:rPr lang="en-US" dirty="0">
+                <a:solidFill>
+                  <a:schemeClr val="tx1"/>
+                </a:solidFill>
+              </a:rPr>
+              <a:t>RDMA Apps</a:t>
+            </a:r>
+          </a:p>
+          <a:p>
+            <a:pPr algn="ctr"/>
+            <a:r>
+              <a:rPr lang="en-US" dirty="0">
+                <a:solidFill>
+                  <a:schemeClr val="tx1"/>
+                </a:solidFill>
+              </a:rPr>
+              <a:t>Container </a:t>
+            </a:r>
+            <a:r>
+              <a:rPr lang="en-US" i="1" dirty="0">
+                <a:solidFill>
+                  <a:schemeClr val="tx1"/>
+                </a:solidFill>
+              </a:rPr>
+              <a:t>2</a:t>
+            </a:r>
+          </a:p>
+        </p:txBody>
+      </p:sp>
+      <p:sp>
+        <p:nvSpPr>
           <p:cNvPr id="55" name="TextBox 54"/>
           <p:cNvSpPr txBox="1"/>
           <p:nvPr/>
         </p:nvSpPr>
         <p:spPr>
           <a:xfrm>
-            <a:off x="1947340" y="3061433"/>
-            <a:ext cx="2319864" cy="400110"/>
+            <a:off x="3589869" y="2248634"/>
+            <a:ext cx="999068" cy="646331"/>
           </a:xfrm>
           <a:prstGeom prst="rect">
             <a:avLst/>
@@ -8948,8 +9260,464 @@
           <a:p>
             <a:pPr algn="ctr"/>
             <a:r>
-              <a:rPr lang="en-US" sz="2000" dirty="0"/>
-              <a:t>Intra-VM</a:t>
+              <a:rPr lang="en-US" dirty="0"/>
+              <a:t>Location Queries</a:t>
+            </a:r>
+          </a:p>
+        </p:txBody>
+      </p:sp>
+      <p:sp>
+        <p:nvSpPr>
+          <p:cNvPr id="62" name="Rectangle 61"/>
+          <p:cNvSpPr/>
+          <p:nvPr/>
+        </p:nvSpPr>
+        <p:spPr>
+          <a:xfrm>
+            <a:off x="5892799" y="1234813"/>
+            <a:ext cx="2099733" cy="640080"/>
+          </a:xfrm>
+          <a:prstGeom prst="rect">
+            <a:avLst/>
+          </a:prstGeom>
+          <a:noFill/>
+          <a:ln w="19050">
+            <a:solidFill>
+              <a:schemeClr val="tx1">
+                <a:lumMod val="75000"/>
+                <a:lumOff val="25000"/>
+              </a:schemeClr>
+            </a:solidFill>
+          </a:ln>
+        </p:spPr>
+        <p:style>
+          <a:lnRef idx="2">
+            <a:schemeClr val="accent1">
+              <a:shade val="50000"/>
+            </a:schemeClr>
+          </a:lnRef>
+          <a:fillRef idx="1">
+            <a:schemeClr val="accent1"/>
+          </a:fillRef>
+          <a:effectRef idx="0">
+            <a:schemeClr val="accent1"/>
+          </a:effectRef>
+          <a:fontRef idx="minor">
+            <a:schemeClr val="lt1"/>
+          </a:fontRef>
+        </p:style>
+        <p:txBody>
+          <a:bodyPr rtlCol="0" anchor="ctr"/>
+          <a:lstStyle/>
+          <a:p>
+            <a:pPr algn="ctr"/>
+            <a:r>
+              <a:rPr lang="en-US" dirty="0">
+                <a:solidFill>
+                  <a:schemeClr val="tx1"/>
+                </a:solidFill>
+              </a:rPr>
+              <a:t>Container </a:t>
+            </a:r>
+            <a:r>
+              <a:rPr lang="en-US" i="1" dirty="0">
+                <a:solidFill>
+                  <a:schemeClr val="tx1"/>
+                </a:solidFill>
+              </a:rPr>
+              <a:t>3</a:t>
+            </a:r>
+          </a:p>
+        </p:txBody>
+      </p:sp>
+      <p:sp>
+        <p:nvSpPr>
+          <p:cNvPr id="53" name="Rectangle 5"/>
+          <p:cNvSpPr/>
+          <p:nvPr/>
+        </p:nvSpPr>
+        <p:spPr>
+          <a:xfrm>
+            <a:off x="617761" y="2576597"/>
+            <a:ext cx="2859916" cy="437744"/>
+          </a:xfrm>
+          <a:prstGeom prst="rect">
+            <a:avLst/>
+          </a:prstGeom>
+          <a:solidFill>
+            <a:schemeClr val="tx2">
+              <a:lumMod val="20000"/>
+              <a:lumOff val="80000"/>
+            </a:schemeClr>
+          </a:solidFill>
+          <a:ln w="19050">
+            <a:solidFill>
+              <a:schemeClr val="tx1">
+                <a:lumMod val="75000"/>
+                <a:lumOff val="25000"/>
+              </a:schemeClr>
+            </a:solidFill>
+          </a:ln>
+        </p:spPr>
+        <p:style>
+          <a:lnRef idx="2">
+            <a:schemeClr val="accent1">
+              <a:shade val="50000"/>
+            </a:schemeClr>
+          </a:lnRef>
+          <a:fillRef idx="1">
+            <a:schemeClr val="accent1"/>
+          </a:fillRef>
+          <a:effectRef idx="0">
+            <a:schemeClr val="accent1"/>
+          </a:effectRef>
+          <a:fontRef idx="minor">
+            <a:schemeClr val="lt1"/>
+          </a:fontRef>
+        </p:style>
+        <p:txBody>
+          <a:bodyPr rtlCol="0" anchor="ctr"/>
+          <a:lstStyle/>
+          <a:p>
+            <a:pPr algn="ctr"/>
+            <a:r>
+              <a:rPr lang="en-US" dirty="0">
+                <a:solidFill>
+                  <a:sysClr val="windowText" lastClr="000000"/>
+                </a:solidFill>
+              </a:rPr>
+              <a:t>Verbs API</a:t>
+            </a:r>
+          </a:p>
+        </p:txBody>
+      </p:sp>
+      <p:sp>
+        <p:nvSpPr>
+          <p:cNvPr id="66" name="Rectangle 5"/>
+          <p:cNvSpPr/>
+          <p:nvPr/>
+        </p:nvSpPr>
+        <p:spPr>
+          <a:xfrm>
+            <a:off x="607347" y="2007238"/>
+            <a:ext cx="1342578" cy="437744"/>
+          </a:xfrm>
+          <a:prstGeom prst="rect">
+            <a:avLst/>
+          </a:prstGeom>
+          <a:solidFill>
+            <a:schemeClr val="tx2">
+              <a:lumMod val="20000"/>
+              <a:lumOff val="80000"/>
+            </a:schemeClr>
+          </a:solidFill>
+          <a:ln w="19050">
+            <a:solidFill>
+              <a:schemeClr val="tx1">
+                <a:lumMod val="75000"/>
+                <a:lumOff val="25000"/>
+              </a:schemeClr>
+            </a:solidFill>
+          </a:ln>
+        </p:spPr>
+        <p:style>
+          <a:lnRef idx="2">
+            <a:schemeClr val="accent1">
+              <a:shade val="50000"/>
+            </a:schemeClr>
+          </a:lnRef>
+          <a:fillRef idx="1">
+            <a:schemeClr val="accent1"/>
+          </a:fillRef>
+          <a:effectRef idx="0">
+            <a:schemeClr val="accent1"/>
+          </a:effectRef>
+          <a:fontRef idx="minor">
+            <a:schemeClr val="lt1"/>
+          </a:fontRef>
+        </p:style>
+        <p:txBody>
+          <a:bodyPr rtlCol="0" anchor="ctr"/>
+          <a:lstStyle/>
+          <a:p>
+            <a:pPr algn="ctr"/>
+            <a:r>
+              <a:rPr lang="en-US" dirty="0">
+                <a:solidFill>
+                  <a:sysClr val="windowText" lastClr="000000"/>
+                </a:solidFill>
+              </a:rPr>
+              <a:t>IP to Verbs </a:t>
+            </a:r>
+          </a:p>
+        </p:txBody>
+      </p:sp>
+      <p:cxnSp>
+        <p:nvCxnSpPr>
+          <p:cNvPr id="67" name="Straight Connector 26"/>
+          <p:cNvCxnSpPr/>
+          <p:nvPr/>
+        </p:nvCxnSpPr>
+        <p:spPr>
+          <a:xfrm>
+            <a:off x="1289046" y="1878454"/>
+            <a:ext cx="0" cy="137160"/>
+          </a:xfrm>
+          <a:prstGeom prst="line">
+            <a:avLst/>
+          </a:prstGeom>
+          <a:ln w="19050">
+            <a:solidFill>
+              <a:schemeClr val="tx1"/>
+            </a:solidFill>
+            <a:headEnd type="none"/>
+            <a:tailEnd type="arrow"/>
+          </a:ln>
+        </p:spPr>
+        <p:style>
+          <a:lnRef idx="1">
+            <a:schemeClr val="accent1"/>
+          </a:lnRef>
+          <a:fillRef idx="0">
+            <a:schemeClr val="accent1"/>
+          </a:fillRef>
+          <a:effectRef idx="0">
+            <a:schemeClr val="accent1"/>
+          </a:effectRef>
+          <a:fontRef idx="minor">
+            <a:schemeClr val="tx1"/>
+          </a:fontRef>
+        </p:style>
+      </p:cxnSp>
+      <p:cxnSp>
+        <p:nvCxnSpPr>
+          <p:cNvPr id="68" name="Straight Connector 26"/>
+          <p:cNvCxnSpPr/>
+          <p:nvPr/>
+        </p:nvCxnSpPr>
+        <p:spPr>
+          <a:xfrm>
+            <a:off x="2765325" y="1869218"/>
+            <a:ext cx="0" cy="685800"/>
+          </a:xfrm>
+          <a:prstGeom prst="line">
+            <a:avLst/>
+          </a:prstGeom>
+          <a:ln w="19050">
+            <a:solidFill>
+              <a:schemeClr val="tx1"/>
+            </a:solidFill>
+            <a:headEnd type="none"/>
+            <a:tailEnd type="arrow"/>
+          </a:ln>
+        </p:spPr>
+        <p:style>
+          <a:lnRef idx="1">
+            <a:schemeClr val="accent1"/>
+          </a:lnRef>
+          <a:fillRef idx="0">
+            <a:schemeClr val="accent1"/>
+          </a:fillRef>
+          <a:effectRef idx="0">
+            <a:schemeClr val="accent1"/>
+          </a:effectRef>
+          <a:fontRef idx="minor">
+            <a:schemeClr val="tx1"/>
+          </a:fontRef>
+        </p:style>
+      </p:cxnSp>
+      <p:sp>
+        <p:nvSpPr>
+          <p:cNvPr id="69" name="Rectangle 5"/>
+          <p:cNvSpPr/>
+          <p:nvPr/>
+        </p:nvSpPr>
+        <p:spPr>
+          <a:xfrm>
+            <a:off x="623918" y="3442677"/>
+            <a:ext cx="2859916" cy="437744"/>
+          </a:xfrm>
+          <a:prstGeom prst="rect">
+            <a:avLst/>
+          </a:prstGeom>
+          <a:solidFill>
+            <a:schemeClr val="tx2">
+              <a:lumMod val="20000"/>
+              <a:lumOff val="80000"/>
+            </a:schemeClr>
+          </a:solidFill>
+          <a:ln w="19050">
+            <a:solidFill>
+              <a:schemeClr val="tx1">
+                <a:lumMod val="75000"/>
+                <a:lumOff val="25000"/>
+              </a:schemeClr>
+            </a:solidFill>
+          </a:ln>
+        </p:spPr>
+        <p:style>
+          <a:lnRef idx="2">
+            <a:schemeClr val="accent1">
+              <a:shade val="50000"/>
+            </a:schemeClr>
+          </a:lnRef>
+          <a:fillRef idx="1">
+            <a:schemeClr val="accent1"/>
+          </a:fillRef>
+          <a:effectRef idx="0">
+            <a:schemeClr val="accent1"/>
+          </a:effectRef>
+          <a:fontRef idx="minor">
+            <a:schemeClr val="lt1"/>
+          </a:fontRef>
+        </p:style>
+        <p:txBody>
+          <a:bodyPr rtlCol="0" anchor="ctr"/>
+          <a:lstStyle/>
+          <a:p>
+            <a:pPr algn="ctr"/>
+            <a:r>
+              <a:rPr lang="en-US" dirty="0">
+                <a:solidFill>
+                  <a:sysClr val="windowText" lastClr="000000"/>
+                </a:solidFill>
+              </a:rPr>
+              <a:t>Container Locator</a:t>
+            </a:r>
+          </a:p>
+        </p:txBody>
+      </p:sp>
+      <p:cxnSp>
+        <p:nvCxnSpPr>
+          <p:cNvPr id="71" name="Straight Connector 26"/>
+          <p:cNvCxnSpPr/>
+          <p:nvPr/>
+        </p:nvCxnSpPr>
+        <p:spPr>
+          <a:xfrm>
+            <a:off x="2078755" y="3045571"/>
+            <a:ext cx="0" cy="365760"/>
+          </a:xfrm>
+          <a:prstGeom prst="line">
+            <a:avLst/>
+          </a:prstGeom>
+          <a:ln w="19050">
+            <a:solidFill>
+              <a:schemeClr val="tx1"/>
+            </a:solidFill>
+            <a:headEnd type="none"/>
+            <a:tailEnd type="arrow"/>
+          </a:ln>
+        </p:spPr>
+        <p:style>
+          <a:lnRef idx="1">
+            <a:schemeClr val="accent1"/>
+          </a:lnRef>
+          <a:fillRef idx="0">
+            <a:schemeClr val="accent1"/>
+          </a:fillRef>
+          <a:effectRef idx="0">
+            <a:schemeClr val="accent1"/>
+          </a:effectRef>
+          <a:fontRef idx="minor">
+            <a:schemeClr val="tx1"/>
+          </a:fontRef>
+        </p:style>
+      </p:cxnSp>
+      <p:cxnSp>
+        <p:nvCxnSpPr>
+          <p:cNvPr id="73" name="Straight Connector 26"/>
+          <p:cNvCxnSpPr/>
+          <p:nvPr/>
+        </p:nvCxnSpPr>
+        <p:spPr>
+          <a:xfrm>
+            <a:off x="1286225" y="2440073"/>
+            <a:ext cx="0" cy="137160"/>
+          </a:xfrm>
+          <a:prstGeom prst="line">
+            <a:avLst/>
+          </a:prstGeom>
+          <a:ln w="19050">
+            <a:solidFill>
+              <a:schemeClr val="tx1"/>
+            </a:solidFill>
+            <a:headEnd type="none"/>
+            <a:tailEnd type="arrow"/>
+          </a:ln>
+        </p:spPr>
+        <p:style>
+          <a:lnRef idx="1">
+            <a:schemeClr val="accent1"/>
+          </a:lnRef>
+          <a:fillRef idx="0">
+            <a:schemeClr val="accent1"/>
+          </a:fillRef>
+          <a:effectRef idx="0">
+            <a:schemeClr val="accent1"/>
+          </a:effectRef>
+          <a:fontRef idx="minor">
+            <a:schemeClr val="tx1"/>
+          </a:fontRef>
+        </p:style>
+      </p:cxnSp>
+      <p:sp>
+        <p:nvSpPr>
+          <p:cNvPr id="74" name="Rectangle 5"/>
+          <p:cNvSpPr/>
+          <p:nvPr/>
+        </p:nvSpPr>
+        <p:spPr>
+          <a:xfrm>
+            <a:off x="621096" y="4308757"/>
+            <a:ext cx="2859916" cy="437744"/>
+          </a:xfrm>
+          <a:prstGeom prst="rect">
+            <a:avLst/>
+          </a:prstGeom>
+          <a:solidFill>
+            <a:schemeClr val="tx2">
+              <a:lumMod val="20000"/>
+              <a:lumOff val="80000"/>
+            </a:schemeClr>
+          </a:solidFill>
+          <a:ln w="19050">
+            <a:solidFill>
+              <a:schemeClr val="tx1">
+                <a:lumMod val="75000"/>
+                <a:lumOff val="25000"/>
+              </a:schemeClr>
+            </a:solidFill>
+          </a:ln>
+        </p:spPr>
+        <p:style>
+          <a:lnRef idx="2">
+            <a:schemeClr val="accent1">
+              <a:shade val="50000"/>
+            </a:schemeClr>
+          </a:lnRef>
+          <a:fillRef idx="1">
+            <a:schemeClr val="accent1"/>
+          </a:fillRef>
+          <a:effectRef idx="0">
+            <a:schemeClr val="accent1"/>
+          </a:effectRef>
+          <a:fontRef idx="minor">
+            <a:schemeClr val="lt1"/>
+          </a:fontRef>
+        </p:style>
+        <p:txBody>
+          <a:bodyPr rtlCol="0" anchor="ctr"/>
+          <a:lstStyle/>
+          <a:p>
+            <a:pPr algn="ctr"/>
+            <a:r>
+              <a:rPr lang="en-US" dirty="0">
+                <a:solidFill>
+                  <a:sysClr val="windowText" lastClr="000000"/>
+                </a:solidFill>
+              </a:rPr>
+              <a:t>Virtualized NIC</a:t>
             </a:r>
           </a:p>
         </p:txBody>
@@ -8962,7 +9730,7 @@
         </p:nvSpPr>
         <p:spPr>
           <a:xfrm>
-            <a:off x="1069495" y="3348211"/>
+            <a:off x="4032828" y="2891011"/>
             <a:ext cx="1342578" cy="457200"/>
           </a:xfrm>
           <a:prstGeom prst="rect">
@@ -9025,7 +9793,7 @@
         </p:nvSpPr>
         <p:spPr>
           <a:xfrm>
-            <a:off x="3589866" y="4056591"/>
+            <a:off x="4044117" y="3430056"/>
             <a:ext cx="1342578" cy="457200"/>
           </a:xfrm>
           <a:prstGeom prst="rect">
@@ -9081,14 +9849,319 @@
       </p:sp>
       <p:sp>
         <p:nvSpPr>
+          <p:cNvPr id="80" name="Rectangle 5"/>
+          <p:cNvSpPr/>
+          <p:nvPr/>
+        </p:nvSpPr>
+        <p:spPr>
+          <a:xfrm>
+            <a:off x="618274" y="5174838"/>
+            <a:ext cx="2859916" cy="437744"/>
+          </a:xfrm>
+          <a:prstGeom prst="rect">
+            <a:avLst/>
+          </a:prstGeom>
+          <a:solidFill>
+            <a:schemeClr val="tx2">
+              <a:lumMod val="20000"/>
+              <a:lumOff val="80000"/>
+            </a:schemeClr>
+          </a:solidFill>
+          <a:ln w="19050">
+            <a:solidFill>
+              <a:schemeClr val="tx1">
+                <a:lumMod val="75000"/>
+                <a:lumOff val="25000"/>
+              </a:schemeClr>
+            </a:solidFill>
+          </a:ln>
+        </p:spPr>
+        <p:style>
+          <a:lnRef idx="2">
+            <a:schemeClr val="accent1">
+              <a:shade val="50000"/>
+            </a:schemeClr>
+          </a:lnRef>
+          <a:fillRef idx="1">
+            <a:schemeClr val="accent1"/>
+          </a:fillRef>
+          <a:effectRef idx="0">
+            <a:schemeClr val="accent1"/>
+          </a:effectRef>
+          <a:fontRef idx="minor">
+            <a:schemeClr val="lt1"/>
+          </a:fontRef>
+        </p:style>
+        <p:txBody>
+          <a:bodyPr rtlCol="0" anchor="ctr"/>
+          <a:lstStyle/>
+          <a:p>
+            <a:pPr algn="ctr"/>
+            <a:r>
+              <a:rPr lang="en-US" dirty="0">
+                <a:solidFill>
+                  <a:sysClr val="windowText" lastClr="000000"/>
+                </a:solidFill>
+              </a:rPr>
+              <a:t>NIC</a:t>
+            </a:r>
+          </a:p>
+        </p:txBody>
+      </p:sp>
+      <p:sp>
+        <p:nvSpPr>
+          <p:cNvPr id="82" name="Rectangle 5"/>
+          <p:cNvSpPr/>
+          <p:nvPr/>
+        </p:nvSpPr>
+        <p:spPr>
+          <a:xfrm>
+            <a:off x="5900961" y="2576598"/>
+            <a:ext cx="2103120" cy="437744"/>
+          </a:xfrm>
+          <a:prstGeom prst="rect">
+            <a:avLst/>
+          </a:prstGeom>
+          <a:solidFill>
+            <a:schemeClr val="tx2">
+              <a:lumMod val="20000"/>
+              <a:lumOff val="80000"/>
+            </a:schemeClr>
+          </a:solidFill>
+          <a:ln w="19050">
+            <a:solidFill>
+              <a:schemeClr val="tx1">
+                <a:lumMod val="75000"/>
+                <a:lumOff val="25000"/>
+              </a:schemeClr>
+            </a:solidFill>
+          </a:ln>
+        </p:spPr>
+        <p:style>
+          <a:lnRef idx="2">
+            <a:schemeClr val="accent1">
+              <a:shade val="50000"/>
+            </a:schemeClr>
+          </a:lnRef>
+          <a:fillRef idx="1">
+            <a:schemeClr val="accent1"/>
+          </a:fillRef>
+          <a:effectRef idx="0">
+            <a:schemeClr val="accent1"/>
+          </a:effectRef>
+          <a:fontRef idx="minor">
+            <a:schemeClr val="lt1"/>
+          </a:fontRef>
+        </p:style>
+        <p:txBody>
+          <a:bodyPr rtlCol="0" anchor="ctr"/>
+          <a:lstStyle/>
+          <a:p>
+            <a:pPr algn="ctr"/>
+            <a:r>
+              <a:rPr lang="en-US" dirty="0">
+                <a:solidFill>
+                  <a:sysClr val="windowText" lastClr="000000"/>
+                </a:solidFill>
+              </a:rPr>
+              <a:t>Verbs API</a:t>
+            </a:r>
+          </a:p>
+        </p:txBody>
+      </p:sp>
+      <p:sp>
+        <p:nvSpPr>
+          <p:cNvPr id="83" name="Rectangle 5"/>
+          <p:cNvSpPr/>
+          <p:nvPr/>
+        </p:nvSpPr>
+        <p:spPr>
+          <a:xfrm>
+            <a:off x="5907118" y="3442678"/>
+            <a:ext cx="2103120" cy="437744"/>
+          </a:xfrm>
+          <a:prstGeom prst="rect">
+            <a:avLst/>
+          </a:prstGeom>
+          <a:solidFill>
+            <a:schemeClr val="tx2">
+              <a:lumMod val="20000"/>
+              <a:lumOff val="80000"/>
+            </a:schemeClr>
+          </a:solidFill>
+          <a:ln w="19050">
+            <a:solidFill>
+              <a:schemeClr val="tx1">
+                <a:lumMod val="75000"/>
+                <a:lumOff val="25000"/>
+              </a:schemeClr>
+            </a:solidFill>
+          </a:ln>
+        </p:spPr>
+        <p:style>
+          <a:lnRef idx="2">
+            <a:schemeClr val="accent1">
+              <a:shade val="50000"/>
+            </a:schemeClr>
+          </a:lnRef>
+          <a:fillRef idx="1">
+            <a:schemeClr val="accent1"/>
+          </a:fillRef>
+          <a:effectRef idx="0">
+            <a:schemeClr val="accent1"/>
+          </a:effectRef>
+          <a:fontRef idx="minor">
+            <a:schemeClr val="lt1"/>
+          </a:fontRef>
+        </p:style>
+        <p:txBody>
+          <a:bodyPr rtlCol="0" anchor="ctr"/>
+          <a:lstStyle/>
+          <a:p>
+            <a:pPr algn="ctr"/>
+            <a:r>
+              <a:rPr lang="en-US" dirty="0">
+                <a:solidFill>
+                  <a:sysClr val="windowText" lastClr="000000"/>
+                </a:solidFill>
+              </a:rPr>
+              <a:t>Container Locator</a:t>
+            </a:r>
+          </a:p>
+        </p:txBody>
+      </p:sp>
+      <p:sp>
+        <p:nvSpPr>
+          <p:cNvPr id="85" name="Rectangle 5"/>
+          <p:cNvSpPr/>
+          <p:nvPr/>
+        </p:nvSpPr>
+        <p:spPr>
+          <a:xfrm>
+            <a:off x="5904296" y="4308758"/>
+            <a:ext cx="2103120" cy="437744"/>
+          </a:xfrm>
+          <a:prstGeom prst="rect">
+            <a:avLst/>
+          </a:prstGeom>
+          <a:solidFill>
+            <a:schemeClr val="tx2">
+              <a:lumMod val="20000"/>
+              <a:lumOff val="80000"/>
+            </a:schemeClr>
+          </a:solidFill>
+          <a:ln w="19050">
+            <a:solidFill>
+              <a:schemeClr val="tx1">
+                <a:lumMod val="75000"/>
+                <a:lumOff val="25000"/>
+              </a:schemeClr>
+            </a:solidFill>
+          </a:ln>
+        </p:spPr>
+        <p:style>
+          <a:lnRef idx="2">
+            <a:schemeClr val="accent1">
+              <a:shade val="50000"/>
+            </a:schemeClr>
+          </a:lnRef>
+          <a:fillRef idx="1">
+            <a:schemeClr val="accent1"/>
+          </a:fillRef>
+          <a:effectRef idx="0">
+            <a:schemeClr val="accent1"/>
+          </a:effectRef>
+          <a:fontRef idx="minor">
+            <a:schemeClr val="lt1"/>
+          </a:fontRef>
+        </p:style>
+        <p:txBody>
+          <a:bodyPr rtlCol="0" anchor="ctr"/>
+          <a:lstStyle/>
+          <a:p>
+            <a:pPr algn="ctr"/>
+            <a:r>
+              <a:rPr lang="en-US" dirty="0">
+                <a:solidFill>
+                  <a:sysClr val="windowText" lastClr="000000"/>
+                </a:solidFill>
+              </a:rPr>
+              <a:t>Virtualized NIC</a:t>
+            </a:r>
+          </a:p>
+        </p:txBody>
+      </p:sp>
+      <p:sp>
+        <p:nvSpPr>
+          <p:cNvPr id="86" name="Rectangle 5"/>
+          <p:cNvSpPr/>
+          <p:nvPr/>
+        </p:nvSpPr>
+        <p:spPr>
+          <a:xfrm>
+            <a:off x="5901474" y="5174839"/>
+            <a:ext cx="2103120" cy="437744"/>
+          </a:xfrm>
+          <a:prstGeom prst="rect">
+            <a:avLst/>
+          </a:prstGeom>
+          <a:solidFill>
+            <a:schemeClr val="tx2">
+              <a:lumMod val="20000"/>
+              <a:lumOff val="80000"/>
+            </a:schemeClr>
+          </a:solidFill>
+          <a:ln w="19050">
+            <a:solidFill>
+              <a:schemeClr val="tx1">
+                <a:lumMod val="75000"/>
+                <a:lumOff val="25000"/>
+              </a:schemeClr>
+            </a:solidFill>
+          </a:ln>
+        </p:spPr>
+        <p:style>
+          <a:lnRef idx="2">
+            <a:schemeClr val="accent1">
+              <a:shade val="50000"/>
+            </a:schemeClr>
+          </a:lnRef>
+          <a:fillRef idx="1">
+            <a:schemeClr val="accent1"/>
+          </a:fillRef>
+          <a:effectRef idx="0">
+            <a:schemeClr val="accent1"/>
+          </a:effectRef>
+          <a:fontRef idx="minor">
+            <a:schemeClr val="lt1"/>
+          </a:fontRef>
+        </p:style>
+        <p:txBody>
+          <a:bodyPr rtlCol="0" anchor="ctr"/>
+          <a:lstStyle/>
+          <a:p>
+            <a:pPr algn="ctr"/>
+            <a:r>
+              <a:rPr lang="en-US" dirty="0">
+                <a:solidFill>
+                  <a:sysClr val="windowText" lastClr="000000"/>
+                </a:solidFill>
+              </a:rPr>
+              <a:t>NIC</a:t>
+            </a:r>
+          </a:p>
+        </p:txBody>
+      </p:sp>
+      <p:sp>
+        <p:nvSpPr>
           <p:cNvPr id="87" name="TextBox 54"/>
           <p:cNvSpPr txBox="1"/>
           <p:nvPr/>
         </p:nvSpPr>
         <p:spPr>
           <a:xfrm>
-            <a:off x="6197602" y="3146105"/>
-            <a:ext cx="1286931" cy="707886"/>
+            <a:off x="3843864" y="4111301"/>
+            <a:ext cx="2262629" cy="369332"/>
           </a:xfrm>
           <a:prstGeom prst="rect">
             <a:avLst/>
@@ -9102,7 +10175,7 @@
           <a:lstStyle/>
           <a:p>
             <a:r>
-              <a:rPr lang="en-US" sz="2000" dirty="0"/>
+              <a:rPr lang="en-US" dirty="0"/>
               <a:t>Shared Memory</a:t>
             </a:r>
           </a:p>
@@ -9111,13 +10184,16 @@
       <p:cxnSp>
         <p:nvCxnSpPr>
           <p:cNvPr id="89" name="Straight Connector 26"/>
-          <p:cNvCxnSpPr/>
+          <p:cNvCxnSpPr>
+            <a:stCxn id="69" idx="3"/>
+            <a:endCxn id="77" idx="1"/>
+          </p:cNvCxnSpPr>
           <p:nvPr/>
         </p:nvCxnSpPr>
         <p:spPr>
           <a:xfrm flipV="1">
-            <a:off x="893055" y="3590927"/>
-            <a:ext cx="182880" cy="2893"/>
+            <a:off x="3483834" y="3658656"/>
+            <a:ext cx="560283" cy="2893"/>
           </a:xfrm>
           <a:prstGeom prst="line">
             <a:avLst/>
@@ -9129,6 +10205,302 @@
             <a:prstDash val="dash"/>
             <a:headEnd type="none"/>
             <a:tailEnd type="arrow"/>
+          </a:ln>
+        </p:spPr>
+        <p:style>
+          <a:lnRef idx="1">
+            <a:schemeClr val="accent1"/>
+          </a:lnRef>
+          <a:fillRef idx="0">
+            <a:schemeClr val="accent1"/>
+          </a:fillRef>
+          <a:effectRef idx="0">
+            <a:schemeClr val="accent1"/>
+          </a:effectRef>
+          <a:fontRef idx="minor">
+            <a:schemeClr val="tx1"/>
+          </a:fontRef>
+        </p:style>
+      </p:cxnSp>
+      <p:cxnSp>
+        <p:nvCxnSpPr>
+          <p:cNvPr id="90" name="Straight Connector 26"/>
+          <p:cNvCxnSpPr/>
+          <p:nvPr/>
+        </p:nvCxnSpPr>
+        <p:spPr>
+          <a:xfrm>
+            <a:off x="3501155" y="4518771"/>
+            <a:ext cx="2403141" cy="8859"/>
+          </a:xfrm>
+          <a:prstGeom prst="line">
+            <a:avLst/>
+          </a:prstGeom>
+          <a:ln w="19050">
+            <a:solidFill>
+              <a:schemeClr val="tx1"/>
+            </a:solidFill>
+            <a:headEnd type="none"/>
+            <a:tailEnd type="arrow"/>
+          </a:ln>
+        </p:spPr>
+        <p:style>
+          <a:lnRef idx="1">
+            <a:schemeClr val="accent1"/>
+          </a:lnRef>
+          <a:fillRef idx="0">
+            <a:schemeClr val="accent1"/>
+          </a:fillRef>
+          <a:effectRef idx="0">
+            <a:schemeClr val="accent1"/>
+          </a:effectRef>
+          <a:fontRef idx="minor">
+            <a:schemeClr val="tx1"/>
+          </a:fontRef>
+        </p:style>
+      </p:cxnSp>
+      <p:cxnSp>
+        <p:nvCxnSpPr>
+          <p:cNvPr id="91" name="Straight Connector 26"/>
+          <p:cNvCxnSpPr/>
+          <p:nvPr/>
+        </p:nvCxnSpPr>
+        <p:spPr>
+          <a:xfrm>
+            <a:off x="2061821" y="3892237"/>
+            <a:ext cx="0" cy="365760"/>
+          </a:xfrm>
+          <a:prstGeom prst="line">
+            <a:avLst/>
+          </a:prstGeom>
+          <a:ln w="19050">
+            <a:solidFill>
+              <a:schemeClr val="tx1"/>
+            </a:solidFill>
+            <a:headEnd type="none"/>
+            <a:tailEnd type="arrow"/>
+          </a:ln>
+        </p:spPr>
+        <p:style>
+          <a:lnRef idx="1">
+            <a:schemeClr val="accent1"/>
+          </a:lnRef>
+          <a:fillRef idx="0">
+            <a:schemeClr val="accent1"/>
+          </a:fillRef>
+          <a:effectRef idx="0">
+            <a:schemeClr val="accent1"/>
+          </a:effectRef>
+          <a:fontRef idx="minor">
+            <a:schemeClr val="tx1"/>
+          </a:fontRef>
+        </p:style>
+      </p:cxnSp>
+      <p:cxnSp>
+        <p:nvCxnSpPr>
+          <p:cNvPr id="92" name="Straight Connector 26"/>
+          <p:cNvCxnSpPr/>
+          <p:nvPr/>
+        </p:nvCxnSpPr>
+        <p:spPr>
+          <a:xfrm>
+            <a:off x="2061822" y="4772771"/>
+            <a:ext cx="0" cy="365760"/>
+          </a:xfrm>
+          <a:prstGeom prst="line">
+            <a:avLst/>
+          </a:prstGeom>
+          <a:ln w="19050">
+            <a:solidFill>
+              <a:schemeClr val="tx1"/>
+            </a:solidFill>
+            <a:headEnd type="none"/>
+            <a:tailEnd type="arrow"/>
+          </a:ln>
+        </p:spPr>
+        <p:style>
+          <a:lnRef idx="1">
+            <a:schemeClr val="accent1"/>
+          </a:lnRef>
+          <a:fillRef idx="0">
+            <a:schemeClr val="accent1"/>
+          </a:fillRef>
+          <a:effectRef idx="0">
+            <a:schemeClr val="accent1"/>
+          </a:effectRef>
+          <a:fontRef idx="minor">
+            <a:schemeClr val="tx1"/>
+          </a:fontRef>
+        </p:style>
+      </p:cxnSp>
+      <p:cxnSp>
+        <p:nvCxnSpPr>
+          <p:cNvPr id="93" name="Straight Connector 26"/>
+          <p:cNvCxnSpPr/>
+          <p:nvPr/>
+        </p:nvCxnSpPr>
+        <p:spPr>
+          <a:xfrm>
+            <a:off x="6938622" y="3062504"/>
+            <a:ext cx="0" cy="365760"/>
+          </a:xfrm>
+          <a:prstGeom prst="line">
+            <a:avLst/>
+          </a:prstGeom>
+          <a:ln w="19050">
+            <a:solidFill>
+              <a:schemeClr val="tx1"/>
+            </a:solidFill>
+            <a:headEnd type="arrow"/>
+            <a:tailEnd type="none"/>
+          </a:ln>
+        </p:spPr>
+        <p:style>
+          <a:lnRef idx="1">
+            <a:schemeClr val="accent1"/>
+          </a:lnRef>
+          <a:fillRef idx="0">
+            <a:schemeClr val="accent1"/>
+          </a:fillRef>
+          <a:effectRef idx="0">
+            <a:schemeClr val="accent1"/>
+          </a:effectRef>
+          <a:fontRef idx="minor">
+            <a:schemeClr val="tx1"/>
+          </a:fontRef>
+        </p:style>
+      </p:cxnSp>
+      <p:cxnSp>
+        <p:nvCxnSpPr>
+          <p:cNvPr id="94" name="Straight Connector 26"/>
+          <p:cNvCxnSpPr/>
+          <p:nvPr/>
+        </p:nvCxnSpPr>
+        <p:spPr>
+          <a:xfrm>
+            <a:off x="6921688" y="3909170"/>
+            <a:ext cx="0" cy="365760"/>
+          </a:xfrm>
+          <a:prstGeom prst="line">
+            <a:avLst/>
+          </a:prstGeom>
+          <a:ln w="19050">
+            <a:solidFill>
+              <a:schemeClr val="tx1"/>
+            </a:solidFill>
+            <a:headEnd type="arrow"/>
+            <a:tailEnd type="none"/>
+          </a:ln>
+        </p:spPr>
+        <p:style>
+          <a:lnRef idx="1">
+            <a:schemeClr val="accent1"/>
+          </a:lnRef>
+          <a:fillRef idx="0">
+            <a:schemeClr val="accent1"/>
+          </a:fillRef>
+          <a:effectRef idx="0">
+            <a:schemeClr val="accent1"/>
+          </a:effectRef>
+          <a:fontRef idx="minor">
+            <a:schemeClr val="tx1"/>
+          </a:fontRef>
+        </p:style>
+      </p:cxnSp>
+      <p:cxnSp>
+        <p:nvCxnSpPr>
+          <p:cNvPr id="95" name="Straight Connector 26"/>
+          <p:cNvCxnSpPr/>
+          <p:nvPr/>
+        </p:nvCxnSpPr>
+        <p:spPr>
+          <a:xfrm>
+            <a:off x="6921689" y="4789704"/>
+            <a:ext cx="0" cy="365760"/>
+          </a:xfrm>
+          <a:prstGeom prst="line">
+            <a:avLst/>
+          </a:prstGeom>
+          <a:ln w="19050">
+            <a:solidFill>
+              <a:schemeClr val="tx1"/>
+            </a:solidFill>
+            <a:headEnd type="arrow"/>
+            <a:tailEnd type="none"/>
+          </a:ln>
+        </p:spPr>
+        <p:style>
+          <a:lnRef idx="1">
+            <a:schemeClr val="accent1"/>
+          </a:lnRef>
+          <a:fillRef idx="0">
+            <a:schemeClr val="accent1"/>
+          </a:fillRef>
+          <a:effectRef idx="0">
+            <a:schemeClr val="accent1"/>
+          </a:effectRef>
+          <a:fontRef idx="minor">
+            <a:schemeClr val="tx1"/>
+          </a:fontRef>
+        </p:style>
+      </p:cxnSp>
+      <p:cxnSp>
+        <p:nvCxnSpPr>
+          <p:cNvPr id="96" name="Straight Connector 26"/>
+          <p:cNvCxnSpPr/>
+          <p:nvPr/>
+        </p:nvCxnSpPr>
+        <p:spPr>
+          <a:xfrm>
+            <a:off x="3484222" y="5348505"/>
+            <a:ext cx="2403141" cy="8859"/>
+          </a:xfrm>
+          <a:prstGeom prst="line">
+            <a:avLst/>
+          </a:prstGeom>
+          <a:ln w="19050">
+            <a:solidFill>
+              <a:schemeClr val="tx1"/>
+            </a:solidFill>
+            <a:headEnd type="none"/>
+            <a:tailEnd type="arrow"/>
+          </a:ln>
+        </p:spPr>
+        <p:style>
+          <a:lnRef idx="1">
+            <a:schemeClr val="accent1"/>
+          </a:lnRef>
+          <a:fillRef idx="0">
+            <a:schemeClr val="accent1"/>
+          </a:fillRef>
+          <a:effectRef idx="0">
+            <a:schemeClr val="accent1"/>
+          </a:effectRef>
+          <a:fontRef idx="minor">
+            <a:schemeClr val="tx1"/>
+          </a:fontRef>
+        </p:style>
+      </p:cxnSp>
+      <p:cxnSp>
+        <p:nvCxnSpPr>
+          <p:cNvPr id="97" name="Straight Connector 26"/>
+          <p:cNvCxnSpPr/>
+          <p:nvPr/>
+        </p:nvCxnSpPr>
+        <p:spPr>
+          <a:xfrm>
+            <a:off x="6947858" y="1886151"/>
+            <a:ext cx="0" cy="685800"/>
+          </a:xfrm>
+          <a:prstGeom prst="line">
+            <a:avLst/>
+          </a:prstGeom>
+          <a:ln w="19050">
+            <a:solidFill>
+              <a:schemeClr val="tx1"/>
+            </a:solidFill>
+            <a:headEnd type="arrow"/>
+            <a:tailEnd type="none"/>
           </a:ln>
         </p:spPr>
         <p:style>
@@ -9150,15 +10522,15 @@
         <p:nvCxnSpPr>
           <p:cNvPr id="98" name="Straight Connector 26"/>
           <p:cNvCxnSpPr>
-            <a:stCxn id="76" idx="3"/>
-            <a:endCxn id="77" idx="1"/>
+            <a:stCxn id="69" idx="3"/>
+            <a:endCxn id="76" idx="1"/>
           </p:cNvCxnSpPr>
           <p:nvPr/>
         </p:nvCxnSpPr>
         <p:spPr>
-          <a:xfrm>
-            <a:off x="2412073" y="3576811"/>
-            <a:ext cx="1177793" cy="708380"/>
+          <a:xfrm flipV="1">
+            <a:off x="3483834" y="3119611"/>
+            <a:ext cx="548994" cy="541938"/>
           </a:xfrm>
           <a:prstGeom prst="bentConnector3">
             <a:avLst>
@@ -9170,6 +10542,43 @@
               <a:schemeClr val="tx1"/>
             </a:solidFill>
             <a:prstDash val="dash"/>
+            <a:headEnd type="none"/>
+            <a:tailEnd type="arrow"/>
+          </a:ln>
+        </p:spPr>
+        <p:style>
+          <a:lnRef idx="1">
+            <a:schemeClr val="accent1"/>
+          </a:lnRef>
+          <a:fillRef idx="0">
+            <a:schemeClr val="accent1"/>
+          </a:fillRef>
+          <a:effectRef idx="0">
+            <a:schemeClr val="accent1"/>
+          </a:effectRef>
+          <a:fontRef idx="minor">
+            <a:schemeClr val="tx1"/>
+          </a:fontRef>
+        </p:style>
+      </p:cxnSp>
+      <p:cxnSp>
+        <p:nvCxnSpPr>
+          <p:cNvPr id="32" name="Straight Connector 26"/>
+          <p:cNvCxnSpPr/>
+          <p:nvPr/>
+        </p:nvCxnSpPr>
+        <p:spPr>
+          <a:xfrm>
+            <a:off x="3484225" y="5483972"/>
+            <a:ext cx="2403141" cy="8859"/>
+          </a:xfrm>
+          <a:prstGeom prst="line">
+            <a:avLst/>
+          </a:prstGeom>
+          <a:ln w="19050">
+            <a:solidFill>
+              <a:schemeClr val="tx1"/>
+            </a:solidFill>
             <a:headEnd type="none"/>
             <a:tailEnd type="arrow"/>
           </a:ln>
@@ -9197,8 +10606,8 @@
         </p:nvSpPr>
         <p:spPr>
           <a:xfrm>
-            <a:off x="6197593" y="3925038"/>
-            <a:ext cx="1659474" cy="707886"/>
+            <a:off x="4267192" y="4890234"/>
+            <a:ext cx="897467" cy="369332"/>
           </a:xfrm>
           <a:prstGeom prst="rect">
             <a:avLst/>
@@ -9212,14 +10621,9 @@
           <a:lstStyle/>
           <a:p>
             <a:r>
-              <a:rPr lang="en-US" sz="2000" dirty="0"/>
-              <a:t>DPDK/</a:t>
-            </a:r>
-            <a:r>
-              <a:rPr lang="en-US" sz="2000" dirty="0" err="1"/>
-              <a:t>Netmap</a:t>
-            </a:r>
-            <a:endParaRPr lang="en-US" sz="2000" dirty="0"/>
+              <a:rPr lang="en-US" dirty="0"/>
+              <a:t>DPDK</a:t>
+            </a:r>
           </a:p>
         </p:txBody>
       </p:sp>
@@ -9231,8 +10635,8 @@
         </p:nvSpPr>
         <p:spPr>
           <a:xfrm>
-            <a:off x="6214527" y="4805568"/>
-            <a:ext cx="897467" cy="400110"/>
+            <a:off x="4216393" y="5550634"/>
+            <a:ext cx="897467" cy="369332"/>
           </a:xfrm>
           <a:prstGeom prst="rect">
             <a:avLst/>
@@ -9246,214 +10650,8 @@
           <a:lstStyle/>
           <a:p>
             <a:r>
-              <a:rPr lang="en-US" sz="2000" dirty="0"/>
+              <a:rPr lang="en-US" dirty="0"/>
               <a:t>RDMA</a:t>
-            </a:r>
-          </a:p>
-        </p:txBody>
-      </p:sp>
-      <p:cxnSp>
-        <p:nvCxnSpPr>
-          <p:cNvPr id="40" name="Straight Connector 26"/>
-          <p:cNvCxnSpPr/>
-          <p:nvPr/>
-        </p:nvCxnSpPr>
-        <p:spPr>
-          <a:xfrm>
-            <a:off x="4935140" y="4304944"/>
-            <a:ext cx="1177793" cy="708380"/>
-          </a:xfrm>
-          <a:prstGeom prst="bentConnector3">
-            <a:avLst>
-              <a:gd name="adj1" fmla="val 50000"/>
-            </a:avLst>
-          </a:prstGeom>
-          <a:ln w="28575" cmpd="sng">
-            <a:solidFill>
-              <a:schemeClr val="tx1"/>
-            </a:solidFill>
-            <a:prstDash val="dash"/>
-            <a:headEnd type="none"/>
-            <a:tailEnd type="arrow"/>
-          </a:ln>
-        </p:spPr>
-        <p:style>
-          <a:lnRef idx="1">
-            <a:schemeClr val="accent1"/>
-          </a:lnRef>
-          <a:fillRef idx="0">
-            <a:schemeClr val="accent1"/>
-          </a:fillRef>
-          <a:effectRef idx="0">
-            <a:schemeClr val="accent1"/>
-          </a:effectRef>
-          <a:fontRef idx="minor">
-            <a:schemeClr val="tx1"/>
-          </a:fontRef>
-        </p:style>
-      </p:cxnSp>
-      <p:sp>
-        <p:nvSpPr>
-          <p:cNvPr id="41" name="TextBox 54"/>
-          <p:cNvSpPr txBox="1"/>
-          <p:nvPr/>
-        </p:nvSpPr>
-        <p:spPr>
-          <a:xfrm>
-            <a:off x="1896543" y="4365299"/>
-            <a:ext cx="2319864" cy="400110"/>
-          </a:xfrm>
-          <a:prstGeom prst="rect">
-            <a:avLst/>
-          </a:prstGeom>
-          <a:noFill/>
-        </p:spPr>
-        <p:txBody>
-          <a:bodyPr wrap="square" rtlCol="0">
-            <a:spAutoFit/>
-          </a:bodyPr>
-          <a:lstStyle/>
-          <a:p>
-            <a:pPr algn="ctr"/>
-            <a:r>
-              <a:rPr lang="en-US" sz="2000" dirty="0"/>
-              <a:t>Inter-VM</a:t>
-            </a:r>
-          </a:p>
-        </p:txBody>
-      </p:sp>
-      <p:cxnSp>
-        <p:nvCxnSpPr>
-          <p:cNvPr id="43" name="Straight Connector 26"/>
-          <p:cNvCxnSpPr/>
-          <p:nvPr/>
-        </p:nvCxnSpPr>
-        <p:spPr>
-          <a:xfrm>
-            <a:off x="2417034" y="3576884"/>
-            <a:ext cx="3678966" cy="0"/>
-          </a:xfrm>
-          <a:prstGeom prst="line">
-            <a:avLst/>
-          </a:prstGeom>
-          <a:ln w="28575" cmpd="sng">
-            <a:solidFill>
-              <a:schemeClr val="tx1"/>
-            </a:solidFill>
-            <a:prstDash val="dash"/>
-            <a:headEnd type="none"/>
-            <a:tailEnd type="arrow"/>
-          </a:ln>
-        </p:spPr>
-        <p:style>
-          <a:lnRef idx="1">
-            <a:schemeClr val="accent1"/>
-          </a:lnRef>
-          <a:fillRef idx="0">
-            <a:schemeClr val="accent1"/>
-          </a:fillRef>
-          <a:effectRef idx="0">
-            <a:schemeClr val="accent1"/>
-          </a:effectRef>
-          <a:fontRef idx="minor">
-            <a:schemeClr val="tx1"/>
-          </a:fontRef>
-        </p:style>
-      </p:cxnSp>
-      <p:sp>
-        <p:nvSpPr>
-          <p:cNvPr id="45" name="TextBox 54"/>
-          <p:cNvSpPr txBox="1"/>
-          <p:nvPr/>
-        </p:nvSpPr>
-        <p:spPr>
-          <a:xfrm>
-            <a:off x="4385745" y="3738769"/>
-            <a:ext cx="2319864" cy="400110"/>
-          </a:xfrm>
-          <a:prstGeom prst="rect">
-            <a:avLst/>
-          </a:prstGeom>
-          <a:noFill/>
-        </p:spPr>
-        <p:txBody>
-          <a:bodyPr wrap="square" rtlCol="0">
-            <a:spAutoFit/>
-          </a:bodyPr>
-          <a:lstStyle/>
-          <a:p>
-            <a:pPr algn="ctr"/>
-            <a:r>
-              <a:rPr lang="en-US" sz="2000" dirty="0"/>
-              <a:t>Intra-host</a:t>
-            </a:r>
-          </a:p>
-        </p:txBody>
-      </p:sp>
-      <p:cxnSp>
-        <p:nvCxnSpPr>
-          <p:cNvPr id="46" name="Straight Connector 26"/>
-          <p:cNvCxnSpPr/>
-          <p:nvPr/>
-        </p:nvCxnSpPr>
-        <p:spPr>
-          <a:xfrm flipV="1">
-            <a:off x="4940115" y="4301067"/>
-            <a:ext cx="1206700" cy="3951"/>
-          </a:xfrm>
-          <a:prstGeom prst="line">
-            <a:avLst/>
-          </a:prstGeom>
-          <a:ln w="28575" cmpd="sng">
-            <a:solidFill>
-              <a:schemeClr val="tx1"/>
-            </a:solidFill>
-            <a:prstDash val="dash"/>
-            <a:headEnd type="none"/>
-            <a:tailEnd type="arrow"/>
-          </a:ln>
-        </p:spPr>
-        <p:style>
-          <a:lnRef idx="1">
-            <a:schemeClr val="accent1"/>
-          </a:lnRef>
-          <a:fillRef idx="0">
-            <a:schemeClr val="accent1"/>
-          </a:fillRef>
-          <a:effectRef idx="0">
-            <a:schemeClr val="accent1"/>
-          </a:effectRef>
-          <a:fontRef idx="minor">
-            <a:schemeClr val="tx1"/>
-          </a:fontRef>
-        </p:style>
-      </p:cxnSp>
-      <p:sp>
-        <p:nvSpPr>
-          <p:cNvPr id="48" name="TextBox 54"/>
-          <p:cNvSpPr txBox="1"/>
-          <p:nvPr/>
-        </p:nvSpPr>
-        <p:spPr>
-          <a:xfrm>
-            <a:off x="4402685" y="5076500"/>
-            <a:ext cx="2319864" cy="400110"/>
-          </a:xfrm>
-          <a:prstGeom prst="rect">
-            <a:avLst/>
-          </a:prstGeom>
-          <a:noFill/>
-        </p:spPr>
-        <p:txBody>
-          <a:bodyPr wrap="square" rtlCol="0">
-            <a:spAutoFit/>
-          </a:bodyPr>
-          <a:lstStyle/>
-          <a:p>
-            <a:pPr algn="ctr"/>
-            <a:r>
-              <a:rPr lang="en-US" sz="2000" dirty="0"/>
-              <a:t>Inter-host</a:t>
             </a:r>
           </a:p>
         </p:txBody>
@@ -9461,7 +10659,7 @@
     </p:spTree>
     <p:extLst>
       <p:ext uri="{BB962C8B-B14F-4D97-AF65-F5344CB8AC3E}">
-        <p14:creationId xmlns:p14="http://schemas.microsoft.com/office/powerpoint/2010/main" val="3120842089"/>
+        <p14:creationId xmlns:p14="http://schemas.microsoft.com/office/powerpoint/2010/main" val="1164031415"/>
       </p:ext>
     </p:extLst>
   </p:cSld>
@@ -9490,6 +10688,570 @@
       </p:grpSpPr>
       <p:sp>
         <p:nvSpPr>
+          <p:cNvPr id="55" name="TextBox 54"/>
+          <p:cNvSpPr txBox="1"/>
+          <p:nvPr/>
+        </p:nvSpPr>
+        <p:spPr>
+          <a:xfrm>
+            <a:off x="1947340" y="3061433"/>
+            <a:ext cx="2319864" cy="400110"/>
+          </a:xfrm>
+          <a:prstGeom prst="rect">
+            <a:avLst/>
+          </a:prstGeom>
+          <a:noFill/>
+        </p:spPr>
+        <p:txBody>
+          <a:bodyPr wrap="square" rtlCol="0">
+            <a:spAutoFit/>
+          </a:bodyPr>
+          <a:lstStyle/>
+          <a:p>
+            <a:pPr algn="ctr"/>
+            <a:r>
+              <a:rPr lang="en-US" sz="2000" dirty="0"/>
+              <a:t>Intra-VM</a:t>
+            </a:r>
+          </a:p>
+        </p:txBody>
+      </p:sp>
+      <p:sp>
+        <p:nvSpPr>
+          <p:cNvPr id="76" name="Rectangle 5"/>
+          <p:cNvSpPr/>
+          <p:nvPr/>
+        </p:nvSpPr>
+        <p:spPr>
+          <a:xfrm>
+            <a:off x="1069495" y="3348211"/>
+            <a:ext cx="1342578" cy="457200"/>
+          </a:xfrm>
+          <a:prstGeom prst="rect">
+            <a:avLst/>
+          </a:prstGeom>
+          <a:solidFill>
+            <a:srgbClr val="FFFFFF"/>
+          </a:solidFill>
+          <a:ln w="19050">
+            <a:solidFill>
+              <a:schemeClr val="tx1">
+                <a:lumMod val="75000"/>
+                <a:lumOff val="25000"/>
+              </a:schemeClr>
+            </a:solidFill>
+          </a:ln>
+        </p:spPr>
+        <p:style>
+          <a:lnRef idx="2">
+            <a:schemeClr val="accent1">
+              <a:shade val="50000"/>
+            </a:schemeClr>
+          </a:lnRef>
+          <a:fillRef idx="1">
+            <a:schemeClr val="accent1"/>
+          </a:fillRef>
+          <a:effectRef idx="0">
+            <a:schemeClr val="accent1"/>
+          </a:effectRef>
+          <a:fontRef idx="minor">
+            <a:schemeClr val="lt1"/>
+          </a:fontRef>
+        </p:style>
+        <p:txBody>
+          <a:bodyPr rtlCol="0" anchor="ctr"/>
+          <a:lstStyle/>
+          <a:p>
+            <a:pPr algn="ctr"/>
+            <a:r>
+              <a:rPr lang="en-US" dirty="0" err="1">
+                <a:solidFill>
+                  <a:sysClr val="windowText" lastClr="000000"/>
+                </a:solidFill>
+              </a:rPr>
+              <a:t>Mesos</a:t>
+            </a:r>
+            <a:endParaRPr lang="en-US" dirty="0">
+              <a:solidFill>
+                <a:sysClr val="windowText" lastClr="000000"/>
+              </a:solidFill>
+            </a:endParaRPr>
+          </a:p>
+        </p:txBody>
+      </p:sp>
+      <p:sp>
+        <p:nvSpPr>
+          <p:cNvPr id="77" name="Rectangle 5"/>
+          <p:cNvSpPr/>
+          <p:nvPr/>
+        </p:nvSpPr>
+        <p:spPr>
+          <a:xfrm>
+            <a:off x="3589866" y="4056591"/>
+            <a:ext cx="1342578" cy="457200"/>
+          </a:xfrm>
+          <a:prstGeom prst="rect">
+            <a:avLst/>
+          </a:prstGeom>
+          <a:solidFill>
+            <a:srgbClr val="FFFFFF"/>
+          </a:solidFill>
+          <a:ln w="19050">
+            <a:solidFill>
+              <a:schemeClr val="tx1">
+                <a:lumMod val="75000"/>
+                <a:lumOff val="25000"/>
+              </a:schemeClr>
+            </a:solidFill>
+          </a:ln>
+        </p:spPr>
+        <p:style>
+          <a:lnRef idx="2">
+            <a:schemeClr val="accent1">
+              <a:shade val="50000"/>
+            </a:schemeClr>
+          </a:lnRef>
+          <a:fillRef idx="1">
+            <a:schemeClr val="accent1"/>
+          </a:fillRef>
+          <a:effectRef idx="0">
+            <a:schemeClr val="accent1"/>
+          </a:effectRef>
+          <a:fontRef idx="minor">
+            <a:schemeClr val="lt1"/>
+          </a:fontRef>
+        </p:style>
+        <p:txBody>
+          <a:bodyPr rtlCol="0" anchor="ctr"/>
+          <a:lstStyle/>
+          <a:p>
+            <a:pPr algn="ctr">
+              <a:lnSpc>
+                <a:spcPct val="80000"/>
+              </a:lnSpc>
+            </a:pPr>
+            <a:r>
+              <a:rPr lang="en-US" dirty="0">
+                <a:solidFill>
+                  <a:sysClr val="windowText" lastClr="000000"/>
+                </a:solidFill>
+              </a:rPr>
+              <a:t>Fabric Controller</a:t>
+            </a:r>
+          </a:p>
+        </p:txBody>
+      </p:sp>
+      <p:sp>
+        <p:nvSpPr>
+          <p:cNvPr id="87" name="TextBox 54"/>
+          <p:cNvSpPr txBox="1"/>
+          <p:nvPr/>
+        </p:nvSpPr>
+        <p:spPr>
+          <a:xfrm>
+            <a:off x="6197602" y="3146105"/>
+            <a:ext cx="1286931" cy="707886"/>
+          </a:xfrm>
+          <a:prstGeom prst="rect">
+            <a:avLst/>
+          </a:prstGeom>
+          <a:noFill/>
+        </p:spPr>
+        <p:txBody>
+          <a:bodyPr wrap="square" rtlCol="0">
+            <a:spAutoFit/>
+          </a:bodyPr>
+          <a:lstStyle/>
+          <a:p>
+            <a:r>
+              <a:rPr lang="en-US" sz="2000" dirty="0"/>
+              <a:t>Shared Memory</a:t>
+            </a:r>
+          </a:p>
+        </p:txBody>
+      </p:sp>
+      <p:cxnSp>
+        <p:nvCxnSpPr>
+          <p:cNvPr id="89" name="Straight Connector 26"/>
+          <p:cNvCxnSpPr/>
+          <p:nvPr/>
+        </p:nvCxnSpPr>
+        <p:spPr>
+          <a:xfrm flipV="1">
+            <a:off x="893055" y="3590927"/>
+            <a:ext cx="182880" cy="2893"/>
+          </a:xfrm>
+          <a:prstGeom prst="line">
+            <a:avLst/>
+          </a:prstGeom>
+          <a:ln w="28575" cmpd="sng">
+            <a:solidFill>
+              <a:schemeClr val="tx1"/>
+            </a:solidFill>
+            <a:prstDash val="dash"/>
+            <a:headEnd type="none"/>
+            <a:tailEnd type="arrow"/>
+          </a:ln>
+        </p:spPr>
+        <p:style>
+          <a:lnRef idx="1">
+            <a:schemeClr val="accent1"/>
+          </a:lnRef>
+          <a:fillRef idx="0">
+            <a:schemeClr val="accent1"/>
+          </a:fillRef>
+          <a:effectRef idx="0">
+            <a:schemeClr val="accent1"/>
+          </a:effectRef>
+          <a:fontRef idx="minor">
+            <a:schemeClr val="tx1"/>
+          </a:fontRef>
+        </p:style>
+      </p:cxnSp>
+      <p:cxnSp>
+        <p:nvCxnSpPr>
+          <p:cNvPr id="98" name="Straight Connector 26"/>
+          <p:cNvCxnSpPr>
+            <a:stCxn id="76" idx="3"/>
+            <a:endCxn id="77" idx="1"/>
+          </p:cNvCxnSpPr>
+          <p:nvPr/>
+        </p:nvCxnSpPr>
+        <p:spPr>
+          <a:xfrm>
+            <a:off x="2412073" y="3576811"/>
+            <a:ext cx="1177793" cy="708380"/>
+          </a:xfrm>
+          <a:prstGeom prst="bentConnector3">
+            <a:avLst>
+              <a:gd name="adj1" fmla="val 50000"/>
+            </a:avLst>
+          </a:prstGeom>
+          <a:ln w="28575" cmpd="sng">
+            <a:solidFill>
+              <a:schemeClr val="tx1"/>
+            </a:solidFill>
+            <a:prstDash val="dash"/>
+            <a:headEnd type="none"/>
+            <a:tailEnd type="arrow"/>
+          </a:ln>
+        </p:spPr>
+        <p:style>
+          <a:lnRef idx="1">
+            <a:schemeClr val="accent1"/>
+          </a:lnRef>
+          <a:fillRef idx="0">
+            <a:schemeClr val="accent1"/>
+          </a:fillRef>
+          <a:effectRef idx="0">
+            <a:schemeClr val="accent1"/>
+          </a:effectRef>
+          <a:fontRef idx="minor">
+            <a:schemeClr val="tx1"/>
+          </a:fontRef>
+        </p:style>
+      </p:cxnSp>
+      <p:sp>
+        <p:nvSpPr>
+          <p:cNvPr id="33" name="TextBox 54"/>
+          <p:cNvSpPr txBox="1"/>
+          <p:nvPr/>
+        </p:nvSpPr>
+        <p:spPr>
+          <a:xfrm>
+            <a:off x="6197593" y="3925038"/>
+            <a:ext cx="1659474" cy="707886"/>
+          </a:xfrm>
+          <a:prstGeom prst="rect">
+            <a:avLst/>
+          </a:prstGeom>
+          <a:noFill/>
+        </p:spPr>
+        <p:txBody>
+          <a:bodyPr wrap="square" rtlCol="0">
+            <a:spAutoFit/>
+          </a:bodyPr>
+          <a:lstStyle/>
+          <a:p>
+            <a:r>
+              <a:rPr lang="en-US" sz="2000" dirty="0"/>
+              <a:t>DPDK/</a:t>
+            </a:r>
+            <a:r>
+              <a:rPr lang="en-US" sz="2000" dirty="0" err="1"/>
+              <a:t>Netmap</a:t>
+            </a:r>
+            <a:endParaRPr lang="en-US" sz="2000" dirty="0"/>
+          </a:p>
+        </p:txBody>
+      </p:sp>
+      <p:sp>
+        <p:nvSpPr>
+          <p:cNvPr id="34" name="TextBox 54"/>
+          <p:cNvSpPr txBox="1"/>
+          <p:nvPr/>
+        </p:nvSpPr>
+        <p:spPr>
+          <a:xfrm>
+            <a:off x="6214527" y="4805568"/>
+            <a:ext cx="897467" cy="400110"/>
+          </a:xfrm>
+          <a:prstGeom prst="rect">
+            <a:avLst/>
+          </a:prstGeom>
+          <a:noFill/>
+        </p:spPr>
+        <p:txBody>
+          <a:bodyPr wrap="square" rtlCol="0">
+            <a:spAutoFit/>
+          </a:bodyPr>
+          <a:lstStyle/>
+          <a:p>
+            <a:r>
+              <a:rPr lang="en-US" sz="2000" dirty="0"/>
+              <a:t>RDMA</a:t>
+            </a:r>
+          </a:p>
+        </p:txBody>
+      </p:sp>
+      <p:cxnSp>
+        <p:nvCxnSpPr>
+          <p:cNvPr id="40" name="Straight Connector 26"/>
+          <p:cNvCxnSpPr/>
+          <p:nvPr/>
+        </p:nvCxnSpPr>
+        <p:spPr>
+          <a:xfrm>
+            <a:off x="4935140" y="4304944"/>
+            <a:ext cx="1177793" cy="708380"/>
+          </a:xfrm>
+          <a:prstGeom prst="bentConnector3">
+            <a:avLst>
+              <a:gd name="adj1" fmla="val 50000"/>
+            </a:avLst>
+          </a:prstGeom>
+          <a:ln w="28575" cmpd="sng">
+            <a:solidFill>
+              <a:schemeClr val="tx1"/>
+            </a:solidFill>
+            <a:prstDash val="dash"/>
+            <a:headEnd type="none"/>
+            <a:tailEnd type="arrow"/>
+          </a:ln>
+        </p:spPr>
+        <p:style>
+          <a:lnRef idx="1">
+            <a:schemeClr val="accent1"/>
+          </a:lnRef>
+          <a:fillRef idx="0">
+            <a:schemeClr val="accent1"/>
+          </a:fillRef>
+          <a:effectRef idx="0">
+            <a:schemeClr val="accent1"/>
+          </a:effectRef>
+          <a:fontRef idx="minor">
+            <a:schemeClr val="tx1"/>
+          </a:fontRef>
+        </p:style>
+      </p:cxnSp>
+      <p:sp>
+        <p:nvSpPr>
+          <p:cNvPr id="41" name="TextBox 54"/>
+          <p:cNvSpPr txBox="1"/>
+          <p:nvPr/>
+        </p:nvSpPr>
+        <p:spPr>
+          <a:xfrm>
+            <a:off x="1896543" y="4365299"/>
+            <a:ext cx="2319864" cy="400110"/>
+          </a:xfrm>
+          <a:prstGeom prst="rect">
+            <a:avLst/>
+          </a:prstGeom>
+          <a:noFill/>
+        </p:spPr>
+        <p:txBody>
+          <a:bodyPr wrap="square" rtlCol="0">
+            <a:spAutoFit/>
+          </a:bodyPr>
+          <a:lstStyle/>
+          <a:p>
+            <a:pPr algn="ctr"/>
+            <a:r>
+              <a:rPr lang="en-US" sz="2000" dirty="0"/>
+              <a:t>Inter-VM</a:t>
+            </a:r>
+          </a:p>
+        </p:txBody>
+      </p:sp>
+      <p:cxnSp>
+        <p:nvCxnSpPr>
+          <p:cNvPr id="43" name="Straight Connector 26"/>
+          <p:cNvCxnSpPr/>
+          <p:nvPr/>
+        </p:nvCxnSpPr>
+        <p:spPr>
+          <a:xfrm>
+            <a:off x="2417034" y="3576884"/>
+            <a:ext cx="3678966" cy="0"/>
+          </a:xfrm>
+          <a:prstGeom prst="line">
+            <a:avLst/>
+          </a:prstGeom>
+          <a:ln w="28575" cmpd="sng">
+            <a:solidFill>
+              <a:schemeClr val="tx1"/>
+            </a:solidFill>
+            <a:prstDash val="dash"/>
+            <a:headEnd type="none"/>
+            <a:tailEnd type="arrow"/>
+          </a:ln>
+        </p:spPr>
+        <p:style>
+          <a:lnRef idx="1">
+            <a:schemeClr val="accent1"/>
+          </a:lnRef>
+          <a:fillRef idx="0">
+            <a:schemeClr val="accent1"/>
+          </a:fillRef>
+          <a:effectRef idx="0">
+            <a:schemeClr val="accent1"/>
+          </a:effectRef>
+          <a:fontRef idx="minor">
+            <a:schemeClr val="tx1"/>
+          </a:fontRef>
+        </p:style>
+      </p:cxnSp>
+      <p:sp>
+        <p:nvSpPr>
+          <p:cNvPr id="45" name="TextBox 54"/>
+          <p:cNvSpPr txBox="1"/>
+          <p:nvPr/>
+        </p:nvSpPr>
+        <p:spPr>
+          <a:xfrm>
+            <a:off x="4385745" y="3738769"/>
+            <a:ext cx="2319864" cy="400110"/>
+          </a:xfrm>
+          <a:prstGeom prst="rect">
+            <a:avLst/>
+          </a:prstGeom>
+          <a:noFill/>
+        </p:spPr>
+        <p:txBody>
+          <a:bodyPr wrap="square" rtlCol="0">
+            <a:spAutoFit/>
+          </a:bodyPr>
+          <a:lstStyle/>
+          <a:p>
+            <a:pPr algn="ctr"/>
+            <a:r>
+              <a:rPr lang="en-US" sz="2000" dirty="0"/>
+              <a:t>Intra-host</a:t>
+            </a:r>
+          </a:p>
+        </p:txBody>
+      </p:sp>
+      <p:cxnSp>
+        <p:nvCxnSpPr>
+          <p:cNvPr id="46" name="Straight Connector 26"/>
+          <p:cNvCxnSpPr/>
+          <p:nvPr/>
+        </p:nvCxnSpPr>
+        <p:spPr>
+          <a:xfrm flipV="1">
+            <a:off x="4940115" y="4301067"/>
+            <a:ext cx="1206700" cy="3951"/>
+          </a:xfrm>
+          <a:prstGeom prst="line">
+            <a:avLst/>
+          </a:prstGeom>
+          <a:ln w="28575" cmpd="sng">
+            <a:solidFill>
+              <a:schemeClr val="tx1"/>
+            </a:solidFill>
+            <a:prstDash val="dash"/>
+            <a:headEnd type="none"/>
+            <a:tailEnd type="arrow"/>
+          </a:ln>
+        </p:spPr>
+        <p:style>
+          <a:lnRef idx="1">
+            <a:schemeClr val="accent1"/>
+          </a:lnRef>
+          <a:fillRef idx="0">
+            <a:schemeClr val="accent1"/>
+          </a:fillRef>
+          <a:effectRef idx="0">
+            <a:schemeClr val="accent1"/>
+          </a:effectRef>
+          <a:fontRef idx="minor">
+            <a:schemeClr val="tx1"/>
+          </a:fontRef>
+        </p:style>
+      </p:cxnSp>
+      <p:sp>
+        <p:nvSpPr>
+          <p:cNvPr id="48" name="TextBox 54"/>
+          <p:cNvSpPr txBox="1"/>
+          <p:nvPr/>
+        </p:nvSpPr>
+        <p:spPr>
+          <a:xfrm>
+            <a:off x="4402685" y="5076500"/>
+            <a:ext cx="2319864" cy="400110"/>
+          </a:xfrm>
+          <a:prstGeom prst="rect">
+            <a:avLst/>
+          </a:prstGeom>
+          <a:noFill/>
+        </p:spPr>
+        <p:txBody>
+          <a:bodyPr wrap="square" rtlCol="0">
+            <a:spAutoFit/>
+          </a:bodyPr>
+          <a:lstStyle/>
+          <a:p>
+            <a:pPr algn="ctr"/>
+            <a:r>
+              <a:rPr lang="en-US" sz="2000" dirty="0"/>
+              <a:t>Inter-host</a:t>
+            </a:r>
+          </a:p>
+        </p:txBody>
+      </p:sp>
+    </p:spTree>
+    <p:extLst>
+      <p:ext uri="{BB962C8B-B14F-4D97-AF65-F5344CB8AC3E}">
+        <p14:creationId xmlns:p14="http://schemas.microsoft.com/office/powerpoint/2010/main" val="3120842089"/>
+      </p:ext>
+    </p:extLst>
+  </p:cSld>
+  <p:clrMapOvr>
+    <a:masterClrMapping/>
+  </p:clrMapOvr>
+</p:sld>
+</file>
+
+<file path=ppt/slides/slide16.xml><?xml version="1.0" encoding="utf-8"?>
+<p:sld xmlns:a="http://schemas.openxmlformats.org/drawingml/2006/main" xmlns:r="http://schemas.openxmlformats.org/officeDocument/2006/relationships" xmlns:p="http://schemas.openxmlformats.org/presentationml/2006/main">
+  <p:cSld>
+    <p:spTree>
+      <p:nvGrpSpPr>
+        <p:cNvPr id="1" name=""/>
+        <p:cNvGrpSpPr/>
+        <p:nvPr/>
+      </p:nvGrpSpPr>
+      <p:grpSpPr>
+        <a:xfrm>
+          <a:off x="0" y="0"/>
+          <a:ext cx="0" cy="0"/>
+          <a:chOff x="0" y="0"/>
+          <a:chExt cx="0" cy="0"/>
+        </a:xfrm>
+      </p:grpSpPr>
+      <p:sp>
+        <p:nvSpPr>
           <p:cNvPr id="4" name="Rectangle 3"/>
           <p:cNvSpPr/>
           <p:nvPr/>
@@ -9546,7 +11308,7 @@
           <p:nvPr/>
         </p:nvPicPr>
         <p:blipFill rotWithShape="1">
-          <a:blip r:embed="rId2">
+          <a:blip r:embed="rId2" cstate="print">
             <a:extLst>
               <a:ext uri="{BEBA8EAE-BF5A-486C-A8C5-ECC9F3942E4B}">
                 <a14:imgProps xmlns:a14="http://schemas.microsoft.com/office/drawing/2010/main">
@@ -10011,7 +11773,7 @@
           <p:nvPr/>
         </p:nvPicPr>
         <p:blipFill rotWithShape="1">
-          <a:blip r:embed="rId2">
+          <a:blip r:embed="rId2" cstate="print">
             <a:extLst>
               <a:ext uri="{BEBA8EAE-BF5A-486C-A8C5-ECC9F3942E4B}">
                 <a14:imgProps xmlns:a14="http://schemas.microsoft.com/office/drawing/2010/main">
@@ -11465,6 +13227,14 @@
   <p:clrMapOvr>
     <a:masterClrMapping/>
   </p:clrMapOvr>
+  <mc:AlternateContent xmlns:mc="http://schemas.openxmlformats.org/markup-compatibility/2006">
+    <mc:Choice xmlns:p14="http://schemas.microsoft.com/office/powerpoint/2010/main" Requires="p14">
+      <p:transition spd="slow" p14:dur="2000"/>
+    </mc:Choice>
+    <mc:Fallback>
+      <p:transition spd="slow"/>
+    </mc:Fallback>
+  </mc:AlternateContent>
 </p:sld>
 </file>
 
@@ -12911,6 +14681,14 @@
   <p:clrMapOvr>
     <a:masterClrMapping/>
   </p:clrMapOvr>
+  <mc:AlternateContent xmlns:mc="http://schemas.openxmlformats.org/markup-compatibility/2006">
+    <mc:Choice xmlns:p14="http://schemas.microsoft.com/office/powerpoint/2010/main" Requires="p14">
+      <p:transition spd="slow" p14:dur="2000"/>
+    </mc:Choice>
+    <mc:Fallback>
+      <p:transition spd="slow"/>
+    </mc:Fallback>
+  </mc:AlternateContent>
 </p:sld>
 </file>
 
@@ -16980,6 +18758,14 @@
   <p:clrMapOvr>
     <a:masterClrMapping/>
   </p:clrMapOvr>
+  <mc:AlternateContent xmlns:mc="http://schemas.openxmlformats.org/markup-compatibility/2006">
+    <mc:Choice xmlns:p14="http://schemas.microsoft.com/office/powerpoint/2010/main" Requires="p14">
+      <p:transition spd="slow" p14:dur="2000"/>
+    </mc:Choice>
+    <mc:Fallback>
+      <p:transition spd="slow"/>
+    </mc:Fallback>
+  </mc:AlternateContent>
 </p:sld>
 </file>
 
@@ -18172,6 +19958,14 @@
   <p:clrMapOvr>
     <a:masterClrMapping/>
   </p:clrMapOvr>
+  <mc:AlternateContent xmlns:mc="http://schemas.openxmlformats.org/markup-compatibility/2006">
+    <mc:Choice xmlns:p14="http://schemas.microsoft.com/office/powerpoint/2010/main" Requires="p14">
+      <p:transition spd="slow" p14:dur="2000"/>
+    </mc:Choice>
+    <mc:Fallback>
+      <p:transition spd="slow"/>
+    </mc:Fallback>
+  </mc:AlternateContent>
 </p:sld>
 </file>
 
@@ -18250,7 +20044,7 @@
           <p:nvPr/>
         </p:nvPicPr>
         <p:blipFill rotWithShape="1">
-          <a:blip r:embed="rId2">
+          <a:blip r:embed="rId2" cstate="print">
             <a:extLst>
               <a:ext uri="{BEBA8EAE-BF5A-486C-A8C5-ECC9F3942E4B}">
                 <a14:imgProps xmlns:a14="http://schemas.microsoft.com/office/drawing/2010/main">
@@ -18882,7 +20676,7 @@
           <p:nvPr/>
         </p:nvPicPr>
         <p:blipFill rotWithShape="1">
-          <a:blip r:embed="rId2">
+          <a:blip r:embed="rId2" cstate="print">
             <a:extLst>
               <a:ext uri="{BEBA8EAE-BF5A-486C-A8C5-ECC9F3942E4B}">
                 <a14:imgProps xmlns:a14="http://schemas.microsoft.com/office/drawing/2010/main">
